--- a/Documentação/HLD.LLD.DIAGRAMA.pptx
+++ b/Documentação/HLD.LLD.DIAGRAMA.pptx
@@ -8,7 +8,7 @@
     <p:sldId id="256" r:id="rId5"/>
     <p:sldId id="263" r:id="rId6"/>
     <p:sldId id="264" r:id="rId7"/>
-    <p:sldId id="265" r:id="rId8"/>
+    <p:sldId id="266" r:id="rId8"/>
   </p:sldIdLst>
   <p:sldSz cx="12192000" cy="6858000"/>
   <p:notesSz cx="6858000" cy="9144000"/>
@@ -262,7 +262,7 @@
           <a:p>
             <a:fld id="{7668FBEF-3CD8-4E97-B80F-AF0D925322BB}" type="datetimeFigureOut">
               <a:rPr lang="pt-BR" smtClean="0"/>
-              <a:t>01/10/2020</a:t>
+              <a:t>07/10/2020</a:t>
             </a:fld>
             <a:endParaRPr lang="pt-BR"/>
           </a:p>
@@ -460,7 +460,7 @@
           <a:p>
             <a:fld id="{7668FBEF-3CD8-4E97-B80F-AF0D925322BB}" type="datetimeFigureOut">
               <a:rPr lang="pt-BR" smtClean="0"/>
-              <a:t>01/10/2020</a:t>
+              <a:t>07/10/2020</a:t>
             </a:fld>
             <a:endParaRPr lang="pt-BR"/>
           </a:p>
@@ -668,7 +668,7 @@
           <a:p>
             <a:fld id="{7668FBEF-3CD8-4E97-B80F-AF0D925322BB}" type="datetimeFigureOut">
               <a:rPr lang="pt-BR" smtClean="0"/>
-              <a:t>01/10/2020</a:t>
+              <a:t>07/10/2020</a:t>
             </a:fld>
             <a:endParaRPr lang="pt-BR"/>
           </a:p>
@@ -866,7 +866,7 @@
           <a:p>
             <a:fld id="{7668FBEF-3CD8-4E97-B80F-AF0D925322BB}" type="datetimeFigureOut">
               <a:rPr lang="pt-BR" smtClean="0"/>
-              <a:t>01/10/2020</a:t>
+              <a:t>07/10/2020</a:t>
             </a:fld>
             <a:endParaRPr lang="pt-BR"/>
           </a:p>
@@ -1141,7 +1141,7 @@
           <a:p>
             <a:fld id="{7668FBEF-3CD8-4E97-B80F-AF0D925322BB}" type="datetimeFigureOut">
               <a:rPr lang="pt-BR" smtClean="0"/>
-              <a:t>01/10/2020</a:t>
+              <a:t>07/10/2020</a:t>
             </a:fld>
             <a:endParaRPr lang="pt-BR"/>
           </a:p>
@@ -1406,7 +1406,7 @@
           <a:p>
             <a:fld id="{7668FBEF-3CD8-4E97-B80F-AF0D925322BB}" type="datetimeFigureOut">
               <a:rPr lang="pt-BR" smtClean="0"/>
-              <a:t>01/10/2020</a:t>
+              <a:t>07/10/2020</a:t>
             </a:fld>
             <a:endParaRPr lang="pt-BR"/>
           </a:p>
@@ -1818,7 +1818,7 @@
           <a:p>
             <a:fld id="{7668FBEF-3CD8-4E97-B80F-AF0D925322BB}" type="datetimeFigureOut">
               <a:rPr lang="pt-BR" smtClean="0"/>
-              <a:t>01/10/2020</a:t>
+              <a:t>07/10/2020</a:t>
             </a:fld>
             <a:endParaRPr lang="pt-BR"/>
           </a:p>
@@ -1959,7 +1959,7 @@
           <a:p>
             <a:fld id="{7668FBEF-3CD8-4E97-B80F-AF0D925322BB}" type="datetimeFigureOut">
               <a:rPr lang="pt-BR" smtClean="0"/>
-              <a:t>01/10/2020</a:t>
+              <a:t>07/10/2020</a:t>
             </a:fld>
             <a:endParaRPr lang="pt-BR"/>
           </a:p>
@@ -2072,7 +2072,7 @@
           <a:p>
             <a:fld id="{7668FBEF-3CD8-4E97-B80F-AF0D925322BB}" type="datetimeFigureOut">
               <a:rPr lang="pt-BR" smtClean="0"/>
-              <a:t>01/10/2020</a:t>
+              <a:t>07/10/2020</a:t>
             </a:fld>
             <a:endParaRPr lang="pt-BR"/>
           </a:p>
@@ -2383,7 +2383,7 @@
           <a:p>
             <a:fld id="{7668FBEF-3CD8-4E97-B80F-AF0D925322BB}" type="datetimeFigureOut">
               <a:rPr lang="pt-BR" smtClean="0"/>
-              <a:t>01/10/2020</a:t>
+              <a:t>07/10/2020</a:t>
             </a:fld>
             <a:endParaRPr lang="pt-BR"/>
           </a:p>
@@ -2671,7 +2671,7 @@
           <a:p>
             <a:fld id="{7668FBEF-3CD8-4E97-B80F-AF0D925322BB}" type="datetimeFigureOut">
               <a:rPr lang="pt-BR" smtClean="0"/>
-              <a:t>01/10/2020</a:t>
+              <a:t>07/10/2020</a:t>
             </a:fld>
             <a:endParaRPr lang="pt-BR"/>
           </a:p>
@@ -2912,7 +2912,7 @@
           <a:p>
             <a:fld id="{7668FBEF-3CD8-4E97-B80F-AF0D925322BB}" type="datetimeFigureOut">
               <a:rPr lang="pt-BR" smtClean="0"/>
-              <a:t>01/10/2020</a:t>
+              <a:t>07/10/2020</a:t>
             </a:fld>
             <a:endParaRPr lang="pt-BR"/>
           </a:p>
@@ -3445,7 +3445,7 @@
         <p:spPr>
           <a:xfrm>
             <a:off x="3642133" y="3759582"/>
-            <a:ext cx="2453867" cy="954107"/>
+            <a:ext cx="2453867" cy="738664"/>
           </a:xfrm>
           <a:prstGeom prst="rect">
             <a:avLst/>
@@ -3460,78 +3460,8 @@
           <a:p>
             <a:pPr algn="ctr"/>
             <a:r>
-              <a:rPr lang="pt-BR" sz="1400" dirty="0"/>
-              <a:t>Nosso sistema realizará a captura de SOFTWARE, HARDWARE, LOG DE ERRO, CONEXÃO</a:t>
-            </a:r>
-          </a:p>
-        </p:txBody>
-      </p:sp>
-      <p:sp>
-        <p:nvSpPr>
-          <p:cNvPr id="7" name="CaixaDeTexto 6">
-            <a:extLst>
-              <a:ext uri="{FF2B5EF4-FFF2-40B4-BE49-F238E27FC236}">
-                <a16:creationId xmlns:a16="http://schemas.microsoft.com/office/drawing/2014/main" id="{DE275294-CA0A-401D-8BFF-772F47E9584D}"/>
-              </a:ext>
-            </a:extLst>
-          </p:cNvPr>
-          <p:cNvSpPr txBox="1"/>
-          <p:nvPr/>
-        </p:nvSpPr>
-        <p:spPr>
-          <a:xfrm>
-            <a:off x="10071548" y="1273949"/>
-            <a:ext cx="1382558" cy="369332"/>
-          </a:xfrm>
-          <a:prstGeom prst="rect">
-            <a:avLst/>
-          </a:prstGeom>
-          <a:noFill/>
-        </p:spPr>
-        <p:txBody>
-          <a:bodyPr wrap="none" rtlCol="0">
-            <a:spAutoFit/>
-          </a:bodyPr>
-          <a:lstStyle/>
-          <a:p>
-            <a:r>
-              <a:rPr lang="pt-BR" dirty="0"/>
-              <a:t>DASHBOARD</a:t>
-            </a:r>
-          </a:p>
-        </p:txBody>
-      </p:sp>
-      <p:sp>
-        <p:nvSpPr>
-          <p:cNvPr id="8" name="CaixaDeTexto 7">
-            <a:extLst>
-              <a:ext uri="{FF2B5EF4-FFF2-40B4-BE49-F238E27FC236}">
-                <a16:creationId xmlns:a16="http://schemas.microsoft.com/office/drawing/2014/main" id="{116FAE94-3872-447F-A750-A8014D56924E}"/>
-              </a:ext>
-            </a:extLst>
-          </p:cNvPr>
-          <p:cNvSpPr txBox="1"/>
-          <p:nvPr/>
-        </p:nvSpPr>
-        <p:spPr>
-          <a:xfrm>
-            <a:off x="10071548" y="4564863"/>
-            <a:ext cx="2315361" cy="369332"/>
-          </a:xfrm>
-          <a:prstGeom prst="rect">
-            <a:avLst/>
-          </a:prstGeom>
-          <a:noFill/>
-        </p:spPr>
-        <p:txBody>
-          <a:bodyPr wrap="square" rtlCol="0">
-            <a:spAutoFit/>
-          </a:bodyPr>
-          <a:lstStyle/>
-          <a:p>
-            <a:r>
-              <a:rPr lang="pt-BR" dirty="0"/>
-              <a:t>gestor</a:t>
+              <a:rPr lang="pt-BR" sz="1400" b="1" dirty="0"/>
+              <a:t>Nosso sistema realizará a captura de processos e uso do computador.</a:t>
             </a:r>
           </a:p>
         </p:txBody>
@@ -3750,41 +3680,6 @@
           </a:prstGeom>
         </p:spPr>
       </p:pic>
-      <p:sp>
-        <p:nvSpPr>
-          <p:cNvPr id="22" name="CaixaDeTexto 21">
-            <a:extLst>
-              <a:ext uri="{FF2B5EF4-FFF2-40B4-BE49-F238E27FC236}">
-                <a16:creationId xmlns:a16="http://schemas.microsoft.com/office/drawing/2014/main" id="{94BB1483-D558-47E1-A639-4156184CF93F}"/>
-              </a:ext>
-            </a:extLst>
-          </p:cNvPr>
-          <p:cNvSpPr txBox="1"/>
-          <p:nvPr/>
-        </p:nvSpPr>
-        <p:spPr>
-          <a:xfrm>
-            <a:off x="5171927" y="343515"/>
-            <a:ext cx="1474250" cy="369332"/>
-          </a:xfrm>
-          <a:prstGeom prst="rect">
-            <a:avLst/>
-          </a:prstGeom>
-          <a:noFill/>
-        </p:spPr>
-        <p:txBody>
-          <a:bodyPr wrap="none" rtlCol="0">
-            <a:spAutoFit/>
-          </a:bodyPr>
-          <a:lstStyle/>
-          <a:p>
-            <a:r>
-              <a:rPr lang="pt-BR" dirty="0"/>
-              <a:t>NOTIFICAÇÃO</a:t>
-            </a:r>
-          </a:p>
-        </p:txBody>
-      </p:sp>
       <p:pic>
         <p:nvPicPr>
           <p:cNvPr id="29" name="Imagem 28" descr="Ícone&#10;&#10;Descrição gerada automaticamente">
@@ -3849,7 +3744,7 @@
         </p:blipFill>
         <p:spPr>
           <a:xfrm>
-            <a:off x="4119608" y="276165"/>
+            <a:off x="4056000" y="158849"/>
             <a:ext cx="1052319" cy="1052319"/>
           </a:xfrm>
           <a:prstGeom prst="rect">
@@ -3885,7 +3780,7 @@
         </p:blipFill>
         <p:spPr>
           <a:xfrm>
-            <a:off x="7289956" y="4890668"/>
+            <a:off x="7648755" y="4715949"/>
             <a:ext cx="1169311" cy="1169311"/>
           </a:xfrm>
           <a:prstGeom prst="rect">
@@ -3960,6 +3855,114 @@
             <a:r>
               <a:rPr lang="pt-BR" b="1" dirty="0"/>
               <a:t>HLD</a:t>
+            </a:r>
+          </a:p>
+        </p:txBody>
+      </p:sp>
+      <p:sp>
+        <p:nvSpPr>
+          <p:cNvPr id="18" name="CaixaDeTexto 17">
+            <a:extLst>
+              <a:ext uri="{FF2B5EF4-FFF2-40B4-BE49-F238E27FC236}">
+                <a16:creationId xmlns:a16="http://schemas.microsoft.com/office/drawing/2014/main" id="{5E16D9AB-B401-4B00-98D4-EFE0768B70EC}"/>
+              </a:ext>
+            </a:extLst>
+          </p:cNvPr>
+          <p:cNvSpPr txBox="1"/>
+          <p:nvPr/>
+        </p:nvSpPr>
+        <p:spPr>
+          <a:xfrm>
+            <a:off x="9094366" y="1592645"/>
+            <a:ext cx="3097634" cy="954107"/>
+          </a:xfrm>
+          <a:prstGeom prst="rect">
+            <a:avLst/>
+          </a:prstGeom>
+          <a:noFill/>
+        </p:spPr>
+        <p:txBody>
+          <a:bodyPr wrap="square">
+            <a:spAutoFit/>
+          </a:bodyPr>
+          <a:lstStyle/>
+          <a:p>
+            <a:pPr algn="ctr"/>
+            <a:r>
+              <a:rPr lang="pt-BR" sz="1400" b="1" dirty="0"/>
+              <a:t>Através do nosso dashboard você terá informações em tempo real através de gráficos, podendo verificar registros e sendo alertado sobre irregularidades.</a:t>
+            </a:r>
+          </a:p>
+        </p:txBody>
+      </p:sp>
+      <p:sp>
+        <p:nvSpPr>
+          <p:cNvPr id="21" name="CaixaDeTexto 20">
+            <a:extLst>
+              <a:ext uri="{FF2B5EF4-FFF2-40B4-BE49-F238E27FC236}">
+                <a16:creationId xmlns:a16="http://schemas.microsoft.com/office/drawing/2014/main" id="{8FAB4AC2-1CFF-4CA5-BD50-F2D84F81A361}"/>
+              </a:ext>
+            </a:extLst>
+          </p:cNvPr>
+          <p:cNvSpPr txBox="1"/>
+          <p:nvPr/>
+        </p:nvSpPr>
+        <p:spPr>
+          <a:xfrm>
+            <a:off x="4869066" y="191496"/>
+            <a:ext cx="2378639" cy="1169551"/>
+          </a:xfrm>
+          <a:prstGeom prst="rect">
+            <a:avLst/>
+          </a:prstGeom>
+          <a:noFill/>
+        </p:spPr>
+        <p:txBody>
+          <a:bodyPr wrap="square">
+            <a:spAutoFit/>
+          </a:bodyPr>
+          <a:lstStyle/>
+          <a:p>
+            <a:pPr algn="ctr"/>
+            <a:r>
+              <a:rPr lang="pt-BR" sz="1400" b="1" dirty="0"/>
+              <a:t>Através do nosso sistema você será notificado sobre alguma irregularidade que ocorrer nos computadores em uso.</a:t>
+            </a:r>
+          </a:p>
+        </p:txBody>
+      </p:sp>
+      <p:sp>
+        <p:nvSpPr>
+          <p:cNvPr id="23" name="CaixaDeTexto 22">
+            <a:extLst>
+              <a:ext uri="{FF2B5EF4-FFF2-40B4-BE49-F238E27FC236}">
+                <a16:creationId xmlns:a16="http://schemas.microsoft.com/office/drawing/2014/main" id="{752684E8-841F-414C-92C0-6E2CF31C3DA7}"/>
+              </a:ext>
+            </a:extLst>
+          </p:cNvPr>
+          <p:cNvSpPr txBox="1"/>
+          <p:nvPr/>
+        </p:nvSpPr>
+        <p:spPr>
+          <a:xfrm>
+            <a:off x="9001387" y="4715949"/>
+            <a:ext cx="2718698" cy="1384995"/>
+          </a:xfrm>
+          <a:prstGeom prst="rect">
+            <a:avLst/>
+          </a:prstGeom>
+          <a:noFill/>
+        </p:spPr>
+        <p:txBody>
+          <a:bodyPr wrap="square">
+            <a:spAutoFit/>
+          </a:bodyPr>
+          <a:lstStyle/>
+          <a:p>
+            <a:pPr algn="ctr"/>
+            <a:r>
+              <a:rPr lang="pt-BR" sz="1400" b="1" dirty="0"/>
+              <a:t>Com nosso sistema você terá o controle dos computadores totalmente automatizado e em tempo real. Aumentando e melhorando o desempenho dos funcionários.</a:t>
             </a:r>
           </a:p>
         </p:txBody>
@@ -4022,7 +4025,7 @@
         </p:blipFill>
         <p:spPr>
           <a:xfrm>
-            <a:off x="5205079" y="2190913"/>
+            <a:off x="5792309" y="2457556"/>
             <a:ext cx="1722719" cy="1722719"/>
           </a:xfrm>
           <a:prstGeom prst="rect">
@@ -4181,9 +4184,9 @@
           </a:stretch>
         </p:blipFill>
         <p:spPr>
-          <a:xfrm rot="18856160" flipH="1">
-            <a:off x="7924469" y="1650593"/>
-            <a:ext cx="1139372" cy="1080641"/>
+          <a:xfrm rot="17890745" flipH="1">
+            <a:off x="7834990" y="1616926"/>
+            <a:ext cx="1214654" cy="1152042"/>
           </a:xfrm>
           <a:prstGeom prst="rect">
             <a:avLst/>
@@ -4226,7 +4229,7 @@
         </p:blipFill>
         <p:spPr>
           <a:xfrm rot="18856160" flipH="1">
-            <a:off x="447210" y="2435687"/>
+            <a:off x="422042" y="2435687"/>
             <a:ext cx="1139372" cy="1080641"/>
           </a:xfrm>
           <a:prstGeom prst="rect">
@@ -4315,9 +4318,9 @@
           </a:stretch>
         </p:blipFill>
         <p:spPr>
-          <a:xfrm rot="16619187">
-            <a:off x="1146872" y="1484441"/>
-            <a:ext cx="1178829" cy="1072946"/>
+          <a:xfrm rot="15134521">
+            <a:off x="6586276" y="1862480"/>
+            <a:ext cx="721687" cy="656865"/>
           </a:xfrm>
           <a:prstGeom prst="rect">
             <a:avLst/>
@@ -4395,6 +4398,42 @@
           </a:p>
         </p:txBody>
       </p:sp>
+      <p:pic>
+        <p:nvPicPr>
+          <p:cNvPr id="2" name="Imagem 1" descr="Ícone&#10;&#10;Descrição gerada automaticamente">
+            <a:extLst>
+              <a:ext uri="{FF2B5EF4-FFF2-40B4-BE49-F238E27FC236}">
+                <a16:creationId xmlns:a16="http://schemas.microsoft.com/office/drawing/2014/main" id="{BA699E74-5B64-47EA-9165-D911EE46E932}"/>
+              </a:ext>
+            </a:extLst>
+          </p:cNvPr>
+          <p:cNvPicPr>
+            <a:picLocks noChangeAspect="1"/>
+          </p:cNvPicPr>
+          <p:nvPr/>
+        </p:nvPicPr>
+        <p:blipFill>
+          <a:blip r:embed="rId11">
+            <a:extLst>
+              <a:ext uri="{28A0092B-C50C-407E-A947-70E740481C1C}">
+                <a14:useLocalDpi xmlns:a14="http://schemas.microsoft.com/office/drawing/2010/main" val="0"/>
+              </a:ext>
+            </a:extLst>
+          </a:blip>
+          <a:stretch>
+            <a:fillRect/>
+          </a:stretch>
+        </p:blipFill>
+        <p:spPr>
+          <a:xfrm>
+            <a:off x="5898128" y="303696"/>
+            <a:ext cx="1377101" cy="1377101"/>
+          </a:xfrm>
+          <a:prstGeom prst="rect">
+            <a:avLst/>
+          </a:prstGeom>
+        </p:spPr>
+      </p:pic>
     </p:spTree>
     <p:extLst>
       <p:ext uri="{BB962C8B-B14F-4D97-AF65-F5344CB8AC3E}">
@@ -4427,10 +4466,1442 @@
       </p:grpSpPr>
       <p:pic>
         <p:nvPicPr>
-          <p:cNvPr id="1026" name="Picture 2">
-            <a:extLst>
-              <a:ext uri="{FF2B5EF4-FFF2-40B4-BE49-F238E27FC236}">
-                <a16:creationId xmlns:a16="http://schemas.microsoft.com/office/drawing/2014/main" id="{5A3C7694-E7C9-44AF-84FF-AA50E57DB6CF}"/>
+          <p:cNvPr id="16" name="Imagem 15">
+            <a:extLst>
+              <a:ext uri="{FF2B5EF4-FFF2-40B4-BE49-F238E27FC236}">
+                <a16:creationId xmlns:a16="http://schemas.microsoft.com/office/drawing/2014/main" id="{F080E30E-48F9-44E0-BB36-75BC3D0889E5}"/>
+              </a:ext>
+            </a:extLst>
+          </p:cNvPr>
+          <p:cNvPicPr>
+            <a:picLocks noChangeAspect="1"/>
+          </p:cNvPicPr>
+          <p:nvPr/>
+        </p:nvPicPr>
+        <p:blipFill>
+          <a:blip r:embed="rId2">
+            <a:extLst>
+              <a:ext uri="{28A0092B-C50C-407E-A947-70E740481C1C}">
+                <a14:useLocalDpi xmlns:a14="http://schemas.microsoft.com/office/drawing/2010/main" val="0"/>
+              </a:ext>
+            </a:extLst>
+          </a:blip>
+          <a:stretch>
+            <a:fillRect/>
+          </a:stretch>
+        </p:blipFill>
+        <p:spPr>
+          <a:xfrm>
+            <a:off x="2707588" y="5397634"/>
+            <a:ext cx="1240498" cy="979740"/>
+          </a:xfrm>
+          <a:prstGeom prst="rect">
+            <a:avLst/>
+          </a:prstGeom>
+        </p:spPr>
+      </p:pic>
+      <p:pic>
+        <p:nvPicPr>
+          <p:cNvPr id="26" name="Imagem 25">
+            <a:extLst>
+              <a:ext uri="{FF2B5EF4-FFF2-40B4-BE49-F238E27FC236}">
+                <a16:creationId xmlns:a16="http://schemas.microsoft.com/office/drawing/2014/main" id="{C9BA60CF-EE2A-4753-B028-FFAAD68A14CF}"/>
+              </a:ext>
+            </a:extLst>
+          </p:cNvPr>
+          <p:cNvPicPr>
+            <a:picLocks noChangeAspect="1"/>
+          </p:cNvPicPr>
+          <p:nvPr/>
+        </p:nvPicPr>
+        <p:blipFill>
+          <a:blip r:embed="rId3">
+            <a:extLst>
+              <a:ext uri="{28A0092B-C50C-407E-A947-70E740481C1C}">
+                <a14:useLocalDpi xmlns:a14="http://schemas.microsoft.com/office/drawing/2010/main" val="0"/>
+              </a:ext>
+            </a:extLst>
+          </a:blip>
+          <a:stretch>
+            <a:fillRect/>
+          </a:stretch>
+        </p:blipFill>
+        <p:spPr>
+          <a:xfrm>
+            <a:off x="2729119" y="3697182"/>
+            <a:ext cx="817927" cy="817927"/>
+          </a:xfrm>
+          <a:prstGeom prst="rect">
+            <a:avLst/>
+          </a:prstGeom>
+        </p:spPr>
+      </p:pic>
+      <p:cxnSp>
+        <p:nvCxnSpPr>
+          <p:cNvPr id="28" name="Conector: Curvo 27">
+            <a:extLst>
+              <a:ext uri="{FF2B5EF4-FFF2-40B4-BE49-F238E27FC236}">
+                <a16:creationId xmlns:a16="http://schemas.microsoft.com/office/drawing/2014/main" id="{FCCB8A71-8097-4DA8-9661-AD0C34FFD1EC}"/>
+              </a:ext>
+            </a:extLst>
+          </p:cNvPr>
+          <p:cNvCxnSpPr>
+            <a:cxnSpLocks/>
+          </p:cNvCxnSpPr>
+          <p:nvPr/>
+        </p:nvCxnSpPr>
+        <p:spPr>
+          <a:xfrm rot="16200000" flipV="1">
+            <a:off x="3001467" y="4626313"/>
+            <a:ext cx="654602" cy="511735"/>
+          </a:xfrm>
+          <a:prstGeom prst="curvedConnector3">
+            <a:avLst>
+              <a:gd name="adj1" fmla="val 50000"/>
+            </a:avLst>
+          </a:prstGeom>
+          <a:ln>
+            <a:tailEnd type="triangle"/>
+          </a:ln>
+        </p:spPr>
+        <p:style>
+          <a:lnRef idx="1">
+            <a:schemeClr val="dk1"/>
+          </a:lnRef>
+          <a:fillRef idx="0">
+            <a:schemeClr val="dk1"/>
+          </a:fillRef>
+          <a:effectRef idx="0">
+            <a:schemeClr val="dk1"/>
+          </a:effectRef>
+          <a:fontRef idx="minor">
+            <a:schemeClr val="tx1"/>
+          </a:fontRef>
+        </p:style>
+      </p:cxnSp>
+      <p:pic>
+        <p:nvPicPr>
+          <p:cNvPr id="39" name="Imagem 38">
+            <a:extLst>
+              <a:ext uri="{FF2B5EF4-FFF2-40B4-BE49-F238E27FC236}">
+                <a16:creationId xmlns:a16="http://schemas.microsoft.com/office/drawing/2014/main" id="{A81C007A-8E4E-4DD2-80DD-81450FFA1191}"/>
+              </a:ext>
+            </a:extLst>
+          </p:cNvPr>
+          <p:cNvPicPr>
+            <a:picLocks noChangeAspect="1"/>
+          </p:cNvPicPr>
+          <p:nvPr/>
+        </p:nvPicPr>
+        <p:blipFill>
+          <a:blip r:embed="rId4">
+            <a:extLst>
+              <a:ext uri="{28A0092B-C50C-407E-A947-70E740481C1C}">
+                <a14:useLocalDpi xmlns:a14="http://schemas.microsoft.com/office/drawing/2010/main" val="0"/>
+              </a:ext>
+            </a:extLst>
+          </a:blip>
+          <a:stretch>
+            <a:fillRect/>
+          </a:stretch>
+        </p:blipFill>
+        <p:spPr>
+          <a:xfrm>
+            <a:off x="1893982" y="2774975"/>
+            <a:ext cx="567263" cy="567263"/>
+          </a:xfrm>
+          <a:prstGeom prst="rect">
+            <a:avLst/>
+          </a:prstGeom>
+        </p:spPr>
+      </p:pic>
+      <p:pic>
+        <p:nvPicPr>
+          <p:cNvPr id="64" name="Imagem 63">
+            <a:extLst>
+              <a:ext uri="{FF2B5EF4-FFF2-40B4-BE49-F238E27FC236}">
+                <a16:creationId xmlns:a16="http://schemas.microsoft.com/office/drawing/2014/main" id="{D9BAB039-6E5B-4B28-AA6F-C86923CDD340}"/>
+              </a:ext>
+            </a:extLst>
+          </p:cNvPr>
+          <p:cNvPicPr>
+            <a:picLocks noChangeAspect="1"/>
+          </p:cNvPicPr>
+          <p:nvPr/>
+        </p:nvPicPr>
+        <p:blipFill>
+          <a:blip r:embed="rId5">
+            <a:extLst>
+              <a:ext uri="{28A0092B-C50C-407E-A947-70E740481C1C}">
+                <a14:useLocalDpi xmlns:a14="http://schemas.microsoft.com/office/drawing/2010/main" val="0"/>
+              </a:ext>
+            </a:extLst>
+          </a:blip>
+          <a:stretch>
+            <a:fillRect/>
+          </a:stretch>
+        </p:blipFill>
+        <p:spPr>
+          <a:xfrm>
+            <a:off x="5223924" y="1915005"/>
+            <a:ext cx="979740" cy="979740"/>
+          </a:xfrm>
+          <a:prstGeom prst="rect">
+            <a:avLst/>
+          </a:prstGeom>
+        </p:spPr>
+      </p:pic>
+      <p:cxnSp>
+        <p:nvCxnSpPr>
+          <p:cNvPr id="66" name="Conector de Seta Reta 65">
+            <a:extLst>
+              <a:ext uri="{FF2B5EF4-FFF2-40B4-BE49-F238E27FC236}">
+                <a16:creationId xmlns:a16="http://schemas.microsoft.com/office/drawing/2014/main" id="{83E469DC-846C-418D-853A-714F63F2B8DA}"/>
+              </a:ext>
+            </a:extLst>
+          </p:cNvPr>
+          <p:cNvCxnSpPr>
+            <a:cxnSpLocks/>
+          </p:cNvCxnSpPr>
+          <p:nvPr/>
+        </p:nvCxnSpPr>
+        <p:spPr>
+          <a:xfrm flipH="1" flipV="1">
+            <a:off x="2267310" y="3402693"/>
+            <a:ext cx="444194" cy="422101"/>
+          </a:xfrm>
+          <a:prstGeom prst="straightConnector1">
+            <a:avLst/>
+          </a:prstGeom>
+          <a:ln w="9525" cap="flat" cmpd="sng" algn="ctr">
+            <a:solidFill>
+              <a:schemeClr val="dk1"/>
+            </a:solidFill>
+            <a:prstDash val="solid"/>
+            <a:round/>
+            <a:headEnd type="arrow" w="med" len="med"/>
+            <a:tailEnd type="arrow" w="med" len="med"/>
+          </a:ln>
+        </p:spPr>
+        <p:style>
+          <a:lnRef idx="0">
+            <a:scrgbClr r="0" g="0" b="0"/>
+          </a:lnRef>
+          <a:fillRef idx="0">
+            <a:scrgbClr r="0" g="0" b="0"/>
+          </a:fillRef>
+          <a:effectRef idx="0">
+            <a:scrgbClr r="0" g="0" b="0"/>
+          </a:effectRef>
+          <a:fontRef idx="minor">
+            <a:schemeClr val="tx1"/>
+          </a:fontRef>
+        </p:style>
+      </p:cxnSp>
+      <p:cxnSp>
+        <p:nvCxnSpPr>
+          <p:cNvPr id="68" name="Conector de Seta Reta 67">
+            <a:extLst>
+              <a:ext uri="{FF2B5EF4-FFF2-40B4-BE49-F238E27FC236}">
+                <a16:creationId xmlns:a16="http://schemas.microsoft.com/office/drawing/2014/main" id="{8C10B952-8765-4D4B-A28B-A6F214A05649}"/>
+              </a:ext>
+            </a:extLst>
+          </p:cNvPr>
+          <p:cNvCxnSpPr>
+            <a:cxnSpLocks/>
+          </p:cNvCxnSpPr>
+          <p:nvPr/>
+        </p:nvCxnSpPr>
+        <p:spPr>
+          <a:xfrm flipV="1">
+            <a:off x="2558678" y="2454452"/>
+            <a:ext cx="2325495" cy="541143"/>
+          </a:xfrm>
+          <a:prstGeom prst="straightConnector1">
+            <a:avLst/>
+          </a:prstGeom>
+          <a:ln w="9525" cap="flat" cmpd="sng" algn="ctr">
+            <a:solidFill>
+              <a:schemeClr val="dk1"/>
+            </a:solidFill>
+            <a:prstDash val="solid"/>
+            <a:round/>
+            <a:headEnd type="arrow" w="med" len="med"/>
+            <a:tailEnd type="arrow" w="med" len="med"/>
+          </a:ln>
+        </p:spPr>
+        <p:style>
+          <a:lnRef idx="0">
+            <a:scrgbClr r="0" g="0" b="0"/>
+          </a:lnRef>
+          <a:fillRef idx="0">
+            <a:scrgbClr r="0" g="0" b="0"/>
+          </a:fillRef>
+          <a:effectRef idx="0">
+            <a:scrgbClr r="0" g="0" b="0"/>
+          </a:effectRef>
+          <a:fontRef idx="minor">
+            <a:schemeClr val="tx1"/>
+          </a:fontRef>
+        </p:style>
+      </p:cxnSp>
+      <p:pic>
+        <p:nvPicPr>
+          <p:cNvPr id="70" name="Imagem 69">
+            <a:extLst>
+              <a:ext uri="{FF2B5EF4-FFF2-40B4-BE49-F238E27FC236}">
+                <a16:creationId xmlns:a16="http://schemas.microsoft.com/office/drawing/2014/main" id="{0FF3220E-6800-4984-A6F3-8C52C069A45C}"/>
+              </a:ext>
+            </a:extLst>
+          </p:cNvPr>
+          <p:cNvPicPr>
+            <a:picLocks noChangeAspect="1"/>
+          </p:cNvPicPr>
+          <p:nvPr/>
+        </p:nvPicPr>
+        <p:blipFill>
+          <a:blip r:embed="rId4">
+            <a:extLst>
+              <a:ext uri="{28A0092B-C50C-407E-A947-70E740481C1C}">
+                <a14:useLocalDpi xmlns:a14="http://schemas.microsoft.com/office/drawing/2010/main" val="0"/>
+              </a:ext>
+            </a:extLst>
+          </a:blip>
+          <a:stretch>
+            <a:fillRect/>
+          </a:stretch>
+        </p:blipFill>
+        <p:spPr>
+          <a:xfrm flipH="1">
+            <a:off x="9250653" y="3028426"/>
+            <a:ext cx="567263" cy="567263"/>
+          </a:xfrm>
+          <a:prstGeom prst="rect">
+            <a:avLst/>
+          </a:prstGeom>
+          <a:scene3d>
+            <a:camera prst="orthographicFront">
+              <a:rot lat="0" lon="300000" rev="0"/>
+            </a:camera>
+            <a:lightRig rig="threePt" dir="t"/>
+          </a:scene3d>
+        </p:spPr>
+      </p:pic>
+      <p:cxnSp>
+        <p:nvCxnSpPr>
+          <p:cNvPr id="72" name="Conector de Seta Reta 71">
+            <a:extLst>
+              <a:ext uri="{FF2B5EF4-FFF2-40B4-BE49-F238E27FC236}">
+                <a16:creationId xmlns:a16="http://schemas.microsoft.com/office/drawing/2014/main" id="{E39A84D5-791D-428F-8A43-562265A600C5}"/>
+              </a:ext>
+            </a:extLst>
+          </p:cNvPr>
+          <p:cNvCxnSpPr>
+            <a:cxnSpLocks/>
+          </p:cNvCxnSpPr>
+          <p:nvPr/>
+        </p:nvCxnSpPr>
+        <p:spPr>
+          <a:xfrm flipH="1" flipV="1">
+            <a:off x="6543415" y="2415161"/>
+            <a:ext cx="2457972" cy="613265"/>
+          </a:xfrm>
+          <a:prstGeom prst="straightConnector1">
+            <a:avLst/>
+          </a:prstGeom>
+          <a:ln w="9525" cap="flat" cmpd="sng" algn="ctr">
+            <a:solidFill>
+              <a:schemeClr val="dk1"/>
+            </a:solidFill>
+            <a:prstDash val="solid"/>
+            <a:round/>
+            <a:headEnd type="arrow" w="med" len="med"/>
+            <a:tailEnd type="arrow" w="med" len="med"/>
+          </a:ln>
+        </p:spPr>
+        <p:style>
+          <a:lnRef idx="0">
+            <a:scrgbClr r="0" g="0" b="0"/>
+          </a:lnRef>
+          <a:fillRef idx="0">
+            <a:scrgbClr r="0" g="0" b="0"/>
+          </a:fillRef>
+          <a:effectRef idx="0">
+            <a:scrgbClr r="0" g="0" b="0"/>
+          </a:effectRef>
+          <a:fontRef idx="minor">
+            <a:schemeClr val="tx1"/>
+          </a:fontRef>
+        </p:style>
+      </p:cxnSp>
+      <p:pic>
+        <p:nvPicPr>
+          <p:cNvPr id="80" name="Imagem 79">
+            <a:extLst>
+              <a:ext uri="{FF2B5EF4-FFF2-40B4-BE49-F238E27FC236}">
+                <a16:creationId xmlns:a16="http://schemas.microsoft.com/office/drawing/2014/main" id="{8B2204F4-AF5C-4DFA-83D7-3C46B1F2C9EA}"/>
+              </a:ext>
+            </a:extLst>
+          </p:cNvPr>
+          <p:cNvPicPr>
+            <a:picLocks noChangeAspect="1"/>
+          </p:cNvPicPr>
+          <p:nvPr/>
+        </p:nvPicPr>
+        <p:blipFill>
+          <a:blip r:embed="rId3">
+            <a:extLst>
+              <a:ext uri="{28A0092B-C50C-407E-A947-70E740481C1C}">
+                <a14:useLocalDpi xmlns:a14="http://schemas.microsoft.com/office/drawing/2010/main" val="0"/>
+              </a:ext>
+            </a:extLst>
+          </a:blip>
+          <a:stretch>
+            <a:fillRect/>
+          </a:stretch>
+        </p:blipFill>
+        <p:spPr>
+          <a:xfrm>
+            <a:off x="8235992" y="3760875"/>
+            <a:ext cx="817927" cy="817927"/>
+          </a:xfrm>
+          <a:prstGeom prst="rect">
+            <a:avLst/>
+          </a:prstGeom>
+        </p:spPr>
+      </p:pic>
+      <p:cxnSp>
+        <p:nvCxnSpPr>
+          <p:cNvPr id="84" name="Conector de Seta Reta 83">
+            <a:extLst>
+              <a:ext uri="{FF2B5EF4-FFF2-40B4-BE49-F238E27FC236}">
+                <a16:creationId xmlns:a16="http://schemas.microsoft.com/office/drawing/2014/main" id="{2FDB96BF-EA25-4352-85B6-623838CA487A}"/>
+              </a:ext>
+            </a:extLst>
+          </p:cNvPr>
+          <p:cNvCxnSpPr/>
+          <p:nvPr/>
+        </p:nvCxnSpPr>
+        <p:spPr>
+          <a:xfrm flipV="1">
+            <a:off x="8929286" y="3595689"/>
+            <a:ext cx="249266" cy="240044"/>
+          </a:xfrm>
+          <a:prstGeom prst="straightConnector1">
+            <a:avLst/>
+          </a:prstGeom>
+          <a:ln w="9525" cap="flat" cmpd="sng" algn="ctr">
+            <a:solidFill>
+              <a:schemeClr val="dk1"/>
+            </a:solidFill>
+            <a:prstDash val="solid"/>
+            <a:round/>
+            <a:headEnd type="arrow" w="med" len="med"/>
+            <a:tailEnd type="arrow" w="med" len="med"/>
+          </a:ln>
+        </p:spPr>
+        <p:style>
+          <a:lnRef idx="0">
+            <a:scrgbClr r="0" g="0" b="0"/>
+          </a:lnRef>
+          <a:fillRef idx="0">
+            <a:scrgbClr r="0" g="0" b="0"/>
+          </a:fillRef>
+          <a:effectRef idx="0">
+            <a:scrgbClr r="0" g="0" b="0"/>
+          </a:effectRef>
+          <a:fontRef idx="minor">
+            <a:schemeClr val="tx1"/>
+          </a:fontRef>
+        </p:style>
+      </p:cxnSp>
+      <p:cxnSp>
+        <p:nvCxnSpPr>
+          <p:cNvPr id="86" name="Conector de Seta Reta 85">
+            <a:extLst>
+              <a:ext uri="{FF2B5EF4-FFF2-40B4-BE49-F238E27FC236}">
+                <a16:creationId xmlns:a16="http://schemas.microsoft.com/office/drawing/2014/main" id="{2CA3420B-248A-4424-8004-E110F69B9358}"/>
+              </a:ext>
+            </a:extLst>
+          </p:cNvPr>
+          <p:cNvCxnSpPr>
+            <a:cxnSpLocks/>
+          </p:cNvCxnSpPr>
+          <p:nvPr/>
+        </p:nvCxnSpPr>
+        <p:spPr>
+          <a:xfrm>
+            <a:off x="9995539" y="3640853"/>
+            <a:ext cx="152022" cy="298122"/>
+          </a:xfrm>
+          <a:prstGeom prst="straightConnector1">
+            <a:avLst/>
+          </a:prstGeom>
+          <a:ln w="9525" cap="flat" cmpd="sng" algn="ctr">
+            <a:solidFill>
+              <a:schemeClr val="dk1"/>
+            </a:solidFill>
+            <a:prstDash val="solid"/>
+            <a:round/>
+            <a:headEnd type="arrow" w="med" len="med"/>
+            <a:tailEnd type="arrow" w="med" len="med"/>
+          </a:ln>
+        </p:spPr>
+        <p:style>
+          <a:lnRef idx="0">
+            <a:scrgbClr r="0" g="0" b="0"/>
+          </a:lnRef>
+          <a:fillRef idx="0">
+            <a:scrgbClr r="0" g="0" b="0"/>
+          </a:fillRef>
+          <a:effectRef idx="0">
+            <a:scrgbClr r="0" g="0" b="0"/>
+          </a:effectRef>
+          <a:fontRef idx="minor">
+            <a:schemeClr val="tx1"/>
+          </a:fontRef>
+        </p:style>
+      </p:cxnSp>
+      <p:sp>
+        <p:nvSpPr>
+          <p:cNvPr id="89" name="CaixaDeTexto 88">
+            <a:extLst>
+              <a:ext uri="{FF2B5EF4-FFF2-40B4-BE49-F238E27FC236}">
+                <a16:creationId xmlns:a16="http://schemas.microsoft.com/office/drawing/2014/main" id="{C9D9D231-3B5D-459E-9F07-70D804399E2E}"/>
+              </a:ext>
+            </a:extLst>
+          </p:cNvPr>
+          <p:cNvSpPr txBox="1"/>
+          <p:nvPr/>
+        </p:nvSpPr>
+        <p:spPr>
+          <a:xfrm>
+            <a:off x="9917609" y="4053444"/>
+            <a:ext cx="817927" cy="430887"/>
+          </a:xfrm>
+          <a:prstGeom prst="rect">
+            <a:avLst/>
+          </a:prstGeom>
+          <a:noFill/>
+        </p:spPr>
+        <p:txBody>
+          <a:bodyPr wrap="square" rtlCol="0">
+            <a:spAutoFit/>
+          </a:bodyPr>
+          <a:lstStyle/>
+          <a:p>
+            <a:r>
+              <a:rPr lang="pt-BR" sz="1100" dirty="0"/>
+              <a:t>REDE 3G, 4G, 5G</a:t>
+            </a:r>
+          </a:p>
+        </p:txBody>
+      </p:sp>
+      <p:pic>
+        <p:nvPicPr>
+          <p:cNvPr id="91" name="Imagem 90">
+            <a:extLst>
+              <a:ext uri="{FF2B5EF4-FFF2-40B4-BE49-F238E27FC236}">
+                <a16:creationId xmlns:a16="http://schemas.microsoft.com/office/drawing/2014/main" id="{413FCE52-9E42-42C4-8D09-B45934FDA216}"/>
+              </a:ext>
+            </a:extLst>
+          </p:cNvPr>
+          <p:cNvPicPr>
+            <a:picLocks noChangeAspect="1"/>
+          </p:cNvPicPr>
+          <p:nvPr/>
+        </p:nvPicPr>
+        <p:blipFill>
+          <a:blip r:embed="rId2">
+            <a:extLst>
+              <a:ext uri="{28A0092B-C50C-407E-A947-70E740481C1C}">
+                <a14:useLocalDpi xmlns:a14="http://schemas.microsoft.com/office/drawing/2010/main" val="0"/>
+              </a:ext>
+            </a:extLst>
+          </a:blip>
+          <a:stretch>
+            <a:fillRect/>
+          </a:stretch>
+        </p:blipFill>
+        <p:spPr>
+          <a:xfrm>
+            <a:off x="8096140" y="5378755"/>
+            <a:ext cx="1240498" cy="979740"/>
+          </a:xfrm>
+          <a:prstGeom prst="rect">
+            <a:avLst/>
+          </a:prstGeom>
+        </p:spPr>
+      </p:pic>
+      <p:pic>
+        <p:nvPicPr>
+          <p:cNvPr id="93" name="Imagem 92">
+            <a:extLst>
+              <a:ext uri="{FF2B5EF4-FFF2-40B4-BE49-F238E27FC236}">
+                <a16:creationId xmlns:a16="http://schemas.microsoft.com/office/drawing/2014/main" id="{63E9CCF7-0455-42A7-B3B4-AEC2412E858C}"/>
+              </a:ext>
+            </a:extLst>
+          </p:cNvPr>
+          <p:cNvPicPr>
+            <a:picLocks noChangeAspect="1"/>
+          </p:cNvPicPr>
+          <p:nvPr/>
+        </p:nvPicPr>
+        <p:blipFill>
+          <a:blip r:embed="rId6">
+            <a:extLst>
+              <a:ext uri="{28A0092B-C50C-407E-A947-70E740481C1C}">
+                <a14:useLocalDpi xmlns:a14="http://schemas.microsoft.com/office/drawing/2010/main" val="0"/>
+              </a:ext>
+            </a:extLst>
+          </a:blip>
+          <a:stretch>
+            <a:fillRect/>
+          </a:stretch>
+        </p:blipFill>
+        <p:spPr>
+          <a:xfrm>
+            <a:off x="8525593" y="4941742"/>
+            <a:ext cx="381592" cy="381592"/>
+          </a:xfrm>
+          <a:prstGeom prst="rect">
+            <a:avLst/>
+          </a:prstGeom>
+        </p:spPr>
+      </p:pic>
+      <p:pic>
+        <p:nvPicPr>
+          <p:cNvPr id="94" name="Imagem 93">
+            <a:extLst>
+              <a:ext uri="{FF2B5EF4-FFF2-40B4-BE49-F238E27FC236}">
+                <a16:creationId xmlns:a16="http://schemas.microsoft.com/office/drawing/2014/main" id="{B79F862E-D809-4A78-AAE4-6CF63FB26508}"/>
+              </a:ext>
+            </a:extLst>
+          </p:cNvPr>
+          <p:cNvPicPr>
+            <a:picLocks noChangeAspect="1"/>
+          </p:cNvPicPr>
+          <p:nvPr/>
+        </p:nvPicPr>
+        <p:blipFill>
+          <a:blip r:embed="rId6">
+            <a:extLst>
+              <a:ext uri="{28A0092B-C50C-407E-A947-70E740481C1C}">
+                <a14:useLocalDpi xmlns:a14="http://schemas.microsoft.com/office/drawing/2010/main" val="0"/>
+              </a:ext>
+            </a:extLst>
+          </a:blip>
+          <a:stretch>
+            <a:fillRect/>
+          </a:stretch>
+        </p:blipFill>
+        <p:spPr>
+          <a:xfrm>
+            <a:off x="2862155" y="5026776"/>
+            <a:ext cx="381592" cy="381592"/>
+          </a:xfrm>
+          <a:prstGeom prst="rect">
+            <a:avLst/>
+          </a:prstGeom>
+        </p:spPr>
+      </p:pic>
+      <p:pic>
+        <p:nvPicPr>
+          <p:cNvPr id="96" name="Imagem 95">
+            <a:extLst>
+              <a:ext uri="{FF2B5EF4-FFF2-40B4-BE49-F238E27FC236}">
+                <a16:creationId xmlns:a16="http://schemas.microsoft.com/office/drawing/2014/main" id="{8DE40ABE-F94D-4D51-B26D-5742CE5B7B23}"/>
+              </a:ext>
+            </a:extLst>
+          </p:cNvPr>
+          <p:cNvPicPr>
+            <a:picLocks noChangeAspect="1"/>
+          </p:cNvPicPr>
+          <p:nvPr/>
+        </p:nvPicPr>
+        <p:blipFill>
+          <a:blip r:embed="rId7">
+            <a:extLst>
+              <a:ext uri="{28A0092B-C50C-407E-A947-70E740481C1C}">
+                <a14:useLocalDpi xmlns:a14="http://schemas.microsoft.com/office/drawing/2010/main" val="0"/>
+              </a:ext>
+            </a:extLst>
+          </a:blip>
+          <a:stretch>
+            <a:fillRect/>
+          </a:stretch>
+        </p:blipFill>
+        <p:spPr>
+          <a:xfrm>
+            <a:off x="9835722" y="5375088"/>
+            <a:ext cx="927724" cy="979740"/>
+          </a:xfrm>
+          <a:prstGeom prst="rect">
+            <a:avLst/>
+          </a:prstGeom>
+        </p:spPr>
+      </p:pic>
+      <p:pic>
+        <p:nvPicPr>
+          <p:cNvPr id="97" name="Imagem 96">
+            <a:extLst>
+              <a:ext uri="{FF2B5EF4-FFF2-40B4-BE49-F238E27FC236}">
+                <a16:creationId xmlns:a16="http://schemas.microsoft.com/office/drawing/2014/main" id="{1E1D9264-4478-4D21-90D1-CC0A88EEBE02}"/>
+              </a:ext>
+            </a:extLst>
+          </p:cNvPr>
+          <p:cNvPicPr>
+            <a:picLocks noChangeAspect="1"/>
+          </p:cNvPicPr>
+          <p:nvPr/>
+        </p:nvPicPr>
+        <p:blipFill>
+          <a:blip r:embed="rId6">
+            <a:extLst>
+              <a:ext uri="{28A0092B-C50C-407E-A947-70E740481C1C}">
+                <a14:useLocalDpi xmlns:a14="http://schemas.microsoft.com/office/drawing/2010/main" val="0"/>
+              </a:ext>
+            </a:extLst>
+          </a:blip>
+          <a:stretch>
+            <a:fillRect/>
+          </a:stretch>
+        </p:blipFill>
+        <p:spPr>
+          <a:xfrm>
+            <a:off x="10108788" y="4941742"/>
+            <a:ext cx="381592" cy="381592"/>
+          </a:xfrm>
+          <a:prstGeom prst="rect">
+            <a:avLst/>
+          </a:prstGeom>
+        </p:spPr>
+      </p:pic>
+      <p:sp>
+        <p:nvSpPr>
+          <p:cNvPr id="98" name="CaixaDeTexto 97">
+            <a:extLst>
+              <a:ext uri="{FF2B5EF4-FFF2-40B4-BE49-F238E27FC236}">
+                <a16:creationId xmlns:a16="http://schemas.microsoft.com/office/drawing/2014/main" id="{92F4BEEE-61FB-4D33-9705-9BE85FB021A7}"/>
+              </a:ext>
+            </a:extLst>
+          </p:cNvPr>
+          <p:cNvSpPr txBox="1"/>
+          <p:nvPr/>
+        </p:nvSpPr>
+        <p:spPr>
+          <a:xfrm>
+            <a:off x="3070000" y="3963776"/>
+            <a:ext cx="631904" cy="230832"/>
+          </a:xfrm>
+          <a:prstGeom prst="rect">
+            <a:avLst/>
+          </a:prstGeom>
+          <a:noFill/>
+        </p:spPr>
+        <p:txBody>
+          <a:bodyPr wrap="none" rtlCol="0">
+            <a:spAutoFit/>
+          </a:bodyPr>
+          <a:lstStyle/>
+          <a:p>
+            <a:r>
+              <a:rPr lang="pt-BR" sz="900" dirty="0"/>
+              <a:t>LAN/WIFI</a:t>
+            </a:r>
+          </a:p>
+        </p:txBody>
+      </p:sp>
+      <p:sp>
+        <p:nvSpPr>
+          <p:cNvPr id="99" name="CaixaDeTexto 98">
+            <a:extLst>
+              <a:ext uri="{FF2B5EF4-FFF2-40B4-BE49-F238E27FC236}">
+                <a16:creationId xmlns:a16="http://schemas.microsoft.com/office/drawing/2014/main" id="{5432825B-1FF5-4235-B539-F118FD12B00F}"/>
+              </a:ext>
+            </a:extLst>
+          </p:cNvPr>
+          <p:cNvSpPr txBox="1"/>
+          <p:nvPr/>
+        </p:nvSpPr>
+        <p:spPr>
+          <a:xfrm>
+            <a:off x="8517911" y="4031066"/>
+            <a:ext cx="631904" cy="230832"/>
+          </a:xfrm>
+          <a:prstGeom prst="rect">
+            <a:avLst/>
+          </a:prstGeom>
+          <a:noFill/>
+        </p:spPr>
+        <p:txBody>
+          <a:bodyPr wrap="square" rtlCol="0">
+            <a:spAutoFit/>
+          </a:bodyPr>
+          <a:lstStyle/>
+          <a:p>
+            <a:r>
+              <a:rPr lang="pt-BR" sz="900" dirty="0"/>
+              <a:t>LAN/WIFI</a:t>
+            </a:r>
+          </a:p>
+        </p:txBody>
+      </p:sp>
+      <p:sp>
+        <p:nvSpPr>
+          <p:cNvPr id="100" name="CaixaDeTexto 99">
+            <a:extLst>
+              <a:ext uri="{FF2B5EF4-FFF2-40B4-BE49-F238E27FC236}">
+                <a16:creationId xmlns:a16="http://schemas.microsoft.com/office/drawing/2014/main" id="{527A57A7-4EB5-48F3-BDF3-BD282FF5FE52}"/>
+              </a:ext>
+            </a:extLst>
+          </p:cNvPr>
+          <p:cNvSpPr txBox="1"/>
+          <p:nvPr/>
+        </p:nvSpPr>
+        <p:spPr>
+          <a:xfrm>
+            <a:off x="7038704" y="5483792"/>
+            <a:ext cx="1240499" cy="369332"/>
+          </a:xfrm>
+          <a:prstGeom prst="rect">
+            <a:avLst/>
+          </a:prstGeom>
+          <a:noFill/>
+        </p:spPr>
+        <p:txBody>
+          <a:bodyPr wrap="square" rtlCol="0">
+            <a:spAutoFit/>
+          </a:bodyPr>
+          <a:lstStyle/>
+          <a:p>
+            <a:r>
+              <a:rPr lang="pt-BR" sz="900" dirty="0"/>
+              <a:t>NOTEBOOK/DESKTOP</a:t>
+            </a:r>
+          </a:p>
+          <a:p>
+            <a:r>
+              <a:rPr lang="pt-BR" sz="900" dirty="0"/>
+              <a:t>CORE I5, 8GB DE RAM</a:t>
+            </a:r>
+            <a:endParaRPr lang="pt-BR" sz="1600" dirty="0"/>
+          </a:p>
+        </p:txBody>
+      </p:sp>
+      <p:sp>
+        <p:nvSpPr>
+          <p:cNvPr id="101" name="CaixaDeTexto 100">
+            <a:extLst>
+              <a:ext uri="{FF2B5EF4-FFF2-40B4-BE49-F238E27FC236}">
+                <a16:creationId xmlns:a16="http://schemas.microsoft.com/office/drawing/2014/main" id="{3E91ACD8-30B1-48C9-BAB1-7724AC9175C5}"/>
+              </a:ext>
+            </a:extLst>
+          </p:cNvPr>
+          <p:cNvSpPr txBox="1"/>
+          <p:nvPr/>
+        </p:nvSpPr>
+        <p:spPr>
+          <a:xfrm>
+            <a:off x="10670861" y="5447535"/>
+            <a:ext cx="1183337" cy="369332"/>
+          </a:xfrm>
+          <a:prstGeom prst="rect">
+            <a:avLst/>
+          </a:prstGeom>
+          <a:noFill/>
+        </p:spPr>
+        <p:txBody>
+          <a:bodyPr wrap="none" rtlCol="0">
+            <a:spAutoFit/>
+          </a:bodyPr>
+          <a:lstStyle/>
+          <a:p>
+            <a:r>
+              <a:rPr lang="pt-BR" sz="900" dirty="0"/>
+              <a:t>ANDROID VERSÃO 7+</a:t>
+            </a:r>
+          </a:p>
+          <a:p>
+            <a:r>
+              <a:rPr lang="pt-BR" sz="900" dirty="0"/>
+              <a:t>IOS VERSÃO 10+</a:t>
+            </a:r>
+          </a:p>
+        </p:txBody>
+      </p:sp>
+      <p:sp>
+        <p:nvSpPr>
+          <p:cNvPr id="102" name="CaixaDeTexto 101">
+            <a:extLst>
+              <a:ext uri="{FF2B5EF4-FFF2-40B4-BE49-F238E27FC236}">
+                <a16:creationId xmlns:a16="http://schemas.microsoft.com/office/drawing/2014/main" id="{AE0D996A-3D2E-42C2-8787-5666F58A858F}"/>
+              </a:ext>
+            </a:extLst>
+          </p:cNvPr>
+          <p:cNvSpPr txBox="1"/>
+          <p:nvPr/>
+        </p:nvSpPr>
+        <p:spPr>
+          <a:xfrm>
+            <a:off x="7372302" y="4020430"/>
+            <a:ext cx="1240499" cy="230832"/>
+          </a:xfrm>
+          <a:prstGeom prst="rect">
+            <a:avLst/>
+          </a:prstGeom>
+          <a:noFill/>
+        </p:spPr>
+        <p:txBody>
+          <a:bodyPr wrap="square" rtlCol="0">
+            <a:spAutoFit/>
+          </a:bodyPr>
+          <a:lstStyle/>
+          <a:p>
+            <a:r>
+              <a:rPr lang="pt-BR" sz="900" dirty="0"/>
+              <a:t>BANDA 5MB Mínimo</a:t>
+            </a:r>
+          </a:p>
+        </p:txBody>
+      </p:sp>
+      <p:sp>
+        <p:nvSpPr>
+          <p:cNvPr id="103" name="CaixaDeTexto 102">
+            <a:extLst>
+              <a:ext uri="{FF2B5EF4-FFF2-40B4-BE49-F238E27FC236}">
+                <a16:creationId xmlns:a16="http://schemas.microsoft.com/office/drawing/2014/main" id="{46C75828-FC98-4D49-9F89-B0C448717B43}"/>
+              </a:ext>
+            </a:extLst>
+          </p:cNvPr>
+          <p:cNvSpPr txBox="1"/>
+          <p:nvPr/>
+        </p:nvSpPr>
+        <p:spPr>
+          <a:xfrm>
+            <a:off x="3138082" y="3720317"/>
+            <a:ext cx="673582" cy="230832"/>
+          </a:xfrm>
+          <a:prstGeom prst="rect">
+            <a:avLst/>
+          </a:prstGeom>
+          <a:noFill/>
+        </p:spPr>
+        <p:txBody>
+          <a:bodyPr wrap="none" rtlCol="0">
+            <a:spAutoFit/>
+          </a:bodyPr>
+          <a:lstStyle/>
+          <a:p>
+            <a:r>
+              <a:rPr lang="pt-BR" sz="900" dirty="0"/>
+              <a:t>NET 30MB</a:t>
+            </a:r>
+          </a:p>
+        </p:txBody>
+      </p:sp>
+      <p:sp>
+        <p:nvSpPr>
+          <p:cNvPr id="105" name="CaixaDeTexto 104">
+            <a:extLst>
+              <a:ext uri="{FF2B5EF4-FFF2-40B4-BE49-F238E27FC236}">
+                <a16:creationId xmlns:a16="http://schemas.microsoft.com/office/drawing/2014/main" id="{AC13A803-F79E-45E6-8B53-489FE0345D46}"/>
+              </a:ext>
+            </a:extLst>
+          </p:cNvPr>
+          <p:cNvSpPr txBox="1"/>
+          <p:nvPr/>
+        </p:nvSpPr>
+        <p:spPr>
+          <a:xfrm>
+            <a:off x="420564" y="3868778"/>
+            <a:ext cx="2452900" cy="369332"/>
+          </a:xfrm>
+          <a:prstGeom prst="rect">
+            <a:avLst/>
+          </a:prstGeom>
+          <a:noFill/>
+        </p:spPr>
+        <p:txBody>
+          <a:bodyPr wrap="square" rtlCol="0">
+            <a:spAutoFit/>
+          </a:bodyPr>
+          <a:lstStyle/>
+          <a:p>
+            <a:r>
+              <a:rPr lang="pt-BR" sz="900" dirty="0"/>
+              <a:t>ROTEADOR Wi </a:t>
+            </a:r>
+            <a:r>
+              <a:rPr lang="pt-BR" sz="900" dirty="0" err="1"/>
+              <a:t>Fi</a:t>
+            </a:r>
+            <a:endParaRPr lang="pt-BR" sz="900" dirty="0"/>
+          </a:p>
+          <a:p>
+            <a:r>
+              <a:rPr lang="en-US" sz="900" dirty="0" err="1"/>
+              <a:t>Roteador</a:t>
+            </a:r>
+            <a:r>
+              <a:rPr lang="en-US" sz="900" dirty="0"/>
+              <a:t> TP-Link Archer C6 AC1200,  1000Mbps</a:t>
+            </a:r>
+          </a:p>
+        </p:txBody>
+      </p:sp>
+      <p:sp>
+        <p:nvSpPr>
+          <p:cNvPr id="108" name="CaixaDeTexto 107">
+            <a:extLst>
+              <a:ext uri="{FF2B5EF4-FFF2-40B4-BE49-F238E27FC236}">
+                <a16:creationId xmlns:a16="http://schemas.microsoft.com/office/drawing/2014/main" id="{139B96DF-9D13-4BB9-8FB8-712640E3561B}"/>
+              </a:ext>
+            </a:extLst>
+          </p:cNvPr>
+          <p:cNvSpPr txBox="1"/>
+          <p:nvPr/>
+        </p:nvSpPr>
+        <p:spPr>
+          <a:xfrm>
+            <a:off x="5389827" y="2595058"/>
+            <a:ext cx="647934" cy="230832"/>
+          </a:xfrm>
+          <a:prstGeom prst="rect">
+            <a:avLst/>
+          </a:prstGeom>
+          <a:noFill/>
+        </p:spPr>
+        <p:txBody>
+          <a:bodyPr wrap="none" rtlCol="0">
+            <a:spAutoFit/>
+          </a:bodyPr>
+          <a:lstStyle/>
+          <a:p>
+            <a:r>
+              <a:rPr lang="pt-BR" sz="900" dirty="0"/>
+              <a:t>INTERNET</a:t>
+            </a:r>
+          </a:p>
+        </p:txBody>
+      </p:sp>
+      <p:pic>
+        <p:nvPicPr>
+          <p:cNvPr id="110" name="Imagem 109">
+            <a:extLst>
+              <a:ext uri="{FF2B5EF4-FFF2-40B4-BE49-F238E27FC236}">
+                <a16:creationId xmlns:a16="http://schemas.microsoft.com/office/drawing/2014/main" id="{48EAE7C9-853C-4C62-BE4F-77E1FF7A2142}"/>
+              </a:ext>
+            </a:extLst>
+          </p:cNvPr>
+          <p:cNvPicPr>
+            <a:picLocks noChangeAspect="1"/>
+          </p:cNvPicPr>
+          <p:nvPr/>
+        </p:nvPicPr>
+        <p:blipFill>
+          <a:blip r:embed="rId8">
+            <a:extLst>
+              <a:ext uri="{28A0092B-C50C-407E-A947-70E740481C1C}">
+                <a14:useLocalDpi xmlns:a14="http://schemas.microsoft.com/office/drawing/2010/main" val="0"/>
+              </a:ext>
+            </a:extLst>
+          </a:blip>
+          <a:stretch>
+            <a:fillRect/>
+          </a:stretch>
+        </p:blipFill>
+        <p:spPr>
+          <a:xfrm>
+            <a:off x="8294761" y="5475463"/>
+            <a:ext cx="230832" cy="230832"/>
+          </a:xfrm>
+          <a:prstGeom prst="rect">
+            <a:avLst/>
+          </a:prstGeom>
+        </p:spPr>
+      </p:pic>
+      <p:pic>
+        <p:nvPicPr>
+          <p:cNvPr id="113" name="Imagem 112">
+            <a:extLst>
+              <a:ext uri="{FF2B5EF4-FFF2-40B4-BE49-F238E27FC236}">
+                <a16:creationId xmlns:a16="http://schemas.microsoft.com/office/drawing/2014/main" id="{3A0A7C0D-5AAE-4386-8F96-FE545AB5180F}"/>
+              </a:ext>
+            </a:extLst>
+          </p:cNvPr>
+          <p:cNvPicPr>
+            <a:picLocks noChangeAspect="1"/>
+          </p:cNvPicPr>
+          <p:nvPr/>
+        </p:nvPicPr>
+        <p:blipFill>
+          <a:blip r:embed="rId9">
+            <a:extLst>
+              <a:ext uri="{28A0092B-C50C-407E-A947-70E740481C1C}">
+                <a14:useLocalDpi xmlns:a14="http://schemas.microsoft.com/office/drawing/2010/main" val="0"/>
+              </a:ext>
+            </a:extLst>
+          </a:blip>
+          <a:stretch>
+            <a:fillRect/>
+          </a:stretch>
+        </p:blipFill>
+        <p:spPr>
+          <a:xfrm>
+            <a:off x="8505506" y="5401614"/>
+            <a:ext cx="378529" cy="378529"/>
+          </a:xfrm>
+          <a:prstGeom prst="rect">
+            <a:avLst/>
+          </a:prstGeom>
+        </p:spPr>
+      </p:pic>
+      <p:pic>
+        <p:nvPicPr>
+          <p:cNvPr id="115" name="Imagem 114">
+            <a:extLst>
+              <a:ext uri="{FF2B5EF4-FFF2-40B4-BE49-F238E27FC236}">
+                <a16:creationId xmlns:a16="http://schemas.microsoft.com/office/drawing/2014/main" id="{3C1B681C-ED12-41C5-AD26-8B6853414F1D}"/>
+              </a:ext>
+            </a:extLst>
+          </p:cNvPr>
+          <p:cNvPicPr>
+            <a:picLocks noChangeAspect="1"/>
+          </p:cNvPicPr>
+          <p:nvPr/>
+        </p:nvPicPr>
+        <p:blipFill>
+          <a:blip r:embed="rId10">
+            <a:extLst>
+              <a:ext uri="{28A0092B-C50C-407E-A947-70E740481C1C}">
+                <a14:useLocalDpi xmlns:a14="http://schemas.microsoft.com/office/drawing/2010/main" val="0"/>
+              </a:ext>
+            </a:extLst>
+          </a:blip>
+          <a:stretch>
+            <a:fillRect/>
+          </a:stretch>
+        </p:blipFill>
+        <p:spPr>
+          <a:xfrm>
+            <a:off x="8821267" y="5443201"/>
+            <a:ext cx="273513" cy="273513"/>
+          </a:xfrm>
+          <a:prstGeom prst="rect">
+            <a:avLst/>
+          </a:prstGeom>
+        </p:spPr>
+      </p:pic>
+      <p:sp>
+        <p:nvSpPr>
+          <p:cNvPr id="2" name="Retângulo 1">
+            <a:extLst>
+              <a:ext uri="{FF2B5EF4-FFF2-40B4-BE49-F238E27FC236}">
+                <a16:creationId xmlns:a16="http://schemas.microsoft.com/office/drawing/2014/main" id="{969E54A0-B7B5-4147-AB27-DA0CC75F47BD}"/>
+              </a:ext>
+            </a:extLst>
+          </p:cNvPr>
+          <p:cNvSpPr/>
+          <p:nvPr/>
+        </p:nvSpPr>
+        <p:spPr>
+          <a:xfrm>
+            <a:off x="81987" y="3673617"/>
+            <a:ext cx="5141937" cy="3087910"/>
+          </a:xfrm>
+          <a:prstGeom prst="rect">
+            <a:avLst/>
+          </a:prstGeom>
+          <a:noFill/>
+          <a:ln>
+            <a:solidFill>
+              <a:schemeClr val="tx1"/>
+            </a:solidFill>
+          </a:ln>
+        </p:spPr>
+        <p:style>
+          <a:lnRef idx="2">
+            <a:schemeClr val="accent1">
+              <a:shade val="50000"/>
+            </a:schemeClr>
+          </a:lnRef>
+          <a:fillRef idx="1">
+            <a:schemeClr val="accent1"/>
+          </a:fillRef>
+          <a:effectRef idx="0">
+            <a:schemeClr val="accent1"/>
+          </a:effectRef>
+          <a:fontRef idx="minor">
+            <a:schemeClr val="lt1"/>
+          </a:fontRef>
+        </p:style>
+        <p:txBody>
+          <a:bodyPr rtlCol="0" anchor="ctr"/>
+          <a:lstStyle/>
+          <a:p>
+            <a:pPr algn="ctr"/>
+            <a:endParaRPr lang="pt-BR"/>
+          </a:p>
+        </p:txBody>
+      </p:sp>
+      <p:sp>
+        <p:nvSpPr>
+          <p:cNvPr id="42" name="Retângulo 41">
+            <a:extLst>
+              <a:ext uri="{FF2B5EF4-FFF2-40B4-BE49-F238E27FC236}">
+                <a16:creationId xmlns:a16="http://schemas.microsoft.com/office/drawing/2014/main" id="{C094A487-B4D8-4E7E-A6DF-17D5E2F5A98F}"/>
+              </a:ext>
+            </a:extLst>
+          </p:cNvPr>
+          <p:cNvSpPr/>
+          <p:nvPr/>
+        </p:nvSpPr>
+        <p:spPr>
+          <a:xfrm>
+            <a:off x="6933844" y="3674781"/>
+            <a:ext cx="5141937" cy="3087910"/>
+          </a:xfrm>
+          <a:prstGeom prst="rect">
+            <a:avLst/>
+          </a:prstGeom>
+          <a:noFill/>
+          <a:ln>
+            <a:solidFill>
+              <a:schemeClr val="tx1"/>
+            </a:solidFill>
+          </a:ln>
+        </p:spPr>
+        <p:style>
+          <a:lnRef idx="2">
+            <a:schemeClr val="accent1">
+              <a:shade val="50000"/>
+            </a:schemeClr>
+          </a:lnRef>
+          <a:fillRef idx="1">
+            <a:schemeClr val="accent1"/>
+          </a:fillRef>
+          <a:effectRef idx="0">
+            <a:schemeClr val="accent1"/>
+          </a:effectRef>
+          <a:fontRef idx="minor">
+            <a:schemeClr val="lt1"/>
+          </a:fontRef>
+        </p:style>
+        <p:txBody>
+          <a:bodyPr rtlCol="0" anchor="ctr"/>
+          <a:lstStyle/>
+          <a:p>
+            <a:pPr algn="ctr"/>
+            <a:endParaRPr lang="pt-BR"/>
+          </a:p>
+        </p:txBody>
+      </p:sp>
+      <p:sp>
+        <p:nvSpPr>
+          <p:cNvPr id="43" name="Retângulo 42">
+            <a:extLst>
+              <a:ext uri="{FF2B5EF4-FFF2-40B4-BE49-F238E27FC236}">
+                <a16:creationId xmlns:a16="http://schemas.microsoft.com/office/drawing/2014/main" id="{B32F3D09-E978-488A-9882-969FC9FE44F3}"/>
+              </a:ext>
+            </a:extLst>
+          </p:cNvPr>
+          <p:cNvSpPr/>
+          <p:nvPr/>
+        </p:nvSpPr>
+        <p:spPr>
+          <a:xfrm>
+            <a:off x="3217786" y="96862"/>
+            <a:ext cx="5061417" cy="2030050"/>
+          </a:xfrm>
+          <a:prstGeom prst="rect">
+            <a:avLst/>
+          </a:prstGeom>
+          <a:noFill/>
+          <a:ln>
+            <a:solidFill>
+              <a:schemeClr val="tx1"/>
+            </a:solidFill>
+          </a:ln>
+        </p:spPr>
+        <p:style>
+          <a:lnRef idx="2">
+            <a:schemeClr val="accent1">
+              <a:shade val="50000"/>
+            </a:schemeClr>
+          </a:lnRef>
+          <a:fillRef idx="1">
+            <a:schemeClr val="accent1"/>
+          </a:fillRef>
+          <a:effectRef idx="0">
+            <a:schemeClr val="accent1"/>
+          </a:effectRef>
+          <a:fontRef idx="minor">
+            <a:schemeClr val="lt1"/>
+          </a:fontRef>
+        </p:style>
+        <p:txBody>
+          <a:bodyPr rtlCol="0" anchor="ctr"/>
+          <a:lstStyle/>
+          <a:p>
+            <a:pPr algn="ctr"/>
+            <a:endParaRPr lang="pt-BR"/>
+          </a:p>
+        </p:txBody>
+      </p:sp>
+      <p:sp>
+        <p:nvSpPr>
+          <p:cNvPr id="3" name="CaixaDeTexto 2">
+            <a:extLst>
+              <a:ext uri="{FF2B5EF4-FFF2-40B4-BE49-F238E27FC236}">
+                <a16:creationId xmlns:a16="http://schemas.microsoft.com/office/drawing/2014/main" id="{F3DB1EB6-7EDD-4F76-AC41-93A77350D0DB}"/>
+              </a:ext>
+            </a:extLst>
+          </p:cNvPr>
+          <p:cNvSpPr txBox="1"/>
+          <p:nvPr/>
+        </p:nvSpPr>
+        <p:spPr>
+          <a:xfrm>
+            <a:off x="-102336" y="-3806"/>
+            <a:ext cx="522900" cy="369332"/>
+          </a:xfrm>
+          <a:prstGeom prst="rect">
+            <a:avLst/>
+          </a:prstGeom>
+          <a:noFill/>
+        </p:spPr>
+        <p:txBody>
+          <a:bodyPr wrap="none" rtlCol="0">
+            <a:spAutoFit/>
+          </a:bodyPr>
+          <a:lstStyle/>
+          <a:p>
+            <a:r>
+              <a:rPr lang="pt-BR" b="1" dirty="0"/>
+              <a:t>LLD</a:t>
+            </a:r>
+          </a:p>
+        </p:txBody>
+      </p:sp>
+      <p:sp>
+        <p:nvSpPr>
+          <p:cNvPr id="5" name="CaixaDeTexto 4">
+            <a:extLst>
+              <a:ext uri="{FF2B5EF4-FFF2-40B4-BE49-F238E27FC236}">
+                <a16:creationId xmlns:a16="http://schemas.microsoft.com/office/drawing/2014/main" id="{00324186-5835-453F-9CA7-D8BA2FE4FDB1}"/>
+              </a:ext>
+            </a:extLst>
+          </p:cNvPr>
+          <p:cNvSpPr txBox="1"/>
+          <p:nvPr/>
+        </p:nvSpPr>
+        <p:spPr>
+          <a:xfrm>
+            <a:off x="11201687" y="3392545"/>
+            <a:ext cx="1168252" cy="646331"/>
+          </a:xfrm>
+          <a:prstGeom prst="rect">
+            <a:avLst/>
+          </a:prstGeom>
+          <a:noFill/>
+        </p:spPr>
+        <p:txBody>
+          <a:bodyPr wrap="square" rtlCol="0">
+            <a:spAutoFit/>
+          </a:bodyPr>
+          <a:lstStyle/>
+          <a:p>
+            <a:r>
+              <a:rPr lang="pt-BR" dirty="0"/>
+              <a:t>CLIENTE</a:t>
+            </a:r>
+            <a:endParaRPr lang="pt-BR" sz="1600" dirty="0"/>
+          </a:p>
+          <a:p>
+            <a:endParaRPr lang="pt-BR" dirty="0"/>
+          </a:p>
+        </p:txBody>
+      </p:sp>
+      <p:sp>
+        <p:nvSpPr>
+          <p:cNvPr id="8" name="CaixaDeTexto 7">
+            <a:extLst>
+              <a:ext uri="{FF2B5EF4-FFF2-40B4-BE49-F238E27FC236}">
+                <a16:creationId xmlns:a16="http://schemas.microsoft.com/office/drawing/2014/main" id="{C6B4F186-1182-4828-8066-2E561878460C}"/>
+              </a:ext>
+            </a:extLst>
+          </p:cNvPr>
+          <p:cNvSpPr txBox="1"/>
+          <p:nvPr/>
+        </p:nvSpPr>
+        <p:spPr>
+          <a:xfrm>
+            <a:off x="-5558" y="3373916"/>
+            <a:ext cx="2008249" cy="369332"/>
+          </a:xfrm>
+          <a:prstGeom prst="rect">
+            <a:avLst/>
+          </a:prstGeom>
+          <a:noFill/>
+        </p:spPr>
+        <p:txBody>
+          <a:bodyPr wrap="square" rtlCol="0">
+            <a:spAutoFit/>
+          </a:bodyPr>
+          <a:lstStyle/>
+          <a:p>
+            <a:r>
+              <a:rPr lang="pt-BR" dirty="0"/>
+              <a:t>TELEMARKETING</a:t>
+            </a:r>
+          </a:p>
+        </p:txBody>
+      </p:sp>
+      <p:sp>
+        <p:nvSpPr>
+          <p:cNvPr id="9" name="CaixaDeTexto 8">
+            <a:extLst>
+              <a:ext uri="{FF2B5EF4-FFF2-40B4-BE49-F238E27FC236}">
+                <a16:creationId xmlns:a16="http://schemas.microsoft.com/office/drawing/2014/main" id="{7F4FF870-1C04-4D9F-A43E-EA81B5C6132D}"/>
+              </a:ext>
+            </a:extLst>
+          </p:cNvPr>
+          <p:cNvSpPr txBox="1"/>
+          <p:nvPr/>
+        </p:nvSpPr>
+        <p:spPr>
+          <a:xfrm>
+            <a:off x="2405790" y="1002079"/>
+            <a:ext cx="922047" cy="646331"/>
+          </a:xfrm>
+          <a:prstGeom prst="rect">
+            <a:avLst/>
+          </a:prstGeom>
+          <a:noFill/>
+        </p:spPr>
+        <p:txBody>
+          <a:bodyPr wrap="none" rtlCol="0">
+            <a:spAutoFit/>
+          </a:bodyPr>
+          <a:lstStyle/>
+          <a:p>
+            <a:r>
+              <a:rPr lang="pt-BR" dirty="0"/>
+              <a:t>NUVEM</a:t>
+            </a:r>
+          </a:p>
+          <a:p>
+            <a:endParaRPr lang="pt-BR" dirty="0"/>
+          </a:p>
+        </p:txBody>
+      </p:sp>
+      <p:pic>
+        <p:nvPicPr>
+          <p:cNvPr id="1026" name="Picture 2" descr="Node.js – Wikipédia, a enciclopédia livre">
+            <a:extLst>
+              <a:ext uri="{FF2B5EF4-FFF2-40B4-BE49-F238E27FC236}">
+                <a16:creationId xmlns:a16="http://schemas.microsoft.com/office/drawing/2014/main" id="{2F5537B2-2DC7-456A-8F58-3BCE75A9907F}"/>
               </a:ext>
             </a:extLst>
           </p:cNvPr>
@@ -4440,7 +5911,7 @@
           <p:nvPr/>
         </p:nvPicPr>
         <p:blipFill>
-          <a:blip r:embed="rId2">
+          <a:blip r:embed="rId11">
             <a:extLst>
               <a:ext uri="{28A0092B-C50C-407E-A947-70E740481C1C}">
                 <a14:useLocalDpi xmlns:a14="http://schemas.microsoft.com/office/drawing/2010/main" val="0"/>
@@ -4454,8 +5925,8 @@
         </p:blipFill>
         <p:spPr bwMode="auto">
           <a:xfrm>
-            <a:off x="3175" y="0"/>
-            <a:ext cx="12187238" cy="6858000"/>
+            <a:off x="7000300" y="586198"/>
+            <a:ext cx="975140" cy="596433"/>
           </a:xfrm>
           <a:prstGeom prst="rect">
             <a:avLst/>
@@ -4472,10 +5943,590 @@
           </a:extLst>
         </p:spPr>
       </p:pic>
+      <p:sp>
+        <p:nvSpPr>
+          <p:cNvPr id="12" name="CaixaDeTexto 11">
+            <a:extLst>
+              <a:ext uri="{FF2B5EF4-FFF2-40B4-BE49-F238E27FC236}">
+                <a16:creationId xmlns:a16="http://schemas.microsoft.com/office/drawing/2014/main" id="{BA9B7A29-1A26-4FB8-B824-C11DD27E60E6}"/>
+              </a:ext>
+            </a:extLst>
+          </p:cNvPr>
+          <p:cNvSpPr txBox="1"/>
+          <p:nvPr/>
+        </p:nvSpPr>
+        <p:spPr>
+          <a:xfrm>
+            <a:off x="6755227" y="1306694"/>
+            <a:ext cx="1480765" cy="523220"/>
+          </a:xfrm>
+          <a:prstGeom prst="rect">
+            <a:avLst/>
+          </a:prstGeom>
+          <a:noFill/>
+        </p:spPr>
+        <p:txBody>
+          <a:bodyPr wrap="square" rtlCol="0">
+            <a:spAutoFit/>
+          </a:bodyPr>
+          <a:lstStyle/>
+          <a:p>
+            <a:pPr algn="ctr"/>
+            <a:r>
+              <a:rPr lang="pt-BR" sz="1400" dirty="0"/>
+              <a:t>Comunicação</a:t>
+            </a:r>
+          </a:p>
+          <a:p>
+            <a:pPr algn="ctr"/>
+            <a:r>
+              <a:rPr lang="pt-BR" sz="1400" dirty="0"/>
+              <a:t>Node </a:t>
+            </a:r>
+            <a:r>
+              <a:rPr lang="pt-BR" sz="1400" dirty="0" err="1"/>
+              <a:t>js</a:t>
+            </a:r>
+            <a:endParaRPr lang="pt-BR" sz="1400" dirty="0"/>
+          </a:p>
+        </p:txBody>
+      </p:sp>
+      <p:pic>
+        <p:nvPicPr>
+          <p:cNvPr id="14" name="Imagem 13" descr="Logotipo, nome da empresa&#10;&#10;Descrição gerada automaticamente">
+            <a:extLst>
+              <a:ext uri="{FF2B5EF4-FFF2-40B4-BE49-F238E27FC236}">
+                <a16:creationId xmlns:a16="http://schemas.microsoft.com/office/drawing/2014/main" id="{C131E45E-AAA8-4092-97F7-314E8411F05B}"/>
+              </a:ext>
+            </a:extLst>
+          </p:cNvPr>
+          <p:cNvPicPr>
+            <a:picLocks noChangeAspect="1"/>
+          </p:cNvPicPr>
+          <p:nvPr/>
+        </p:nvPicPr>
+        <p:blipFill>
+          <a:blip r:embed="rId12">
+            <a:extLst>
+              <a:ext uri="{28A0092B-C50C-407E-A947-70E740481C1C}">
+                <a14:useLocalDpi xmlns:a14="http://schemas.microsoft.com/office/drawing/2010/main" val="0"/>
+              </a:ext>
+            </a:extLst>
+          </a:blip>
+          <a:stretch>
+            <a:fillRect/>
+          </a:stretch>
+        </p:blipFill>
+        <p:spPr>
+          <a:xfrm>
+            <a:off x="2924125" y="5483792"/>
+            <a:ext cx="403712" cy="403712"/>
+          </a:xfrm>
+          <a:prstGeom prst="rect">
+            <a:avLst/>
+          </a:prstGeom>
+        </p:spPr>
+      </p:pic>
+      <p:pic>
+        <p:nvPicPr>
+          <p:cNvPr id="19" name="Imagem 18" descr="Uma imagem contendo Forma&#10;&#10;Descrição gerada automaticamente">
+            <a:extLst>
+              <a:ext uri="{FF2B5EF4-FFF2-40B4-BE49-F238E27FC236}">
+                <a16:creationId xmlns:a16="http://schemas.microsoft.com/office/drawing/2014/main" id="{71F72E75-91AD-4FA7-9A33-1635686FD9A7}"/>
+              </a:ext>
+            </a:extLst>
+          </p:cNvPr>
+          <p:cNvPicPr>
+            <a:picLocks noChangeAspect="1"/>
+          </p:cNvPicPr>
+          <p:nvPr/>
+        </p:nvPicPr>
+        <p:blipFill>
+          <a:blip r:embed="rId13">
+            <a:extLst>
+              <a:ext uri="{28A0092B-C50C-407E-A947-70E740481C1C}">
+                <a14:useLocalDpi xmlns:a14="http://schemas.microsoft.com/office/drawing/2010/main" val="0"/>
+              </a:ext>
+            </a:extLst>
+          </a:blip>
+          <a:stretch>
+            <a:fillRect/>
+          </a:stretch>
+        </p:blipFill>
+        <p:spPr>
+          <a:xfrm>
+            <a:off x="3350296" y="5493206"/>
+            <a:ext cx="403713" cy="403713"/>
+          </a:xfrm>
+          <a:prstGeom prst="rect">
+            <a:avLst/>
+          </a:prstGeom>
+        </p:spPr>
+      </p:pic>
+      <p:sp>
+        <p:nvSpPr>
+          <p:cNvPr id="20" name="CaixaDeTexto 19">
+            <a:extLst>
+              <a:ext uri="{FF2B5EF4-FFF2-40B4-BE49-F238E27FC236}">
+                <a16:creationId xmlns:a16="http://schemas.microsoft.com/office/drawing/2014/main" id="{D49B4519-BABB-4AEB-BD5F-95A30CCBECB9}"/>
+              </a:ext>
+            </a:extLst>
+          </p:cNvPr>
+          <p:cNvSpPr txBox="1"/>
+          <p:nvPr/>
+        </p:nvSpPr>
+        <p:spPr>
+          <a:xfrm>
+            <a:off x="3923569" y="5401147"/>
+            <a:ext cx="1240499" cy="1061829"/>
+          </a:xfrm>
+          <a:prstGeom prst="rect">
+            <a:avLst/>
+          </a:prstGeom>
+          <a:noFill/>
+        </p:spPr>
+        <p:txBody>
+          <a:bodyPr wrap="square" rtlCol="0">
+            <a:spAutoFit/>
+          </a:bodyPr>
+          <a:lstStyle/>
+          <a:p>
+            <a:r>
+              <a:rPr lang="pt-BR" sz="900" dirty="0"/>
+              <a:t>Computador com software </a:t>
+            </a:r>
+            <a:r>
+              <a:rPr lang="pt-BR" sz="900" dirty="0" err="1"/>
+              <a:t>Telemon</a:t>
+            </a:r>
+            <a:r>
+              <a:rPr lang="pt-BR" sz="900" dirty="0"/>
+              <a:t> realizando o monitoramento de processos, hardware, capturando log erros e internet.</a:t>
+            </a:r>
+          </a:p>
+        </p:txBody>
+      </p:sp>
+      <p:sp>
+        <p:nvSpPr>
+          <p:cNvPr id="25" name="Retângulo 24">
+            <a:extLst>
+              <a:ext uri="{FF2B5EF4-FFF2-40B4-BE49-F238E27FC236}">
+                <a16:creationId xmlns:a16="http://schemas.microsoft.com/office/drawing/2014/main" id="{8EB74048-9285-413A-9703-C7912BBD29A0}"/>
+              </a:ext>
+            </a:extLst>
+          </p:cNvPr>
+          <p:cNvSpPr/>
+          <p:nvPr/>
+        </p:nvSpPr>
+        <p:spPr>
+          <a:xfrm>
+            <a:off x="4902424" y="1256382"/>
+            <a:ext cx="1622740" cy="499715"/>
+          </a:xfrm>
+          <a:prstGeom prst="rect">
+            <a:avLst/>
+          </a:prstGeom>
+          <a:solidFill>
+            <a:schemeClr val="bg1"/>
+          </a:solidFill>
+          <a:ln>
+            <a:noFill/>
+          </a:ln>
+        </p:spPr>
+        <p:style>
+          <a:lnRef idx="2">
+            <a:schemeClr val="accent1">
+              <a:shade val="50000"/>
+            </a:schemeClr>
+          </a:lnRef>
+          <a:fillRef idx="1">
+            <a:schemeClr val="accent1"/>
+          </a:fillRef>
+          <a:effectRef idx="0">
+            <a:schemeClr val="accent1"/>
+          </a:effectRef>
+          <a:fontRef idx="minor">
+            <a:schemeClr val="lt1"/>
+          </a:fontRef>
+        </p:style>
+        <p:txBody>
+          <a:bodyPr rtlCol="0" anchor="ctr"/>
+          <a:lstStyle/>
+          <a:p>
+            <a:pPr algn="ctr"/>
+            <a:endParaRPr lang="pt-BR" dirty="0"/>
+          </a:p>
+        </p:txBody>
+      </p:sp>
+      <p:pic>
+        <p:nvPicPr>
+          <p:cNvPr id="21" name="Picture 2" descr="JavaScript – Wikipédia, a enciclopédia livre">
+            <a:extLst>
+              <a:ext uri="{FF2B5EF4-FFF2-40B4-BE49-F238E27FC236}">
+                <a16:creationId xmlns:a16="http://schemas.microsoft.com/office/drawing/2014/main" id="{34293808-22F9-4A1F-BB2E-227976666610}"/>
+              </a:ext>
+            </a:extLst>
+          </p:cNvPr>
+          <p:cNvPicPr>
+            <a:picLocks noChangeAspect="1" noChangeArrowheads="1"/>
+          </p:cNvPicPr>
+          <p:nvPr/>
+        </p:nvPicPr>
+        <p:blipFill>
+          <a:blip r:embed="rId14">
+            <a:extLst>
+              <a:ext uri="{28A0092B-C50C-407E-A947-70E740481C1C}">
+                <a14:useLocalDpi xmlns:a14="http://schemas.microsoft.com/office/drawing/2010/main" val="0"/>
+              </a:ext>
+            </a:extLst>
+          </a:blip>
+          <a:srcRect/>
+          <a:stretch>
+            <a:fillRect/>
+          </a:stretch>
+        </p:blipFill>
+        <p:spPr bwMode="auto">
+          <a:xfrm>
+            <a:off x="4938550" y="1625352"/>
+            <a:ext cx="314629" cy="314629"/>
+          </a:xfrm>
+          <a:prstGeom prst="rect">
+            <a:avLst/>
+          </a:prstGeom>
+          <a:noFill/>
+          <a:extLst>
+            <a:ext uri="{909E8E84-426E-40DD-AFC4-6F175D3DCCD1}">
+              <a14:hiddenFill xmlns:a14="http://schemas.microsoft.com/office/drawing/2010/main">
+                <a:solidFill>
+                  <a:srgbClr val="FFFFFF"/>
+                </a:solidFill>
+              </a14:hiddenFill>
+            </a:ext>
+          </a:extLst>
+        </p:spPr>
+      </p:pic>
+      <p:pic>
+        <p:nvPicPr>
+          <p:cNvPr id="1030" name="Picture 6" descr="CSS - Wikipedia">
+            <a:extLst>
+              <a:ext uri="{FF2B5EF4-FFF2-40B4-BE49-F238E27FC236}">
+                <a16:creationId xmlns:a16="http://schemas.microsoft.com/office/drawing/2014/main" id="{A5935F69-9994-4969-962E-B2F0496FD926}"/>
+              </a:ext>
+            </a:extLst>
+          </p:cNvPr>
+          <p:cNvPicPr>
+            <a:picLocks noChangeAspect="1" noChangeArrowheads="1"/>
+          </p:cNvPicPr>
+          <p:nvPr/>
+        </p:nvPicPr>
+        <p:blipFill>
+          <a:blip r:embed="rId15">
+            <a:extLst>
+              <a:ext uri="{28A0092B-C50C-407E-A947-70E740481C1C}">
+                <a14:useLocalDpi xmlns:a14="http://schemas.microsoft.com/office/drawing/2010/main" val="0"/>
+              </a:ext>
+            </a:extLst>
+          </a:blip>
+          <a:srcRect/>
+          <a:stretch>
+            <a:fillRect/>
+          </a:stretch>
+        </p:blipFill>
+        <p:spPr bwMode="auto">
+          <a:xfrm>
+            <a:off x="5749222" y="1183775"/>
+            <a:ext cx="342432" cy="483118"/>
+          </a:xfrm>
+          <a:prstGeom prst="rect">
+            <a:avLst/>
+          </a:prstGeom>
+          <a:noFill/>
+          <a:extLst>
+            <a:ext uri="{909E8E84-426E-40DD-AFC4-6F175D3DCCD1}">
+              <a14:hiddenFill xmlns:a14="http://schemas.microsoft.com/office/drawing/2010/main">
+                <a:solidFill>
+                  <a:srgbClr val="FFFFFF"/>
+                </a:solidFill>
+              </a14:hiddenFill>
+            </a:ext>
+          </a:extLst>
+        </p:spPr>
+      </p:pic>
+      <p:pic>
+        <p:nvPicPr>
+          <p:cNvPr id="1028" name="Picture 4" descr="HTML5 – Wikipédia, a enciclopédia livre">
+            <a:extLst>
+              <a:ext uri="{FF2B5EF4-FFF2-40B4-BE49-F238E27FC236}">
+                <a16:creationId xmlns:a16="http://schemas.microsoft.com/office/drawing/2014/main" id="{192AFB79-DE18-40B9-9AA9-CFBC96C85AA8}"/>
+              </a:ext>
+            </a:extLst>
+          </p:cNvPr>
+          <p:cNvPicPr>
+            <a:picLocks noChangeAspect="1" noChangeArrowheads="1"/>
+          </p:cNvPicPr>
+          <p:nvPr/>
+        </p:nvPicPr>
+        <p:blipFill>
+          <a:blip r:embed="rId16">
+            <a:extLst>
+              <a:ext uri="{28A0092B-C50C-407E-A947-70E740481C1C}">
+                <a14:useLocalDpi xmlns:a14="http://schemas.microsoft.com/office/drawing/2010/main" val="0"/>
+              </a:ext>
+            </a:extLst>
+          </a:blip>
+          <a:srcRect/>
+          <a:stretch>
+            <a:fillRect/>
+          </a:stretch>
+        </p:blipFill>
+        <p:spPr bwMode="auto">
+          <a:xfrm>
+            <a:off x="5688694" y="673973"/>
+            <a:ext cx="463488" cy="463488"/>
+          </a:xfrm>
+          <a:prstGeom prst="rect">
+            <a:avLst/>
+          </a:prstGeom>
+          <a:noFill/>
+          <a:extLst>
+            <a:ext uri="{909E8E84-426E-40DD-AFC4-6F175D3DCCD1}">
+              <a14:hiddenFill xmlns:a14="http://schemas.microsoft.com/office/drawing/2010/main">
+                <a:solidFill>
+                  <a:srgbClr val="FFFFFF"/>
+                </a:solidFill>
+              </a14:hiddenFill>
+            </a:ext>
+          </a:extLst>
+        </p:spPr>
+      </p:pic>
+      <p:pic>
+        <p:nvPicPr>
+          <p:cNvPr id="27" name="Picture 2" descr="Node.js – Wikipédia, a enciclopédia livre">
+            <a:extLst>
+              <a:ext uri="{FF2B5EF4-FFF2-40B4-BE49-F238E27FC236}">
+                <a16:creationId xmlns:a16="http://schemas.microsoft.com/office/drawing/2014/main" id="{C306C458-5AE6-4141-B5F7-B50D6F7B0AF2}"/>
+              </a:ext>
+            </a:extLst>
+          </p:cNvPr>
+          <p:cNvPicPr>
+            <a:picLocks noChangeAspect="1" noChangeArrowheads="1"/>
+          </p:cNvPicPr>
+          <p:nvPr/>
+        </p:nvPicPr>
+        <p:blipFill>
+          <a:blip r:embed="rId11">
+            <a:extLst>
+              <a:ext uri="{28A0092B-C50C-407E-A947-70E740481C1C}">
+                <a14:useLocalDpi xmlns:a14="http://schemas.microsoft.com/office/drawing/2010/main" val="0"/>
+              </a:ext>
+            </a:extLst>
+          </a:blip>
+          <a:srcRect/>
+          <a:stretch>
+            <a:fillRect/>
+          </a:stretch>
+        </p:blipFill>
+        <p:spPr bwMode="auto">
+          <a:xfrm>
+            <a:off x="5043792" y="499081"/>
+            <a:ext cx="598728" cy="366205"/>
+          </a:xfrm>
+          <a:prstGeom prst="rect">
+            <a:avLst/>
+          </a:prstGeom>
+          <a:noFill/>
+          <a:extLst>
+            <a:ext uri="{909E8E84-426E-40DD-AFC4-6F175D3DCCD1}">
+              <a14:hiddenFill xmlns:a14="http://schemas.microsoft.com/office/drawing/2010/main">
+                <a:solidFill>
+                  <a:srgbClr val="FFFFFF"/>
+                </a:solidFill>
+              </a14:hiddenFill>
+            </a:ext>
+          </a:extLst>
+        </p:spPr>
+      </p:pic>
+      <p:pic>
+        <p:nvPicPr>
+          <p:cNvPr id="1032" name="Picture 8" descr="Bootstrap em Português · O mais popular framework front-end responsivo e  focado para dispositivos móveis do mundo.">
+            <a:extLst>
+              <a:ext uri="{FF2B5EF4-FFF2-40B4-BE49-F238E27FC236}">
+                <a16:creationId xmlns:a16="http://schemas.microsoft.com/office/drawing/2014/main" id="{C3798B4D-CE1E-4347-9F1E-D9E94B864595}"/>
+              </a:ext>
+            </a:extLst>
+          </p:cNvPr>
+          <p:cNvPicPr>
+            <a:picLocks noChangeAspect="1" noChangeArrowheads="1"/>
+          </p:cNvPicPr>
+          <p:nvPr/>
+        </p:nvPicPr>
+        <p:blipFill>
+          <a:blip r:embed="rId17">
+            <a:extLst>
+              <a:ext uri="{28A0092B-C50C-407E-A947-70E740481C1C}">
+                <a14:useLocalDpi xmlns:a14="http://schemas.microsoft.com/office/drawing/2010/main" val="0"/>
+              </a:ext>
+            </a:extLst>
+          </a:blip>
+          <a:srcRect/>
+          <a:stretch>
+            <a:fillRect/>
+          </a:stretch>
+        </p:blipFill>
+        <p:spPr bwMode="auto">
+          <a:xfrm>
+            <a:off x="5228413" y="1606313"/>
+            <a:ext cx="620279" cy="385059"/>
+          </a:xfrm>
+          <a:prstGeom prst="rect">
+            <a:avLst/>
+          </a:prstGeom>
+          <a:noFill/>
+          <a:extLst>
+            <a:ext uri="{909E8E84-426E-40DD-AFC4-6F175D3DCCD1}">
+              <a14:hiddenFill xmlns:a14="http://schemas.microsoft.com/office/drawing/2010/main">
+                <a:solidFill>
+                  <a:srgbClr val="FFFFFF"/>
+                </a:solidFill>
+              </a14:hiddenFill>
+            </a:ext>
+          </a:extLst>
+        </p:spPr>
+      </p:pic>
+      <p:pic>
+        <p:nvPicPr>
+          <p:cNvPr id="1034" name="Picture 10" descr="Amazon Web Services - Wikipedia">
+            <a:extLst>
+              <a:ext uri="{FF2B5EF4-FFF2-40B4-BE49-F238E27FC236}">
+                <a16:creationId xmlns:a16="http://schemas.microsoft.com/office/drawing/2014/main" id="{0A17543D-B318-4190-9DFE-A65CBABEA3DD}"/>
+              </a:ext>
+            </a:extLst>
+          </p:cNvPr>
+          <p:cNvPicPr>
+            <a:picLocks noChangeAspect="1" noChangeArrowheads="1"/>
+          </p:cNvPicPr>
+          <p:nvPr/>
+        </p:nvPicPr>
+        <p:blipFill>
+          <a:blip r:embed="rId18">
+            <a:extLst>
+              <a:ext uri="{28A0092B-C50C-407E-A947-70E740481C1C}">
+                <a14:useLocalDpi xmlns:a14="http://schemas.microsoft.com/office/drawing/2010/main" val="0"/>
+              </a:ext>
+            </a:extLst>
+          </a:blip>
+          <a:srcRect/>
+          <a:stretch>
+            <a:fillRect/>
+          </a:stretch>
+        </p:blipFill>
+        <p:spPr bwMode="auto">
+          <a:xfrm>
+            <a:off x="3273993" y="193843"/>
+            <a:ext cx="620249" cy="319283"/>
+          </a:xfrm>
+          <a:prstGeom prst="rect">
+            <a:avLst/>
+          </a:prstGeom>
+          <a:noFill/>
+          <a:extLst>
+            <a:ext uri="{909E8E84-426E-40DD-AFC4-6F175D3DCCD1}">
+              <a14:hiddenFill xmlns:a14="http://schemas.microsoft.com/office/drawing/2010/main">
+                <a:solidFill>
+                  <a:srgbClr val="FFFFFF"/>
+                </a:solidFill>
+              </a14:hiddenFill>
+            </a:ext>
+          </a:extLst>
+        </p:spPr>
+      </p:pic>
+      <p:pic>
+        <p:nvPicPr>
+          <p:cNvPr id="1036" name="Picture 12" descr="Free Icon | Database">
+            <a:extLst>
+              <a:ext uri="{FF2B5EF4-FFF2-40B4-BE49-F238E27FC236}">
+                <a16:creationId xmlns:a16="http://schemas.microsoft.com/office/drawing/2014/main" id="{C54354EB-503C-441F-97D3-4FF1B87FEE62}"/>
+              </a:ext>
+            </a:extLst>
+          </p:cNvPr>
+          <p:cNvPicPr>
+            <a:picLocks noChangeAspect="1" noChangeArrowheads="1"/>
+          </p:cNvPicPr>
+          <p:nvPr/>
+        </p:nvPicPr>
+        <p:blipFill>
+          <a:blip r:embed="rId19">
+            <a:extLst>
+              <a:ext uri="{28A0092B-C50C-407E-A947-70E740481C1C}">
+                <a14:useLocalDpi xmlns:a14="http://schemas.microsoft.com/office/drawing/2010/main" val="0"/>
+              </a:ext>
+            </a:extLst>
+          </a:blip>
+          <a:srcRect/>
+          <a:stretch>
+            <a:fillRect/>
+          </a:stretch>
+        </p:blipFill>
+        <p:spPr bwMode="auto">
+          <a:xfrm>
+            <a:off x="3515800" y="789948"/>
+            <a:ext cx="785366" cy="785366"/>
+          </a:xfrm>
+          <a:prstGeom prst="rect">
+            <a:avLst/>
+          </a:prstGeom>
+          <a:noFill/>
+          <a:extLst>
+            <a:ext uri="{909E8E84-426E-40DD-AFC4-6F175D3DCCD1}">
+              <a14:hiddenFill xmlns:a14="http://schemas.microsoft.com/office/drawing/2010/main">
+                <a:solidFill>
+                  <a:srgbClr val="FFFFFF"/>
+                </a:solidFill>
+              </a14:hiddenFill>
+            </a:ext>
+          </a:extLst>
+        </p:spPr>
+      </p:pic>
+      <p:pic>
+        <p:nvPicPr>
+          <p:cNvPr id="31" name="Imagem 30" descr="Uma imagem contendo Forma&#10;&#10;Descrição gerada automaticamente">
+            <a:extLst>
+              <a:ext uri="{FF2B5EF4-FFF2-40B4-BE49-F238E27FC236}">
+                <a16:creationId xmlns:a16="http://schemas.microsoft.com/office/drawing/2014/main" id="{C96167A5-570E-409C-933E-D9F7CD73CE3B}"/>
+              </a:ext>
+            </a:extLst>
+          </p:cNvPr>
+          <p:cNvPicPr>
+            <a:picLocks noChangeAspect="1"/>
+          </p:cNvPicPr>
+          <p:nvPr/>
+        </p:nvPicPr>
+        <p:blipFill>
+          <a:blip r:embed="rId20">
+            <a:extLst>
+              <a:ext uri="{28A0092B-C50C-407E-A947-70E740481C1C}">
+                <a14:useLocalDpi xmlns:a14="http://schemas.microsoft.com/office/drawing/2010/main" val="0"/>
+              </a:ext>
+            </a:extLst>
+          </a:blip>
+          <a:stretch>
+            <a:fillRect/>
+          </a:stretch>
+        </p:blipFill>
+        <p:spPr>
+          <a:xfrm>
+            <a:off x="5010212" y="902664"/>
+            <a:ext cx="647933" cy="647933"/>
+          </a:xfrm>
+          <a:prstGeom prst="rect">
+            <a:avLst/>
+          </a:prstGeom>
+        </p:spPr>
+      </p:pic>
     </p:spTree>
     <p:extLst>
       <p:ext uri="{BB962C8B-B14F-4D97-AF65-F5344CB8AC3E}">
-        <p14:creationId xmlns:p14="http://schemas.microsoft.com/office/powerpoint/2010/main" val="1757595930"/>
+        <p14:creationId xmlns:p14="http://schemas.microsoft.com/office/powerpoint/2010/main" val="2619191552"/>
       </p:ext>
     </p:extLst>
   </p:cSld>
@@ -4781,21 +6832,6 @@
 </file>
 
 <file path=customXml/item1.xml><?xml version="1.0" encoding="utf-8"?>
-<p:properties xmlns:p="http://schemas.microsoft.com/office/2006/metadata/properties" xmlns:xsi="http://www.w3.org/2001/XMLSchema-instance" xmlns:pc="http://schemas.microsoft.com/office/infopath/2007/PartnerControls">
-  <documentManagement/>
-</p:properties>
-</file>
-
-<file path=customXml/item2.xml><?xml version="1.0" encoding="utf-8"?>
-<?mso-contentType ?>
-<FormTemplates xmlns="http://schemas.microsoft.com/sharepoint/v3/contenttype/forms">
-  <Display>DocumentLibraryForm</Display>
-  <Edit>DocumentLibraryForm</Edit>
-  <New>DocumentLibraryForm</New>
-</FormTemplates>
-</file>
-
-<file path=customXml/item3.xml><?xml version="1.0" encoding="utf-8"?>
 <ct:contentTypeSchema xmlns:ct="http://schemas.microsoft.com/office/2006/metadata/contentType" xmlns:ma="http://schemas.microsoft.com/office/2006/metadata/properties/metaAttributes" ct:_="" ma:_="" ma:contentTypeName="Document" ma:contentTypeID="0x010100B98A8EE2A9F7A14F94CEDBF06729C915" ma:contentTypeVersion="2" ma:contentTypeDescription="Create a new document." ma:contentTypeScope="" ma:versionID="54211dd7b80d0a5e350bd2ce1fda18e0">
   <xsd:schema xmlns:xsd="http://www.w3.org/2001/XMLSchema" xmlns:xs="http://www.w3.org/2001/XMLSchema" xmlns:p="http://schemas.microsoft.com/office/2006/metadata/properties" xmlns:ns3="4d0c820a-888c-467f-9883-f2eb09285986" targetNamespace="http://schemas.microsoft.com/office/2006/metadata/properties" ma:root="true" ma:fieldsID="215748a485b3af4a87eff8123adb26da" ns3:_="">
     <xsd:import namespace="4d0c820a-888c-467f-9883-f2eb09285986"/>
@@ -4927,31 +6963,22 @@
 </ct:contentTypeSchema>
 </file>
 
-<file path=customXml/itemProps1.xml><?xml version="1.0" encoding="utf-8"?>
-<ds:datastoreItem xmlns:ds="http://schemas.openxmlformats.org/officeDocument/2006/customXml" ds:itemID="{B1403ECD-64BE-4472-A72B-8AE2B2D302D4}">
-  <ds:schemaRefs>
-    <ds:schemaRef ds:uri="http://schemas.microsoft.com/office/2006/documentManagement/types"/>
-    <ds:schemaRef ds:uri="http://schemas.microsoft.com/office/infopath/2007/PartnerControls"/>
-    <ds:schemaRef ds:uri="http://www.w3.org/XML/1998/namespace"/>
-    <ds:schemaRef ds:uri="4d0c820a-888c-467f-9883-f2eb09285986"/>
-    <ds:schemaRef ds:uri="http://purl.org/dc/terms/"/>
-    <ds:schemaRef ds:uri="http://purl.org/dc/dcmitype/"/>
-    <ds:schemaRef ds:uri="http://purl.org/dc/elements/1.1/"/>
-    <ds:schemaRef ds:uri="http://schemas.openxmlformats.org/package/2006/metadata/core-properties"/>
-    <ds:schemaRef ds:uri="http://schemas.microsoft.com/office/2006/metadata/properties"/>
-  </ds:schemaRefs>
-</ds:datastoreItem>
+<file path=customXml/item2.xml><?xml version="1.0" encoding="utf-8"?>
+<?mso-contentType ?>
+<FormTemplates xmlns="http://schemas.microsoft.com/sharepoint/v3/contenttype/forms">
+  <Display>DocumentLibraryForm</Display>
+  <Edit>DocumentLibraryForm</Edit>
+  <New>DocumentLibraryForm</New>
+</FormTemplates>
 </file>
 
-<file path=customXml/itemProps2.xml><?xml version="1.0" encoding="utf-8"?>
-<ds:datastoreItem xmlns:ds="http://schemas.openxmlformats.org/officeDocument/2006/customXml" ds:itemID="{C361E357-1858-46EE-ADFA-698EE4D9C360}">
-  <ds:schemaRefs>
-    <ds:schemaRef ds:uri="http://schemas.microsoft.com/sharepoint/v3/contenttype/forms"/>
-  </ds:schemaRefs>
-</ds:datastoreItem>
+<file path=customXml/item3.xml><?xml version="1.0" encoding="utf-8"?>
+<p:properties xmlns:p="http://schemas.microsoft.com/office/2006/metadata/properties" xmlns:xsi="http://www.w3.org/2001/XMLSchema-instance" xmlns:pc="http://schemas.microsoft.com/office/infopath/2007/PartnerControls">
+  <documentManagement/>
+</p:properties>
 </file>
 
-<file path=customXml/itemProps3.xml><?xml version="1.0" encoding="utf-8"?>
+<file path=customXml/itemProps1.xml><?xml version="1.0" encoding="utf-8"?>
 <ds:datastoreItem xmlns:ds="http://schemas.openxmlformats.org/officeDocument/2006/customXml" ds:itemID="{94021B74-C88A-417E-AEFD-9E5858425111}">
   <ds:schemaRefs>
     <ds:schemaRef ds:uri="http://schemas.microsoft.com/office/2006/metadata/contentType"/>
@@ -4967,4 +6994,28 @@
     <ds:schemaRef ds:uri="http://schemas.microsoft.com/internal/obd"/>
   </ds:schemaRefs>
 </ds:datastoreItem>
+</file>
+
+<file path=customXml/itemProps2.xml><?xml version="1.0" encoding="utf-8"?>
+<ds:datastoreItem xmlns:ds="http://schemas.openxmlformats.org/officeDocument/2006/customXml" ds:itemID="{C361E357-1858-46EE-ADFA-698EE4D9C360}">
+  <ds:schemaRefs>
+    <ds:schemaRef ds:uri="http://schemas.microsoft.com/sharepoint/v3/contenttype/forms"/>
+  </ds:schemaRefs>
+</ds:datastoreItem>
+</file>
+
+<file path=customXml/itemProps3.xml><?xml version="1.0" encoding="utf-8"?>
+<ds:datastoreItem xmlns:ds="http://schemas.openxmlformats.org/officeDocument/2006/customXml" ds:itemID="{B1403ECD-64BE-4472-A72B-8AE2B2D302D4}">
+  <ds:schemaRefs>
+    <ds:schemaRef ds:uri="http://schemas.microsoft.com/office/2006/documentManagement/types"/>
+    <ds:schemaRef ds:uri="http://schemas.microsoft.com/office/infopath/2007/PartnerControls"/>
+    <ds:schemaRef ds:uri="http://www.w3.org/XML/1998/namespace"/>
+    <ds:schemaRef ds:uri="4d0c820a-888c-467f-9883-f2eb09285986"/>
+    <ds:schemaRef ds:uri="http://purl.org/dc/terms/"/>
+    <ds:schemaRef ds:uri="http://purl.org/dc/dcmitype/"/>
+    <ds:schemaRef ds:uri="http://purl.org/dc/elements/1.1/"/>
+    <ds:schemaRef ds:uri="http://schemas.openxmlformats.org/package/2006/metadata/core-properties"/>
+    <ds:schemaRef ds:uri="http://schemas.microsoft.com/office/2006/metadata/properties"/>
+  </ds:schemaRefs>
+</ds:datastoreItem>
 </file>
--- a/Documentação/HLD.LLD.DIAGRAMA.pptx
+++ b/Documentação/HLD.LLD.DIAGRAMA.pptx
@@ -9,6 +9,7 @@
     <p:sldId id="263" r:id="rId6"/>
     <p:sldId id="264" r:id="rId7"/>
     <p:sldId id="266" r:id="rId8"/>
+    <p:sldId id="267" r:id="rId9"/>
   </p:sldIdLst>
   <p:sldSz cx="12192000" cy="6858000"/>
   <p:notesSz cx="6858000" cy="9144000"/>
@@ -262,7 +263,7 @@
           <a:p>
             <a:fld id="{7668FBEF-3CD8-4E97-B80F-AF0D925322BB}" type="datetimeFigureOut">
               <a:rPr lang="pt-BR" smtClean="0"/>
-              <a:t>07/10/2020</a:t>
+              <a:t>08/10/2020</a:t>
             </a:fld>
             <a:endParaRPr lang="pt-BR"/>
           </a:p>
@@ -460,7 +461,7 @@
           <a:p>
             <a:fld id="{7668FBEF-3CD8-4E97-B80F-AF0D925322BB}" type="datetimeFigureOut">
               <a:rPr lang="pt-BR" smtClean="0"/>
-              <a:t>07/10/2020</a:t>
+              <a:t>08/10/2020</a:t>
             </a:fld>
             <a:endParaRPr lang="pt-BR"/>
           </a:p>
@@ -668,7 +669,7 @@
           <a:p>
             <a:fld id="{7668FBEF-3CD8-4E97-B80F-AF0D925322BB}" type="datetimeFigureOut">
               <a:rPr lang="pt-BR" smtClean="0"/>
-              <a:t>07/10/2020</a:t>
+              <a:t>08/10/2020</a:t>
             </a:fld>
             <a:endParaRPr lang="pt-BR"/>
           </a:p>
@@ -866,7 +867,7 @@
           <a:p>
             <a:fld id="{7668FBEF-3CD8-4E97-B80F-AF0D925322BB}" type="datetimeFigureOut">
               <a:rPr lang="pt-BR" smtClean="0"/>
-              <a:t>07/10/2020</a:t>
+              <a:t>08/10/2020</a:t>
             </a:fld>
             <a:endParaRPr lang="pt-BR"/>
           </a:p>
@@ -1141,7 +1142,7 @@
           <a:p>
             <a:fld id="{7668FBEF-3CD8-4E97-B80F-AF0D925322BB}" type="datetimeFigureOut">
               <a:rPr lang="pt-BR" smtClean="0"/>
-              <a:t>07/10/2020</a:t>
+              <a:t>08/10/2020</a:t>
             </a:fld>
             <a:endParaRPr lang="pt-BR"/>
           </a:p>
@@ -1406,7 +1407,7 @@
           <a:p>
             <a:fld id="{7668FBEF-3CD8-4E97-B80F-AF0D925322BB}" type="datetimeFigureOut">
               <a:rPr lang="pt-BR" smtClean="0"/>
-              <a:t>07/10/2020</a:t>
+              <a:t>08/10/2020</a:t>
             </a:fld>
             <a:endParaRPr lang="pt-BR"/>
           </a:p>
@@ -1818,7 +1819,7 @@
           <a:p>
             <a:fld id="{7668FBEF-3CD8-4E97-B80F-AF0D925322BB}" type="datetimeFigureOut">
               <a:rPr lang="pt-BR" smtClean="0"/>
-              <a:t>07/10/2020</a:t>
+              <a:t>08/10/2020</a:t>
             </a:fld>
             <a:endParaRPr lang="pt-BR"/>
           </a:p>
@@ -1959,7 +1960,7 @@
           <a:p>
             <a:fld id="{7668FBEF-3CD8-4E97-B80F-AF0D925322BB}" type="datetimeFigureOut">
               <a:rPr lang="pt-BR" smtClean="0"/>
-              <a:t>07/10/2020</a:t>
+              <a:t>08/10/2020</a:t>
             </a:fld>
             <a:endParaRPr lang="pt-BR"/>
           </a:p>
@@ -2072,7 +2073,7 @@
           <a:p>
             <a:fld id="{7668FBEF-3CD8-4E97-B80F-AF0D925322BB}" type="datetimeFigureOut">
               <a:rPr lang="pt-BR" smtClean="0"/>
-              <a:t>07/10/2020</a:t>
+              <a:t>08/10/2020</a:t>
             </a:fld>
             <a:endParaRPr lang="pt-BR"/>
           </a:p>
@@ -2383,7 +2384,7 @@
           <a:p>
             <a:fld id="{7668FBEF-3CD8-4E97-B80F-AF0D925322BB}" type="datetimeFigureOut">
               <a:rPr lang="pt-BR" smtClean="0"/>
-              <a:t>07/10/2020</a:t>
+              <a:t>08/10/2020</a:t>
             </a:fld>
             <a:endParaRPr lang="pt-BR"/>
           </a:p>
@@ -2671,7 +2672,7 @@
           <a:p>
             <a:fld id="{7668FBEF-3CD8-4E97-B80F-AF0D925322BB}" type="datetimeFigureOut">
               <a:rPr lang="pt-BR" smtClean="0"/>
-              <a:t>07/10/2020</a:t>
+              <a:t>08/10/2020</a:t>
             </a:fld>
             <a:endParaRPr lang="pt-BR"/>
           </a:p>
@@ -2912,7 +2913,7 @@
           <a:p>
             <a:fld id="{7668FBEF-3CD8-4E97-B80F-AF0D925322BB}" type="datetimeFigureOut">
               <a:rPr lang="pt-BR" smtClean="0"/>
-              <a:t>07/10/2020</a:t>
+              <a:t>08/10/2020</a:t>
             </a:fld>
             <a:endParaRPr lang="pt-BR"/>
           </a:p>
@@ -5853,7 +5854,7 @@
           <a:p>
             <a:r>
               <a:rPr lang="pt-BR" dirty="0"/>
-              <a:t>TELEMARKETING</a:t>
+              <a:t>MÁQUINA</a:t>
             </a:r>
           </a:p>
         </p:txBody>
@@ -6422,7 +6423,7 @@
         </p:blipFill>
         <p:spPr bwMode="auto">
           <a:xfrm>
-            <a:off x="3273993" y="193843"/>
+            <a:off x="3274511" y="171129"/>
             <a:ext cx="620249" cy="319283"/>
           </a:xfrm>
           <a:prstGeom prst="rect">
@@ -6527,6 +6528,735 @@
     <p:extLst>
       <p:ext uri="{BB962C8B-B14F-4D97-AF65-F5344CB8AC3E}">
         <p14:creationId xmlns:p14="http://schemas.microsoft.com/office/powerpoint/2010/main" val="2619191552"/>
+      </p:ext>
+    </p:extLst>
+  </p:cSld>
+  <p:clrMapOvr>
+    <a:masterClrMapping/>
+  </p:clrMapOvr>
+</p:sld>
+</file>
+
+<file path=ppt/slides/slide5.xml><?xml version="1.0" encoding="utf-8"?>
+<p:sld xmlns:a="http://schemas.openxmlformats.org/drawingml/2006/main" xmlns:r="http://schemas.openxmlformats.org/officeDocument/2006/relationships" xmlns:p="http://schemas.openxmlformats.org/presentationml/2006/main">
+  <p:cSld>
+    <p:spTree>
+      <p:nvGrpSpPr>
+        <p:cNvPr id="1" name=""/>
+        <p:cNvGrpSpPr/>
+        <p:nvPr/>
+      </p:nvGrpSpPr>
+      <p:grpSpPr>
+        <a:xfrm>
+          <a:off x="0" y="0"/>
+          <a:ext cx="0" cy="0"/>
+          <a:chOff x="0" y="0"/>
+          <a:chExt cx="0" cy="0"/>
+        </a:xfrm>
+      </p:grpSpPr>
+      <p:sp>
+        <p:nvSpPr>
+          <p:cNvPr id="4" name="Retângulo 3">
+            <a:extLst>
+              <a:ext uri="{FF2B5EF4-FFF2-40B4-BE49-F238E27FC236}">
+                <a16:creationId xmlns:a16="http://schemas.microsoft.com/office/drawing/2014/main" id="{06EEFDB7-FAE6-49C2-A6C2-3E1C9D997985}"/>
+              </a:ext>
+            </a:extLst>
+          </p:cNvPr>
+          <p:cNvSpPr/>
+          <p:nvPr/>
+        </p:nvSpPr>
+        <p:spPr>
+          <a:xfrm>
+            <a:off x="1398165" y="3347206"/>
+            <a:ext cx="4697835" cy="3053593"/>
+          </a:xfrm>
+          <a:prstGeom prst="rect">
+            <a:avLst/>
+          </a:prstGeom>
+          <a:solidFill>
+            <a:schemeClr val="bg1"/>
+          </a:solidFill>
+          <a:ln>
+            <a:solidFill>
+              <a:srgbClr val="C00000"/>
+            </a:solidFill>
+          </a:ln>
+          <a:effectLst>
+            <a:outerShdw blurRad="50800" dist="38100" dir="5400000" algn="t" rotWithShape="0">
+              <a:prstClr val="black">
+                <a:alpha val="40000"/>
+              </a:prstClr>
+            </a:outerShdw>
+          </a:effectLst>
+        </p:spPr>
+        <p:style>
+          <a:lnRef idx="2">
+            <a:schemeClr val="accent1">
+              <a:shade val="50000"/>
+            </a:schemeClr>
+          </a:lnRef>
+          <a:fillRef idx="1">
+            <a:schemeClr val="accent1"/>
+          </a:fillRef>
+          <a:effectRef idx="0">
+            <a:schemeClr val="accent1"/>
+          </a:effectRef>
+          <a:fontRef idx="minor">
+            <a:schemeClr val="lt1"/>
+          </a:fontRef>
+        </p:style>
+        <p:txBody>
+          <a:bodyPr rtlCol="0" anchor="ctr"/>
+          <a:lstStyle/>
+          <a:p>
+            <a:pPr algn="ctr"/>
+            <a:endParaRPr lang="pt-BR" dirty="0">
+              <a:solidFill>
+                <a:schemeClr val="tx1"/>
+              </a:solidFill>
+            </a:endParaRPr>
+          </a:p>
+        </p:txBody>
+      </p:sp>
+      <p:sp>
+        <p:nvSpPr>
+          <p:cNvPr id="5" name="Retângulo 4">
+            <a:extLst>
+              <a:ext uri="{FF2B5EF4-FFF2-40B4-BE49-F238E27FC236}">
+                <a16:creationId xmlns:a16="http://schemas.microsoft.com/office/drawing/2014/main" id="{992B8073-3EDD-49FB-B3A5-8D86665CB1B1}"/>
+              </a:ext>
+            </a:extLst>
+          </p:cNvPr>
+          <p:cNvSpPr/>
+          <p:nvPr/>
+        </p:nvSpPr>
+        <p:spPr>
+          <a:xfrm>
+            <a:off x="1398165" y="5631012"/>
+            <a:ext cx="4697835" cy="545285"/>
+          </a:xfrm>
+          <a:prstGeom prst="rect">
+            <a:avLst/>
+          </a:prstGeom>
+          <a:solidFill>
+            <a:schemeClr val="bg1"/>
+          </a:solidFill>
+          <a:ln>
+            <a:solidFill>
+              <a:srgbClr val="C00000"/>
+            </a:solidFill>
+          </a:ln>
+        </p:spPr>
+        <p:style>
+          <a:lnRef idx="2">
+            <a:schemeClr val="accent1">
+              <a:shade val="50000"/>
+            </a:schemeClr>
+          </a:lnRef>
+          <a:fillRef idx="1">
+            <a:schemeClr val="accent1"/>
+          </a:fillRef>
+          <a:effectRef idx="0">
+            <a:schemeClr val="accent1"/>
+          </a:effectRef>
+          <a:fontRef idx="minor">
+            <a:schemeClr val="lt1"/>
+          </a:fontRef>
+        </p:style>
+        <p:txBody>
+          <a:bodyPr rtlCol="0" anchor="ctr"/>
+          <a:lstStyle/>
+          <a:p>
+            <a:pPr algn="ctr"/>
+            <a:endParaRPr lang="pt-BR"/>
+          </a:p>
+        </p:txBody>
+      </p:sp>
+      <p:sp>
+        <p:nvSpPr>
+          <p:cNvPr id="7" name="CaixaDeTexto 6">
+            <a:extLst>
+              <a:ext uri="{FF2B5EF4-FFF2-40B4-BE49-F238E27FC236}">
+                <a16:creationId xmlns:a16="http://schemas.microsoft.com/office/drawing/2014/main" id="{D0831F10-E807-4AB7-B10B-540158D49ADB}"/>
+              </a:ext>
+            </a:extLst>
+          </p:cNvPr>
+          <p:cNvSpPr txBox="1"/>
+          <p:nvPr/>
+        </p:nvSpPr>
+        <p:spPr>
+          <a:xfrm>
+            <a:off x="3068972" y="5591522"/>
+            <a:ext cx="1191936" cy="584775"/>
+          </a:xfrm>
+          <a:prstGeom prst="rect">
+            <a:avLst/>
+          </a:prstGeom>
+          <a:noFill/>
+        </p:spPr>
+        <p:txBody>
+          <a:bodyPr wrap="square" rtlCol="0">
+            <a:spAutoFit/>
+          </a:bodyPr>
+          <a:lstStyle/>
+          <a:p>
+            <a:pPr algn="ctr"/>
+            <a:r>
+              <a:rPr lang="pt-BR" sz="1600" dirty="0"/>
+              <a:t>Sistema </a:t>
+            </a:r>
+          </a:p>
+          <a:p>
+            <a:pPr algn="ctr"/>
+            <a:r>
+              <a:rPr lang="pt-BR" sz="1600" dirty="0"/>
+              <a:t>Operacional</a:t>
+            </a:r>
+          </a:p>
+        </p:txBody>
+      </p:sp>
+      <p:sp>
+        <p:nvSpPr>
+          <p:cNvPr id="11" name="CaixaDeTexto 10">
+            <a:extLst>
+              <a:ext uri="{FF2B5EF4-FFF2-40B4-BE49-F238E27FC236}">
+                <a16:creationId xmlns:a16="http://schemas.microsoft.com/office/drawing/2014/main" id="{4813BF99-AFC6-407B-A271-04C2202605CA}"/>
+              </a:ext>
+            </a:extLst>
+          </p:cNvPr>
+          <p:cNvSpPr txBox="1"/>
+          <p:nvPr/>
+        </p:nvSpPr>
+        <p:spPr>
+          <a:xfrm>
+            <a:off x="1687585" y="5699243"/>
+            <a:ext cx="654341" cy="369332"/>
+          </a:xfrm>
+          <a:prstGeom prst="rect">
+            <a:avLst/>
+          </a:prstGeom>
+          <a:noFill/>
+        </p:spPr>
+        <p:txBody>
+          <a:bodyPr wrap="square" rtlCol="0">
+            <a:spAutoFit/>
+          </a:bodyPr>
+          <a:lstStyle/>
+          <a:p>
+            <a:r>
+              <a:rPr lang="pt-BR" dirty="0"/>
+              <a:t>GPU</a:t>
+            </a:r>
+          </a:p>
+        </p:txBody>
+      </p:sp>
+      <p:sp>
+        <p:nvSpPr>
+          <p:cNvPr id="13" name="CaixaDeTexto 12">
+            <a:extLst>
+              <a:ext uri="{FF2B5EF4-FFF2-40B4-BE49-F238E27FC236}">
+                <a16:creationId xmlns:a16="http://schemas.microsoft.com/office/drawing/2014/main" id="{6DEBBB9D-A4EC-4C56-9194-327EBFB29918}"/>
+              </a:ext>
+            </a:extLst>
+          </p:cNvPr>
+          <p:cNvSpPr txBox="1"/>
+          <p:nvPr/>
+        </p:nvSpPr>
+        <p:spPr>
+          <a:xfrm>
+            <a:off x="4521667" y="5714632"/>
+            <a:ext cx="1507222" cy="338554"/>
+          </a:xfrm>
+          <a:prstGeom prst="rect">
+            <a:avLst/>
+          </a:prstGeom>
+          <a:noFill/>
+        </p:spPr>
+        <p:txBody>
+          <a:bodyPr wrap="square" rtlCol="0">
+            <a:spAutoFit/>
+          </a:bodyPr>
+          <a:lstStyle/>
+          <a:p>
+            <a:r>
+              <a:rPr lang="pt-BR" sz="1600" dirty="0"/>
+              <a:t>CPU/RAM/HD</a:t>
+            </a:r>
+          </a:p>
+        </p:txBody>
+      </p:sp>
+      <p:sp>
+        <p:nvSpPr>
+          <p:cNvPr id="14" name="CaixaDeTexto 13">
+            <a:extLst>
+              <a:ext uri="{FF2B5EF4-FFF2-40B4-BE49-F238E27FC236}">
+                <a16:creationId xmlns:a16="http://schemas.microsoft.com/office/drawing/2014/main" id="{DE0C5885-0CC7-49C9-9220-49B280504E17}"/>
+              </a:ext>
+            </a:extLst>
+          </p:cNvPr>
+          <p:cNvSpPr txBox="1"/>
+          <p:nvPr/>
+        </p:nvSpPr>
+        <p:spPr>
+          <a:xfrm>
+            <a:off x="3068972" y="6400799"/>
+            <a:ext cx="1155124" cy="369332"/>
+          </a:xfrm>
+          <a:prstGeom prst="rect">
+            <a:avLst/>
+          </a:prstGeom>
+          <a:noFill/>
+        </p:spPr>
+        <p:txBody>
+          <a:bodyPr wrap="none" rtlCol="0">
+            <a:spAutoFit/>
+          </a:bodyPr>
+          <a:lstStyle/>
+          <a:p>
+            <a:r>
+              <a:rPr lang="pt-BR" dirty="0"/>
+              <a:t>MÁQUINA</a:t>
+            </a:r>
+          </a:p>
+        </p:txBody>
+      </p:sp>
+      <p:pic>
+        <p:nvPicPr>
+          <p:cNvPr id="16" name="Imagem 15">
+            <a:extLst>
+              <a:ext uri="{FF2B5EF4-FFF2-40B4-BE49-F238E27FC236}">
+                <a16:creationId xmlns:a16="http://schemas.microsoft.com/office/drawing/2014/main" id="{2B457654-E7C0-44C7-A2E4-5BEDF983D0F1}"/>
+              </a:ext>
+            </a:extLst>
+          </p:cNvPr>
+          <p:cNvPicPr>
+            <a:picLocks noChangeAspect="1"/>
+          </p:cNvPicPr>
+          <p:nvPr/>
+        </p:nvPicPr>
+        <p:blipFill>
+          <a:blip r:embed="rId2">
+            <a:extLst>
+              <a:ext uri="{BEBA8EAE-BF5A-486C-A8C5-ECC9F3942E4B}">
+                <a14:imgProps xmlns:a14="http://schemas.microsoft.com/office/drawing/2010/main">
+                  <a14:imgLayer r:embed="rId3">
+                    <a14:imgEffect>
+                      <a14:backgroundRemoval t="10000" b="90000" l="10000" r="90000">
+                        <a14:foregroundMark x1="46392" y1="79348" x2="46392" y2="79348"/>
+                      </a14:backgroundRemoval>
+                    </a14:imgEffect>
+                  </a14:imgLayer>
+                </a14:imgProps>
+              </a:ext>
+            </a:extLst>
+          </a:blip>
+          <a:stretch>
+            <a:fillRect/>
+          </a:stretch>
+        </p:blipFill>
+        <p:spPr>
+          <a:xfrm rot="6172058">
+            <a:off x="388486" y="2806885"/>
+            <a:ext cx="1139372" cy="1080641"/>
+          </a:xfrm>
+          <a:prstGeom prst="rect">
+            <a:avLst/>
+          </a:prstGeom>
+        </p:spPr>
+      </p:pic>
+      <p:pic>
+        <p:nvPicPr>
+          <p:cNvPr id="1026" name="Picture 2" descr="Telegram Web">
+            <a:extLst>
+              <a:ext uri="{FF2B5EF4-FFF2-40B4-BE49-F238E27FC236}">
+                <a16:creationId xmlns:a16="http://schemas.microsoft.com/office/drawing/2014/main" id="{FF68B1FE-C515-48A3-A5AD-D5EC2699D448}"/>
+              </a:ext>
+            </a:extLst>
+          </p:cNvPr>
+          <p:cNvPicPr>
+            <a:picLocks noChangeAspect="1" noChangeArrowheads="1"/>
+          </p:cNvPicPr>
+          <p:nvPr/>
+        </p:nvPicPr>
+        <p:blipFill>
+          <a:blip r:embed="rId4">
+            <a:extLst>
+              <a:ext uri="{28A0092B-C50C-407E-A947-70E740481C1C}">
+                <a14:useLocalDpi xmlns:a14="http://schemas.microsoft.com/office/drawing/2010/main" val="0"/>
+              </a:ext>
+            </a:extLst>
+          </a:blip>
+          <a:srcRect/>
+          <a:stretch>
+            <a:fillRect/>
+          </a:stretch>
+        </p:blipFill>
+        <p:spPr bwMode="auto">
+          <a:xfrm>
+            <a:off x="304551" y="1501410"/>
+            <a:ext cx="1150341" cy="1150341"/>
+          </a:xfrm>
+          <a:prstGeom prst="rect">
+            <a:avLst/>
+          </a:prstGeom>
+          <a:noFill/>
+          <a:extLst>
+            <a:ext uri="{909E8E84-426E-40DD-AFC4-6F175D3DCCD1}">
+              <a14:hiddenFill xmlns:a14="http://schemas.microsoft.com/office/drawing/2010/main">
+                <a:solidFill>
+                  <a:srgbClr val="FFFFFF"/>
+                </a:solidFill>
+              </a14:hiddenFill>
+            </a:ext>
+          </a:extLst>
+        </p:spPr>
+      </p:pic>
+      <p:sp>
+        <p:nvSpPr>
+          <p:cNvPr id="17" name="CaixaDeTexto 16">
+            <a:extLst>
+              <a:ext uri="{FF2B5EF4-FFF2-40B4-BE49-F238E27FC236}">
+                <a16:creationId xmlns:a16="http://schemas.microsoft.com/office/drawing/2014/main" id="{8904A3AE-3961-4800-9C77-9F5F2F4A940B}"/>
+              </a:ext>
+            </a:extLst>
+          </p:cNvPr>
+          <p:cNvSpPr txBox="1"/>
+          <p:nvPr/>
+        </p:nvSpPr>
+        <p:spPr>
+          <a:xfrm>
+            <a:off x="270964" y="2579336"/>
+            <a:ext cx="1217513" cy="369332"/>
+          </a:xfrm>
+          <a:prstGeom prst="rect">
+            <a:avLst/>
+          </a:prstGeom>
+          <a:noFill/>
+        </p:spPr>
+        <p:txBody>
+          <a:bodyPr wrap="none" rtlCol="0">
+            <a:spAutoFit/>
+          </a:bodyPr>
+          <a:lstStyle/>
+          <a:p>
+            <a:r>
+              <a:rPr lang="pt-BR" dirty="0"/>
+              <a:t>TELEGRAM</a:t>
+            </a:r>
+          </a:p>
+        </p:txBody>
+      </p:sp>
+      <p:pic>
+        <p:nvPicPr>
+          <p:cNvPr id="18" name="Picture 10" descr="Amazon Web Services - Wikipedia">
+            <a:extLst>
+              <a:ext uri="{FF2B5EF4-FFF2-40B4-BE49-F238E27FC236}">
+                <a16:creationId xmlns:a16="http://schemas.microsoft.com/office/drawing/2014/main" id="{A9F43A1D-EB4B-4882-A8F7-6BE6403BBB25}"/>
+              </a:ext>
+            </a:extLst>
+          </p:cNvPr>
+          <p:cNvPicPr>
+            <a:picLocks noChangeAspect="1" noChangeArrowheads="1"/>
+          </p:cNvPicPr>
+          <p:nvPr/>
+        </p:nvPicPr>
+        <p:blipFill>
+          <a:blip r:embed="rId5">
+            <a:extLst>
+              <a:ext uri="{28A0092B-C50C-407E-A947-70E740481C1C}">
+                <a14:useLocalDpi xmlns:a14="http://schemas.microsoft.com/office/drawing/2010/main" val="0"/>
+              </a:ext>
+            </a:extLst>
+          </a:blip>
+          <a:srcRect/>
+          <a:stretch>
+            <a:fillRect/>
+          </a:stretch>
+        </p:blipFill>
+        <p:spPr bwMode="auto">
+          <a:xfrm>
+            <a:off x="4296703" y="1087146"/>
+            <a:ext cx="1199450" cy="617436"/>
+          </a:xfrm>
+          <a:prstGeom prst="rect">
+            <a:avLst/>
+          </a:prstGeom>
+          <a:noFill/>
+          <a:extLst>
+            <a:ext uri="{909E8E84-426E-40DD-AFC4-6F175D3DCCD1}">
+              <a14:hiddenFill xmlns:a14="http://schemas.microsoft.com/office/drawing/2010/main">
+                <a:solidFill>
+                  <a:srgbClr val="FFFFFF"/>
+                </a:solidFill>
+              </a14:hiddenFill>
+            </a:ext>
+          </a:extLst>
+        </p:spPr>
+      </p:pic>
+      <p:pic>
+        <p:nvPicPr>
+          <p:cNvPr id="20" name="Imagem 19">
+            <a:extLst>
+              <a:ext uri="{FF2B5EF4-FFF2-40B4-BE49-F238E27FC236}">
+                <a16:creationId xmlns:a16="http://schemas.microsoft.com/office/drawing/2014/main" id="{AD1F625C-8B4C-43CF-867C-3B02AE1833BC}"/>
+              </a:ext>
+            </a:extLst>
+          </p:cNvPr>
+          <p:cNvPicPr>
+            <a:picLocks noChangeAspect="1"/>
+          </p:cNvPicPr>
+          <p:nvPr/>
+        </p:nvPicPr>
+        <p:blipFill>
+          <a:blip r:embed="rId6">
+            <a:extLst>
+              <a:ext uri="{BEBA8EAE-BF5A-486C-A8C5-ECC9F3942E4B}">
+                <a14:imgProps xmlns:a14="http://schemas.microsoft.com/office/drawing/2010/main">
+                  <a14:imgLayer r:embed="rId7">
+                    <a14:imgEffect>
+                      <a14:backgroundRemoval t="10000" b="90000" l="10000" r="90000">
+                        <a14:foregroundMark x1="78075" y1="54000" x2="78075" y2="54000"/>
+                        <a14:foregroundMark x1="78075" y1="69000" x2="78075" y2="69000"/>
+                      </a14:backgroundRemoval>
+                    </a14:imgEffect>
+                  </a14:imgLayer>
+                </a14:imgProps>
+              </a:ext>
+            </a:extLst>
+          </a:blip>
+          <a:stretch>
+            <a:fillRect/>
+          </a:stretch>
+        </p:blipFill>
+        <p:spPr>
+          <a:xfrm>
+            <a:off x="7175632" y="819032"/>
+            <a:ext cx="1567709" cy="838347"/>
+          </a:xfrm>
+          <a:prstGeom prst="rect">
+            <a:avLst/>
+          </a:prstGeom>
+        </p:spPr>
+      </p:pic>
+      <p:pic>
+        <p:nvPicPr>
+          <p:cNvPr id="22" name="Imagem 21">
+            <a:extLst>
+              <a:ext uri="{FF2B5EF4-FFF2-40B4-BE49-F238E27FC236}">
+                <a16:creationId xmlns:a16="http://schemas.microsoft.com/office/drawing/2014/main" id="{08AE2A46-D724-490E-AE76-60A184A3BF6A}"/>
+              </a:ext>
+            </a:extLst>
+          </p:cNvPr>
+          <p:cNvPicPr>
+            <a:picLocks noChangeAspect="1"/>
+          </p:cNvPicPr>
+          <p:nvPr/>
+        </p:nvPicPr>
+        <p:blipFill>
+          <a:blip r:embed="rId6">
+            <a:extLst>
+              <a:ext uri="{BEBA8EAE-BF5A-486C-A8C5-ECC9F3942E4B}">
+                <a14:imgProps xmlns:a14="http://schemas.microsoft.com/office/drawing/2010/main">
+                  <a14:imgLayer r:embed="rId7">
+                    <a14:imgEffect>
+                      <a14:backgroundRemoval t="10000" b="90000" l="10000" r="90000">
+                        <a14:foregroundMark x1="78075" y1="54000" x2="78075" y2="54000"/>
+                        <a14:foregroundMark x1="78075" y1="69000" x2="78075" y2="69000"/>
+                      </a14:backgroundRemoval>
+                    </a14:imgEffect>
+                  </a14:imgLayer>
+                </a14:imgProps>
+              </a:ext>
+            </a:extLst>
+          </a:blip>
+          <a:stretch>
+            <a:fillRect/>
+          </a:stretch>
+        </p:blipFill>
+        <p:spPr>
+          <a:xfrm rot="10800000">
+            <a:off x="6593113" y="954655"/>
+            <a:ext cx="1567709" cy="838347"/>
+          </a:xfrm>
+          <a:prstGeom prst="rect">
+            <a:avLst/>
+          </a:prstGeom>
+        </p:spPr>
+      </p:pic>
+      <p:pic>
+        <p:nvPicPr>
+          <p:cNvPr id="24" name="Imagem 23">
+            <a:extLst>
+              <a:ext uri="{FF2B5EF4-FFF2-40B4-BE49-F238E27FC236}">
+                <a16:creationId xmlns:a16="http://schemas.microsoft.com/office/drawing/2014/main" id="{2EB209A9-E02B-4C33-A479-04F85A0BC4B5}"/>
+              </a:ext>
+            </a:extLst>
+          </p:cNvPr>
+          <p:cNvPicPr>
+            <a:picLocks noChangeAspect="1"/>
+          </p:cNvPicPr>
+          <p:nvPr/>
+        </p:nvPicPr>
+        <p:blipFill>
+          <a:blip r:embed="rId6">
+            <a:extLst>
+              <a:ext uri="{BEBA8EAE-BF5A-486C-A8C5-ECC9F3942E4B}">
+                <a14:imgProps xmlns:a14="http://schemas.microsoft.com/office/drawing/2010/main">
+                  <a14:imgLayer r:embed="rId7">
+                    <a14:imgEffect>
+                      <a14:backgroundRemoval t="10000" b="90000" l="10000" r="90000">
+                        <a14:foregroundMark x1="78075" y1="54000" x2="78075" y2="54000"/>
+                        <a14:foregroundMark x1="78075" y1="69000" x2="78075" y2="69000"/>
+                      </a14:backgroundRemoval>
+                    </a14:imgEffect>
+                  </a14:imgLayer>
+                </a14:imgProps>
+              </a:ext>
+            </a:extLst>
+          </a:blip>
+          <a:stretch>
+            <a:fillRect/>
+          </a:stretch>
+        </p:blipFill>
+        <p:spPr>
+          <a:xfrm rot="5400000">
+            <a:off x="9324706" y="2825891"/>
+            <a:ext cx="1567709" cy="838347"/>
+          </a:xfrm>
+          <a:prstGeom prst="rect">
+            <a:avLst/>
+          </a:prstGeom>
+        </p:spPr>
+      </p:pic>
+      <p:pic>
+        <p:nvPicPr>
+          <p:cNvPr id="26" name="Imagem 25">
+            <a:extLst>
+              <a:ext uri="{FF2B5EF4-FFF2-40B4-BE49-F238E27FC236}">
+                <a16:creationId xmlns:a16="http://schemas.microsoft.com/office/drawing/2014/main" id="{D6C08CAD-4EF8-42CE-A4DD-9C5D8ACA5224}"/>
+              </a:ext>
+            </a:extLst>
+          </p:cNvPr>
+          <p:cNvPicPr>
+            <a:picLocks noChangeAspect="1"/>
+          </p:cNvPicPr>
+          <p:nvPr/>
+        </p:nvPicPr>
+        <p:blipFill>
+          <a:blip r:embed="rId2">
+            <a:extLst>
+              <a:ext uri="{BEBA8EAE-BF5A-486C-A8C5-ECC9F3942E4B}">
+                <a14:imgProps xmlns:a14="http://schemas.microsoft.com/office/drawing/2010/main">
+                  <a14:imgLayer r:embed="rId3">
+                    <a14:imgEffect>
+                      <a14:backgroundRemoval t="10000" b="90000" l="10000" r="90000">
+                        <a14:foregroundMark x1="46392" y1="79348" x2="46392" y2="79348"/>
+                      </a14:backgroundRemoval>
+                    </a14:imgEffect>
+                  </a14:imgLayer>
+                </a14:imgProps>
+              </a:ext>
+            </a:extLst>
+          </a:blip>
+          <a:stretch>
+            <a:fillRect/>
+          </a:stretch>
+        </p:blipFill>
+        <p:spPr>
+          <a:xfrm rot="13390108" flipH="1">
+            <a:off x="4507955" y="1925000"/>
+            <a:ext cx="1139372" cy="1080641"/>
+          </a:xfrm>
+          <a:prstGeom prst="rect">
+            <a:avLst/>
+          </a:prstGeom>
+        </p:spPr>
+      </p:pic>
+      <p:pic>
+        <p:nvPicPr>
+          <p:cNvPr id="28" name="Imagem 27" descr="Ícone&#10;&#10;Descrição gerada automaticamente">
+            <a:extLst>
+              <a:ext uri="{FF2B5EF4-FFF2-40B4-BE49-F238E27FC236}">
+                <a16:creationId xmlns:a16="http://schemas.microsoft.com/office/drawing/2014/main" id="{FDE139D8-807C-4277-817C-9F6CD41F2978}"/>
+              </a:ext>
+            </a:extLst>
+          </p:cNvPr>
+          <p:cNvPicPr>
+            <a:picLocks noChangeAspect="1"/>
+          </p:cNvPicPr>
+          <p:nvPr/>
+        </p:nvPicPr>
+        <p:blipFill>
+          <a:blip r:embed="rId8">
+            <a:extLst>
+              <a:ext uri="{28A0092B-C50C-407E-A947-70E740481C1C}">
+                <a14:useLocalDpi xmlns:a14="http://schemas.microsoft.com/office/drawing/2010/main" val="0"/>
+              </a:ext>
+            </a:extLst>
+          </a:blip>
+          <a:stretch>
+            <a:fillRect/>
+          </a:stretch>
+        </p:blipFill>
+        <p:spPr>
+          <a:xfrm>
+            <a:off x="9304058" y="4185451"/>
+            <a:ext cx="1377101" cy="1377101"/>
+          </a:xfrm>
+          <a:prstGeom prst="rect">
+            <a:avLst/>
+          </a:prstGeom>
+        </p:spPr>
+      </p:pic>
+      <p:pic>
+        <p:nvPicPr>
+          <p:cNvPr id="32" name="Imagem 31">
+            <a:extLst>
+              <a:ext uri="{FF2B5EF4-FFF2-40B4-BE49-F238E27FC236}">
+                <a16:creationId xmlns:a16="http://schemas.microsoft.com/office/drawing/2014/main" id="{B00BBD1A-74D8-4661-B6FB-B80B95146584}"/>
+              </a:ext>
+            </a:extLst>
+          </p:cNvPr>
+          <p:cNvPicPr>
+            <a:picLocks noChangeAspect="1"/>
+          </p:cNvPicPr>
+          <p:nvPr/>
+        </p:nvPicPr>
+        <p:blipFill>
+          <a:blip r:embed="rId2">
+            <a:extLst>
+              <a:ext uri="{BEBA8EAE-BF5A-486C-A8C5-ECC9F3942E4B}">
+                <a14:imgProps xmlns:a14="http://schemas.microsoft.com/office/drawing/2010/main">
+                  <a14:imgLayer r:embed="rId3">
+                    <a14:imgEffect>
+                      <a14:backgroundRemoval t="10000" b="90000" l="10000" r="90000">
+                        <a14:foregroundMark x1="46392" y1="79348" x2="46392" y2="79348"/>
+                      </a14:backgroundRemoval>
+                    </a14:imgEffect>
+                  </a14:imgLayer>
+                </a14:imgProps>
+              </a:ext>
+            </a:extLst>
+          </a:blip>
+          <a:stretch>
+            <a:fillRect/>
+          </a:stretch>
+        </p:blipFill>
+        <p:spPr>
+          <a:xfrm rot="18975128">
+            <a:off x="4512177" y="2276977"/>
+            <a:ext cx="1139372" cy="1080641"/>
+          </a:xfrm>
+          <a:prstGeom prst="rect">
+            <a:avLst/>
+          </a:prstGeom>
+        </p:spPr>
+      </p:pic>
+    </p:spTree>
+    <p:extLst>
+      <p:ext uri="{BB962C8B-B14F-4D97-AF65-F5344CB8AC3E}">
+        <p14:creationId xmlns:p14="http://schemas.microsoft.com/office/powerpoint/2010/main" val="3745437195"/>
       </p:ext>
     </p:extLst>
   </p:cSld>
@@ -6832,6 +7562,21 @@
 </file>
 
 <file path=customXml/item1.xml><?xml version="1.0" encoding="utf-8"?>
+<p:properties xmlns:p="http://schemas.microsoft.com/office/2006/metadata/properties" xmlns:xsi="http://www.w3.org/2001/XMLSchema-instance" xmlns:pc="http://schemas.microsoft.com/office/infopath/2007/PartnerControls">
+  <documentManagement/>
+</p:properties>
+</file>
+
+<file path=customXml/item2.xml><?xml version="1.0" encoding="utf-8"?>
+<?mso-contentType ?>
+<FormTemplates xmlns="http://schemas.microsoft.com/sharepoint/v3/contenttype/forms">
+  <Display>DocumentLibraryForm</Display>
+  <Edit>DocumentLibraryForm</Edit>
+  <New>DocumentLibraryForm</New>
+</FormTemplates>
+</file>
+
+<file path=customXml/item3.xml><?xml version="1.0" encoding="utf-8"?>
 <ct:contentTypeSchema xmlns:ct="http://schemas.microsoft.com/office/2006/metadata/contentType" xmlns:ma="http://schemas.microsoft.com/office/2006/metadata/properties/metaAttributes" ct:_="" ma:_="" ma:contentTypeName="Document" ma:contentTypeID="0x010100B98A8EE2A9F7A14F94CEDBF06729C915" ma:contentTypeVersion="2" ma:contentTypeDescription="Create a new document." ma:contentTypeScope="" ma:versionID="54211dd7b80d0a5e350bd2ce1fda18e0">
   <xsd:schema xmlns:xsd="http://www.w3.org/2001/XMLSchema" xmlns:xs="http://www.w3.org/2001/XMLSchema" xmlns:p="http://schemas.microsoft.com/office/2006/metadata/properties" xmlns:ns3="4d0c820a-888c-467f-9883-f2eb09285986" targetNamespace="http://schemas.microsoft.com/office/2006/metadata/properties" ma:root="true" ma:fieldsID="215748a485b3af4a87eff8123adb26da" ns3:_="">
     <xsd:import namespace="4d0c820a-888c-467f-9883-f2eb09285986"/>
@@ -6963,22 +7708,31 @@
 </ct:contentTypeSchema>
 </file>
 
-<file path=customXml/item2.xml><?xml version="1.0" encoding="utf-8"?>
-<?mso-contentType ?>
-<FormTemplates xmlns="http://schemas.microsoft.com/sharepoint/v3/contenttype/forms">
-  <Display>DocumentLibraryForm</Display>
-  <Edit>DocumentLibraryForm</Edit>
-  <New>DocumentLibraryForm</New>
-</FormTemplates>
+<file path=customXml/itemProps1.xml><?xml version="1.0" encoding="utf-8"?>
+<ds:datastoreItem xmlns:ds="http://schemas.openxmlformats.org/officeDocument/2006/customXml" ds:itemID="{B1403ECD-64BE-4472-A72B-8AE2B2D302D4}">
+  <ds:schemaRefs>
+    <ds:schemaRef ds:uri="http://schemas.microsoft.com/office/2006/documentManagement/types"/>
+    <ds:schemaRef ds:uri="http://schemas.microsoft.com/office/infopath/2007/PartnerControls"/>
+    <ds:schemaRef ds:uri="http://www.w3.org/XML/1998/namespace"/>
+    <ds:schemaRef ds:uri="4d0c820a-888c-467f-9883-f2eb09285986"/>
+    <ds:schemaRef ds:uri="http://purl.org/dc/terms/"/>
+    <ds:schemaRef ds:uri="http://purl.org/dc/dcmitype/"/>
+    <ds:schemaRef ds:uri="http://purl.org/dc/elements/1.1/"/>
+    <ds:schemaRef ds:uri="http://schemas.openxmlformats.org/package/2006/metadata/core-properties"/>
+    <ds:schemaRef ds:uri="http://schemas.microsoft.com/office/2006/metadata/properties"/>
+  </ds:schemaRefs>
+</ds:datastoreItem>
 </file>
 
-<file path=customXml/item3.xml><?xml version="1.0" encoding="utf-8"?>
-<p:properties xmlns:p="http://schemas.microsoft.com/office/2006/metadata/properties" xmlns:xsi="http://www.w3.org/2001/XMLSchema-instance" xmlns:pc="http://schemas.microsoft.com/office/infopath/2007/PartnerControls">
-  <documentManagement/>
-</p:properties>
+<file path=customXml/itemProps2.xml><?xml version="1.0" encoding="utf-8"?>
+<ds:datastoreItem xmlns:ds="http://schemas.openxmlformats.org/officeDocument/2006/customXml" ds:itemID="{C361E357-1858-46EE-ADFA-698EE4D9C360}">
+  <ds:schemaRefs>
+    <ds:schemaRef ds:uri="http://schemas.microsoft.com/sharepoint/v3/contenttype/forms"/>
+  </ds:schemaRefs>
+</ds:datastoreItem>
 </file>
 
-<file path=customXml/itemProps1.xml><?xml version="1.0" encoding="utf-8"?>
+<file path=customXml/itemProps3.xml><?xml version="1.0" encoding="utf-8"?>
 <ds:datastoreItem xmlns:ds="http://schemas.openxmlformats.org/officeDocument/2006/customXml" ds:itemID="{94021B74-C88A-417E-AEFD-9E5858425111}">
   <ds:schemaRefs>
     <ds:schemaRef ds:uri="http://schemas.microsoft.com/office/2006/metadata/contentType"/>
@@ -6994,28 +7748,4 @@
     <ds:schemaRef ds:uri="http://schemas.microsoft.com/internal/obd"/>
   </ds:schemaRefs>
 </ds:datastoreItem>
-</file>
-
-<file path=customXml/itemProps2.xml><?xml version="1.0" encoding="utf-8"?>
-<ds:datastoreItem xmlns:ds="http://schemas.openxmlformats.org/officeDocument/2006/customXml" ds:itemID="{C361E357-1858-46EE-ADFA-698EE4D9C360}">
-  <ds:schemaRefs>
-    <ds:schemaRef ds:uri="http://schemas.microsoft.com/sharepoint/v3/contenttype/forms"/>
-  </ds:schemaRefs>
-</ds:datastoreItem>
-</file>
-
-<file path=customXml/itemProps3.xml><?xml version="1.0" encoding="utf-8"?>
-<ds:datastoreItem xmlns:ds="http://schemas.openxmlformats.org/officeDocument/2006/customXml" ds:itemID="{B1403ECD-64BE-4472-A72B-8AE2B2D302D4}">
-  <ds:schemaRefs>
-    <ds:schemaRef ds:uri="http://schemas.microsoft.com/office/2006/documentManagement/types"/>
-    <ds:schemaRef ds:uri="http://schemas.microsoft.com/office/infopath/2007/PartnerControls"/>
-    <ds:schemaRef ds:uri="http://www.w3.org/XML/1998/namespace"/>
-    <ds:schemaRef ds:uri="4d0c820a-888c-467f-9883-f2eb09285986"/>
-    <ds:schemaRef ds:uri="http://purl.org/dc/terms/"/>
-    <ds:schemaRef ds:uri="http://purl.org/dc/dcmitype/"/>
-    <ds:schemaRef ds:uri="http://purl.org/dc/elements/1.1/"/>
-    <ds:schemaRef ds:uri="http://schemas.openxmlformats.org/package/2006/metadata/core-properties"/>
-    <ds:schemaRef ds:uri="http://schemas.microsoft.com/office/2006/metadata/properties"/>
-  </ds:schemaRefs>
-</ds:datastoreItem>
 </file>
--- a/Documentação/HLD.LLD.DIAGRAMA.pptx
+++ b/Documentação/HLD.LLD.DIAGRAMA.pptx
@@ -7,9 +7,9 @@
   <p:sldIdLst>
     <p:sldId id="256" r:id="rId5"/>
     <p:sldId id="263" r:id="rId6"/>
-    <p:sldId id="264" r:id="rId7"/>
-    <p:sldId id="266" r:id="rId8"/>
-    <p:sldId id="267" r:id="rId9"/>
+    <p:sldId id="267" r:id="rId7"/>
+    <p:sldId id="264" r:id="rId8"/>
+    <p:sldId id="266" r:id="rId9"/>
   </p:sldIdLst>
   <p:sldSz cx="12192000" cy="6858000"/>
   <p:notesSz cx="6858000" cy="9144000"/>
@@ -263,7 +263,7 @@
           <a:p>
             <a:fld id="{7668FBEF-3CD8-4E97-B80F-AF0D925322BB}" type="datetimeFigureOut">
               <a:rPr lang="pt-BR" smtClean="0"/>
-              <a:t>08/10/2020</a:t>
+              <a:t>09/10/2020</a:t>
             </a:fld>
             <a:endParaRPr lang="pt-BR"/>
           </a:p>
@@ -461,7 +461,7 @@
           <a:p>
             <a:fld id="{7668FBEF-3CD8-4E97-B80F-AF0D925322BB}" type="datetimeFigureOut">
               <a:rPr lang="pt-BR" smtClean="0"/>
-              <a:t>08/10/2020</a:t>
+              <a:t>09/10/2020</a:t>
             </a:fld>
             <a:endParaRPr lang="pt-BR"/>
           </a:p>
@@ -669,7 +669,7 @@
           <a:p>
             <a:fld id="{7668FBEF-3CD8-4E97-B80F-AF0D925322BB}" type="datetimeFigureOut">
               <a:rPr lang="pt-BR" smtClean="0"/>
-              <a:t>08/10/2020</a:t>
+              <a:t>09/10/2020</a:t>
             </a:fld>
             <a:endParaRPr lang="pt-BR"/>
           </a:p>
@@ -867,7 +867,7 @@
           <a:p>
             <a:fld id="{7668FBEF-3CD8-4E97-B80F-AF0D925322BB}" type="datetimeFigureOut">
               <a:rPr lang="pt-BR" smtClean="0"/>
-              <a:t>08/10/2020</a:t>
+              <a:t>09/10/2020</a:t>
             </a:fld>
             <a:endParaRPr lang="pt-BR"/>
           </a:p>
@@ -1142,7 +1142,7 @@
           <a:p>
             <a:fld id="{7668FBEF-3CD8-4E97-B80F-AF0D925322BB}" type="datetimeFigureOut">
               <a:rPr lang="pt-BR" smtClean="0"/>
-              <a:t>08/10/2020</a:t>
+              <a:t>09/10/2020</a:t>
             </a:fld>
             <a:endParaRPr lang="pt-BR"/>
           </a:p>
@@ -1407,7 +1407,7 @@
           <a:p>
             <a:fld id="{7668FBEF-3CD8-4E97-B80F-AF0D925322BB}" type="datetimeFigureOut">
               <a:rPr lang="pt-BR" smtClean="0"/>
-              <a:t>08/10/2020</a:t>
+              <a:t>09/10/2020</a:t>
             </a:fld>
             <a:endParaRPr lang="pt-BR"/>
           </a:p>
@@ -1819,7 +1819,7 @@
           <a:p>
             <a:fld id="{7668FBEF-3CD8-4E97-B80F-AF0D925322BB}" type="datetimeFigureOut">
               <a:rPr lang="pt-BR" smtClean="0"/>
-              <a:t>08/10/2020</a:t>
+              <a:t>09/10/2020</a:t>
             </a:fld>
             <a:endParaRPr lang="pt-BR"/>
           </a:p>
@@ -1960,7 +1960,7 @@
           <a:p>
             <a:fld id="{7668FBEF-3CD8-4E97-B80F-AF0D925322BB}" type="datetimeFigureOut">
               <a:rPr lang="pt-BR" smtClean="0"/>
-              <a:t>08/10/2020</a:t>
+              <a:t>09/10/2020</a:t>
             </a:fld>
             <a:endParaRPr lang="pt-BR"/>
           </a:p>
@@ -2073,7 +2073,7 @@
           <a:p>
             <a:fld id="{7668FBEF-3CD8-4E97-B80F-AF0D925322BB}" type="datetimeFigureOut">
               <a:rPr lang="pt-BR" smtClean="0"/>
-              <a:t>08/10/2020</a:t>
+              <a:t>09/10/2020</a:t>
             </a:fld>
             <a:endParaRPr lang="pt-BR"/>
           </a:p>
@@ -2384,7 +2384,7 @@
           <a:p>
             <a:fld id="{7668FBEF-3CD8-4E97-B80F-AF0D925322BB}" type="datetimeFigureOut">
               <a:rPr lang="pt-BR" smtClean="0"/>
-              <a:t>08/10/2020</a:t>
+              <a:t>09/10/2020</a:t>
             </a:fld>
             <a:endParaRPr lang="pt-BR"/>
           </a:p>
@@ -2672,7 +2672,7 @@
           <a:p>
             <a:fld id="{7668FBEF-3CD8-4E97-B80F-AF0D925322BB}" type="datetimeFigureOut">
               <a:rPr lang="pt-BR" smtClean="0"/>
-              <a:t>08/10/2020</a:t>
+              <a:t>09/10/2020</a:t>
             </a:fld>
             <a:endParaRPr lang="pt-BR"/>
           </a:p>
@@ -2913,7 +2913,7 @@
           <a:p>
             <a:fld id="{7668FBEF-3CD8-4E97-B80F-AF0D925322BB}" type="datetimeFigureOut">
               <a:rPr lang="pt-BR" smtClean="0"/>
-              <a:t>08/10/2020</a:t>
+              <a:t>09/10/2020</a:t>
             </a:fld>
             <a:endParaRPr lang="pt-BR"/>
           </a:p>
@@ -3365,6 +3365,71 @@
           </a:p>
         </p:txBody>
       </p:sp>
+      <p:sp>
+        <p:nvSpPr>
+          <p:cNvPr id="2" name="CaixaDeTexto 1">
+            <a:extLst>
+              <a:ext uri="{FF2B5EF4-FFF2-40B4-BE49-F238E27FC236}">
+                <a16:creationId xmlns:a16="http://schemas.microsoft.com/office/drawing/2014/main" id="{E2AF431C-8234-4FE2-AFF6-A7122EDCA7FB}"/>
+              </a:ext>
+            </a:extLst>
+          </p:cNvPr>
+          <p:cNvSpPr txBox="1"/>
+          <p:nvPr/>
+        </p:nvSpPr>
+        <p:spPr>
+          <a:xfrm>
+            <a:off x="320174" y="1581135"/>
+            <a:ext cx="10091956" cy="2031325"/>
+          </a:xfrm>
+          <a:prstGeom prst="rect">
+            <a:avLst/>
+          </a:prstGeom>
+          <a:noFill/>
+        </p:spPr>
+        <p:txBody>
+          <a:bodyPr wrap="square" rtlCol="0">
+            <a:spAutoFit/>
+          </a:bodyPr>
+          <a:lstStyle/>
+          <a:p>
+            <a:r>
+              <a:rPr lang="pt-BR" dirty="0"/>
+              <a:t>PONTOS:</a:t>
+            </a:r>
+          </a:p>
+          <a:p>
+            <a:r>
+              <a:rPr lang="pt-BR" dirty="0"/>
+              <a:t>Conforme o Gerson disse em outros grupos que o LLD e diagrama são basicamente a mesma coisa, podemos colocar o LLD como Diagrama de software.</a:t>
+            </a:r>
+          </a:p>
+          <a:p>
+            <a:r>
+              <a:rPr lang="pt-BR" dirty="0"/>
+              <a:t>Então meio que o LLD Anula!</a:t>
+            </a:r>
+          </a:p>
+          <a:p>
+            <a:r>
+              <a:rPr lang="pt-BR" dirty="0"/>
+              <a:t>Considerado então tarefa feita, onde LLD/DIAGRAMA, E HLD CONCLUIDOS.</a:t>
+            </a:r>
+          </a:p>
+          <a:p>
+            <a:r>
+              <a:rPr lang="pt-BR" dirty="0"/>
+              <a:t>ATT. </a:t>
+            </a:r>
+          </a:p>
+          <a:p>
+            <a:r>
+              <a:rPr lang="pt-BR" dirty="0"/>
+              <a:t>MARCELO W.</a:t>
+            </a:r>
+          </a:p>
+        </p:txBody>
+      </p:sp>
     </p:spTree>
     <p:extLst>
       <p:ext uri="{BB962C8B-B14F-4D97-AF65-F5344CB8AC3E}">
@@ -3998,48 +4063,172 @@
           <a:chExt cx="0" cy="0"/>
         </a:xfrm>
       </p:grpSpPr>
+      <p:grpSp>
+        <p:nvGrpSpPr>
+          <p:cNvPr id="52" name="Agrupar 51">
+            <a:extLst>
+              <a:ext uri="{FF2B5EF4-FFF2-40B4-BE49-F238E27FC236}">
+                <a16:creationId xmlns:a16="http://schemas.microsoft.com/office/drawing/2014/main" id="{871B3CC3-7F02-41D5-B35C-F91DB58B6026}"/>
+              </a:ext>
+            </a:extLst>
+          </p:cNvPr>
+          <p:cNvGrpSpPr/>
+          <p:nvPr/>
+        </p:nvGrpSpPr>
+        <p:grpSpPr>
+          <a:xfrm>
+            <a:off x="4105510" y="5388591"/>
+            <a:ext cx="1259913" cy="1399458"/>
+            <a:chOff x="270964" y="1582607"/>
+            <a:chExt cx="1217513" cy="1366061"/>
+          </a:xfrm>
+        </p:grpSpPr>
+        <p:pic>
+          <p:nvPicPr>
+            <p:cNvPr id="1026" name="Picture 2" descr="Telegram Web">
+              <a:extLst>
+                <a:ext uri="{FF2B5EF4-FFF2-40B4-BE49-F238E27FC236}">
+                  <a16:creationId xmlns:a16="http://schemas.microsoft.com/office/drawing/2014/main" id="{FF68B1FE-C515-48A3-A5AD-D5EC2699D448}"/>
+                </a:ext>
+              </a:extLst>
+            </p:cNvPr>
+            <p:cNvPicPr>
+              <a:picLocks noChangeAspect="1" noChangeArrowheads="1"/>
+            </p:cNvPicPr>
+            <p:nvPr/>
+          </p:nvPicPr>
+          <p:blipFill>
+            <a:blip r:embed="rId2">
+              <a:extLst>
+                <a:ext uri="{28A0092B-C50C-407E-A947-70E740481C1C}">
+                  <a14:useLocalDpi xmlns:a14="http://schemas.microsoft.com/office/drawing/2010/main" val="0"/>
+                </a:ext>
+              </a:extLst>
+            </a:blip>
+            <a:srcRect/>
+            <a:stretch>
+              <a:fillRect/>
+            </a:stretch>
+          </p:blipFill>
+          <p:spPr bwMode="auto">
+            <a:xfrm>
+              <a:off x="372711" y="1582607"/>
+              <a:ext cx="996730" cy="996729"/>
+            </a:xfrm>
+            <a:prstGeom prst="rect">
+              <a:avLst/>
+            </a:prstGeom>
+            <a:noFill/>
+            <a:extLst>
+              <a:ext uri="{909E8E84-426E-40DD-AFC4-6F175D3DCCD1}">
+                <a14:hiddenFill xmlns:a14="http://schemas.microsoft.com/office/drawing/2010/main">
+                  <a:solidFill>
+                    <a:srgbClr val="FFFFFF"/>
+                  </a:solidFill>
+                </a14:hiddenFill>
+              </a:ext>
+            </a:extLst>
+          </p:spPr>
+        </p:pic>
+        <p:sp>
+          <p:nvSpPr>
+            <p:cNvPr id="17" name="CaixaDeTexto 16">
+              <a:extLst>
+                <a:ext uri="{FF2B5EF4-FFF2-40B4-BE49-F238E27FC236}">
+                  <a16:creationId xmlns:a16="http://schemas.microsoft.com/office/drawing/2014/main" id="{8904A3AE-3961-4800-9C77-9F5F2F4A940B}"/>
+                </a:ext>
+              </a:extLst>
+            </p:cNvPr>
+            <p:cNvSpPr txBox="1"/>
+            <p:nvPr/>
+          </p:nvSpPr>
+          <p:spPr>
+            <a:xfrm>
+              <a:off x="270964" y="2579336"/>
+              <a:ext cx="1217513" cy="369332"/>
+            </a:xfrm>
+            <a:prstGeom prst="rect">
+              <a:avLst/>
+            </a:prstGeom>
+            <a:noFill/>
+          </p:spPr>
+          <p:txBody>
+            <a:bodyPr wrap="none" rtlCol="0">
+              <a:spAutoFit/>
+            </a:bodyPr>
+            <a:lstStyle/>
+            <a:p>
+              <a:r>
+                <a:rPr lang="pt-BR" dirty="0"/>
+                <a:t>TELEGRAM</a:t>
+              </a:r>
+            </a:p>
+          </p:txBody>
+        </p:sp>
+      </p:grpSp>
       <p:pic>
         <p:nvPicPr>
-          <p:cNvPr id="5" name="Imagem 4" descr="Uma imagem contendo Forma&#10;&#10;Descrição gerada automaticamente">
-            <a:extLst>
-              <a:ext uri="{FF2B5EF4-FFF2-40B4-BE49-F238E27FC236}">
-                <a16:creationId xmlns:a16="http://schemas.microsoft.com/office/drawing/2014/main" id="{DD536F64-F391-4DBC-A681-8EEB0BF1FC0A}"/>
+          <p:cNvPr id="18" name="Picture 10" descr="Amazon Web Services - Wikipedia">
+            <a:extLst>
+              <a:ext uri="{FF2B5EF4-FFF2-40B4-BE49-F238E27FC236}">
+                <a16:creationId xmlns:a16="http://schemas.microsoft.com/office/drawing/2014/main" id="{A9F43A1D-EB4B-4882-A8F7-6BE6403BBB25}"/>
               </a:ext>
             </a:extLst>
           </p:cNvPr>
           <p:cNvPicPr>
-            <a:picLocks noChangeAspect="1"/>
+            <a:picLocks noChangeAspect="1" noChangeArrowheads="1"/>
           </p:cNvPicPr>
           <p:nvPr/>
         </p:nvPicPr>
         <p:blipFill>
-          <a:blip r:embed="rId2">
+          <a:blip r:embed="rId3">
             <a:extLst>
               <a:ext uri="{28A0092B-C50C-407E-A947-70E740481C1C}">
                 <a14:useLocalDpi xmlns:a14="http://schemas.microsoft.com/office/drawing/2010/main" val="0"/>
               </a:ext>
             </a:extLst>
           </a:blip>
+          <a:srcRect/>
           <a:stretch>
             <a:fillRect/>
           </a:stretch>
         </p:blipFill>
-        <p:spPr>
-          <a:xfrm>
-            <a:off x="5792309" y="2457556"/>
-            <a:ext cx="1722719" cy="1722719"/>
-          </a:xfrm>
-          <a:prstGeom prst="rect">
-            <a:avLst/>
-          </a:prstGeom>
+        <p:spPr bwMode="auto">
+          <a:xfrm>
+            <a:off x="4280055" y="1059531"/>
+            <a:ext cx="1265777" cy="651579"/>
+          </a:xfrm>
+          <a:prstGeom prst="rect">
+            <a:avLst/>
+          </a:prstGeom>
+          <a:noFill/>
+          <a:ln>
+            <a:noFill/>
+          </a:ln>
+          <a:effectLst>
+            <a:outerShdw blurRad="50800" dist="38100" dir="2700000" algn="tl" rotWithShape="0">
+              <a:prstClr val="black">
+                <a:alpha val="40000"/>
+              </a:prstClr>
+            </a:outerShdw>
+          </a:effectLst>
+          <a:extLst>
+            <a:ext uri="{909E8E84-426E-40DD-AFC4-6F175D3DCCD1}">
+              <a14:hiddenFill xmlns:a14="http://schemas.microsoft.com/office/drawing/2010/main">
+                <a:solidFill>
+                  <a:srgbClr val="FFFFFF"/>
+                </a:solidFill>
+              </a14:hiddenFill>
+            </a:ext>
+          </a:extLst>
         </p:spPr>
       </p:pic>
       <p:pic>
         <p:nvPicPr>
-          <p:cNvPr id="9" name="Imagem 8" descr="Texto, Ícone&#10;&#10;Descrição gerada automaticamente">
-            <a:extLst>
-              <a:ext uri="{FF2B5EF4-FFF2-40B4-BE49-F238E27FC236}">
-                <a16:creationId xmlns:a16="http://schemas.microsoft.com/office/drawing/2014/main" id="{AAD08227-6A5D-4383-A1C4-64F7784F1956}"/>
+          <p:cNvPr id="20" name="Imagem 19">
+            <a:extLst>
+              <a:ext uri="{FF2B5EF4-FFF2-40B4-BE49-F238E27FC236}">
+                <a16:creationId xmlns:a16="http://schemas.microsoft.com/office/drawing/2014/main" id="{AD1F625C-8B4C-43CF-867C-3B02AE1833BC}"/>
               </a:ext>
             </a:extLst>
           </p:cNvPr>
@@ -4049,215 +4238,11 @@
           <p:nvPr/>
         </p:nvPicPr>
         <p:blipFill>
-          <a:blip r:embed="rId3">
-            <a:extLst>
-              <a:ext uri="{28A0092B-C50C-407E-A947-70E740481C1C}">
-                <a14:useLocalDpi xmlns:a14="http://schemas.microsoft.com/office/drawing/2010/main" val="0"/>
-              </a:ext>
-            </a:extLst>
-          </a:blip>
-          <a:stretch>
-            <a:fillRect/>
-          </a:stretch>
-        </p:blipFill>
-        <p:spPr>
-          <a:xfrm>
-            <a:off x="9792408" y="511556"/>
-            <a:ext cx="1169241" cy="1169241"/>
-          </a:xfrm>
-          <a:prstGeom prst="rect">
-            <a:avLst/>
-          </a:prstGeom>
-        </p:spPr>
-      </p:pic>
-      <p:pic>
-        <p:nvPicPr>
-          <p:cNvPr id="11" name="Imagem 10" descr="Uma imagem contendo Forma&#10;&#10;Descrição gerada automaticamente">
-            <a:extLst>
-              <a:ext uri="{FF2B5EF4-FFF2-40B4-BE49-F238E27FC236}">
-                <a16:creationId xmlns:a16="http://schemas.microsoft.com/office/drawing/2014/main" id="{11AAACCF-F407-405A-84B4-11EEB965D8A1}"/>
-              </a:ext>
-            </a:extLst>
-          </p:cNvPr>
-          <p:cNvPicPr>
-            <a:picLocks noChangeAspect="1"/>
-          </p:cNvPicPr>
-          <p:nvPr/>
-        </p:nvPicPr>
-        <p:blipFill>
           <a:blip r:embed="rId4">
-            <a:extLst>
-              <a:ext uri="{28A0092B-C50C-407E-A947-70E740481C1C}">
-                <a14:useLocalDpi xmlns:a14="http://schemas.microsoft.com/office/drawing/2010/main" val="0"/>
-              </a:ext>
-            </a:extLst>
-          </a:blip>
-          <a:stretch>
-            <a:fillRect/>
-          </a:stretch>
-        </p:blipFill>
-        <p:spPr>
-          <a:xfrm>
-            <a:off x="2721203" y="4971890"/>
-            <a:ext cx="1406607" cy="1406607"/>
-          </a:xfrm>
-          <a:prstGeom prst="rect">
-            <a:avLst/>
-          </a:prstGeom>
-        </p:spPr>
-      </p:pic>
-      <p:pic>
-        <p:nvPicPr>
-          <p:cNvPr id="13" name="Imagem 12">
-            <a:extLst>
-              <a:ext uri="{FF2B5EF4-FFF2-40B4-BE49-F238E27FC236}">
-                <a16:creationId xmlns:a16="http://schemas.microsoft.com/office/drawing/2014/main" id="{FD9236CB-3524-44A5-9BB2-5F6215F5E2EF}"/>
-              </a:ext>
-            </a:extLst>
-          </p:cNvPr>
-          <p:cNvPicPr>
-            <a:picLocks noChangeAspect="1"/>
-          </p:cNvPicPr>
-          <p:nvPr/>
-        </p:nvPicPr>
-        <p:blipFill>
-          <a:blip r:embed="rId5">
             <a:extLst>
               <a:ext uri="{BEBA8EAE-BF5A-486C-A8C5-ECC9F3942E4B}">
                 <a14:imgProps xmlns:a14="http://schemas.microsoft.com/office/drawing/2010/main">
-                  <a14:imgLayer r:embed="rId6">
-                    <a14:imgEffect>
-                      <a14:backgroundRemoval t="10000" b="90000" l="10000" r="90000">
-                        <a14:foregroundMark x1="46392" y1="79348" x2="46392" y2="79348"/>
-                      </a14:backgroundRemoval>
-                    </a14:imgEffect>
-                  </a14:imgLayer>
-                </a14:imgProps>
-              </a:ext>
-            </a:extLst>
-          </a:blip>
-          <a:stretch>
-            <a:fillRect/>
-          </a:stretch>
-        </p:blipFill>
-        <p:spPr>
-          <a:xfrm rot="18856160" flipH="1">
-            <a:off x="4543877" y="4005874"/>
-            <a:ext cx="1139372" cy="1080641"/>
-          </a:xfrm>
-          <a:prstGeom prst="rect">
-            <a:avLst/>
-          </a:prstGeom>
-        </p:spPr>
-      </p:pic>
-      <p:pic>
-        <p:nvPicPr>
-          <p:cNvPr id="15" name="Imagem 14">
-            <a:extLst>
-              <a:ext uri="{FF2B5EF4-FFF2-40B4-BE49-F238E27FC236}">
-                <a16:creationId xmlns:a16="http://schemas.microsoft.com/office/drawing/2014/main" id="{F87A1517-848C-4E6C-94AB-26EB04F71A56}"/>
-              </a:ext>
-            </a:extLst>
-          </p:cNvPr>
-          <p:cNvPicPr>
-            <a:picLocks noChangeAspect="1"/>
-          </p:cNvPicPr>
-          <p:nvPr/>
-        </p:nvPicPr>
-        <p:blipFill>
-          <a:blip r:embed="rId5">
-            <a:extLst>
-              <a:ext uri="{BEBA8EAE-BF5A-486C-A8C5-ECC9F3942E4B}">
-                <a14:imgProps xmlns:a14="http://schemas.microsoft.com/office/drawing/2010/main">
-                  <a14:imgLayer r:embed="rId6">
-                    <a14:imgEffect>
-                      <a14:backgroundRemoval t="10000" b="90000" l="10000" r="90000">
-                        <a14:foregroundMark x1="46392" y1="79348" x2="46392" y2="79348"/>
-                      </a14:backgroundRemoval>
-                    </a14:imgEffect>
-                  </a14:imgLayer>
-                </a14:imgProps>
-              </a:ext>
-            </a:extLst>
-          </a:blip>
-          <a:stretch>
-            <a:fillRect/>
-          </a:stretch>
-        </p:blipFill>
-        <p:spPr>
-          <a:xfrm rot="17890745" flipH="1">
-            <a:off x="7834990" y="1616926"/>
-            <a:ext cx="1214654" cy="1152042"/>
-          </a:xfrm>
-          <a:prstGeom prst="rect">
-            <a:avLst/>
-          </a:prstGeom>
-        </p:spPr>
-      </p:pic>
-      <p:pic>
-        <p:nvPicPr>
-          <p:cNvPr id="17" name="Imagem 16">
-            <a:extLst>
-              <a:ext uri="{FF2B5EF4-FFF2-40B4-BE49-F238E27FC236}">
-                <a16:creationId xmlns:a16="http://schemas.microsoft.com/office/drawing/2014/main" id="{7528D509-E5BE-474E-B352-28E44352BD38}"/>
-              </a:ext>
-            </a:extLst>
-          </p:cNvPr>
-          <p:cNvPicPr>
-            <a:picLocks noChangeAspect="1"/>
-          </p:cNvPicPr>
-          <p:nvPr/>
-        </p:nvPicPr>
-        <p:blipFill>
-          <a:blip r:embed="rId5">
-            <a:extLst>
-              <a:ext uri="{BEBA8EAE-BF5A-486C-A8C5-ECC9F3942E4B}">
-                <a14:imgProps xmlns:a14="http://schemas.microsoft.com/office/drawing/2010/main">
-                  <a14:imgLayer r:embed="rId6">
-                    <a14:imgEffect>
-                      <a14:backgroundRemoval t="10000" b="90000" l="10000" r="90000">
-                        <a14:foregroundMark x1="46392" y1="79348" x2="46392" y2="79348"/>
-                      </a14:backgroundRemoval>
-                    </a14:imgEffect>
-                  </a14:imgLayer>
-                </a14:imgProps>
-              </a:ext>
-            </a:extLst>
-          </a:blip>
-          <a:stretch>
-            <a:fillRect/>
-          </a:stretch>
-        </p:blipFill>
-        <p:spPr>
-          <a:xfrm rot="18856160" flipH="1">
-            <a:off x="422042" y="2435687"/>
-            <a:ext cx="1139372" cy="1080641"/>
-          </a:xfrm>
-          <a:prstGeom prst="rect">
-            <a:avLst/>
-          </a:prstGeom>
-        </p:spPr>
-      </p:pic>
-      <p:pic>
-        <p:nvPicPr>
-          <p:cNvPr id="19" name="Imagem 18">
-            <a:extLst>
-              <a:ext uri="{FF2B5EF4-FFF2-40B4-BE49-F238E27FC236}">
-                <a16:creationId xmlns:a16="http://schemas.microsoft.com/office/drawing/2014/main" id="{10BC69EF-600C-4C87-8B02-BA6BFC3B87A8}"/>
-              </a:ext>
-            </a:extLst>
-          </p:cNvPr>
-          <p:cNvPicPr>
-            <a:picLocks noChangeAspect="1"/>
-          </p:cNvPicPr>
-          <p:nvPr/>
-        </p:nvPicPr>
-        <p:blipFill>
-          <a:blip r:embed="rId7">
-            <a:extLst>
-              <a:ext uri="{BEBA8EAE-BF5A-486C-A8C5-ECC9F3942E4B}">
-                <a14:imgProps xmlns:a14="http://schemas.microsoft.com/office/drawing/2010/main">
-                  <a14:imgLayer r:embed="rId8">
+                  <a14:imgLayer r:embed="rId5">
                     <a14:imgEffect>
                       <a14:backgroundRemoval t="10000" b="90000" l="10000" r="90000">
                         <a14:foregroundMark x1="78075" y1="54000" x2="78075" y2="54000"/>
@@ -4275,7 +4260,7 @@
         </p:blipFill>
         <p:spPr>
           <a:xfrm>
-            <a:off x="741276" y="3341928"/>
+            <a:off x="6149225" y="961018"/>
             <a:ext cx="1567709" cy="838347"/>
           </a:xfrm>
           <a:prstGeom prst="rect">
@@ -4285,10 +4270,10 @@
       </p:pic>
       <p:pic>
         <p:nvPicPr>
-          <p:cNvPr id="21" name="Imagem 20">
-            <a:extLst>
-              <a:ext uri="{FF2B5EF4-FFF2-40B4-BE49-F238E27FC236}">
-                <a16:creationId xmlns:a16="http://schemas.microsoft.com/office/drawing/2014/main" id="{DEF1180F-6E09-4248-AEBE-C18909910CEF}"/>
+          <p:cNvPr id="22" name="Imagem 21">
+            <a:extLst>
+              <a:ext uri="{FF2B5EF4-FFF2-40B4-BE49-F238E27FC236}">
+                <a16:creationId xmlns:a16="http://schemas.microsoft.com/office/drawing/2014/main" id="{08AE2A46-D724-490E-AE76-60A184A3BF6A}"/>
               </a:ext>
             </a:extLst>
           </p:cNvPr>
@@ -4298,15 +4283,15 @@
           <p:nvPr/>
         </p:nvPicPr>
         <p:blipFill>
-          <a:blip r:embed="rId9">
+          <a:blip r:embed="rId4">
             <a:extLst>
               <a:ext uri="{BEBA8EAE-BF5A-486C-A8C5-ECC9F3942E4B}">
                 <a14:imgProps xmlns:a14="http://schemas.microsoft.com/office/drawing/2010/main">
-                  <a14:imgLayer r:embed="rId10">
+                  <a14:imgLayer r:embed="rId5">
                     <a14:imgEffect>
-                      <a14:backgroundRemoval t="9868" b="89474" l="9581" r="91018">
-                        <a14:foregroundMark x1="78443" y1="53947" x2="78443" y2="53947"/>
-                        <a14:foregroundMark x1="91018" y1="67105" x2="91018" y2="67105"/>
+                      <a14:backgroundRemoval t="10000" b="90000" l="10000" r="90000">
+                        <a14:foregroundMark x1="78075" y1="54000" x2="78075" y2="54000"/>
+                        <a14:foregroundMark x1="78075" y1="69000" x2="78075" y2="69000"/>
                       </a14:backgroundRemoval>
                     </a14:imgEffect>
                   </a14:imgLayer>
@@ -4319,92 +4304,21 @@
           </a:stretch>
         </p:blipFill>
         <p:spPr>
-          <a:xfrm rot="15134521">
-            <a:off x="6586276" y="1862480"/>
-            <a:ext cx="721687" cy="656865"/>
+          <a:xfrm rot="10800000">
+            <a:off x="5566706" y="1096641"/>
+            <a:ext cx="1567709" cy="838347"/>
           </a:xfrm>
           <a:prstGeom prst="rect">
             <a:avLst/>
           </a:prstGeom>
         </p:spPr>
       </p:pic>
-      <p:sp>
-        <p:nvSpPr>
-          <p:cNvPr id="22" name="CaixaDeTexto 21">
-            <a:extLst>
-              <a:ext uri="{FF2B5EF4-FFF2-40B4-BE49-F238E27FC236}">
-                <a16:creationId xmlns:a16="http://schemas.microsoft.com/office/drawing/2014/main" id="{23766680-2F1B-413D-9A2F-4734BA53E6CF}"/>
-              </a:ext>
-            </a:extLst>
-          </p:cNvPr>
-          <p:cNvSpPr txBox="1"/>
-          <p:nvPr/>
-        </p:nvSpPr>
-        <p:spPr>
-          <a:xfrm>
-            <a:off x="10212083" y="882599"/>
-            <a:ext cx="2184911" cy="523220"/>
-          </a:xfrm>
-          <a:prstGeom prst="rect">
-            <a:avLst/>
-          </a:prstGeom>
-          <a:noFill/>
-        </p:spPr>
-        <p:txBody>
-          <a:bodyPr wrap="square" rtlCol="0">
-            <a:spAutoFit/>
-          </a:bodyPr>
-          <a:lstStyle/>
-          <a:p>
-            <a:pPr algn="ctr"/>
-            <a:r>
-              <a:rPr lang="pt-BR" sz="1400" dirty="0"/>
-              <a:t>Envio de notificação via SLACK/TELEGRAM</a:t>
-            </a:r>
-          </a:p>
-        </p:txBody>
-      </p:sp>
-      <p:sp>
-        <p:nvSpPr>
-          <p:cNvPr id="23" name="CaixaDeTexto 22">
-            <a:extLst>
-              <a:ext uri="{FF2B5EF4-FFF2-40B4-BE49-F238E27FC236}">
-                <a16:creationId xmlns:a16="http://schemas.microsoft.com/office/drawing/2014/main" id="{D2DA3490-3FEE-44C4-A133-C0D56E40AA2D}"/>
-              </a:ext>
-            </a:extLst>
-          </p:cNvPr>
-          <p:cNvSpPr txBox="1"/>
-          <p:nvPr/>
-        </p:nvSpPr>
-        <p:spPr>
-          <a:xfrm>
-            <a:off x="48368" y="0"/>
-            <a:ext cx="2292102" cy="369332"/>
-          </a:xfrm>
-          <a:prstGeom prst="rect">
-            <a:avLst/>
-          </a:prstGeom>
-          <a:noFill/>
-        </p:spPr>
-        <p:txBody>
-          <a:bodyPr wrap="none" rtlCol="0">
-            <a:spAutoFit/>
-          </a:bodyPr>
-          <a:lstStyle/>
-          <a:p>
-            <a:r>
-              <a:rPr lang="pt-BR" b="1" dirty="0"/>
-              <a:t>Diagrama de software</a:t>
-            </a:r>
-          </a:p>
-        </p:txBody>
-      </p:sp>
       <p:pic>
         <p:nvPicPr>
-          <p:cNvPr id="2" name="Imagem 1" descr="Ícone&#10;&#10;Descrição gerada automaticamente">
-            <a:extLst>
-              <a:ext uri="{FF2B5EF4-FFF2-40B4-BE49-F238E27FC236}">
-                <a16:creationId xmlns:a16="http://schemas.microsoft.com/office/drawing/2014/main" id="{BA699E74-5B64-47EA-9165-D911EE46E932}"/>
+          <p:cNvPr id="24" name="Imagem 23">
+            <a:extLst>
+              <a:ext uri="{FF2B5EF4-FFF2-40B4-BE49-F238E27FC236}">
+                <a16:creationId xmlns:a16="http://schemas.microsoft.com/office/drawing/2014/main" id="{2EB209A9-E02B-4C33-A479-04F85A0BC4B5}"/>
               </a:ext>
             </a:extLst>
           </p:cNvPr>
@@ -4414,10 +4328,19 @@
           <p:nvPr/>
         </p:nvPicPr>
         <p:blipFill>
-          <a:blip r:embed="rId11">
-            <a:extLst>
-              <a:ext uri="{28A0092B-C50C-407E-A947-70E740481C1C}">
-                <a14:useLocalDpi xmlns:a14="http://schemas.microsoft.com/office/drawing/2010/main" val="0"/>
+          <a:blip r:embed="rId4">
+            <a:extLst>
+              <a:ext uri="{BEBA8EAE-BF5A-486C-A8C5-ECC9F3942E4B}">
+                <a14:imgProps xmlns:a14="http://schemas.microsoft.com/office/drawing/2010/main">
+                  <a14:imgLayer r:embed="rId5">
+                    <a14:imgEffect>
+                      <a14:backgroundRemoval t="10000" b="90000" l="10000" r="90000">
+                        <a14:foregroundMark x1="78075" y1="54000" x2="78075" y2="54000"/>
+                        <a14:foregroundMark x1="78075" y1="69000" x2="78075" y2="69000"/>
+                      </a14:backgroundRemoval>
+                    </a14:imgEffect>
+                  </a14:imgLayer>
+                </a14:imgProps>
               </a:ext>
             </a:extLst>
           </a:blip>
@@ -4426,8 +4349,88 @@
           </a:stretch>
         </p:blipFill>
         <p:spPr>
-          <a:xfrm>
-            <a:off x="5898128" y="303696"/>
+          <a:xfrm rot="5400000">
+            <a:off x="9321429" y="3470783"/>
+            <a:ext cx="1567709" cy="838347"/>
+          </a:xfrm>
+          <a:prstGeom prst="rect">
+            <a:avLst/>
+          </a:prstGeom>
+        </p:spPr>
+      </p:pic>
+      <p:pic>
+        <p:nvPicPr>
+          <p:cNvPr id="26" name="Imagem 25">
+            <a:extLst>
+              <a:ext uri="{FF2B5EF4-FFF2-40B4-BE49-F238E27FC236}">
+                <a16:creationId xmlns:a16="http://schemas.microsoft.com/office/drawing/2014/main" id="{D6C08CAD-4EF8-42CE-A4DD-9C5D8ACA5224}"/>
+              </a:ext>
+            </a:extLst>
+          </p:cNvPr>
+          <p:cNvPicPr>
+            <a:picLocks noChangeAspect="1"/>
+          </p:cNvPicPr>
+          <p:nvPr/>
+        </p:nvPicPr>
+        <p:blipFill>
+          <a:blip r:embed="rId6">
+            <a:extLst>
+              <a:ext uri="{BEBA8EAE-BF5A-486C-A8C5-ECC9F3942E4B}">
+                <a14:imgProps xmlns:a14="http://schemas.microsoft.com/office/drawing/2010/main">
+                  <a14:imgLayer r:embed="rId7">
+                    <a14:imgEffect>
+                      <a14:backgroundRemoval t="10000" b="90000" l="10000" r="90000">
+                        <a14:foregroundMark x1="46392" y1="79348" x2="46392" y2="79348"/>
+                      </a14:backgroundRemoval>
+                    </a14:imgEffect>
+                  </a14:imgLayer>
+                </a14:imgProps>
+              </a:ext>
+            </a:extLst>
+          </a:blip>
+          <a:stretch>
+            <a:fillRect/>
+          </a:stretch>
+        </p:blipFill>
+        <p:spPr>
+          <a:xfrm rot="11113315">
+            <a:off x="3232770" y="1003726"/>
+            <a:ext cx="1139372" cy="1080641"/>
+          </a:xfrm>
+          <a:prstGeom prst="rect">
+            <a:avLst/>
+          </a:prstGeom>
+        </p:spPr>
+      </p:pic>
+      <p:pic>
+        <p:nvPicPr>
+          <p:cNvPr id="28" name="Imagem 27" descr="Ícone&#10;&#10;Descrição gerada automaticamente">
+            <a:extLst>
+              <a:ext uri="{FF2B5EF4-FFF2-40B4-BE49-F238E27FC236}">
+                <a16:creationId xmlns:a16="http://schemas.microsoft.com/office/drawing/2014/main" id="{FDE139D8-807C-4277-817C-9F6CD41F2978}"/>
+              </a:ext>
+            </a:extLst>
+          </p:cNvPr>
+          <p:cNvPicPr>
+            <a:picLocks noChangeAspect="1"/>
+          </p:cNvPicPr>
+          <p:nvPr/>
+        </p:nvPicPr>
+        <p:blipFill>
+          <a:blip r:embed="rId8">
+            <a:extLst>
+              <a:ext uri="{28A0092B-C50C-407E-A947-70E740481C1C}">
+                <a14:useLocalDpi xmlns:a14="http://schemas.microsoft.com/office/drawing/2010/main" val="0"/>
+              </a:ext>
+            </a:extLst>
+          </a:blip>
+          <a:stretch>
+            <a:fillRect/>
+          </a:stretch>
+        </p:blipFill>
+        <p:spPr>
+          <a:xfrm>
+            <a:off x="9328405" y="4741756"/>
             <a:ext cx="1377101" cy="1377101"/>
           </a:xfrm>
           <a:prstGeom prst="rect">
@@ -4435,10 +4438,1407 @@
           </a:prstGeom>
         </p:spPr>
       </p:pic>
+      <p:pic>
+        <p:nvPicPr>
+          <p:cNvPr id="32" name="Imagem 31">
+            <a:extLst>
+              <a:ext uri="{FF2B5EF4-FFF2-40B4-BE49-F238E27FC236}">
+                <a16:creationId xmlns:a16="http://schemas.microsoft.com/office/drawing/2014/main" id="{B00BBD1A-74D8-4661-B6FB-B80B95146584}"/>
+              </a:ext>
+            </a:extLst>
+          </p:cNvPr>
+          <p:cNvPicPr>
+            <a:picLocks noChangeAspect="1"/>
+          </p:cNvPicPr>
+          <p:nvPr/>
+        </p:nvPicPr>
+        <p:blipFill>
+          <a:blip r:embed="rId6">
+            <a:extLst>
+              <a:ext uri="{BEBA8EAE-BF5A-486C-A8C5-ECC9F3942E4B}">
+                <a14:imgProps xmlns:a14="http://schemas.microsoft.com/office/drawing/2010/main">
+                  <a14:imgLayer r:embed="rId7">
+                    <a14:imgEffect>
+                      <a14:backgroundRemoval t="10000" b="90000" l="10000" r="90000">
+                        <a14:foregroundMark x1="46392" y1="79348" x2="46392" y2="79348"/>
+                      </a14:backgroundRemoval>
+                    </a14:imgEffect>
+                  </a14:imgLayer>
+                </a14:imgProps>
+              </a:ext>
+            </a:extLst>
+          </a:blip>
+          <a:stretch>
+            <a:fillRect/>
+          </a:stretch>
+        </p:blipFill>
+        <p:spPr>
+          <a:xfrm rot="5485358" flipH="1">
+            <a:off x="2951144" y="1253342"/>
+            <a:ext cx="1139372" cy="1080641"/>
+          </a:xfrm>
+          <a:prstGeom prst="rect">
+            <a:avLst/>
+          </a:prstGeom>
+        </p:spPr>
+      </p:pic>
+      <p:grpSp>
+        <p:nvGrpSpPr>
+          <p:cNvPr id="56" name="Agrupar 55">
+            <a:extLst>
+              <a:ext uri="{FF2B5EF4-FFF2-40B4-BE49-F238E27FC236}">
+                <a16:creationId xmlns:a16="http://schemas.microsoft.com/office/drawing/2014/main" id="{A88421BF-4F71-4237-A447-861C6940039D}"/>
+              </a:ext>
+            </a:extLst>
+          </p:cNvPr>
+          <p:cNvGrpSpPr/>
+          <p:nvPr/>
+        </p:nvGrpSpPr>
+        <p:grpSpPr>
+          <a:xfrm>
+            <a:off x="7441379" y="144309"/>
+            <a:ext cx="4641907" cy="2893848"/>
+            <a:chOff x="7600298" y="69591"/>
+            <a:chExt cx="4641907" cy="2893848"/>
+          </a:xfrm>
+        </p:grpSpPr>
+        <p:pic>
+          <p:nvPicPr>
+            <p:cNvPr id="10" name="Imagem 9" descr="Uma imagem contendo Círculo&#10;&#10;Descrição gerada automaticamente">
+              <a:extLst>
+                <a:ext uri="{FF2B5EF4-FFF2-40B4-BE49-F238E27FC236}">
+                  <a16:creationId xmlns:a16="http://schemas.microsoft.com/office/drawing/2014/main" id="{DAE2A9C3-CEA9-4885-9415-0C13166D5F5E}"/>
+                </a:ext>
+              </a:extLst>
+            </p:cNvPr>
+            <p:cNvPicPr>
+              <a:picLocks noChangeAspect="1"/>
+            </p:cNvPicPr>
+            <p:nvPr/>
+          </p:nvPicPr>
+          <p:blipFill>
+            <a:blip r:embed="rId9">
+              <a:extLst>
+                <a:ext uri="{28A0092B-C50C-407E-A947-70E740481C1C}">
+                  <a14:useLocalDpi xmlns:a14="http://schemas.microsoft.com/office/drawing/2010/main" val="0"/>
+                </a:ext>
+              </a:extLst>
+            </a:blip>
+            <a:stretch>
+              <a:fillRect/>
+            </a:stretch>
+          </p:blipFill>
+          <p:spPr>
+            <a:xfrm flipH="1">
+              <a:off x="7600298" y="69591"/>
+              <a:ext cx="4641907" cy="2893848"/>
+            </a:xfrm>
+            <a:prstGeom prst="rect">
+              <a:avLst/>
+            </a:prstGeom>
+          </p:spPr>
+        </p:pic>
+        <p:pic>
+          <p:nvPicPr>
+            <p:cNvPr id="8" name="Picture 10" descr="Amazon Web Services - Wikipedia">
+              <a:extLst>
+                <a:ext uri="{FF2B5EF4-FFF2-40B4-BE49-F238E27FC236}">
+                  <a16:creationId xmlns:a16="http://schemas.microsoft.com/office/drawing/2014/main" id="{9DCB030A-27A2-4C96-BE81-A36FFB4394B4}"/>
+                </a:ext>
+              </a:extLst>
+            </p:cNvPr>
+            <p:cNvPicPr>
+              <a:picLocks noChangeAspect="1" noChangeArrowheads="1"/>
+            </p:cNvPicPr>
+            <p:nvPr/>
+          </p:nvPicPr>
+          <p:blipFill>
+            <a:blip r:embed="rId3">
+              <a:extLst>
+                <a:ext uri="{28A0092B-C50C-407E-A947-70E740481C1C}">
+                  <a14:useLocalDpi xmlns:a14="http://schemas.microsoft.com/office/drawing/2010/main" val="0"/>
+                </a:ext>
+              </a:extLst>
+            </a:blip>
+            <a:srcRect/>
+            <a:stretch>
+              <a:fillRect/>
+            </a:stretch>
+          </p:blipFill>
+          <p:spPr bwMode="auto">
+            <a:xfrm>
+              <a:off x="9718628" y="268035"/>
+              <a:ext cx="703098" cy="361931"/>
+            </a:xfrm>
+            <a:prstGeom prst="rect">
+              <a:avLst/>
+            </a:prstGeom>
+            <a:noFill/>
+            <a:extLst>
+              <a:ext uri="{909E8E84-426E-40DD-AFC4-6F175D3DCCD1}">
+                <a14:hiddenFill xmlns:a14="http://schemas.microsoft.com/office/drawing/2010/main">
+                  <a:solidFill>
+                    <a:srgbClr val="FFFFFF"/>
+                  </a:solidFill>
+                </a14:hiddenFill>
+              </a:ext>
+            </a:extLst>
+          </p:spPr>
+        </p:pic>
+        <p:grpSp>
+          <p:nvGrpSpPr>
+            <p:cNvPr id="29" name="Agrupar 28">
+              <a:extLst>
+                <a:ext uri="{FF2B5EF4-FFF2-40B4-BE49-F238E27FC236}">
+                  <a16:creationId xmlns:a16="http://schemas.microsoft.com/office/drawing/2014/main" id="{A5B86005-91FC-46F6-A181-F427C8D66527}"/>
+                </a:ext>
+              </a:extLst>
+            </p:cNvPr>
+            <p:cNvGrpSpPr/>
+            <p:nvPr/>
+          </p:nvGrpSpPr>
+          <p:grpSpPr>
+            <a:xfrm>
+              <a:off x="10231438" y="1138095"/>
+              <a:ext cx="1375606" cy="1278374"/>
+              <a:chOff x="2479585" y="1138649"/>
+              <a:chExt cx="1375606" cy="1278374"/>
+            </a:xfrm>
+          </p:grpSpPr>
+          <p:sp>
+            <p:nvSpPr>
+              <p:cNvPr id="12" name="Retângulo: Cantos Arredondados 11">
+                <a:extLst>
+                  <a:ext uri="{FF2B5EF4-FFF2-40B4-BE49-F238E27FC236}">
+                    <a16:creationId xmlns:a16="http://schemas.microsoft.com/office/drawing/2014/main" id="{06E7FB64-63E7-4328-A253-BD838C54B58B}"/>
+                  </a:ext>
+                </a:extLst>
+              </p:cNvPr>
+              <p:cNvSpPr/>
+              <p:nvPr/>
+            </p:nvSpPr>
+            <p:spPr>
+              <a:xfrm>
+                <a:off x="2479585" y="1138649"/>
+                <a:ext cx="1375606" cy="1278374"/>
+              </a:xfrm>
+              <a:prstGeom prst="roundRect">
+                <a:avLst/>
+              </a:prstGeom>
+              <a:solidFill>
+                <a:schemeClr val="bg1"/>
+              </a:solidFill>
+              <a:ln>
+                <a:solidFill>
+                  <a:srgbClr val="C00000"/>
+                </a:solidFill>
+              </a:ln>
+              <a:effectLst>
+                <a:outerShdw blurRad="50800" dist="38100" dir="5400000" algn="t" rotWithShape="0">
+                  <a:prstClr val="black">
+                    <a:alpha val="40000"/>
+                  </a:prstClr>
+                </a:outerShdw>
+              </a:effectLst>
+            </p:spPr>
+            <p:style>
+              <a:lnRef idx="2">
+                <a:schemeClr val="accent1">
+                  <a:shade val="50000"/>
+                </a:schemeClr>
+              </a:lnRef>
+              <a:fillRef idx="1">
+                <a:schemeClr val="accent1"/>
+              </a:fillRef>
+              <a:effectRef idx="0">
+                <a:schemeClr val="accent1"/>
+              </a:effectRef>
+              <a:fontRef idx="minor">
+                <a:schemeClr val="lt1"/>
+              </a:fontRef>
+            </p:style>
+            <p:txBody>
+              <a:bodyPr rtlCol="0" anchor="ctr"/>
+              <a:lstStyle/>
+              <a:p>
+                <a:pPr algn="ctr"/>
+                <a:endParaRPr lang="pt-BR"/>
+              </a:p>
+            </p:txBody>
+          </p:sp>
+          <p:sp>
+            <p:nvSpPr>
+              <p:cNvPr id="15" name="CaixaDeTexto 14">
+                <a:extLst>
+                  <a:ext uri="{FF2B5EF4-FFF2-40B4-BE49-F238E27FC236}">
+                    <a16:creationId xmlns:a16="http://schemas.microsoft.com/office/drawing/2014/main" id="{B6E2CAB3-85BD-4E90-9A4F-458C05C24A6E}"/>
+                  </a:ext>
+                </a:extLst>
+              </p:cNvPr>
+              <p:cNvSpPr txBox="1"/>
+              <p:nvPr/>
+            </p:nvSpPr>
+            <p:spPr>
+              <a:xfrm>
+                <a:off x="2521332" y="1138649"/>
+                <a:ext cx="1333859" cy="307777"/>
+              </a:xfrm>
+              <a:prstGeom prst="rect">
+                <a:avLst/>
+              </a:prstGeom>
+              <a:noFill/>
+            </p:spPr>
+            <p:txBody>
+              <a:bodyPr wrap="square" rtlCol="0">
+                <a:spAutoFit/>
+              </a:bodyPr>
+              <a:lstStyle/>
+              <a:p>
+                <a:r>
+                  <a:rPr lang="pt-BR" sz="1400" b="1" dirty="0"/>
+                  <a:t>INSTITUCIONAL</a:t>
+                </a:r>
+              </a:p>
+            </p:txBody>
+          </p:sp>
+          <p:sp>
+            <p:nvSpPr>
+              <p:cNvPr id="19" name="Retângulo: Cantos Arredondados 18">
+                <a:extLst>
+                  <a:ext uri="{FF2B5EF4-FFF2-40B4-BE49-F238E27FC236}">
+                    <a16:creationId xmlns:a16="http://schemas.microsoft.com/office/drawing/2014/main" id="{B3BE4363-4B0B-4707-878E-4CA3261BE8EC}"/>
+                  </a:ext>
+                </a:extLst>
+              </p:cNvPr>
+              <p:cNvSpPr/>
+              <p:nvPr/>
+            </p:nvSpPr>
+            <p:spPr>
+              <a:xfrm>
+                <a:off x="2599566" y="1420159"/>
+                <a:ext cx="1150341" cy="258175"/>
+              </a:xfrm>
+              <a:prstGeom prst="roundRect">
+                <a:avLst/>
+              </a:prstGeom>
+              <a:solidFill>
+                <a:schemeClr val="bg1"/>
+              </a:solidFill>
+              <a:ln>
+                <a:solidFill>
+                  <a:srgbClr val="C00000"/>
+                </a:solidFill>
+              </a:ln>
+            </p:spPr>
+            <p:style>
+              <a:lnRef idx="2">
+                <a:schemeClr val="accent1">
+                  <a:shade val="50000"/>
+                </a:schemeClr>
+              </a:lnRef>
+              <a:fillRef idx="1">
+                <a:schemeClr val="accent1"/>
+              </a:fillRef>
+              <a:effectRef idx="0">
+                <a:schemeClr val="accent1"/>
+              </a:effectRef>
+              <a:fontRef idx="minor">
+                <a:schemeClr val="lt1"/>
+              </a:fontRef>
+            </p:style>
+            <p:txBody>
+              <a:bodyPr rtlCol="0" anchor="ctr"/>
+              <a:lstStyle/>
+              <a:p>
+                <a:pPr algn="ctr"/>
+                <a:r>
+                  <a:rPr lang="pt-BR" sz="1400" dirty="0">
+                    <a:solidFill>
+                      <a:schemeClr val="tx1"/>
+                    </a:solidFill>
+                  </a:rPr>
+                  <a:t>NODE JS</a:t>
+                </a:r>
+              </a:p>
+            </p:txBody>
+          </p:sp>
+          <p:sp>
+            <p:nvSpPr>
+              <p:cNvPr id="25" name="Retângulo: Cantos Arredondados 24">
+                <a:extLst>
+                  <a:ext uri="{FF2B5EF4-FFF2-40B4-BE49-F238E27FC236}">
+                    <a16:creationId xmlns:a16="http://schemas.microsoft.com/office/drawing/2014/main" id="{334FA522-97C5-4565-B734-B12E774EE2D2}"/>
+                  </a:ext>
+                </a:extLst>
+              </p:cNvPr>
+              <p:cNvSpPr/>
+              <p:nvPr/>
+            </p:nvSpPr>
+            <p:spPr>
+              <a:xfrm>
+                <a:off x="2594982" y="1744995"/>
+                <a:ext cx="1150341" cy="258175"/>
+              </a:xfrm>
+              <a:prstGeom prst="roundRect">
+                <a:avLst/>
+              </a:prstGeom>
+              <a:solidFill>
+                <a:schemeClr val="bg1"/>
+              </a:solidFill>
+              <a:ln>
+                <a:solidFill>
+                  <a:srgbClr val="C00000"/>
+                </a:solidFill>
+              </a:ln>
+            </p:spPr>
+            <p:style>
+              <a:lnRef idx="2">
+                <a:schemeClr val="accent1">
+                  <a:shade val="50000"/>
+                </a:schemeClr>
+              </a:lnRef>
+              <a:fillRef idx="1">
+                <a:schemeClr val="accent1"/>
+              </a:fillRef>
+              <a:effectRef idx="0">
+                <a:schemeClr val="accent1"/>
+              </a:effectRef>
+              <a:fontRef idx="minor">
+                <a:schemeClr val="lt1"/>
+              </a:fontRef>
+            </p:style>
+            <p:txBody>
+              <a:bodyPr rtlCol="0" anchor="ctr"/>
+              <a:lstStyle/>
+              <a:p>
+                <a:pPr algn="ctr"/>
+                <a:r>
+                  <a:rPr lang="pt-BR" sz="1400" dirty="0">
+                    <a:solidFill>
+                      <a:schemeClr val="tx1"/>
+                    </a:solidFill>
+                  </a:rPr>
+                  <a:t>BOOTSTRAP</a:t>
+                </a:r>
+                <a:endParaRPr lang="pt-BR" dirty="0">
+                  <a:solidFill>
+                    <a:schemeClr val="tx1"/>
+                  </a:solidFill>
+                </a:endParaRPr>
+              </a:p>
+            </p:txBody>
+          </p:sp>
+          <p:sp>
+            <p:nvSpPr>
+              <p:cNvPr id="27" name="Retângulo: Cantos Arredondados 26">
+                <a:extLst>
+                  <a:ext uri="{FF2B5EF4-FFF2-40B4-BE49-F238E27FC236}">
+                    <a16:creationId xmlns:a16="http://schemas.microsoft.com/office/drawing/2014/main" id="{775F83A5-B037-48C8-ABC4-676B34D4AF47}"/>
+                  </a:ext>
+                </a:extLst>
+              </p:cNvPr>
+              <p:cNvSpPr/>
+              <p:nvPr/>
+            </p:nvSpPr>
+            <p:spPr>
+              <a:xfrm>
+                <a:off x="2592190" y="2065845"/>
+                <a:ext cx="1150341" cy="258175"/>
+              </a:xfrm>
+              <a:prstGeom prst="roundRect">
+                <a:avLst/>
+              </a:prstGeom>
+              <a:solidFill>
+                <a:schemeClr val="bg1"/>
+              </a:solidFill>
+              <a:ln>
+                <a:solidFill>
+                  <a:srgbClr val="C00000"/>
+                </a:solidFill>
+              </a:ln>
+            </p:spPr>
+            <p:style>
+              <a:lnRef idx="2">
+                <a:schemeClr val="accent1">
+                  <a:shade val="50000"/>
+                </a:schemeClr>
+              </a:lnRef>
+              <a:fillRef idx="1">
+                <a:schemeClr val="accent1"/>
+              </a:fillRef>
+              <a:effectRef idx="0">
+                <a:schemeClr val="accent1"/>
+              </a:effectRef>
+              <a:fontRef idx="minor">
+                <a:schemeClr val="lt1"/>
+              </a:fontRef>
+            </p:style>
+            <p:txBody>
+              <a:bodyPr rtlCol="0" anchor="ctr"/>
+              <a:lstStyle/>
+              <a:p>
+                <a:pPr algn="ctr"/>
+                <a:endParaRPr lang="pt-BR" sz="1400" dirty="0">
+                  <a:solidFill>
+                    <a:schemeClr val="tx1"/>
+                  </a:solidFill>
+                </a:endParaRPr>
+              </a:p>
+            </p:txBody>
+          </p:sp>
+        </p:grpSp>
+        <p:grpSp>
+          <p:nvGrpSpPr>
+            <p:cNvPr id="38" name="Agrupar 37">
+              <a:extLst>
+                <a:ext uri="{FF2B5EF4-FFF2-40B4-BE49-F238E27FC236}">
+                  <a16:creationId xmlns:a16="http://schemas.microsoft.com/office/drawing/2014/main" id="{60DCC3DF-978C-4B71-A630-6970168042DC}"/>
+                </a:ext>
+              </a:extLst>
+            </p:cNvPr>
+            <p:cNvGrpSpPr/>
+            <p:nvPr/>
+          </p:nvGrpSpPr>
+          <p:grpSpPr>
+            <a:xfrm>
+              <a:off x="8760841" y="1120596"/>
+              <a:ext cx="1375606" cy="1278374"/>
+              <a:chOff x="2479585" y="1138649"/>
+              <a:chExt cx="1375606" cy="1278374"/>
+            </a:xfrm>
+          </p:grpSpPr>
+          <p:sp>
+            <p:nvSpPr>
+              <p:cNvPr id="39" name="Retângulo: Cantos Arredondados 38">
+                <a:extLst>
+                  <a:ext uri="{FF2B5EF4-FFF2-40B4-BE49-F238E27FC236}">
+                    <a16:creationId xmlns:a16="http://schemas.microsoft.com/office/drawing/2014/main" id="{5AB6D179-D189-4AB7-9C91-CE356F4AA467}"/>
+                  </a:ext>
+                </a:extLst>
+              </p:cNvPr>
+              <p:cNvSpPr/>
+              <p:nvPr/>
+            </p:nvSpPr>
+            <p:spPr>
+              <a:xfrm>
+                <a:off x="2479585" y="1138649"/>
+                <a:ext cx="1375606" cy="1278374"/>
+              </a:xfrm>
+              <a:prstGeom prst="roundRect">
+                <a:avLst/>
+              </a:prstGeom>
+              <a:solidFill>
+                <a:schemeClr val="bg1"/>
+              </a:solidFill>
+              <a:ln>
+                <a:solidFill>
+                  <a:srgbClr val="C00000"/>
+                </a:solidFill>
+              </a:ln>
+              <a:effectLst>
+                <a:outerShdw blurRad="50800" dist="38100" dir="5400000" algn="t" rotWithShape="0">
+                  <a:prstClr val="black">
+                    <a:alpha val="40000"/>
+                  </a:prstClr>
+                </a:outerShdw>
+              </a:effectLst>
+            </p:spPr>
+            <p:style>
+              <a:lnRef idx="2">
+                <a:schemeClr val="accent1">
+                  <a:shade val="50000"/>
+                </a:schemeClr>
+              </a:lnRef>
+              <a:fillRef idx="1">
+                <a:schemeClr val="accent1"/>
+              </a:fillRef>
+              <a:effectRef idx="0">
+                <a:schemeClr val="accent1"/>
+              </a:effectRef>
+              <a:fontRef idx="minor">
+                <a:schemeClr val="lt1"/>
+              </a:fontRef>
+            </p:style>
+            <p:txBody>
+              <a:bodyPr rtlCol="0" anchor="ctr"/>
+              <a:lstStyle/>
+              <a:p>
+                <a:pPr algn="ctr"/>
+                <a:endParaRPr lang="pt-BR"/>
+              </a:p>
+            </p:txBody>
+          </p:sp>
+          <p:sp>
+            <p:nvSpPr>
+              <p:cNvPr id="40" name="CaixaDeTexto 39">
+                <a:extLst>
+                  <a:ext uri="{FF2B5EF4-FFF2-40B4-BE49-F238E27FC236}">
+                    <a16:creationId xmlns:a16="http://schemas.microsoft.com/office/drawing/2014/main" id="{FAA94211-AED4-4C26-BA80-E5D6269430E3}"/>
+                  </a:ext>
+                </a:extLst>
+              </p:cNvPr>
+              <p:cNvSpPr txBox="1"/>
+              <p:nvPr/>
+            </p:nvSpPr>
+            <p:spPr>
+              <a:xfrm>
+                <a:off x="2616323" y="1138649"/>
+                <a:ext cx="1238868" cy="307777"/>
+              </a:xfrm>
+              <a:prstGeom prst="rect">
+                <a:avLst/>
+              </a:prstGeom>
+              <a:noFill/>
+            </p:spPr>
+            <p:txBody>
+              <a:bodyPr wrap="square" rtlCol="0">
+                <a:spAutoFit/>
+              </a:bodyPr>
+              <a:lstStyle/>
+              <a:p>
+                <a:r>
+                  <a:rPr lang="pt-BR" sz="1400" b="1" dirty="0"/>
+                  <a:t>DASHBOARD</a:t>
+                </a:r>
+              </a:p>
+            </p:txBody>
+          </p:sp>
+          <p:sp>
+            <p:nvSpPr>
+              <p:cNvPr id="41" name="Retângulo: Cantos Arredondados 40">
+                <a:extLst>
+                  <a:ext uri="{FF2B5EF4-FFF2-40B4-BE49-F238E27FC236}">
+                    <a16:creationId xmlns:a16="http://schemas.microsoft.com/office/drawing/2014/main" id="{BE9FC312-A980-456B-AA26-297F60190567}"/>
+                  </a:ext>
+                </a:extLst>
+              </p:cNvPr>
+              <p:cNvSpPr/>
+              <p:nvPr/>
+            </p:nvSpPr>
+            <p:spPr>
+              <a:xfrm>
+                <a:off x="2599566" y="1420159"/>
+                <a:ext cx="1150341" cy="258175"/>
+              </a:xfrm>
+              <a:prstGeom prst="roundRect">
+                <a:avLst/>
+              </a:prstGeom>
+              <a:solidFill>
+                <a:schemeClr val="bg1"/>
+              </a:solidFill>
+              <a:ln>
+                <a:solidFill>
+                  <a:srgbClr val="C00000"/>
+                </a:solidFill>
+              </a:ln>
+            </p:spPr>
+            <p:style>
+              <a:lnRef idx="2">
+                <a:schemeClr val="accent1">
+                  <a:shade val="50000"/>
+                </a:schemeClr>
+              </a:lnRef>
+              <a:fillRef idx="1">
+                <a:schemeClr val="accent1"/>
+              </a:fillRef>
+              <a:effectRef idx="0">
+                <a:schemeClr val="accent1"/>
+              </a:effectRef>
+              <a:fontRef idx="minor">
+                <a:schemeClr val="lt1"/>
+              </a:fontRef>
+            </p:style>
+            <p:txBody>
+              <a:bodyPr rtlCol="0" anchor="ctr"/>
+              <a:lstStyle/>
+              <a:p>
+                <a:pPr algn="ctr"/>
+                <a:r>
+                  <a:rPr lang="pt-BR" sz="1400" dirty="0">
+                    <a:solidFill>
+                      <a:schemeClr val="tx1"/>
+                    </a:solidFill>
+                  </a:rPr>
+                  <a:t>NODE JS</a:t>
+                </a:r>
+              </a:p>
+            </p:txBody>
+          </p:sp>
+          <p:sp>
+            <p:nvSpPr>
+              <p:cNvPr id="42" name="Retângulo: Cantos Arredondados 41">
+                <a:extLst>
+                  <a:ext uri="{FF2B5EF4-FFF2-40B4-BE49-F238E27FC236}">
+                    <a16:creationId xmlns:a16="http://schemas.microsoft.com/office/drawing/2014/main" id="{3DDB6B4C-2D2C-4941-B7C8-03BF2694ADE6}"/>
+                  </a:ext>
+                </a:extLst>
+              </p:cNvPr>
+              <p:cNvSpPr/>
+              <p:nvPr/>
+            </p:nvSpPr>
+            <p:spPr>
+              <a:xfrm>
+                <a:off x="2594982" y="1744995"/>
+                <a:ext cx="1150341" cy="258175"/>
+              </a:xfrm>
+              <a:prstGeom prst="roundRect">
+                <a:avLst/>
+              </a:prstGeom>
+              <a:solidFill>
+                <a:schemeClr val="bg1"/>
+              </a:solidFill>
+              <a:ln>
+                <a:solidFill>
+                  <a:srgbClr val="C00000"/>
+                </a:solidFill>
+              </a:ln>
+            </p:spPr>
+            <p:style>
+              <a:lnRef idx="2">
+                <a:schemeClr val="accent1">
+                  <a:shade val="50000"/>
+                </a:schemeClr>
+              </a:lnRef>
+              <a:fillRef idx="1">
+                <a:schemeClr val="accent1"/>
+              </a:fillRef>
+              <a:effectRef idx="0">
+                <a:schemeClr val="accent1"/>
+              </a:effectRef>
+              <a:fontRef idx="minor">
+                <a:schemeClr val="lt1"/>
+              </a:fontRef>
+            </p:style>
+            <p:txBody>
+              <a:bodyPr rtlCol="0" anchor="ctr"/>
+              <a:lstStyle/>
+              <a:p>
+                <a:pPr algn="ctr"/>
+                <a:r>
+                  <a:rPr lang="pt-BR" sz="1400" dirty="0">
+                    <a:solidFill>
+                      <a:schemeClr val="tx1"/>
+                    </a:solidFill>
+                  </a:rPr>
+                  <a:t>BOOTSTRAP</a:t>
+                </a:r>
+                <a:endParaRPr lang="pt-BR" dirty="0">
+                  <a:solidFill>
+                    <a:schemeClr val="tx1"/>
+                  </a:solidFill>
+                </a:endParaRPr>
+              </a:p>
+            </p:txBody>
+          </p:sp>
+          <p:sp>
+            <p:nvSpPr>
+              <p:cNvPr id="43" name="Retângulo: Cantos Arredondados 42">
+                <a:extLst>
+                  <a:ext uri="{FF2B5EF4-FFF2-40B4-BE49-F238E27FC236}">
+                    <a16:creationId xmlns:a16="http://schemas.microsoft.com/office/drawing/2014/main" id="{99A0CDDA-FE75-450A-903E-6B21CD100C08}"/>
+                  </a:ext>
+                </a:extLst>
+              </p:cNvPr>
+              <p:cNvSpPr/>
+              <p:nvPr/>
+            </p:nvSpPr>
+            <p:spPr>
+              <a:xfrm>
+                <a:off x="2592190" y="2065845"/>
+                <a:ext cx="1150341" cy="258175"/>
+              </a:xfrm>
+              <a:prstGeom prst="roundRect">
+                <a:avLst/>
+              </a:prstGeom>
+              <a:solidFill>
+                <a:schemeClr val="bg1"/>
+              </a:solidFill>
+              <a:ln>
+                <a:solidFill>
+                  <a:srgbClr val="C00000"/>
+                </a:solidFill>
+              </a:ln>
+            </p:spPr>
+            <p:style>
+              <a:lnRef idx="2">
+                <a:schemeClr val="accent1">
+                  <a:shade val="50000"/>
+                </a:schemeClr>
+              </a:lnRef>
+              <a:fillRef idx="1">
+                <a:schemeClr val="accent1"/>
+              </a:fillRef>
+              <a:effectRef idx="0">
+                <a:schemeClr val="accent1"/>
+              </a:effectRef>
+              <a:fontRef idx="minor">
+                <a:schemeClr val="lt1"/>
+              </a:fontRef>
+            </p:style>
+            <p:txBody>
+              <a:bodyPr rtlCol="0" anchor="ctr"/>
+              <a:lstStyle/>
+              <a:p>
+                <a:pPr algn="ctr"/>
+                <a:r>
+                  <a:rPr lang="pt-BR" sz="1400" dirty="0">
+                    <a:solidFill>
+                      <a:schemeClr val="tx1"/>
+                    </a:solidFill>
+                  </a:rPr>
+                  <a:t>CHART JS</a:t>
+                </a:r>
+              </a:p>
+            </p:txBody>
+          </p:sp>
+        </p:grpSp>
+      </p:grpSp>
+      <p:sp>
+        <p:nvSpPr>
+          <p:cNvPr id="34" name="CaixaDeTexto 33">
+            <a:extLst>
+              <a:ext uri="{FF2B5EF4-FFF2-40B4-BE49-F238E27FC236}">
+                <a16:creationId xmlns:a16="http://schemas.microsoft.com/office/drawing/2014/main" id="{4126C0AC-CE3C-4483-962B-F69B5D9E2D13}"/>
+              </a:ext>
+            </a:extLst>
+          </p:cNvPr>
+          <p:cNvSpPr txBox="1"/>
+          <p:nvPr/>
+        </p:nvSpPr>
+        <p:spPr>
+          <a:xfrm>
+            <a:off x="10189771" y="2108816"/>
+            <a:ext cx="1182848" cy="307777"/>
+          </a:xfrm>
+          <a:prstGeom prst="rect">
+            <a:avLst/>
+          </a:prstGeom>
+          <a:noFill/>
+        </p:spPr>
+        <p:txBody>
+          <a:bodyPr wrap="square" rtlCol="0">
+            <a:spAutoFit/>
+          </a:bodyPr>
+          <a:lstStyle/>
+          <a:p>
+            <a:r>
+              <a:rPr lang="pt-BR" sz="1400" dirty="0"/>
+              <a:t>HTML/CSS/JS</a:t>
+            </a:r>
+          </a:p>
+        </p:txBody>
+      </p:sp>
+      <p:sp>
+        <p:nvSpPr>
+          <p:cNvPr id="4" name="Retângulo 3">
+            <a:extLst>
+              <a:ext uri="{FF2B5EF4-FFF2-40B4-BE49-F238E27FC236}">
+                <a16:creationId xmlns:a16="http://schemas.microsoft.com/office/drawing/2014/main" id="{06EEFDB7-FAE6-49C2-A6C2-3E1C9D997985}"/>
+              </a:ext>
+            </a:extLst>
+          </p:cNvPr>
+          <p:cNvSpPr/>
+          <p:nvPr/>
+        </p:nvSpPr>
+        <p:spPr>
+          <a:xfrm>
+            <a:off x="116308" y="2407822"/>
+            <a:ext cx="3772271" cy="2925400"/>
+          </a:xfrm>
+          <a:prstGeom prst="rect">
+            <a:avLst/>
+          </a:prstGeom>
+          <a:solidFill>
+            <a:schemeClr val="bg1"/>
+          </a:solidFill>
+          <a:ln>
+            <a:solidFill>
+              <a:srgbClr val="C00000"/>
+            </a:solidFill>
+          </a:ln>
+          <a:effectLst>
+            <a:outerShdw blurRad="50800" dist="38100" dir="5400000" algn="t" rotWithShape="0">
+              <a:prstClr val="black">
+                <a:alpha val="40000"/>
+              </a:prstClr>
+            </a:outerShdw>
+          </a:effectLst>
+        </p:spPr>
+        <p:style>
+          <a:lnRef idx="2">
+            <a:schemeClr val="accent1">
+              <a:shade val="50000"/>
+            </a:schemeClr>
+          </a:lnRef>
+          <a:fillRef idx="1">
+            <a:schemeClr val="accent1"/>
+          </a:fillRef>
+          <a:effectRef idx="0">
+            <a:schemeClr val="accent1"/>
+          </a:effectRef>
+          <a:fontRef idx="minor">
+            <a:schemeClr val="lt1"/>
+          </a:fontRef>
+        </p:style>
+        <p:txBody>
+          <a:bodyPr rtlCol="0" anchor="ctr"/>
+          <a:lstStyle/>
+          <a:p>
+            <a:pPr algn="ctr"/>
+            <a:endParaRPr lang="pt-BR" dirty="0">
+              <a:solidFill>
+                <a:schemeClr val="tx1"/>
+              </a:solidFill>
+            </a:endParaRPr>
+          </a:p>
+        </p:txBody>
+      </p:sp>
+      <p:sp>
+        <p:nvSpPr>
+          <p:cNvPr id="5" name="Retângulo 4">
+            <a:extLst>
+              <a:ext uri="{FF2B5EF4-FFF2-40B4-BE49-F238E27FC236}">
+                <a16:creationId xmlns:a16="http://schemas.microsoft.com/office/drawing/2014/main" id="{992B8073-3EDD-49FB-B3A5-8D86665CB1B1}"/>
+              </a:ext>
+            </a:extLst>
+          </p:cNvPr>
+          <p:cNvSpPr/>
+          <p:nvPr/>
+        </p:nvSpPr>
+        <p:spPr>
+          <a:xfrm>
+            <a:off x="116308" y="4469678"/>
+            <a:ext cx="3772271" cy="522393"/>
+          </a:xfrm>
+          <a:prstGeom prst="rect">
+            <a:avLst/>
+          </a:prstGeom>
+          <a:solidFill>
+            <a:schemeClr val="bg1"/>
+          </a:solidFill>
+          <a:ln>
+            <a:solidFill>
+              <a:srgbClr val="C00000"/>
+            </a:solidFill>
+          </a:ln>
+        </p:spPr>
+        <p:style>
+          <a:lnRef idx="2">
+            <a:schemeClr val="accent1">
+              <a:shade val="50000"/>
+            </a:schemeClr>
+          </a:lnRef>
+          <a:fillRef idx="1">
+            <a:schemeClr val="accent1"/>
+          </a:fillRef>
+          <a:effectRef idx="0">
+            <a:schemeClr val="accent1"/>
+          </a:effectRef>
+          <a:fontRef idx="minor">
+            <a:schemeClr val="lt1"/>
+          </a:fontRef>
+        </p:style>
+        <p:txBody>
+          <a:bodyPr rtlCol="0" anchor="ctr"/>
+          <a:lstStyle/>
+          <a:p>
+            <a:pPr algn="ctr"/>
+            <a:endParaRPr lang="pt-BR"/>
+          </a:p>
+        </p:txBody>
+      </p:sp>
+      <p:sp>
+        <p:nvSpPr>
+          <p:cNvPr id="7" name="CaixaDeTexto 6">
+            <a:extLst>
+              <a:ext uri="{FF2B5EF4-FFF2-40B4-BE49-F238E27FC236}">
+                <a16:creationId xmlns:a16="http://schemas.microsoft.com/office/drawing/2014/main" id="{D0831F10-E807-4AB7-B10B-540158D49ADB}"/>
+              </a:ext>
+            </a:extLst>
+          </p:cNvPr>
+          <p:cNvSpPr txBox="1"/>
+          <p:nvPr/>
+        </p:nvSpPr>
+        <p:spPr>
+          <a:xfrm>
+            <a:off x="1515788" y="4456876"/>
+            <a:ext cx="1062895" cy="523220"/>
+          </a:xfrm>
+          <a:prstGeom prst="rect">
+            <a:avLst/>
+          </a:prstGeom>
+          <a:noFill/>
+        </p:spPr>
+        <p:txBody>
+          <a:bodyPr wrap="square" rtlCol="0">
+            <a:spAutoFit/>
+          </a:bodyPr>
+          <a:lstStyle/>
+          <a:p>
+            <a:pPr algn="ctr"/>
+            <a:r>
+              <a:rPr lang="pt-BR" sz="1400" dirty="0"/>
+              <a:t>Sistema </a:t>
+            </a:r>
+          </a:p>
+          <a:p>
+            <a:pPr algn="ctr"/>
+            <a:r>
+              <a:rPr lang="pt-BR" sz="1400" dirty="0"/>
+              <a:t>Operacional</a:t>
+            </a:r>
+          </a:p>
+        </p:txBody>
+      </p:sp>
+      <p:sp>
+        <p:nvSpPr>
+          <p:cNvPr id="11" name="CaixaDeTexto 10">
+            <a:extLst>
+              <a:ext uri="{FF2B5EF4-FFF2-40B4-BE49-F238E27FC236}">
+                <a16:creationId xmlns:a16="http://schemas.microsoft.com/office/drawing/2014/main" id="{4813BF99-AFC6-407B-A271-04C2202605CA}"/>
+              </a:ext>
+            </a:extLst>
+          </p:cNvPr>
+          <p:cNvSpPr txBox="1"/>
+          <p:nvPr/>
+        </p:nvSpPr>
+        <p:spPr>
+          <a:xfrm>
+            <a:off x="2997353" y="4564597"/>
+            <a:ext cx="711843" cy="307777"/>
+          </a:xfrm>
+          <a:prstGeom prst="rect">
+            <a:avLst/>
+          </a:prstGeom>
+          <a:noFill/>
+        </p:spPr>
+        <p:txBody>
+          <a:bodyPr wrap="square" rtlCol="0">
+            <a:spAutoFit/>
+          </a:bodyPr>
+          <a:lstStyle/>
+          <a:p>
+            <a:r>
+              <a:rPr lang="pt-BR" sz="1400" dirty="0"/>
+              <a:t>REDE</a:t>
+            </a:r>
+            <a:endParaRPr lang="pt-BR" dirty="0"/>
+          </a:p>
+        </p:txBody>
+      </p:sp>
+      <p:sp>
+        <p:nvSpPr>
+          <p:cNvPr id="13" name="CaixaDeTexto 12">
+            <a:extLst>
+              <a:ext uri="{FF2B5EF4-FFF2-40B4-BE49-F238E27FC236}">
+                <a16:creationId xmlns:a16="http://schemas.microsoft.com/office/drawing/2014/main" id="{6DEBBB9D-A4EC-4C56-9194-327EBFB29918}"/>
+              </a:ext>
+            </a:extLst>
+          </p:cNvPr>
+          <p:cNvSpPr txBox="1"/>
+          <p:nvPr/>
+        </p:nvSpPr>
+        <p:spPr>
+          <a:xfrm>
+            <a:off x="116308" y="4574346"/>
+            <a:ext cx="1356523" cy="307777"/>
+          </a:xfrm>
+          <a:prstGeom prst="rect">
+            <a:avLst/>
+          </a:prstGeom>
+          <a:noFill/>
+        </p:spPr>
+        <p:txBody>
+          <a:bodyPr wrap="square" rtlCol="0">
+            <a:spAutoFit/>
+          </a:bodyPr>
+          <a:lstStyle/>
+          <a:p>
+            <a:r>
+              <a:rPr lang="pt-BR" sz="1400" dirty="0"/>
+              <a:t>CPU/RAM/HD</a:t>
+            </a:r>
+          </a:p>
+        </p:txBody>
+      </p:sp>
+      <p:sp>
+        <p:nvSpPr>
+          <p:cNvPr id="14" name="CaixaDeTexto 13">
+            <a:extLst>
+              <a:ext uri="{FF2B5EF4-FFF2-40B4-BE49-F238E27FC236}">
+                <a16:creationId xmlns:a16="http://schemas.microsoft.com/office/drawing/2014/main" id="{DE0C5885-0CC7-49C9-9220-49B280504E17}"/>
+              </a:ext>
+            </a:extLst>
+          </p:cNvPr>
+          <p:cNvSpPr txBox="1"/>
+          <p:nvPr/>
+        </p:nvSpPr>
+        <p:spPr>
+          <a:xfrm>
+            <a:off x="1161500" y="4993369"/>
+            <a:ext cx="1417183" cy="338554"/>
+          </a:xfrm>
+          <a:prstGeom prst="rect">
+            <a:avLst/>
+          </a:prstGeom>
+          <a:noFill/>
+        </p:spPr>
+        <p:txBody>
+          <a:bodyPr wrap="none" rtlCol="0">
+            <a:spAutoFit/>
+          </a:bodyPr>
+          <a:lstStyle/>
+          <a:p>
+            <a:r>
+              <a:rPr lang="pt-BR" sz="1600" dirty="0"/>
+              <a:t>COMPUTADOR</a:t>
+            </a:r>
+          </a:p>
+        </p:txBody>
+      </p:sp>
+      <p:sp>
+        <p:nvSpPr>
+          <p:cNvPr id="35" name="Retângulo: Cantos Arredondados 34">
+            <a:extLst>
+              <a:ext uri="{FF2B5EF4-FFF2-40B4-BE49-F238E27FC236}">
+                <a16:creationId xmlns:a16="http://schemas.microsoft.com/office/drawing/2014/main" id="{F4495A6B-1274-42B6-B1F7-A7961AF78928}"/>
+              </a:ext>
+            </a:extLst>
+          </p:cNvPr>
+          <p:cNvSpPr/>
+          <p:nvPr/>
+        </p:nvSpPr>
+        <p:spPr>
+          <a:xfrm>
+            <a:off x="2231472" y="2613326"/>
+            <a:ext cx="1477724" cy="307043"/>
+          </a:xfrm>
+          <a:prstGeom prst="roundRect">
+            <a:avLst/>
+          </a:prstGeom>
+          <a:noFill/>
+          <a:ln>
+            <a:solidFill>
+              <a:srgbClr val="C00000"/>
+            </a:solidFill>
+          </a:ln>
+          <a:effectLst/>
+        </p:spPr>
+        <p:style>
+          <a:lnRef idx="2">
+            <a:schemeClr val="accent1">
+              <a:shade val="50000"/>
+            </a:schemeClr>
+          </a:lnRef>
+          <a:fillRef idx="1">
+            <a:schemeClr val="accent1"/>
+          </a:fillRef>
+          <a:effectRef idx="0">
+            <a:schemeClr val="accent1"/>
+          </a:effectRef>
+          <a:fontRef idx="minor">
+            <a:schemeClr val="lt1"/>
+          </a:fontRef>
+        </p:style>
+        <p:txBody>
+          <a:bodyPr rtlCol="0" anchor="ctr"/>
+          <a:lstStyle/>
+          <a:p>
+            <a:pPr algn="ctr"/>
+            <a:r>
+              <a:rPr lang="pt-BR" sz="1600" dirty="0">
+                <a:solidFill>
+                  <a:schemeClr val="tx1"/>
+                </a:solidFill>
+              </a:rPr>
+              <a:t>SWING</a:t>
+            </a:r>
+            <a:endParaRPr lang="pt-BR" dirty="0">
+              <a:solidFill>
+                <a:schemeClr val="tx1"/>
+              </a:solidFill>
+            </a:endParaRPr>
+          </a:p>
+        </p:txBody>
+      </p:sp>
+      <p:sp>
+        <p:nvSpPr>
+          <p:cNvPr id="57" name="CaixaDeTexto 56">
+            <a:extLst>
+              <a:ext uri="{FF2B5EF4-FFF2-40B4-BE49-F238E27FC236}">
+                <a16:creationId xmlns:a16="http://schemas.microsoft.com/office/drawing/2014/main" id="{F70E56E9-140D-4403-8CA8-F5F66B1E69A6}"/>
+              </a:ext>
+            </a:extLst>
+          </p:cNvPr>
+          <p:cNvSpPr txBox="1"/>
+          <p:nvPr/>
+        </p:nvSpPr>
+        <p:spPr>
+          <a:xfrm>
+            <a:off x="0" y="25167"/>
+            <a:ext cx="522900" cy="369332"/>
+          </a:xfrm>
+          <a:prstGeom prst="rect">
+            <a:avLst/>
+          </a:prstGeom>
+          <a:noFill/>
+        </p:spPr>
+        <p:txBody>
+          <a:bodyPr wrap="none" rtlCol="0">
+            <a:spAutoFit/>
+          </a:bodyPr>
+          <a:lstStyle/>
+          <a:p>
+            <a:r>
+              <a:rPr lang="pt-BR" b="1" dirty="0"/>
+              <a:t>LLD</a:t>
+            </a:r>
+          </a:p>
+        </p:txBody>
+      </p:sp>
+      <p:pic>
+        <p:nvPicPr>
+          <p:cNvPr id="63" name="Imagem 62" descr="Padrão do plano de fundo&#10;&#10;Descrição gerada automaticamente">
+            <a:extLst>
+              <a:ext uri="{FF2B5EF4-FFF2-40B4-BE49-F238E27FC236}">
+                <a16:creationId xmlns:a16="http://schemas.microsoft.com/office/drawing/2014/main" id="{7AC75D24-9635-4AF2-AEE1-4B00368B40B5}"/>
+              </a:ext>
+            </a:extLst>
+          </p:cNvPr>
+          <p:cNvPicPr>
+            <a:picLocks noChangeAspect="1"/>
+          </p:cNvPicPr>
+          <p:nvPr/>
+        </p:nvPicPr>
+        <p:blipFill>
+          <a:blip r:embed="rId10">
+            <a:extLst>
+              <a:ext uri="{28A0092B-C50C-407E-A947-70E740481C1C}">
+                <a14:useLocalDpi xmlns:a14="http://schemas.microsoft.com/office/drawing/2010/main" val="0"/>
+              </a:ext>
+            </a:extLst>
+          </a:blip>
+          <a:stretch>
+            <a:fillRect/>
+          </a:stretch>
+        </p:blipFill>
+        <p:spPr>
+          <a:xfrm>
+            <a:off x="0" y="329949"/>
+            <a:ext cx="1686578" cy="470252"/>
+          </a:xfrm>
+          <a:prstGeom prst="rect">
+            <a:avLst/>
+          </a:prstGeom>
+        </p:spPr>
+      </p:pic>
+      <p:sp>
+        <p:nvSpPr>
+          <p:cNvPr id="65" name="Retângulo: Cantos Arredondados 64">
+            <a:extLst>
+              <a:ext uri="{FF2B5EF4-FFF2-40B4-BE49-F238E27FC236}">
+                <a16:creationId xmlns:a16="http://schemas.microsoft.com/office/drawing/2014/main" id="{737113BA-DE2A-4474-8D72-199573C88593}"/>
+              </a:ext>
+            </a:extLst>
+          </p:cNvPr>
+          <p:cNvSpPr/>
+          <p:nvPr/>
+        </p:nvSpPr>
+        <p:spPr>
+          <a:xfrm>
+            <a:off x="2231472" y="3040067"/>
+            <a:ext cx="1477724" cy="293339"/>
+          </a:xfrm>
+          <a:prstGeom prst="roundRect">
+            <a:avLst/>
+          </a:prstGeom>
+          <a:noFill/>
+          <a:ln>
+            <a:solidFill>
+              <a:srgbClr val="C00000"/>
+            </a:solidFill>
+          </a:ln>
+          <a:effectLst/>
+        </p:spPr>
+        <p:style>
+          <a:lnRef idx="2">
+            <a:schemeClr val="accent1">
+              <a:shade val="50000"/>
+            </a:schemeClr>
+          </a:lnRef>
+          <a:fillRef idx="1">
+            <a:schemeClr val="accent1"/>
+          </a:fillRef>
+          <a:effectRef idx="0">
+            <a:schemeClr val="accent1"/>
+          </a:effectRef>
+          <a:fontRef idx="minor">
+            <a:schemeClr val="lt1"/>
+          </a:fontRef>
+        </p:style>
+        <p:txBody>
+          <a:bodyPr rtlCol="0" anchor="ctr"/>
+          <a:lstStyle/>
+          <a:p>
+            <a:pPr algn="ctr"/>
+            <a:r>
+              <a:rPr lang="pt-BR" sz="1600" dirty="0">
+                <a:solidFill>
+                  <a:schemeClr val="tx1"/>
+                </a:solidFill>
+              </a:rPr>
+              <a:t>API OSHI</a:t>
+            </a:r>
+          </a:p>
+        </p:txBody>
+      </p:sp>
+      <p:pic>
+        <p:nvPicPr>
+          <p:cNvPr id="69" name="Imagem 68">
+            <a:extLst>
+              <a:ext uri="{FF2B5EF4-FFF2-40B4-BE49-F238E27FC236}">
+                <a16:creationId xmlns:a16="http://schemas.microsoft.com/office/drawing/2014/main" id="{DBBC57A6-2282-4063-B2EF-23611E5AD3CB}"/>
+              </a:ext>
+            </a:extLst>
+          </p:cNvPr>
+          <p:cNvPicPr>
+            <a:picLocks noChangeAspect="1"/>
+          </p:cNvPicPr>
+          <p:nvPr/>
+        </p:nvPicPr>
+        <p:blipFill>
+          <a:blip r:embed="rId6">
+            <a:extLst>
+              <a:ext uri="{BEBA8EAE-BF5A-486C-A8C5-ECC9F3942E4B}">
+                <a14:imgProps xmlns:a14="http://schemas.microsoft.com/office/drawing/2010/main">
+                  <a14:imgLayer r:embed="rId7">
+                    <a14:imgEffect>
+                      <a14:backgroundRemoval t="10000" b="90000" l="10000" r="90000">
+                        <a14:foregroundMark x1="46392" y1="79348" x2="46392" y2="79348"/>
+                      </a14:backgroundRemoval>
+                    </a14:imgEffect>
+                  </a14:imgLayer>
+                </a14:imgProps>
+              </a:ext>
+            </a:extLst>
+          </a:blip>
+          <a:stretch>
+            <a:fillRect/>
+          </a:stretch>
+        </p:blipFill>
+        <p:spPr>
+          <a:xfrm rot="20981055" flipH="1">
+            <a:off x="2951144" y="5334108"/>
+            <a:ext cx="1139372" cy="1080641"/>
+          </a:xfrm>
+          <a:prstGeom prst="rect">
+            <a:avLst/>
+          </a:prstGeom>
+        </p:spPr>
+      </p:pic>
+      <p:sp>
+        <p:nvSpPr>
+          <p:cNvPr id="71" name="CaixaDeTexto 70">
+            <a:extLst>
+              <a:ext uri="{FF2B5EF4-FFF2-40B4-BE49-F238E27FC236}">
+                <a16:creationId xmlns:a16="http://schemas.microsoft.com/office/drawing/2014/main" id="{A1321A4F-EBD8-434D-AB7E-1EDC3EEA27F4}"/>
+              </a:ext>
+            </a:extLst>
+          </p:cNvPr>
+          <p:cNvSpPr txBox="1"/>
+          <p:nvPr/>
+        </p:nvSpPr>
+        <p:spPr>
+          <a:xfrm>
+            <a:off x="2172611" y="3426378"/>
+            <a:ext cx="1649484" cy="584775"/>
+          </a:xfrm>
+          <a:prstGeom prst="rect">
+            <a:avLst/>
+          </a:prstGeom>
+          <a:noFill/>
+        </p:spPr>
+        <p:txBody>
+          <a:bodyPr wrap="square" rtlCol="0">
+            <a:spAutoFit/>
+          </a:bodyPr>
+          <a:lstStyle/>
+          <a:p>
+            <a:r>
+              <a:rPr lang="pt-BR" sz="1400" dirty="0">
+                <a:solidFill>
+                  <a:schemeClr val="tx1"/>
+                </a:solidFill>
+              </a:rPr>
+              <a:t>API TELEGRAM BOT</a:t>
+            </a:r>
+          </a:p>
+          <a:p>
+            <a:endParaRPr lang="pt-BR" dirty="0"/>
+          </a:p>
+        </p:txBody>
+      </p:sp>
+      <p:sp>
+        <p:nvSpPr>
+          <p:cNvPr id="75" name="Retângulo: Cantos Arredondados 74">
+            <a:extLst>
+              <a:ext uri="{FF2B5EF4-FFF2-40B4-BE49-F238E27FC236}">
+                <a16:creationId xmlns:a16="http://schemas.microsoft.com/office/drawing/2014/main" id="{6C011B01-12E9-48DD-8054-BA279A02C4A1}"/>
+              </a:ext>
+            </a:extLst>
+          </p:cNvPr>
+          <p:cNvSpPr/>
+          <p:nvPr/>
+        </p:nvSpPr>
+        <p:spPr>
+          <a:xfrm>
+            <a:off x="2227670" y="3428325"/>
+            <a:ext cx="1477724" cy="307043"/>
+          </a:xfrm>
+          <a:prstGeom prst="roundRect">
+            <a:avLst/>
+          </a:prstGeom>
+          <a:noFill/>
+          <a:ln>
+            <a:solidFill>
+              <a:srgbClr val="C00000"/>
+            </a:solidFill>
+          </a:ln>
+          <a:effectLst/>
+        </p:spPr>
+        <p:style>
+          <a:lnRef idx="2">
+            <a:schemeClr val="accent1">
+              <a:shade val="50000"/>
+            </a:schemeClr>
+          </a:lnRef>
+          <a:fillRef idx="1">
+            <a:schemeClr val="accent1"/>
+          </a:fillRef>
+          <a:effectRef idx="0">
+            <a:schemeClr val="accent1"/>
+          </a:effectRef>
+          <a:fontRef idx="minor">
+            <a:schemeClr val="lt1"/>
+          </a:fontRef>
+        </p:style>
+        <p:txBody>
+          <a:bodyPr rtlCol="0" anchor="ctr"/>
+          <a:lstStyle/>
+          <a:p>
+            <a:pPr algn="ctr"/>
+            <a:endParaRPr lang="pt-BR" dirty="0">
+              <a:solidFill>
+                <a:schemeClr val="tx1"/>
+              </a:solidFill>
+            </a:endParaRPr>
+          </a:p>
+        </p:txBody>
+      </p:sp>
     </p:spTree>
     <p:extLst>
       <p:ext uri="{BB962C8B-B14F-4D97-AF65-F5344CB8AC3E}">
-        <p14:creationId xmlns:p14="http://schemas.microsoft.com/office/powerpoint/2010/main" val="310172190"/>
+        <p14:creationId xmlns:p14="http://schemas.microsoft.com/office/powerpoint/2010/main" val="3745437195"/>
       </p:ext>
     </p:extLst>
   </p:cSld>
@@ -4467,10 +5867,10 @@
       </p:grpSpPr>
       <p:pic>
         <p:nvPicPr>
-          <p:cNvPr id="16" name="Imagem 15">
-            <a:extLst>
-              <a:ext uri="{FF2B5EF4-FFF2-40B4-BE49-F238E27FC236}">
-                <a16:creationId xmlns:a16="http://schemas.microsoft.com/office/drawing/2014/main" id="{F080E30E-48F9-44E0-BB36-75BC3D0889E5}"/>
+          <p:cNvPr id="5" name="Imagem 4" descr="Uma imagem contendo Forma&#10;&#10;Descrição gerada automaticamente">
+            <a:extLst>
+              <a:ext uri="{FF2B5EF4-FFF2-40B4-BE49-F238E27FC236}">
+                <a16:creationId xmlns:a16="http://schemas.microsoft.com/office/drawing/2014/main" id="{DD536F64-F391-4DBC-A681-8EEB0BF1FC0A}"/>
               </a:ext>
             </a:extLst>
           </p:cNvPr>
@@ -4493,8 +5893,8 @@
         </p:blipFill>
         <p:spPr>
           <a:xfrm>
-            <a:off x="2707588" y="5397634"/>
-            <a:ext cx="1240498" cy="979740"/>
+            <a:off x="5923567" y="819435"/>
+            <a:ext cx="1722719" cy="1722719"/>
           </a:xfrm>
           <a:prstGeom prst="rect">
             <a:avLst/>
@@ -4503,10 +5903,10 @@
       </p:pic>
       <p:pic>
         <p:nvPicPr>
-          <p:cNvPr id="26" name="Imagem 25">
-            <a:extLst>
-              <a:ext uri="{FF2B5EF4-FFF2-40B4-BE49-F238E27FC236}">
-                <a16:creationId xmlns:a16="http://schemas.microsoft.com/office/drawing/2014/main" id="{C9BA60CF-EE2A-4753-B028-FFAAD68A14CF}"/>
+          <p:cNvPr id="9" name="Imagem 8" descr="Texto, Ícone&#10;&#10;Descrição gerada automaticamente">
+            <a:extLst>
+              <a:ext uri="{FF2B5EF4-FFF2-40B4-BE49-F238E27FC236}">
+                <a16:creationId xmlns:a16="http://schemas.microsoft.com/office/drawing/2014/main" id="{AAD08227-6A5D-4383-A1C4-64F7784F1956}"/>
               </a:ext>
             </a:extLst>
           </p:cNvPr>
@@ -4529,63 +5929,20 @@
         </p:blipFill>
         <p:spPr>
           <a:xfrm>
-            <a:off x="2729119" y="3697182"/>
-            <a:ext cx="817927" cy="817927"/>
+            <a:off x="850123" y="4369906"/>
+            <a:ext cx="1169241" cy="1169241"/>
           </a:xfrm>
           <a:prstGeom prst="rect">
             <a:avLst/>
           </a:prstGeom>
         </p:spPr>
       </p:pic>
-      <p:cxnSp>
-        <p:nvCxnSpPr>
-          <p:cNvPr id="28" name="Conector: Curvo 27">
-            <a:extLst>
-              <a:ext uri="{FF2B5EF4-FFF2-40B4-BE49-F238E27FC236}">
-                <a16:creationId xmlns:a16="http://schemas.microsoft.com/office/drawing/2014/main" id="{FCCB8A71-8097-4DA8-9661-AD0C34FFD1EC}"/>
-              </a:ext>
-            </a:extLst>
-          </p:cNvPr>
-          <p:cNvCxnSpPr>
-            <a:cxnSpLocks/>
-          </p:cNvCxnSpPr>
-          <p:nvPr/>
-        </p:nvCxnSpPr>
-        <p:spPr>
-          <a:xfrm rot="16200000" flipV="1">
-            <a:off x="3001467" y="4626313"/>
-            <a:ext cx="654602" cy="511735"/>
-          </a:xfrm>
-          <a:prstGeom prst="curvedConnector3">
-            <a:avLst>
-              <a:gd name="adj1" fmla="val 50000"/>
-            </a:avLst>
-          </a:prstGeom>
-          <a:ln>
-            <a:tailEnd type="triangle"/>
-          </a:ln>
-        </p:spPr>
-        <p:style>
-          <a:lnRef idx="1">
-            <a:schemeClr val="dk1"/>
-          </a:lnRef>
-          <a:fillRef idx="0">
-            <a:schemeClr val="dk1"/>
-          </a:fillRef>
-          <a:effectRef idx="0">
-            <a:schemeClr val="dk1"/>
-          </a:effectRef>
-          <a:fontRef idx="minor">
-            <a:schemeClr val="tx1"/>
-          </a:fontRef>
-        </p:style>
-      </p:cxnSp>
       <p:pic>
         <p:nvPicPr>
-          <p:cNvPr id="39" name="Imagem 38">
-            <a:extLst>
-              <a:ext uri="{FF2B5EF4-FFF2-40B4-BE49-F238E27FC236}">
-                <a16:creationId xmlns:a16="http://schemas.microsoft.com/office/drawing/2014/main" id="{A81C007A-8E4E-4DD2-80DD-81450FFA1191}"/>
+          <p:cNvPr id="11" name="Imagem 10" descr="Uma imagem contendo Forma&#10;&#10;Descrição gerada automaticamente">
+            <a:extLst>
+              <a:ext uri="{FF2B5EF4-FFF2-40B4-BE49-F238E27FC236}">
+                <a16:creationId xmlns:a16="http://schemas.microsoft.com/office/drawing/2014/main" id="{11AAACCF-F407-405A-84B4-11EEB965D8A1}"/>
               </a:ext>
             </a:extLst>
           </p:cNvPr>
@@ -4608,8 +5965,8 @@
         </p:blipFill>
         <p:spPr>
           <a:xfrm>
-            <a:off x="1893982" y="2774975"/>
-            <a:ext cx="567263" cy="567263"/>
+            <a:off x="491115" y="977493"/>
+            <a:ext cx="1406607" cy="1406607"/>
           </a:xfrm>
           <a:prstGeom prst="rect">
             <a:avLst/>
@@ -4618,10 +5975,10 @@
       </p:pic>
       <p:pic>
         <p:nvPicPr>
-          <p:cNvPr id="64" name="Imagem 63">
-            <a:extLst>
-              <a:ext uri="{FF2B5EF4-FFF2-40B4-BE49-F238E27FC236}">
-                <a16:creationId xmlns:a16="http://schemas.microsoft.com/office/drawing/2014/main" id="{D9BAB039-6E5B-4B28-AA6F-C86923CDD340}"/>
+          <p:cNvPr id="13" name="Imagem 12">
+            <a:extLst>
+              <a:ext uri="{FF2B5EF4-FFF2-40B4-BE49-F238E27FC236}">
+                <a16:creationId xmlns:a16="http://schemas.microsoft.com/office/drawing/2014/main" id="{FD9236CB-3524-44A5-9BB2-5F6215F5E2EF}"/>
               </a:ext>
             </a:extLst>
           </p:cNvPr>
@@ -4633,8 +5990,16 @@
         <p:blipFill>
           <a:blip r:embed="rId5">
             <a:extLst>
-              <a:ext uri="{28A0092B-C50C-407E-A947-70E740481C1C}">
-                <a14:useLocalDpi xmlns:a14="http://schemas.microsoft.com/office/drawing/2010/main" val="0"/>
+              <a:ext uri="{BEBA8EAE-BF5A-486C-A8C5-ECC9F3942E4B}">
+                <a14:imgProps xmlns:a14="http://schemas.microsoft.com/office/drawing/2010/main">
+                  <a14:imgLayer r:embed="rId6">
+                    <a14:imgEffect>
+                      <a14:backgroundRemoval t="10000" b="90000" l="10000" r="90000">
+                        <a14:foregroundMark x1="46392" y1="79348" x2="46392" y2="79348"/>
+                      </a14:backgroundRemoval>
+                    </a14:imgEffect>
+                  </a14:imgLayer>
+                </a14:imgProps>
               </a:ext>
             </a:extLst>
           </a:blip>
@@ -4643,115 +6008,21 @@
           </a:stretch>
         </p:blipFill>
         <p:spPr>
-          <a:xfrm>
-            <a:off x="5223924" y="1915005"/>
-            <a:ext cx="979740" cy="979740"/>
+          <a:xfrm rot="18856160" flipH="1">
+            <a:off x="10567295" y="2445473"/>
+            <a:ext cx="1139372" cy="1080641"/>
           </a:xfrm>
           <a:prstGeom prst="rect">
             <a:avLst/>
           </a:prstGeom>
         </p:spPr>
       </p:pic>
-      <p:cxnSp>
-        <p:nvCxnSpPr>
-          <p:cNvPr id="66" name="Conector de Seta Reta 65">
-            <a:extLst>
-              <a:ext uri="{FF2B5EF4-FFF2-40B4-BE49-F238E27FC236}">
-                <a16:creationId xmlns:a16="http://schemas.microsoft.com/office/drawing/2014/main" id="{83E469DC-846C-418D-853A-714F63F2B8DA}"/>
-              </a:ext>
-            </a:extLst>
-          </p:cNvPr>
-          <p:cNvCxnSpPr>
-            <a:cxnSpLocks/>
-          </p:cNvCxnSpPr>
-          <p:nvPr/>
-        </p:nvCxnSpPr>
-        <p:spPr>
-          <a:xfrm flipH="1" flipV="1">
-            <a:off x="2267310" y="3402693"/>
-            <a:ext cx="444194" cy="422101"/>
-          </a:xfrm>
-          <a:prstGeom prst="straightConnector1">
-            <a:avLst/>
-          </a:prstGeom>
-          <a:ln w="9525" cap="flat" cmpd="sng" algn="ctr">
-            <a:solidFill>
-              <a:schemeClr val="dk1"/>
-            </a:solidFill>
-            <a:prstDash val="solid"/>
-            <a:round/>
-            <a:headEnd type="arrow" w="med" len="med"/>
-            <a:tailEnd type="arrow" w="med" len="med"/>
-          </a:ln>
-        </p:spPr>
-        <p:style>
-          <a:lnRef idx="0">
-            <a:scrgbClr r="0" g="0" b="0"/>
-          </a:lnRef>
-          <a:fillRef idx="0">
-            <a:scrgbClr r="0" g="0" b="0"/>
-          </a:fillRef>
-          <a:effectRef idx="0">
-            <a:scrgbClr r="0" g="0" b="0"/>
-          </a:effectRef>
-          <a:fontRef idx="minor">
-            <a:schemeClr val="tx1"/>
-          </a:fontRef>
-        </p:style>
-      </p:cxnSp>
-      <p:cxnSp>
-        <p:nvCxnSpPr>
-          <p:cNvPr id="68" name="Conector de Seta Reta 67">
-            <a:extLst>
-              <a:ext uri="{FF2B5EF4-FFF2-40B4-BE49-F238E27FC236}">
-                <a16:creationId xmlns:a16="http://schemas.microsoft.com/office/drawing/2014/main" id="{8C10B952-8765-4D4B-A28B-A6F214A05649}"/>
-              </a:ext>
-            </a:extLst>
-          </p:cNvPr>
-          <p:cNvCxnSpPr>
-            <a:cxnSpLocks/>
-          </p:cNvCxnSpPr>
-          <p:nvPr/>
-        </p:nvCxnSpPr>
-        <p:spPr>
-          <a:xfrm flipV="1">
-            <a:off x="2558678" y="2454452"/>
-            <a:ext cx="2325495" cy="541143"/>
-          </a:xfrm>
-          <a:prstGeom prst="straightConnector1">
-            <a:avLst/>
-          </a:prstGeom>
-          <a:ln w="9525" cap="flat" cmpd="sng" algn="ctr">
-            <a:solidFill>
-              <a:schemeClr val="dk1"/>
-            </a:solidFill>
-            <a:prstDash val="solid"/>
-            <a:round/>
-            <a:headEnd type="arrow" w="med" len="med"/>
-            <a:tailEnd type="arrow" w="med" len="med"/>
-          </a:ln>
-        </p:spPr>
-        <p:style>
-          <a:lnRef idx="0">
-            <a:scrgbClr r="0" g="0" b="0"/>
-          </a:lnRef>
-          <a:fillRef idx="0">
-            <a:scrgbClr r="0" g="0" b="0"/>
-          </a:fillRef>
-          <a:effectRef idx="0">
-            <a:scrgbClr r="0" g="0" b="0"/>
-          </a:effectRef>
-          <a:fontRef idx="minor">
-            <a:schemeClr val="tx1"/>
-          </a:fontRef>
-        </p:style>
-      </p:cxnSp>
       <p:pic>
         <p:nvPicPr>
-          <p:cNvPr id="70" name="Imagem 69">
-            <a:extLst>
-              <a:ext uri="{FF2B5EF4-FFF2-40B4-BE49-F238E27FC236}">
-                <a16:creationId xmlns:a16="http://schemas.microsoft.com/office/drawing/2014/main" id="{0FF3220E-6800-4984-A6F3-8C52C069A45C}"/>
+          <p:cNvPr id="15" name="Imagem 14">
+            <a:extLst>
+              <a:ext uri="{FF2B5EF4-FFF2-40B4-BE49-F238E27FC236}">
+                <a16:creationId xmlns:a16="http://schemas.microsoft.com/office/drawing/2014/main" id="{F87A1517-848C-4E6C-94AB-26EB04F71A56}"/>
               </a:ext>
             </a:extLst>
           </p:cNvPr>
@@ -4761,10 +6032,18 @@
           <p:nvPr/>
         </p:nvPicPr>
         <p:blipFill>
-          <a:blip r:embed="rId4">
-            <a:extLst>
-              <a:ext uri="{28A0092B-C50C-407E-A947-70E740481C1C}">
-                <a14:useLocalDpi xmlns:a14="http://schemas.microsoft.com/office/drawing/2010/main" val="0"/>
+          <a:blip r:embed="rId5">
+            <a:extLst>
+              <a:ext uri="{BEBA8EAE-BF5A-486C-A8C5-ECC9F3942E4B}">
+                <a14:imgProps xmlns:a14="http://schemas.microsoft.com/office/drawing/2010/main">
+                  <a14:imgLayer r:embed="rId6">
+                    <a14:imgEffect>
+                      <a14:backgroundRemoval t="10000" b="90000" l="10000" r="90000">
+                        <a14:foregroundMark x1="46392" y1="79348" x2="46392" y2="79348"/>
+                      </a14:backgroundRemoval>
+                    </a14:imgEffect>
+                  </a14:imgLayer>
+                </a14:imgProps>
               </a:ext>
             </a:extLst>
           </a:blip>
@@ -4773,74 +6052,21 @@
           </a:stretch>
         </p:blipFill>
         <p:spPr>
-          <a:xfrm flipH="1">
-            <a:off x="9250653" y="3028426"/>
-            <a:ext cx="567263" cy="567263"/>
-          </a:xfrm>
-          <a:prstGeom prst="rect">
-            <a:avLst/>
-          </a:prstGeom>
-          <a:scene3d>
-            <a:camera prst="orthographicFront">
-              <a:rot lat="0" lon="300000" rev="0"/>
-            </a:camera>
-            <a:lightRig rig="threePt" dir="t"/>
-          </a:scene3d>
+          <a:xfrm rot="17890745" flipH="1">
+            <a:off x="10289514" y="557778"/>
+            <a:ext cx="1214654" cy="1152042"/>
+          </a:xfrm>
+          <a:prstGeom prst="rect">
+            <a:avLst/>
+          </a:prstGeom>
         </p:spPr>
       </p:pic>
-      <p:cxnSp>
-        <p:nvCxnSpPr>
-          <p:cNvPr id="72" name="Conector de Seta Reta 71">
-            <a:extLst>
-              <a:ext uri="{FF2B5EF4-FFF2-40B4-BE49-F238E27FC236}">
-                <a16:creationId xmlns:a16="http://schemas.microsoft.com/office/drawing/2014/main" id="{E39A84D5-791D-428F-8A43-562265A600C5}"/>
-              </a:ext>
-            </a:extLst>
-          </p:cNvPr>
-          <p:cNvCxnSpPr>
-            <a:cxnSpLocks/>
-          </p:cNvCxnSpPr>
-          <p:nvPr/>
-        </p:nvCxnSpPr>
-        <p:spPr>
-          <a:xfrm flipH="1" flipV="1">
-            <a:off x="6543415" y="2415161"/>
-            <a:ext cx="2457972" cy="613265"/>
-          </a:xfrm>
-          <a:prstGeom prst="straightConnector1">
-            <a:avLst/>
-          </a:prstGeom>
-          <a:ln w="9525" cap="flat" cmpd="sng" algn="ctr">
-            <a:solidFill>
-              <a:schemeClr val="dk1"/>
-            </a:solidFill>
-            <a:prstDash val="solid"/>
-            <a:round/>
-            <a:headEnd type="arrow" w="med" len="med"/>
-            <a:tailEnd type="arrow" w="med" len="med"/>
-          </a:ln>
-        </p:spPr>
-        <p:style>
-          <a:lnRef idx="0">
-            <a:scrgbClr r="0" g="0" b="0"/>
-          </a:lnRef>
-          <a:fillRef idx="0">
-            <a:scrgbClr r="0" g="0" b="0"/>
-          </a:fillRef>
-          <a:effectRef idx="0">
-            <a:scrgbClr r="0" g="0" b="0"/>
-          </a:effectRef>
-          <a:fontRef idx="minor">
-            <a:schemeClr val="tx1"/>
-          </a:fontRef>
-        </p:style>
-      </p:cxnSp>
       <p:pic>
         <p:nvPicPr>
-          <p:cNvPr id="80" name="Imagem 79">
-            <a:extLst>
-              <a:ext uri="{FF2B5EF4-FFF2-40B4-BE49-F238E27FC236}">
-                <a16:creationId xmlns:a16="http://schemas.microsoft.com/office/drawing/2014/main" id="{8B2204F4-AF5C-4DFA-83D7-3C46B1F2C9EA}"/>
+          <p:cNvPr id="17" name="Imagem 16">
+            <a:extLst>
+              <a:ext uri="{FF2B5EF4-FFF2-40B4-BE49-F238E27FC236}">
+                <a16:creationId xmlns:a16="http://schemas.microsoft.com/office/drawing/2014/main" id="{7528D509-E5BE-474E-B352-28E44352BD38}"/>
               </a:ext>
             </a:extLst>
           </p:cNvPr>
@@ -4850,10 +6076,18 @@
           <p:nvPr/>
         </p:nvPicPr>
         <p:blipFill>
-          <a:blip r:embed="rId3">
-            <a:extLst>
-              <a:ext uri="{28A0092B-C50C-407E-A947-70E740481C1C}">
-                <a14:useLocalDpi xmlns:a14="http://schemas.microsoft.com/office/drawing/2010/main" val="0"/>
+          <a:blip r:embed="rId5">
+            <a:extLst>
+              <a:ext uri="{BEBA8EAE-BF5A-486C-A8C5-ECC9F3942E4B}">
+                <a14:imgProps xmlns:a14="http://schemas.microsoft.com/office/drawing/2010/main">
+                  <a14:imgLayer r:embed="rId6">
+                    <a14:imgEffect>
+                      <a14:backgroundRemoval t="10000" b="90000" l="10000" r="90000">
+                        <a14:foregroundMark x1="46392" y1="79348" x2="46392" y2="79348"/>
+                      </a14:backgroundRemoval>
+                    </a14:imgEffect>
+                  </a14:imgLayer>
+                </a14:imgProps>
               </a:ext>
             </a:extLst>
           </a:blip>
@@ -4862,148 +6096,21 @@
           </a:stretch>
         </p:blipFill>
         <p:spPr>
-          <a:xfrm>
-            <a:off x="8235992" y="3760875"/>
-            <a:ext cx="817927" cy="817927"/>
+          <a:xfrm rot="18856160" flipH="1">
+            <a:off x="10107922" y="1793953"/>
+            <a:ext cx="1139372" cy="1080641"/>
           </a:xfrm>
           <a:prstGeom prst="rect">
             <a:avLst/>
           </a:prstGeom>
         </p:spPr>
       </p:pic>
-      <p:cxnSp>
-        <p:nvCxnSpPr>
-          <p:cNvPr id="84" name="Conector de Seta Reta 83">
-            <a:extLst>
-              <a:ext uri="{FF2B5EF4-FFF2-40B4-BE49-F238E27FC236}">
-                <a16:creationId xmlns:a16="http://schemas.microsoft.com/office/drawing/2014/main" id="{2FDB96BF-EA25-4352-85B6-623838CA487A}"/>
-              </a:ext>
-            </a:extLst>
-          </p:cNvPr>
-          <p:cNvCxnSpPr/>
-          <p:nvPr/>
-        </p:nvCxnSpPr>
-        <p:spPr>
-          <a:xfrm flipV="1">
-            <a:off x="8929286" y="3595689"/>
-            <a:ext cx="249266" cy="240044"/>
-          </a:xfrm>
-          <a:prstGeom prst="straightConnector1">
-            <a:avLst/>
-          </a:prstGeom>
-          <a:ln w="9525" cap="flat" cmpd="sng" algn="ctr">
-            <a:solidFill>
-              <a:schemeClr val="dk1"/>
-            </a:solidFill>
-            <a:prstDash val="solid"/>
-            <a:round/>
-            <a:headEnd type="arrow" w="med" len="med"/>
-            <a:tailEnd type="arrow" w="med" len="med"/>
-          </a:ln>
-        </p:spPr>
-        <p:style>
-          <a:lnRef idx="0">
-            <a:scrgbClr r="0" g="0" b="0"/>
-          </a:lnRef>
-          <a:fillRef idx="0">
-            <a:scrgbClr r="0" g="0" b="0"/>
-          </a:fillRef>
-          <a:effectRef idx="0">
-            <a:scrgbClr r="0" g="0" b="0"/>
-          </a:effectRef>
-          <a:fontRef idx="minor">
-            <a:schemeClr val="tx1"/>
-          </a:fontRef>
-        </p:style>
-      </p:cxnSp>
-      <p:cxnSp>
-        <p:nvCxnSpPr>
-          <p:cNvPr id="86" name="Conector de Seta Reta 85">
-            <a:extLst>
-              <a:ext uri="{FF2B5EF4-FFF2-40B4-BE49-F238E27FC236}">
-                <a16:creationId xmlns:a16="http://schemas.microsoft.com/office/drawing/2014/main" id="{2CA3420B-248A-4424-8004-E110F69B9358}"/>
-              </a:ext>
-            </a:extLst>
-          </p:cNvPr>
-          <p:cNvCxnSpPr>
-            <a:cxnSpLocks/>
-          </p:cNvCxnSpPr>
-          <p:nvPr/>
-        </p:nvCxnSpPr>
-        <p:spPr>
-          <a:xfrm>
-            <a:off x="9995539" y="3640853"/>
-            <a:ext cx="152022" cy="298122"/>
-          </a:xfrm>
-          <a:prstGeom prst="straightConnector1">
-            <a:avLst/>
-          </a:prstGeom>
-          <a:ln w="9525" cap="flat" cmpd="sng" algn="ctr">
-            <a:solidFill>
-              <a:schemeClr val="dk1"/>
-            </a:solidFill>
-            <a:prstDash val="solid"/>
-            <a:round/>
-            <a:headEnd type="arrow" w="med" len="med"/>
-            <a:tailEnd type="arrow" w="med" len="med"/>
-          </a:ln>
-        </p:spPr>
-        <p:style>
-          <a:lnRef idx="0">
-            <a:scrgbClr r="0" g="0" b="0"/>
-          </a:lnRef>
-          <a:fillRef idx="0">
-            <a:scrgbClr r="0" g="0" b="0"/>
-          </a:fillRef>
-          <a:effectRef idx="0">
-            <a:scrgbClr r="0" g="0" b="0"/>
-          </a:effectRef>
-          <a:fontRef idx="minor">
-            <a:schemeClr val="tx1"/>
-          </a:fontRef>
-        </p:style>
-      </p:cxnSp>
-      <p:sp>
-        <p:nvSpPr>
-          <p:cNvPr id="89" name="CaixaDeTexto 88">
-            <a:extLst>
-              <a:ext uri="{FF2B5EF4-FFF2-40B4-BE49-F238E27FC236}">
-                <a16:creationId xmlns:a16="http://schemas.microsoft.com/office/drawing/2014/main" id="{C9D9D231-3B5D-459E-9F07-70D804399E2E}"/>
-              </a:ext>
-            </a:extLst>
-          </p:cNvPr>
-          <p:cNvSpPr txBox="1"/>
-          <p:nvPr/>
-        </p:nvSpPr>
-        <p:spPr>
-          <a:xfrm>
-            <a:off x="9917609" y="4053444"/>
-            <a:ext cx="817927" cy="430887"/>
-          </a:xfrm>
-          <a:prstGeom prst="rect">
-            <a:avLst/>
-          </a:prstGeom>
-          <a:noFill/>
-        </p:spPr>
-        <p:txBody>
-          <a:bodyPr wrap="square" rtlCol="0">
-            <a:spAutoFit/>
-          </a:bodyPr>
-          <a:lstStyle/>
-          <a:p>
-            <a:r>
-              <a:rPr lang="pt-BR" sz="1100" dirty="0"/>
-              <a:t>REDE 3G, 4G, 5G</a:t>
-            </a:r>
-          </a:p>
-        </p:txBody>
-      </p:sp>
       <p:pic>
         <p:nvPicPr>
-          <p:cNvPr id="91" name="Imagem 90">
-            <a:extLst>
-              <a:ext uri="{FF2B5EF4-FFF2-40B4-BE49-F238E27FC236}">
-                <a16:creationId xmlns:a16="http://schemas.microsoft.com/office/drawing/2014/main" id="{413FCE52-9E42-42C4-8D09-B45934FDA216}"/>
+          <p:cNvPr id="19" name="Imagem 18">
+            <a:extLst>
+              <a:ext uri="{FF2B5EF4-FFF2-40B4-BE49-F238E27FC236}">
+                <a16:creationId xmlns:a16="http://schemas.microsoft.com/office/drawing/2014/main" id="{10BC69EF-600C-4C87-8B02-BA6BFC3B87A8}"/>
               </a:ext>
             </a:extLst>
           </p:cNvPr>
@@ -5013,10 +6120,19 @@
           <p:nvPr/>
         </p:nvPicPr>
         <p:blipFill>
-          <a:blip r:embed="rId2">
-            <a:extLst>
-              <a:ext uri="{28A0092B-C50C-407E-A947-70E740481C1C}">
-                <a14:useLocalDpi xmlns:a14="http://schemas.microsoft.com/office/drawing/2010/main" val="0"/>
+          <a:blip r:embed="rId7">
+            <a:extLst>
+              <a:ext uri="{BEBA8EAE-BF5A-486C-A8C5-ECC9F3942E4B}">
+                <a14:imgProps xmlns:a14="http://schemas.microsoft.com/office/drawing/2010/main">
+                  <a14:imgLayer r:embed="rId8">
+                    <a14:imgEffect>
+                      <a14:backgroundRemoval t="10000" b="90000" l="10000" r="90000">
+                        <a14:foregroundMark x1="78075" y1="54000" x2="78075" y2="54000"/>
+                        <a14:foregroundMark x1="78075" y1="69000" x2="78075" y2="69000"/>
+                      </a14:backgroundRemoval>
+                    </a14:imgEffect>
+                  </a14:imgLayer>
+                </a14:imgProps>
               </a:ext>
             </a:extLst>
           </a:blip>
@@ -5026,8 +6142,8 @@
         </p:blipFill>
         <p:spPr>
           <a:xfrm>
-            <a:off x="8096140" y="5378755"/>
-            <a:ext cx="1240498" cy="979740"/>
+            <a:off x="3572907" y="1395694"/>
+            <a:ext cx="1804542" cy="838347"/>
           </a:xfrm>
           <a:prstGeom prst="rect">
             <a:avLst/>
@@ -5036,10 +6152,10 @@
       </p:pic>
       <p:pic>
         <p:nvPicPr>
-          <p:cNvPr id="93" name="Imagem 92">
-            <a:extLst>
-              <a:ext uri="{FF2B5EF4-FFF2-40B4-BE49-F238E27FC236}">
-                <a16:creationId xmlns:a16="http://schemas.microsoft.com/office/drawing/2014/main" id="{63E9CCF7-0455-42A7-B3B4-AEC2412E858C}"/>
+          <p:cNvPr id="21" name="Imagem 20">
+            <a:extLst>
+              <a:ext uri="{FF2B5EF4-FFF2-40B4-BE49-F238E27FC236}">
+                <a16:creationId xmlns:a16="http://schemas.microsoft.com/office/drawing/2014/main" id="{DEF1180F-6E09-4248-AEBE-C18909910CEF}"/>
               </a:ext>
             </a:extLst>
           </p:cNvPr>
@@ -5049,10 +6165,19 @@
           <p:nvPr/>
         </p:nvPicPr>
         <p:blipFill>
-          <a:blip r:embed="rId6">
-            <a:extLst>
-              <a:ext uri="{28A0092B-C50C-407E-A947-70E740481C1C}">
-                <a14:useLocalDpi xmlns:a14="http://schemas.microsoft.com/office/drawing/2010/main" val="0"/>
+          <a:blip r:embed="rId9">
+            <a:extLst>
+              <a:ext uri="{BEBA8EAE-BF5A-486C-A8C5-ECC9F3942E4B}">
+                <a14:imgProps xmlns:a14="http://schemas.microsoft.com/office/drawing/2010/main">
+                  <a14:imgLayer r:embed="rId10">
+                    <a14:imgEffect>
+                      <a14:backgroundRemoval t="9868" b="89474" l="9581" r="91018">
+                        <a14:foregroundMark x1="78443" y1="53947" x2="78443" y2="53947"/>
+                        <a14:foregroundMark x1="91018" y1="67105" x2="91018" y2="67105"/>
+                      </a14:backgroundRemoval>
+                    </a14:imgEffect>
+                  </a14:imgLayer>
+                </a14:imgProps>
               </a:ext>
             </a:extLst>
           </a:blip>
@@ -5061,21 +6186,92 @@
           </a:stretch>
         </p:blipFill>
         <p:spPr>
-          <a:xfrm>
-            <a:off x="8525593" y="4941742"/>
-            <a:ext cx="381592" cy="381592"/>
+          <a:xfrm rot="18358620">
+            <a:off x="11082936" y="3742761"/>
+            <a:ext cx="721687" cy="656865"/>
           </a:xfrm>
           <a:prstGeom prst="rect">
             <a:avLst/>
           </a:prstGeom>
         </p:spPr>
       </p:pic>
+      <p:sp>
+        <p:nvSpPr>
+          <p:cNvPr id="22" name="CaixaDeTexto 21">
+            <a:extLst>
+              <a:ext uri="{FF2B5EF4-FFF2-40B4-BE49-F238E27FC236}">
+                <a16:creationId xmlns:a16="http://schemas.microsoft.com/office/drawing/2014/main" id="{23766680-2F1B-413D-9A2F-4734BA53E6CF}"/>
+              </a:ext>
+            </a:extLst>
+          </p:cNvPr>
+          <p:cNvSpPr txBox="1"/>
+          <p:nvPr/>
+        </p:nvSpPr>
+        <p:spPr>
+          <a:xfrm>
+            <a:off x="114046" y="5696980"/>
+            <a:ext cx="2184911" cy="523220"/>
+          </a:xfrm>
+          <a:prstGeom prst="rect">
+            <a:avLst/>
+          </a:prstGeom>
+          <a:noFill/>
+        </p:spPr>
+        <p:txBody>
+          <a:bodyPr wrap="square" rtlCol="0">
+            <a:spAutoFit/>
+          </a:bodyPr>
+          <a:lstStyle/>
+          <a:p>
+            <a:pPr algn="ctr"/>
+            <a:r>
+              <a:rPr lang="pt-BR" sz="1400" dirty="0"/>
+              <a:t>Envio de notificação via SLACK/TELEGRAM</a:t>
+            </a:r>
+          </a:p>
+        </p:txBody>
+      </p:sp>
+      <p:sp>
+        <p:nvSpPr>
+          <p:cNvPr id="23" name="CaixaDeTexto 22">
+            <a:extLst>
+              <a:ext uri="{FF2B5EF4-FFF2-40B4-BE49-F238E27FC236}">
+                <a16:creationId xmlns:a16="http://schemas.microsoft.com/office/drawing/2014/main" id="{D2DA3490-3FEE-44C4-A133-C0D56E40AA2D}"/>
+              </a:ext>
+            </a:extLst>
+          </p:cNvPr>
+          <p:cNvSpPr txBox="1"/>
+          <p:nvPr/>
+        </p:nvSpPr>
+        <p:spPr>
+          <a:xfrm>
+            <a:off x="48368" y="0"/>
+            <a:ext cx="2292102" cy="369332"/>
+          </a:xfrm>
+          <a:prstGeom prst="rect">
+            <a:avLst/>
+          </a:prstGeom>
+          <a:noFill/>
+        </p:spPr>
+        <p:txBody>
+          <a:bodyPr wrap="none" rtlCol="0">
+            <a:spAutoFit/>
+          </a:bodyPr>
+          <a:lstStyle/>
+          <a:p>
+            <a:r>
+              <a:rPr lang="pt-BR" b="1" dirty="0"/>
+              <a:t>Diagrama de software</a:t>
+            </a:r>
+          </a:p>
+        </p:txBody>
+      </p:sp>
       <p:pic>
         <p:nvPicPr>
-          <p:cNvPr id="94" name="Imagem 93">
-            <a:extLst>
-              <a:ext uri="{FF2B5EF4-FFF2-40B4-BE49-F238E27FC236}">
-                <a16:creationId xmlns:a16="http://schemas.microsoft.com/office/drawing/2014/main" id="{B79F862E-D809-4A78-AAE4-6CF63FB26508}"/>
+          <p:cNvPr id="2" name="Imagem 1" descr="Ícone&#10;&#10;Descrição gerada automaticamente">
+            <a:extLst>
+              <a:ext uri="{FF2B5EF4-FFF2-40B4-BE49-F238E27FC236}">
+                <a16:creationId xmlns:a16="http://schemas.microsoft.com/office/drawing/2014/main" id="{BA699E74-5B64-47EA-9165-D911EE46E932}"/>
               </a:ext>
             </a:extLst>
           </p:cNvPr>
@@ -5085,7 +6281,7 @@
           <p:nvPr/>
         </p:nvPicPr>
         <p:blipFill>
-          <a:blip r:embed="rId6">
+          <a:blip r:embed="rId11">
             <a:extLst>
               <a:ext uri="{28A0092B-C50C-407E-A947-70E740481C1C}">
                 <a14:useLocalDpi xmlns:a14="http://schemas.microsoft.com/office/drawing/2010/main" val="0"/>
@@ -5098,20 +6294,55 @@
         </p:blipFill>
         <p:spPr>
           <a:xfrm>
-            <a:off x="2862155" y="5026776"/>
-            <a:ext cx="381592" cy="381592"/>
+            <a:off x="6269185" y="4488066"/>
+            <a:ext cx="1377101" cy="1377101"/>
           </a:xfrm>
           <a:prstGeom prst="rect">
             <a:avLst/>
           </a:prstGeom>
         </p:spPr>
       </p:pic>
+      <p:sp>
+        <p:nvSpPr>
+          <p:cNvPr id="3" name="CaixaDeTexto 2">
+            <a:extLst>
+              <a:ext uri="{FF2B5EF4-FFF2-40B4-BE49-F238E27FC236}">
+                <a16:creationId xmlns:a16="http://schemas.microsoft.com/office/drawing/2014/main" id="{12698B27-EEA4-4DBD-9A80-CAFCF20FA141}"/>
+              </a:ext>
+            </a:extLst>
+          </p:cNvPr>
+          <p:cNvSpPr txBox="1"/>
+          <p:nvPr/>
+        </p:nvSpPr>
+        <p:spPr>
+          <a:xfrm>
+            <a:off x="3713774" y="1377207"/>
+            <a:ext cx="1663675" cy="369332"/>
+          </a:xfrm>
+          <a:prstGeom prst="rect">
+            <a:avLst/>
+          </a:prstGeom>
+          <a:noFill/>
+        </p:spPr>
+        <p:txBody>
+          <a:bodyPr wrap="square" rtlCol="0">
+            <a:spAutoFit/>
+          </a:bodyPr>
+          <a:lstStyle/>
+          <a:p>
+            <a:r>
+              <a:rPr lang="pt-BR" dirty="0"/>
+              <a:t>INSERT, SELECT</a:t>
+            </a:r>
+          </a:p>
+        </p:txBody>
+      </p:sp>
       <p:pic>
         <p:nvPicPr>
-          <p:cNvPr id="96" name="Imagem 95">
-            <a:extLst>
-              <a:ext uri="{FF2B5EF4-FFF2-40B4-BE49-F238E27FC236}">
-                <a16:creationId xmlns:a16="http://schemas.microsoft.com/office/drawing/2014/main" id="{8DE40ABE-F94D-4D51-B26D-5742CE5B7B23}"/>
+          <p:cNvPr id="4" name="Imagem 3">
+            <a:extLst>
+              <a:ext uri="{FF2B5EF4-FFF2-40B4-BE49-F238E27FC236}">
+                <a16:creationId xmlns:a16="http://schemas.microsoft.com/office/drawing/2014/main" id="{B71764C5-7397-4D32-AA5A-06528DA281B0}"/>
               </a:ext>
             </a:extLst>
           </p:cNvPr>
@@ -5123,8 +6354,17 @@
         <p:blipFill>
           <a:blip r:embed="rId7">
             <a:extLst>
-              <a:ext uri="{28A0092B-C50C-407E-A947-70E740481C1C}">
-                <a14:useLocalDpi xmlns:a14="http://schemas.microsoft.com/office/drawing/2010/main" val="0"/>
+              <a:ext uri="{BEBA8EAE-BF5A-486C-A8C5-ECC9F3942E4B}">
+                <a14:imgProps xmlns:a14="http://schemas.microsoft.com/office/drawing/2010/main">
+                  <a14:imgLayer r:embed="rId8">
+                    <a14:imgEffect>
+                      <a14:backgroundRemoval t="10000" b="90000" l="10000" r="90000">
+                        <a14:foregroundMark x1="78075" y1="54000" x2="78075" y2="54000"/>
+                        <a14:foregroundMark x1="78075" y1="69000" x2="78075" y2="69000"/>
+                      </a14:backgroundRemoval>
+                    </a14:imgEffect>
+                  </a14:imgLayer>
+                </a14:imgProps>
               </a:ext>
             </a:extLst>
           </a:blip>
@@ -5133,9 +6373,9 @@
           </a:stretch>
         </p:blipFill>
         <p:spPr>
-          <a:xfrm>
-            <a:off x="9835722" y="5375088"/>
-            <a:ext cx="927724" cy="979740"/>
+          <a:xfrm rot="5400000">
+            <a:off x="6055463" y="3095937"/>
+            <a:ext cx="1804542" cy="838347"/>
           </a:xfrm>
           <a:prstGeom prst="rect">
             <a:avLst/>
@@ -5144,10 +6384,10 @@
       </p:pic>
       <p:pic>
         <p:nvPicPr>
-          <p:cNvPr id="97" name="Imagem 96">
-            <a:extLst>
-              <a:ext uri="{FF2B5EF4-FFF2-40B4-BE49-F238E27FC236}">
-                <a16:creationId xmlns:a16="http://schemas.microsoft.com/office/drawing/2014/main" id="{1E1D9264-4478-4D21-90D1-CC0A88EEBE02}"/>
+          <p:cNvPr id="6" name="Imagem 5">
+            <a:extLst>
+              <a:ext uri="{FF2B5EF4-FFF2-40B4-BE49-F238E27FC236}">
+                <a16:creationId xmlns:a16="http://schemas.microsoft.com/office/drawing/2014/main" id="{B4CAAA66-7BB7-49AB-B586-F2A5435D073F}"/>
               </a:ext>
             </a:extLst>
           </p:cNvPr>
@@ -5157,10 +6397,19 @@
           <p:nvPr/>
         </p:nvPicPr>
         <p:blipFill>
-          <a:blip r:embed="rId6">
-            <a:extLst>
-              <a:ext uri="{28A0092B-C50C-407E-A947-70E740481C1C}">
-                <a14:useLocalDpi xmlns:a14="http://schemas.microsoft.com/office/drawing/2010/main" val="0"/>
+          <a:blip r:embed="rId7">
+            <a:extLst>
+              <a:ext uri="{BEBA8EAE-BF5A-486C-A8C5-ECC9F3942E4B}">
+                <a14:imgProps xmlns:a14="http://schemas.microsoft.com/office/drawing/2010/main">
+                  <a14:imgLayer r:embed="rId8">
+                    <a14:imgEffect>
+                      <a14:backgroundRemoval t="10000" b="90000" l="10000" r="90000">
+                        <a14:foregroundMark x1="78075" y1="54000" x2="78075" y2="54000"/>
+                        <a14:foregroundMark x1="78075" y1="69000" x2="78075" y2="69000"/>
+                      </a14:backgroundRemoval>
+                    </a14:imgEffect>
+                  </a14:imgLayer>
+                </a14:imgProps>
               </a:ext>
             </a:extLst>
           </a:blip>
@@ -5169,9 +6418,9 @@
           </a:stretch>
         </p:blipFill>
         <p:spPr>
-          <a:xfrm>
-            <a:off x="10108788" y="4941742"/>
-            <a:ext cx="381592" cy="381592"/>
+          <a:xfrm rot="5400000">
+            <a:off x="367025" y="3048462"/>
+            <a:ext cx="1804542" cy="838347"/>
           </a:xfrm>
           <a:prstGeom prst="rect">
             <a:avLst/>
@@ -5180,10 +6429,10 @@
       </p:pic>
       <p:sp>
         <p:nvSpPr>
-          <p:cNvPr id="98" name="CaixaDeTexto 97">
-            <a:extLst>
-              <a:ext uri="{FF2B5EF4-FFF2-40B4-BE49-F238E27FC236}">
-                <a16:creationId xmlns:a16="http://schemas.microsoft.com/office/drawing/2014/main" id="{92F4BEEE-61FB-4D33-9705-9BE85FB021A7}"/>
+          <p:cNvPr id="7" name="CaixaDeTexto 6">
+            <a:extLst>
+              <a:ext uri="{FF2B5EF4-FFF2-40B4-BE49-F238E27FC236}">
+                <a16:creationId xmlns:a16="http://schemas.microsoft.com/office/drawing/2014/main" id="{F479BD3F-053E-41BF-B4F6-204271B06509}"/>
               </a:ext>
             </a:extLst>
           </p:cNvPr>
@@ -5191,9 +6440,9 @@
           <p:nvPr/>
         </p:nvSpPr>
         <p:spPr>
-          <a:xfrm>
-            <a:off x="3070000" y="3963776"/>
-            <a:ext cx="631904" cy="230832"/>
+          <a:xfrm rot="16200000">
+            <a:off x="6719015" y="3132139"/>
+            <a:ext cx="846770" cy="369332"/>
           </a:xfrm>
           <a:prstGeom prst="rect">
             <a:avLst/>
@@ -5207,399 +6456,18 @@
           <a:lstStyle/>
           <a:p>
             <a:r>
-              <a:rPr lang="pt-BR" sz="900" dirty="0"/>
-              <a:t>LAN/WIFI</a:t>
-            </a:r>
-          </a:p>
-        </p:txBody>
-      </p:sp>
-      <p:sp>
-        <p:nvSpPr>
-          <p:cNvPr id="99" name="CaixaDeTexto 98">
-            <a:extLst>
-              <a:ext uri="{FF2B5EF4-FFF2-40B4-BE49-F238E27FC236}">
-                <a16:creationId xmlns:a16="http://schemas.microsoft.com/office/drawing/2014/main" id="{5432825B-1FF5-4235-B539-F118FD12B00F}"/>
-              </a:ext>
-            </a:extLst>
-          </p:cNvPr>
-          <p:cNvSpPr txBox="1"/>
-          <p:nvPr/>
-        </p:nvSpPr>
-        <p:spPr>
-          <a:xfrm>
-            <a:off x="8517911" y="4031066"/>
-            <a:ext cx="631904" cy="230832"/>
-          </a:xfrm>
-          <a:prstGeom prst="rect">
-            <a:avLst/>
-          </a:prstGeom>
-          <a:noFill/>
-        </p:spPr>
-        <p:txBody>
-          <a:bodyPr wrap="square" rtlCol="0">
-            <a:spAutoFit/>
-          </a:bodyPr>
-          <a:lstStyle/>
-          <a:p>
-            <a:r>
-              <a:rPr lang="pt-BR" sz="900" dirty="0"/>
-              <a:t>LAN/WIFI</a:t>
-            </a:r>
-          </a:p>
-        </p:txBody>
-      </p:sp>
-      <p:sp>
-        <p:nvSpPr>
-          <p:cNvPr id="100" name="CaixaDeTexto 99">
-            <a:extLst>
-              <a:ext uri="{FF2B5EF4-FFF2-40B4-BE49-F238E27FC236}">
-                <a16:creationId xmlns:a16="http://schemas.microsoft.com/office/drawing/2014/main" id="{527A57A7-4EB5-48F3-BDF3-BD282FF5FE52}"/>
-              </a:ext>
-            </a:extLst>
-          </p:cNvPr>
-          <p:cNvSpPr txBox="1"/>
-          <p:nvPr/>
-        </p:nvSpPr>
-        <p:spPr>
-          <a:xfrm>
-            <a:off x="7038704" y="5483792"/>
-            <a:ext cx="1240499" cy="369332"/>
-          </a:xfrm>
-          <a:prstGeom prst="rect">
-            <a:avLst/>
-          </a:prstGeom>
-          <a:noFill/>
-        </p:spPr>
-        <p:txBody>
-          <a:bodyPr wrap="square" rtlCol="0">
-            <a:spAutoFit/>
-          </a:bodyPr>
-          <a:lstStyle/>
-          <a:p>
-            <a:r>
-              <a:rPr lang="pt-BR" sz="900" dirty="0"/>
-              <a:t>NOTEBOOK/DESKTOP</a:t>
-            </a:r>
-          </a:p>
-          <a:p>
-            <a:r>
-              <a:rPr lang="pt-BR" sz="900" dirty="0"/>
-              <a:t>CORE I5, 8GB DE RAM</a:t>
-            </a:r>
-            <a:endParaRPr lang="pt-BR" sz="1600" dirty="0"/>
-          </a:p>
-        </p:txBody>
-      </p:sp>
-      <p:sp>
-        <p:nvSpPr>
-          <p:cNvPr id="101" name="CaixaDeTexto 100">
-            <a:extLst>
-              <a:ext uri="{FF2B5EF4-FFF2-40B4-BE49-F238E27FC236}">
-                <a16:creationId xmlns:a16="http://schemas.microsoft.com/office/drawing/2014/main" id="{3E91ACD8-30B1-48C9-BAB1-7724AC9175C5}"/>
-              </a:ext>
-            </a:extLst>
-          </p:cNvPr>
-          <p:cNvSpPr txBox="1"/>
-          <p:nvPr/>
-        </p:nvSpPr>
-        <p:spPr>
-          <a:xfrm>
-            <a:off x="10670861" y="5447535"/>
-            <a:ext cx="1183337" cy="369332"/>
-          </a:xfrm>
-          <a:prstGeom prst="rect">
-            <a:avLst/>
-          </a:prstGeom>
-          <a:noFill/>
-        </p:spPr>
-        <p:txBody>
-          <a:bodyPr wrap="none" rtlCol="0">
-            <a:spAutoFit/>
-          </a:bodyPr>
-          <a:lstStyle/>
-          <a:p>
-            <a:r>
-              <a:rPr lang="pt-BR" sz="900" dirty="0"/>
-              <a:t>ANDROID VERSÃO 7+</a:t>
-            </a:r>
-          </a:p>
-          <a:p>
-            <a:r>
-              <a:rPr lang="pt-BR" sz="900" dirty="0"/>
-              <a:t>IOS VERSÃO 10+</a:t>
-            </a:r>
-          </a:p>
-        </p:txBody>
-      </p:sp>
-      <p:sp>
-        <p:nvSpPr>
-          <p:cNvPr id="102" name="CaixaDeTexto 101">
-            <a:extLst>
-              <a:ext uri="{FF2B5EF4-FFF2-40B4-BE49-F238E27FC236}">
-                <a16:creationId xmlns:a16="http://schemas.microsoft.com/office/drawing/2014/main" id="{AE0D996A-3D2E-42C2-8787-5666F58A858F}"/>
-              </a:ext>
-            </a:extLst>
-          </p:cNvPr>
-          <p:cNvSpPr txBox="1"/>
-          <p:nvPr/>
-        </p:nvSpPr>
-        <p:spPr>
-          <a:xfrm>
-            <a:off x="7372302" y="4020430"/>
-            <a:ext cx="1240499" cy="230832"/>
-          </a:xfrm>
-          <a:prstGeom prst="rect">
-            <a:avLst/>
-          </a:prstGeom>
-          <a:noFill/>
-        </p:spPr>
-        <p:txBody>
-          <a:bodyPr wrap="square" rtlCol="0">
-            <a:spAutoFit/>
-          </a:bodyPr>
-          <a:lstStyle/>
-          <a:p>
-            <a:r>
-              <a:rPr lang="pt-BR" sz="900" dirty="0"/>
-              <a:t>BANDA 5MB Mínimo</a:t>
-            </a:r>
-          </a:p>
-        </p:txBody>
-      </p:sp>
-      <p:sp>
-        <p:nvSpPr>
-          <p:cNvPr id="103" name="CaixaDeTexto 102">
-            <a:extLst>
-              <a:ext uri="{FF2B5EF4-FFF2-40B4-BE49-F238E27FC236}">
-                <a16:creationId xmlns:a16="http://schemas.microsoft.com/office/drawing/2014/main" id="{46C75828-FC98-4D49-9F89-B0C448717B43}"/>
-              </a:ext>
-            </a:extLst>
-          </p:cNvPr>
-          <p:cNvSpPr txBox="1"/>
-          <p:nvPr/>
-        </p:nvSpPr>
-        <p:spPr>
-          <a:xfrm>
-            <a:off x="3138082" y="3720317"/>
-            <a:ext cx="673582" cy="230832"/>
-          </a:xfrm>
-          <a:prstGeom prst="rect">
-            <a:avLst/>
-          </a:prstGeom>
-          <a:noFill/>
-        </p:spPr>
-        <p:txBody>
-          <a:bodyPr wrap="none" rtlCol="0">
-            <a:spAutoFit/>
-          </a:bodyPr>
-          <a:lstStyle/>
-          <a:p>
-            <a:r>
-              <a:rPr lang="pt-BR" sz="900" dirty="0"/>
-              <a:t>NET 30MB</a:t>
-            </a:r>
-          </a:p>
-        </p:txBody>
-      </p:sp>
-      <p:sp>
-        <p:nvSpPr>
-          <p:cNvPr id="105" name="CaixaDeTexto 104">
-            <a:extLst>
-              <a:ext uri="{FF2B5EF4-FFF2-40B4-BE49-F238E27FC236}">
-                <a16:creationId xmlns:a16="http://schemas.microsoft.com/office/drawing/2014/main" id="{AC13A803-F79E-45E6-8B53-489FE0345D46}"/>
-              </a:ext>
-            </a:extLst>
-          </p:cNvPr>
-          <p:cNvSpPr txBox="1"/>
-          <p:nvPr/>
-        </p:nvSpPr>
-        <p:spPr>
-          <a:xfrm>
-            <a:off x="420564" y="3868778"/>
-            <a:ext cx="2452900" cy="369332"/>
-          </a:xfrm>
-          <a:prstGeom prst="rect">
-            <a:avLst/>
-          </a:prstGeom>
-          <a:noFill/>
-        </p:spPr>
-        <p:txBody>
-          <a:bodyPr wrap="square" rtlCol="0">
-            <a:spAutoFit/>
-          </a:bodyPr>
-          <a:lstStyle/>
-          <a:p>
-            <a:r>
-              <a:rPr lang="pt-BR" sz="900" dirty="0"/>
-              <a:t>ROTEADOR Wi </a:t>
-            </a:r>
-            <a:r>
-              <a:rPr lang="pt-BR" sz="900" dirty="0" err="1"/>
-              <a:t>Fi</a:t>
-            </a:r>
-            <a:endParaRPr lang="pt-BR" sz="900" dirty="0"/>
-          </a:p>
-          <a:p>
-            <a:r>
-              <a:rPr lang="en-US" sz="900" dirty="0" err="1"/>
-              <a:t>Roteador</a:t>
-            </a:r>
-            <a:r>
-              <a:rPr lang="en-US" sz="900" dirty="0"/>
-              <a:t> TP-Link Archer C6 AC1200,  1000Mbps</a:t>
-            </a:r>
-          </a:p>
-        </p:txBody>
-      </p:sp>
-      <p:sp>
-        <p:nvSpPr>
-          <p:cNvPr id="108" name="CaixaDeTexto 107">
-            <a:extLst>
-              <a:ext uri="{FF2B5EF4-FFF2-40B4-BE49-F238E27FC236}">
-                <a16:creationId xmlns:a16="http://schemas.microsoft.com/office/drawing/2014/main" id="{139B96DF-9D13-4BB9-8FB8-712640E3561B}"/>
-              </a:ext>
-            </a:extLst>
-          </p:cNvPr>
-          <p:cNvSpPr txBox="1"/>
-          <p:nvPr/>
-        </p:nvSpPr>
-        <p:spPr>
-          <a:xfrm>
-            <a:off x="5389827" y="2595058"/>
-            <a:ext cx="647934" cy="230832"/>
-          </a:xfrm>
-          <a:prstGeom prst="rect">
-            <a:avLst/>
-          </a:prstGeom>
-          <a:noFill/>
-        </p:spPr>
-        <p:txBody>
-          <a:bodyPr wrap="none" rtlCol="0">
-            <a:spAutoFit/>
-          </a:bodyPr>
-          <a:lstStyle/>
-          <a:p>
-            <a:r>
-              <a:rPr lang="pt-BR" sz="900" dirty="0"/>
-              <a:t>INTERNET</a:t>
-            </a:r>
-          </a:p>
-        </p:txBody>
-      </p:sp>
-      <p:pic>
-        <p:nvPicPr>
-          <p:cNvPr id="110" name="Imagem 109">
-            <a:extLst>
-              <a:ext uri="{FF2B5EF4-FFF2-40B4-BE49-F238E27FC236}">
-                <a16:creationId xmlns:a16="http://schemas.microsoft.com/office/drawing/2014/main" id="{48EAE7C9-853C-4C62-BE4F-77E1FF7A2142}"/>
-              </a:ext>
-            </a:extLst>
-          </p:cNvPr>
-          <p:cNvPicPr>
-            <a:picLocks noChangeAspect="1"/>
-          </p:cNvPicPr>
-          <p:nvPr/>
-        </p:nvPicPr>
-        <p:blipFill>
-          <a:blip r:embed="rId8">
-            <a:extLst>
-              <a:ext uri="{28A0092B-C50C-407E-A947-70E740481C1C}">
-                <a14:useLocalDpi xmlns:a14="http://schemas.microsoft.com/office/drawing/2010/main" val="0"/>
-              </a:ext>
-            </a:extLst>
-          </a:blip>
-          <a:stretch>
-            <a:fillRect/>
-          </a:stretch>
-        </p:blipFill>
-        <p:spPr>
-          <a:xfrm>
-            <a:off x="8294761" y="5475463"/>
-            <a:ext cx="230832" cy="230832"/>
-          </a:xfrm>
-          <a:prstGeom prst="rect">
-            <a:avLst/>
-          </a:prstGeom>
-        </p:spPr>
-      </p:pic>
-      <p:pic>
-        <p:nvPicPr>
-          <p:cNvPr id="113" name="Imagem 112">
-            <a:extLst>
-              <a:ext uri="{FF2B5EF4-FFF2-40B4-BE49-F238E27FC236}">
-                <a16:creationId xmlns:a16="http://schemas.microsoft.com/office/drawing/2014/main" id="{3A0A7C0D-5AAE-4386-8F96-FE545AB5180F}"/>
-              </a:ext>
-            </a:extLst>
-          </p:cNvPr>
-          <p:cNvPicPr>
-            <a:picLocks noChangeAspect="1"/>
-          </p:cNvPicPr>
-          <p:nvPr/>
-        </p:nvPicPr>
-        <p:blipFill>
-          <a:blip r:embed="rId9">
-            <a:extLst>
-              <a:ext uri="{28A0092B-C50C-407E-A947-70E740481C1C}">
-                <a14:useLocalDpi xmlns:a14="http://schemas.microsoft.com/office/drawing/2010/main" val="0"/>
-              </a:ext>
-            </a:extLst>
-          </a:blip>
-          <a:stretch>
-            <a:fillRect/>
-          </a:stretch>
-        </p:blipFill>
-        <p:spPr>
-          <a:xfrm>
-            <a:off x="8505506" y="5401614"/>
-            <a:ext cx="378529" cy="378529"/>
-          </a:xfrm>
-          <a:prstGeom prst="rect">
-            <a:avLst/>
-          </a:prstGeom>
-        </p:spPr>
-      </p:pic>
-      <p:pic>
-        <p:nvPicPr>
-          <p:cNvPr id="115" name="Imagem 114">
-            <a:extLst>
-              <a:ext uri="{FF2B5EF4-FFF2-40B4-BE49-F238E27FC236}">
-                <a16:creationId xmlns:a16="http://schemas.microsoft.com/office/drawing/2014/main" id="{3C1B681C-ED12-41C5-AD26-8B6853414F1D}"/>
-              </a:ext>
-            </a:extLst>
-          </p:cNvPr>
-          <p:cNvPicPr>
-            <a:picLocks noChangeAspect="1"/>
-          </p:cNvPicPr>
-          <p:nvPr/>
-        </p:nvPicPr>
-        <p:blipFill>
-          <a:blip r:embed="rId10">
-            <a:extLst>
-              <a:ext uri="{28A0092B-C50C-407E-A947-70E740481C1C}">
-                <a14:useLocalDpi xmlns:a14="http://schemas.microsoft.com/office/drawing/2010/main" val="0"/>
-              </a:ext>
-            </a:extLst>
-          </a:blip>
-          <a:stretch>
-            <a:fillRect/>
-          </a:stretch>
-        </p:blipFill>
-        <p:spPr>
-          <a:xfrm>
-            <a:off x="8821267" y="5443201"/>
-            <a:ext cx="273513" cy="273513"/>
-          </a:xfrm>
-          <a:prstGeom prst="rect">
-            <a:avLst/>
-          </a:prstGeom>
-        </p:spPr>
-      </p:pic>
-      <p:sp>
-        <p:nvSpPr>
-          <p:cNvPr id="2" name="Retângulo 1">
-            <a:extLst>
-              <a:ext uri="{FF2B5EF4-FFF2-40B4-BE49-F238E27FC236}">
-                <a16:creationId xmlns:a16="http://schemas.microsoft.com/office/drawing/2014/main" id="{969E54A0-B7B5-4147-AB27-DA0CC75F47BD}"/>
+              <a:rPr lang="pt-BR" dirty="0"/>
+              <a:t>SELECT</a:t>
+            </a:r>
+          </a:p>
+        </p:txBody>
+      </p:sp>
+      <p:sp>
+        <p:nvSpPr>
+          <p:cNvPr id="10" name="Retângulo: Cantos Diagonais Arredondados 9">
+            <a:extLst>
+              <a:ext uri="{FF2B5EF4-FFF2-40B4-BE49-F238E27FC236}">
+                <a16:creationId xmlns:a16="http://schemas.microsoft.com/office/drawing/2014/main" id="{9E1FA0FD-0A2E-435A-BE99-AC656FD0C817}"/>
               </a:ext>
             </a:extLst>
           </p:cNvPr>
@@ -5608,16 +6476,16 @@
         </p:nvSpPr>
         <p:spPr>
           <a:xfrm>
-            <a:off x="81987" y="3673617"/>
-            <a:ext cx="5141937" cy="3087910"/>
-          </a:xfrm>
-          <a:prstGeom prst="rect">
+            <a:off x="1986728" y="974966"/>
+            <a:ext cx="1663675" cy="1380171"/>
+          </a:xfrm>
+          <a:prstGeom prst="round2DiagRect">
             <a:avLst/>
           </a:prstGeom>
           <a:noFill/>
           <a:ln>
             <a:solidFill>
-              <a:schemeClr val="tx1"/>
+              <a:srgbClr val="C00000"/>
             </a:solidFill>
           </a:ln>
         </p:spPr>
@@ -5648,10 +6516,10 @@
       </p:sp>
       <p:sp>
         <p:nvSpPr>
-          <p:cNvPr id="42" name="Retângulo 41">
-            <a:extLst>
-              <a:ext uri="{FF2B5EF4-FFF2-40B4-BE49-F238E27FC236}">
-                <a16:creationId xmlns:a16="http://schemas.microsoft.com/office/drawing/2014/main" id="{C094A487-B4D8-4E7E-A6DF-17D5E2F5A98F}"/>
+          <p:cNvPr id="12" name="Retângulo: Cantos Arredondados 11">
+            <a:extLst>
+              <a:ext uri="{FF2B5EF4-FFF2-40B4-BE49-F238E27FC236}">
+                <a16:creationId xmlns:a16="http://schemas.microsoft.com/office/drawing/2014/main" id="{48095C1B-21B5-4D58-9BDB-2994E0D3C828}"/>
               </a:ext>
             </a:extLst>
           </p:cNvPr>
@@ -5660,16 +6528,16 @@
         </p:nvSpPr>
         <p:spPr>
           <a:xfrm>
-            <a:off x="6933844" y="3674781"/>
-            <a:ext cx="5141937" cy="3087910"/>
-          </a:xfrm>
-          <a:prstGeom prst="rect">
+            <a:off x="2106973" y="1047427"/>
+            <a:ext cx="1465934" cy="227171"/>
+          </a:xfrm>
+          <a:prstGeom prst="roundRect">
             <a:avLst/>
           </a:prstGeom>
           <a:noFill/>
           <a:ln>
             <a:solidFill>
-              <a:schemeClr val="tx1"/>
+              <a:srgbClr val="C00000"/>
             </a:solidFill>
           </a:ln>
         </p:spPr>
@@ -5694,16 +6562,23 @@
           <a:lstStyle/>
           <a:p>
             <a:pPr algn="ctr"/>
-            <a:endParaRPr lang="pt-BR"/>
-          </a:p>
-        </p:txBody>
-      </p:sp>
-      <p:sp>
-        <p:nvSpPr>
-          <p:cNvPr id="43" name="Retângulo 42">
-            <a:extLst>
-              <a:ext uri="{FF2B5EF4-FFF2-40B4-BE49-F238E27FC236}">
-                <a16:creationId xmlns:a16="http://schemas.microsoft.com/office/drawing/2014/main" id="{B32F3D09-E978-488A-9882-969FC9FE44F3}"/>
+            <a:r>
+              <a:rPr lang="pt-BR" dirty="0">
+                <a:solidFill>
+                  <a:schemeClr val="tx1"/>
+                </a:solidFill>
+              </a:rPr>
+              <a:t>OSHI</a:t>
+            </a:r>
+          </a:p>
+        </p:txBody>
+      </p:sp>
+      <p:sp>
+        <p:nvSpPr>
+          <p:cNvPr id="14" name="Retângulo: Cantos Arredondados 13">
+            <a:extLst>
+              <a:ext uri="{FF2B5EF4-FFF2-40B4-BE49-F238E27FC236}">
+                <a16:creationId xmlns:a16="http://schemas.microsoft.com/office/drawing/2014/main" id="{6DF7A7E0-E401-4DA6-A5FD-5D64822784EA}"/>
               </a:ext>
             </a:extLst>
           </p:cNvPr>
@@ -5712,16 +6587,16 @@
         </p:nvSpPr>
         <p:spPr>
           <a:xfrm>
-            <a:off x="3217786" y="96862"/>
-            <a:ext cx="5061417" cy="2030050"/>
-          </a:xfrm>
-          <a:prstGeom prst="rect">
+            <a:off x="2106973" y="1322008"/>
+            <a:ext cx="1465934" cy="227171"/>
+          </a:xfrm>
+          <a:prstGeom prst="roundRect">
             <a:avLst/>
           </a:prstGeom>
           <a:noFill/>
           <a:ln>
             <a:solidFill>
-              <a:schemeClr val="tx1"/>
+              <a:srgbClr val="C00000"/>
             </a:solidFill>
           </a:ln>
         </p:spPr>
@@ -5746,788 +6621,21 @@
           <a:lstStyle/>
           <a:p>
             <a:pPr algn="ctr"/>
-            <a:endParaRPr lang="pt-BR"/>
-          </a:p>
-        </p:txBody>
-      </p:sp>
-      <p:sp>
-        <p:nvSpPr>
-          <p:cNvPr id="3" name="CaixaDeTexto 2">
-            <a:extLst>
-              <a:ext uri="{FF2B5EF4-FFF2-40B4-BE49-F238E27FC236}">
-                <a16:creationId xmlns:a16="http://schemas.microsoft.com/office/drawing/2014/main" id="{F3DB1EB6-7EDD-4F76-AC41-93A77350D0DB}"/>
-              </a:ext>
-            </a:extLst>
-          </p:cNvPr>
-          <p:cNvSpPr txBox="1"/>
-          <p:nvPr/>
-        </p:nvSpPr>
-        <p:spPr>
-          <a:xfrm>
-            <a:off x="-102336" y="-3806"/>
-            <a:ext cx="522900" cy="369332"/>
-          </a:xfrm>
-          <a:prstGeom prst="rect">
-            <a:avLst/>
-          </a:prstGeom>
-          <a:noFill/>
-        </p:spPr>
-        <p:txBody>
-          <a:bodyPr wrap="none" rtlCol="0">
-            <a:spAutoFit/>
-          </a:bodyPr>
-          <a:lstStyle/>
-          <a:p>
-            <a:r>
-              <a:rPr lang="pt-BR" b="1" dirty="0"/>
-              <a:t>LLD</a:t>
-            </a:r>
-          </a:p>
-        </p:txBody>
-      </p:sp>
-      <p:sp>
-        <p:nvSpPr>
-          <p:cNvPr id="5" name="CaixaDeTexto 4">
-            <a:extLst>
-              <a:ext uri="{FF2B5EF4-FFF2-40B4-BE49-F238E27FC236}">
-                <a16:creationId xmlns:a16="http://schemas.microsoft.com/office/drawing/2014/main" id="{00324186-5835-453F-9CA7-D8BA2FE4FDB1}"/>
-              </a:ext>
-            </a:extLst>
-          </p:cNvPr>
-          <p:cNvSpPr txBox="1"/>
-          <p:nvPr/>
-        </p:nvSpPr>
-        <p:spPr>
-          <a:xfrm>
-            <a:off x="11201687" y="3392545"/>
-            <a:ext cx="1168252" cy="646331"/>
-          </a:xfrm>
-          <a:prstGeom prst="rect">
-            <a:avLst/>
-          </a:prstGeom>
-          <a:noFill/>
-        </p:spPr>
-        <p:txBody>
-          <a:bodyPr wrap="square" rtlCol="0">
-            <a:spAutoFit/>
-          </a:bodyPr>
-          <a:lstStyle/>
-          <a:p>
-            <a:r>
-              <a:rPr lang="pt-BR" dirty="0"/>
-              <a:t>CLIENTE</a:t>
-            </a:r>
-            <a:endParaRPr lang="pt-BR" sz="1600" dirty="0"/>
-          </a:p>
-          <a:p>
-            <a:endParaRPr lang="pt-BR" dirty="0"/>
-          </a:p>
-        </p:txBody>
-      </p:sp>
-      <p:sp>
-        <p:nvSpPr>
-          <p:cNvPr id="8" name="CaixaDeTexto 7">
-            <a:extLst>
-              <a:ext uri="{FF2B5EF4-FFF2-40B4-BE49-F238E27FC236}">
-                <a16:creationId xmlns:a16="http://schemas.microsoft.com/office/drawing/2014/main" id="{C6B4F186-1182-4828-8066-2E561878460C}"/>
-              </a:ext>
-            </a:extLst>
-          </p:cNvPr>
-          <p:cNvSpPr txBox="1"/>
-          <p:nvPr/>
-        </p:nvSpPr>
-        <p:spPr>
-          <a:xfrm>
-            <a:off x="-5558" y="3373916"/>
-            <a:ext cx="2008249" cy="369332"/>
-          </a:xfrm>
-          <a:prstGeom prst="rect">
-            <a:avLst/>
-          </a:prstGeom>
-          <a:noFill/>
-        </p:spPr>
-        <p:txBody>
-          <a:bodyPr wrap="square" rtlCol="0">
-            <a:spAutoFit/>
-          </a:bodyPr>
-          <a:lstStyle/>
-          <a:p>
-            <a:r>
-              <a:rPr lang="pt-BR" dirty="0"/>
-              <a:t>MÁQUINA</a:t>
-            </a:r>
-          </a:p>
-        </p:txBody>
-      </p:sp>
-      <p:sp>
-        <p:nvSpPr>
-          <p:cNvPr id="9" name="CaixaDeTexto 8">
-            <a:extLst>
-              <a:ext uri="{FF2B5EF4-FFF2-40B4-BE49-F238E27FC236}">
-                <a16:creationId xmlns:a16="http://schemas.microsoft.com/office/drawing/2014/main" id="{7F4FF870-1C04-4D9F-A43E-EA81B5C6132D}"/>
-              </a:ext>
-            </a:extLst>
-          </p:cNvPr>
-          <p:cNvSpPr txBox="1"/>
-          <p:nvPr/>
-        </p:nvSpPr>
-        <p:spPr>
-          <a:xfrm>
-            <a:off x="2405790" y="1002079"/>
-            <a:ext cx="922047" cy="646331"/>
-          </a:xfrm>
-          <a:prstGeom prst="rect">
-            <a:avLst/>
-          </a:prstGeom>
-          <a:noFill/>
-        </p:spPr>
-        <p:txBody>
-          <a:bodyPr wrap="none" rtlCol="0">
-            <a:spAutoFit/>
-          </a:bodyPr>
-          <a:lstStyle/>
-          <a:p>
-            <a:r>
-              <a:rPr lang="pt-BR" dirty="0"/>
-              <a:t>NUVEM</a:t>
-            </a:r>
-          </a:p>
-          <a:p>
-            <a:endParaRPr lang="pt-BR" dirty="0"/>
-          </a:p>
-        </p:txBody>
-      </p:sp>
-      <p:pic>
-        <p:nvPicPr>
-          <p:cNvPr id="1026" name="Picture 2" descr="Node.js – Wikipédia, a enciclopédia livre">
-            <a:extLst>
-              <a:ext uri="{FF2B5EF4-FFF2-40B4-BE49-F238E27FC236}">
-                <a16:creationId xmlns:a16="http://schemas.microsoft.com/office/drawing/2014/main" id="{2F5537B2-2DC7-456A-8F58-3BCE75A9907F}"/>
-              </a:ext>
-            </a:extLst>
-          </p:cNvPr>
-          <p:cNvPicPr>
-            <a:picLocks noChangeAspect="1" noChangeArrowheads="1"/>
-          </p:cNvPicPr>
-          <p:nvPr/>
-        </p:nvPicPr>
-        <p:blipFill>
-          <a:blip r:embed="rId11">
-            <a:extLst>
-              <a:ext uri="{28A0092B-C50C-407E-A947-70E740481C1C}">
-                <a14:useLocalDpi xmlns:a14="http://schemas.microsoft.com/office/drawing/2010/main" val="0"/>
-              </a:ext>
-            </a:extLst>
-          </a:blip>
-          <a:srcRect/>
-          <a:stretch>
-            <a:fillRect/>
-          </a:stretch>
-        </p:blipFill>
-        <p:spPr bwMode="auto">
-          <a:xfrm>
-            <a:off x="7000300" y="586198"/>
-            <a:ext cx="975140" cy="596433"/>
-          </a:xfrm>
-          <a:prstGeom prst="rect">
-            <a:avLst/>
-          </a:prstGeom>
-          <a:noFill/>
-          <a:extLst>
-            <a:ext uri="{909E8E84-426E-40DD-AFC4-6F175D3DCCD1}">
-              <a14:hiddenFill xmlns:a14="http://schemas.microsoft.com/office/drawing/2010/main">
+            <a:r>
+              <a:rPr lang="pt-BR" dirty="0">
                 <a:solidFill>
-                  <a:srgbClr val="FFFFFF"/>
+                  <a:schemeClr val="tx1"/>
                 </a:solidFill>
-              </a14:hiddenFill>
-            </a:ext>
-          </a:extLst>
-        </p:spPr>
-      </p:pic>
-      <p:sp>
-        <p:nvSpPr>
-          <p:cNvPr id="12" name="CaixaDeTexto 11">
-            <a:extLst>
-              <a:ext uri="{FF2B5EF4-FFF2-40B4-BE49-F238E27FC236}">
-                <a16:creationId xmlns:a16="http://schemas.microsoft.com/office/drawing/2014/main" id="{BA9B7A29-1A26-4FB8-B824-C11DD27E60E6}"/>
-              </a:ext>
-            </a:extLst>
-          </p:cNvPr>
-          <p:cNvSpPr txBox="1"/>
-          <p:nvPr/>
-        </p:nvSpPr>
-        <p:spPr>
-          <a:xfrm>
-            <a:off x="6755227" y="1306694"/>
-            <a:ext cx="1480765" cy="523220"/>
-          </a:xfrm>
-          <a:prstGeom prst="rect">
-            <a:avLst/>
-          </a:prstGeom>
-          <a:noFill/>
-        </p:spPr>
-        <p:txBody>
-          <a:bodyPr wrap="square" rtlCol="0">
-            <a:spAutoFit/>
-          </a:bodyPr>
-          <a:lstStyle/>
-          <a:p>
-            <a:pPr algn="ctr"/>
-            <a:r>
-              <a:rPr lang="pt-BR" sz="1400" dirty="0"/>
-              <a:t>Comunicação</a:t>
-            </a:r>
-          </a:p>
-          <a:p>
-            <a:pPr algn="ctr"/>
-            <a:r>
-              <a:rPr lang="pt-BR" sz="1400" dirty="0"/>
-              <a:t>Node </a:t>
-            </a:r>
-            <a:r>
-              <a:rPr lang="pt-BR" sz="1400" dirty="0" err="1"/>
-              <a:t>js</a:t>
-            </a:r>
-            <a:endParaRPr lang="pt-BR" sz="1400" dirty="0"/>
-          </a:p>
-        </p:txBody>
-      </p:sp>
-      <p:pic>
-        <p:nvPicPr>
-          <p:cNvPr id="14" name="Imagem 13" descr="Logotipo, nome da empresa&#10;&#10;Descrição gerada automaticamente">
-            <a:extLst>
-              <a:ext uri="{FF2B5EF4-FFF2-40B4-BE49-F238E27FC236}">
-                <a16:creationId xmlns:a16="http://schemas.microsoft.com/office/drawing/2014/main" id="{C131E45E-AAA8-4092-97F7-314E8411F05B}"/>
-              </a:ext>
-            </a:extLst>
-          </p:cNvPr>
-          <p:cNvPicPr>
-            <a:picLocks noChangeAspect="1"/>
-          </p:cNvPicPr>
-          <p:nvPr/>
-        </p:nvPicPr>
-        <p:blipFill>
-          <a:blip r:embed="rId12">
-            <a:extLst>
-              <a:ext uri="{28A0092B-C50C-407E-A947-70E740481C1C}">
-                <a14:useLocalDpi xmlns:a14="http://schemas.microsoft.com/office/drawing/2010/main" val="0"/>
-              </a:ext>
-            </a:extLst>
-          </a:blip>
-          <a:stretch>
-            <a:fillRect/>
-          </a:stretch>
-        </p:blipFill>
-        <p:spPr>
-          <a:xfrm>
-            <a:off x="2924125" y="5483792"/>
-            <a:ext cx="403712" cy="403712"/>
-          </a:xfrm>
-          <a:prstGeom prst="rect">
-            <a:avLst/>
-          </a:prstGeom>
-        </p:spPr>
-      </p:pic>
-      <p:pic>
-        <p:nvPicPr>
-          <p:cNvPr id="19" name="Imagem 18" descr="Uma imagem contendo Forma&#10;&#10;Descrição gerada automaticamente">
-            <a:extLst>
-              <a:ext uri="{FF2B5EF4-FFF2-40B4-BE49-F238E27FC236}">
-                <a16:creationId xmlns:a16="http://schemas.microsoft.com/office/drawing/2014/main" id="{71F72E75-91AD-4FA7-9A33-1635686FD9A7}"/>
-              </a:ext>
-            </a:extLst>
-          </p:cNvPr>
-          <p:cNvPicPr>
-            <a:picLocks noChangeAspect="1"/>
-          </p:cNvPicPr>
-          <p:nvPr/>
-        </p:nvPicPr>
-        <p:blipFill>
-          <a:blip r:embed="rId13">
-            <a:extLst>
-              <a:ext uri="{28A0092B-C50C-407E-A947-70E740481C1C}">
-                <a14:useLocalDpi xmlns:a14="http://schemas.microsoft.com/office/drawing/2010/main" val="0"/>
-              </a:ext>
-            </a:extLst>
-          </a:blip>
-          <a:stretch>
-            <a:fillRect/>
-          </a:stretch>
-        </p:blipFill>
-        <p:spPr>
-          <a:xfrm>
-            <a:off x="3350296" y="5493206"/>
-            <a:ext cx="403713" cy="403713"/>
-          </a:xfrm>
-          <a:prstGeom prst="rect">
-            <a:avLst/>
-          </a:prstGeom>
-        </p:spPr>
-      </p:pic>
-      <p:sp>
-        <p:nvSpPr>
-          <p:cNvPr id="20" name="CaixaDeTexto 19">
-            <a:extLst>
-              <a:ext uri="{FF2B5EF4-FFF2-40B4-BE49-F238E27FC236}">
-                <a16:creationId xmlns:a16="http://schemas.microsoft.com/office/drawing/2014/main" id="{D49B4519-BABB-4AEB-BD5F-95A30CCBECB9}"/>
-              </a:ext>
-            </a:extLst>
-          </p:cNvPr>
-          <p:cNvSpPr txBox="1"/>
-          <p:nvPr/>
-        </p:nvSpPr>
-        <p:spPr>
-          <a:xfrm>
-            <a:off x="3923569" y="5401147"/>
-            <a:ext cx="1240499" cy="1061829"/>
-          </a:xfrm>
-          <a:prstGeom prst="rect">
-            <a:avLst/>
-          </a:prstGeom>
-          <a:noFill/>
-        </p:spPr>
-        <p:txBody>
-          <a:bodyPr wrap="square" rtlCol="0">
-            <a:spAutoFit/>
-          </a:bodyPr>
-          <a:lstStyle/>
-          <a:p>
-            <a:r>
-              <a:rPr lang="pt-BR" sz="900" dirty="0"/>
-              <a:t>Computador com software </a:t>
-            </a:r>
-            <a:r>
-              <a:rPr lang="pt-BR" sz="900" dirty="0" err="1"/>
-              <a:t>Telemon</a:t>
-            </a:r>
-            <a:r>
-              <a:rPr lang="pt-BR" sz="900" dirty="0"/>
-              <a:t> realizando o monitoramento de processos, hardware, capturando log erros e internet.</a:t>
-            </a:r>
-          </a:p>
-        </p:txBody>
-      </p:sp>
-      <p:sp>
-        <p:nvSpPr>
-          <p:cNvPr id="25" name="Retângulo 24">
-            <a:extLst>
-              <a:ext uri="{FF2B5EF4-FFF2-40B4-BE49-F238E27FC236}">
-                <a16:creationId xmlns:a16="http://schemas.microsoft.com/office/drawing/2014/main" id="{8EB74048-9285-413A-9703-C7912BBD29A0}"/>
-              </a:ext>
-            </a:extLst>
-          </p:cNvPr>
-          <p:cNvSpPr/>
-          <p:nvPr/>
-        </p:nvSpPr>
-        <p:spPr>
-          <a:xfrm>
-            <a:off x="4902424" y="1256382"/>
-            <a:ext cx="1622740" cy="499715"/>
-          </a:xfrm>
-          <a:prstGeom prst="rect">
-            <a:avLst/>
-          </a:prstGeom>
-          <a:solidFill>
-            <a:schemeClr val="bg1"/>
-          </a:solidFill>
-          <a:ln>
-            <a:noFill/>
-          </a:ln>
-        </p:spPr>
-        <p:style>
-          <a:lnRef idx="2">
-            <a:schemeClr val="accent1">
-              <a:shade val="50000"/>
-            </a:schemeClr>
-          </a:lnRef>
-          <a:fillRef idx="1">
-            <a:schemeClr val="accent1"/>
-          </a:fillRef>
-          <a:effectRef idx="0">
-            <a:schemeClr val="accent1"/>
-          </a:effectRef>
-          <a:fontRef idx="minor">
-            <a:schemeClr val="lt1"/>
-          </a:fontRef>
-        </p:style>
-        <p:txBody>
-          <a:bodyPr rtlCol="0" anchor="ctr"/>
-          <a:lstStyle/>
-          <a:p>
-            <a:pPr algn="ctr"/>
-            <a:endParaRPr lang="pt-BR" dirty="0"/>
-          </a:p>
-        </p:txBody>
-      </p:sp>
-      <p:pic>
-        <p:nvPicPr>
-          <p:cNvPr id="21" name="Picture 2" descr="JavaScript – Wikipédia, a enciclopédia livre">
-            <a:extLst>
-              <a:ext uri="{FF2B5EF4-FFF2-40B4-BE49-F238E27FC236}">
-                <a16:creationId xmlns:a16="http://schemas.microsoft.com/office/drawing/2014/main" id="{34293808-22F9-4A1F-BB2E-227976666610}"/>
-              </a:ext>
-            </a:extLst>
-          </p:cNvPr>
-          <p:cNvPicPr>
-            <a:picLocks noChangeAspect="1" noChangeArrowheads="1"/>
-          </p:cNvPicPr>
-          <p:nvPr/>
-        </p:nvPicPr>
-        <p:blipFill>
-          <a:blip r:embed="rId14">
-            <a:extLst>
-              <a:ext uri="{28A0092B-C50C-407E-A947-70E740481C1C}">
-                <a14:useLocalDpi xmlns:a14="http://schemas.microsoft.com/office/drawing/2010/main" val="0"/>
-              </a:ext>
-            </a:extLst>
-          </a:blip>
-          <a:srcRect/>
-          <a:stretch>
-            <a:fillRect/>
-          </a:stretch>
-        </p:blipFill>
-        <p:spPr bwMode="auto">
-          <a:xfrm>
-            <a:off x="4938550" y="1625352"/>
-            <a:ext cx="314629" cy="314629"/>
-          </a:xfrm>
-          <a:prstGeom prst="rect">
-            <a:avLst/>
-          </a:prstGeom>
-          <a:noFill/>
-          <a:extLst>
-            <a:ext uri="{909E8E84-426E-40DD-AFC4-6F175D3DCCD1}">
-              <a14:hiddenFill xmlns:a14="http://schemas.microsoft.com/office/drawing/2010/main">
-                <a:solidFill>
-                  <a:srgbClr val="FFFFFF"/>
-                </a:solidFill>
-              </a14:hiddenFill>
-            </a:ext>
-          </a:extLst>
-        </p:spPr>
-      </p:pic>
-      <p:pic>
-        <p:nvPicPr>
-          <p:cNvPr id="1030" name="Picture 6" descr="CSS - Wikipedia">
-            <a:extLst>
-              <a:ext uri="{FF2B5EF4-FFF2-40B4-BE49-F238E27FC236}">
-                <a16:creationId xmlns:a16="http://schemas.microsoft.com/office/drawing/2014/main" id="{A5935F69-9994-4969-962E-B2F0496FD926}"/>
-              </a:ext>
-            </a:extLst>
-          </p:cNvPr>
-          <p:cNvPicPr>
-            <a:picLocks noChangeAspect="1" noChangeArrowheads="1"/>
-          </p:cNvPicPr>
-          <p:nvPr/>
-        </p:nvPicPr>
-        <p:blipFill>
-          <a:blip r:embed="rId15">
-            <a:extLst>
-              <a:ext uri="{28A0092B-C50C-407E-A947-70E740481C1C}">
-                <a14:useLocalDpi xmlns:a14="http://schemas.microsoft.com/office/drawing/2010/main" val="0"/>
-              </a:ext>
-            </a:extLst>
-          </a:blip>
-          <a:srcRect/>
-          <a:stretch>
-            <a:fillRect/>
-          </a:stretch>
-        </p:blipFill>
-        <p:spPr bwMode="auto">
-          <a:xfrm>
-            <a:off x="5749222" y="1183775"/>
-            <a:ext cx="342432" cy="483118"/>
-          </a:xfrm>
-          <a:prstGeom prst="rect">
-            <a:avLst/>
-          </a:prstGeom>
-          <a:noFill/>
-          <a:extLst>
-            <a:ext uri="{909E8E84-426E-40DD-AFC4-6F175D3DCCD1}">
-              <a14:hiddenFill xmlns:a14="http://schemas.microsoft.com/office/drawing/2010/main">
-                <a:solidFill>
-                  <a:srgbClr val="FFFFFF"/>
-                </a:solidFill>
-              </a14:hiddenFill>
-            </a:ext>
-          </a:extLst>
-        </p:spPr>
-      </p:pic>
-      <p:pic>
-        <p:nvPicPr>
-          <p:cNvPr id="1028" name="Picture 4" descr="HTML5 – Wikipédia, a enciclopédia livre">
-            <a:extLst>
-              <a:ext uri="{FF2B5EF4-FFF2-40B4-BE49-F238E27FC236}">
-                <a16:creationId xmlns:a16="http://schemas.microsoft.com/office/drawing/2014/main" id="{192AFB79-DE18-40B9-9AA9-CFBC96C85AA8}"/>
-              </a:ext>
-            </a:extLst>
-          </p:cNvPr>
-          <p:cNvPicPr>
-            <a:picLocks noChangeAspect="1" noChangeArrowheads="1"/>
-          </p:cNvPicPr>
-          <p:nvPr/>
-        </p:nvPicPr>
-        <p:blipFill>
-          <a:blip r:embed="rId16">
-            <a:extLst>
-              <a:ext uri="{28A0092B-C50C-407E-A947-70E740481C1C}">
-                <a14:useLocalDpi xmlns:a14="http://schemas.microsoft.com/office/drawing/2010/main" val="0"/>
-              </a:ext>
-            </a:extLst>
-          </a:blip>
-          <a:srcRect/>
-          <a:stretch>
-            <a:fillRect/>
-          </a:stretch>
-        </p:blipFill>
-        <p:spPr bwMode="auto">
-          <a:xfrm>
-            <a:off x="5688694" y="673973"/>
-            <a:ext cx="463488" cy="463488"/>
-          </a:xfrm>
-          <a:prstGeom prst="rect">
-            <a:avLst/>
-          </a:prstGeom>
-          <a:noFill/>
-          <a:extLst>
-            <a:ext uri="{909E8E84-426E-40DD-AFC4-6F175D3DCCD1}">
-              <a14:hiddenFill xmlns:a14="http://schemas.microsoft.com/office/drawing/2010/main">
-                <a:solidFill>
-                  <a:srgbClr val="FFFFFF"/>
-                </a:solidFill>
-              </a14:hiddenFill>
-            </a:ext>
-          </a:extLst>
-        </p:spPr>
-      </p:pic>
-      <p:pic>
-        <p:nvPicPr>
-          <p:cNvPr id="27" name="Picture 2" descr="Node.js – Wikipédia, a enciclopédia livre">
-            <a:extLst>
-              <a:ext uri="{FF2B5EF4-FFF2-40B4-BE49-F238E27FC236}">
-                <a16:creationId xmlns:a16="http://schemas.microsoft.com/office/drawing/2014/main" id="{C306C458-5AE6-4141-B5F7-B50D6F7B0AF2}"/>
-              </a:ext>
-            </a:extLst>
-          </p:cNvPr>
-          <p:cNvPicPr>
-            <a:picLocks noChangeAspect="1" noChangeArrowheads="1"/>
-          </p:cNvPicPr>
-          <p:nvPr/>
-        </p:nvPicPr>
-        <p:blipFill>
-          <a:blip r:embed="rId11">
-            <a:extLst>
-              <a:ext uri="{28A0092B-C50C-407E-A947-70E740481C1C}">
-                <a14:useLocalDpi xmlns:a14="http://schemas.microsoft.com/office/drawing/2010/main" val="0"/>
-              </a:ext>
-            </a:extLst>
-          </a:blip>
-          <a:srcRect/>
-          <a:stretch>
-            <a:fillRect/>
-          </a:stretch>
-        </p:blipFill>
-        <p:spPr bwMode="auto">
-          <a:xfrm>
-            <a:off x="5043792" y="499081"/>
-            <a:ext cx="598728" cy="366205"/>
-          </a:xfrm>
-          <a:prstGeom prst="rect">
-            <a:avLst/>
-          </a:prstGeom>
-          <a:noFill/>
-          <a:extLst>
-            <a:ext uri="{909E8E84-426E-40DD-AFC4-6F175D3DCCD1}">
-              <a14:hiddenFill xmlns:a14="http://schemas.microsoft.com/office/drawing/2010/main">
-                <a:solidFill>
-                  <a:srgbClr val="FFFFFF"/>
-                </a:solidFill>
-              </a14:hiddenFill>
-            </a:ext>
-          </a:extLst>
-        </p:spPr>
-      </p:pic>
-      <p:pic>
-        <p:nvPicPr>
-          <p:cNvPr id="1032" name="Picture 8" descr="Bootstrap em Português · O mais popular framework front-end responsivo e  focado para dispositivos móveis do mundo.">
-            <a:extLst>
-              <a:ext uri="{FF2B5EF4-FFF2-40B4-BE49-F238E27FC236}">
-                <a16:creationId xmlns:a16="http://schemas.microsoft.com/office/drawing/2014/main" id="{C3798B4D-CE1E-4347-9F1E-D9E94B864595}"/>
-              </a:ext>
-            </a:extLst>
-          </p:cNvPr>
-          <p:cNvPicPr>
-            <a:picLocks noChangeAspect="1" noChangeArrowheads="1"/>
-          </p:cNvPicPr>
-          <p:nvPr/>
-        </p:nvPicPr>
-        <p:blipFill>
-          <a:blip r:embed="rId17">
-            <a:extLst>
-              <a:ext uri="{28A0092B-C50C-407E-A947-70E740481C1C}">
-                <a14:useLocalDpi xmlns:a14="http://schemas.microsoft.com/office/drawing/2010/main" val="0"/>
-              </a:ext>
-            </a:extLst>
-          </a:blip>
-          <a:srcRect/>
-          <a:stretch>
-            <a:fillRect/>
-          </a:stretch>
-        </p:blipFill>
-        <p:spPr bwMode="auto">
-          <a:xfrm>
-            <a:off x="5228413" y="1606313"/>
-            <a:ext cx="620279" cy="385059"/>
-          </a:xfrm>
-          <a:prstGeom prst="rect">
-            <a:avLst/>
-          </a:prstGeom>
-          <a:noFill/>
-          <a:extLst>
-            <a:ext uri="{909E8E84-426E-40DD-AFC4-6F175D3DCCD1}">
-              <a14:hiddenFill xmlns:a14="http://schemas.microsoft.com/office/drawing/2010/main">
-                <a:solidFill>
-                  <a:srgbClr val="FFFFFF"/>
-                </a:solidFill>
-              </a14:hiddenFill>
-            </a:ext>
-          </a:extLst>
-        </p:spPr>
-      </p:pic>
-      <p:pic>
-        <p:nvPicPr>
-          <p:cNvPr id="1034" name="Picture 10" descr="Amazon Web Services - Wikipedia">
-            <a:extLst>
-              <a:ext uri="{FF2B5EF4-FFF2-40B4-BE49-F238E27FC236}">
-                <a16:creationId xmlns:a16="http://schemas.microsoft.com/office/drawing/2014/main" id="{0A17543D-B318-4190-9DFE-A65CBABEA3DD}"/>
-              </a:ext>
-            </a:extLst>
-          </p:cNvPr>
-          <p:cNvPicPr>
-            <a:picLocks noChangeAspect="1" noChangeArrowheads="1"/>
-          </p:cNvPicPr>
-          <p:nvPr/>
-        </p:nvPicPr>
-        <p:blipFill>
-          <a:blip r:embed="rId18">
-            <a:extLst>
-              <a:ext uri="{28A0092B-C50C-407E-A947-70E740481C1C}">
-                <a14:useLocalDpi xmlns:a14="http://schemas.microsoft.com/office/drawing/2010/main" val="0"/>
-              </a:ext>
-            </a:extLst>
-          </a:blip>
-          <a:srcRect/>
-          <a:stretch>
-            <a:fillRect/>
-          </a:stretch>
-        </p:blipFill>
-        <p:spPr bwMode="auto">
-          <a:xfrm>
-            <a:off x="3274511" y="171129"/>
-            <a:ext cx="620249" cy="319283"/>
-          </a:xfrm>
-          <a:prstGeom prst="rect">
-            <a:avLst/>
-          </a:prstGeom>
-          <a:noFill/>
-          <a:extLst>
-            <a:ext uri="{909E8E84-426E-40DD-AFC4-6F175D3DCCD1}">
-              <a14:hiddenFill xmlns:a14="http://schemas.microsoft.com/office/drawing/2010/main">
-                <a:solidFill>
-                  <a:srgbClr val="FFFFFF"/>
-                </a:solidFill>
-              </a14:hiddenFill>
-            </a:ext>
-          </a:extLst>
-        </p:spPr>
-      </p:pic>
-      <p:pic>
-        <p:nvPicPr>
-          <p:cNvPr id="1036" name="Picture 12" descr="Free Icon | Database">
-            <a:extLst>
-              <a:ext uri="{FF2B5EF4-FFF2-40B4-BE49-F238E27FC236}">
-                <a16:creationId xmlns:a16="http://schemas.microsoft.com/office/drawing/2014/main" id="{C54354EB-503C-441F-97D3-4FF1B87FEE62}"/>
-              </a:ext>
-            </a:extLst>
-          </p:cNvPr>
-          <p:cNvPicPr>
-            <a:picLocks noChangeAspect="1" noChangeArrowheads="1"/>
-          </p:cNvPicPr>
-          <p:nvPr/>
-        </p:nvPicPr>
-        <p:blipFill>
-          <a:blip r:embed="rId19">
-            <a:extLst>
-              <a:ext uri="{28A0092B-C50C-407E-A947-70E740481C1C}">
-                <a14:useLocalDpi xmlns:a14="http://schemas.microsoft.com/office/drawing/2010/main" val="0"/>
-              </a:ext>
-            </a:extLst>
-          </a:blip>
-          <a:srcRect/>
-          <a:stretch>
-            <a:fillRect/>
-          </a:stretch>
-        </p:blipFill>
-        <p:spPr bwMode="auto">
-          <a:xfrm>
-            <a:off x="3515800" y="789948"/>
-            <a:ext cx="785366" cy="785366"/>
-          </a:xfrm>
-          <a:prstGeom prst="rect">
-            <a:avLst/>
-          </a:prstGeom>
-          <a:noFill/>
-          <a:extLst>
-            <a:ext uri="{909E8E84-426E-40DD-AFC4-6F175D3DCCD1}">
-              <a14:hiddenFill xmlns:a14="http://schemas.microsoft.com/office/drawing/2010/main">
-                <a:solidFill>
-                  <a:srgbClr val="FFFFFF"/>
-                </a:solidFill>
-              </a14:hiddenFill>
-            </a:ext>
-          </a:extLst>
-        </p:spPr>
-      </p:pic>
-      <p:pic>
-        <p:nvPicPr>
-          <p:cNvPr id="31" name="Imagem 30" descr="Uma imagem contendo Forma&#10;&#10;Descrição gerada automaticamente">
-            <a:extLst>
-              <a:ext uri="{FF2B5EF4-FFF2-40B4-BE49-F238E27FC236}">
-                <a16:creationId xmlns:a16="http://schemas.microsoft.com/office/drawing/2014/main" id="{C96167A5-570E-409C-933E-D9F7CD73CE3B}"/>
-              </a:ext>
-            </a:extLst>
-          </p:cNvPr>
-          <p:cNvPicPr>
-            <a:picLocks noChangeAspect="1"/>
-          </p:cNvPicPr>
-          <p:nvPr/>
-        </p:nvPicPr>
-        <p:blipFill>
-          <a:blip r:embed="rId20">
-            <a:extLst>
-              <a:ext uri="{28A0092B-C50C-407E-A947-70E740481C1C}">
-                <a14:useLocalDpi xmlns:a14="http://schemas.microsoft.com/office/drawing/2010/main" val="0"/>
-              </a:ext>
-            </a:extLst>
-          </a:blip>
-          <a:stretch>
-            <a:fillRect/>
-          </a:stretch>
-        </p:blipFill>
-        <p:spPr>
-          <a:xfrm>
-            <a:off x="5010212" y="902664"/>
-            <a:ext cx="647933" cy="647933"/>
-          </a:xfrm>
-          <a:prstGeom prst="rect">
-            <a:avLst/>
-          </a:prstGeom>
-        </p:spPr>
-      </p:pic>
+              </a:rPr>
+              <a:t>SWING</a:t>
+            </a:r>
+          </a:p>
+        </p:txBody>
+      </p:sp>
     </p:spTree>
     <p:extLst>
       <p:ext uri="{BB962C8B-B14F-4D97-AF65-F5344CB8AC3E}">
-        <p14:creationId xmlns:p14="http://schemas.microsoft.com/office/powerpoint/2010/main" val="2619191552"/>
+        <p14:creationId xmlns:p14="http://schemas.microsoft.com/office/powerpoint/2010/main" val="310172190"/>
       </p:ext>
     </p:extLst>
   </p:cSld>
@@ -6554,12 +6662,1141 @@
           <a:chExt cx="0" cy="0"/>
         </a:xfrm>
       </p:grpSpPr>
-      <p:sp>
-        <p:nvSpPr>
-          <p:cNvPr id="4" name="Retângulo 3">
-            <a:extLst>
-              <a:ext uri="{FF2B5EF4-FFF2-40B4-BE49-F238E27FC236}">
-                <a16:creationId xmlns:a16="http://schemas.microsoft.com/office/drawing/2014/main" id="{06EEFDB7-FAE6-49C2-A6C2-3E1C9D997985}"/>
+      <p:pic>
+        <p:nvPicPr>
+          <p:cNvPr id="16" name="Imagem 15">
+            <a:extLst>
+              <a:ext uri="{FF2B5EF4-FFF2-40B4-BE49-F238E27FC236}">
+                <a16:creationId xmlns:a16="http://schemas.microsoft.com/office/drawing/2014/main" id="{F080E30E-48F9-44E0-BB36-75BC3D0889E5}"/>
+              </a:ext>
+            </a:extLst>
+          </p:cNvPr>
+          <p:cNvPicPr>
+            <a:picLocks noChangeAspect="1"/>
+          </p:cNvPicPr>
+          <p:nvPr/>
+        </p:nvPicPr>
+        <p:blipFill>
+          <a:blip r:embed="rId2">
+            <a:extLst>
+              <a:ext uri="{28A0092B-C50C-407E-A947-70E740481C1C}">
+                <a14:useLocalDpi xmlns:a14="http://schemas.microsoft.com/office/drawing/2010/main" val="0"/>
+              </a:ext>
+            </a:extLst>
+          </a:blip>
+          <a:stretch>
+            <a:fillRect/>
+          </a:stretch>
+        </p:blipFill>
+        <p:spPr>
+          <a:xfrm>
+            <a:off x="2707588" y="5397634"/>
+            <a:ext cx="1240498" cy="979740"/>
+          </a:xfrm>
+          <a:prstGeom prst="rect">
+            <a:avLst/>
+          </a:prstGeom>
+        </p:spPr>
+      </p:pic>
+      <p:pic>
+        <p:nvPicPr>
+          <p:cNvPr id="26" name="Imagem 25">
+            <a:extLst>
+              <a:ext uri="{FF2B5EF4-FFF2-40B4-BE49-F238E27FC236}">
+                <a16:creationId xmlns:a16="http://schemas.microsoft.com/office/drawing/2014/main" id="{C9BA60CF-EE2A-4753-B028-FFAAD68A14CF}"/>
+              </a:ext>
+            </a:extLst>
+          </p:cNvPr>
+          <p:cNvPicPr>
+            <a:picLocks noChangeAspect="1"/>
+          </p:cNvPicPr>
+          <p:nvPr/>
+        </p:nvPicPr>
+        <p:blipFill>
+          <a:blip r:embed="rId3">
+            <a:extLst>
+              <a:ext uri="{28A0092B-C50C-407E-A947-70E740481C1C}">
+                <a14:useLocalDpi xmlns:a14="http://schemas.microsoft.com/office/drawing/2010/main" val="0"/>
+              </a:ext>
+            </a:extLst>
+          </a:blip>
+          <a:stretch>
+            <a:fillRect/>
+          </a:stretch>
+        </p:blipFill>
+        <p:spPr>
+          <a:xfrm>
+            <a:off x="2729119" y="3697182"/>
+            <a:ext cx="817927" cy="817927"/>
+          </a:xfrm>
+          <a:prstGeom prst="rect">
+            <a:avLst/>
+          </a:prstGeom>
+        </p:spPr>
+      </p:pic>
+      <p:cxnSp>
+        <p:nvCxnSpPr>
+          <p:cNvPr id="28" name="Conector: Curvo 27">
+            <a:extLst>
+              <a:ext uri="{FF2B5EF4-FFF2-40B4-BE49-F238E27FC236}">
+                <a16:creationId xmlns:a16="http://schemas.microsoft.com/office/drawing/2014/main" id="{FCCB8A71-8097-4DA8-9661-AD0C34FFD1EC}"/>
+              </a:ext>
+            </a:extLst>
+          </p:cNvPr>
+          <p:cNvCxnSpPr>
+            <a:cxnSpLocks/>
+          </p:cNvCxnSpPr>
+          <p:nvPr/>
+        </p:nvCxnSpPr>
+        <p:spPr>
+          <a:xfrm rot="16200000" flipV="1">
+            <a:off x="3001467" y="4626313"/>
+            <a:ext cx="654602" cy="511735"/>
+          </a:xfrm>
+          <a:prstGeom prst="curvedConnector3">
+            <a:avLst>
+              <a:gd name="adj1" fmla="val 50000"/>
+            </a:avLst>
+          </a:prstGeom>
+          <a:ln>
+            <a:tailEnd type="triangle"/>
+          </a:ln>
+        </p:spPr>
+        <p:style>
+          <a:lnRef idx="1">
+            <a:schemeClr val="dk1"/>
+          </a:lnRef>
+          <a:fillRef idx="0">
+            <a:schemeClr val="dk1"/>
+          </a:fillRef>
+          <a:effectRef idx="0">
+            <a:schemeClr val="dk1"/>
+          </a:effectRef>
+          <a:fontRef idx="minor">
+            <a:schemeClr val="tx1"/>
+          </a:fontRef>
+        </p:style>
+      </p:cxnSp>
+      <p:pic>
+        <p:nvPicPr>
+          <p:cNvPr id="39" name="Imagem 38">
+            <a:extLst>
+              <a:ext uri="{FF2B5EF4-FFF2-40B4-BE49-F238E27FC236}">
+                <a16:creationId xmlns:a16="http://schemas.microsoft.com/office/drawing/2014/main" id="{A81C007A-8E4E-4DD2-80DD-81450FFA1191}"/>
+              </a:ext>
+            </a:extLst>
+          </p:cNvPr>
+          <p:cNvPicPr>
+            <a:picLocks noChangeAspect="1"/>
+          </p:cNvPicPr>
+          <p:nvPr/>
+        </p:nvPicPr>
+        <p:blipFill>
+          <a:blip r:embed="rId4">
+            <a:extLst>
+              <a:ext uri="{28A0092B-C50C-407E-A947-70E740481C1C}">
+                <a14:useLocalDpi xmlns:a14="http://schemas.microsoft.com/office/drawing/2010/main" val="0"/>
+              </a:ext>
+            </a:extLst>
+          </a:blip>
+          <a:stretch>
+            <a:fillRect/>
+          </a:stretch>
+        </p:blipFill>
+        <p:spPr>
+          <a:xfrm>
+            <a:off x="1893982" y="2774975"/>
+            <a:ext cx="567263" cy="567263"/>
+          </a:xfrm>
+          <a:prstGeom prst="rect">
+            <a:avLst/>
+          </a:prstGeom>
+        </p:spPr>
+      </p:pic>
+      <p:pic>
+        <p:nvPicPr>
+          <p:cNvPr id="64" name="Imagem 63">
+            <a:extLst>
+              <a:ext uri="{FF2B5EF4-FFF2-40B4-BE49-F238E27FC236}">
+                <a16:creationId xmlns:a16="http://schemas.microsoft.com/office/drawing/2014/main" id="{D9BAB039-6E5B-4B28-AA6F-C86923CDD340}"/>
+              </a:ext>
+            </a:extLst>
+          </p:cNvPr>
+          <p:cNvPicPr>
+            <a:picLocks noChangeAspect="1"/>
+          </p:cNvPicPr>
+          <p:nvPr/>
+        </p:nvPicPr>
+        <p:blipFill>
+          <a:blip r:embed="rId5">
+            <a:extLst>
+              <a:ext uri="{28A0092B-C50C-407E-A947-70E740481C1C}">
+                <a14:useLocalDpi xmlns:a14="http://schemas.microsoft.com/office/drawing/2010/main" val="0"/>
+              </a:ext>
+            </a:extLst>
+          </a:blip>
+          <a:stretch>
+            <a:fillRect/>
+          </a:stretch>
+        </p:blipFill>
+        <p:spPr>
+          <a:xfrm>
+            <a:off x="5223924" y="1915005"/>
+            <a:ext cx="979740" cy="979740"/>
+          </a:xfrm>
+          <a:prstGeom prst="rect">
+            <a:avLst/>
+          </a:prstGeom>
+        </p:spPr>
+      </p:pic>
+      <p:cxnSp>
+        <p:nvCxnSpPr>
+          <p:cNvPr id="66" name="Conector de Seta Reta 65">
+            <a:extLst>
+              <a:ext uri="{FF2B5EF4-FFF2-40B4-BE49-F238E27FC236}">
+                <a16:creationId xmlns:a16="http://schemas.microsoft.com/office/drawing/2014/main" id="{83E469DC-846C-418D-853A-714F63F2B8DA}"/>
+              </a:ext>
+            </a:extLst>
+          </p:cNvPr>
+          <p:cNvCxnSpPr>
+            <a:cxnSpLocks/>
+          </p:cNvCxnSpPr>
+          <p:nvPr/>
+        </p:nvCxnSpPr>
+        <p:spPr>
+          <a:xfrm flipH="1" flipV="1">
+            <a:off x="2267310" y="3402693"/>
+            <a:ext cx="444194" cy="422101"/>
+          </a:xfrm>
+          <a:prstGeom prst="straightConnector1">
+            <a:avLst/>
+          </a:prstGeom>
+          <a:ln w="9525" cap="flat" cmpd="sng" algn="ctr">
+            <a:solidFill>
+              <a:schemeClr val="dk1"/>
+            </a:solidFill>
+            <a:prstDash val="solid"/>
+            <a:round/>
+            <a:headEnd type="arrow" w="med" len="med"/>
+            <a:tailEnd type="arrow" w="med" len="med"/>
+          </a:ln>
+        </p:spPr>
+        <p:style>
+          <a:lnRef idx="0">
+            <a:scrgbClr r="0" g="0" b="0"/>
+          </a:lnRef>
+          <a:fillRef idx="0">
+            <a:scrgbClr r="0" g="0" b="0"/>
+          </a:fillRef>
+          <a:effectRef idx="0">
+            <a:scrgbClr r="0" g="0" b="0"/>
+          </a:effectRef>
+          <a:fontRef idx="minor">
+            <a:schemeClr val="tx1"/>
+          </a:fontRef>
+        </p:style>
+      </p:cxnSp>
+      <p:cxnSp>
+        <p:nvCxnSpPr>
+          <p:cNvPr id="68" name="Conector de Seta Reta 67">
+            <a:extLst>
+              <a:ext uri="{FF2B5EF4-FFF2-40B4-BE49-F238E27FC236}">
+                <a16:creationId xmlns:a16="http://schemas.microsoft.com/office/drawing/2014/main" id="{8C10B952-8765-4D4B-A28B-A6F214A05649}"/>
+              </a:ext>
+            </a:extLst>
+          </p:cNvPr>
+          <p:cNvCxnSpPr>
+            <a:cxnSpLocks/>
+          </p:cNvCxnSpPr>
+          <p:nvPr/>
+        </p:nvCxnSpPr>
+        <p:spPr>
+          <a:xfrm flipV="1">
+            <a:off x="2558678" y="2454452"/>
+            <a:ext cx="2325495" cy="541143"/>
+          </a:xfrm>
+          <a:prstGeom prst="straightConnector1">
+            <a:avLst/>
+          </a:prstGeom>
+          <a:ln w="9525" cap="flat" cmpd="sng" algn="ctr">
+            <a:solidFill>
+              <a:schemeClr val="dk1"/>
+            </a:solidFill>
+            <a:prstDash val="solid"/>
+            <a:round/>
+            <a:headEnd type="arrow" w="med" len="med"/>
+            <a:tailEnd type="arrow" w="med" len="med"/>
+          </a:ln>
+        </p:spPr>
+        <p:style>
+          <a:lnRef idx="0">
+            <a:scrgbClr r="0" g="0" b="0"/>
+          </a:lnRef>
+          <a:fillRef idx="0">
+            <a:scrgbClr r="0" g="0" b="0"/>
+          </a:fillRef>
+          <a:effectRef idx="0">
+            <a:scrgbClr r="0" g="0" b="0"/>
+          </a:effectRef>
+          <a:fontRef idx="minor">
+            <a:schemeClr val="tx1"/>
+          </a:fontRef>
+        </p:style>
+      </p:cxnSp>
+      <p:pic>
+        <p:nvPicPr>
+          <p:cNvPr id="70" name="Imagem 69">
+            <a:extLst>
+              <a:ext uri="{FF2B5EF4-FFF2-40B4-BE49-F238E27FC236}">
+                <a16:creationId xmlns:a16="http://schemas.microsoft.com/office/drawing/2014/main" id="{0FF3220E-6800-4984-A6F3-8C52C069A45C}"/>
+              </a:ext>
+            </a:extLst>
+          </p:cNvPr>
+          <p:cNvPicPr>
+            <a:picLocks noChangeAspect="1"/>
+          </p:cNvPicPr>
+          <p:nvPr/>
+        </p:nvPicPr>
+        <p:blipFill>
+          <a:blip r:embed="rId4">
+            <a:extLst>
+              <a:ext uri="{28A0092B-C50C-407E-A947-70E740481C1C}">
+                <a14:useLocalDpi xmlns:a14="http://schemas.microsoft.com/office/drawing/2010/main" val="0"/>
+              </a:ext>
+            </a:extLst>
+          </a:blip>
+          <a:stretch>
+            <a:fillRect/>
+          </a:stretch>
+        </p:blipFill>
+        <p:spPr>
+          <a:xfrm flipH="1">
+            <a:off x="9250653" y="3028426"/>
+            <a:ext cx="567263" cy="567263"/>
+          </a:xfrm>
+          <a:prstGeom prst="rect">
+            <a:avLst/>
+          </a:prstGeom>
+          <a:scene3d>
+            <a:camera prst="orthographicFront">
+              <a:rot lat="0" lon="300000" rev="0"/>
+            </a:camera>
+            <a:lightRig rig="threePt" dir="t"/>
+          </a:scene3d>
+        </p:spPr>
+      </p:pic>
+      <p:cxnSp>
+        <p:nvCxnSpPr>
+          <p:cNvPr id="72" name="Conector de Seta Reta 71">
+            <a:extLst>
+              <a:ext uri="{FF2B5EF4-FFF2-40B4-BE49-F238E27FC236}">
+                <a16:creationId xmlns:a16="http://schemas.microsoft.com/office/drawing/2014/main" id="{E39A84D5-791D-428F-8A43-562265A600C5}"/>
+              </a:ext>
+            </a:extLst>
+          </p:cNvPr>
+          <p:cNvCxnSpPr>
+            <a:cxnSpLocks/>
+          </p:cNvCxnSpPr>
+          <p:nvPr/>
+        </p:nvCxnSpPr>
+        <p:spPr>
+          <a:xfrm flipH="1" flipV="1">
+            <a:off x="6543415" y="2415161"/>
+            <a:ext cx="2457972" cy="613265"/>
+          </a:xfrm>
+          <a:prstGeom prst="straightConnector1">
+            <a:avLst/>
+          </a:prstGeom>
+          <a:ln w="9525" cap="flat" cmpd="sng" algn="ctr">
+            <a:solidFill>
+              <a:schemeClr val="dk1"/>
+            </a:solidFill>
+            <a:prstDash val="solid"/>
+            <a:round/>
+            <a:headEnd type="arrow" w="med" len="med"/>
+            <a:tailEnd type="arrow" w="med" len="med"/>
+          </a:ln>
+        </p:spPr>
+        <p:style>
+          <a:lnRef idx="0">
+            <a:scrgbClr r="0" g="0" b="0"/>
+          </a:lnRef>
+          <a:fillRef idx="0">
+            <a:scrgbClr r="0" g="0" b="0"/>
+          </a:fillRef>
+          <a:effectRef idx="0">
+            <a:scrgbClr r="0" g="0" b="0"/>
+          </a:effectRef>
+          <a:fontRef idx="minor">
+            <a:schemeClr val="tx1"/>
+          </a:fontRef>
+        </p:style>
+      </p:cxnSp>
+      <p:pic>
+        <p:nvPicPr>
+          <p:cNvPr id="80" name="Imagem 79">
+            <a:extLst>
+              <a:ext uri="{FF2B5EF4-FFF2-40B4-BE49-F238E27FC236}">
+                <a16:creationId xmlns:a16="http://schemas.microsoft.com/office/drawing/2014/main" id="{8B2204F4-AF5C-4DFA-83D7-3C46B1F2C9EA}"/>
+              </a:ext>
+            </a:extLst>
+          </p:cNvPr>
+          <p:cNvPicPr>
+            <a:picLocks noChangeAspect="1"/>
+          </p:cNvPicPr>
+          <p:nvPr/>
+        </p:nvPicPr>
+        <p:blipFill>
+          <a:blip r:embed="rId3">
+            <a:extLst>
+              <a:ext uri="{28A0092B-C50C-407E-A947-70E740481C1C}">
+                <a14:useLocalDpi xmlns:a14="http://schemas.microsoft.com/office/drawing/2010/main" val="0"/>
+              </a:ext>
+            </a:extLst>
+          </a:blip>
+          <a:stretch>
+            <a:fillRect/>
+          </a:stretch>
+        </p:blipFill>
+        <p:spPr>
+          <a:xfrm>
+            <a:off x="8235992" y="3760875"/>
+            <a:ext cx="817927" cy="817927"/>
+          </a:xfrm>
+          <a:prstGeom prst="rect">
+            <a:avLst/>
+          </a:prstGeom>
+        </p:spPr>
+      </p:pic>
+      <p:cxnSp>
+        <p:nvCxnSpPr>
+          <p:cNvPr id="84" name="Conector de Seta Reta 83">
+            <a:extLst>
+              <a:ext uri="{FF2B5EF4-FFF2-40B4-BE49-F238E27FC236}">
+                <a16:creationId xmlns:a16="http://schemas.microsoft.com/office/drawing/2014/main" id="{2FDB96BF-EA25-4352-85B6-623838CA487A}"/>
+              </a:ext>
+            </a:extLst>
+          </p:cNvPr>
+          <p:cNvCxnSpPr/>
+          <p:nvPr/>
+        </p:nvCxnSpPr>
+        <p:spPr>
+          <a:xfrm flipV="1">
+            <a:off x="8929286" y="3595689"/>
+            <a:ext cx="249266" cy="240044"/>
+          </a:xfrm>
+          <a:prstGeom prst="straightConnector1">
+            <a:avLst/>
+          </a:prstGeom>
+          <a:ln w="9525" cap="flat" cmpd="sng" algn="ctr">
+            <a:solidFill>
+              <a:schemeClr val="dk1"/>
+            </a:solidFill>
+            <a:prstDash val="solid"/>
+            <a:round/>
+            <a:headEnd type="arrow" w="med" len="med"/>
+            <a:tailEnd type="arrow" w="med" len="med"/>
+          </a:ln>
+        </p:spPr>
+        <p:style>
+          <a:lnRef idx="0">
+            <a:scrgbClr r="0" g="0" b="0"/>
+          </a:lnRef>
+          <a:fillRef idx="0">
+            <a:scrgbClr r="0" g="0" b="0"/>
+          </a:fillRef>
+          <a:effectRef idx="0">
+            <a:scrgbClr r="0" g="0" b="0"/>
+          </a:effectRef>
+          <a:fontRef idx="minor">
+            <a:schemeClr val="tx1"/>
+          </a:fontRef>
+        </p:style>
+      </p:cxnSp>
+      <p:cxnSp>
+        <p:nvCxnSpPr>
+          <p:cNvPr id="86" name="Conector de Seta Reta 85">
+            <a:extLst>
+              <a:ext uri="{FF2B5EF4-FFF2-40B4-BE49-F238E27FC236}">
+                <a16:creationId xmlns:a16="http://schemas.microsoft.com/office/drawing/2014/main" id="{2CA3420B-248A-4424-8004-E110F69B9358}"/>
+              </a:ext>
+            </a:extLst>
+          </p:cNvPr>
+          <p:cNvCxnSpPr>
+            <a:cxnSpLocks/>
+          </p:cNvCxnSpPr>
+          <p:nvPr/>
+        </p:nvCxnSpPr>
+        <p:spPr>
+          <a:xfrm>
+            <a:off x="9995539" y="3640853"/>
+            <a:ext cx="152022" cy="298122"/>
+          </a:xfrm>
+          <a:prstGeom prst="straightConnector1">
+            <a:avLst/>
+          </a:prstGeom>
+          <a:ln w="9525" cap="flat" cmpd="sng" algn="ctr">
+            <a:solidFill>
+              <a:schemeClr val="dk1"/>
+            </a:solidFill>
+            <a:prstDash val="solid"/>
+            <a:round/>
+            <a:headEnd type="arrow" w="med" len="med"/>
+            <a:tailEnd type="arrow" w="med" len="med"/>
+          </a:ln>
+        </p:spPr>
+        <p:style>
+          <a:lnRef idx="0">
+            <a:scrgbClr r="0" g="0" b="0"/>
+          </a:lnRef>
+          <a:fillRef idx="0">
+            <a:scrgbClr r="0" g="0" b="0"/>
+          </a:fillRef>
+          <a:effectRef idx="0">
+            <a:scrgbClr r="0" g="0" b="0"/>
+          </a:effectRef>
+          <a:fontRef idx="minor">
+            <a:schemeClr val="tx1"/>
+          </a:fontRef>
+        </p:style>
+      </p:cxnSp>
+      <p:sp>
+        <p:nvSpPr>
+          <p:cNvPr id="89" name="CaixaDeTexto 88">
+            <a:extLst>
+              <a:ext uri="{FF2B5EF4-FFF2-40B4-BE49-F238E27FC236}">
+                <a16:creationId xmlns:a16="http://schemas.microsoft.com/office/drawing/2014/main" id="{C9D9D231-3B5D-459E-9F07-70D804399E2E}"/>
+              </a:ext>
+            </a:extLst>
+          </p:cNvPr>
+          <p:cNvSpPr txBox="1"/>
+          <p:nvPr/>
+        </p:nvSpPr>
+        <p:spPr>
+          <a:xfrm>
+            <a:off x="9917609" y="4053444"/>
+            <a:ext cx="817927" cy="430887"/>
+          </a:xfrm>
+          <a:prstGeom prst="rect">
+            <a:avLst/>
+          </a:prstGeom>
+          <a:noFill/>
+        </p:spPr>
+        <p:txBody>
+          <a:bodyPr wrap="square" rtlCol="0">
+            <a:spAutoFit/>
+          </a:bodyPr>
+          <a:lstStyle/>
+          <a:p>
+            <a:r>
+              <a:rPr lang="pt-BR" sz="1100" dirty="0"/>
+              <a:t>REDE 3G, 4G, 5G</a:t>
+            </a:r>
+          </a:p>
+        </p:txBody>
+      </p:sp>
+      <p:pic>
+        <p:nvPicPr>
+          <p:cNvPr id="91" name="Imagem 90">
+            <a:extLst>
+              <a:ext uri="{FF2B5EF4-FFF2-40B4-BE49-F238E27FC236}">
+                <a16:creationId xmlns:a16="http://schemas.microsoft.com/office/drawing/2014/main" id="{413FCE52-9E42-42C4-8D09-B45934FDA216}"/>
+              </a:ext>
+            </a:extLst>
+          </p:cNvPr>
+          <p:cNvPicPr>
+            <a:picLocks noChangeAspect="1"/>
+          </p:cNvPicPr>
+          <p:nvPr/>
+        </p:nvPicPr>
+        <p:blipFill>
+          <a:blip r:embed="rId2">
+            <a:extLst>
+              <a:ext uri="{28A0092B-C50C-407E-A947-70E740481C1C}">
+                <a14:useLocalDpi xmlns:a14="http://schemas.microsoft.com/office/drawing/2010/main" val="0"/>
+              </a:ext>
+            </a:extLst>
+          </a:blip>
+          <a:stretch>
+            <a:fillRect/>
+          </a:stretch>
+        </p:blipFill>
+        <p:spPr>
+          <a:xfrm>
+            <a:off x="8096140" y="5378755"/>
+            <a:ext cx="1240498" cy="979740"/>
+          </a:xfrm>
+          <a:prstGeom prst="rect">
+            <a:avLst/>
+          </a:prstGeom>
+        </p:spPr>
+      </p:pic>
+      <p:pic>
+        <p:nvPicPr>
+          <p:cNvPr id="93" name="Imagem 92">
+            <a:extLst>
+              <a:ext uri="{FF2B5EF4-FFF2-40B4-BE49-F238E27FC236}">
+                <a16:creationId xmlns:a16="http://schemas.microsoft.com/office/drawing/2014/main" id="{63E9CCF7-0455-42A7-B3B4-AEC2412E858C}"/>
+              </a:ext>
+            </a:extLst>
+          </p:cNvPr>
+          <p:cNvPicPr>
+            <a:picLocks noChangeAspect="1"/>
+          </p:cNvPicPr>
+          <p:nvPr/>
+        </p:nvPicPr>
+        <p:blipFill>
+          <a:blip r:embed="rId6">
+            <a:extLst>
+              <a:ext uri="{28A0092B-C50C-407E-A947-70E740481C1C}">
+                <a14:useLocalDpi xmlns:a14="http://schemas.microsoft.com/office/drawing/2010/main" val="0"/>
+              </a:ext>
+            </a:extLst>
+          </a:blip>
+          <a:stretch>
+            <a:fillRect/>
+          </a:stretch>
+        </p:blipFill>
+        <p:spPr>
+          <a:xfrm>
+            <a:off x="8525593" y="4941742"/>
+            <a:ext cx="381592" cy="381592"/>
+          </a:xfrm>
+          <a:prstGeom prst="rect">
+            <a:avLst/>
+          </a:prstGeom>
+        </p:spPr>
+      </p:pic>
+      <p:pic>
+        <p:nvPicPr>
+          <p:cNvPr id="94" name="Imagem 93">
+            <a:extLst>
+              <a:ext uri="{FF2B5EF4-FFF2-40B4-BE49-F238E27FC236}">
+                <a16:creationId xmlns:a16="http://schemas.microsoft.com/office/drawing/2014/main" id="{B79F862E-D809-4A78-AAE4-6CF63FB26508}"/>
+              </a:ext>
+            </a:extLst>
+          </p:cNvPr>
+          <p:cNvPicPr>
+            <a:picLocks noChangeAspect="1"/>
+          </p:cNvPicPr>
+          <p:nvPr/>
+        </p:nvPicPr>
+        <p:blipFill>
+          <a:blip r:embed="rId6">
+            <a:extLst>
+              <a:ext uri="{28A0092B-C50C-407E-A947-70E740481C1C}">
+                <a14:useLocalDpi xmlns:a14="http://schemas.microsoft.com/office/drawing/2010/main" val="0"/>
+              </a:ext>
+            </a:extLst>
+          </a:blip>
+          <a:stretch>
+            <a:fillRect/>
+          </a:stretch>
+        </p:blipFill>
+        <p:spPr>
+          <a:xfrm>
+            <a:off x="2862155" y="5026776"/>
+            <a:ext cx="381592" cy="381592"/>
+          </a:xfrm>
+          <a:prstGeom prst="rect">
+            <a:avLst/>
+          </a:prstGeom>
+        </p:spPr>
+      </p:pic>
+      <p:pic>
+        <p:nvPicPr>
+          <p:cNvPr id="96" name="Imagem 95">
+            <a:extLst>
+              <a:ext uri="{FF2B5EF4-FFF2-40B4-BE49-F238E27FC236}">
+                <a16:creationId xmlns:a16="http://schemas.microsoft.com/office/drawing/2014/main" id="{8DE40ABE-F94D-4D51-B26D-5742CE5B7B23}"/>
+              </a:ext>
+            </a:extLst>
+          </p:cNvPr>
+          <p:cNvPicPr>
+            <a:picLocks noChangeAspect="1"/>
+          </p:cNvPicPr>
+          <p:nvPr/>
+        </p:nvPicPr>
+        <p:blipFill>
+          <a:blip r:embed="rId7">
+            <a:extLst>
+              <a:ext uri="{28A0092B-C50C-407E-A947-70E740481C1C}">
+                <a14:useLocalDpi xmlns:a14="http://schemas.microsoft.com/office/drawing/2010/main" val="0"/>
+              </a:ext>
+            </a:extLst>
+          </a:blip>
+          <a:stretch>
+            <a:fillRect/>
+          </a:stretch>
+        </p:blipFill>
+        <p:spPr>
+          <a:xfrm>
+            <a:off x="9835722" y="5375088"/>
+            <a:ext cx="927724" cy="979740"/>
+          </a:xfrm>
+          <a:prstGeom prst="rect">
+            <a:avLst/>
+          </a:prstGeom>
+        </p:spPr>
+      </p:pic>
+      <p:pic>
+        <p:nvPicPr>
+          <p:cNvPr id="97" name="Imagem 96">
+            <a:extLst>
+              <a:ext uri="{FF2B5EF4-FFF2-40B4-BE49-F238E27FC236}">
+                <a16:creationId xmlns:a16="http://schemas.microsoft.com/office/drawing/2014/main" id="{1E1D9264-4478-4D21-90D1-CC0A88EEBE02}"/>
+              </a:ext>
+            </a:extLst>
+          </p:cNvPr>
+          <p:cNvPicPr>
+            <a:picLocks noChangeAspect="1"/>
+          </p:cNvPicPr>
+          <p:nvPr/>
+        </p:nvPicPr>
+        <p:blipFill>
+          <a:blip r:embed="rId6">
+            <a:extLst>
+              <a:ext uri="{28A0092B-C50C-407E-A947-70E740481C1C}">
+                <a14:useLocalDpi xmlns:a14="http://schemas.microsoft.com/office/drawing/2010/main" val="0"/>
+              </a:ext>
+            </a:extLst>
+          </a:blip>
+          <a:stretch>
+            <a:fillRect/>
+          </a:stretch>
+        </p:blipFill>
+        <p:spPr>
+          <a:xfrm>
+            <a:off x="10108788" y="4941742"/>
+            <a:ext cx="381592" cy="381592"/>
+          </a:xfrm>
+          <a:prstGeom prst="rect">
+            <a:avLst/>
+          </a:prstGeom>
+        </p:spPr>
+      </p:pic>
+      <p:sp>
+        <p:nvSpPr>
+          <p:cNvPr id="98" name="CaixaDeTexto 97">
+            <a:extLst>
+              <a:ext uri="{FF2B5EF4-FFF2-40B4-BE49-F238E27FC236}">
+                <a16:creationId xmlns:a16="http://schemas.microsoft.com/office/drawing/2014/main" id="{92F4BEEE-61FB-4D33-9705-9BE85FB021A7}"/>
+              </a:ext>
+            </a:extLst>
+          </p:cNvPr>
+          <p:cNvSpPr txBox="1"/>
+          <p:nvPr/>
+        </p:nvSpPr>
+        <p:spPr>
+          <a:xfrm>
+            <a:off x="3070000" y="3963776"/>
+            <a:ext cx="631904" cy="230832"/>
+          </a:xfrm>
+          <a:prstGeom prst="rect">
+            <a:avLst/>
+          </a:prstGeom>
+          <a:noFill/>
+        </p:spPr>
+        <p:txBody>
+          <a:bodyPr wrap="none" rtlCol="0">
+            <a:spAutoFit/>
+          </a:bodyPr>
+          <a:lstStyle/>
+          <a:p>
+            <a:r>
+              <a:rPr lang="pt-BR" sz="900" dirty="0"/>
+              <a:t>LAN/WIFI</a:t>
+            </a:r>
+          </a:p>
+        </p:txBody>
+      </p:sp>
+      <p:sp>
+        <p:nvSpPr>
+          <p:cNvPr id="99" name="CaixaDeTexto 98">
+            <a:extLst>
+              <a:ext uri="{FF2B5EF4-FFF2-40B4-BE49-F238E27FC236}">
+                <a16:creationId xmlns:a16="http://schemas.microsoft.com/office/drawing/2014/main" id="{5432825B-1FF5-4235-B539-F118FD12B00F}"/>
+              </a:ext>
+            </a:extLst>
+          </p:cNvPr>
+          <p:cNvSpPr txBox="1"/>
+          <p:nvPr/>
+        </p:nvSpPr>
+        <p:spPr>
+          <a:xfrm>
+            <a:off x="8517911" y="4031066"/>
+            <a:ext cx="631904" cy="230832"/>
+          </a:xfrm>
+          <a:prstGeom prst="rect">
+            <a:avLst/>
+          </a:prstGeom>
+          <a:noFill/>
+        </p:spPr>
+        <p:txBody>
+          <a:bodyPr wrap="square" rtlCol="0">
+            <a:spAutoFit/>
+          </a:bodyPr>
+          <a:lstStyle/>
+          <a:p>
+            <a:r>
+              <a:rPr lang="pt-BR" sz="900" dirty="0"/>
+              <a:t>LAN/WIFI</a:t>
+            </a:r>
+          </a:p>
+        </p:txBody>
+      </p:sp>
+      <p:sp>
+        <p:nvSpPr>
+          <p:cNvPr id="100" name="CaixaDeTexto 99">
+            <a:extLst>
+              <a:ext uri="{FF2B5EF4-FFF2-40B4-BE49-F238E27FC236}">
+                <a16:creationId xmlns:a16="http://schemas.microsoft.com/office/drawing/2014/main" id="{527A57A7-4EB5-48F3-BDF3-BD282FF5FE52}"/>
+              </a:ext>
+            </a:extLst>
+          </p:cNvPr>
+          <p:cNvSpPr txBox="1"/>
+          <p:nvPr/>
+        </p:nvSpPr>
+        <p:spPr>
+          <a:xfrm>
+            <a:off x="7038704" y="5483792"/>
+            <a:ext cx="1240499" cy="369332"/>
+          </a:xfrm>
+          <a:prstGeom prst="rect">
+            <a:avLst/>
+          </a:prstGeom>
+          <a:noFill/>
+        </p:spPr>
+        <p:txBody>
+          <a:bodyPr wrap="square" rtlCol="0">
+            <a:spAutoFit/>
+          </a:bodyPr>
+          <a:lstStyle/>
+          <a:p>
+            <a:r>
+              <a:rPr lang="pt-BR" sz="900" dirty="0"/>
+              <a:t>NOTEBOOK/DESKTOP</a:t>
+            </a:r>
+          </a:p>
+          <a:p>
+            <a:r>
+              <a:rPr lang="pt-BR" sz="900" dirty="0"/>
+              <a:t>CORE I5, 8GB DE RAM</a:t>
+            </a:r>
+            <a:endParaRPr lang="pt-BR" sz="1600" dirty="0"/>
+          </a:p>
+        </p:txBody>
+      </p:sp>
+      <p:sp>
+        <p:nvSpPr>
+          <p:cNvPr id="101" name="CaixaDeTexto 100">
+            <a:extLst>
+              <a:ext uri="{FF2B5EF4-FFF2-40B4-BE49-F238E27FC236}">
+                <a16:creationId xmlns:a16="http://schemas.microsoft.com/office/drawing/2014/main" id="{3E91ACD8-30B1-48C9-BAB1-7724AC9175C5}"/>
+              </a:ext>
+            </a:extLst>
+          </p:cNvPr>
+          <p:cNvSpPr txBox="1"/>
+          <p:nvPr/>
+        </p:nvSpPr>
+        <p:spPr>
+          <a:xfrm>
+            <a:off x="10670861" y="5447535"/>
+            <a:ext cx="1183337" cy="369332"/>
+          </a:xfrm>
+          <a:prstGeom prst="rect">
+            <a:avLst/>
+          </a:prstGeom>
+          <a:noFill/>
+        </p:spPr>
+        <p:txBody>
+          <a:bodyPr wrap="none" rtlCol="0">
+            <a:spAutoFit/>
+          </a:bodyPr>
+          <a:lstStyle/>
+          <a:p>
+            <a:r>
+              <a:rPr lang="pt-BR" sz="900" dirty="0"/>
+              <a:t>ANDROID VERSÃO 7+</a:t>
+            </a:r>
+          </a:p>
+          <a:p>
+            <a:r>
+              <a:rPr lang="pt-BR" sz="900" dirty="0"/>
+              <a:t>IOS VERSÃO 10+</a:t>
+            </a:r>
+          </a:p>
+        </p:txBody>
+      </p:sp>
+      <p:sp>
+        <p:nvSpPr>
+          <p:cNvPr id="102" name="CaixaDeTexto 101">
+            <a:extLst>
+              <a:ext uri="{FF2B5EF4-FFF2-40B4-BE49-F238E27FC236}">
+                <a16:creationId xmlns:a16="http://schemas.microsoft.com/office/drawing/2014/main" id="{AE0D996A-3D2E-42C2-8787-5666F58A858F}"/>
+              </a:ext>
+            </a:extLst>
+          </p:cNvPr>
+          <p:cNvSpPr txBox="1"/>
+          <p:nvPr/>
+        </p:nvSpPr>
+        <p:spPr>
+          <a:xfrm>
+            <a:off x="7372302" y="4020430"/>
+            <a:ext cx="1240499" cy="230832"/>
+          </a:xfrm>
+          <a:prstGeom prst="rect">
+            <a:avLst/>
+          </a:prstGeom>
+          <a:noFill/>
+        </p:spPr>
+        <p:txBody>
+          <a:bodyPr wrap="square" rtlCol="0">
+            <a:spAutoFit/>
+          </a:bodyPr>
+          <a:lstStyle/>
+          <a:p>
+            <a:r>
+              <a:rPr lang="pt-BR" sz="900" dirty="0"/>
+              <a:t>BANDA 5MB Mínimo</a:t>
+            </a:r>
+          </a:p>
+        </p:txBody>
+      </p:sp>
+      <p:sp>
+        <p:nvSpPr>
+          <p:cNvPr id="103" name="CaixaDeTexto 102">
+            <a:extLst>
+              <a:ext uri="{FF2B5EF4-FFF2-40B4-BE49-F238E27FC236}">
+                <a16:creationId xmlns:a16="http://schemas.microsoft.com/office/drawing/2014/main" id="{46C75828-FC98-4D49-9F89-B0C448717B43}"/>
+              </a:ext>
+            </a:extLst>
+          </p:cNvPr>
+          <p:cNvSpPr txBox="1"/>
+          <p:nvPr/>
+        </p:nvSpPr>
+        <p:spPr>
+          <a:xfrm>
+            <a:off x="3138082" y="3720317"/>
+            <a:ext cx="673582" cy="230832"/>
+          </a:xfrm>
+          <a:prstGeom prst="rect">
+            <a:avLst/>
+          </a:prstGeom>
+          <a:noFill/>
+        </p:spPr>
+        <p:txBody>
+          <a:bodyPr wrap="none" rtlCol="0">
+            <a:spAutoFit/>
+          </a:bodyPr>
+          <a:lstStyle/>
+          <a:p>
+            <a:r>
+              <a:rPr lang="pt-BR" sz="900" dirty="0"/>
+              <a:t>NET 30MB</a:t>
+            </a:r>
+          </a:p>
+        </p:txBody>
+      </p:sp>
+      <p:sp>
+        <p:nvSpPr>
+          <p:cNvPr id="105" name="CaixaDeTexto 104">
+            <a:extLst>
+              <a:ext uri="{FF2B5EF4-FFF2-40B4-BE49-F238E27FC236}">
+                <a16:creationId xmlns:a16="http://schemas.microsoft.com/office/drawing/2014/main" id="{AC13A803-F79E-45E6-8B53-489FE0345D46}"/>
+              </a:ext>
+            </a:extLst>
+          </p:cNvPr>
+          <p:cNvSpPr txBox="1"/>
+          <p:nvPr/>
+        </p:nvSpPr>
+        <p:spPr>
+          <a:xfrm>
+            <a:off x="391024" y="3878120"/>
+            <a:ext cx="2452900" cy="369332"/>
+          </a:xfrm>
+          <a:prstGeom prst="rect">
+            <a:avLst/>
+          </a:prstGeom>
+          <a:noFill/>
+        </p:spPr>
+        <p:txBody>
+          <a:bodyPr wrap="square" rtlCol="0">
+            <a:spAutoFit/>
+          </a:bodyPr>
+          <a:lstStyle/>
+          <a:p>
+            <a:r>
+              <a:rPr lang="pt-BR" sz="900" dirty="0"/>
+              <a:t>ROTEADOR Wi </a:t>
+            </a:r>
+            <a:r>
+              <a:rPr lang="pt-BR" sz="900" dirty="0" err="1"/>
+              <a:t>Fi</a:t>
+            </a:r>
+            <a:endParaRPr lang="pt-BR" sz="900" dirty="0"/>
+          </a:p>
+          <a:p>
+            <a:r>
+              <a:rPr lang="en-US" sz="900" dirty="0" err="1"/>
+              <a:t>Roteador</a:t>
+            </a:r>
+            <a:r>
+              <a:rPr lang="en-US" sz="900" dirty="0"/>
+              <a:t> TP-Link Archer C6 AC1200,  1000Mbps</a:t>
+            </a:r>
+          </a:p>
+        </p:txBody>
+      </p:sp>
+      <p:sp>
+        <p:nvSpPr>
+          <p:cNvPr id="108" name="CaixaDeTexto 107">
+            <a:extLst>
+              <a:ext uri="{FF2B5EF4-FFF2-40B4-BE49-F238E27FC236}">
+                <a16:creationId xmlns:a16="http://schemas.microsoft.com/office/drawing/2014/main" id="{139B96DF-9D13-4BB9-8FB8-712640E3561B}"/>
+              </a:ext>
+            </a:extLst>
+          </p:cNvPr>
+          <p:cNvSpPr txBox="1"/>
+          <p:nvPr/>
+        </p:nvSpPr>
+        <p:spPr>
+          <a:xfrm>
+            <a:off x="5389827" y="2595058"/>
+            <a:ext cx="647934" cy="230832"/>
+          </a:xfrm>
+          <a:prstGeom prst="rect">
+            <a:avLst/>
+          </a:prstGeom>
+          <a:noFill/>
+        </p:spPr>
+        <p:txBody>
+          <a:bodyPr wrap="none" rtlCol="0">
+            <a:spAutoFit/>
+          </a:bodyPr>
+          <a:lstStyle/>
+          <a:p>
+            <a:r>
+              <a:rPr lang="pt-BR" sz="900" dirty="0"/>
+              <a:t>INTERNET</a:t>
+            </a:r>
+          </a:p>
+        </p:txBody>
+      </p:sp>
+      <p:pic>
+        <p:nvPicPr>
+          <p:cNvPr id="110" name="Imagem 109">
+            <a:extLst>
+              <a:ext uri="{FF2B5EF4-FFF2-40B4-BE49-F238E27FC236}">
+                <a16:creationId xmlns:a16="http://schemas.microsoft.com/office/drawing/2014/main" id="{48EAE7C9-853C-4C62-BE4F-77E1FF7A2142}"/>
+              </a:ext>
+            </a:extLst>
+          </p:cNvPr>
+          <p:cNvPicPr>
+            <a:picLocks noChangeAspect="1"/>
+          </p:cNvPicPr>
+          <p:nvPr/>
+        </p:nvPicPr>
+        <p:blipFill>
+          <a:blip r:embed="rId8">
+            <a:extLst>
+              <a:ext uri="{28A0092B-C50C-407E-A947-70E740481C1C}">
+                <a14:useLocalDpi xmlns:a14="http://schemas.microsoft.com/office/drawing/2010/main" val="0"/>
+              </a:ext>
+            </a:extLst>
+          </a:blip>
+          <a:stretch>
+            <a:fillRect/>
+          </a:stretch>
+        </p:blipFill>
+        <p:spPr>
+          <a:xfrm>
+            <a:off x="8294761" y="5475463"/>
+            <a:ext cx="230832" cy="230832"/>
+          </a:xfrm>
+          <a:prstGeom prst="rect">
+            <a:avLst/>
+          </a:prstGeom>
+        </p:spPr>
+      </p:pic>
+      <p:pic>
+        <p:nvPicPr>
+          <p:cNvPr id="113" name="Imagem 112">
+            <a:extLst>
+              <a:ext uri="{FF2B5EF4-FFF2-40B4-BE49-F238E27FC236}">
+                <a16:creationId xmlns:a16="http://schemas.microsoft.com/office/drawing/2014/main" id="{3A0A7C0D-5AAE-4386-8F96-FE545AB5180F}"/>
+              </a:ext>
+            </a:extLst>
+          </p:cNvPr>
+          <p:cNvPicPr>
+            <a:picLocks noChangeAspect="1"/>
+          </p:cNvPicPr>
+          <p:nvPr/>
+        </p:nvPicPr>
+        <p:blipFill>
+          <a:blip r:embed="rId9">
+            <a:extLst>
+              <a:ext uri="{28A0092B-C50C-407E-A947-70E740481C1C}">
+                <a14:useLocalDpi xmlns:a14="http://schemas.microsoft.com/office/drawing/2010/main" val="0"/>
+              </a:ext>
+            </a:extLst>
+          </a:blip>
+          <a:stretch>
+            <a:fillRect/>
+          </a:stretch>
+        </p:blipFill>
+        <p:spPr>
+          <a:xfrm>
+            <a:off x="8505506" y="5401614"/>
+            <a:ext cx="378529" cy="378529"/>
+          </a:xfrm>
+          <a:prstGeom prst="rect">
+            <a:avLst/>
+          </a:prstGeom>
+        </p:spPr>
+      </p:pic>
+      <p:pic>
+        <p:nvPicPr>
+          <p:cNvPr id="115" name="Imagem 114">
+            <a:extLst>
+              <a:ext uri="{FF2B5EF4-FFF2-40B4-BE49-F238E27FC236}">
+                <a16:creationId xmlns:a16="http://schemas.microsoft.com/office/drawing/2014/main" id="{3C1B681C-ED12-41C5-AD26-8B6853414F1D}"/>
+              </a:ext>
+            </a:extLst>
+          </p:cNvPr>
+          <p:cNvPicPr>
+            <a:picLocks noChangeAspect="1"/>
+          </p:cNvPicPr>
+          <p:nvPr/>
+        </p:nvPicPr>
+        <p:blipFill>
+          <a:blip r:embed="rId10">
+            <a:extLst>
+              <a:ext uri="{28A0092B-C50C-407E-A947-70E740481C1C}">
+                <a14:useLocalDpi xmlns:a14="http://schemas.microsoft.com/office/drawing/2010/main" val="0"/>
+              </a:ext>
+            </a:extLst>
+          </a:blip>
+          <a:stretch>
+            <a:fillRect/>
+          </a:stretch>
+        </p:blipFill>
+        <p:spPr>
+          <a:xfrm>
+            <a:off x="8821267" y="5443201"/>
+            <a:ext cx="273513" cy="273513"/>
+          </a:xfrm>
+          <a:prstGeom prst="rect">
+            <a:avLst/>
+          </a:prstGeom>
+        </p:spPr>
+      </p:pic>
+      <p:sp>
+        <p:nvSpPr>
+          <p:cNvPr id="2" name="Retângulo 1">
+            <a:extLst>
+              <a:ext uri="{FF2B5EF4-FFF2-40B4-BE49-F238E27FC236}">
+                <a16:creationId xmlns:a16="http://schemas.microsoft.com/office/drawing/2014/main" id="{969E54A0-B7B5-4147-AB27-DA0CC75F47BD}"/>
               </a:ext>
             </a:extLst>
           </p:cNvPr>
@@ -6568,27 +7805,18 @@
         </p:nvSpPr>
         <p:spPr>
           <a:xfrm>
-            <a:off x="1398165" y="3347206"/>
-            <a:ext cx="4697835" cy="3053593"/>
-          </a:xfrm>
-          <a:prstGeom prst="rect">
-            <a:avLst/>
-          </a:prstGeom>
-          <a:solidFill>
-            <a:schemeClr val="bg1"/>
-          </a:solidFill>
+            <a:off x="81987" y="3673617"/>
+            <a:ext cx="5141937" cy="3087910"/>
+          </a:xfrm>
+          <a:prstGeom prst="rect">
+            <a:avLst/>
+          </a:prstGeom>
+          <a:noFill/>
           <a:ln>
             <a:solidFill>
-              <a:srgbClr val="C00000"/>
+              <a:schemeClr val="tx1"/>
             </a:solidFill>
           </a:ln>
-          <a:effectLst>
-            <a:outerShdw blurRad="50800" dist="38100" dir="5400000" algn="t" rotWithShape="0">
-              <a:prstClr val="black">
-                <a:alpha val="40000"/>
-              </a:prstClr>
-            </a:outerShdw>
-          </a:effectLst>
         </p:spPr>
         <p:style>
           <a:lnRef idx="2">
@@ -6611,20 +7839,16 @@
           <a:lstStyle/>
           <a:p>
             <a:pPr algn="ctr"/>
-            <a:endParaRPr lang="pt-BR" dirty="0">
-              <a:solidFill>
-                <a:schemeClr val="tx1"/>
-              </a:solidFill>
-            </a:endParaRPr>
-          </a:p>
-        </p:txBody>
-      </p:sp>
-      <p:sp>
-        <p:nvSpPr>
-          <p:cNvPr id="5" name="Retângulo 4">
-            <a:extLst>
-              <a:ext uri="{FF2B5EF4-FFF2-40B4-BE49-F238E27FC236}">
-                <a16:creationId xmlns:a16="http://schemas.microsoft.com/office/drawing/2014/main" id="{992B8073-3EDD-49FB-B3A5-8D86665CB1B1}"/>
+            <a:endParaRPr lang="pt-BR"/>
+          </a:p>
+        </p:txBody>
+      </p:sp>
+      <p:sp>
+        <p:nvSpPr>
+          <p:cNvPr id="42" name="Retângulo 41">
+            <a:extLst>
+              <a:ext uri="{FF2B5EF4-FFF2-40B4-BE49-F238E27FC236}">
+                <a16:creationId xmlns:a16="http://schemas.microsoft.com/office/drawing/2014/main" id="{C094A487-B4D8-4E7E-A6DF-17D5E2F5A98F}"/>
               </a:ext>
             </a:extLst>
           </p:cNvPr>
@@ -6633,18 +7857,16 @@
         </p:nvSpPr>
         <p:spPr>
           <a:xfrm>
-            <a:off x="1398165" y="5631012"/>
-            <a:ext cx="4697835" cy="545285"/>
-          </a:xfrm>
-          <a:prstGeom prst="rect">
-            <a:avLst/>
-          </a:prstGeom>
-          <a:solidFill>
-            <a:schemeClr val="bg1"/>
-          </a:solidFill>
+            <a:off x="6933844" y="3674781"/>
+            <a:ext cx="5141937" cy="3087910"/>
+          </a:xfrm>
+          <a:prstGeom prst="rect">
+            <a:avLst/>
+          </a:prstGeom>
+          <a:noFill/>
           <a:ln>
             <a:solidFill>
-              <a:srgbClr val="C00000"/>
+              <a:schemeClr val="tx1"/>
             </a:solidFill>
           </a:ln>
         </p:spPr>
@@ -6675,10 +7897,62 @@
       </p:sp>
       <p:sp>
         <p:nvSpPr>
-          <p:cNvPr id="7" name="CaixaDeTexto 6">
-            <a:extLst>
-              <a:ext uri="{FF2B5EF4-FFF2-40B4-BE49-F238E27FC236}">
-                <a16:creationId xmlns:a16="http://schemas.microsoft.com/office/drawing/2014/main" id="{D0831F10-E807-4AB7-B10B-540158D49ADB}"/>
+          <p:cNvPr id="43" name="Retângulo 42">
+            <a:extLst>
+              <a:ext uri="{FF2B5EF4-FFF2-40B4-BE49-F238E27FC236}">
+                <a16:creationId xmlns:a16="http://schemas.microsoft.com/office/drawing/2014/main" id="{B32F3D09-E978-488A-9882-969FC9FE44F3}"/>
+              </a:ext>
+            </a:extLst>
+          </p:cNvPr>
+          <p:cNvSpPr/>
+          <p:nvPr/>
+        </p:nvSpPr>
+        <p:spPr>
+          <a:xfrm>
+            <a:off x="3217786" y="96862"/>
+            <a:ext cx="5061417" cy="2030050"/>
+          </a:xfrm>
+          <a:prstGeom prst="rect">
+            <a:avLst/>
+          </a:prstGeom>
+          <a:noFill/>
+          <a:ln>
+            <a:solidFill>
+              <a:schemeClr val="tx1"/>
+            </a:solidFill>
+          </a:ln>
+        </p:spPr>
+        <p:style>
+          <a:lnRef idx="2">
+            <a:schemeClr val="accent1">
+              <a:shade val="50000"/>
+            </a:schemeClr>
+          </a:lnRef>
+          <a:fillRef idx="1">
+            <a:schemeClr val="accent1"/>
+          </a:fillRef>
+          <a:effectRef idx="0">
+            <a:schemeClr val="accent1"/>
+          </a:effectRef>
+          <a:fontRef idx="minor">
+            <a:schemeClr val="lt1"/>
+          </a:fontRef>
+        </p:style>
+        <p:txBody>
+          <a:bodyPr rtlCol="0" anchor="ctr"/>
+          <a:lstStyle/>
+          <a:p>
+            <a:pPr algn="ctr"/>
+            <a:endParaRPr lang="pt-BR"/>
+          </a:p>
+        </p:txBody>
+      </p:sp>
+      <p:sp>
+        <p:nvSpPr>
+          <p:cNvPr id="3" name="CaixaDeTexto 2">
+            <a:extLst>
+              <a:ext uri="{FF2B5EF4-FFF2-40B4-BE49-F238E27FC236}">
+                <a16:creationId xmlns:a16="http://schemas.microsoft.com/office/drawing/2014/main" id="{F3DB1EB6-7EDD-4F76-AC41-93A77350D0DB}"/>
               </a:ext>
             </a:extLst>
           </p:cNvPr>
@@ -6687,8 +7961,43 @@
         </p:nvSpPr>
         <p:spPr>
           <a:xfrm>
-            <a:off x="3068972" y="5591522"/>
-            <a:ext cx="1191936" cy="584775"/>
+            <a:off x="-102336" y="-3806"/>
+            <a:ext cx="522900" cy="369332"/>
+          </a:xfrm>
+          <a:prstGeom prst="rect">
+            <a:avLst/>
+          </a:prstGeom>
+          <a:noFill/>
+        </p:spPr>
+        <p:txBody>
+          <a:bodyPr wrap="none" rtlCol="0">
+            <a:spAutoFit/>
+          </a:bodyPr>
+          <a:lstStyle/>
+          <a:p>
+            <a:r>
+              <a:rPr lang="pt-BR" b="1" dirty="0"/>
+              <a:t>LLD</a:t>
+            </a:r>
+          </a:p>
+        </p:txBody>
+      </p:sp>
+      <p:sp>
+        <p:nvSpPr>
+          <p:cNvPr id="5" name="CaixaDeTexto 4">
+            <a:extLst>
+              <a:ext uri="{FF2B5EF4-FFF2-40B4-BE49-F238E27FC236}">
+                <a16:creationId xmlns:a16="http://schemas.microsoft.com/office/drawing/2014/main" id="{00324186-5835-453F-9CA7-D8BA2FE4FDB1}"/>
+              </a:ext>
+            </a:extLst>
+          </p:cNvPr>
+          <p:cNvSpPr txBox="1"/>
+          <p:nvPr/>
+        </p:nvSpPr>
+        <p:spPr>
+          <a:xfrm>
+            <a:off x="11201687" y="3392545"/>
+            <a:ext cx="1168252" cy="646331"/>
           </a:xfrm>
           <a:prstGeom prst="rect">
             <a:avLst/>
@@ -6701,27 +8010,23 @@
           </a:bodyPr>
           <a:lstStyle/>
           <a:p>
-            <a:pPr algn="ctr"/>
-            <a:r>
-              <a:rPr lang="pt-BR" sz="1600" dirty="0"/>
-              <a:t>Sistema </a:t>
-            </a:r>
-          </a:p>
-          <a:p>
-            <a:pPr algn="ctr"/>
-            <a:r>
-              <a:rPr lang="pt-BR" sz="1600" dirty="0"/>
-              <a:t>Operacional</a:t>
-            </a:r>
-          </a:p>
-        </p:txBody>
-      </p:sp>
-      <p:sp>
-        <p:nvSpPr>
-          <p:cNvPr id="11" name="CaixaDeTexto 10">
-            <a:extLst>
-              <a:ext uri="{FF2B5EF4-FFF2-40B4-BE49-F238E27FC236}">
-                <a16:creationId xmlns:a16="http://schemas.microsoft.com/office/drawing/2014/main" id="{4813BF99-AFC6-407B-A271-04C2202605CA}"/>
+            <a:r>
+              <a:rPr lang="pt-BR" dirty="0"/>
+              <a:t>CLIENTE</a:t>
+            </a:r>
+            <a:endParaRPr lang="pt-BR" sz="1600" dirty="0"/>
+          </a:p>
+          <a:p>
+            <a:endParaRPr lang="pt-BR" dirty="0"/>
+          </a:p>
+        </p:txBody>
+      </p:sp>
+      <p:sp>
+        <p:nvSpPr>
+          <p:cNvPr id="8" name="CaixaDeTexto 7">
+            <a:extLst>
+              <a:ext uri="{FF2B5EF4-FFF2-40B4-BE49-F238E27FC236}">
+                <a16:creationId xmlns:a16="http://schemas.microsoft.com/office/drawing/2014/main" id="{C6B4F186-1182-4828-8066-2E561878460C}"/>
               </a:ext>
             </a:extLst>
           </p:cNvPr>
@@ -6730,8 +8035,8 @@
         </p:nvSpPr>
         <p:spPr>
           <a:xfrm>
-            <a:off x="1687585" y="5699243"/>
-            <a:ext cx="654341" cy="369332"/>
+            <a:off x="72870" y="3327850"/>
+            <a:ext cx="2008249" cy="369332"/>
           </a:xfrm>
           <a:prstGeom prst="rect">
             <a:avLst/>
@@ -6746,17 +8051,17 @@
           <a:p>
             <a:r>
               <a:rPr lang="pt-BR" dirty="0"/>
-              <a:t>GPU</a:t>
-            </a:r>
-          </a:p>
-        </p:txBody>
-      </p:sp>
-      <p:sp>
-        <p:nvSpPr>
-          <p:cNvPr id="13" name="CaixaDeTexto 12">
-            <a:extLst>
-              <a:ext uri="{FF2B5EF4-FFF2-40B4-BE49-F238E27FC236}">
-                <a16:creationId xmlns:a16="http://schemas.microsoft.com/office/drawing/2014/main" id="{6DEBBB9D-A4EC-4C56-9194-327EBFB29918}"/>
+              <a:t>MÁQUINA</a:t>
+            </a:r>
+          </a:p>
+        </p:txBody>
+      </p:sp>
+      <p:sp>
+        <p:nvSpPr>
+          <p:cNvPr id="9" name="CaixaDeTexto 8">
+            <a:extLst>
+              <a:ext uri="{FF2B5EF4-FFF2-40B4-BE49-F238E27FC236}">
+                <a16:creationId xmlns:a16="http://schemas.microsoft.com/office/drawing/2014/main" id="{7F4FF870-1C04-4D9F-A43E-EA81B5C6132D}"/>
               </a:ext>
             </a:extLst>
           </p:cNvPr>
@@ -6765,43 +8070,8 @@
         </p:nvSpPr>
         <p:spPr>
           <a:xfrm>
-            <a:off x="4521667" y="5714632"/>
-            <a:ext cx="1507222" cy="338554"/>
-          </a:xfrm>
-          <a:prstGeom prst="rect">
-            <a:avLst/>
-          </a:prstGeom>
-          <a:noFill/>
-        </p:spPr>
-        <p:txBody>
-          <a:bodyPr wrap="square" rtlCol="0">
-            <a:spAutoFit/>
-          </a:bodyPr>
-          <a:lstStyle/>
-          <a:p>
-            <a:r>
-              <a:rPr lang="pt-BR" sz="1600" dirty="0"/>
-              <a:t>CPU/RAM/HD</a:t>
-            </a:r>
-          </a:p>
-        </p:txBody>
-      </p:sp>
-      <p:sp>
-        <p:nvSpPr>
-          <p:cNvPr id="14" name="CaixaDeTexto 13">
-            <a:extLst>
-              <a:ext uri="{FF2B5EF4-FFF2-40B4-BE49-F238E27FC236}">
-                <a16:creationId xmlns:a16="http://schemas.microsoft.com/office/drawing/2014/main" id="{DE0C5885-0CC7-49C9-9220-49B280504E17}"/>
-              </a:ext>
-            </a:extLst>
-          </p:cNvPr>
-          <p:cNvSpPr txBox="1"/>
-          <p:nvPr/>
-        </p:nvSpPr>
-        <p:spPr>
-          <a:xfrm>
-            <a:off x="3068972" y="6400799"/>
-            <a:ext cx="1155124" cy="369332"/>
+            <a:off x="2405790" y="1002079"/>
+            <a:ext cx="922047" cy="646331"/>
           </a:xfrm>
           <a:prstGeom prst="rect">
             <a:avLst/>
@@ -6816,61 +8086,20 @@
           <a:p>
             <a:r>
               <a:rPr lang="pt-BR" dirty="0"/>
-              <a:t>MÁQUINA</a:t>
-            </a:r>
+              <a:t>NUVEM</a:t>
+            </a:r>
+          </a:p>
+          <a:p>
+            <a:endParaRPr lang="pt-BR" dirty="0"/>
           </a:p>
         </p:txBody>
       </p:sp>
       <p:pic>
         <p:nvPicPr>
-          <p:cNvPr id="16" name="Imagem 15">
-            <a:extLst>
-              <a:ext uri="{FF2B5EF4-FFF2-40B4-BE49-F238E27FC236}">
-                <a16:creationId xmlns:a16="http://schemas.microsoft.com/office/drawing/2014/main" id="{2B457654-E7C0-44C7-A2E4-5BEDF983D0F1}"/>
-              </a:ext>
-            </a:extLst>
-          </p:cNvPr>
-          <p:cNvPicPr>
-            <a:picLocks noChangeAspect="1"/>
-          </p:cNvPicPr>
-          <p:nvPr/>
-        </p:nvPicPr>
-        <p:blipFill>
-          <a:blip r:embed="rId2">
-            <a:extLst>
-              <a:ext uri="{BEBA8EAE-BF5A-486C-A8C5-ECC9F3942E4B}">
-                <a14:imgProps xmlns:a14="http://schemas.microsoft.com/office/drawing/2010/main">
-                  <a14:imgLayer r:embed="rId3">
-                    <a14:imgEffect>
-                      <a14:backgroundRemoval t="10000" b="90000" l="10000" r="90000">
-                        <a14:foregroundMark x1="46392" y1="79348" x2="46392" y2="79348"/>
-                      </a14:backgroundRemoval>
-                    </a14:imgEffect>
-                  </a14:imgLayer>
-                </a14:imgProps>
-              </a:ext>
-            </a:extLst>
-          </a:blip>
-          <a:stretch>
-            <a:fillRect/>
-          </a:stretch>
-        </p:blipFill>
-        <p:spPr>
-          <a:xfrm rot="6172058">
-            <a:off x="388486" y="2806885"/>
-            <a:ext cx="1139372" cy="1080641"/>
-          </a:xfrm>
-          <a:prstGeom prst="rect">
-            <a:avLst/>
-          </a:prstGeom>
-        </p:spPr>
-      </p:pic>
-      <p:pic>
-        <p:nvPicPr>
-          <p:cNvPr id="1026" name="Picture 2" descr="Telegram Web">
-            <a:extLst>
-              <a:ext uri="{FF2B5EF4-FFF2-40B4-BE49-F238E27FC236}">
-                <a16:creationId xmlns:a16="http://schemas.microsoft.com/office/drawing/2014/main" id="{FF68B1FE-C515-48A3-A5AD-D5EC2699D448}"/>
+          <p:cNvPr id="1026" name="Picture 2" descr="Node.js – Wikipédia, a enciclopédia livre">
+            <a:extLst>
+              <a:ext uri="{FF2B5EF4-FFF2-40B4-BE49-F238E27FC236}">
+                <a16:creationId xmlns:a16="http://schemas.microsoft.com/office/drawing/2014/main" id="{2F5537B2-2DC7-456A-8F58-3BCE75A9907F}"/>
               </a:ext>
             </a:extLst>
           </p:cNvPr>
@@ -6880,7 +8109,7 @@
           <p:nvPr/>
         </p:nvPicPr>
         <p:blipFill>
-          <a:blip r:embed="rId4">
+          <a:blip r:embed="rId11">
             <a:extLst>
               <a:ext uri="{28A0092B-C50C-407E-A947-70E740481C1C}">
                 <a14:useLocalDpi xmlns:a14="http://schemas.microsoft.com/office/drawing/2010/main" val="0"/>
@@ -6894,8 +8123,8 @@
         </p:blipFill>
         <p:spPr bwMode="auto">
           <a:xfrm>
-            <a:off x="304551" y="1501410"/>
-            <a:ext cx="1150341" cy="1150341"/>
+            <a:off x="7000300" y="586198"/>
+            <a:ext cx="975140" cy="596433"/>
           </a:xfrm>
           <a:prstGeom prst="rect">
             <a:avLst/>
@@ -6914,10 +8143,10 @@
       </p:pic>
       <p:sp>
         <p:nvSpPr>
-          <p:cNvPr id="17" name="CaixaDeTexto 16">
-            <a:extLst>
-              <a:ext uri="{FF2B5EF4-FFF2-40B4-BE49-F238E27FC236}">
-                <a16:creationId xmlns:a16="http://schemas.microsoft.com/office/drawing/2014/main" id="{8904A3AE-3961-4800-9C77-9F5F2F4A940B}"/>
+          <p:cNvPr id="12" name="CaixaDeTexto 11">
+            <a:extLst>
+              <a:ext uri="{FF2B5EF4-FFF2-40B4-BE49-F238E27FC236}">
+                <a16:creationId xmlns:a16="http://schemas.microsoft.com/office/drawing/2014/main" id="{BA9B7A29-1A26-4FB8-B824-C11DD27E60E6}"/>
               </a:ext>
             </a:extLst>
           </p:cNvPr>
@@ -6926,8 +8155,8 @@
         </p:nvSpPr>
         <p:spPr>
           <a:xfrm>
-            <a:off x="270964" y="2579336"/>
-            <a:ext cx="1217513" cy="369332"/>
+            <a:off x="6755227" y="1306694"/>
+            <a:ext cx="1480765" cy="523220"/>
           </a:xfrm>
           <a:prstGeom prst="rect">
             <a:avLst/>
@@ -6935,24 +8164,204 @@
           <a:noFill/>
         </p:spPr>
         <p:txBody>
-          <a:bodyPr wrap="none" rtlCol="0">
+          <a:bodyPr wrap="square" rtlCol="0">
             <a:spAutoFit/>
           </a:bodyPr>
           <a:lstStyle/>
           <a:p>
-            <a:r>
-              <a:rPr lang="pt-BR" dirty="0"/>
-              <a:t>TELEGRAM</a:t>
-            </a:r>
+            <a:pPr algn="ctr"/>
+            <a:r>
+              <a:rPr lang="pt-BR" sz="1400" dirty="0"/>
+              <a:t>Comunicação</a:t>
+            </a:r>
+          </a:p>
+          <a:p>
+            <a:pPr algn="ctr"/>
+            <a:r>
+              <a:rPr lang="pt-BR" sz="1400" dirty="0"/>
+              <a:t>Node </a:t>
+            </a:r>
+            <a:r>
+              <a:rPr lang="pt-BR" sz="1400" dirty="0" err="1"/>
+              <a:t>js</a:t>
+            </a:r>
+            <a:endParaRPr lang="pt-BR" sz="1400" dirty="0"/>
           </a:p>
         </p:txBody>
       </p:sp>
       <p:pic>
         <p:nvPicPr>
-          <p:cNvPr id="18" name="Picture 10" descr="Amazon Web Services - Wikipedia">
-            <a:extLst>
-              <a:ext uri="{FF2B5EF4-FFF2-40B4-BE49-F238E27FC236}">
-                <a16:creationId xmlns:a16="http://schemas.microsoft.com/office/drawing/2014/main" id="{A9F43A1D-EB4B-4882-A8F7-6BE6403BBB25}"/>
+          <p:cNvPr id="14" name="Imagem 13" descr="Logotipo, nome da empresa&#10;&#10;Descrição gerada automaticamente">
+            <a:extLst>
+              <a:ext uri="{FF2B5EF4-FFF2-40B4-BE49-F238E27FC236}">
+                <a16:creationId xmlns:a16="http://schemas.microsoft.com/office/drawing/2014/main" id="{C131E45E-AAA8-4092-97F7-314E8411F05B}"/>
+              </a:ext>
+            </a:extLst>
+          </p:cNvPr>
+          <p:cNvPicPr>
+            <a:picLocks noChangeAspect="1"/>
+          </p:cNvPicPr>
+          <p:nvPr/>
+        </p:nvPicPr>
+        <p:blipFill>
+          <a:blip r:embed="rId12">
+            <a:extLst>
+              <a:ext uri="{28A0092B-C50C-407E-A947-70E740481C1C}">
+                <a14:useLocalDpi xmlns:a14="http://schemas.microsoft.com/office/drawing/2010/main" val="0"/>
+              </a:ext>
+            </a:extLst>
+          </a:blip>
+          <a:stretch>
+            <a:fillRect/>
+          </a:stretch>
+        </p:blipFill>
+        <p:spPr>
+          <a:xfrm>
+            <a:off x="2924125" y="5483792"/>
+            <a:ext cx="403712" cy="403712"/>
+          </a:xfrm>
+          <a:prstGeom prst="rect">
+            <a:avLst/>
+          </a:prstGeom>
+        </p:spPr>
+      </p:pic>
+      <p:pic>
+        <p:nvPicPr>
+          <p:cNvPr id="19" name="Imagem 18" descr="Uma imagem contendo Forma&#10;&#10;Descrição gerada automaticamente">
+            <a:extLst>
+              <a:ext uri="{FF2B5EF4-FFF2-40B4-BE49-F238E27FC236}">
+                <a16:creationId xmlns:a16="http://schemas.microsoft.com/office/drawing/2014/main" id="{71F72E75-91AD-4FA7-9A33-1635686FD9A7}"/>
+              </a:ext>
+            </a:extLst>
+          </p:cNvPr>
+          <p:cNvPicPr>
+            <a:picLocks noChangeAspect="1"/>
+          </p:cNvPicPr>
+          <p:nvPr/>
+        </p:nvPicPr>
+        <p:blipFill>
+          <a:blip r:embed="rId13">
+            <a:extLst>
+              <a:ext uri="{28A0092B-C50C-407E-A947-70E740481C1C}">
+                <a14:useLocalDpi xmlns:a14="http://schemas.microsoft.com/office/drawing/2010/main" val="0"/>
+              </a:ext>
+            </a:extLst>
+          </a:blip>
+          <a:stretch>
+            <a:fillRect/>
+          </a:stretch>
+        </p:blipFill>
+        <p:spPr>
+          <a:xfrm>
+            <a:off x="3350296" y="5493206"/>
+            <a:ext cx="403713" cy="403713"/>
+          </a:xfrm>
+          <a:prstGeom prst="rect">
+            <a:avLst/>
+          </a:prstGeom>
+        </p:spPr>
+      </p:pic>
+      <p:sp>
+        <p:nvSpPr>
+          <p:cNvPr id="20" name="CaixaDeTexto 19">
+            <a:extLst>
+              <a:ext uri="{FF2B5EF4-FFF2-40B4-BE49-F238E27FC236}">
+                <a16:creationId xmlns:a16="http://schemas.microsoft.com/office/drawing/2014/main" id="{D49B4519-BABB-4AEB-BD5F-95A30CCBECB9}"/>
+              </a:ext>
+            </a:extLst>
+          </p:cNvPr>
+          <p:cNvSpPr txBox="1"/>
+          <p:nvPr/>
+        </p:nvSpPr>
+        <p:spPr>
+          <a:xfrm>
+            <a:off x="3923569" y="5401147"/>
+            <a:ext cx="1240499" cy="1061829"/>
+          </a:xfrm>
+          <a:prstGeom prst="rect">
+            <a:avLst/>
+          </a:prstGeom>
+          <a:noFill/>
+        </p:spPr>
+        <p:txBody>
+          <a:bodyPr wrap="square" rtlCol="0">
+            <a:spAutoFit/>
+          </a:bodyPr>
+          <a:lstStyle/>
+          <a:p>
+            <a:r>
+              <a:rPr lang="pt-BR" sz="900" dirty="0"/>
+              <a:t>Computador com software </a:t>
+            </a:r>
+            <a:r>
+              <a:rPr lang="pt-BR" sz="900" dirty="0" err="1"/>
+              <a:t>Telemon</a:t>
+            </a:r>
+            <a:r>
+              <a:rPr lang="pt-BR" sz="900" dirty="0"/>
+              <a:t> realizando o monitoramento de processos, hardware, capturando log erros e internet.</a:t>
+            </a:r>
+          </a:p>
+        </p:txBody>
+      </p:sp>
+      <p:sp>
+        <p:nvSpPr>
+          <p:cNvPr id="25" name="Retângulo 24">
+            <a:extLst>
+              <a:ext uri="{FF2B5EF4-FFF2-40B4-BE49-F238E27FC236}">
+                <a16:creationId xmlns:a16="http://schemas.microsoft.com/office/drawing/2014/main" id="{8EB74048-9285-413A-9703-C7912BBD29A0}"/>
+              </a:ext>
+            </a:extLst>
+          </p:cNvPr>
+          <p:cNvSpPr/>
+          <p:nvPr/>
+        </p:nvSpPr>
+        <p:spPr>
+          <a:xfrm>
+            <a:off x="4902424" y="1256382"/>
+            <a:ext cx="1622740" cy="499715"/>
+          </a:xfrm>
+          <a:prstGeom prst="rect">
+            <a:avLst/>
+          </a:prstGeom>
+          <a:solidFill>
+            <a:schemeClr val="bg1"/>
+          </a:solidFill>
+          <a:ln>
+            <a:noFill/>
+          </a:ln>
+        </p:spPr>
+        <p:style>
+          <a:lnRef idx="2">
+            <a:schemeClr val="accent1">
+              <a:shade val="50000"/>
+            </a:schemeClr>
+          </a:lnRef>
+          <a:fillRef idx="1">
+            <a:schemeClr val="accent1"/>
+          </a:fillRef>
+          <a:effectRef idx="0">
+            <a:schemeClr val="accent1"/>
+          </a:effectRef>
+          <a:fontRef idx="minor">
+            <a:schemeClr val="lt1"/>
+          </a:fontRef>
+        </p:style>
+        <p:txBody>
+          <a:bodyPr rtlCol="0" anchor="ctr"/>
+          <a:lstStyle/>
+          <a:p>
+            <a:pPr algn="ctr"/>
+            <a:endParaRPr lang="pt-BR" dirty="0"/>
+          </a:p>
+        </p:txBody>
+      </p:sp>
+      <p:pic>
+        <p:nvPicPr>
+          <p:cNvPr id="21" name="Picture 2" descr="JavaScript – Wikipédia, a enciclopédia livre">
+            <a:extLst>
+              <a:ext uri="{FF2B5EF4-FFF2-40B4-BE49-F238E27FC236}">
+                <a16:creationId xmlns:a16="http://schemas.microsoft.com/office/drawing/2014/main" id="{34293808-22F9-4A1F-BB2E-227976666610}"/>
               </a:ext>
             </a:extLst>
           </p:cNvPr>
@@ -6962,7 +8371,7 @@
           <p:nvPr/>
         </p:nvPicPr>
         <p:blipFill>
-          <a:blip r:embed="rId5">
+          <a:blip r:embed="rId14">
             <a:extLst>
               <a:ext uri="{28A0092B-C50C-407E-A947-70E740481C1C}">
                 <a14:useLocalDpi xmlns:a14="http://schemas.microsoft.com/office/drawing/2010/main" val="0"/>
@@ -6976,8 +8385,8 @@
         </p:blipFill>
         <p:spPr bwMode="auto">
           <a:xfrm>
-            <a:off x="4296703" y="1087146"/>
-            <a:ext cx="1199450" cy="617436"/>
+            <a:off x="4938550" y="1625352"/>
+            <a:ext cx="314629" cy="314629"/>
           </a:xfrm>
           <a:prstGeom prst="rect">
             <a:avLst/>
@@ -6996,10 +8405,292 @@
       </p:pic>
       <p:pic>
         <p:nvPicPr>
-          <p:cNvPr id="20" name="Imagem 19">
-            <a:extLst>
-              <a:ext uri="{FF2B5EF4-FFF2-40B4-BE49-F238E27FC236}">
-                <a16:creationId xmlns:a16="http://schemas.microsoft.com/office/drawing/2014/main" id="{AD1F625C-8B4C-43CF-867C-3B02AE1833BC}"/>
+          <p:cNvPr id="1030" name="Picture 6" descr="CSS - Wikipedia">
+            <a:extLst>
+              <a:ext uri="{FF2B5EF4-FFF2-40B4-BE49-F238E27FC236}">
+                <a16:creationId xmlns:a16="http://schemas.microsoft.com/office/drawing/2014/main" id="{A5935F69-9994-4969-962E-B2F0496FD926}"/>
+              </a:ext>
+            </a:extLst>
+          </p:cNvPr>
+          <p:cNvPicPr>
+            <a:picLocks noChangeAspect="1" noChangeArrowheads="1"/>
+          </p:cNvPicPr>
+          <p:nvPr/>
+        </p:nvPicPr>
+        <p:blipFill>
+          <a:blip r:embed="rId15">
+            <a:extLst>
+              <a:ext uri="{28A0092B-C50C-407E-A947-70E740481C1C}">
+                <a14:useLocalDpi xmlns:a14="http://schemas.microsoft.com/office/drawing/2010/main" val="0"/>
+              </a:ext>
+            </a:extLst>
+          </a:blip>
+          <a:srcRect/>
+          <a:stretch>
+            <a:fillRect/>
+          </a:stretch>
+        </p:blipFill>
+        <p:spPr bwMode="auto">
+          <a:xfrm>
+            <a:off x="5749222" y="1183775"/>
+            <a:ext cx="342432" cy="483118"/>
+          </a:xfrm>
+          <a:prstGeom prst="rect">
+            <a:avLst/>
+          </a:prstGeom>
+          <a:noFill/>
+          <a:extLst>
+            <a:ext uri="{909E8E84-426E-40DD-AFC4-6F175D3DCCD1}">
+              <a14:hiddenFill xmlns:a14="http://schemas.microsoft.com/office/drawing/2010/main">
+                <a:solidFill>
+                  <a:srgbClr val="FFFFFF"/>
+                </a:solidFill>
+              </a14:hiddenFill>
+            </a:ext>
+          </a:extLst>
+        </p:spPr>
+      </p:pic>
+      <p:pic>
+        <p:nvPicPr>
+          <p:cNvPr id="1028" name="Picture 4" descr="HTML5 – Wikipédia, a enciclopédia livre">
+            <a:extLst>
+              <a:ext uri="{FF2B5EF4-FFF2-40B4-BE49-F238E27FC236}">
+                <a16:creationId xmlns:a16="http://schemas.microsoft.com/office/drawing/2014/main" id="{192AFB79-DE18-40B9-9AA9-CFBC96C85AA8}"/>
+              </a:ext>
+            </a:extLst>
+          </p:cNvPr>
+          <p:cNvPicPr>
+            <a:picLocks noChangeAspect="1" noChangeArrowheads="1"/>
+          </p:cNvPicPr>
+          <p:nvPr/>
+        </p:nvPicPr>
+        <p:blipFill>
+          <a:blip r:embed="rId16">
+            <a:extLst>
+              <a:ext uri="{28A0092B-C50C-407E-A947-70E740481C1C}">
+                <a14:useLocalDpi xmlns:a14="http://schemas.microsoft.com/office/drawing/2010/main" val="0"/>
+              </a:ext>
+            </a:extLst>
+          </a:blip>
+          <a:srcRect/>
+          <a:stretch>
+            <a:fillRect/>
+          </a:stretch>
+        </p:blipFill>
+        <p:spPr bwMode="auto">
+          <a:xfrm>
+            <a:off x="5688694" y="673973"/>
+            <a:ext cx="463488" cy="463488"/>
+          </a:xfrm>
+          <a:prstGeom prst="rect">
+            <a:avLst/>
+          </a:prstGeom>
+          <a:noFill/>
+          <a:extLst>
+            <a:ext uri="{909E8E84-426E-40DD-AFC4-6F175D3DCCD1}">
+              <a14:hiddenFill xmlns:a14="http://schemas.microsoft.com/office/drawing/2010/main">
+                <a:solidFill>
+                  <a:srgbClr val="FFFFFF"/>
+                </a:solidFill>
+              </a14:hiddenFill>
+            </a:ext>
+          </a:extLst>
+        </p:spPr>
+      </p:pic>
+      <p:pic>
+        <p:nvPicPr>
+          <p:cNvPr id="27" name="Picture 2" descr="Node.js – Wikipédia, a enciclopédia livre">
+            <a:extLst>
+              <a:ext uri="{FF2B5EF4-FFF2-40B4-BE49-F238E27FC236}">
+                <a16:creationId xmlns:a16="http://schemas.microsoft.com/office/drawing/2014/main" id="{C306C458-5AE6-4141-B5F7-B50D6F7B0AF2}"/>
+              </a:ext>
+            </a:extLst>
+          </p:cNvPr>
+          <p:cNvPicPr>
+            <a:picLocks noChangeAspect="1" noChangeArrowheads="1"/>
+          </p:cNvPicPr>
+          <p:nvPr/>
+        </p:nvPicPr>
+        <p:blipFill>
+          <a:blip r:embed="rId11">
+            <a:extLst>
+              <a:ext uri="{28A0092B-C50C-407E-A947-70E740481C1C}">
+                <a14:useLocalDpi xmlns:a14="http://schemas.microsoft.com/office/drawing/2010/main" val="0"/>
+              </a:ext>
+            </a:extLst>
+          </a:blip>
+          <a:srcRect/>
+          <a:stretch>
+            <a:fillRect/>
+          </a:stretch>
+        </p:blipFill>
+        <p:spPr bwMode="auto">
+          <a:xfrm>
+            <a:off x="5043792" y="499081"/>
+            <a:ext cx="598728" cy="366205"/>
+          </a:xfrm>
+          <a:prstGeom prst="rect">
+            <a:avLst/>
+          </a:prstGeom>
+          <a:noFill/>
+          <a:extLst>
+            <a:ext uri="{909E8E84-426E-40DD-AFC4-6F175D3DCCD1}">
+              <a14:hiddenFill xmlns:a14="http://schemas.microsoft.com/office/drawing/2010/main">
+                <a:solidFill>
+                  <a:srgbClr val="FFFFFF"/>
+                </a:solidFill>
+              </a14:hiddenFill>
+            </a:ext>
+          </a:extLst>
+        </p:spPr>
+      </p:pic>
+      <p:pic>
+        <p:nvPicPr>
+          <p:cNvPr id="1032" name="Picture 8" descr="Bootstrap em Português · O mais popular framework front-end responsivo e  focado para dispositivos móveis do mundo.">
+            <a:extLst>
+              <a:ext uri="{FF2B5EF4-FFF2-40B4-BE49-F238E27FC236}">
+                <a16:creationId xmlns:a16="http://schemas.microsoft.com/office/drawing/2014/main" id="{C3798B4D-CE1E-4347-9F1E-D9E94B864595}"/>
+              </a:ext>
+            </a:extLst>
+          </p:cNvPr>
+          <p:cNvPicPr>
+            <a:picLocks noChangeAspect="1" noChangeArrowheads="1"/>
+          </p:cNvPicPr>
+          <p:nvPr/>
+        </p:nvPicPr>
+        <p:blipFill>
+          <a:blip r:embed="rId17">
+            <a:extLst>
+              <a:ext uri="{28A0092B-C50C-407E-A947-70E740481C1C}">
+                <a14:useLocalDpi xmlns:a14="http://schemas.microsoft.com/office/drawing/2010/main" val="0"/>
+              </a:ext>
+            </a:extLst>
+          </a:blip>
+          <a:srcRect/>
+          <a:stretch>
+            <a:fillRect/>
+          </a:stretch>
+        </p:blipFill>
+        <p:spPr bwMode="auto">
+          <a:xfrm>
+            <a:off x="5228413" y="1606313"/>
+            <a:ext cx="620279" cy="385059"/>
+          </a:xfrm>
+          <a:prstGeom prst="rect">
+            <a:avLst/>
+          </a:prstGeom>
+          <a:noFill/>
+          <a:extLst>
+            <a:ext uri="{909E8E84-426E-40DD-AFC4-6F175D3DCCD1}">
+              <a14:hiddenFill xmlns:a14="http://schemas.microsoft.com/office/drawing/2010/main">
+                <a:solidFill>
+                  <a:srgbClr val="FFFFFF"/>
+                </a:solidFill>
+              </a14:hiddenFill>
+            </a:ext>
+          </a:extLst>
+        </p:spPr>
+      </p:pic>
+      <p:pic>
+        <p:nvPicPr>
+          <p:cNvPr id="1034" name="Picture 10" descr="Amazon Web Services - Wikipedia">
+            <a:extLst>
+              <a:ext uri="{FF2B5EF4-FFF2-40B4-BE49-F238E27FC236}">
+                <a16:creationId xmlns:a16="http://schemas.microsoft.com/office/drawing/2014/main" id="{0A17543D-B318-4190-9DFE-A65CBABEA3DD}"/>
+              </a:ext>
+            </a:extLst>
+          </p:cNvPr>
+          <p:cNvPicPr>
+            <a:picLocks noChangeAspect="1" noChangeArrowheads="1"/>
+          </p:cNvPicPr>
+          <p:nvPr/>
+        </p:nvPicPr>
+        <p:blipFill>
+          <a:blip r:embed="rId18">
+            <a:extLst>
+              <a:ext uri="{28A0092B-C50C-407E-A947-70E740481C1C}">
+                <a14:useLocalDpi xmlns:a14="http://schemas.microsoft.com/office/drawing/2010/main" val="0"/>
+              </a:ext>
+            </a:extLst>
+          </a:blip>
+          <a:srcRect/>
+          <a:stretch>
+            <a:fillRect/>
+          </a:stretch>
+        </p:blipFill>
+        <p:spPr bwMode="auto">
+          <a:xfrm>
+            <a:off x="3274511" y="171129"/>
+            <a:ext cx="620249" cy="319283"/>
+          </a:xfrm>
+          <a:prstGeom prst="rect">
+            <a:avLst/>
+          </a:prstGeom>
+          <a:noFill/>
+          <a:extLst>
+            <a:ext uri="{909E8E84-426E-40DD-AFC4-6F175D3DCCD1}">
+              <a14:hiddenFill xmlns:a14="http://schemas.microsoft.com/office/drawing/2010/main">
+                <a:solidFill>
+                  <a:srgbClr val="FFFFFF"/>
+                </a:solidFill>
+              </a14:hiddenFill>
+            </a:ext>
+          </a:extLst>
+        </p:spPr>
+      </p:pic>
+      <p:pic>
+        <p:nvPicPr>
+          <p:cNvPr id="1036" name="Picture 12" descr="Free Icon | Database">
+            <a:extLst>
+              <a:ext uri="{FF2B5EF4-FFF2-40B4-BE49-F238E27FC236}">
+                <a16:creationId xmlns:a16="http://schemas.microsoft.com/office/drawing/2014/main" id="{C54354EB-503C-441F-97D3-4FF1B87FEE62}"/>
+              </a:ext>
+            </a:extLst>
+          </p:cNvPr>
+          <p:cNvPicPr>
+            <a:picLocks noChangeAspect="1" noChangeArrowheads="1"/>
+          </p:cNvPicPr>
+          <p:nvPr/>
+        </p:nvPicPr>
+        <p:blipFill>
+          <a:blip r:embed="rId19">
+            <a:extLst>
+              <a:ext uri="{28A0092B-C50C-407E-A947-70E740481C1C}">
+                <a14:useLocalDpi xmlns:a14="http://schemas.microsoft.com/office/drawing/2010/main" val="0"/>
+              </a:ext>
+            </a:extLst>
+          </a:blip>
+          <a:srcRect/>
+          <a:stretch>
+            <a:fillRect/>
+          </a:stretch>
+        </p:blipFill>
+        <p:spPr bwMode="auto">
+          <a:xfrm>
+            <a:off x="3515800" y="789948"/>
+            <a:ext cx="785366" cy="785366"/>
+          </a:xfrm>
+          <a:prstGeom prst="rect">
+            <a:avLst/>
+          </a:prstGeom>
+          <a:noFill/>
+          <a:extLst>
+            <a:ext uri="{909E8E84-426E-40DD-AFC4-6F175D3DCCD1}">
+              <a14:hiddenFill xmlns:a14="http://schemas.microsoft.com/office/drawing/2010/main">
+                <a:solidFill>
+                  <a:srgbClr val="FFFFFF"/>
+                </a:solidFill>
+              </a14:hiddenFill>
+            </a:ext>
+          </a:extLst>
+        </p:spPr>
+      </p:pic>
+      <p:pic>
+        <p:nvPicPr>
+          <p:cNvPr id="31" name="Imagem 30" descr="Uma imagem contendo Forma&#10;&#10;Descrição gerada automaticamente">
+            <a:extLst>
+              <a:ext uri="{FF2B5EF4-FFF2-40B4-BE49-F238E27FC236}">
+                <a16:creationId xmlns:a16="http://schemas.microsoft.com/office/drawing/2014/main" id="{C96167A5-570E-409C-933E-D9F7CD73CE3B}"/>
               </a:ext>
             </a:extLst>
           </p:cNvPr>
@@ -7009,19 +8700,10 @@
           <p:nvPr/>
         </p:nvPicPr>
         <p:blipFill>
-          <a:blip r:embed="rId6">
-            <a:extLst>
-              <a:ext uri="{BEBA8EAE-BF5A-486C-A8C5-ECC9F3942E4B}">
-                <a14:imgProps xmlns:a14="http://schemas.microsoft.com/office/drawing/2010/main">
-                  <a14:imgLayer r:embed="rId7">
-                    <a14:imgEffect>
-                      <a14:backgroundRemoval t="10000" b="90000" l="10000" r="90000">
-                        <a14:foregroundMark x1="78075" y1="54000" x2="78075" y2="54000"/>
-                        <a14:foregroundMark x1="78075" y1="69000" x2="78075" y2="69000"/>
-                      </a14:backgroundRemoval>
-                    </a14:imgEffect>
-                  </a14:imgLayer>
-                </a14:imgProps>
+          <a:blip r:embed="rId20">
+            <a:extLst>
+              <a:ext uri="{28A0092B-C50C-407E-A947-70E740481C1C}">
+                <a14:useLocalDpi xmlns:a14="http://schemas.microsoft.com/office/drawing/2010/main" val="0"/>
               </a:ext>
             </a:extLst>
           </a:blip>
@@ -7031,222 +8713,8 @@
         </p:blipFill>
         <p:spPr>
           <a:xfrm>
-            <a:off x="7175632" y="819032"/>
-            <a:ext cx="1567709" cy="838347"/>
-          </a:xfrm>
-          <a:prstGeom prst="rect">
-            <a:avLst/>
-          </a:prstGeom>
-        </p:spPr>
-      </p:pic>
-      <p:pic>
-        <p:nvPicPr>
-          <p:cNvPr id="22" name="Imagem 21">
-            <a:extLst>
-              <a:ext uri="{FF2B5EF4-FFF2-40B4-BE49-F238E27FC236}">
-                <a16:creationId xmlns:a16="http://schemas.microsoft.com/office/drawing/2014/main" id="{08AE2A46-D724-490E-AE76-60A184A3BF6A}"/>
-              </a:ext>
-            </a:extLst>
-          </p:cNvPr>
-          <p:cNvPicPr>
-            <a:picLocks noChangeAspect="1"/>
-          </p:cNvPicPr>
-          <p:nvPr/>
-        </p:nvPicPr>
-        <p:blipFill>
-          <a:blip r:embed="rId6">
-            <a:extLst>
-              <a:ext uri="{BEBA8EAE-BF5A-486C-A8C5-ECC9F3942E4B}">
-                <a14:imgProps xmlns:a14="http://schemas.microsoft.com/office/drawing/2010/main">
-                  <a14:imgLayer r:embed="rId7">
-                    <a14:imgEffect>
-                      <a14:backgroundRemoval t="10000" b="90000" l="10000" r="90000">
-                        <a14:foregroundMark x1="78075" y1="54000" x2="78075" y2="54000"/>
-                        <a14:foregroundMark x1="78075" y1="69000" x2="78075" y2="69000"/>
-                      </a14:backgroundRemoval>
-                    </a14:imgEffect>
-                  </a14:imgLayer>
-                </a14:imgProps>
-              </a:ext>
-            </a:extLst>
-          </a:blip>
-          <a:stretch>
-            <a:fillRect/>
-          </a:stretch>
-        </p:blipFill>
-        <p:spPr>
-          <a:xfrm rot="10800000">
-            <a:off x="6593113" y="954655"/>
-            <a:ext cx="1567709" cy="838347"/>
-          </a:xfrm>
-          <a:prstGeom prst="rect">
-            <a:avLst/>
-          </a:prstGeom>
-        </p:spPr>
-      </p:pic>
-      <p:pic>
-        <p:nvPicPr>
-          <p:cNvPr id="24" name="Imagem 23">
-            <a:extLst>
-              <a:ext uri="{FF2B5EF4-FFF2-40B4-BE49-F238E27FC236}">
-                <a16:creationId xmlns:a16="http://schemas.microsoft.com/office/drawing/2014/main" id="{2EB209A9-E02B-4C33-A479-04F85A0BC4B5}"/>
-              </a:ext>
-            </a:extLst>
-          </p:cNvPr>
-          <p:cNvPicPr>
-            <a:picLocks noChangeAspect="1"/>
-          </p:cNvPicPr>
-          <p:nvPr/>
-        </p:nvPicPr>
-        <p:blipFill>
-          <a:blip r:embed="rId6">
-            <a:extLst>
-              <a:ext uri="{BEBA8EAE-BF5A-486C-A8C5-ECC9F3942E4B}">
-                <a14:imgProps xmlns:a14="http://schemas.microsoft.com/office/drawing/2010/main">
-                  <a14:imgLayer r:embed="rId7">
-                    <a14:imgEffect>
-                      <a14:backgroundRemoval t="10000" b="90000" l="10000" r="90000">
-                        <a14:foregroundMark x1="78075" y1="54000" x2="78075" y2="54000"/>
-                        <a14:foregroundMark x1="78075" y1="69000" x2="78075" y2="69000"/>
-                      </a14:backgroundRemoval>
-                    </a14:imgEffect>
-                  </a14:imgLayer>
-                </a14:imgProps>
-              </a:ext>
-            </a:extLst>
-          </a:blip>
-          <a:stretch>
-            <a:fillRect/>
-          </a:stretch>
-        </p:blipFill>
-        <p:spPr>
-          <a:xfrm rot="5400000">
-            <a:off x="9324706" y="2825891"/>
-            <a:ext cx="1567709" cy="838347"/>
-          </a:xfrm>
-          <a:prstGeom prst="rect">
-            <a:avLst/>
-          </a:prstGeom>
-        </p:spPr>
-      </p:pic>
-      <p:pic>
-        <p:nvPicPr>
-          <p:cNvPr id="26" name="Imagem 25">
-            <a:extLst>
-              <a:ext uri="{FF2B5EF4-FFF2-40B4-BE49-F238E27FC236}">
-                <a16:creationId xmlns:a16="http://schemas.microsoft.com/office/drawing/2014/main" id="{D6C08CAD-4EF8-42CE-A4DD-9C5D8ACA5224}"/>
-              </a:ext>
-            </a:extLst>
-          </p:cNvPr>
-          <p:cNvPicPr>
-            <a:picLocks noChangeAspect="1"/>
-          </p:cNvPicPr>
-          <p:nvPr/>
-        </p:nvPicPr>
-        <p:blipFill>
-          <a:blip r:embed="rId2">
-            <a:extLst>
-              <a:ext uri="{BEBA8EAE-BF5A-486C-A8C5-ECC9F3942E4B}">
-                <a14:imgProps xmlns:a14="http://schemas.microsoft.com/office/drawing/2010/main">
-                  <a14:imgLayer r:embed="rId3">
-                    <a14:imgEffect>
-                      <a14:backgroundRemoval t="10000" b="90000" l="10000" r="90000">
-                        <a14:foregroundMark x1="46392" y1="79348" x2="46392" y2="79348"/>
-                      </a14:backgroundRemoval>
-                    </a14:imgEffect>
-                  </a14:imgLayer>
-                </a14:imgProps>
-              </a:ext>
-            </a:extLst>
-          </a:blip>
-          <a:stretch>
-            <a:fillRect/>
-          </a:stretch>
-        </p:blipFill>
-        <p:spPr>
-          <a:xfrm rot="13390108" flipH="1">
-            <a:off x="4507955" y="1925000"/>
-            <a:ext cx="1139372" cy="1080641"/>
-          </a:xfrm>
-          <a:prstGeom prst="rect">
-            <a:avLst/>
-          </a:prstGeom>
-        </p:spPr>
-      </p:pic>
-      <p:pic>
-        <p:nvPicPr>
-          <p:cNvPr id="28" name="Imagem 27" descr="Ícone&#10;&#10;Descrição gerada automaticamente">
-            <a:extLst>
-              <a:ext uri="{FF2B5EF4-FFF2-40B4-BE49-F238E27FC236}">
-                <a16:creationId xmlns:a16="http://schemas.microsoft.com/office/drawing/2014/main" id="{FDE139D8-807C-4277-817C-9F6CD41F2978}"/>
-              </a:ext>
-            </a:extLst>
-          </p:cNvPr>
-          <p:cNvPicPr>
-            <a:picLocks noChangeAspect="1"/>
-          </p:cNvPicPr>
-          <p:nvPr/>
-        </p:nvPicPr>
-        <p:blipFill>
-          <a:blip r:embed="rId8">
-            <a:extLst>
-              <a:ext uri="{28A0092B-C50C-407E-A947-70E740481C1C}">
-                <a14:useLocalDpi xmlns:a14="http://schemas.microsoft.com/office/drawing/2010/main" val="0"/>
-              </a:ext>
-            </a:extLst>
-          </a:blip>
-          <a:stretch>
-            <a:fillRect/>
-          </a:stretch>
-        </p:blipFill>
-        <p:spPr>
-          <a:xfrm>
-            <a:off x="9304058" y="4185451"/>
-            <a:ext cx="1377101" cy="1377101"/>
-          </a:xfrm>
-          <a:prstGeom prst="rect">
-            <a:avLst/>
-          </a:prstGeom>
-        </p:spPr>
-      </p:pic>
-      <p:pic>
-        <p:nvPicPr>
-          <p:cNvPr id="32" name="Imagem 31">
-            <a:extLst>
-              <a:ext uri="{FF2B5EF4-FFF2-40B4-BE49-F238E27FC236}">
-                <a16:creationId xmlns:a16="http://schemas.microsoft.com/office/drawing/2014/main" id="{B00BBD1A-74D8-4661-B6FB-B80B95146584}"/>
-              </a:ext>
-            </a:extLst>
-          </p:cNvPr>
-          <p:cNvPicPr>
-            <a:picLocks noChangeAspect="1"/>
-          </p:cNvPicPr>
-          <p:nvPr/>
-        </p:nvPicPr>
-        <p:blipFill>
-          <a:blip r:embed="rId2">
-            <a:extLst>
-              <a:ext uri="{BEBA8EAE-BF5A-486C-A8C5-ECC9F3942E4B}">
-                <a14:imgProps xmlns:a14="http://schemas.microsoft.com/office/drawing/2010/main">
-                  <a14:imgLayer r:embed="rId3">
-                    <a14:imgEffect>
-                      <a14:backgroundRemoval t="10000" b="90000" l="10000" r="90000">
-                        <a14:foregroundMark x1="46392" y1="79348" x2="46392" y2="79348"/>
-                      </a14:backgroundRemoval>
-                    </a14:imgEffect>
-                  </a14:imgLayer>
-                </a14:imgProps>
-              </a:ext>
-            </a:extLst>
-          </a:blip>
-          <a:stretch>
-            <a:fillRect/>
-          </a:stretch>
-        </p:blipFill>
-        <p:spPr>
-          <a:xfrm rot="18975128">
-            <a:off x="4512177" y="2276977"/>
-            <a:ext cx="1139372" cy="1080641"/>
+            <a:off x="5010212" y="902664"/>
+            <a:ext cx="647933" cy="647933"/>
           </a:xfrm>
           <a:prstGeom prst="rect">
             <a:avLst/>
@@ -7256,7 +8724,7 @@
     </p:spTree>
     <p:extLst>
       <p:ext uri="{BB962C8B-B14F-4D97-AF65-F5344CB8AC3E}">
-        <p14:creationId xmlns:p14="http://schemas.microsoft.com/office/powerpoint/2010/main" val="3745437195"/>
+        <p14:creationId xmlns:p14="http://schemas.microsoft.com/office/powerpoint/2010/main" val="2619191552"/>
       </p:ext>
     </p:extLst>
   </p:cSld>
@@ -7562,21 +9030,6 @@
 </file>
 
 <file path=customXml/item1.xml><?xml version="1.0" encoding="utf-8"?>
-<p:properties xmlns:p="http://schemas.microsoft.com/office/2006/metadata/properties" xmlns:xsi="http://www.w3.org/2001/XMLSchema-instance" xmlns:pc="http://schemas.microsoft.com/office/infopath/2007/PartnerControls">
-  <documentManagement/>
-</p:properties>
-</file>
-
-<file path=customXml/item2.xml><?xml version="1.0" encoding="utf-8"?>
-<?mso-contentType ?>
-<FormTemplates xmlns="http://schemas.microsoft.com/sharepoint/v3/contenttype/forms">
-  <Display>DocumentLibraryForm</Display>
-  <Edit>DocumentLibraryForm</Edit>
-  <New>DocumentLibraryForm</New>
-</FormTemplates>
-</file>
-
-<file path=customXml/item3.xml><?xml version="1.0" encoding="utf-8"?>
 <ct:contentTypeSchema xmlns:ct="http://schemas.microsoft.com/office/2006/metadata/contentType" xmlns:ma="http://schemas.microsoft.com/office/2006/metadata/properties/metaAttributes" ct:_="" ma:_="" ma:contentTypeName="Document" ma:contentTypeID="0x010100B98A8EE2A9F7A14F94CEDBF06729C915" ma:contentTypeVersion="2" ma:contentTypeDescription="Create a new document." ma:contentTypeScope="" ma:versionID="54211dd7b80d0a5e350bd2ce1fda18e0">
   <xsd:schema xmlns:xsd="http://www.w3.org/2001/XMLSchema" xmlns:xs="http://www.w3.org/2001/XMLSchema" xmlns:p="http://schemas.microsoft.com/office/2006/metadata/properties" xmlns:ns3="4d0c820a-888c-467f-9883-f2eb09285986" targetNamespace="http://schemas.microsoft.com/office/2006/metadata/properties" ma:root="true" ma:fieldsID="215748a485b3af4a87eff8123adb26da" ns3:_="">
     <xsd:import namespace="4d0c820a-888c-467f-9883-f2eb09285986"/>
@@ -7708,31 +9161,22 @@
 </ct:contentTypeSchema>
 </file>
 
-<file path=customXml/itemProps1.xml><?xml version="1.0" encoding="utf-8"?>
-<ds:datastoreItem xmlns:ds="http://schemas.openxmlformats.org/officeDocument/2006/customXml" ds:itemID="{B1403ECD-64BE-4472-A72B-8AE2B2D302D4}">
-  <ds:schemaRefs>
-    <ds:schemaRef ds:uri="http://schemas.microsoft.com/office/2006/documentManagement/types"/>
-    <ds:schemaRef ds:uri="http://schemas.microsoft.com/office/infopath/2007/PartnerControls"/>
-    <ds:schemaRef ds:uri="http://www.w3.org/XML/1998/namespace"/>
-    <ds:schemaRef ds:uri="4d0c820a-888c-467f-9883-f2eb09285986"/>
-    <ds:schemaRef ds:uri="http://purl.org/dc/terms/"/>
-    <ds:schemaRef ds:uri="http://purl.org/dc/dcmitype/"/>
-    <ds:schemaRef ds:uri="http://purl.org/dc/elements/1.1/"/>
-    <ds:schemaRef ds:uri="http://schemas.openxmlformats.org/package/2006/metadata/core-properties"/>
-    <ds:schemaRef ds:uri="http://schemas.microsoft.com/office/2006/metadata/properties"/>
-  </ds:schemaRefs>
-</ds:datastoreItem>
+<file path=customXml/item2.xml><?xml version="1.0" encoding="utf-8"?>
+<?mso-contentType ?>
+<FormTemplates xmlns="http://schemas.microsoft.com/sharepoint/v3/contenttype/forms">
+  <Display>DocumentLibraryForm</Display>
+  <Edit>DocumentLibraryForm</Edit>
+  <New>DocumentLibraryForm</New>
+</FormTemplates>
 </file>
 
-<file path=customXml/itemProps2.xml><?xml version="1.0" encoding="utf-8"?>
-<ds:datastoreItem xmlns:ds="http://schemas.openxmlformats.org/officeDocument/2006/customXml" ds:itemID="{C361E357-1858-46EE-ADFA-698EE4D9C360}">
-  <ds:schemaRefs>
-    <ds:schemaRef ds:uri="http://schemas.microsoft.com/sharepoint/v3/contenttype/forms"/>
-  </ds:schemaRefs>
-</ds:datastoreItem>
+<file path=customXml/item3.xml><?xml version="1.0" encoding="utf-8"?>
+<p:properties xmlns:p="http://schemas.microsoft.com/office/2006/metadata/properties" xmlns:xsi="http://www.w3.org/2001/XMLSchema-instance" xmlns:pc="http://schemas.microsoft.com/office/infopath/2007/PartnerControls">
+  <documentManagement/>
+</p:properties>
 </file>
 
-<file path=customXml/itemProps3.xml><?xml version="1.0" encoding="utf-8"?>
+<file path=customXml/itemProps1.xml><?xml version="1.0" encoding="utf-8"?>
 <ds:datastoreItem xmlns:ds="http://schemas.openxmlformats.org/officeDocument/2006/customXml" ds:itemID="{94021B74-C88A-417E-AEFD-9E5858425111}">
   <ds:schemaRefs>
     <ds:schemaRef ds:uri="http://schemas.microsoft.com/office/2006/metadata/contentType"/>
@@ -7748,4 +9192,28 @@
     <ds:schemaRef ds:uri="http://schemas.microsoft.com/internal/obd"/>
   </ds:schemaRefs>
 </ds:datastoreItem>
+</file>
+
+<file path=customXml/itemProps2.xml><?xml version="1.0" encoding="utf-8"?>
+<ds:datastoreItem xmlns:ds="http://schemas.openxmlformats.org/officeDocument/2006/customXml" ds:itemID="{C361E357-1858-46EE-ADFA-698EE4D9C360}">
+  <ds:schemaRefs>
+    <ds:schemaRef ds:uri="http://schemas.microsoft.com/sharepoint/v3/contenttype/forms"/>
+  </ds:schemaRefs>
+</ds:datastoreItem>
+</file>
+
+<file path=customXml/itemProps3.xml><?xml version="1.0" encoding="utf-8"?>
+<ds:datastoreItem xmlns:ds="http://schemas.openxmlformats.org/officeDocument/2006/customXml" ds:itemID="{B1403ECD-64BE-4472-A72B-8AE2B2D302D4}">
+  <ds:schemaRefs>
+    <ds:schemaRef ds:uri="http://schemas.microsoft.com/office/2006/documentManagement/types"/>
+    <ds:schemaRef ds:uri="http://schemas.microsoft.com/office/infopath/2007/PartnerControls"/>
+    <ds:schemaRef ds:uri="http://www.w3.org/XML/1998/namespace"/>
+    <ds:schemaRef ds:uri="4d0c820a-888c-467f-9883-f2eb09285986"/>
+    <ds:schemaRef ds:uri="http://purl.org/dc/terms/"/>
+    <ds:schemaRef ds:uri="http://purl.org/dc/dcmitype/"/>
+    <ds:schemaRef ds:uri="http://purl.org/dc/elements/1.1/"/>
+    <ds:schemaRef ds:uri="http://schemas.openxmlformats.org/package/2006/metadata/core-properties"/>
+    <ds:schemaRef ds:uri="http://schemas.microsoft.com/office/2006/metadata/properties"/>
+  </ds:schemaRefs>
+</ds:datastoreItem>
 </file>
--- a/Documentação/HLD.LLD.DIAGRAMA.pptx
+++ b/Documentação/HLD.LLD.DIAGRAMA.pptx
@@ -5,11 +5,10 @@
     <p:sldMasterId id="2147483648" r:id="rId4"/>
   </p:sldMasterIdLst>
   <p:sldIdLst>
-    <p:sldId id="256" r:id="rId5"/>
-    <p:sldId id="263" r:id="rId6"/>
-    <p:sldId id="267" r:id="rId7"/>
-    <p:sldId id="264" r:id="rId8"/>
-    <p:sldId id="266" r:id="rId9"/>
+    <p:sldId id="263" r:id="rId5"/>
+    <p:sldId id="266" r:id="rId6"/>
+    <p:sldId id="264" r:id="rId7"/>
+    <p:sldId id="267" r:id="rId8"/>
   </p:sldIdLst>
   <p:sldSz cx="12192000" cy="6858000"/>
   <p:notesSz cx="6858000" cy="9144000"/>
@@ -263,7 +262,7 @@
           <a:p>
             <a:fld id="{7668FBEF-3CD8-4E97-B80F-AF0D925322BB}" type="datetimeFigureOut">
               <a:rPr lang="pt-BR" smtClean="0"/>
-              <a:t>09/10/2020</a:t>
+              <a:t>23/10/2020</a:t>
             </a:fld>
             <a:endParaRPr lang="pt-BR"/>
           </a:p>
@@ -461,7 +460,7 @@
           <a:p>
             <a:fld id="{7668FBEF-3CD8-4E97-B80F-AF0D925322BB}" type="datetimeFigureOut">
               <a:rPr lang="pt-BR" smtClean="0"/>
-              <a:t>09/10/2020</a:t>
+              <a:t>23/10/2020</a:t>
             </a:fld>
             <a:endParaRPr lang="pt-BR"/>
           </a:p>
@@ -669,7 +668,7 @@
           <a:p>
             <a:fld id="{7668FBEF-3CD8-4E97-B80F-AF0D925322BB}" type="datetimeFigureOut">
               <a:rPr lang="pt-BR" smtClean="0"/>
-              <a:t>09/10/2020</a:t>
+              <a:t>23/10/2020</a:t>
             </a:fld>
             <a:endParaRPr lang="pt-BR"/>
           </a:p>
@@ -867,7 +866,7 @@
           <a:p>
             <a:fld id="{7668FBEF-3CD8-4E97-B80F-AF0D925322BB}" type="datetimeFigureOut">
               <a:rPr lang="pt-BR" smtClean="0"/>
-              <a:t>09/10/2020</a:t>
+              <a:t>23/10/2020</a:t>
             </a:fld>
             <a:endParaRPr lang="pt-BR"/>
           </a:p>
@@ -1142,7 +1141,7 @@
           <a:p>
             <a:fld id="{7668FBEF-3CD8-4E97-B80F-AF0D925322BB}" type="datetimeFigureOut">
               <a:rPr lang="pt-BR" smtClean="0"/>
-              <a:t>09/10/2020</a:t>
+              <a:t>23/10/2020</a:t>
             </a:fld>
             <a:endParaRPr lang="pt-BR"/>
           </a:p>
@@ -1407,7 +1406,7 @@
           <a:p>
             <a:fld id="{7668FBEF-3CD8-4E97-B80F-AF0D925322BB}" type="datetimeFigureOut">
               <a:rPr lang="pt-BR" smtClean="0"/>
-              <a:t>09/10/2020</a:t>
+              <a:t>23/10/2020</a:t>
             </a:fld>
             <a:endParaRPr lang="pt-BR"/>
           </a:p>
@@ -1819,7 +1818,7 @@
           <a:p>
             <a:fld id="{7668FBEF-3CD8-4E97-B80F-AF0D925322BB}" type="datetimeFigureOut">
               <a:rPr lang="pt-BR" smtClean="0"/>
-              <a:t>09/10/2020</a:t>
+              <a:t>23/10/2020</a:t>
             </a:fld>
             <a:endParaRPr lang="pt-BR"/>
           </a:p>
@@ -1960,7 +1959,7 @@
           <a:p>
             <a:fld id="{7668FBEF-3CD8-4E97-B80F-AF0D925322BB}" type="datetimeFigureOut">
               <a:rPr lang="pt-BR" smtClean="0"/>
-              <a:t>09/10/2020</a:t>
+              <a:t>23/10/2020</a:t>
             </a:fld>
             <a:endParaRPr lang="pt-BR"/>
           </a:p>
@@ -2073,7 +2072,7 @@
           <a:p>
             <a:fld id="{7668FBEF-3CD8-4E97-B80F-AF0D925322BB}" type="datetimeFigureOut">
               <a:rPr lang="pt-BR" smtClean="0"/>
-              <a:t>09/10/2020</a:t>
+              <a:t>23/10/2020</a:t>
             </a:fld>
             <a:endParaRPr lang="pt-BR"/>
           </a:p>
@@ -2384,7 +2383,7 @@
           <a:p>
             <a:fld id="{7668FBEF-3CD8-4E97-B80F-AF0D925322BB}" type="datetimeFigureOut">
               <a:rPr lang="pt-BR" smtClean="0"/>
-              <a:t>09/10/2020</a:t>
+              <a:t>23/10/2020</a:t>
             </a:fld>
             <a:endParaRPr lang="pt-BR"/>
           </a:p>
@@ -2672,7 +2671,7 @@
           <a:p>
             <a:fld id="{7668FBEF-3CD8-4E97-B80F-AF0D925322BB}" type="datetimeFigureOut">
               <a:rPr lang="pt-BR" smtClean="0"/>
-              <a:t>09/10/2020</a:t>
+              <a:t>23/10/2020</a:t>
             </a:fld>
             <a:endParaRPr lang="pt-BR"/>
           </a:p>
@@ -2913,7 +2912,7 @@
           <a:p>
             <a:fld id="{7668FBEF-3CD8-4E97-B80F-AF0D925322BB}" type="datetimeFigureOut">
               <a:rPr lang="pt-BR" smtClean="0"/>
-              <a:t>09/10/2020</a:t>
+              <a:t>23/10/2020</a:t>
             </a:fld>
             <a:endParaRPr lang="pt-BR"/>
           </a:p>
@@ -3332,10 +3331,10 @@
       </p:grpSpPr>
       <p:sp>
         <p:nvSpPr>
-          <p:cNvPr id="4" name="CaixaDeTexto 3">
-            <a:extLst>
-              <a:ext uri="{FF2B5EF4-FFF2-40B4-BE49-F238E27FC236}">
-                <a16:creationId xmlns:a16="http://schemas.microsoft.com/office/drawing/2014/main" id="{20908733-F838-46A6-A9A5-8B3C902F1830}"/>
+          <p:cNvPr id="5" name="CaixaDeTexto 4">
+            <a:extLst>
+              <a:ext uri="{FF2B5EF4-FFF2-40B4-BE49-F238E27FC236}">
+                <a16:creationId xmlns:a16="http://schemas.microsoft.com/office/drawing/2014/main" id="{3A0E2E5A-1CDB-49BC-9C37-FC86C36DA909}"/>
               </a:ext>
             </a:extLst>
           </p:cNvPr>
@@ -3344,8 +3343,438 @@
         </p:nvSpPr>
         <p:spPr>
           <a:xfrm>
-            <a:off x="58724" y="0"/>
-            <a:ext cx="522900" cy="369332"/>
+            <a:off x="80795" y="4078199"/>
+            <a:ext cx="2466364" cy="738664"/>
+          </a:xfrm>
+          <a:prstGeom prst="rect">
+            <a:avLst/>
+          </a:prstGeom>
+          <a:noFill/>
+        </p:spPr>
+        <p:txBody>
+          <a:bodyPr wrap="square" rtlCol="0">
+            <a:spAutoFit/>
+          </a:bodyPr>
+          <a:lstStyle/>
+          <a:p>
+            <a:pPr algn="ctr"/>
+            <a:r>
+              <a:rPr lang="pt-BR" sz="1400" b="1" dirty="0"/>
+              <a:t>Dentro do computador do funcionário ficará o nosso software.</a:t>
+            </a:r>
+          </a:p>
+        </p:txBody>
+      </p:sp>
+      <p:sp>
+        <p:nvSpPr>
+          <p:cNvPr id="6" name="CaixaDeTexto 5">
+            <a:extLst>
+              <a:ext uri="{FF2B5EF4-FFF2-40B4-BE49-F238E27FC236}">
+                <a16:creationId xmlns:a16="http://schemas.microsoft.com/office/drawing/2014/main" id="{412904C5-8378-4A99-AC6C-897C51F80497}"/>
+              </a:ext>
+            </a:extLst>
+          </p:cNvPr>
+          <p:cNvSpPr txBox="1"/>
+          <p:nvPr/>
+        </p:nvSpPr>
+        <p:spPr>
+          <a:xfrm>
+            <a:off x="3642133" y="3759582"/>
+            <a:ext cx="2453867" cy="738664"/>
+          </a:xfrm>
+          <a:prstGeom prst="rect">
+            <a:avLst/>
+          </a:prstGeom>
+          <a:noFill/>
+        </p:spPr>
+        <p:txBody>
+          <a:bodyPr wrap="square" rtlCol="0">
+            <a:spAutoFit/>
+          </a:bodyPr>
+          <a:lstStyle/>
+          <a:p>
+            <a:pPr algn="ctr"/>
+            <a:r>
+              <a:rPr lang="pt-BR" sz="1400" b="1" dirty="0"/>
+              <a:t>Nosso sistema realizará a captura de processos e uso do computador.</a:t>
+            </a:r>
+          </a:p>
+        </p:txBody>
+      </p:sp>
+      <p:pic>
+        <p:nvPicPr>
+          <p:cNvPr id="10" name="Imagem 9">
+            <a:extLst>
+              <a:ext uri="{FF2B5EF4-FFF2-40B4-BE49-F238E27FC236}">
+                <a16:creationId xmlns:a16="http://schemas.microsoft.com/office/drawing/2014/main" id="{AD925734-A883-4E00-A8F5-5539F9E089B0}"/>
+              </a:ext>
+            </a:extLst>
+          </p:cNvPr>
+          <p:cNvPicPr>
+            <a:picLocks noChangeAspect="1"/>
+          </p:cNvPicPr>
+          <p:nvPr/>
+        </p:nvPicPr>
+        <p:blipFill>
+          <a:blip r:embed="rId2">
+            <a:extLst>
+              <a:ext uri="{BEBA8EAE-BF5A-486C-A8C5-ECC9F3942E4B}">
+                <a14:imgProps xmlns:a14="http://schemas.microsoft.com/office/drawing/2010/main">
+                  <a14:imgLayer r:embed="rId3">
+                    <a14:imgEffect>
+                      <a14:backgroundRemoval t="10000" b="90000" l="10000" r="90000">
+                        <a14:foregroundMark x1="78075" y1="54000" x2="78075" y2="54000"/>
+                        <a14:foregroundMark x1="78075" y1="69000" x2="78075" y2="69000"/>
+                      </a14:backgroundRemoval>
+                    </a14:imgEffect>
+                  </a14:imgLayer>
+                </a14:imgProps>
+              </a:ext>
+            </a:extLst>
+          </a:blip>
+          <a:stretch>
+            <a:fillRect/>
+          </a:stretch>
+        </p:blipFill>
+        <p:spPr>
+          <a:xfrm>
+            <a:off x="2528604" y="2590653"/>
+            <a:ext cx="1567709" cy="838347"/>
+          </a:xfrm>
+          <a:prstGeom prst="rect">
+            <a:avLst/>
+          </a:prstGeom>
+        </p:spPr>
+      </p:pic>
+      <p:pic>
+        <p:nvPicPr>
+          <p:cNvPr id="12" name="Imagem 11">
+            <a:extLst>
+              <a:ext uri="{FF2B5EF4-FFF2-40B4-BE49-F238E27FC236}">
+                <a16:creationId xmlns:a16="http://schemas.microsoft.com/office/drawing/2014/main" id="{B36E72DB-7364-407A-ADAA-356DC5102CC1}"/>
+              </a:ext>
+            </a:extLst>
+          </p:cNvPr>
+          <p:cNvPicPr>
+            <a:picLocks noChangeAspect="1"/>
+          </p:cNvPicPr>
+          <p:nvPr/>
+        </p:nvPicPr>
+        <p:blipFill>
+          <a:blip r:embed="rId4">
+            <a:extLst>
+              <a:ext uri="{BEBA8EAE-BF5A-486C-A8C5-ECC9F3942E4B}">
+                <a14:imgProps xmlns:a14="http://schemas.microsoft.com/office/drawing/2010/main">
+                  <a14:imgLayer r:embed="rId5">
+                    <a14:imgEffect>
+                      <a14:backgroundRemoval t="9868" b="89474" l="9581" r="91018">
+                        <a14:foregroundMark x1="78443" y1="53947" x2="78443" y2="53947"/>
+                        <a14:foregroundMark x1="91018" y1="67105" x2="91018" y2="67105"/>
+                      </a14:backgroundRemoval>
+                    </a14:imgEffect>
+                  </a14:imgLayer>
+                </a14:imgProps>
+              </a:ext>
+            </a:extLst>
+          </a:blip>
+          <a:stretch>
+            <a:fillRect/>
+          </a:stretch>
+        </p:blipFill>
+        <p:spPr>
+          <a:xfrm rot="2583883">
+            <a:off x="7873443" y="3559790"/>
+            <a:ext cx="1178829" cy="1072946"/>
+          </a:xfrm>
+          <a:prstGeom prst="rect">
+            <a:avLst/>
+          </a:prstGeom>
+        </p:spPr>
+      </p:pic>
+      <p:pic>
+        <p:nvPicPr>
+          <p:cNvPr id="14" name="Imagem 13">
+            <a:extLst>
+              <a:ext uri="{FF2B5EF4-FFF2-40B4-BE49-F238E27FC236}">
+                <a16:creationId xmlns:a16="http://schemas.microsoft.com/office/drawing/2014/main" id="{7C95BA3E-B087-497F-A2F7-17D2ACAB588D}"/>
+              </a:ext>
+            </a:extLst>
+          </p:cNvPr>
+          <p:cNvPicPr>
+            <a:picLocks noChangeAspect="1"/>
+          </p:cNvPicPr>
+          <p:nvPr/>
+        </p:nvPicPr>
+        <p:blipFill>
+          <a:blip r:embed="rId6">
+            <a:extLst>
+              <a:ext uri="{BEBA8EAE-BF5A-486C-A8C5-ECC9F3942E4B}">
+                <a14:imgProps xmlns:a14="http://schemas.microsoft.com/office/drawing/2010/main">
+                  <a14:imgLayer r:embed="rId7">
+                    <a14:imgEffect>
+                      <a14:backgroundRemoval t="10000" b="90000" l="10000" r="90000">
+                        <a14:foregroundMark x1="46392" y1="79348" x2="46392" y2="79348"/>
+                      </a14:backgroundRemoval>
+                    </a14:imgEffect>
+                  </a14:imgLayer>
+                </a14:imgProps>
+              </a:ext>
+            </a:extLst>
+          </a:blip>
+          <a:stretch>
+            <a:fillRect/>
+          </a:stretch>
+        </p:blipFill>
+        <p:spPr>
+          <a:xfrm rot="18856160" flipH="1">
+            <a:off x="6058348" y="2197375"/>
+            <a:ext cx="1139372" cy="1080641"/>
+          </a:xfrm>
+          <a:prstGeom prst="rect">
+            <a:avLst/>
+          </a:prstGeom>
+        </p:spPr>
+      </p:pic>
+      <p:pic>
+        <p:nvPicPr>
+          <p:cNvPr id="16" name="Imagem 15">
+            <a:extLst>
+              <a:ext uri="{FF2B5EF4-FFF2-40B4-BE49-F238E27FC236}">
+                <a16:creationId xmlns:a16="http://schemas.microsoft.com/office/drawing/2014/main" id="{6E1ED496-9576-424C-A6D8-1A33B907F447}"/>
+              </a:ext>
+            </a:extLst>
+          </p:cNvPr>
+          <p:cNvPicPr>
+            <a:picLocks noChangeAspect="1"/>
+          </p:cNvPicPr>
+          <p:nvPr/>
+        </p:nvPicPr>
+        <p:blipFill>
+          <a:blip r:embed="rId8">
+            <a:extLst>
+              <a:ext uri="{28A0092B-C50C-407E-A947-70E740481C1C}">
+                <a14:useLocalDpi xmlns:a14="http://schemas.microsoft.com/office/drawing/2010/main" val="0"/>
+              </a:ext>
+            </a:extLst>
+          </a:blip>
+          <a:stretch>
+            <a:fillRect/>
+          </a:stretch>
+        </p:blipFill>
+        <p:spPr>
+          <a:xfrm>
+            <a:off x="289220" y="1820260"/>
+            <a:ext cx="2257939" cy="2257939"/>
+          </a:xfrm>
+          <a:prstGeom prst="rect">
+            <a:avLst/>
+          </a:prstGeom>
+        </p:spPr>
+      </p:pic>
+      <p:pic>
+        <p:nvPicPr>
+          <p:cNvPr id="20" name="Imagem 19">
+            <a:extLst>
+              <a:ext uri="{FF2B5EF4-FFF2-40B4-BE49-F238E27FC236}">
+                <a16:creationId xmlns:a16="http://schemas.microsoft.com/office/drawing/2014/main" id="{6711525F-D16D-41C7-AB3E-9799DB511FA0}"/>
+              </a:ext>
+            </a:extLst>
+          </p:cNvPr>
+          <p:cNvPicPr>
+            <a:picLocks noChangeAspect="1"/>
+          </p:cNvPicPr>
+          <p:nvPr/>
+        </p:nvPicPr>
+        <p:blipFill>
+          <a:blip r:embed="rId6">
+            <a:extLst>
+              <a:ext uri="{BEBA8EAE-BF5A-486C-A8C5-ECC9F3942E4B}">
+                <a14:imgProps xmlns:a14="http://schemas.microsoft.com/office/drawing/2010/main">
+                  <a14:imgLayer r:embed="rId7">
+                    <a14:imgEffect>
+                      <a14:backgroundRemoval t="10000" b="90000" l="10000" r="90000">
+                        <a14:foregroundMark x1="46392" y1="79348" x2="46392" y2="79348"/>
+                      </a14:backgroundRemoval>
+                    </a14:imgEffect>
+                  </a14:imgLayer>
+                </a14:imgProps>
+              </a:ext>
+            </a:extLst>
+          </a:blip>
+          <a:stretch>
+            <a:fillRect/>
+          </a:stretch>
+        </p:blipFill>
+        <p:spPr>
+          <a:xfrm rot="8585265">
+            <a:off x="4441098" y="1320694"/>
+            <a:ext cx="1178635" cy="1117880"/>
+          </a:xfrm>
+          <a:prstGeom prst="rect">
+            <a:avLst/>
+          </a:prstGeom>
+        </p:spPr>
+      </p:pic>
+      <p:pic>
+        <p:nvPicPr>
+          <p:cNvPr id="29" name="Imagem 28" descr="Ícone&#10;&#10;Descrição gerada automaticamente">
+            <a:extLst>
+              <a:ext uri="{FF2B5EF4-FFF2-40B4-BE49-F238E27FC236}">
+                <a16:creationId xmlns:a16="http://schemas.microsoft.com/office/drawing/2014/main" id="{43FB11AC-C448-4F44-B61E-41B39317BF92}"/>
+              </a:ext>
+            </a:extLst>
+          </p:cNvPr>
+          <p:cNvPicPr>
+            <a:picLocks noChangeAspect="1"/>
+          </p:cNvPicPr>
+          <p:nvPr/>
+        </p:nvPicPr>
+        <p:blipFill>
+          <a:blip r:embed="rId9">
+            <a:extLst>
+              <a:ext uri="{28A0092B-C50C-407E-A947-70E740481C1C}">
+                <a14:useLocalDpi xmlns:a14="http://schemas.microsoft.com/office/drawing/2010/main" val="0"/>
+              </a:ext>
+            </a:extLst>
+          </a:blip>
+          <a:stretch>
+            <a:fillRect/>
+          </a:stretch>
+        </p:blipFill>
+        <p:spPr>
+          <a:xfrm>
+            <a:off x="4349638" y="2447481"/>
+            <a:ext cx="1197879" cy="1197879"/>
+          </a:xfrm>
+          <a:prstGeom prst="rect">
+            <a:avLst/>
+          </a:prstGeom>
+        </p:spPr>
+      </p:pic>
+      <p:pic>
+        <p:nvPicPr>
+          <p:cNvPr id="31" name="Imagem 30" descr="Ícone&#10;&#10;Descrição gerada automaticamente">
+            <a:extLst>
+              <a:ext uri="{FF2B5EF4-FFF2-40B4-BE49-F238E27FC236}">
+                <a16:creationId xmlns:a16="http://schemas.microsoft.com/office/drawing/2014/main" id="{E015E4BB-65D7-4162-A599-1A3DABA35918}"/>
+              </a:ext>
+            </a:extLst>
+          </p:cNvPr>
+          <p:cNvPicPr>
+            <a:picLocks noChangeAspect="1"/>
+          </p:cNvPicPr>
+          <p:nvPr/>
+        </p:nvPicPr>
+        <p:blipFill>
+          <a:blip r:embed="rId10">
+            <a:extLst>
+              <a:ext uri="{28A0092B-C50C-407E-A947-70E740481C1C}">
+                <a14:useLocalDpi xmlns:a14="http://schemas.microsoft.com/office/drawing/2010/main" val="0"/>
+              </a:ext>
+            </a:extLst>
+          </a:blip>
+          <a:stretch>
+            <a:fillRect/>
+          </a:stretch>
+        </p:blipFill>
+        <p:spPr>
+          <a:xfrm>
+            <a:off x="4056000" y="158849"/>
+            <a:ext cx="1052319" cy="1052319"/>
+          </a:xfrm>
+          <a:prstGeom prst="rect">
+            <a:avLst/>
+          </a:prstGeom>
+        </p:spPr>
+      </p:pic>
+      <p:pic>
+        <p:nvPicPr>
+          <p:cNvPr id="37" name="Imagem 36" descr="Uma imagem contendo relógio&#10;&#10;Descrição gerada automaticamente">
+            <a:extLst>
+              <a:ext uri="{FF2B5EF4-FFF2-40B4-BE49-F238E27FC236}">
+                <a16:creationId xmlns:a16="http://schemas.microsoft.com/office/drawing/2014/main" id="{CAF8B920-9A4F-406A-AB75-211B681E233E}"/>
+              </a:ext>
+            </a:extLst>
+          </p:cNvPr>
+          <p:cNvPicPr>
+            <a:picLocks noChangeAspect="1"/>
+          </p:cNvPicPr>
+          <p:nvPr/>
+        </p:nvPicPr>
+        <p:blipFill>
+          <a:blip r:embed="rId11">
+            <a:extLst>
+              <a:ext uri="{28A0092B-C50C-407E-A947-70E740481C1C}">
+                <a14:useLocalDpi xmlns:a14="http://schemas.microsoft.com/office/drawing/2010/main" val="0"/>
+              </a:ext>
+            </a:extLst>
+          </a:blip>
+          <a:stretch>
+            <a:fillRect/>
+          </a:stretch>
+        </p:blipFill>
+        <p:spPr>
+          <a:xfrm>
+            <a:off x="7648755" y="4715949"/>
+            <a:ext cx="1169311" cy="1169311"/>
+          </a:xfrm>
+          <a:prstGeom prst="rect">
+            <a:avLst/>
+          </a:prstGeom>
+        </p:spPr>
+      </p:pic>
+      <p:pic>
+        <p:nvPicPr>
+          <p:cNvPr id="39" name="Imagem 38" descr="Ícone&#10;&#10;Descrição gerada automaticamente">
+            <a:extLst>
+              <a:ext uri="{FF2B5EF4-FFF2-40B4-BE49-F238E27FC236}">
+                <a16:creationId xmlns:a16="http://schemas.microsoft.com/office/drawing/2014/main" id="{F75E5FE2-0419-4BCC-A15C-8DE54005C9B2}"/>
+              </a:ext>
+            </a:extLst>
+          </p:cNvPr>
+          <p:cNvPicPr>
+            <a:picLocks noChangeAspect="1"/>
+          </p:cNvPicPr>
+          <p:nvPr/>
+        </p:nvPicPr>
+        <p:blipFill>
+          <a:blip r:embed="rId12">
+            <a:extLst>
+              <a:ext uri="{28A0092B-C50C-407E-A947-70E740481C1C}">
+                <a14:useLocalDpi xmlns:a14="http://schemas.microsoft.com/office/drawing/2010/main" val="0"/>
+              </a:ext>
+            </a:extLst>
+          </a:blip>
+          <a:stretch>
+            <a:fillRect/>
+          </a:stretch>
+        </p:blipFill>
+        <p:spPr>
+          <a:xfrm>
+            <a:off x="7410740" y="1295784"/>
+            <a:ext cx="1787940" cy="1787940"/>
+          </a:xfrm>
+          <a:prstGeom prst="rect">
+            <a:avLst/>
+          </a:prstGeom>
+        </p:spPr>
+      </p:pic>
+      <p:sp>
+        <p:nvSpPr>
+          <p:cNvPr id="2" name="CaixaDeTexto 1">
+            <a:extLst>
+              <a:ext uri="{FF2B5EF4-FFF2-40B4-BE49-F238E27FC236}">
+                <a16:creationId xmlns:a16="http://schemas.microsoft.com/office/drawing/2014/main" id="{9785855B-0C06-475A-8CEB-38B9B93C5421}"/>
+              </a:ext>
+            </a:extLst>
+          </p:cNvPr>
+          <p:cNvSpPr txBox="1"/>
+          <p:nvPr/>
+        </p:nvSpPr>
+        <p:spPr>
+          <a:xfrm>
+            <a:off x="80795" y="-25817"/>
+            <a:ext cx="569387" cy="369332"/>
           </a:xfrm>
           <a:prstGeom prst="rect">
             <a:avLst/>
@@ -3360,17 +3789,17 @@
           <a:p>
             <a:r>
               <a:rPr lang="pt-BR" b="1" dirty="0"/>
-              <a:t>LLD</a:t>
-            </a:r>
-          </a:p>
-        </p:txBody>
-      </p:sp>
-      <p:sp>
-        <p:nvSpPr>
-          <p:cNvPr id="2" name="CaixaDeTexto 1">
-            <a:extLst>
-              <a:ext uri="{FF2B5EF4-FFF2-40B4-BE49-F238E27FC236}">
-                <a16:creationId xmlns:a16="http://schemas.microsoft.com/office/drawing/2014/main" id="{E2AF431C-8234-4FE2-AFF6-A7122EDCA7FB}"/>
+              <a:t>HLD</a:t>
+            </a:r>
+          </a:p>
+        </p:txBody>
+      </p:sp>
+      <p:sp>
+        <p:nvSpPr>
+          <p:cNvPr id="18" name="CaixaDeTexto 17">
+            <a:extLst>
+              <a:ext uri="{FF2B5EF4-FFF2-40B4-BE49-F238E27FC236}">
+                <a16:creationId xmlns:a16="http://schemas.microsoft.com/office/drawing/2014/main" id="{5E16D9AB-B401-4B00-98D4-EFE0768B70EC}"/>
               </a:ext>
             </a:extLst>
           </p:cNvPr>
@@ -3379,8 +3808,8 @@
         </p:nvSpPr>
         <p:spPr>
           <a:xfrm>
-            <a:off x="320174" y="1581135"/>
-            <a:ext cx="10091956" cy="2031325"/>
+            <a:off x="9094366" y="1592645"/>
+            <a:ext cx="3097634" cy="954107"/>
           </a:xfrm>
           <a:prstGeom prst="rect">
             <a:avLst/>
@@ -3388,44 +3817,87 @@
           <a:noFill/>
         </p:spPr>
         <p:txBody>
-          <a:bodyPr wrap="square" rtlCol="0">
+          <a:bodyPr wrap="square">
             <a:spAutoFit/>
           </a:bodyPr>
           <a:lstStyle/>
           <a:p>
-            <a:r>
-              <a:rPr lang="pt-BR" dirty="0"/>
-              <a:t>PONTOS:</a:t>
-            </a:r>
-          </a:p>
-          <a:p>
-            <a:r>
-              <a:rPr lang="pt-BR" dirty="0"/>
-              <a:t>Conforme o Gerson disse em outros grupos que o LLD e diagrama são basicamente a mesma coisa, podemos colocar o LLD como Diagrama de software.</a:t>
-            </a:r>
-          </a:p>
-          <a:p>
-            <a:r>
-              <a:rPr lang="pt-BR" dirty="0"/>
-              <a:t>Então meio que o LLD Anula!</a:t>
-            </a:r>
-          </a:p>
-          <a:p>
-            <a:r>
-              <a:rPr lang="pt-BR" dirty="0"/>
-              <a:t>Considerado então tarefa feita, onde LLD/DIAGRAMA, E HLD CONCLUIDOS.</a:t>
-            </a:r>
-          </a:p>
-          <a:p>
-            <a:r>
-              <a:rPr lang="pt-BR" dirty="0"/>
-              <a:t>ATT. </a:t>
-            </a:r>
-          </a:p>
-          <a:p>
-            <a:r>
-              <a:rPr lang="pt-BR" dirty="0"/>
-              <a:t>MARCELO W.</a:t>
+            <a:pPr algn="ctr"/>
+            <a:r>
+              <a:rPr lang="pt-BR" sz="1400" b="1" dirty="0"/>
+              <a:t>Através do nosso dashboard você terá informações em tempo real através de gráficos, podendo verificar registros e sendo alertado sobre irregularidades.</a:t>
+            </a:r>
+          </a:p>
+        </p:txBody>
+      </p:sp>
+      <p:sp>
+        <p:nvSpPr>
+          <p:cNvPr id="21" name="CaixaDeTexto 20">
+            <a:extLst>
+              <a:ext uri="{FF2B5EF4-FFF2-40B4-BE49-F238E27FC236}">
+                <a16:creationId xmlns:a16="http://schemas.microsoft.com/office/drawing/2014/main" id="{8FAB4AC2-1CFF-4CA5-BD50-F2D84F81A361}"/>
+              </a:ext>
+            </a:extLst>
+          </p:cNvPr>
+          <p:cNvSpPr txBox="1"/>
+          <p:nvPr/>
+        </p:nvSpPr>
+        <p:spPr>
+          <a:xfrm>
+            <a:off x="4869066" y="191496"/>
+            <a:ext cx="2378639" cy="1169551"/>
+          </a:xfrm>
+          <a:prstGeom prst="rect">
+            <a:avLst/>
+          </a:prstGeom>
+          <a:noFill/>
+        </p:spPr>
+        <p:txBody>
+          <a:bodyPr wrap="square">
+            <a:spAutoFit/>
+          </a:bodyPr>
+          <a:lstStyle/>
+          <a:p>
+            <a:pPr algn="ctr"/>
+            <a:r>
+              <a:rPr lang="pt-BR" sz="1400" b="1" dirty="0"/>
+              <a:t>Através do nosso sistema você será notificado sobre alguma irregularidade que ocorrer nos computadores em uso.</a:t>
+            </a:r>
+          </a:p>
+        </p:txBody>
+      </p:sp>
+      <p:sp>
+        <p:nvSpPr>
+          <p:cNvPr id="23" name="CaixaDeTexto 22">
+            <a:extLst>
+              <a:ext uri="{FF2B5EF4-FFF2-40B4-BE49-F238E27FC236}">
+                <a16:creationId xmlns:a16="http://schemas.microsoft.com/office/drawing/2014/main" id="{752684E8-841F-414C-92C0-6E2CF31C3DA7}"/>
+              </a:ext>
+            </a:extLst>
+          </p:cNvPr>
+          <p:cNvSpPr txBox="1"/>
+          <p:nvPr/>
+        </p:nvSpPr>
+        <p:spPr>
+          <a:xfrm>
+            <a:off x="9001387" y="4715949"/>
+            <a:ext cx="2718698" cy="1384995"/>
+          </a:xfrm>
+          <a:prstGeom prst="rect">
+            <a:avLst/>
+          </a:prstGeom>
+          <a:noFill/>
+        </p:spPr>
+        <p:txBody>
+          <a:bodyPr wrap="square">
+            <a:spAutoFit/>
+          </a:bodyPr>
+          <a:lstStyle/>
+          <a:p>
+            <a:pPr algn="ctr"/>
+            <a:r>
+              <a:rPr lang="pt-BR" sz="1400" b="1" dirty="0"/>
+              <a:t>Com nosso sistema você terá o controle dos computadores totalmente automatizado e em tempo real. Aumentando e melhorando o desempenho dos funcionários.</a:t>
             </a:r>
           </a:p>
         </p:txBody>
@@ -3433,7 +3905,7 @@
     </p:spTree>
     <p:extLst>
       <p:ext uri="{BB962C8B-B14F-4D97-AF65-F5344CB8AC3E}">
-        <p14:creationId xmlns:p14="http://schemas.microsoft.com/office/powerpoint/2010/main" val="3170824221"/>
+        <p14:creationId xmlns:p14="http://schemas.microsoft.com/office/powerpoint/2010/main" val="1146724752"/>
       </p:ext>
     </p:extLst>
   </p:cSld>
@@ -3460,84 +3932,12 @@
           <a:chExt cx="0" cy="0"/>
         </a:xfrm>
       </p:grpSpPr>
-      <p:sp>
-        <p:nvSpPr>
-          <p:cNvPr id="5" name="CaixaDeTexto 4">
-            <a:extLst>
-              <a:ext uri="{FF2B5EF4-FFF2-40B4-BE49-F238E27FC236}">
-                <a16:creationId xmlns:a16="http://schemas.microsoft.com/office/drawing/2014/main" id="{3A0E2E5A-1CDB-49BC-9C37-FC86C36DA909}"/>
-              </a:ext>
-            </a:extLst>
-          </p:cNvPr>
-          <p:cNvSpPr txBox="1"/>
-          <p:nvPr/>
-        </p:nvSpPr>
-        <p:spPr>
-          <a:xfrm>
-            <a:off x="80795" y="4078199"/>
-            <a:ext cx="2466364" cy="738664"/>
-          </a:xfrm>
-          <a:prstGeom prst="rect">
-            <a:avLst/>
-          </a:prstGeom>
-          <a:noFill/>
-        </p:spPr>
-        <p:txBody>
-          <a:bodyPr wrap="square" rtlCol="0">
-            <a:spAutoFit/>
-          </a:bodyPr>
-          <a:lstStyle/>
-          <a:p>
-            <a:pPr algn="ctr"/>
-            <a:r>
-              <a:rPr lang="pt-BR" sz="1400" b="1" dirty="0"/>
-              <a:t>Dentro do computador do funcionário ficará o nosso software.</a:t>
-            </a:r>
-          </a:p>
-        </p:txBody>
-      </p:sp>
-      <p:sp>
-        <p:nvSpPr>
-          <p:cNvPr id="6" name="CaixaDeTexto 5">
-            <a:extLst>
-              <a:ext uri="{FF2B5EF4-FFF2-40B4-BE49-F238E27FC236}">
-                <a16:creationId xmlns:a16="http://schemas.microsoft.com/office/drawing/2014/main" id="{412904C5-8378-4A99-AC6C-897C51F80497}"/>
-              </a:ext>
-            </a:extLst>
-          </p:cNvPr>
-          <p:cNvSpPr txBox="1"/>
-          <p:nvPr/>
-        </p:nvSpPr>
-        <p:spPr>
-          <a:xfrm>
-            <a:off x="3642133" y="3759582"/>
-            <a:ext cx="2453867" cy="738664"/>
-          </a:xfrm>
-          <a:prstGeom prst="rect">
-            <a:avLst/>
-          </a:prstGeom>
-          <a:noFill/>
-        </p:spPr>
-        <p:txBody>
-          <a:bodyPr wrap="square" rtlCol="0">
-            <a:spAutoFit/>
-          </a:bodyPr>
-          <a:lstStyle/>
-          <a:p>
-            <a:pPr algn="ctr"/>
-            <a:r>
-              <a:rPr lang="pt-BR" sz="1400" b="1" dirty="0"/>
-              <a:t>Nosso sistema realizará a captura de processos e uso do computador.</a:t>
-            </a:r>
-          </a:p>
-        </p:txBody>
-      </p:sp>
       <p:pic>
         <p:nvPicPr>
-          <p:cNvPr id="10" name="Imagem 9">
-            <a:extLst>
-              <a:ext uri="{FF2B5EF4-FFF2-40B4-BE49-F238E27FC236}">
-                <a16:creationId xmlns:a16="http://schemas.microsoft.com/office/drawing/2014/main" id="{AD925734-A883-4E00-A8F5-5539F9E089B0}"/>
+          <p:cNvPr id="24" name="Imagem 23" descr="Forma&#10;&#10;Descrição gerada automaticamente">
+            <a:extLst>
+              <a:ext uri="{FF2B5EF4-FFF2-40B4-BE49-F238E27FC236}">
+                <a16:creationId xmlns:a16="http://schemas.microsoft.com/office/drawing/2014/main" id="{5C7DD506-50B1-460C-BA22-4C94A74330EA}"/>
               </a:ext>
             </a:extLst>
           </p:cNvPr>
@@ -3549,17 +3949,8 @@
         <p:blipFill>
           <a:blip r:embed="rId2">
             <a:extLst>
-              <a:ext uri="{BEBA8EAE-BF5A-486C-A8C5-ECC9F3942E4B}">
-                <a14:imgProps xmlns:a14="http://schemas.microsoft.com/office/drawing/2010/main">
-                  <a14:imgLayer r:embed="rId3">
-                    <a14:imgEffect>
-                      <a14:backgroundRemoval t="10000" b="90000" l="10000" r="90000">
-                        <a14:foregroundMark x1="78075" y1="54000" x2="78075" y2="54000"/>
-                        <a14:foregroundMark x1="78075" y1="69000" x2="78075" y2="69000"/>
-                      </a14:backgroundRemoval>
-                    </a14:imgEffect>
-                  </a14:imgLayer>
-                </a14:imgProps>
+              <a:ext uri="{28A0092B-C50C-407E-A947-70E740481C1C}">
+                <a14:useLocalDpi xmlns:a14="http://schemas.microsoft.com/office/drawing/2010/main" val="0"/>
               </a:ext>
             </a:extLst>
           </a:blip>
@@ -3569,8 +3960,8 @@
         </p:blipFill>
         <p:spPr>
           <a:xfrm>
-            <a:off x="2528604" y="2590653"/>
-            <a:ext cx="1567709" cy="838347"/>
+            <a:off x="2563810" y="-94903"/>
+            <a:ext cx="6816101" cy="3817017"/>
           </a:xfrm>
           <a:prstGeom prst="rect">
             <a:avLst/>
@@ -3579,10 +3970,10 @@
       </p:pic>
       <p:pic>
         <p:nvPicPr>
-          <p:cNvPr id="12" name="Imagem 11">
-            <a:extLst>
-              <a:ext uri="{FF2B5EF4-FFF2-40B4-BE49-F238E27FC236}">
-                <a16:creationId xmlns:a16="http://schemas.microsoft.com/office/drawing/2014/main" id="{B36E72DB-7364-407A-ADAA-356DC5102CC1}"/>
+          <p:cNvPr id="49" name="Imagem 48" descr="Forma&#10;&#10;Descrição gerada automaticamente">
+            <a:extLst>
+              <a:ext uri="{FF2B5EF4-FFF2-40B4-BE49-F238E27FC236}">
+                <a16:creationId xmlns:a16="http://schemas.microsoft.com/office/drawing/2014/main" id="{85B16B53-66FB-4009-B794-D2C9A50B0D2C}"/>
               </a:ext>
             </a:extLst>
           </p:cNvPr>
@@ -3592,19 +3983,10 @@
           <p:nvPr/>
         </p:nvPicPr>
         <p:blipFill>
-          <a:blip r:embed="rId4">
-            <a:extLst>
-              <a:ext uri="{BEBA8EAE-BF5A-486C-A8C5-ECC9F3942E4B}">
-                <a14:imgProps xmlns:a14="http://schemas.microsoft.com/office/drawing/2010/main">
-                  <a14:imgLayer r:embed="rId5">
-                    <a14:imgEffect>
-                      <a14:backgroundRemoval t="9868" b="89474" l="9581" r="91018">
-                        <a14:foregroundMark x1="78443" y1="53947" x2="78443" y2="53947"/>
-                        <a14:foregroundMark x1="91018" y1="67105" x2="91018" y2="67105"/>
-                      </a14:backgroundRemoval>
-                    </a14:imgEffect>
-                  </a14:imgLayer>
-                </a14:imgProps>
+          <a:blip r:embed="rId2">
+            <a:extLst>
+              <a:ext uri="{28A0092B-C50C-407E-A947-70E740481C1C}">
+                <a14:useLocalDpi xmlns:a14="http://schemas.microsoft.com/office/drawing/2010/main" val="0"/>
               </a:ext>
             </a:extLst>
           </a:blip>
@@ -3613,9 +3995,9 @@
           </a:stretch>
         </p:blipFill>
         <p:spPr>
-          <a:xfrm rot="2583883">
-            <a:off x="7873443" y="3559790"/>
-            <a:ext cx="1178829" cy="1072946"/>
+          <a:xfrm>
+            <a:off x="4107899" y="4608060"/>
+            <a:ext cx="2950568" cy="1652318"/>
           </a:xfrm>
           <a:prstGeom prst="rect">
             <a:avLst/>
@@ -3624,10 +4006,10 @@
       </p:pic>
       <p:pic>
         <p:nvPicPr>
-          <p:cNvPr id="14" name="Imagem 13">
-            <a:extLst>
-              <a:ext uri="{FF2B5EF4-FFF2-40B4-BE49-F238E27FC236}">
-                <a16:creationId xmlns:a16="http://schemas.microsoft.com/office/drawing/2014/main" id="{7C95BA3E-B087-497F-A2F7-17D2ACAB588D}"/>
+          <p:cNvPr id="16" name="Imagem 15">
+            <a:extLst>
+              <a:ext uri="{FF2B5EF4-FFF2-40B4-BE49-F238E27FC236}">
+                <a16:creationId xmlns:a16="http://schemas.microsoft.com/office/drawing/2014/main" id="{F080E30E-48F9-44E0-BB36-75BC3D0889E5}"/>
               </a:ext>
             </a:extLst>
           </p:cNvPr>
@@ -3637,18 +4019,10 @@
           <p:nvPr/>
         </p:nvPicPr>
         <p:blipFill>
-          <a:blip r:embed="rId6">
-            <a:extLst>
-              <a:ext uri="{BEBA8EAE-BF5A-486C-A8C5-ECC9F3942E4B}">
-                <a14:imgProps xmlns:a14="http://schemas.microsoft.com/office/drawing/2010/main">
-                  <a14:imgLayer r:embed="rId7">
-                    <a14:imgEffect>
-                      <a14:backgroundRemoval t="10000" b="90000" l="10000" r="90000">
-                        <a14:foregroundMark x1="46392" y1="79348" x2="46392" y2="79348"/>
-                      </a14:backgroundRemoval>
-                    </a14:imgEffect>
-                  </a14:imgLayer>
-                </a14:imgProps>
+          <a:blip r:embed="rId3">
+            <a:extLst>
+              <a:ext uri="{28A0092B-C50C-407E-A947-70E740481C1C}">
+                <a14:useLocalDpi xmlns:a14="http://schemas.microsoft.com/office/drawing/2010/main" val="0"/>
               </a:ext>
             </a:extLst>
           </a:blip>
@@ -3657,9 +4031,9 @@
           </a:stretch>
         </p:blipFill>
         <p:spPr>
-          <a:xfrm rot="18856160" flipH="1">
-            <a:off x="6058348" y="2197375"/>
-            <a:ext cx="1139372" cy="1080641"/>
+          <a:xfrm>
+            <a:off x="2646023" y="5454288"/>
+            <a:ext cx="1240498" cy="979740"/>
           </a:xfrm>
           <a:prstGeom prst="rect">
             <a:avLst/>
@@ -3668,10 +4042,10 @@
       </p:pic>
       <p:pic>
         <p:nvPicPr>
-          <p:cNvPr id="16" name="Imagem 15">
-            <a:extLst>
-              <a:ext uri="{FF2B5EF4-FFF2-40B4-BE49-F238E27FC236}">
-                <a16:creationId xmlns:a16="http://schemas.microsoft.com/office/drawing/2014/main" id="{6E1ED496-9576-424C-A6D8-1A33B907F447}"/>
+          <p:cNvPr id="26" name="Imagem 25">
+            <a:extLst>
+              <a:ext uri="{FF2B5EF4-FFF2-40B4-BE49-F238E27FC236}">
+                <a16:creationId xmlns:a16="http://schemas.microsoft.com/office/drawing/2014/main" id="{C9BA60CF-EE2A-4753-B028-FFAAD68A14CF}"/>
               </a:ext>
             </a:extLst>
           </p:cNvPr>
@@ -3681,7 +4055,7 @@
           <p:nvPr/>
         </p:nvPicPr>
         <p:blipFill>
-          <a:blip r:embed="rId8">
+          <a:blip r:embed="rId4">
             <a:extLst>
               <a:ext uri="{28A0092B-C50C-407E-A947-70E740481C1C}">
                 <a14:useLocalDpi xmlns:a14="http://schemas.microsoft.com/office/drawing/2010/main" val="0"/>
@@ -3694,20 +4068,157 @@
         </p:blipFill>
         <p:spPr>
           <a:xfrm>
-            <a:off x="289220" y="1820260"/>
-            <a:ext cx="2257939" cy="2257939"/>
+            <a:off x="2563810" y="3722114"/>
+            <a:ext cx="817927" cy="817927"/>
           </a:xfrm>
           <a:prstGeom prst="rect">
             <a:avLst/>
           </a:prstGeom>
         </p:spPr>
       </p:pic>
+      <p:cxnSp>
+        <p:nvCxnSpPr>
+          <p:cNvPr id="28" name="Conector: Curvo 27">
+            <a:extLst>
+              <a:ext uri="{FF2B5EF4-FFF2-40B4-BE49-F238E27FC236}">
+                <a16:creationId xmlns:a16="http://schemas.microsoft.com/office/drawing/2014/main" id="{FCCB8A71-8097-4DA8-9661-AD0C34FFD1EC}"/>
+              </a:ext>
+            </a:extLst>
+          </p:cNvPr>
+          <p:cNvCxnSpPr>
+            <a:cxnSpLocks/>
+          </p:cNvCxnSpPr>
+          <p:nvPr/>
+        </p:nvCxnSpPr>
+        <p:spPr>
+          <a:xfrm rot="16200000" flipV="1">
+            <a:off x="2939902" y="4682967"/>
+            <a:ext cx="654602" cy="511735"/>
+          </a:xfrm>
+          <a:prstGeom prst="curvedConnector3">
+            <a:avLst>
+              <a:gd name="adj1" fmla="val 50000"/>
+            </a:avLst>
+          </a:prstGeom>
+          <a:ln>
+            <a:tailEnd type="triangle"/>
+          </a:ln>
+        </p:spPr>
+        <p:style>
+          <a:lnRef idx="1">
+            <a:schemeClr val="dk1"/>
+          </a:lnRef>
+          <a:fillRef idx="0">
+            <a:schemeClr val="dk1"/>
+          </a:fillRef>
+          <a:effectRef idx="0">
+            <a:schemeClr val="dk1"/>
+          </a:effectRef>
+          <a:fontRef idx="minor">
+            <a:schemeClr val="tx1"/>
+          </a:fontRef>
+        </p:style>
+      </p:cxnSp>
+      <p:cxnSp>
+        <p:nvCxnSpPr>
+          <p:cNvPr id="68" name="Conector de Seta Reta 67">
+            <a:extLst>
+              <a:ext uri="{FF2B5EF4-FFF2-40B4-BE49-F238E27FC236}">
+                <a16:creationId xmlns:a16="http://schemas.microsoft.com/office/drawing/2014/main" id="{8C10B952-8765-4D4B-A28B-A6F214A05649}"/>
+              </a:ext>
+            </a:extLst>
+          </p:cNvPr>
+          <p:cNvCxnSpPr>
+            <a:cxnSpLocks/>
+          </p:cNvCxnSpPr>
+          <p:nvPr/>
+        </p:nvCxnSpPr>
+        <p:spPr>
+          <a:xfrm>
+            <a:off x="4192118" y="5151214"/>
+            <a:ext cx="403442" cy="0"/>
+          </a:xfrm>
+          <a:prstGeom prst="straightConnector1">
+            <a:avLst/>
+          </a:prstGeom>
+          <a:ln w="9525" cap="flat" cmpd="sng" algn="ctr">
+            <a:solidFill>
+              <a:schemeClr val="dk1"/>
+            </a:solidFill>
+            <a:prstDash val="solid"/>
+            <a:round/>
+            <a:headEnd type="arrow" w="med" len="med"/>
+            <a:tailEnd type="arrow" w="med" len="med"/>
+          </a:ln>
+        </p:spPr>
+        <p:style>
+          <a:lnRef idx="0">
+            <a:scrgbClr r="0" g="0" b="0"/>
+          </a:lnRef>
+          <a:fillRef idx="0">
+            <a:scrgbClr r="0" g="0" b="0"/>
+          </a:fillRef>
+          <a:effectRef idx="0">
+            <a:scrgbClr r="0" g="0" b="0"/>
+          </a:effectRef>
+          <a:fontRef idx="minor">
+            <a:schemeClr val="tx1"/>
+          </a:fontRef>
+        </p:style>
+      </p:cxnSp>
+      <p:cxnSp>
+        <p:nvCxnSpPr>
+          <p:cNvPr id="72" name="Conector de Seta Reta 71">
+            <a:extLst>
+              <a:ext uri="{FF2B5EF4-FFF2-40B4-BE49-F238E27FC236}">
+                <a16:creationId xmlns:a16="http://schemas.microsoft.com/office/drawing/2014/main" id="{E39A84D5-791D-428F-8A43-562265A600C5}"/>
+              </a:ext>
+            </a:extLst>
+          </p:cNvPr>
+          <p:cNvCxnSpPr>
+            <a:cxnSpLocks/>
+          </p:cNvCxnSpPr>
+          <p:nvPr/>
+        </p:nvCxnSpPr>
+        <p:spPr>
+          <a:xfrm flipH="1">
+            <a:off x="6585358" y="5151214"/>
+            <a:ext cx="500348" cy="0"/>
+          </a:xfrm>
+          <a:prstGeom prst="straightConnector1">
+            <a:avLst/>
+          </a:prstGeom>
+          <a:ln w="9525" cap="flat" cmpd="sng" algn="ctr">
+            <a:solidFill>
+              <a:schemeClr val="dk1"/>
+            </a:solidFill>
+            <a:prstDash val="solid"/>
+            <a:round/>
+            <a:headEnd type="arrow" w="med" len="med"/>
+            <a:tailEnd type="arrow" w="med" len="med"/>
+          </a:ln>
+        </p:spPr>
+        <p:style>
+          <a:lnRef idx="0">
+            <a:scrgbClr r="0" g="0" b="0"/>
+          </a:lnRef>
+          <a:fillRef idx="0">
+            <a:scrgbClr r="0" g="0" b="0"/>
+          </a:fillRef>
+          <a:effectRef idx="0">
+            <a:scrgbClr r="0" g="0" b="0"/>
+          </a:effectRef>
+          <a:fontRef idx="minor">
+            <a:schemeClr val="tx1"/>
+          </a:fontRef>
+        </p:style>
+      </p:cxnSp>
       <p:pic>
         <p:nvPicPr>
-          <p:cNvPr id="20" name="Imagem 19">
-            <a:extLst>
-              <a:ext uri="{FF2B5EF4-FFF2-40B4-BE49-F238E27FC236}">
-                <a16:creationId xmlns:a16="http://schemas.microsoft.com/office/drawing/2014/main" id="{6711525F-D16D-41C7-AB3E-9799DB511FA0}"/>
+          <p:cNvPr id="80" name="Imagem 79">
+            <a:extLst>
+              <a:ext uri="{FF2B5EF4-FFF2-40B4-BE49-F238E27FC236}">
+                <a16:creationId xmlns:a16="http://schemas.microsoft.com/office/drawing/2014/main" id="{8B2204F4-AF5C-4DFA-83D7-3C46B1F2C9EA}"/>
               </a:ext>
             </a:extLst>
           </p:cNvPr>
@@ -3717,18 +4228,10 @@
           <p:nvPr/>
         </p:nvPicPr>
         <p:blipFill>
-          <a:blip r:embed="rId6">
-            <a:extLst>
-              <a:ext uri="{BEBA8EAE-BF5A-486C-A8C5-ECC9F3942E4B}">
-                <a14:imgProps xmlns:a14="http://schemas.microsoft.com/office/drawing/2010/main">
-                  <a14:imgLayer r:embed="rId7">
-                    <a14:imgEffect>
-                      <a14:backgroundRemoval t="10000" b="90000" l="10000" r="90000">
-                        <a14:foregroundMark x1="46392" y1="79348" x2="46392" y2="79348"/>
-                      </a14:backgroundRemoval>
-                    </a14:imgEffect>
-                  </a14:imgLayer>
-                </a14:imgProps>
+          <a:blip r:embed="rId4">
+            <a:extLst>
+              <a:ext uri="{28A0092B-C50C-407E-A947-70E740481C1C}">
+                <a14:useLocalDpi xmlns:a14="http://schemas.microsoft.com/office/drawing/2010/main" val="0"/>
               </a:ext>
             </a:extLst>
           </a:blip>
@@ -3737,21 +4240,56 @@
           </a:stretch>
         </p:blipFill>
         <p:spPr>
-          <a:xfrm rot="8585265">
-            <a:off x="4441098" y="1320694"/>
-            <a:ext cx="1178635" cy="1117880"/>
+          <a:xfrm>
+            <a:off x="8235992" y="3760875"/>
+            <a:ext cx="817927" cy="817927"/>
           </a:xfrm>
           <a:prstGeom prst="rect">
             <a:avLst/>
           </a:prstGeom>
         </p:spPr>
       </p:pic>
+      <p:sp>
+        <p:nvSpPr>
+          <p:cNvPr id="89" name="CaixaDeTexto 88">
+            <a:extLst>
+              <a:ext uri="{FF2B5EF4-FFF2-40B4-BE49-F238E27FC236}">
+                <a16:creationId xmlns:a16="http://schemas.microsoft.com/office/drawing/2014/main" id="{C9D9D231-3B5D-459E-9F07-70D804399E2E}"/>
+              </a:ext>
+            </a:extLst>
+          </p:cNvPr>
+          <p:cNvSpPr txBox="1"/>
+          <p:nvPr/>
+        </p:nvSpPr>
+        <p:spPr>
+          <a:xfrm>
+            <a:off x="9917609" y="4053444"/>
+            <a:ext cx="817927" cy="430887"/>
+          </a:xfrm>
+          <a:prstGeom prst="rect">
+            <a:avLst/>
+          </a:prstGeom>
+          <a:noFill/>
+        </p:spPr>
+        <p:txBody>
+          <a:bodyPr wrap="square" rtlCol="0">
+            <a:spAutoFit/>
+          </a:bodyPr>
+          <a:lstStyle/>
+          <a:p>
+            <a:r>
+              <a:rPr lang="pt-BR" sz="1100" dirty="0"/>
+              <a:t>REDE 3G, 4G, 5G</a:t>
+            </a:r>
+          </a:p>
+        </p:txBody>
+      </p:sp>
       <p:pic>
         <p:nvPicPr>
-          <p:cNvPr id="29" name="Imagem 28" descr="Ícone&#10;&#10;Descrição gerada automaticamente">
-            <a:extLst>
-              <a:ext uri="{FF2B5EF4-FFF2-40B4-BE49-F238E27FC236}">
-                <a16:creationId xmlns:a16="http://schemas.microsoft.com/office/drawing/2014/main" id="{43FB11AC-C448-4F44-B61E-41B39317BF92}"/>
+          <p:cNvPr id="91" name="Imagem 90">
+            <a:extLst>
+              <a:ext uri="{FF2B5EF4-FFF2-40B4-BE49-F238E27FC236}">
+                <a16:creationId xmlns:a16="http://schemas.microsoft.com/office/drawing/2014/main" id="{413FCE52-9E42-42C4-8D09-B45934FDA216}"/>
               </a:ext>
             </a:extLst>
           </p:cNvPr>
@@ -3761,7 +4299,7 @@
           <p:nvPr/>
         </p:nvPicPr>
         <p:blipFill>
-          <a:blip r:embed="rId9">
+          <a:blip r:embed="rId3">
             <a:extLst>
               <a:ext uri="{28A0092B-C50C-407E-A947-70E740481C1C}">
                 <a14:useLocalDpi xmlns:a14="http://schemas.microsoft.com/office/drawing/2010/main" val="0"/>
@@ -3774,8 +4312,8 @@
         </p:blipFill>
         <p:spPr>
           <a:xfrm>
-            <a:off x="4349638" y="2447481"/>
-            <a:ext cx="1197879" cy="1197879"/>
+            <a:off x="8331205" y="5337511"/>
+            <a:ext cx="1240498" cy="979740"/>
           </a:xfrm>
           <a:prstGeom prst="rect">
             <a:avLst/>
@@ -3784,10 +4322,10 @@
       </p:pic>
       <p:pic>
         <p:nvPicPr>
-          <p:cNvPr id="31" name="Imagem 30" descr="Ícone&#10;&#10;Descrição gerada automaticamente">
-            <a:extLst>
-              <a:ext uri="{FF2B5EF4-FFF2-40B4-BE49-F238E27FC236}">
-                <a16:creationId xmlns:a16="http://schemas.microsoft.com/office/drawing/2014/main" id="{E015E4BB-65D7-4162-A599-1A3DABA35918}"/>
+          <p:cNvPr id="93" name="Imagem 92">
+            <a:extLst>
+              <a:ext uri="{FF2B5EF4-FFF2-40B4-BE49-F238E27FC236}">
+                <a16:creationId xmlns:a16="http://schemas.microsoft.com/office/drawing/2014/main" id="{63E9CCF7-0455-42A7-B3B4-AEC2412E858C}"/>
               </a:ext>
             </a:extLst>
           </p:cNvPr>
@@ -3797,7 +4335,7 @@
           <p:nvPr/>
         </p:nvPicPr>
         <p:blipFill>
-          <a:blip r:embed="rId10">
+          <a:blip r:embed="rId5">
             <a:extLst>
               <a:ext uri="{28A0092B-C50C-407E-A947-70E740481C1C}">
                 <a14:useLocalDpi xmlns:a14="http://schemas.microsoft.com/office/drawing/2010/main" val="0"/>
@@ -3810,8 +4348,8 @@
         </p:blipFill>
         <p:spPr>
           <a:xfrm>
-            <a:off x="4056000" y="158849"/>
-            <a:ext cx="1052319" cy="1052319"/>
+            <a:off x="8760658" y="4900498"/>
+            <a:ext cx="381592" cy="381592"/>
           </a:xfrm>
           <a:prstGeom prst="rect">
             <a:avLst/>
@@ -3820,10 +4358,10 @@
       </p:pic>
       <p:pic>
         <p:nvPicPr>
-          <p:cNvPr id="37" name="Imagem 36" descr="Uma imagem contendo relógio&#10;&#10;Descrição gerada automaticamente">
-            <a:extLst>
-              <a:ext uri="{FF2B5EF4-FFF2-40B4-BE49-F238E27FC236}">
-                <a16:creationId xmlns:a16="http://schemas.microsoft.com/office/drawing/2014/main" id="{CAF8B920-9A4F-406A-AB75-211B681E233E}"/>
+          <p:cNvPr id="94" name="Imagem 93">
+            <a:extLst>
+              <a:ext uri="{FF2B5EF4-FFF2-40B4-BE49-F238E27FC236}">
+                <a16:creationId xmlns:a16="http://schemas.microsoft.com/office/drawing/2014/main" id="{B79F862E-D809-4A78-AAE4-6CF63FB26508}"/>
               </a:ext>
             </a:extLst>
           </p:cNvPr>
@@ -3833,7 +4371,7 @@
           <p:nvPr/>
         </p:nvPicPr>
         <p:blipFill>
-          <a:blip r:embed="rId11">
+          <a:blip r:embed="rId5">
             <a:extLst>
               <a:ext uri="{28A0092B-C50C-407E-A947-70E740481C1C}">
                 <a14:useLocalDpi xmlns:a14="http://schemas.microsoft.com/office/drawing/2010/main" val="0"/>
@@ -3846,8 +4384,8 @@
         </p:blipFill>
         <p:spPr>
           <a:xfrm>
-            <a:off x="7648755" y="4715949"/>
-            <a:ext cx="1169311" cy="1169311"/>
+            <a:off x="2800590" y="5083430"/>
+            <a:ext cx="381592" cy="381592"/>
           </a:xfrm>
           <a:prstGeom prst="rect">
             <a:avLst/>
@@ -3856,10 +4394,10 @@
       </p:pic>
       <p:pic>
         <p:nvPicPr>
-          <p:cNvPr id="39" name="Imagem 38" descr="Ícone&#10;&#10;Descrição gerada automaticamente">
-            <a:extLst>
-              <a:ext uri="{FF2B5EF4-FFF2-40B4-BE49-F238E27FC236}">
-                <a16:creationId xmlns:a16="http://schemas.microsoft.com/office/drawing/2014/main" id="{F75E5FE2-0419-4BCC-A15C-8DE54005C9B2}"/>
+          <p:cNvPr id="96" name="Imagem 95">
+            <a:extLst>
+              <a:ext uri="{FF2B5EF4-FFF2-40B4-BE49-F238E27FC236}">
+                <a16:creationId xmlns:a16="http://schemas.microsoft.com/office/drawing/2014/main" id="{8DE40ABE-F94D-4D51-B26D-5742CE5B7B23}"/>
               </a:ext>
             </a:extLst>
           </p:cNvPr>
@@ -3869,7 +4407,7 @@
           <p:nvPr/>
         </p:nvPicPr>
         <p:blipFill>
-          <a:blip r:embed="rId12">
+          <a:blip r:embed="rId6">
             <a:extLst>
               <a:ext uri="{28A0092B-C50C-407E-A947-70E740481C1C}">
                 <a14:useLocalDpi xmlns:a14="http://schemas.microsoft.com/office/drawing/2010/main" val="0"/>
@@ -3882,20 +4420,56 @@
         </p:blipFill>
         <p:spPr>
           <a:xfrm>
-            <a:off x="7410740" y="1295784"/>
-            <a:ext cx="1787940" cy="1787940"/>
+            <a:off x="10070787" y="5333844"/>
+            <a:ext cx="927724" cy="979740"/>
           </a:xfrm>
           <a:prstGeom prst="rect">
             <a:avLst/>
           </a:prstGeom>
         </p:spPr>
       </p:pic>
-      <p:sp>
-        <p:nvSpPr>
-          <p:cNvPr id="2" name="CaixaDeTexto 1">
-            <a:extLst>
-              <a:ext uri="{FF2B5EF4-FFF2-40B4-BE49-F238E27FC236}">
-                <a16:creationId xmlns:a16="http://schemas.microsoft.com/office/drawing/2014/main" id="{9785855B-0C06-475A-8CEB-38B9B93C5421}"/>
+      <p:pic>
+        <p:nvPicPr>
+          <p:cNvPr id="97" name="Imagem 96">
+            <a:extLst>
+              <a:ext uri="{FF2B5EF4-FFF2-40B4-BE49-F238E27FC236}">
+                <a16:creationId xmlns:a16="http://schemas.microsoft.com/office/drawing/2014/main" id="{1E1D9264-4478-4D21-90D1-CC0A88EEBE02}"/>
+              </a:ext>
+            </a:extLst>
+          </p:cNvPr>
+          <p:cNvPicPr>
+            <a:picLocks noChangeAspect="1"/>
+          </p:cNvPicPr>
+          <p:nvPr/>
+        </p:nvPicPr>
+        <p:blipFill>
+          <a:blip r:embed="rId5">
+            <a:extLst>
+              <a:ext uri="{28A0092B-C50C-407E-A947-70E740481C1C}">
+                <a14:useLocalDpi xmlns:a14="http://schemas.microsoft.com/office/drawing/2010/main" val="0"/>
+              </a:ext>
+            </a:extLst>
+          </a:blip>
+          <a:stretch>
+            <a:fillRect/>
+          </a:stretch>
+        </p:blipFill>
+        <p:spPr>
+          <a:xfrm>
+            <a:off x="10343853" y="4900498"/>
+            <a:ext cx="381592" cy="381592"/>
+          </a:xfrm>
+          <a:prstGeom prst="rect">
+            <a:avLst/>
+          </a:prstGeom>
+        </p:spPr>
+      </p:pic>
+      <p:sp>
+        <p:nvSpPr>
+          <p:cNvPr id="98" name="CaixaDeTexto 97">
+            <a:extLst>
+              <a:ext uri="{FF2B5EF4-FFF2-40B4-BE49-F238E27FC236}">
+                <a16:creationId xmlns:a16="http://schemas.microsoft.com/office/drawing/2014/main" id="{92F4BEEE-61FB-4D33-9705-9BE85FB021A7}"/>
               </a:ext>
             </a:extLst>
           </p:cNvPr>
@@ -3904,8 +4478,8 @@
         </p:nvSpPr>
         <p:spPr>
           <a:xfrm>
-            <a:off x="80795" y="-25817"/>
-            <a:ext cx="569387" cy="369332"/>
+            <a:off x="2843126" y="4045362"/>
+            <a:ext cx="631904" cy="230832"/>
           </a:xfrm>
           <a:prstGeom prst="rect">
             <a:avLst/>
@@ -3919,18 +4493,18 @@
           <a:lstStyle/>
           <a:p>
             <a:r>
-              <a:rPr lang="pt-BR" b="1" dirty="0"/>
-              <a:t>HLD</a:t>
-            </a:r>
-          </a:p>
-        </p:txBody>
-      </p:sp>
-      <p:sp>
-        <p:nvSpPr>
-          <p:cNvPr id="18" name="CaixaDeTexto 17">
-            <a:extLst>
-              <a:ext uri="{FF2B5EF4-FFF2-40B4-BE49-F238E27FC236}">
-                <a16:creationId xmlns:a16="http://schemas.microsoft.com/office/drawing/2014/main" id="{5E16D9AB-B401-4B00-98D4-EFE0768B70EC}"/>
+              <a:rPr lang="pt-BR" sz="900" dirty="0"/>
+              <a:t>LAN/WIFI</a:t>
+            </a:r>
+          </a:p>
+        </p:txBody>
+      </p:sp>
+      <p:sp>
+        <p:nvSpPr>
+          <p:cNvPr id="99" name="CaixaDeTexto 98">
+            <a:extLst>
+              <a:ext uri="{FF2B5EF4-FFF2-40B4-BE49-F238E27FC236}">
+                <a16:creationId xmlns:a16="http://schemas.microsoft.com/office/drawing/2014/main" id="{5432825B-1FF5-4235-B539-F118FD12B00F}"/>
               </a:ext>
             </a:extLst>
           </p:cNvPr>
@@ -3939,8 +4513,8 @@
         </p:nvSpPr>
         <p:spPr>
           <a:xfrm>
-            <a:off x="9094366" y="1592645"/>
-            <a:ext cx="3097634" cy="954107"/>
+            <a:off x="8517911" y="4031066"/>
+            <a:ext cx="631904" cy="230832"/>
           </a:xfrm>
           <a:prstGeom prst="rect">
             <a:avLst/>
@@ -3948,25 +4522,24 @@
           <a:noFill/>
         </p:spPr>
         <p:txBody>
-          <a:bodyPr wrap="square">
+          <a:bodyPr wrap="square" rtlCol="0">
             <a:spAutoFit/>
           </a:bodyPr>
           <a:lstStyle/>
           <a:p>
-            <a:pPr algn="ctr"/>
-            <a:r>
-              <a:rPr lang="pt-BR" sz="1400" b="1" dirty="0"/>
-              <a:t>Através do nosso dashboard você terá informações em tempo real através de gráficos, podendo verificar registros e sendo alertado sobre irregularidades.</a:t>
-            </a:r>
-          </a:p>
-        </p:txBody>
-      </p:sp>
-      <p:sp>
-        <p:nvSpPr>
-          <p:cNvPr id="21" name="CaixaDeTexto 20">
-            <a:extLst>
-              <a:ext uri="{FF2B5EF4-FFF2-40B4-BE49-F238E27FC236}">
-                <a16:creationId xmlns:a16="http://schemas.microsoft.com/office/drawing/2014/main" id="{8FAB4AC2-1CFF-4CA5-BD50-F2D84F81A361}"/>
+            <a:r>
+              <a:rPr lang="pt-BR" sz="900" dirty="0"/>
+              <a:t>LAN/WIFI</a:t>
+            </a:r>
+          </a:p>
+        </p:txBody>
+      </p:sp>
+      <p:sp>
+        <p:nvSpPr>
+          <p:cNvPr id="100" name="CaixaDeTexto 99">
+            <a:extLst>
+              <a:ext uri="{FF2B5EF4-FFF2-40B4-BE49-F238E27FC236}">
+                <a16:creationId xmlns:a16="http://schemas.microsoft.com/office/drawing/2014/main" id="{527A57A7-4EB5-48F3-BDF3-BD282FF5FE52}"/>
               </a:ext>
             </a:extLst>
           </p:cNvPr>
@@ -3975,8 +4548,8 @@
         </p:nvSpPr>
         <p:spPr>
           <a:xfrm>
-            <a:off x="4869066" y="191496"/>
-            <a:ext cx="2378639" cy="1169551"/>
+            <a:off x="7229275" y="5493206"/>
+            <a:ext cx="1240499" cy="369332"/>
           </a:xfrm>
           <a:prstGeom prst="rect">
             <a:avLst/>
@@ -3984,25 +4557,31 @@
           <a:noFill/>
         </p:spPr>
         <p:txBody>
-          <a:bodyPr wrap="square">
+          <a:bodyPr wrap="square" rtlCol="0">
             <a:spAutoFit/>
           </a:bodyPr>
           <a:lstStyle/>
           <a:p>
-            <a:pPr algn="ctr"/>
-            <a:r>
-              <a:rPr lang="pt-BR" sz="1400" b="1" dirty="0"/>
-              <a:t>Através do nosso sistema você será notificado sobre alguma irregularidade que ocorrer nos computadores em uso.</a:t>
-            </a:r>
-          </a:p>
-        </p:txBody>
-      </p:sp>
-      <p:sp>
-        <p:nvSpPr>
-          <p:cNvPr id="23" name="CaixaDeTexto 22">
-            <a:extLst>
-              <a:ext uri="{FF2B5EF4-FFF2-40B4-BE49-F238E27FC236}">
-                <a16:creationId xmlns:a16="http://schemas.microsoft.com/office/drawing/2014/main" id="{752684E8-841F-414C-92C0-6E2CF31C3DA7}"/>
+            <a:r>
+              <a:rPr lang="pt-BR" sz="900" dirty="0"/>
+              <a:t>NOTEBOOK/DESKTOP</a:t>
+            </a:r>
+          </a:p>
+          <a:p>
+            <a:r>
+              <a:rPr lang="pt-BR" sz="900" dirty="0"/>
+              <a:t>CORE I5, 8GB DE RAM</a:t>
+            </a:r>
+            <a:endParaRPr lang="pt-BR" sz="1600" dirty="0"/>
+          </a:p>
+        </p:txBody>
+      </p:sp>
+      <p:sp>
+        <p:nvSpPr>
+          <p:cNvPr id="101" name="CaixaDeTexto 100">
+            <a:extLst>
+              <a:ext uri="{FF2B5EF4-FFF2-40B4-BE49-F238E27FC236}">
+                <a16:creationId xmlns:a16="http://schemas.microsoft.com/office/drawing/2014/main" id="{3E91ACD8-30B1-48C9-BAB1-7724AC9175C5}"/>
               </a:ext>
             </a:extLst>
           </p:cNvPr>
@@ -4011,8 +4590,8 @@
         </p:nvSpPr>
         <p:spPr>
           <a:xfrm>
-            <a:off x="9001387" y="4715949"/>
-            <a:ext cx="2718698" cy="1384995"/>
+            <a:off x="10736262" y="5448389"/>
+            <a:ext cx="1183337" cy="369332"/>
           </a:xfrm>
           <a:prstGeom prst="rect">
             <a:avLst/>
@@ -4020,23 +4599,1540 @@
           <a:noFill/>
         </p:spPr>
         <p:txBody>
-          <a:bodyPr wrap="square">
+          <a:bodyPr wrap="none" rtlCol="0">
             <a:spAutoFit/>
           </a:bodyPr>
           <a:lstStyle/>
           <a:p>
+            <a:r>
+              <a:rPr lang="pt-BR" sz="900" dirty="0"/>
+              <a:t>ANDROID VERSÃO 7+</a:t>
+            </a:r>
+          </a:p>
+          <a:p>
+            <a:r>
+              <a:rPr lang="pt-BR" sz="900" dirty="0"/>
+              <a:t>IOS VERSÃO 10+</a:t>
+            </a:r>
+          </a:p>
+        </p:txBody>
+      </p:sp>
+      <p:sp>
+        <p:nvSpPr>
+          <p:cNvPr id="102" name="CaixaDeTexto 101">
+            <a:extLst>
+              <a:ext uri="{FF2B5EF4-FFF2-40B4-BE49-F238E27FC236}">
+                <a16:creationId xmlns:a16="http://schemas.microsoft.com/office/drawing/2014/main" id="{AE0D996A-3D2E-42C2-8787-5666F58A858F}"/>
+              </a:ext>
+            </a:extLst>
+          </p:cNvPr>
+          <p:cNvSpPr txBox="1"/>
+          <p:nvPr/>
+        </p:nvSpPr>
+        <p:spPr>
+          <a:xfrm>
+            <a:off x="7372302" y="4020430"/>
+            <a:ext cx="1240499" cy="230832"/>
+          </a:xfrm>
+          <a:prstGeom prst="rect">
+            <a:avLst/>
+          </a:prstGeom>
+          <a:noFill/>
+        </p:spPr>
+        <p:txBody>
+          <a:bodyPr wrap="square" rtlCol="0">
+            <a:spAutoFit/>
+          </a:bodyPr>
+          <a:lstStyle/>
+          <a:p>
+            <a:r>
+              <a:rPr lang="pt-BR" sz="900" dirty="0"/>
+              <a:t>BANDA 5MB Mínimo</a:t>
+            </a:r>
+          </a:p>
+        </p:txBody>
+      </p:sp>
+      <p:sp>
+        <p:nvSpPr>
+          <p:cNvPr id="103" name="CaixaDeTexto 102">
+            <a:extLst>
+              <a:ext uri="{FF2B5EF4-FFF2-40B4-BE49-F238E27FC236}">
+                <a16:creationId xmlns:a16="http://schemas.microsoft.com/office/drawing/2014/main" id="{46C75828-FC98-4D49-9F89-B0C448717B43}"/>
+              </a:ext>
+            </a:extLst>
+          </p:cNvPr>
+          <p:cNvSpPr txBox="1"/>
+          <p:nvPr/>
+        </p:nvSpPr>
+        <p:spPr>
+          <a:xfrm>
+            <a:off x="2972773" y="3745249"/>
+            <a:ext cx="673582" cy="230832"/>
+          </a:xfrm>
+          <a:prstGeom prst="rect">
+            <a:avLst/>
+          </a:prstGeom>
+          <a:noFill/>
+        </p:spPr>
+        <p:txBody>
+          <a:bodyPr wrap="none" rtlCol="0">
+            <a:spAutoFit/>
+          </a:bodyPr>
+          <a:lstStyle/>
+          <a:p>
+            <a:r>
+              <a:rPr lang="pt-BR" sz="900" dirty="0"/>
+              <a:t>NET 30MB</a:t>
+            </a:r>
+          </a:p>
+        </p:txBody>
+      </p:sp>
+      <p:sp>
+        <p:nvSpPr>
+          <p:cNvPr id="105" name="CaixaDeTexto 104">
+            <a:extLst>
+              <a:ext uri="{FF2B5EF4-FFF2-40B4-BE49-F238E27FC236}">
+                <a16:creationId xmlns:a16="http://schemas.microsoft.com/office/drawing/2014/main" id="{AC13A803-F79E-45E6-8B53-489FE0345D46}"/>
+              </a:ext>
+            </a:extLst>
+          </p:cNvPr>
+          <p:cNvSpPr txBox="1"/>
+          <p:nvPr/>
+        </p:nvSpPr>
+        <p:spPr>
+          <a:xfrm>
+            <a:off x="391024" y="3878120"/>
+            <a:ext cx="2452900" cy="369332"/>
+          </a:xfrm>
+          <a:prstGeom prst="rect">
+            <a:avLst/>
+          </a:prstGeom>
+          <a:noFill/>
+        </p:spPr>
+        <p:txBody>
+          <a:bodyPr wrap="square" rtlCol="0">
+            <a:spAutoFit/>
+          </a:bodyPr>
+          <a:lstStyle/>
+          <a:p>
+            <a:r>
+              <a:rPr lang="pt-BR" sz="900" dirty="0"/>
+              <a:t>ROTEADOR Wi </a:t>
+            </a:r>
+            <a:r>
+              <a:rPr lang="pt-BR" sz="900" dirty="0" err="1"/>
+              <a:t>Fi</a:t>
+            </a:r>
+            <a:endParaRPr lang="pt-BR" sz="900" dirty="0"/>
+          </a:p>
+          <a:p>
+            <a:r>
+              <a:rPr lang="en-US" sz="900" dirty="0" err="1"/>
+              <a:t>Roteador</a:t>
+            </a:r>
+            <a:r>
+              <a:rPr lang="en-US" sz="900" dirty="0"/>
+              <a:t> TP-Link Archer C6 AC1200,  1000Mbps</a:t>
+            </a:r>
+          </a:p>
+        </p:txBody>
+      </p:sp>
+      <p:pic>
+        <p:nvPicPr>
+          <p:cNvPr id="110" name="Imagem 109">
+            <a:extLst>
+              <a:ext uri="{FF2B5EF4-FFF2-40B4-BE49-F238E27FC236}">
+                <a16:creationId xmlns:a16="http://schemas.microsoft.com/office/drawing/2014/main" id="{48EAE7C9-853C-4C62-BE4F-77E1FF7A2142}"/>
+              </a:ext>
+            </a:extLst>
+          </p:cNvPr>
+          <p:cNvPicPr>
+            <a:picLocks noChangeAspect="1"/>
+          </p:cNvPicPr>
+          <p:nvPr/>
+        </p:nvPicPr>
+        <p:blipFill>
+          <a:blip r:embed="rId7">
+            <a:extLst>
+              <a:ext uri="{28A0092B-C50C-407E-A947-70E740481C1C}">
+                <a14:useLocalDpi xmlns:a14="http://schemas.microsoft.com/office/drawing/2010/main" val="0"/>
+              </a:ext>
+            </a:extLst>
+          </a:blip>
+          <a:stretch>
+            <a:fillRect/>
+          </a:stretch>
+        </p:blipFill>
+        <p:spPr>
+          <a:xfrm>
+            <a:off x="8529826" y="5434219"/>
+            <a:ext cx="230832" cy="230832"/>
+          </a:xfrm>
+          <a:prstGeom prst="rect">
+            <a:avLst/>
+          </a:prstGeom>
+        </p:spPr>
+      </p:pic>
+      <p:pic>
+        <p:nvPicPr>
+          <p:cNvPr id="113" name="Imagem 112">
+            <a:extLst>
+              <a:ext uri="{FF2B5EF4-FFF2-40B4-BE49-F238E27FC236}">
+                <a16:creationId xmlns:a16="http://schemas.microsoft.com/office/drawing/2014/main" id="{3A0A7C0D-5AAE-4386-8F96-FE545AB5180F}"/>
+              </a:ext>
+            </a:extLst>
+          </p:cNvPr>
+          <p:cNvPicPr>
+            <a:picLocks noChangeAspect="1"/>
+          </p:cNvPicPr>
+          <p:nvPr/>
+        </p:nvPicPr>
+        <p:blipFill>
+          <a:blip r:embed="rId8">
+            <a:extLst>
+              <a:ext uri="{28A0092B-C50C-407E-A947-70E740481C1C}">
+                <a14:useLocalDpi xmlns:a14="http://schemas.microsoft.com/office/drawing/2010/main" val="0"/>
+              </a:ext>
+            </a:extLst>
+          </a:blip>
+          <a:stretch>
+            <a:fillRect/>
+          </a:stretch>
+        </p:blipFill>
+        <p:spPr>
+          <a:xfrm>
+            <a:off x="8740571" y="5360370"/>
+            <a:ext cx="378529" cy="378529"/>
+          </a:xfrm>
+          <a:prstGeom prst="rect">
+            <a:avLst/>
+          </a:prstGeom>
+        </p:spPr>
+      </p:pic>
+      <p:pic>
+        <p:nvPicPr>
+          <p:cNvPr id="115" name="Imagem 114">
+            <a:extLst>
+              <a:ext uri="{FF2B5EF4-FFF2-40B4-BE49-F238E27FC236}">
+                <a16:creationId xmlns:a16="http://schemas.microsoft.com/office/drawing/2014/main" id="{3C1B681C-ED12-41C5-AD26-8B6853414F1D}"/>
+              </a:ext>
+            </a:extLst>
+          </p:cNvPr>
+          <p:cNvPicPr>
+            <a:picLocks noChangeAspect="1"/>
+          </p:cNvPicPr>
+          <p:nvPr/>
+        </p:nvPicPr>
+        <p:blipFill>
+          <a:blip r:embed="rId9">
+            <a:extLst>
+              <a:ext uri="{28A0092B-C50C-407E-A947-70E740481C1C}">
+                <a14:useLocalDpi xmlns:a14="http://schemas.microsoft.com/office/drawing/2010/main" val="0"/>
+              </a:ext>
+            </a:extLst>
+          </a:blip>
+          <a:stretch>
+            <a:fillRect/>
+          </a:stretch>
+        </p:blipFill>
+        <p:spPr>
+          <a:xfrm>
+            <a:off x="9056332" y="5401957"/>
+            <a:ext cx="273513" cy="273513"/>
+          </a:xfrm>
+          <a:prstGeom prst="rect">
+            <a:avLst/>
+          </a:prstGeom>
+        </p:spPr>
+      </p:pic>
+      <p:sp>
+        <p:nvSpPr>
+          <p:cNvPr id="2" name="Retângulo 1">
+            <a:extLst>
+              <a:ext uri="{FF2B5EF4-FFF2-40B4-BE49-F238E27FC236}">
+                <a16:creationId xmlns:a16="http://schemas.microsoft.com/office/drawing/2014/main" id="{969E54A0-B7B5-4147-AB27-DA0CC75F47BD}"/>
+              </a:ext>
+            </a:extLst>
+          </p:cNvPr>
+          <p:cNvSpPr/>
+          <p:nvPr/>
+        </p:nvSpPr>
+        <p:spPr>
+          <a:xfrm>
+            <a:off x="81988" y="3745249"/>
+            <a:ext cx="4003452" cy="3016278"/>
+          </a:xfrm>
+          <a:prstGeom prst="rect">
+            <a:avLst/>
+          </a:prstGeom>
+          <a:noFill/>
+          <a:ln>
+            <a:solidFill>
+              <a:schemeClr val="tx1"/>
+            </a:solidFill>
+          </a:ln>
+        </p:spPr>
+        <p:style>
+          <a:lnRef idx="2">
+            <a:schemeClr val="accent1">
+              <a:shade val="50000"/>
+            </a:schemeClr>
+          </a:lnRef>
+          <a:fillRef idx="1">
+            <a:schemeClr val="accent1"/>
+          </a:fillRef>
+          <a:effectRef idx="0">
+            <a:schemeClr val="accent1"/>
+          </a:effectRef>
+          <a:fontRef idx="minor">
+            <a:schemeClr val="lt1"/>
+          </a:fontRef>
+        </p:style>
+        <p:txBody>
+          <a:bodyPr rtlCol="0" anchor="ctr"/>
+          <a:lstStyle/>
+          <a:p>
             <a:pPr algn="ctr"/>
-            <a:r>
-              <a:rPr lang="pt-BR" sz="1400" b="1" dirty="0"/>
-              <a:t>Com nosso sistema você terá o controle dos computadores totalmente automatizado e em tempo real. Aumentando e melhorando o desempenho dos funcionários.</a:t>
-            </a:r>
-          </a:p>
-        </p:txBody>
-      </p:sp>
+            <a:endParaRPr lang="pt-BR"/>
+          </a:p>
+        </p:txBody>
+      </p:sp>
+      <p:sp>
+        <p:nvSpPr>
+          <p:cNvPr id="42" name="Retângulo 41">
+            <a:extLst>
+              <a:ext uri="{FF2B5EF4-FFF2-40B4-BE49-F238E27FC236}">
+                <a16:creationId xmlns:a16="http://schemas.microsoft.com/office/drawing/2014/main" id="{C094A487-B4D8-4E7E-A6DF-17D5E2F5A98F}"/>
+              </a:ext>
+            </a:extLst>
+          </p:cNvPr>
+          <p:cNvSpPr/>
+          <p:nvPr/>
+        </p:nvSpPr>
+        <p:spPr>
+          <a:xfrm>
+            <a:off x="7275796" y="3760875"/>
+            <a:ext cx="4799985" cy="3001816"/>
+          </a:xfrm>
+          <a:prstGeom prst="rect">
+            <a:avLst/>
+          </a:prstGeom>
+          <a:noFill/>
+          <a:ln>
+            <a:solidFill>
+              <a:schemeClr val="tx1"/>
+            </a:solidFill>
+          </a:ln>
+        </p:spPr>
+        <p:style>
+          <a:lnRef idx="2">
+            <a:schemeClr val="accent1">
+              <a:shade val="50000"/>
+            </a:schemeClr>
+          </a:lnRef>
+          <a:fillRef idx="1">
+            <a:schemeClr val="accent1"/>
+          </a:fillRef>
+          <a:effectRef idx="0">
+            <a:schemeClr val="accent1"/>
+          </a:effectRef>
+          <a:fontRef idx="minor">
+            <a:schemeClr val="lt1"/>
+          </a:fontRef>
+        </p:style>
+        <p:txBody>
+          <a:bodyPr rtlCol="0" anchor="ctr"/>
+          <a:lstStyle/>
+          <a:p>
+            <a:pPr algn="ctr"/>
+            <a:endParaRPr lang="pt-BR"/>
+          </a:p>
+        </p:txBody>
+      </p:sp>
+      <p:sp>
+        <p:nvSpPr>
+          <p:cNvPr id="3" name="CaixaDeTexto 2">
+            <a:extLst>
+              <a:ext uri="{FF2B5EF4-FFF2-40B4-BE49-F238E27FC236}">
+                <a16:creationId xmlns:a16="http://schemas.microsoft.com/office/drawing/2014/main" id="{F3DB1EB6-7EDD-4F76-AC41-93A77350D0DB}"/>
+              </a:ext>
+            </a:extLst>
+          </p:cNvPr>
+          <p:cNvSpPr txBox="1"/>
+          <p:nvPr/>
+        </p:nvSpPr>
+        <p:spPr>
+          <a:xfrm>
+            <a:off x="-102336" y="-3806"/>
+            <a:ext cx="522900" cy="369332"/>
+          </a:xfrm>
+          <a:prstGeom prst="rect">
+            <a:avLst/>
+          </a:prstGeom>
+          <a:noFill/>
+        </p:spPr>
+        <p:txBody>
+          <a:bodyPr wrap="none" rtlCol="0">
+            <a:spAutoFit/>
+          </a:bodyPr>
+          <a:lstStyle/>
+          <a:p>
+            <a:r>
+              <a:rPr lang="pt-BR" b="1" dirty="0"/>
+              <a:t>LLD</a:t>
+            </a:r>
+          </a:p>
+        </p:txBody>
+      </p:sp>
+      <p:sp>
+        <p:nvSpPr>
+          <p:cNvPr id="5" name="CaixaDeTexto 4">
+            <a:extLst>
+              <a:ext uri="{FF2B5EF4-FFF2-40B4-BE49-F238E27FC236}">
+                <a16:creationId xmlns:a16="http://schemas.microsoft.com/office/drawing/2014/main" id="{00324186-5835-453F-9CA7-D8BA2FE4FDB1}"/>
+              </a:ext>
+            </a:extLst>
+          </p:cNvPr>
+          <p:cNvSpPr txBox="1"/>
+          <p:nvPr/>
+        </p:nvSpPr>
+        <p:spPr>
+          <a:xfrm>
+            <a:off x="11201687" y="3392545"/>
+            <a:ext cx="1168252" cy="646331"/>
+          </a:xfrm>
+          <a:prstGeom prst="rect">
+            <a:avLst/>
+          </a:prstGeom>
+          <a:noFill/>
+        </p:spPr>
+        <p:txBody>
+          <a:bodyPr wrap="square" rtlCol="0">
+            <a:spAutoFit/>
+          </a:bodyPr>
+          <a:lstStyle/>
+          <a:p>
+            <a:r>
+              <a:rPr lang="pt-BR" dirty="0"/>
+              <a:t>CLIENTE</a:t>
+            </a:r>
+            <a:endParaRPr lang="pt-BR" sz="1600" dirty="0"/>
+          </a:p>
+          <a:p>
+            <a:endParaRPr lang="pt-BR" dirty="0"/>
+          </a:p>
+        </p:txBody>
+      </p:sp>
+      <p:sp>
+        <p:nvSpPr>
+          <p:cNvPr id="8" name="CaixaDeTexto 7">
+            <a:extLst>
+              <a:ext uri="{FF2B5EF4-FFF2-40B4-BE49-F238E27FC236}">
+                <a16:creationId xmlns:a16="http://schemas.microsoft.com/office/drawing/2014/main" id="{C6B4F186-1182-4828-8066-2E561878460C}"/>
+              </a:ext>
+            </a:extLst>
+          </p:cNvPr>
+          <p:cNvSpPr txBox="1"/>
+          <p:nvPr/>
+        </p:nvSpPr>
+        <p:spPr>
+          <a:xfrm>
+            <a:off x="-1824" y="3429000"/>
+            <a:ext cx="1454885" cy="369332"/>
+          </a:xfrm>
+          <a:prstGeom prst="rect">
+            <a:avLst/>
+          </a:prstGeom>
+          <a:noFill/>
+        </p:spPr>
+        <p:txBody>
+          <a:bodyPr wrap="square" rtlCol="0">
+            <a:spAutoFit/>
+          </a:bodyPr>
+          <a:lstStyle/>
+          <a:p>
+            <a:r>
+              <a:rPr lang="pt-BR" dirty="0"/>
+              <a:t>MÁQUINA</a:t>
+            </a:r>
+          </a:p>
+        </p:txBody>
+      </p:sp>
+      <p:pic>
+        <p:nvPicPr>
+          <p:cNvPr id="14" name="Imagem 13" descr="Logotipo, nome da empresa&#10;&#10;Descrição gerada automaticamente">
+            <a:extLst>
+              <a:ext uri="{FF2B5EF4-FFF2-40B4-BE49-F238E27FC236}">
+                <a16:creationId xmlns:a16="http://schemas.microsoft.com/office/drawing/2014/main" id="{C131E45E-AAA8-4092-97F7-314E8411F05B}"/>
+              </a:ext>
+            </a:extLst>
+          </p:cNvPr>
+          <p:cNvPicPr>
+            <a:picLocks noChangeAspect="1"/>
+          </p:cNvPicPr>
+          <p:nvPr/>
+        </p:nvPicPr>
+        <p:blipFill>
+          <a:blip r:embed="rId10">
+            <a:extLst>
+              <a:ext uri="{28A0092B-C50C-407E-A947-70E740481C1C}">
+                <a14:useLocalDpi xmlns:a14="http://schemas.microsoft.com/office/drawing/2010/main" val="0"/>
+              </a:ext>
+            </a:extLst>
+          </a:blip>
+          <a:stretch>
+            <a:fillRect/>
+          </a:stretch>
+        </p:blipFill>
+        <p:spPr>
+          <a:xfrm>
+            <a:off x="2862560" y="5540446"/>
+            <a:ext cx="403712" cy="403712"/>
+          </a:xfrm>
+          <a:prstGeom prst="rect">
+            <a:avLst/>
+          </a:prstGeom>
+        </p:spPr>
+      </p:pic>
+      <p:pic>
+        <p:nvPicPr>
+          <p:cNvPr id="19" name="Imagem 18" descr="Uma imagem contendo Forma&#10;&#10;Descrição gerada automaticamente">
+            <a:extLst>
+              <a:ext uri="{FF2B5EF4-FFF2-40B4-BE49-F238E27FC236}">
+                <a16:creationId xmlns:a16="http://schemas.microsoft.com/office/drawing/2014/main" id="{71F72E75-91AD-4FA7-9A33-1635686FD9A7}"/>
+              </a:ext>
+            </a:extLst>
+          </p:cNvPr>
+          <p:cNvPicPr>
+            <a:picLocks noChangeAspect="1"/>
+          </p:cNvPicPr>
+          <p:nvPr/>
+        </p:nvPicPr>
+        <p:blipFill>
+          <a:blip r:embed="rId11">
+            <a:extLst>
+              <a:ext uri="{28A0092B-C50C-407E-A947-70E740481C1C}">
+                <a14:useLocalDpi xmlns:a14="http://schemas.microsoft.com/office/drawing/2010/main" val="0"/>
+              </a:ext>
+            </a:extLst>
+          </a:blip>
+          <a:stretch>
+            <a:fillRect/>
+          </a:stretch>
+        </p:blipFill>
+        <p:spPr>
+          <a:xfrm>
+            <a:off x="3288731" y="5549860"/>
+            <a:ext cx="403713" cy="403713"/>
+          </a:xfrm>
+          <a:prstGeom prst="rect">
+            <a:avLst/>
+          </a:prstGeom>
+        </p:spPr>
+      </p:pic>
+      <p:sp>
+        <p:nvSpPr>
+          <p:cNvPr id="20" name="CaixaDeTexto 19">
+            <a:extLst>
+              <a:ext uri="{FF2B5EF4-FFF2-40B4-BE49-F238E27FC236}">
+                <a16:creationId xmlns:a16="http://schemas.microsoft.com/office/drawing/2014/main" id="{D49B4519-BABB-4AEB-BD5F-95A30CCBECB9}"/>
+              </a:ext>
+            </a:extLst>
+          </p:cNvPr>
+          <p:cNvSpPr txBox="1"/>
+          <p:nvPr/>
+        </p:nvSpPr>
+        <p:spPr>
+          <a:xfrm>
+            <a:off x="1372519" y="5434219"/>
+            <a:ext cx="1240499" cy="1061829"/>
+          </a:xfrm>
+          <a:prstGeom prst="rect">
+            <a:avLst/>
+          </a:prstGeom>
+          <a:noFill/>
+        </p:spPr>
+        <p:txBody>
+          <a:bodyPr wrap="square" rtlCol="0">
+            <a:spAutoFit/>
+          </a:bodyPr>
+          <a:lstStyle/>
+          <a:p>
+            <a:r>
+              <a:rPr lang="pt-BR" sz="900" dirty="0"/>
+              <a:t>Computador com software </a:t>
+            </a:r>
+            <a:r>
+              <a:rPr lang="pt-BR" sz="900" dirty="0" err="1"/>
+              <a:t>Telemon</a:t>
+            </a:r>
+            <a:r>
+              <a:rPr lang="pt-BR" sz="900" dirty="0"/>
+              <a:t> realizando o monitoramento de processos, hardware, capturando log erros e internet.</a:t>
+            </a:r>
+          </a:p>
+        </p:txBody>
+      </p:sp>
+      <p:pic>
+        <p:nvPicPr>
+          <p:cNvPr id="4" name="Picture 2">
+            <a:extLst>
+              <a:ext uri="{FF2B5EF4-FFF2-40B4-BE49-F238E27FC236}">
+                <a16:creationId xmlns:a16="http://schemas.microsoft.com/office/drawing/2014/main" id="{7286D418-90DA-41B2-8FE9-FB6769BF8CD1}"/>
+              </a:ext>
+            </a:extLst>
+          </p:cNvPr>
+          <p:cNvPicPr>
+            <a:picLocks noChangeAspect="1" noChangeArrowheads="1"/>
+          </p:cNvPicPr>
+          <p:nvPr/>
+        </p:nvPicPr>
+        <p:blipFill>
+          <a:blip r:embed="rId12">
+            <a:extLst>
+              <a:ext uri="{28A0092B-C50C-407E-A947-70E740481C1C}">
+                <a14:useLocalDpi xmlns:a14="http://schemas.microsoft.com/office/drawing/2010/main" val="0"/>
+              </a:ext>
+            </a:extLst>
+          </a:blip>
+          <a:srcRect/>
+          <a:stretch>
+            <a:fillRect/>
+          </a:stretch>
+        </p:blipFill>
+        <p:spPr bwMode="auto">
+          <a:xfrm>
+            <a:off x="5221819" y="5008868"/>
+            <a:ext cx="798554" cy="230832"/>
+          </a:xfrm>
+          <a:prstGeom prst="rect">
+            <a:avLst/>
+          </a:prstGeom>
+          <a:noFill/>
+          <a:extLst>
+            <a:ext uri="{909E8E84-426E-40DD-AFC4-6F175D3DCCD1}">
+              <a14:hiddenFill xmlns:a14="http://schemas.microsoft.com/office/drawing/2010/main">
+                <a:solidFill>
+                  <a:srgbClr val="FFFFFF"/>
+                </a:solidFill>
+              </a14:hiddenFill>
+            </a:ext>
+          </a:extLst>
+        </p:spPr>
+      </p:pic>
+      <p:pic>
+        <p:nvPicPr>
+          <p:cNvPr id="6" name="Picture 4">
+            <a:extLst>
+              <a:ext uri="{FF2B5EF4-FFF2-40B4-BE49-F238E27FC236}">
+                <a16:creationId xmlns:a16="http://schemas.microsoft.com/office/drawing/2014/main" id="{459310AC-F268-4178-A4E9-B2C3E8E97734}"/>
+              </a:ext>
+            </a:extLst>
+          </p:cNvPr>
+          <p:cNvPicPr>
+            <a:picLocks noChangeAspect="1" noChangeArrowheads="1"/>
+          </p:cNvPicPr>
+          <p:nvPr/>
+        </p:nvPicPr>
+        <p:blipFill>
+          <a:blip r:embed="rId12">
+            <a:extLst>
+              <a:ext uri="{28A0092B-C50C-407E-A947-70E740481C1C}">
+                <a14:useLocalDpi xmlns:a14="http://schemas.microsoft.com/office/drawing/2010/main" val="0"/>
+              </a:ext>
+            </a:extLst>
+          </a:blip>
+          <a:srcRect/>
+          <a:stretch>
+            <a:fillRect/>
+          </a:stretch>
+        </p:blipFill>
+        <p:spPr bwMode="auto">
+          <a:xfrm>
+            <a:off x="5334284" y="365870"/>
+            <a:ext cx="1751422" cy="506271"/>
+          </a:xfrm>
+          <a:prstGeom prst="rect">
+            <a:avLst/>
+          </a:prstGeom>
+          <a:noFill/>
+          <a:extLst>
+            <a:ext uri="{909E8E84-426E-40DD-AFC4-6F175D3DCCD1}">
+              <a14:hiddenFill xmlns:a14="http://schemas.microsoft.com/office/drawing/2010/main">
+                <a:solidFill>
+                  <a:srgbClr val="FFFFFF"/>
+                </a:solidFill>
+              </a14:hiddenFill>
+            </a:ext>
+          </a:extLst>
+        </p:spPr>
+      </p:pic>
+      <p:cxnSp>
+        <p:nvCxnSpPr>
+          <p:cNvPr id="34" name="Conector de Seta Reta 33">
+            <a:extLst>
+              <a:ext uri="{FF2B5EF4-FFF2-40B4-BE49-F238E27FC236}">
+                <a16:creationId xmlns:a16="http://schemas.microsoft.com/office/drawing/2014/main" id="{611FA70B-4306-48B9-9DD5-D261264F70A5}"/>
+              </a:ext>
+            </a:extLst>
+          </p:cNvPr>
+          <p:cNvCxnSpPr/>
+          <p:nvPr/>
+        </p:nvCxnSpPr>
+        <p:spPr>
+          <a:xfrm flipV="1">
+            <a:off x="5744217" y="3560339"/>
+            <a:ext cx="0" cy="920182"/>
+          </a:xfrm>
+          <a:prstGeom prst="straightConnector1">
+            <a:avLst/>
+          </a:prstGeom>
+          <a:ln>
+            <a:headEnd type="triangle"/>
+            <a:tailEnd type="triangle"/>
+          </a:ln>
+        </p:spPr>
+        <p:style>
+          <a:lnRef idx="1">
+            <a:schemeClr val="dk1"/>
+          </a:lnRef>
+          <a:fillRef idx="0">
+            <a:schemeClr val="dk1"/>
+          </a:fillRef>
+          <a:effectRef idx="0">
+            <a:schemeClr val="dk1"/>
+          </a:effectRef>
+          <a:fontRef idx="minor">
+            <a:schemeClr val="tx1"/>
+          </a:fontRef>
+        </p:style>
+      </p:cxnSp>
+      <p:sp>
+        <p:nvSpPr>
+          <p:cNvPr id="35" name="Retângulo: Cantos Arredondados 34">
+            <a:extLst>
+              <a:ext uri="{FF2B5EF4-FFF2-40B4-BE49-F238E27FC236}">
+                <a16:creationId xmlns:a16="http://schemas.microsoft.com/office/drawing/2014/main" id="{4F21AB73-1531-4A38-A691-372E4C5AC242}"/>
+              </a:ext>
+            </a:extLst>
+          </p:cNvPr>
+          <p:cNvSpPr/>
+          <p:nvPr/>
+        </p:nvSpPr>
+        <p:spPr>
+          <a:xfrm>
+            <a:off x="6066157" y="1627646"/>
+            <a:ext cx="1209639" cy="1148497"/>
+          </a:xfrm>
+          <a:prstGeom prst="roundRect">
+            <a:avLst/>
+          </a:prstGeom>
+          <a:solidFill>
+            <a:schemeClr val="bg1"/>
+          </a:solidFill>
+          <a:ln>
+            <a:solidFill>
+              <a:srgbClr val="C00000"/>
+            </a:solidFill>
+          </a:ln>
+          <a:effectLst>
+            <a:outerShdw blurRad="50800" dist="38100" dir="5400000" algn="t" rotWithShape="0">
+              <a:prstClr val="black">
+                <a:alpha val="40000"/>
+              </a:prstClr>
+            </a:outerShdw>
+          </a:effectLst>
+        </p:spPr>
+        <p:style>
+          <a:lnRef idx="2">
+            <a:schemeClr val="accent1">
+              <a:shade val="50000"/>
+            </a:schemeClr>
+          </a:lnRef>
+          <a:fillRef idx="1">
+            <a:schemeClr val="accent1"/>
+          </a:fillRef>
+          <a:effectRef idx="0">
+            <a:schemeClr val="accent1"/>
+          </a:effectRef>
+          <a:fontRef idx="minor">
+            <a:schemeClr val="lt1"/>
+          </a:fontRef>
+        </p:style>
+        <p:txBody>
+          <a:bodyPr rtlCol="0" anchor="ctr"/>
+          <a:lstStyle/>
+          <a:p>
+            <a:pPr algn="ctr"/>
+            <a:endParaRPr lang="pt-BR" sz="1600"/>
+          </a:p>
+        </p:txBody>
+      </p:sp>
+      <p:sp>
+        <p:nvSpPr>
+          <p:cNvPr id="36" name="CaixaDeTexto 35">
+            <a:extLst>
+              <a:ext uri="{FF2B5EF4-FFF2-40B4-BE49-F238E27FC236}">
+                <a16:creationId xmlns:a16="http://schemas.microsoft.com/office/drawing/2014/main" id="{2AD70534-8DF3-47A4-8849-845029A2F70F}"/>
+              </a:ext>
+            </a:extLst>
+          </p:cNvPr>
+          <p:cNvSpPr txBox="1"/>
+          <p:nvPr/>
+        </p:nvSpPr>
+        <p:spPr>
+          <a:xfrm>
+            <a:off x="6093755" y="1568286"/>
+            <a:ext cx="1172929" cy="276999"/>
+          </a:xfrm>
+          <a:prstGeom prst="rect">
+            <a:avLst/>
+          </a:prstGeom>
+          <a:noFill/>
+        </p:spPr>
+        <p:txBody>
+          <a:bodyPr wrap="square" rtlCol="0">
+            <a:spAutoFit/>
+          </a:bodyPr>
+          <a:lstStyle/>
+          <a:p>
+            <a:r>
+              <a:rPr lang="pt-BR" sz="1200" b="1" dirty="0"/>
+              <a:t>INSTITUCIONAL</a:t>
+            </a:r>
+          </a:p>
+        </p:txBody>
+      </p:sp>
+      <p:sp>
+        <p:nvSpPr>
+          <p:cNvPr id="37" name="Retângulo: Cantos Arredondados 36">
+            <a:extLst>
+              <a:ext uri="{FF2B5EF4-FFF2-40B4-BE49-F238E27FC236}">
+                <a16:creationId xmlns:a16="http://schemas.microsoft.com/office/drawing/2014/main" id="{52FDAE53-39A2-43C9-A370-77C86BAE3B46}"/>
+              </a:ext>
+            </a:extLst>
+          </p:cNvPr>
+          <p:cNvSpPr/>
+          <p:nvPr/>
+        </p:nvSpPr>
+        <p:spPr>
+          <a:xfrm>
+            <a:off x="6158961" y="1805509"/>
+            <a:ext cx="1011552" cy="231946"/>
+          </a:xfrm>
+          <a:prstGeom prst="roundRect">
+            <a:avLst/>
+          </a:prstGeom>
+          <a:solidFill>
+            <a:schemeClr val="bg1"/>
+          </a:solidFill>
+          <a:ln>
+            <a:solidFill>
+              <a:srgbClr val="C00000"/>
+            </a:solidFill>
+          </a:ln>
+        </p:spPr>
+        <p:style>
+          <a:lnRef idx="2">
+            <a:schemeClr val="accent1">
+              <a:shade val="50000"/>
+            </a:schemeClr>
+          </a:lnRef>
+          <a:fillRef idx="1">
+            <a:schemeClr val="accent1"/>
+          </a:fillRef>
+          <a:effectRef idx="0">
+            <a:schemeClr val="accent1"/>
+          </a:effectRef>
+          <a:fontRef idx="minor">
+            <a:schemeClr val="lt1"/>
+          </a:fontRef>
+        </p:style>
+        <p:txBody>
+          <a:bodyPr rtlCol="0" anchor="ctr"/>
+          <a:lstStyle/>
+          <a:p>
+            <a:pPr algn="ctr"/>
+            <a:r>
+              <a:rPr lang="pt-BR" sz="1200" dirty="0">
+                <a:solidFill>
+                  <a:schemeClr val="tx1"/>
+                </a:solidFill>
+              </a:rPr>
+              <a:t>NODE JS</a:t>
+            </a:r>
+          </a:p>
+        </p:txBody>
+      </p:sp>
+      <p:sp>
+        <p:nvSpPr>
+          <p:cNvPr id="38" name="Retângulo: Cantos Arredondados 37">
+            <a:extLst>
+              <a:ext uri="{FF2B5EF4-FFF2-40B4-BE49-F238E27FC236}">
+                <a16:creationId xmlns:a16="http://schemas.microsoft.com/office/drawing/2014/main" id="{2D154F26-51C5-4773-A2E2-CB7B47C97C27}"/>
+              </a:ext>
+            </a:extLst>
+          </p:cNvPr>
+          <p:cNvSpPr/>
+          <p:nvPr/>
+        </p:nvSpPr>
+        <p:spPr>
+          <a:xfrm>
+            <a:off x="6154377" y="2130345"/>
+            <a:ext cx="1011552" cy="231946"/>
+          </a:xfrm>
+          <a:prstGeom prst="roundRect">
+            <a:avLst/>
+          </a:prstGeom>
+          <a:solidFill>
+            <a:schemeClr val="bg1"/>
+          </a:solidFill>
+          <a:ln>
+            <a:solidFill>
+              <a:srgbClr val="C00000"/>
+            </a:solidFill>
+          </a:ln>
+        </p:spPr>
+        <p:style>
+          <a:lnRef idx="2">
+            <a:schemeClr val="accent1">
+              <a:shade val="50000"/>
+            </a:schemeClr>
+          </a:lnRef>
+          <a:fillRef idx="1">
+            <a:schemeClr val="accent1"/>
+          </a:fillRef>
+          <a:effectRef idx="0">
+            <a:schemeClr val="accent1"/>
+          </a:effectRef>
+          <a:fontRef idx="minor">
+            <a:schemeClr val="lt1"/>
+          </a:fontRef>
+        </p:style>
+        <p:txBody>
+          <a:bodyPr rtlCol="0" anchor="ctr"/>
+          <a:lstStyle/>
+          <a:p>
+            <a:pPr algn="ctr"/>
+            <a:r>
+              <a:rPr lang="pt-BR" sz="1200" dirty="0">
+                <a:solidFill>
+                  <a:schemeClr val="tx1"/>
+                </a:solidFill>
+              </a:rPr>
+              <a:t>BOOTSTRAP</a:t>
+            </a:r>
+            <a:endParaRPr lang="pt-BR" sz="1600" dirty="0">
+              <a:solidFill>
+                <a:schemeClr val="tx1"/>
+              </a:solidFill>
+            </a:endParaRPr>
+          </a:p>
+        </p:txBody>
+      </p:sp>
+      <p:sp>
+        <p:nvSpPr>
+          <p:cNvPr id="40" name="Retângulo: Cantos Arredondados 39">
+            <a:extLst>
+              <a:ext uri="{FF2B5EF4-FFF2-40B4-BE49-F238E27FC236}">
+                <a16:creationId xmlns:a16="http://schemas.microsoft.com/office/drawing/2014/main" id="{204F15B9-5E30-487C-ADE1-C7A396C60E1C}"/>
+              </a:ext>
+            </a:extLst>
+          </p:cNvPr>
+          <p:cNvSpPr/>
+          <p:nvPr/>
+        </p:nvSpPr>
+        <p:spPr>
+          <a:xfrm>
+            <a:off x="4595560" y="1610147"/>
+            <a:ext cx="1209639" cy="1148497"/>
+          </a:xfrm>
+          <a:prstGeom prst="roundRect">
+            <a:avLst/>
+          </a:prstGeom>
+          <a:solidFill>
+            <a:schemeClr val="bg1"/>
+          </a:solidFill>
+          <a:ln>
+            <a:solidFill>
+              <a:srgbClr val="C00000"/>
+            </a:solidFill>
+          </a:ln>
+          <a:effectLst>
+            <a:outerShdw blurRad="50800" dist="38100" dir="5400000" algn="t" rotWithShape="0">
+              <a:prstClr val="black">
+                <a:alpha val="40000"/>
+              </a:prstClr>
+            </a:outerShdw>
+          </a:effectLst>
+        </p:spPr>
+        <p:style>
+          <a:lnRef idx="2">
+            <a:schemeClr val="accent1">
+              <a:shade val="50000"/>
+            </a:schemeClr>
+          </a:lnRef>
+          <a:fillRef idx="1">
+            <a:schemeClr val="accent1"/>
+          </a:fillRef>
+          <a:effectRef idx="0">
+            <a:schemeClr val="accent1"/>
+          </a:effectRef>
+          <a:fontRef idx="minor">
+            <a:schemeClr val="lt1"/>
+          </a:fontRef>
+        </p:style>
+        <p:txBody>
+          <a:bodyPr rtlCol="0" anchor="ctr"/>
+          <a:lstStyle/>
+          <a:p>
+            <a:pPr algn="ctr"/>
+            <a:endParaRPr lang="pt-BR" sz="1600"/>
+          </a:p>
+        </p:txBody>
+      </p:sp>
+      <p:sp>
+        <p:nvSpPr>
+          <p:cNvPr id="41" name="CaixaDeTexto 40">
+            <a:extLst>
+              <a:ext uri="{FF2B5EF4-FFF2-40B4-BE49-F238E27FC236}">
+                <a16:creationId xmlns:a16="http://schemas.microsoft.com/office/drawing/2014/main" id="{52D7509F-0E02-4527-A270-E5C288172F37}"/>
+              </a:ext>
+            </a:extLst>
+          </p:cNvPr>
+          <p:cNvSpPr txBox="1"/>
+          <p:nvPr/>
+        </p:nvSpPr>
+        <p:spPr>
+          <a:xfrm>
+            <a:off x="4688364" y="1568285"/>
+            <a:ext cx="1089398" cy="276999"/>
+          </a:xfrm>
+          <a:prstGeom prst="rect">
+            <a:avLst/>
+          </a:prstGeom>
+          <a:noFill/>
+        </p:spPr>
+        <p:txBody>
+          <a:bodyPr wrap="square" rtlCol="0">
+            <a:spAutoFit/>
+          </a:bodyPr>
+          <a:lstStyle/>
+          <a:p>
+            <a:r>
+              <a:rPr lang="pt-BR" sz="1200" b="1" dirty="0"/>
+              <a:t>DASHBOARD</a:t>
+            </a:r>
+          </a:p>
+        </p:txBody>
+      </p:sp>
+      <p:sp>
+        <p:nvSpPr>
+          <p:cNvPr id="44" name="Retângulo: Cantos Arredondados 43">
+            <a:extLst>
+              <a:ext uri="{FF2B5EF4-FFF2-40B4-BE49-F238E27FC236}">
+                <a16:creationId xmlns:a16="http://schemas.microsoft.com/office/drawing/2014/main" id="{B6E5C280-9F21-40F5-BEE3-BAB743F83AA7}"/>
+              </a:ext>
+            </a:extLst>
+          </p:cNvPr>
+          <p:cNvSpPr/>
+          <p:nvPr/>
+        </p:nvSpPr>
+        <p:spPr>
+          <a:xfrm>
+            <a:off x="4688364" y="1788010"/>
+            <a:ext cx="1011552" cy="231946"/>
+          </a:xfrm>
+          <a:prstGeom prst="roundRect">
+            <a:avLst/>
+          </a:prstGeom>
+          <a:solidFill>
+            <a:schemeClr val="bg1"/>
+          </a:solidFill>
+          <a:ln>
+            <a:solidFill>
+              <a:srgbClr val="C00000"/>
+            </a:solidFill>
+          </a:ln>
+        </p:spPr>
+        <p:style>
+          <a:lnRef idx="2">
+            <a:schemeClr val="accent1">
+              <a:shade val="50000"/>
+            </a:schemeClr>
+          </a:lnRef>
+          <a:fillRef idx="1">
+            <a:schemeClr val="accent1"/>
+          </a:fillRef>
+          <a:effectRef idx="0">
+            <a:schemeClr val="accent1"/>
+          </a:effectRef>
+          <a:fontRef idx="minor">
+            <a:schemeClr val="lt1"/>
+          </a:fontRef>
+        </p:style>
+        <p:txBody>
+          <a:bodyPr rtlCol="0" anchor="ctr"/>
+          <a:lstStyle/>
+          <a:p>
+            <a:pPr algn="ctr"/>
+            <a:r>
+              <a:rPr lang="pt-BR" sz="1200" dirty="0">
+                <a:solidFill>
+                  <a:schemeClr val="tx1"/>
+                </a:solidFill>
+              </a:rPr>
+              <a:t>NODE JS</a:t>
+            </a:r>
+          </a:p>
+        </p:txBody>
+      </p:sp>
+      <p:sp>
+        <p:nvSpPr>
+          <p:cNvPr id="45" name="Retângulo: Cantos Arredondados 44">
+            <a:extLst>
+              <a:ext uri="{FF2B5EF4-FFF2-40B4-BE49-F238E27FC236}">
+                <a16:creationId xmlns:a16="http://schemas.microsoft.com/office/drawing/2014/main" id="{FB4C0570-C2F7-49E5-B17B-A32718761E40}"/>
+              </a:ext>
+            </a:extLst>
+          </p:cNvPr>
+          <p:cNvSpPr/>
+          <p:nvPr/>
+        </p:nvSpPr>
+        <p:spPr>
+          <a:xfrm>
+            <a:off x="4683780" y="2112846"/>
+            <a:ext cx="1011552" cy="231946"/>
+          </a:xfrm>
+          <a:prstGeom prst="roundRect">
+            <a:avLst/>
+          </a:prstGeom>
+          <a:solidFill>
+            <a:schemeClr val="bg1"/>
+          </a:solidFill>
+          <a:ln>
+            <a:solidFill>
+              <a:srgbClr val="C00000"/>
+            </a:solidFill>
+          </a:ln>
+        </p:spPr>
+        <p:style>
+          <a:lnRef idx="2">
+            <a:schemeClr val="accent1">
+              <a:shade val="50000"/>
+            </a:schemeClr>
+          </a:lnRef>
+          <a:fillRef idx="1">
+            <a:schemeClr val="accent1"/>
+          </a:fillRef>
+          <a:effectRef idx="0">
+            <a:schemeClr val="accent1"/>
+          </a:effectRef>
+          <a:fontRef idx="minor">
+            <a:schemeClr val="lt1"/>
+          </a:fontRef>
+        </p:style>
+        <p:txBody>
+          <a:bodyPr rtlCol="0" anchor="ctr"/>
+          <a:lstStyle/>
+          <a:p>
+            <a:pPr algn="ctr"/>
+            <a:r>
+              <a:rPr lang="pt-BR" sz="1200" dirty="0">
+                <a:solidFill>
+                  <a:schemeClr val="tx1"/>
+                </a:solidFill>
+              </a:rPr>
+              <a:t>BOOTSTRAP</a:t>
+            </a:r>
+            <a:endParaRPr lang="pt-BR" sz="1600" dirty="0">
+              <a:solidFill>
+                <a:schemeClr val="tx1"/>
+              </a:solidFill>
+            </a:endParaRPr>
+          </a:p>
+        </p:txBody>
+      </p:sp>
+      <p:sp>
+        <p:nvSpPr>
+          <p:cNvPr id="46" name="Retângulo: Cantos Arredondados 45">
+            <a:extLst>
+              <a:ext uri="{FF2B5EF4-FFF2-40B4-BE49-F238E27FC236}">
+                <a16:creationId xmlns:a16="http://schemas.microsoft.com/office/drawing/2014/main" id="{8B6343D1-5072-4083-8545-D1C870AE98DA}"/>
+              </a:ext>
+            </a:extLst>
+          </p:cNvPr>
+          <p:cNvSpPr/>
+          <p:nvPr/>
+        </p:nvSpPr>
+        <p:spPr>
+          <a:xfrm>
+            <a:off x="4680988" y="2433696"/>
+            <a:ext cx="1011552" cy="231946"/>
+          </a:xfrm>
+          <a:prstGeom prst="roundRect">
+            <a:avLst/>
+          </a:prstGeom>
+          <a:solidFill>
+            <a:schemeClr val="bg1"/>
+          </a:solidFill>
+          <a:ln>
+            <a:solidFill>
+              <a:srgbClr val="C00000"/>
+            </a:solidFill>
+          </a:ln>
+        </p:spPr>
+        <p:style>
+          <a:lnRef idx="2">
+            <a:schemeClr val="accent1">
+              <a:shade val="50000"/>
+            </a:schemeClr>
+          </a:lnRef>
+          <a:fillRef idx="1">
+            <a:schemeClr val="accent1"/>
+          </a:fillRef>
+          <a:effectRef idx="0">
+            <a:schemeClr val="accent1"/>
+          </a:effectRef>
+          <a:fontRef idx="minor">
+            <a:schemeClr val="lt1"/>
+          </a:fontRef>
+        </p:style>
+        <p:txBody>
+          <a:bodyPr rtlCol="0" anchor="ctr"/>
+          <a:lstStyle/>
+          <a:p>
+            <a:pPr algn="ctr"/>
+            <a:r>
+              <a:rPr lang="pt-BR" sz="1200" dirty="0">
+                <a:solidFill>
+                  <a:schemeClr val="tx1"/>
+                </a:solidFill>
+              </a:rPr>
+              <a:t>CHART JS</a:t>
+            </a:r>
+          </a:p>
+        </p:txBody>
+      </p:sp>
+      <p:sp>
+        <p:nvSpPr>
+          <p:cNvPr id="47" name="Retângulo: Cantos Arredondados 46">
+            <a:extLst>
+              <a:ext uri="{FF2B5EF4-FFF2-40B4-BE49-F238E27FC236}">
+                <a16:creationId xmlns:a16="http://schemas.microsoft.com/office/drawing/2014/main" id="{48FF43D9-C4E1-4B43-9135-146B7DD493B3}"/>
+              </a:ext>
+            </a:extLst>
+          </p:cNvPr>
+          <p:cNvSpPr/>
+          <p:nvPr/>
+        </p:nvSpPr>
+        <p:spPr>
+          <a:xfrm>
+            <a:off x="6157038" y="2440986"/>
+            <a:ext cx="1011552" cy="231946"/>
+          </a:xfrm>
+          <a:prstGeom prst="roundRect">
+            <a:avLst/>
+          </a:prstGeom>
+          <a:solidFill>
+            <a:schemeClr val="bg1"/>
+          </a:solidFill>
+          <a:ln>
+            <a:solidFill>
+              <a:srgbClr val="C00000"/>
+            </a:solidFill>
+          </a:ln>
+        </p:spPr>
+        <p:style>
+          <a:lnRef idx="2">
+            <a:schemeClr val="accent1">
+              <a:shade val="50000"/>
+            </a:schemeClr>
+          </a:lnRef>
+          <a:fillRef idx="1">
+            <a:schemeClr val="accent1"/>
+          </a:fillRef>
+          <a:effectRef idx="0">
+            <a:schemeClr val="accent1"/>
+          </a:effectRef>
+          <a:fontRef idx="minor">
+            <a:schemeClr val="lt1"/>
+          </a:fontRef>
+        </p:style>
+        <p:txBody>
+          <a:bodyPr rtlCol="0" anchor="ctr"/>
+          <a:lstStyle/>
+          <a:p>
+            <a:pPr algn="ctr"/>
+            <a:endParaRPr lang="pt-BR" sz="1200" dirty="0">
+              <a:solidFill>
+                <a:schemeClr val="tx1"/>
+              </a:solidFill>
+            </a:endParaRPr>
+          </a:p>
+        </p:txBody>
+      </p:sp>
+      <p:sp>
+        <p:nvSpPr>
+          <p:cNvPr id="48" name="CaixaDeTexto 47">
+            <a:extLst>
+              <a:ext uri="{FF2B5EF4-FFF2-40B4-BE49-F238E27FC236}">
+                <a16:creationId xmlns:a16="http://schemas.microsoft.com/office/drawing/2014/main" id="{2F4699EE-5CB5-4880-B89E-9008D6224642}"/>
+              </a:ext>
+            </a:extLst>
+          </p:cNvPr>
+          <p:cNvSpPr txBox="1"/>
+          <p:nvPr/>
+        </p:nvSpPr>
+        <p:spPr>
+          <a:xfrm>
+            <a:off x="6160152" y="2428660"/>
+            <a:ext cx="1040137" cy="276999"/>
+          </a:xfrm>
+          <a:prstGeom prst="rect">
+            <a:avLst/>
+          </a:prstGeom>
+          <a:noFill/>
+        </p:spPr>
+        <p:txBody>
+          <a:bodyPr wrap="square" rtlCol="0">
+            <a:spAutoFit/>
+          </a:bodyPr>
+          <a:lstStyle/>
+          <a:p>
+            <a:r>
+              <a:rPr lang="pt-BR" sz="1200" dirty="0"/>
+              <a:t>HTML/CSS/JS</a:t>
+            </a:r>
+          </a:p>
+        </p:txBody>
+      </p:sp>
+      <p:pic>
+        <p:nvPicPr>
+          <p:cNvPr id="53" name="Imagem 52" descr="Imagem em preto e branco&#10;&#10;Descrição gerada automaticamente">
+            <a:extLst>
+              <a:ext uri="{FF2B5EF4-FFF2-40B4-BE49-F238E27FC236}">
+                <a16:creationId xmlns:a16="http://schemas.microsoft.com/office/drawing/2014/main" id="{F88B7289-3322-46D5-AD13-B255012820B5}"/>
+              </a:ext>
+            </a:extLst>
+          </p:cNvPr>
+          <p:cNvPicPr>
+            <a:picLocks noChangeAspect="1"/>
+          </p:cNvPicPr>
+          <p:nvPr/>
+        </p:nvPicPr>
+        <p:blipFill>
+          <a:blip r:embed="rId13">
+            <a:duotone>
+              <a:schemeClr val="accent5">
+                <a:shade val="45000"/>
+                <a:satMod val="135000"/>
+              </a:schemeClr>
+              <a:prstClr val="white"/>
+            </a:duotone>
+            <a:extLst>
+              <a:ext uri="{28A0092B-C50C-407E-A947-70E740481C1C}">
+                <a14:useLocalDpi xmlns:a14="http://schemas.microsoft.com/office/drawing/2010/main" val="0"/>
+              </a:ext>
+            </a:extLst>
+          </a:blip>
+          <a:stretch>
+            <a:fillRect/>
+          </a:stretch>
+        </p:blipFill>
+        <p:spPr>
+          <a:xfrm>
+            <a:off x="4863850" y="5312827"/>
+            <a:ext cx="738426" cy="738426"/>
+          </a:xfrm>
+          <a:prstGeom prst="rect">
+            <a:avLst/>
+          </a:prstGeom>
+        </p:spPr>
+      </p:pic>
+      <p:sp>
+        <p:nvSpPr>
+          <p:cNvPr id="55" name="CaixaDeTexto 54">
+            <a:extLst>
+              <a:ext uri="{FF2B5EF4-FFF2-40B4-BE49-F238E27FC236}">
+                <a16:creationId xmlns:a16="http://schemas.microsoft.com/office/drawing/2014/main" id="{1994B9A6-3548-496B-AB95-90CBE7C708B1}"/>
+              </a:ext>
+            </a:extLst>
+          </p:cNvPr>
+          <p:cNvSpPr txBox="1"/>
+          <p:nvPr/>
+        </p:nvSpPr>
+        <p:spPr>
+          <a:xfrm>
+            <a:off x="5408009" y="5665051"/>
+            <a:ext cx="543739" cy="369332"/>
+          </a:xfrm>
+          <a:prstGeom prst="rect">
+            <a:avLst/>
+          </a:prstGeom>
+          <a:noFill/>
+        </p:spPr>
+        <p:txBody>
+          <a:bodyPr wrap="none" rtlCol="0">
+            <a:spAutoFit/>
+          </a:bodyPr>
+          <a:lstStyle/>
+          <a:p>
+            <a:r>
+              <a:rPr lang="pt-BR" dirty="0"/>
+              <a:t>SQL</a:t>
+            </a:r>
+          </a:p>
+        </p:txBody>
+      </p:sp>
+      <p:cxnSp>
+        <p:nvCxnSpPr>
+          <p:cNvPr id="57" name="Conector de Seta Reta 56">
+            <a:extLst>
+              <a:ext uri="{FF2B5EF4-FFF2-40B4-BE49-F238E27FC236}">
+                <a16:creationId xmlns:a16="http://schemas.microsoft.com/office/drawing/2014/main" id="{688067FF-CBEE-4F28-88D7-F6AEC67ED517}"/>
+              </a:ext>
+            </a:extLst>
+          </p:cNvPr>
+          <p:cNvCxnSpPr>
+            <a:cxnSpLocks/>
+          </p:cNvCxnSpPr>
+          <p:nvPr/>
+        </p:nvCxnSpPr>
+        <p:spPr>
+          <a:xfrm flipH="1" flipV="1">
+            <a:off x="1420008" y="2773057"/>
+            <a:ext cx="394932" cy="839584"/>
+          </a:xfrm>
+          <a:prstGeom prst="straightConnector1">
+            <a:avLst/>
+          </a:prstGeom>
+          <a:ln>
+            <a:tailEnd type="triangle"/>
+          </a:ln>
+        </p:spPr>
+        <p:style>
+          <a:lnRef idx="1">
+            <a:schemeClr val="dk1"/>
+          </a:lnRef>
+          <a:fillRef idx="0">
+            <a:schemeClr val="dk1"/>
+          </a:fillRef>
+          <a:effectRef idx="0">
+            <a:schemeClr val="dk1"/>
+          </a:effectRef>
+          <a:fontRef idx="minor">
+            <a:schemeClr val="tx1"/>
+          </a:fontRef>
+        </p:style>
+      </p:cxnSp>
+      <p:grpSp>
+        <p:nvGrpSpPr>
+          <p:cNvPr id="104" name="Agrupar 103">
+            <a:extLst>
+              <a:ext uri="{FF2B5EF4-FFF2-40B4-BE49-F238E27FC236}">
+                <a16:creationId xmlns:a16="http://schemas.microsoft.com/office/drawing/2014/main" id="{87A28EFF-8C7A-47EA-BE4C-F86487B4418F}"/>
+              </a:ext>
+            </a:extLst>
+          </p:cNvPr>
+          <p:cNvGrpSpPr/>
+          <p:nvPr/>
+        </p:nvGrpSpPr>
+        <p:grpSpPr>
+          <a:xfrm>
+            <a:off x="391024" y="1185550"/>
+            <a:ext cx="1259913" cy="1399458"/>
+            <a:chOff x="270964" y="1582607"/>
+            <a:chExt cx="1217513" cy="1366061"/>
+          </a:xfrm>
+        </p:grpSpPr>
+        <p:pic>
+          <p:nvPicPr>
+            <p:cNvPr id="106" name="Picture 2" descr="Telegram Web">
+              <a:extLst>
+                <a:ext uri="{FF2B5EF4-FFF2-40B4-BE49-F238E27FC236}">
+                  <a16:creationId xmlns:a16="http://schemas.microsoft.com/office/drawing/2014/main" id="{C95334B2-AA40-458C-BF70-B6BEDB650310}"/>
+                </a:ext>
+              </a:extLst>
+            </p:cNvPr>
+            <p:cNvPicPr>
+              <a:picLocks noChangeAspect="1" noChangeArrowheads="1"/>
+            </p:cNvPicPr>
+            <p:nvPr/>
+          </p:nvPicPr>
+          <p:blipFill>
+            <a:blip r:embed="rId14">
+              <a:extLst>
+                <a:ext uri="{28A0092B-C50C-407E-A947-70E740481C1C}">
+                  <a14:useLocalDpi xmlns:a14="http://schemas.microsoft.com/office/drawing/2010/main" val="0"/>
+                </a:ext>
+              </a:extLst>
+            </a:blip>
+            <a:srcRect/>
+            <a:stretch>
+              <a:fillRect/>
+            </a:stretch>
+          </p:blipFill>
+          <p:spPr bwMode="auto">
+            <a:xfrm>
+              <a:off x="372711" y="1582607"/>
+              <a:ext cx="996730" cy="996729"/>
+            </a:xfrm>
+            <a:prstGeom prst="rect">
+              <a:avLst/>
+            </a:prstGeom>
+            <a:noFill/>
+            <a:extLst>
+              <a:ext uri="{909E8E84-426E-40DD-AFC4-6F175D3DCCD1}">
+                <a14:hiddenFill xmlns:a14="http://schemas.microsoft.com/office/drawing/2010/main">
+                  <a:solidFill>
+                    <a:srgbClr val="FFFFFF"/>
+                  </a:solidFill>
+                </a14:hiddenFill>
+              </a:ext>
+            </a:extLst>
+          </p:spPr>
+        </p:pic>
+        <p:sp>
+          <p:nvSpPr>
+            <p:cNvPr id="107" name="CaixaDeTexto 106">
+              <a:extLst>
+                <a:ext uri="{FF2B5EF4-FFF2-40B4-BE49-F238E27FC236}">
+                  <a16:creationId xmlns:a16="http://schemas.microsoft.com/office/drawing/2014/main" id="{20345180-4942-4E46-84A9-1BF940D36DB2}"/>
+                </a:ext>
+              </a:extLst>
+            </p:cNvPr>
+            <p:cNvSpPr txBox="1"/>
+            <p:nvPr/>
+          </p:nvSpPr>
+          <p:spPr>
+            <a:xfrm>
+              <a:off x="270964" y="2579336"/>
+              <a:ext cx="1217513" cy="369332"/>
+            </a:xfrm>
+            <a:prstGeom prst="rect">
+              <a:avLst/>
+            </a:prstGeom>
+            <a:noFill/>
+          </p:spPr>
+          <p:txBody>
+            <a:bodyPr wrap="none" rtlCol="0">
+              <a:spAutoFit/>
+            </a:bodyPr>
+            <a:lstStyle/>
+            <a:p>
+              <a:r>
+                <a:rPr lang="pt-BR" dirty="0"/>
+                <a:t>TELEGRAM</a:t>
+              </a:r>
+            </a:p>
+          </p:txBody>
+        </p:sp>
+      </p:grpSp>
     </p:spTree>
     <p:extLst>
       <p:ext uri="{BB962C8B-B14F-4D97-AF65-F5344CB8AC3E}">
-        <p14:creationId xmlns:p14="http://schemas.microsoft.com/office/powerpoint/2010/main" val="1146724752"/>
+        <p14:creationId xmlns:p14="http://schemas.microsoft.com/office/powerpoint/2010/main" val="2619191552"/>
       </p:ext>
     </p:extLst>
   </p:cSld>
@@ -4047,6 +6143,803 @@
 </file>
 
 <file path=ppt/slides/slide3.xml><?xml version="1.0" encoding="utf-8"?>
+<p:sld xmlns:a="http://schemas.openxmlformats.org/drawingml/2006/main" xmlns:r="http://schemas.openxmlformats.org/officeDocument/2006/relationships" xmlns:p="http://schemas.openxmlformats.org/presentationml/2006/main">
+  <p:cSld>
+    <p:spTree>
+      <p:nvGrpSpPr>
+        <p:cNvPr id="1" name=""/>
+        <p:cNvGrpSpPr/>
+        <p:nvPr/>
+      </p:nvGrpSpPr>
+      <p:grpSpPr>
+        <a:xfrm>
+          <a:off x="0" y="0"/>
+          <a:ext cx="0" cy="0"/>
+          <a:chOff x="0" y="0"/>
+          <a:chExt cx="0" cy="0"/>
+        </a:xfrm>
+      </p:grpSpPr>
+      <p:pic>
+        <p:nvPicPr>
+          <p:cNvPr id="5" name="Imagem 4" descr="Uma imagem contendo Forma&#10;&#10;Descrição gerada automaticamente">
+            <a:extLst>
+              <a:ext uri="{FF2B5EF4-FFF2-40B4-BE49-F238E27FC236}">
+                <a16:creationId xmlns:a16="http://schemas.microsoft.com/office/drawing/2014/main" id="{DD536F64-F391-4DBC-A681-8EEB0BF1FC0A}"/>
+              </a:ext>
+            </a:extLst>
+          </p:cNvPr>
+          <p:cNvPicPr>
+            <a:picLocks noChangeAspect="1"/>
+          </p:cNvPicPr>
+          <p:nvPr/>
+        </p:nvPicPr>
+        <p:blipFill>
+          <a:blip r:embed="rId2">
+            <a:extLst>
+              <a:ext uri="{28A0092B-C50C-407E-A947-70E740481C1C}">
+                <a14:useLocalDpi xmlns:a14="http://schemas.microsoft.com/office/drawing/2010/main" val="0"/>
+              </a:ext>
+            </a:extLst>
+          </a:blip>
+          <a:stretch>
+            <a:fillRect/>
+          </a:stretch>
+        </p:blipFill>
+        <p:spPr>
+          <a:xfrm>
+            <a:off x="5923567" y="819435"/>
+            <a:ext cx="1722719" cy="1722719"/>
+          </a:xfrm>
+          <a:prstGeom prst="rect">
+            <a:avLst/>
+          </a:prstGeom>
+        </p:spPr>
+      </p:pic>
+      <p:pic>
+        <p:nvPicPr>
+          <p:cNvPr id="9" name="Imagem 8" descr="Texto, Ícone&#10;&#10;Descrição gerada automaticamente">
+            <a:extLst>
+              <a:ext uri="{FF2B5EF4-FFF2-40B4-BE49-F238E27FC236}">
+                <a16:creationId xmlns:a16="http://schemas.microsoft.com/office/drawing/2014/main" id="{AAD08227-6A5D-4383-A1C4-64F7784F1956}"/>
+              </a:ext>
+            </a:extLst>
+          </p:cNvPr>
+          <p:cNvPicPr>
+            <a:picLocks noChangeAspect="1"/>
+          </p:cNvPicPr>
+          <p:nvPr/>
+        </p:nvPicPr>
+        <p:blipFill>
+          <a:blip r:embed="rId3">
+            <a:extLst>
+              <a:ext uri="{28A0092B-C50C-407E-A947-70E740481C1C}">
+                <a14:useLocalDpi xmlns:a14="http://schemas.microsoft.com/office/drawing/2010/main" val="0"/>
+              </a:ext>
+            </a:extLst>
+          </a:blip>
+          <a:stretch>
+            <a:fillRect/>
+          </a:stretch>
+        </p:blipFill>
+        <p:spPr>
+          <a:xfrm>
+            <a:off x="850123" y="4369906"/>
+            <a:ext cx="1169241" cy="1169241"/>
+          </a:xfrm>
+          <a:prstGeom prst="rect">
+            <a:avLst/>
+          </a:prstGeom>
+        </p:spPr>
+      </p:pic>
+      <p:pic>
+        <p:nvPicPr>
+          <p:cNvPr id="11" name="Imagem 10" descr="Uma imagem contendo Forma&#10;&#10;Descrição gerada automaticamente">
+            <a:extLst>
+              <a:ext uri="{FF2B5EF4-FFF2-40B4-BE49-F238E27FC236}">
+                <a16:creationId xmlns:a16="http://schemas.microsoft.com/office/drawing/2014/main" id="{11AAACCF-F407-405A-84B4-11EEB965D8A1}"/>
+              </a:ext>
+            </a:extLst>
+          </p:cNvPr>
+          <p:cNvPicPr>
+            <a:picLocks noChangeAspect="1"/>
+          </p:cNvPicPr>
+          <p:nvPr/>
+        </p:nvPicPr>
+        <p:blipFill>
+          <a:blip r:embed="rId4">
+            <a:extLst>
+              <a:ext uri="{28A0092B-C50C-407E-A947-70E740481C1C}">
+                <a14:useLocalDpi xmlns:a14="http://schemas.microsoft.com/office/drawing/2010/main" val="0"/>
+              </a:ext>
+            </a:extLst>
+          </a:blip>
+          <a:stretch>
+            <a:fillRect/>
+          </a:stretch>
+        </p:blipFill>
+        <p:spPr>
+          <a:xfrm>
+            <a:off x="491115" y="977493"/>
+            <a:ext cx="1406607" cy="1406607"/>
+          </a:xfrm>
+          <a:prstGeom prst="rect">
+            <a:avLst/>
+          </a:prstGeom>
+        </p:spPr>
+      </p:pic>
+      <p:pic>
+        <p:nvPicPr>
+          <p:cNvPr id="13" name="Imagem 12">
+            <a:extLst>
+              <a:ext uri="{FF2B5EF4-FFF2-40B4-BE49-F238E27FC236}">
+                <a16:creationId xmlns:a16="http://schemas.microsoft.com/office/drawing/2014/main" id="{FD9236CB-3524-44A5-9BB2-5F6215F5E2EF}"/>
+              </a:ext>
+            </a:extLst>
+          </p:cNvPr>
+          <p:cNvPicPr>
+            <a:picLocks noChangeAspect="1"/>
+          </p:cNvPicPr>
+          <p:nvPr/>
+        </p:nvPicPr>
+        <p:blipFill>
+          <a:blip r:embed="rId5">
+            <a:extLst>
+              <a:ext uri="{BEBA8EAE-BF5A-486C-A8C5-ECC9F3942E4B}">
+                <a14:imgProps xmlns:a14="http://schemas.microsoft.com/office/drawing/2010/main">
+                  <a14:imgLayer r:embed="rId6">
+                    <a14:imgEffect>
+                      <a14:backgroundRemoval t="10000" b="90000" l="10000" r="90000">
+                        <a14:foregroundMark x1="46392" y1="79348" x2="46392" y2="79348"/>
+                      </a14:backgroundRemoval>
+                    </a14:imgEffect>
+                  </a14:imgLayer>
+                </a14:imgProps>
+              </a:ext>
+            </a:extLst>
+          </a:blip>
+          <a:stretch>
+            <a:fillRect/>
+          </a:stretch>
+        </p:blipFill>
+        <p:spPr>
+          <a:xfrm rot="18856160" flipH="1">
+            <a:off x="10567295" y="2445473"/>
+            <a:ext cx="1139372" cy="1080641"/>
+          </a:xfrm>
+          <a:prstGeom prst="rect">
+            <a:avLst/>
+          </a:prstGeom>
+        </p:spPr>
+      </p:pic>
+      <p:pic>
+        <p:nvPicPr>
+          <p:cNvPr id="15" name="Imagem 14">
+            <a:extLst>
+              <a:ext uri="{FF2B5EF4-FFF2-40B4-BE49-F238E27FC236}">
+                <a16:creationId xmlns:a16="http://schemas.microsoft.com/office/drawing/2014/main" id="{F87A1517-848C-4E6C-94AB-26EB04F71A56}"/>
+              </a:ext>
+            </a:extLst>
+          </p:cNvPr>
+          <p:cNvPicPr>
+            <a:picLocks noChangeAspect="1"/>
+          </p:cNvPicPr>
+          <p:nvPr/>
+        </p:nvPicPr>
+        <p:blipFill>
+          <a:blip r:embed="rId5">
+            <a:extLst>
+              <a:ext uri="{BEBA8EAE-BF5A-486C-A8C5-ECC9F3942E4B}">
+                <a14:imgProps xmlns:a14="http://schemas.microsoft.com/office/drawing/2010/main">
+                  <a14:imgLayer r:embed="rId6">
+                    <a14:imgEffect>
+                      <a14:backgroundRemoval t="10000" b="90000" l="10000" r="90000">
+                        <a14:foregroundMark x1="46392" y1="79348" x2="46392" y2="79348"/>
+                      </a14:backgroundRemoval>
+                    </a14:imgEffect>
+                  </a14:imgLayer>
+                </a14:imgProps>
+              </a:ext>
+            </a:extLst>
+          </a:blip>
+          <a:stretch>
+            <a:fillRect/>
+          </a:stretch>
+        </p:blipFill>
+        <p:spPr>
+          <a:xfrm rot="17890745" flipH="1">
+            <a:off x="10289514" y="557778"/>
+            <a:ext cx="1214654" cy="1152042"/>
+          </a:xfrm>
+          <a:prstGeom prst="rect">
+            <a:avLst/>
+          </a:prstGeom>
+        </p:spPr>
+      </p:pic>
+      <p:pic>
+        <p:nvPicPr>
+          <p:cNvPr id="17" name="Imagem 16">
+            <a:extLst>
+              <a:ext uri="{FF2B5EF4-FFF2-40B4-BE49-F238E27FC236}">
+                <a16:creationId xmlns:a16="http://schemas.microsoft.com/office/drawing/2014/main" id="{7528D509-E5BE-474E-B352-28E44352BD38}"/>
+              </a:ext>
+            </a:extLst>
+          </p:cNvPr>
+          <p:cNvPicPr>
+            <a:picLocks noChangeAspect="1"/>
+          </p:cNvPicPr>
+          <p:nvPr/>
+        </p:nvPicPr>
+        <p:blipFill>
+          <a:blip r:embed="rId5">
+            <a:extLst>
+              <a:ext uri="{BEBA8EAE-BF5A-486C-A8C5-ECC9F3942E4B}">
+                <a14:imgProps xmlns:a14="http://schemas.microsoft.com/office/drawing/2010/main">
+                  <a14:imgLayer r:embed="rId6">
+                    <a14:imgEffect>
+                      <a14:backgroundRemoval t="10000" b="90000" l="10000" r="90000">
+                        <a14:foregroundMark x1="46392" y1="79348" x2="46392" y2="79348"/>
+                      </a14:backgroundRemoval>
+                    </a14:imgEffect>
+                  </a14:imgLayer>
+                </a14:imgProps>
+              </a:ext>
+            </a:extLst>
+          </a:blip>
+          <a:stretch>
+            <a:fillRect/>
+          </a:stretch>
+        </p:blipFill>
+        <p:spPr>
+          <a:xfrm rot="18856160" flipH="1">
+            <a:off x="10107922" y="1793953"/>
+            <a:ext cx="1139372" cy="1080641"/>
+          </a:xfrm>
+          <a:prstGeom prst="rect">
+            <a:avLst/>
+          </a:prstGeom>
+        </p:spPr>
+      </p:pic>
+      <p:pic>
+        <p:nvPicPr>
+          <p:cNvPr id="19" name="Imagem 18">
+            <a:extLst>
+              <a:ext uri="{FF2B5EF4-FFF2-40B4-BE49-F238E27FC236}">
+                <a16:creationId xmlns:a16="http://schemas.microsoft.com/office/drawing/2014/main" id="{10BC69EF-600C-4C87-8B02-BA6BFC3B87A8}"/>
+              </a:ext>
+            </a:extLst>
+          </p:cNvPr>
+          <p:cNvPicPr>
+            <a:picLocks noChangeAspect="1"/>
+          </p:cNvPicPr>
+          <p:nvPr/>
+        </p:nvPicPr>
+        <p:blipFill>
+          <a:blip r:embed="rId7">
+            <a:extLst>
+              <a:ext uri="{BEBA8EAE-BF5A-486C-A8C5-ECC9F3942E4B}">
+                <a14:imgProps xmlns:a14="http://schemas.microsoft.com/office/drawing/2010/main">
+                  <a14:imgLayer r:embed="rId8">
+                    <a14:imgEffect>
+                      <a14:backgroundRemoval t="10000" b="90000" l="10000" r="90000">
+                        <a14:foregroundMark x1="78075" y1="54000" x2="78075" y2="54000"/>
+                        <a14:foregroundMark x1="78075" y1="69000" x2="78075" y2="69000"/>
+                      </a14:backgroundRemoval>
+                    </a14:imgEffect>
+                  </a14:imgLayer>
+                </a14:imgProps>
+              </a:ext>
+            </a:extLst>
+          </a:blip>
+          <a:stretch>
+            <a:fillRect/>
+          </a:stretch>
+        </p:blipFill>
+        <p:spPr>
+          <a:xfrm>
+            <a:off x="3572907" y="1395694"/>
+            <a:ext cx="1804542" cy="838347"/>
+          </a:xfrm>
+          <a:prstGeom prst="rect">
+            <a:avLst/>
+          </a:prstGeom>
+        </p:spPr>
+      </p:pic>
+      <p:pic>
+        <p:nvPicPr>
+          <p:cNvPr id="21" name="Imagem 20">
+            <a:extLst>
+              <a:ext uri="{FF2B5EF4-FFF2-40B4-BE49-F238E27FC236}">
+                <a16:creationId xmlns:a16="http://schemas.microsoft.com/office/drawing/2014/main" id="{DEF1180F-6E09-4248-AEBE-C18909910CEF}"/>
+              </a:ext>
+            </a:extLst>
+          </p:cNvPr>
+          <p:cNvPicPr>
+            <a:picLocks noChangeAspect="1"/>
+          </p:cNvPicPr>
+          <p:nvPr/>
+        </p:nvPicPr>
+        <p:blipFill>
+          <a:blip r:embed="rId9">
+            <a:extLst>
+              <a:ext uri="{BEBA8EAE-BF5A-486C-A8C5-ECC9F3942E4B}">
+                <a14:imgProps xmlns:a14="http://schemas.microsoft.com/office/drawing/2010/main">
+                  <a14:imgLayer r:embed="rId10">
+                    <a14:imgEffect>
+                      <a14:backgroundRemoval t="9868" b="89474" l="9581" r="91018">
+                        <a14:foregroundMark x1="78443" y1="53947" x2="78443" y2="53947"/>
+                        <a14:foregroundMark x1="91018" y1="67105" x2="91018" y2="67105"/>
+                      </a14:backgroundRemoval>
+                    </a14:imgEffect>
+                  </a14:imgLayer>
+                </a14:imgProps>
+              </a:ext>
+            </a:extLst>
+          </a:blip>
+          <a:stretch>
+            <a:fillRect/>
+          </a:stretch>
+        </p:blipFill>
+        <p:spPr>
+          <a:xfrm rot="18358620">
+            <a:off x="11082936" y="3742761"/>
+            <a:ext cx="721687" cy="656865"/>
+          </a:xfrm>
+          <a:prstGeom prst="rect">
+            <a:avLst/>
+          </a:prstGeom>
+        </p:spPr>
+      </p:pic>
+      <p:sp>
+        <p:nvSpPr>
+          <p:cNvPr id="22" name="CaixaDeTexto 21">
+            <a:extLst>
+              <a:ext uri="{FF2B5EF4-FFF2-40B4-BE49-F238E27FC236}">
+                <a16:creationId xmlns:a16="http://schemas.microsoft.com/office/drawing/2014/main" id="{23766680-2F1B-413D-9A2F-4734BA53E6CF}"/>
+              </a:ext>
+            </a:extLst>
+          </p:cNvPr>
+          <p:cNvSpPr txBox="1"/>
+          <p:nvPr/>
+        </p:nvSpPr>
+        <p:spPr>
+          <a:xfrm>
+            <a:off x="114046" y="5696980"/>
+            <a:ext cx="2184911" cy="523220"/>
+          </a:xfrm>
+          <a:prstGeom prst="rect">
+            <a:avLst/>
+          </a:prstGeom>
+          <a:noFill/>
+        </p:spPr>
+        <p:txBody>
+          <a:bodyPr wrap="square" rtlCol="0">
+            <a:spAutoFit/>
+          </a:bodyPr>
+          <a:lstStyle/>
+          <a:p>
+            <a:pPr algn="ctr"/>
+            <a:r>
+              <a:rPr lang="pt-BR" sz="1400" dirty="0"/>
+              <a:t>Envio de notificação via SLACK/TELEGRAM</a:t>
+            </a:r>
+          </a:p>
+        </p:txBody>
+      </p:sp>
+      <p:sp>
+        <p:nvSpPr>
+          <p:cNvPr id="23" name="CaixaDeTexto 22">
+            <a:extLst>
+              <a:ext uri="{FF2B5EF4-FFF2-40B4-BE49-F238E27FC236}">
+                <a16:creationId xmlns:a16="http://schemas.microsoft.com/office/drawing/2014/main" id="{D2DA3490-3FEE-44C4-A133-C0D56E40AA2D}"/>
+              </a:ext>
+            </a:extLst>
+          </p:cNvPr>
+          <p:cNvSpPr txBox="1"/>
+          <p:nvPr/>
+        </p:nvSpPr>
+        <p:spPr>
+          <a:xfrm>
+            <a:off x="48368" y="0"/>
+            <a:ext cx="2292102" cy="369332"/>
+          </a:xfrm>
+          <a:prstGeom prst="rect">
+            <a:avLst/>
+          </a:prstGeom>
+          <a:noFill/>
+        </p:spPr>
+        <p:txBody>
+          <a:bodyPr wrap="none" rtlCol="0">
+            <a:spAutoFit/>
+          </a:bodyPr>
+          <a:lstStyle/>
+          <a:p>
+            <a:r>
+              <a:rPr lang="pt-BR" b="1" dirty="0"/>
+              <a:t>Diagrama de software</a:t>
+            </a:r>
+          </a:p>
+        </p:txBody>
+      </p:sp>
+      <p:pic>
+        <p:nvPicPr>
+          <p:cNvPr id="2" name="Imagem 1" descr="Ícone&#10;&#10;Descrição gerada automaticamente">
+            <a:extLst>
+              <a:ext uri="{FF2B5EF4-FFF2-40B4-BE49-F238E27FC236}">
+                <a16:creationId xmlns:a16="http://schemas.microsoft.com/office/drawing/2014/main" id="{BA699E74-5B64-47EA-9165-D911EE46E932}"/>
+              </a:ext>
+            </a:extLst>
+          </p:cNvPr>
+          <p:cNvPicPr>
+            <a:picLocks noChangeAspect="1"/>
+          </p:cNvPicPr>
+          <p:nvPr/>
+        </p:nvPicPr>
+        <p:blipFill>
+          <a:blip r:embed="rId11">
+            <a:extLst>
+              <a:ext uri="{28A0092B-C50C-407E-A947-70E740481C1C}">
+                <a14:useLocalDpi xmlns:a14="http://schemas.microsoft.com/office/drawing/2010/main" val="0"/>
+              </a:ext>
+            </a:extLst>
+          </a:blip>
+          <a:stretch>
+            <a:fillRect/>
+          </a:stretch>
+        </p:blipFill>
+        <p:spPr>
+          <a:xfrm>
+            <a:off x="6269185" y="4488066"/>
+            <a:ext cx="1377101" cy="1377101"/>
+          </a:xfrm>
+          <a:prstGeom prst="rect">
+            <a:avLst/>
+          </a:prstGeom>
+        </p:spPr>
+      </p:pic>
+      <p:sp>
+        <p:nvSpPr>
+          <p:cNvPr id="3" name="CaixaDeTexto 2">
+            <a:extLst>
+              <a:ext uri="{FF2B5EF4-FFF2-40B4-BE49-F238E27FC236}">
+                <a16:creationId xmlns:a16="http://schemas.microsoft.com/office/drawing/2014/main" id="{12698B27-EEA4-4DBD-9A80-CAFCF20FA141}"/>
+              </a:ext>
+            </a:extLst>
+          </p:cNvPr>
+          <p:cNvSpPr txBox="1"/>
+          <p:nvPr/>
+        </p:nvSpPr>
+        <p:spPr>
+          <a:xfrm>
+            <a:off x="3713774" y="1377207"/>
+            <a:ext cx="1663675" cy="369332"/>
+          </a:xfrm>
+          <a:prstGeom prst="rect">
+            <a:avLst/>
+          </a:prstGeom>
+          <a:noFill/>
+        </p:spPr>
+        <p:txBody>
+          <a:bodyPr wrap="square" rtlCol="0">
+            <a:spAutoFit/>
+          </a:bodyPr>
+          <a:lstStyle/>
+          <a:p>
+            <a:r>
+              <a:rPr lang="pt-BR" dirty="0"/>
+              <a:t>INSERT, SELECT</a:t>
+            </a:r>
+          </a:p>
+        </p:txBody>
+      </p:sp>
+      <p:pic>
+        <p:nvPicPr>
+          <p:cNvPr id="4" name="Imagem 3">
+            <a:extLst>
+              <a:ext uri="{FF2B5EF4-FFF2-40B4-BE49-F238E27FC236}">
+                <a16:creationId xmlns:a16="http://schemas.microsoft.com/office/drawing/2014/main" id="{B71764C5-7397-4D32-AA5A-06528DA281B0}"/>
+              </a:ext>
+            </a:extLst>
+          </p:cNvPr>
+          <p:cNvPicPr>
+            <a:picLocks noChangeAspect="1"/>
+          </p:cNvPicPr>
+          <p:nvPr/>
+        </p:nvPicPr>
+        <p:blipFill>
+          <a:blip r:embed="rId7">
+            <a:extLst>
+              <a:ext uri="{BEBA8EAE-BF5A-486C-A8C5-ECC9F3942E4B}">
+                <a14:imgProps xmlns:a14="http://schemas.microsoft.com/office/drawing/2010/main">
+                  <a14:imgLayer r:embed="rId8">
+                    <a14:imgEffect>
+                      <a14:backgroundRemoval t="10000" b="90000" l="10000" r="90000">
+                        <a14:foregroundMark x1="78075" y1="54000" x2="78075" y2="54000"/>
+                        <a14:foregroundMark x1="78075" y1="69000" x2="78075" y2="69000"/>
+                      </a14:backgroundRemoval>
+                    </a14:imgEffect>
+                  </a14:imgLayer>
+                </a14:imgProps>
+              </a:ext>
+            </a:extLst>
+          </a:blip>
+          <a:stretch>
+            <a:fillRect/>
+          </a:stretch>
+        </p:blipFill>
+        <p:spPr>
+          <a:xfrm rot="5400000">
+            <a:off x="6055463" y="3095937"/>
+            <a:ext cx="1804542" cy="838347"/>
+          </a:xfrm>
+          <a:prstGeom prst="rect">
+            <a:avLst/>
+          </a:prstGeom>
+        </p:spPr>
+      </p:pic>
+      <p:pic>
+        <p:nvPicPr>
+          <p:cNvPr id="6" name="Imagem 5">
+            <a:extLst>
+              <a:ext uri="{FF2B5EF4-FFF2-40B4-BE49-F238E27FC236}">
+                <a16:creationId xmlns:a16="http://schemas.microsoft.com/office/drawing/2014/main" id="{B4CAAA66-7BB7-49AB-B586-F2A5435D073F}"/>
+              </a:ext>
+            </a:extLst>
+          </p:cNvPr>
+          <p:cNvPicPr>
+            <a:picLocks noChangeAspect="1"/>
+          </p:cNvPicPr>
+          <p:nvPr/>
+        </p:nvPicPr>
+        <p:blipFill>
+          <a:blip r:embed="rId7">
+            <a:extLst>
+              <a:ext uri="{BEBA8EAE-BF5A-486C-A8C5-ECC9F3942E4B}">
+                <a14:imgProps xmlns:a14="http://schemas.microsoft.com/office/drawing/2010/main">
+                  <a14:imgLayer r:embed="rId8">
+                    <a14:imgEffect>
+                      <a14:backgroundRemoval t="10000" b="90000" l="10000" r="90000">
+                        <a14:foregroundMark x1="78075" y1="54000" x2="78075" y2="54000"/>
+                        <a14:foregroundMark x1="78075" y1="69000" x2="78075" y2="69000"/>
+                      </a14:backgroundRemoval>
+                    </a14:imgEffect>
+                  </a14:imgLayer>
+                </a14:imgProps>
+              </a:ext>
+            </a:extLst>
+          </a:blip>
+          <a:stretch>
+            <a:fillRect/>
+          </a:stretch>
+        </p:blipFill>
+        <p:spPr>
+          <a:xfrm rot="5400000">
+            <a:off x="367025" y="3048462"/>
+            <a:ext cx="1804542" cy="838347"/>
+          </a:xfrm>
+          <a:prstGeom prst="rect">
+            <a:avLst/>
+          </a:prstGeom>
+        </p:spPr>
+      </p:pic>
+      <p:sp>
+        <p:nvSpPr>
+          <p:cNvPr id="7" name="CaixaDeTexto 6">
+            <a:extLst>
+              <a:ext uri="{FF2B5EF4-FFF2-40B4-BE49-F238E27FC236}">
+                <a16:creationId xmlns:a16="http://schemas.microsoft.com/office/drawing/2014/main" id="{F479BD3F-053E-41BF-B4F6-204271B06509}"/>
+              </a:ext>
+            </a:extLst>
+          </p:cNvPr>
+          <p:cNvSpPr txBox="1"/>
+          <p:nvPr/>
+        </p:nvSpPr>
+        <p:spPr>
+          <a:xfrm rot="16200000">
+            <a:off x="6719015" y="3132139"/>
+            <a:ext cx="846770" cy="369332"/>
+          </a:xfrm>
+          <a:prstGeom prst="rect">
+            <a:avLst/>
+          </a:prstGeom>
+          <a:noFill/>
+        </p:spPr>
+        <p:txBody>
+          <a:bodyPr wrap="none" rtlCol="0">
+            <a:spAutoFit/>
+          </a:bodyPr>
+          <a:lstStyle/>
+          <a:p>
+            <a:r>
+              <a:rPr lang="pt-BR" dirty="0"/>
+              <a:t>SELECT</a:t>
+            </a:r>
+          </a:p>
+        </p:txBody>
+      </p:sp>
+      <p:sp>
+        <p:nvSpPr>
+          <p:cNvPr id="10" name="Retângulo: Cantos Diagonais Arredondados 9">
+            <a:extLst>
+              <a:ext uri="{FF2B5EF4-FFF2-40B4-BE49-F238E27FC236}">
+                <a16:creationId xmlns:a16="http://schemas.microsoft.com/office/drawing/2014/main" id="{9E1FA0FD-0A2E-435A-BE99-AC656FD0C817}"/>
+              </a:ext>
+            </a:extLst>
+          </p:cNvPr>
+          <p:cNvSpPr/>
+          <p:nvPr/>
+        </p:nvSpPr>
+        <p:spPr>
+          <a:xfrm>
+            <a:off x="1986728" y="974966"/>
+            <a:ext cx="1663675" cy="1380171"/>
+          </a:xfrm>
+          <a:prstGeom prst="round2DiagRect">
+            <a:avLst/>
+          </a:prstGeom>
+          <a:noFill/>
+          <a:ln>
+            <a:solidFill>
+              <a:srgbClr val="C00000"/>
+            </a:solidFill>
+          </a:ln>
+        </p:spPr>
+        <p:style>
+          <a:lnRef idx="2">
+            <a:schemeClr val="accent1">
+              <a:shade val="50000"/>
+            </a:schemeClr>
+          </a:lnRef>
+          <a:fillRef idx="1">
+            <a:schemeClr val="accent1"/>
+          </a:fillRef>
+          <a:effectRef idx="0">
+            <a:schemeClr val="accent1"/>
+          </a:effectRef>
+          <a:fontRef idx="minor">
+            <a:schemeClr val="lt1"/>
+          </a:fontRef>
+        </p:style>
+        <p:txBody>
+          <a:bodyPr rtlCol="0" anchor="ctr"/>
+          <a:lstStyle/>
+          <a:p>
+            <a:pPr algn="ctr"/>
+            <a:endParaRPr lang="pt-BR"/>
+          </a:p>
+        </p:txBody>
+      </p:sp>
+      <p:sp>
+        <p:nvSpPr>
+          <p:cNvPr id="12" name="Retângulo: Cantos Arredondados 11">
+            <a:extLst>
+              <a:ext uri="{FF2B5EF4-FFF2-40B4-BE49-F238E27FC236}">
+                <a16:creationId xmlns:a16="http://schemas.microsoft.com/office/drawing/2014/main" id="{48095C1B-21B5-4D58-9BDB-2994E0D3C828}"/>
+              </a:ext>
+            </a:extLst>
+          </p:cNvPr>
+          <p:cNvSpPr/>
+          <p:nvPr/>
+        </p:nvSpPr>
+        <p:spPr>
+          <a:xfrm>
+            <a:off x="2106973" y="1047427"/>
+            <a:ext cx="1465934" cy="227171"/>
+          </a:xfrm>
+          <a:prstGeom prst="roundRect">
+            <a:avLst/>
+          </a:prstGeom>
+          <a:noFill/>
+          <a:ln>
+            <a:solidFill>
+              <a:srgbClr val="C00000"/>
+            </a:solidFill>
+          </a:ln>
+        </p:spPr>
+        <p:style>
+          <a:lnRef idx="2">
+            <a:schemeClr val="accent1">
+              <a:shade val="50000"/>
+            </a:schemeClr>
+          </a:lnRef>
+          <a:fillRef idx="1">
+            <a:schemeClr val="accent1"/>
+          </a:fillRef>
+          <a:effectRef idx="0">
+            <a:schemeClr val="accent1"/>
+          </a:effectRef>
+          <a:fontRef idx="minor">
+            <a:schemeClr val="lt1"/>
+          </a:fontRef>
+        </p:style>
+        <p:txBody>
+          <a:bodyPr rtlCol="0" anchor="ctr"/>
+          <a:lstStyle/>
+          <a:p>
+            <a:pPr algn="ctr"/>
+            <a:r>
+              <a:rPr lang="pt-BR" dirty="0">
+                <a:solidFill>
+                  <a:schemeClr val="tx1"/>
+                </a:solidFill>
+              </a:rPr>
+              <a:t>OSHI</a:t>
+            </a:r>
+          </a:p>
+        </p:txBody>
+      </p:sp>
+      <p:sp>
+        <p:nvSpPr>
+          <p:cNvPr id="14" name="Retângulo: Cantos Arredondados 13">
+            <a:extLst>
+              <a:ext uri="{FF2B5EF4-FFF2-40B4-BE49-F238E27FC236}">
+                <a16:creationId xmlns:a16="http://schemas.microsoft.com/office/drawing/2014/main" id="{6DF7A7E0-E401-4DA6-A5FD-5D64822784EA}"/>
+              </a:ext>
+            </a:extLst>
+          </p:cNvPr>
+          <p:cNvSpPr/>
+          <p:nvPr/>
+        </p:nvSpPr>
+        <p:spPr>
+          <a:xfrm>
+            <a:off x="2106973" y="1322008"/>
+            <a:ext cx="1465934" cy="227171"/>
+          </a:xfrm>
+          <a:prstGeom prst="roundRect">
+            <a:avLst/>
+          </a:prstGeom>
+          <a:noFill/>
+          <a:ln>
+            <a:solidFill>
+              <a:srgbClr val="C00000"/>
+            </a:solidFill>
+          </a:ln>
+        </p:spPr>
+        <p:style>
+          <a:lnRef idx="2">
+            <a:schemeClr val="accent1">
+              <a:shade val="50000"/>
+            </a:schemeClr>
+          </a:lnRef>
+          <a:fillRef idx="1">
+            <a:schemeClr val="accent1"/>
+          </a:fillRef>
+          <a:effectRef idx="0">
+            <a:schemeClr val="accent1"/>
+          </a:effectRef>
+          <a:fontRef idx="minor">
+            <a:schemeClr val="lt1"/>
+          </a:fontRef>
+        </p:style>
+        <p:txBody>
+          <a:bodyPr rtlCol="0" anchor="ctr"/>
+          <a:lstStyle/>
+          <a:p>
+            <a:pPr algn="ctr"/>
+            <a:r>
+              <a:rPr lang="pt-BR" dirty="0">
+                <a:solidFill>
+                  <a:schemeClr val="tx1"/>
+                </a:solidFill>
+              </a:rPr>
+              <a:t>SWING</a:t>
+            </a:r>
+          </a:p>
+        </p:txBody>
+      </p:sp>
+    </p:spTree>
+    <p:extLst>
+      <p:ext uri="{BB962C8B-B14F-4D97-AF65-F5344CB8AC3E}">
+        <p14:creationId xmlns:p14="http://schemas.microsoft.com/office/powerpoint/2010/main" val="310172190"/>
+      </p:ext>
+    </p:extLst>
+  </p:cSld>
+  <p:clrMapOvr>
+    <a:masterClrMapping/>
+  </p:clrMapOvr>
+</p:sld>
+</file>
+
+<file path=ppt/slides/slide4.xml><?xml version="1.0" encoding="utf-8"?>
 <p:sld xmlns:a="http://schemas.openxmlformats.org/drawingml/2006/main" xmlns:r="http://schemas.openxmlformats.org/officeDocument/2006/relationships" xmlns:p="http://schemas.openxmlformats.org/presentationml/2006/main">
   <p:cSld>
     <p:spTree>
@@ -4496,7 +7389,7 @@
         </p:nvGrpSpPr>
         <p:grpSpPr>
           <a:xfrm>
-            <a:off x="7441379" y="144309"/>
+            <a:off x="7433785" y="178282"/>
             <a:ext cx="4641907" cy="2893848"/>
             <a:chOff x="7600298" y="69591"/>
             <a:chExt cx="4641907" cy="2893848"/>
@@ -5207,7 +8100,7 @@
         </p:nvSpPr>
         <p:spPr>
           <a:xfrm>
-            <a:off x="10189771" y="2108816"/>
+            <a:off x="10182177" y="2150085"/>
             <a:ext cx="1182848" cy="307777"/>
           </a:xfrm>
           <a:prstGeom prst="rect">
@@ -5839,2892 +8732,6 @@
     <p:extLst>
       <p:ext uri="{BB962C8B-B14F-4D97-AF65-F5344CB8AC3E}">
         <p14:creationId xmlns:p14="http://schemas.microsoft.com/office/powerpoint/2010/main" val="3745437195"/>
-      </p:ext>
-    </p:extLst>
-  </p:cSld>
-  <p:clrMapOvr>
-    <a:masterClrMapping/>
-  </p:clrMapOvr>
-</p:sld>
-</file>
-
-<file path=ppt/slides/slide4.xml><?xml version="1.0" encoding="utf-8"?>
-<p:sld xmlns:a="http://schemas.openxmlformats.org/drawingml/2006/main" xmlns:r="http://schemas.openxmlformats.org/officeDocument/2006/relationships" xmlns:p="http://schemas.openxmlformats.org/presentationml/2006/main">
-  <p:cSld>
-    <p:spTree>
-      <p:nvGrpSpPr>
-        <p:cNvPr id="1" name=""/>
-        <p:cNvGrpSpPr/>
-        <p:nvPr/>
-      </p:nvGrpSpPr>
-      <p:grpSpPr>
-        <a:xfrm>
-          <a:off x="0" y="0"/>
-          <a:ext cx="0" cy="0"/>
-          <a:chOff x="0" y="0"/>
-          <a:chExt cx="0" cy="0"/>
-        </a:xfrm>
-      </p:grpSpPr>
-      <p:pic>
-        <p:nvPicPr>
-          <p:cNvPr id="5" name="Imagem 4" descr="Uma imagem contendo Forma&#10;&#10;Descrição gerada automaticamente">
-            <a:extLst>
-              <a:ext uri="{FF2B5EF4-FFF2-40B4-BE49-F238E27FC236}">
-                <a16:creationId xmlns:a16="http://schemas.microsoft.com/office/drawing/2014/main" id="{DD536F64-F391-4DBC-A681-8EEB0BF1FC0A}"/>
-              </a:ext>
-            </a:extLst>
-          </p:cNvPr>
-          <p:cNvPicPr>
-            <a:picLocks noChangeAspect="1"/>
-          </p:cNvPicPr>
-          <p:nvPr/>
-        </p:nvPicPr>
-        <p:blipFill>
-          <a:blip r:embed="rId2">
-            <a:extLst>
-              <a:ext uri="{28A0092B-C50C-407E-A947-70E740481C1C}">
-                <a14:useLocalDpi xmlns:a14="http://schemas.microsoft.com/office/drawing/2010/main" val="0"/>
-              </a:ext>
-            </a:extLst>
-          </a:blip>
-          <a:stretch>
-            <a:fillRect/>
-          </a:stretch>
-        </p:blipFill>
-        <p:spPr>
-          <a:xfrm>
-            <a:off x="5923567" y="819435"/>
-            <a:ext cx="1722719" cy="1722719"/>
-          </a:xfrm>
-          <a:prstGeom prst="rect">
-            <a:avLst/>
-          </a:prstGeom>
-        </p:spPr>
-      </p:pic>
-      <p:pic>
-        <p:nvPicPr>
-          <p:cNvPr id="9" name="Imagem 8" descr="Texto, Ícone&#10;&#10;Descrição gerada automaticamente">
-            <a:extLst>
-              <a:ext uri="{FF2B5EF4-FFF2-40B4-BE49-F238E27FC236}">
-                <a16:creationId xmlns:a16="http://schemas.microsoft.com/office/drawing/2014/main" id="{AAD08227-6A5D-4383-A1C4-64F7784F1956}"/>
-              </a:ext>
-            </a:extLst>
-          </p:cNvPr>
-          <p:cNvPicPr>
-            <a:picLocks noChangeAspect="1"/>
-          </p:cNvPicPr>
-          <p:nvPr/>
-        </p:nvPicPr>
-        <p:blipFill>
-          <a:blip r:embed="rId3">
-            <a:extLst>
-              <a:ext uri="{28A0092B-C50C-407E-A947-70E740481C1C}">
-                <a14:useLocalDpi xmlns:a14="http://schemas.microsoft.com/office/drawing/2010/main" val="0"/>
-              </a:ext>
-            </a:extLst>
-          </a:blip>
-          <a:stretch>
-            <a:fillRect/>
-          </a:stretch>
-        </p:blipFill>
-        <p:spPr>
-          <a:xfrm>
-            <a:off x="850123" y="4369906"/>
-            <a:ext cx="1169241" cy="1169241"/>
-          </a:xfrm>
-          <a:prstGeom prst="rect">
-            <a:avLst/>
-          </a:prstGeom>
-        </p:spPr>
-      </p:pic>
-      <p:pic>
-        <p:nvPicPr>
-          <p:cNvPr id="11" name="Imagem 10" descr="Uma imagem contendo Forma&#10;&#10;Descrição gerada automaticamente">
-            <a:extLst>
-              <a:ext uri="{FF2B5EF4-FFF2-40B4-BE49-F238E27FC236}">
-                <a16:creationId xmlns:a16="http://schemas.microsoft.com/office/drawing/2014/main" id="{11AAACCF-F407-405A-84B4-11EEB965D8A1}"/>
-              </a:ext>
-            </a:extLst>
-          </p:cNvPr>
-          <p:cNvPicPr>
-            <a:picLocks noChangeAspect="1"/>
-          </p:cNvPicPr>
-          <p:nvPr/>
-        </p:nvPicPr>
-        <p:blipFill>
-          <a:blip r:embed="rId4">
-            <a:extLst>
-              <a:ext uri="{28A0092B-C50C-407E-A947-70E740481C1C}">
-                <a14:useLocalDpi xmlns:a14="http://schemas.microsoft.com/office/drawing/2010/main" val="0"/>
-              </a:ext>
-            </a:extLst>
-          </a:blip>
-          <a:stretch>
-            <a:fillRect/>
-          </a:stretch>
-        </p:blipFill>
-        <p:spPr>
-          <a:xfrm>
-            <a:off x="491115" y="977493"/>
-            <a:ext cx="1406607" cy="1406607"/>
-          </a:xfrm>
-          <a:prstGeom prst="rect">
-            <a:avLst/>
-          </a:prstGeom>
-        </p:spPr>
-      </p:pic>
-      <p:pic>
-        <p:nvPicPr>
-          <p:cNvPr id="13" name="Imagem 12">
-            <a:extLst>
-              <a:ext uri="{FF2B5EF4-FFF2-40B4-BE49-F238E27FC236}">
-                <a16:creationId xmlns:a16="http://schemas.microsoft.com/office/drawing/2014/main" id="{FD9236CB-3524-44A5-9BB2-5F6215F5E2EF}"/>
-              </a:ext>
-            </a:extLst>
-          </p:cNvPr>
-          <p:cNvPicPr>
-            <a:picLocks noChangeAspect="1"/>
-          </p:cNvPicPr>
-          <p:nvPr/>
-        </p:nvPicPr>
-        <p:blipFill>
-          <a:blip r:embed="rId5">
-            <a:extLst>
-              <a:ext uri="{BEBA8EAE-BF5A-486C-A8C5-ECC9F3942E4B}">
-                <a14:imgProps xmlns:a14="http://schemas.microsoft.com/office/drawing/2010/main">
-                  <a14:imgLayer r:embed="rId6">
-                    <a14:imgEffect>
-                      <a14:backgroundRemoval t="10000" b="90000" l="10000" r="90000">
-                        <a14:foregroundMark x1="46392" y1="79348" x2="46392" y2="79348"/>
-                      </a14:backgroundRemoval>
-                    </a14:imgEffect>
-                  </a14:imgLayer>
-                </a14:imgProps>
-              </a:ext>
-            </a:extLst>
-          </a:blip>
-          <a:stretch>
-            <a:fillRect/>
-          </a:stretch>
-        </p:blipFill>
-        <p:spPr>
-          <a:xfrm rot="18856160" flipH="1">
-            <a:off x="10567295" y="2445473"/>
-            <a:ext cx="1139372" cy="1080641"/>
-          </a:xfrm>
-          <a:prstGeom prst="rect">
-            <a:avLst/>
-          </a:prstGeom>
-        </p:spPr>
-      </p:pic>
-      <p:pic>
-        <p:nvPicPr>
-          <p:cNvPr id="15" name="Imagem 14">
-            <a:extLst>
-              <a:ext uri="{FF2B5EF4-FFF2-40B4-BE49-F238E27FC236}">
-                <a16:creationId xmlns:a16="http://schemas.microsoft.com/office/drawing/2014/main" id="{F87A1517-848C-4E6C-94AB-26EB04F71A56}"/>
-              </a:ext>
-            </a:extLst>
-          </p:cNvPr>
-          <p:cNvPicPr>
-            <a:picLocks noChangeAspect="1"/>
-          </p:cNvPicPr>
-          <p:nvPr/>
-        </p:nvPicPr>
-        <p:blipFill>
-          <a:blip r:embed="rId5">
-            <a:extLst>
-              <a:ext uri="{BEBA8EAE-BF5A-486C-A8C5-ECC9F3942E4B}">
-                <a14:imgProps xmlns:a14="http://schemas.microsoft.com/office/drawing/2010/main">
-                  <a14:imgLayer r:embed="rId6">
-                    <a14:imgEffect>
-                      <a14:backgroundRemoval t="10000" b="90000" l="10000" r="90000">
-                        <a14:foregroundMark x1="46392" y1="79348" x2="46392" y2="79348"/>
-                      </a14:backgroundRemoval>
-                    </a14:imgEffect>
-                  </a14:imgLayer>
-                </a14:imgProps>
-              </a:ext>
-            </a:extLst>
-          </a:blip>
-          <a:stretch>
-            <a:fillRect/>
-          </a:stretch>
-        </p:blipFill>
-        <p:spPr>
-          <a:xfrm rot="17890745" flipH="1">
-            <a:off x="10289514" y="557778"/>
-            <a:ext cx="1214654" cy="1152042"/>
-          </a:xfrm>
-          <a:prstGeom prst="rect">
-            <a:avLst/>
-          </a:prstGeom>
-        </p:spPr>
-      </p:pic>
-      <p:pic>
-        <p:nvPicPr>
-          <p:cNvPr id="17" name="Imagem 16">
-            <a:extLst>
-              <a:ext uri="{FF2B5EF4-FFF2-40B4-BE49-F238E27FC236}">
-                <a16:creationId xmlns:a16="http://schemas.microsoft.com/office/drawing/2014/main" id="{7528D509-E5BE-474E-B352-28E44352BD38}"/>
-              </a:ext>
-            </a:extLst>
-          </p:cNvPr>
-          <p:cNvPicPr>
-            <a:picLocks noChangeAspect="1"/>
-          </p:cNvPicPr>
-          <p:nvPr/>
-        </p:nvPicPr>
-        <p:blipFill>
-          <a:blip r:embed="rId5">
-            <a:extLst>
-              <a:ext uri="{BEBA8EAE-BF5A-486C-A8C5-ECC9F3942E4B}">
-                <a14:imgProps xmlns:a14="http://schemas.microsoft.com/office/drawing/2010/main">
-                  <a14:imgLayer r:embed="rId6">
-                    <a14:imgEffect>
-                      <a14:backgroundRemoval t="10000" b="90000" l="10000" r="90000">
-                        <a14:foregroundMark x1="46392" y1="79348" x2="46392" y2="79348"/>
-                      </a14:backgroundRemoval>
-                    </a14:imgEffect>
-                  </a14:imgLayer>
-                </a14:imgProps>
-              </a:ext>
-            </a:extLst>
-          </a:blip>
-          <a:stretch>
-            <a:fillRect/>
-          </a:stretch>
-        </p:blipFill>
-        <p:spPr>
-          <a:xfrm rot="18856160" flipH="1">
-            <a:off x="10107922" y="1793953"/>
-            <a:ext cx="1139372" cy="1080641"/>
-          </a:xfrm>
-          <a:prstGeom prst="rect">
-            <a:avLst/>
-          </a:prstGeom>
-        </p:spPr>
-      </p:pic>
-      <p:pic>
-        <p:nvPicPr>
-          <p:cNvPr id="19" name="Imagem 18">
-            <a:extLst>
-              <a:ext uri="{FF2B5EF4-FFF2-40B4-BE49-F238E27FC236}">
-                <a16:creationId xmlns:a16="http://schemas.microsoft.com/office/drawing/2014/main" id="{10BC69EF-600C-4C87-8B02-BA6BFC3B87A8}"/>
-              </a:ext>
-            </a:extLst>
-          </p:cNvPr>
-          <p:cNvPicPr>
-            <a:picLocks noChangeAspect="1"/>
-          </p:cNvPicPr>
-          <p:nvPr/>
-        </p:nvPicPr>
-        <p:blipFill>
-          <a:blip r:embed="rId7">
-            <a:extLst>
-              <a:ext uri="{BEBA8EAE-BF5A-486C-A8C5-ECC9F3942E4B}">
-                <a14:imgProps xmlns:a14="http://schemas.microsoft.com/office/drawing/2010/main">
-                  <a14:imgLayer r:embed="rId8">
-                    <a14:imgEffect>
-                      <a14:backgroundRemoval t="10000" b="90000" l="10000" r="90000">
-                        <a14:foregroundMark x1="78075" y1="54000" x2="78075" y2="54000"/>
-                        <a14:foregroundMark x1="78075" y1="69000" x2="78075" y2="69000"/>
-                      </a14:backgroundRemoval>
-                    </a14:imgEffect>
-                  </a14:imgLayer>
-                </a14:imgProps>
-              </a:ext>
-            </a:extLst>
-          </a:blip>
-          <a:stretch>
-            <a:fillRect/>
-          </a:stretch>
-        </p:blipFill>
-        <p:spPr>
-          <a:xfrm>
-            <a:off x="3572907" y="1395694"/>
-            <a:ext cx="1804542" cy="838347"/>
-          </a:xfrm>
-          <a:prstGeom prst="rect">
-            <a:avLst/>
-          </a:prstGeom>
-        </p:spPr>
-      </p:pic>
-      <p:pic>
-        <p:nvPicPr>
-          <p:cNvPr id="21" name="Imagem 20">
-            <a:extLst>
-              <a:ext uri="{FF2B5EF4-FFF2-40B4-BE49-F238E27FC236}">
-                <a16:creationId xmlns:a16="http://schemas.microsoft.com/office/drawing/2014/main" id="{DEF1180F-6E09-4248-AEBE-C18909910CEF}"/>
-              </a:ext>
-            </a:extLst>
-          </p:cNvPr>
-          <p:cNvPicPr>
-            <a:picLocks noChangeAspect="1"/>
-          </p:cNvPicPr>
-          <p:nvPr/>
-        </p:nvPicPr>
-        <p:blipFill>
-          <a:blip r:embed="rId9">
-            <a:extLst>
-              <a:ext uri="{BEBA8EAE-BF5A-486C-A8C5-ECC9F3942E4B}">
-                <a14:imgProps xmlns:a14="http://schemas.microsoft.com/office/drawing/2010/main">
-                  <a14:imgLayer r:embed="rId10">
-                    <a14:imgEffect>
-                      <a14:backgroundRemoval t="9868" b="89474" l="9581" r="91018">
-                        <a14:foregroundMark x1="78443" y1="53947" x2="78443" y2="53947"/>
-                        <a14:foregroundMark x1="91018" y1="67105" x2="91018" y2="67105"/>
-                      </a14:backgroundRemoval>
-                    </a14:imgEffect>
-                  </a14:imgLayer>
-                </a14:imgProps>
-              </a:ext>
-            </a:extLst>
-          </a:blip>
-          <a:stretch>
-            <a:fillRect/>
-          </a:stretch>
-        </p:blipFill>
-        <p:spPr>
-          <a:xfrm rot="18358620">
-            <a:off x="11082936" y="3742761"/>
-            <a:ext cx="721687" cy="656865"/>
-          </a:xfrm>
-          <a:prstGeom prst="rect">
-            <a:avLst/>
-          </a:prstGeom>
-        </p:spPr>
-      </p:pic>
-      <p:sp>
-        <p:nvSpPr>
-          <p:cNvPr id="22" name="CaixaDeTexto 21">
-            <a:extLst>
-              <a:ext uri="{FF2B5EF4-FFF2-40B4-BE49-F238E27FC236}">
-                <a16:creationId xmlns:a16="http://schemas.microsoft.com/office/drawing/2014/main" id="{23766680-2F1B-413D-9A2F-4734BA53E6CF}"/>
-              </a:ext>
-            </a:extLst>
-          </p:cNvPr>
-          <p:cNvSpPr txBox="1"/>
-          <p:nvPr/>
-        </p:nvSpPr>
-        <p:spPr>
-          <a:xfrm>
-            <a:off x="114046" y="5696980"/>
-            <a:ext cx="2184911" cy="523220"/>
-          </a:xfrm>
-          <a:prstGeom prst="rect">
-            <a:avLst/>
-          </a:prstGeom>
-          <a:noFill/>
-        </p:spPr>
-        <p:txBody>
-          <a:bodyPr wrap="square" rtlCol="0">
-            <a:spAutoFit/>
-          </a:bodyPr>
-          <a:lstStyle/>
-          <a:p>
-            <a:pPr algn="ctr"/>
-            <a:r>
-              <a:rPr lang="pt-BR" sz="1400" dirty="0"/>
-              <a:t>Envio de notificação via SLACK/TELEGRAM</a:t>
-            </a:r>
-          </a:p>
-        </p:txBody>
-      </p:sp>
-      <p:sp>
-        <p:nvSpPr>
-          <p:cNvPr id="23" name="CaixaDeTexto 22">
-            <a:extLst>
-              <a:ext uri="{FF2B5EF4-FFF2-40B4-BE49-F238E27FC236}">
-                <a16:creationId xmlns:a16="http://schemas.microsoft.com/office/drawing/2014/main" id="{D2DA3490-3FEE-44C4-A133-C0D56E40AA2D}"/>
-              </a:ext>
-            </a:extLst>
-          </p:cNvPr>
-          <p:cNvSpPr txBox="1"/>
-          <p:nvPr/>
-        </p:nvSpPr>
-        <p:spPr>
-          <a:xfrm>
-            <a:off x="48368" y="0"/>
-            <a:ext cx="2292102" cy="369332"/>
-          </a:xfrm>
-          <a:prstGeom prst="rect">
-            <a:avLst/>
-          </a:prstGeom>
-          <a:noFill/>
-        </p:spPr>
-        <p:txBody>
-          <a:bodyPr wrap="none" rtlCol="0">
-            <a:spAutoFit/>
-          </a:bodyPr>
-          <a:lstStyle/>
-          <a:p>
-            <a:r>
-              <a:rPr lang="pt-BR" b="1" dirty="0"/>
-              <a:t>Diagrama de software</a:t>
-            </a:r>
-          </a:p>
-        </p:txBody>
-      </p:sp>
-      <p:pic>
-        <p:nvPicPr>
-          <p:cNvPr id="2" name="Imagem 1" descr="Ícone&#10;&#10;Descrição gerada automaticamente">
-            <a:extLst>
-              <a:ext uri="{FF2B5EF4-FFF2-40B4-BE49-F238E27FC236}">
-                <a16:creationId xmlns:a16="http://schemas.microsoft.com/office/drawing/2014/main" id="{BA699E74-5B64-47EA-9165-D911EE46E932}"/>
-              </a:ext>
-            </a:extLst>
-          </p:cNvPr>
-          <p:cNvPicPr>
-            <a:picLocks noChangeAspect="1"/>
-          </p:cNvPicPr>
-          <p:nvPr/>
-        </p:nvPicPr>
-        <p:blipFill>
-          <a:blip r:embed="rId11">
-            <a:extLst>
-              <a:ext uri="{28A0092B-C50C-407E-A947-70E740481C1C}">
-                <a14:useLocalDpi xmlns:a14="http://schemas.microsoft.com/office/drawing/2010/main" val="0"/>
-              </a:ext>
-            </a:extLst>
-          </a:blip>
-          <a:stretch>
-            <a:fillRect/>
-          </a:stretch>
-        </p:blipFill>
-        <p:spPr>
-          <a:xfrm>
-            <a:off x="6269185" y="4488066"/>
-            <a:ext cx="1377101" cy="1377101"/>
-          </a:xfrm>
-          <a:prstGeom prst="rect">
-            <a:avLst/>
-          </a:prstGeom>
-        </p:spPr>
-      </p:pic>
-      <p:sp>
-        <p:nvSpPr>
-          <p:cNvPr id="3" name="CaixaDeTexto 2">
-            <a:extLst>
-              <a:ext uri="{FF2B5EF4-FFF2-40B4-BE49-F238E27FC236}">
-                <a16:creationId xmlns:a16="http://schemas.microsoft.com/office/drawing/2014/main" id="{12698B27-EEA4-4DBD-9A80-CAFCF20FA141}"/>
-              </a:ext>
-            </a:extLst>
-          </p:cNvPr>
-          <p:cNvSpPr txBox="1"/>
-          <p:nvPr/>
-        </p:nvSpPr>
-        <p:spPr>
-          <a:xfrm>
-            <a:off x="3713774" y="1377207"/>
-            <a:ext cx="1663675" cy="369332"/>
-          </a:xfrm>
-          <a:prstGeom prst="rect">
-            <a:avLst/>
-          </a:prstGeom>
-          <a:noFill/>
-        </p:spPr>
-        <p:txBody>
-          <a:bodyPr wrap="square" rtlCol="0">
-            <a:spAutoFit/>
-          </a:bodyPr>
-          <a:lstStyle/>
-          <a:p>
-            <a:r>
-              <a:rPr lang="pt-BR" dirty="0"/>
-              <a:t>INSERT, SELECT</a:t>
-            </a:r>
-          </a:p>
-        </p:txBody>
-      </p:sp>
-      <p:pic>
-        <p:nvPicPr>
-          <p:cNvPr id="4" name="Imagem 3">
-            <a:extLst>
-              <a:ext uri="{FF2B5EF4-FFF2-40B4-BE49-F238E27FC236}">
-                <a16:creationId xmlns:a16="http://schemas.microsoft.com/office/drawing/2014/main" id="{B71764C5-7397-4D32-AA5A-06528DA281B0}"/>
-              </a:ext>
-            </a:extLst>
-          </p:cNvPr>
-          <p:cNvPicPr>
-            <a:picLocks noChangeAspect="1"/>
-          </p:cNvPicPr>
-          <p:nvPr/>
-        </p:nvPicPr>
-        <p:blipFill>
-          <a:blip r:embed="rId7">
-            <a:extLst>
-              <a:ext uri="{BEBA8EAE-BF5A-486C-A8C5-ECC9F3942E4B}">
-                <a14:imgProps xmlns:a14="http://schemas.microsoft.com/office/drawing/2010/main">
-                  <a14:imgLayer r:embed="rId8">
-                    <a14:imgEffect>
-                      <a14:backgroundRemoval t="10000" b="90000" l="10000" r="90000">
-                        <a14:foregroundMark x1="78075" y1="54000" x2="78075" y2="54000"/>
-                        <a14:foregroundMark x1="78075" y1="69000" x2="78075" y2="69000"/>
-                      </a14:backgroundRemoval>
-                    </a14:imgEffect>
-                  </a14:imgLayer>
-                </a14:imgProps>
-              </a:ext>
-            </a:extLst>
-          </a:blip>
-          <a:stretch>
-            <a:fillRect/>
-          </a:stretch>
-        </p:blipFill>
-        <p:spPr>
-          <a:xfrm rot="5400000">
-            <a:off x="6055463" y="3095937"/>
-            <a:ext cx="1804542" cy="838347"/>
-          </a:xfrm>
-          <a:prstGeom prst="rect">
-            <a:avLst/>
-          </a:prstGeom>
-        </p:spPr>
-      </p:pic>
-      <p:pic>
-        <p:nvPicPr>
-          <p:cNvPr id="6" name="Imagem 5">
-            <a:extLst>
-              <a:ext uri="{FF2B5EF4-FFF2-40B4-BE49-F238E27FC236}">
-                <a16:creationId xmlns:a16="http://schemas.microsoft.com/office/drawing/2014/main" id="{B4CAAA66-7BB7-49AB-B586-F2A5435D073F}"/>
-              </a:ext>
-            </a:extLst>
-          </p:cNvPr>
-          <p:cNvPicPr>
-            <a:picLocks noChangeAspect="1"/>
-          </p:cNvPicPr>
-          <p:nvPr/>
-        </p:nvPicPr>
-        <p:blipFill>
-          <a:blip r:embed="rId7">
-            <a:extLst>
-              <a:ext uri="{BEBA8EAE-BF5A-486C-A8C5-ECC9F3942E4B}">
-                <a14:imgProps xmlns:a14="http://schemas.microsoft.com/office/drawing/2010/main">
-                  <a14:imgLayer r:embed="rId8">
-                    <a14:imgEffect>
-                      <a14:backgroundRemoval t="10000" b="90000" l="10000" r="90000">
-                        <a14:foregroundMark x1="78075" y1="54000" x2="78075" y2="54000"/>
-                        <a14:foregroundMark x1="78075" y1="69000" x2="78075" y2="69000"/>
-                      </a14:backgroundRemoval>
-                    </a14:imgEffect>
-                  </a14:imgLayer>
-                </a14:imgProps>
-              </a:ext>
-            </a:extLst>
-          </a:blip>
-          <a:stretch>
-            <a:fillRect/>
-          </a:stretch>
-        </p:blipFill>
-        <p:spPr>
-          <a:xfrm rot="5400000">
-            <a:off x="367025" y="3048462"/>
-            <a:ext cx="1804542" cy="838347"/>
-          </a:xfrm>
-          <a:prstGeom prst="rect">
-            <a:avLst/>
-          </a:prstGeom>
-        </p:spPr>
-      </p:pic>
-      <p:sp>
-        <p:nvSpPr>
-          <p:cNvPr id="7" name="CaixaDeTexto 6">
-            <a:extLst>
-              <a:ext uri="{FF2B5EF4-FFF2-40B4-BE49-F238E27FC236}">
-                <a16:creationId xmlns:a16="http://schemas.microsoft.com/office/drawing/2014/main" id="{F479BD3F-053E-41BF-B4F6-204271B06509}"/>
-              </a:ext>
-            </a:extLst>
-          </p:cNvPr>
-          <p:cNvSpPr txBox="1"/>
-          <p:nvPr/>
-        </p:nvSpPr>
-        <p:spPr>
-          <a:xfrm rot="16200000">
-            <a:off x="6719015" y="3132139"/>
-            <a:ext cx="846770" cy="369332"/>
-          </a:xfrm>
-          <a:prstGeom prst="rect">
-            <a:avLst/>
-          </a:prstGeom>
-          <a:noFill/>
-        </p:spPr>
-        <p:txBody>
-          <a:bodyPr wrap="none" rtlCol="0">
-            <a:spAutoFit/>
-          </a:bodyPr>
-          <a:lstStyle/>
-          <a:p>
-            <a:r>
-              <a:rPr lang="pt-BR" dirty="0"/>
-              <a:t>SELECT</a:t>
-            </a:r>
-          </a:p>
-        </p:txBody>
-      </p:sp>
-      <p:sp>
-        <p:nvSpPr>
-          <p:cNvPr id="10" name="Retângulo: Cantos Diagonais Arredondados 9">
-            <a:extLst>
-              <a:ext uri="{FF2B5EF4-FFF2-40B4-BE49-F238E27FC236}">
-                <a16:creationId xmlns:a16="http://schemas.microsoft.com/office/drawing/2014/main" id="{9E1FA0FD-0A2E-435A-BE99-AC656FD0C817}"/>
-              </a:ext>
-            </a:extLst>
-          </p:cNvPr>
-          <p:cNvSpPr/>
-          <p:nvPr/>
-        </p:nvSpPr>
-        <p:spPr>
-          <a:xfrm>
-            <a:off x="1986728" y="974966"/>
-            <a:ext cx="1663675" cy="1380171"/>
-          </a:xfrm>
-          <a:prstGeom prst="round2DiagRect">
-            <a:avLst/>
-          </a:prstGeom>
-          <a:noFill/>
-          <a:ln>
-            <a:solidFill>
-              <a:srgbClr val="C00000"/>
-            </a:solidFill>
-          </a:ln>
-        </p:spPr>
-        <p:style>
-          <a:lnRef idx="2">
-            <a:schemeClr val="accent1">
-              <a:shade val="50000"/>
-            </a:schemeClr>
-          </a:lnRef>
-          <a:fillRef idx="1">
-            <a:schemeClr val="accent1"/>
-          </a:fillRef>
-          <a:effectRef idx="0">
-            <a:schemeClr val="accent1"/>
-          </a:effectRef>
-          <a:fontRef idx="minor">
-            <a:schemeClr val="lt1"/>
-          </a:fontRef>
-        </p:style>
-        <p:txBody>
-          <a:bodyPr rtlCol="0" anchor="ctr"/>
-          <a:lstStyle/>
-          <a:p>
-            <a:pPr algn="ctr"/>
-            <a:endParaRPr lang="pt-BR"/>
-          </a:p>
-        </p:txBody>
-      </p:sp>
-      <p:sp>
-        <p:nvSpPr>
-          <p:cNvPr id="12" name="Retângulo: Cantos Arredondados 11">
-            <a:extLst>
-              <a:ext uri="{FF2B5EF4-FFF2-40B4-BE49-F238E27FC236}">
-                <a16:creationId xmlns:a16="http://schemas.microsoft.com/office/drawing/2014/main" id="{48095C1B-21B5-4D58-9BDB-2994E0D3C828}"/>
-              </a:ext>
-            </a:extLst>
-          </p:cNvPr>
-          <p:cNvSpPr/>
-          <p:nvPr/>
-        </p:nvSpPr>
-        <p:spPr>
-          <a:xfrm>
-            <a:off x="2106973" y="1047427"/>
-            <a:ext cx="1465934" cy="227171"/>
-          </a:xfrm>
-          <a:prstGeom prst="roundRect">
-            <a:avLst/>
-          </a:prstGeom>
-          <a:noFill/>
-          <a:ln>
-            <a:solidFill>
-              <a:srgbClr val="C00000"/>
-            </a:solidFill>
-          </a:ln>
-        </p:spPr>
-        <p:style>
-          <a:lnRef idx="2">
-            <a:schemeClr val="accent1">
-              <a:shade val="50000"/>
-            </a:schemeClr>
-          </a:lnRef>
-          <a:fillRef idx="1">
-            <a:schemeClr val="accent1"/>
-          </a:fillRef>
-          <a:effectRef idx="0">
-            <a:schemeClr val="accent1"/>
-          </a:effectRef>
-          <a:fontRef idx="minor">
-            <a:schemeClr val="lt1"/>
-          </a:fontRef>
-        </p:style>
-        <p:txBody>
-          <a:bodyPr rtlCol="0" anchor="ctr"/>
-          <a:lstStyle/>
-          <a:p>
-            <a:pPr algn="ctr"/>
-            <a:r>
-              <a:rPr lang="pt-BR" dirty="0">
-                <a:solidFill>
-                  <a:schemeClr val="tx1"/>
-                </a:solidFill>
-              </a:rPr>
-              <a:t>OSHI</a:t>
-            </a:r>
-          </a:p>
-        </p:txBody>
-      </p:sp>
-      <p:sp>
-        <p:nvSpPr>
-          <p:cNvPr id="14" name="Retângulo: Cantos Arredondados 13">
-            <a:extLst>
-              <a:ext uri="{FF2B5EF4-FFF2-40B4-BE49-F238E27FC236}">
-                <a16:creationId xmlns:a16="http://schemas.microsoft.com/office/drawing/2014/main" id="{6DF7A7E0-E401-4DA6-A5FD-5D64822784EA}"/>
-              </a:ext>
-            </a:extLst>
-          </p:cNvPr>
-          <p:cNvSpPr/>
-          <p:nvPr/>
-        </p:nvSpPr>
-        <p:spPr>
-          <a:xfrm>
-            <a:off x="2106973" y="1322008"/>
-            <a:ext cx="1465934" cy="227171"/>
-          </a:xfrm>
-          <a:prstGeom prst="roundRect">
-            <a:avLst/>
-          </a:prstGeom>
-          <a:noFill/>
-          <a:ln>
-            <a:solidFill>
-              <a:srgbClr val="C00000"/>
-            </a:solidFill>
-          </a:ln>
-        </p:spPr>
-        <p:style>
-          <a:lnRef idx="2">
-            <a:schemeClr val="accent1">
-              <a:shade val="50000"/>
-            </a:schemeClr>
-          </a:lnRef>
-          <a:fillRef idx="1">
-            <a:schemeClr val="accent1"/>
-          </a:fillRef>
-          <a:effectRef idx="0">
-            <a:schemeClr val="accent1"/>
-          </a:effectRef>
-          <a:fontRef idx="minor">
-            <a:schemeClr val="lt1"/>
-          </a:fontRef>
-        </p:style>
-        <p:txBody>
-          <a:bodyPr rtlCol="0" anchor="ctr"/>
-          <a:lstStyle/>
-          <a:p>
-            <a:pPr algn="ctr"/>
-            <a:r>
-              <a:rPr lang="pt-BR" dirty="0">
-                <a:solidFill>
-                  <a:schemeClr val="tx1"/>
-                </a:solidFill>
-              </a:rPr>
-              <a:t>SWING</a:t>
-            </a:r>
-          </a:p>
-        </p:txBody>
-      </p:sp>
-    </p:spTree>
-    <p:extLst>
-      <p:ext uri="{BB962C8B-B14F-4D97-AF65-F5344CB8AC3E}">
-        <p14:creationId xmlns:p14="http://schemas.microsoft.com/office/powerpoint/2010/main" val="310172190"/>
-      </p:ext>
-    </p:extLst>
-  </p:cSld>
-  <p:clrMapOvr>
-    <a:masterClrMapping/>
-  </p:clrMapOvr>
-</p:sld>
-</file>
-
-<file path=ppt/slides/slide5.xml><?xml version="1.0" encoding="utf-8"?>
-<p:sld xmlns:a="http://schemas.openxmlformats.org/drawingml/2006/main" xmlns:r="http://schemas.openxmlformats.org/officeDocument/2006/relationships" xmlns:p="http://schemas.openxmlformats.org/presentationml/2006/main">
-  <p:cSld>
-    <p:spTree>
-      <p:nvGrpSpPr>
-        <p:cNvPr id="1" name=""/>
-        <p:cNvGrpSpPr/>
-        <p:nvPr/>
-      </p:nvGrpSpPr>
-      <p:grpSpPr>
-        <a:xfrm>
-          <a:off x="0" y="0"/>
-          <a:ext cx="0" cy="0"/>
-          <a:chOff x="0" y="0"/>
-          <a:chExt cx="0" cy="0"/>
-        </a:xfrm>
-      </p:grpSpPr>
-      <p:pic>
-        <p:nvPicPr>
-          <p:cNvPr id="16" name="Imagem 15">
-            <a:extLst>
-              <a:ext uri="{FF2B5EF4-FFF2-40B4-BE49-F238E27FC236}">
-                <a16:creationId xmlns:a16="http://schemas.microsoft.com/office/drawing/2014/main" id="{F080E30E-48F9-44E0-BB36-75BC3D0889E5}"/>
-              </a:ext>
-            </a:extLst>
-          </p:cNvPr>
-          <p:cNvPicPr>
-            <a:picLocks noChangeAspect="1"/>
-          </p:cNvPicPr>
-          <p:nvPr/>
-        </p:nvPicPr>
-        <p:blipFill>
-          <a:blip r:embed="rId2">
-            <a:extLst>
-              <a:ext uri="{28A0092B-C50C-407E-A947-70E740481C1C}">
-                <a14:useLocalDpi xmlns:a14="http://schemas.microsoft.com/office/drawing/2010/main" val="0"/>
-              </a:ext>
-            </a:extLst>
-          </a:blip>
-          <a:stretch>
-            <a:fillRect/>
-          </a:stretch>
-        </p:blipFill>
-        <p:spPr>
-          <a:xfrm>
-            <a:off x="2707588" y="5397634"/>
-            <a:ext cx="1240498" cy="979740"/>
-          </a:xfrm>
-          <a:prstGeom prst="rect">
-            <a:avLst/>
-          </a:prstGeom>
-        </p:spPr>
-      </p:pic>
-      <p:pic>
-        <p:nvPicPr>
-          <p:cNvPr id="26" name="Imagem 25">
-            <a:extLst>
-              <a:ext uri="{FF2B5EF4-FFF2-40B4-BE49-F238E27FC236}">
-                <a16:creationId xmlns:a16="http://schemas.microsoft.com/office/drawing/2014/main" id="{C9BA60CF-EE2A-4753-B028-FFAAD68A14CF}"/>
-              </a:ext>
-            </a:extLst>
-          </p:cNvPr>
-          <p:cNvPicPr>
-            <a:picLocks noChangeAspect="1"/>
-          </p:cNvPicPr>
-          <p:nvPr/>
-        </p:nvPicPr>
-        <p:blipFill>
-          <a:blip r:embed="rId3">
-            <a:extLst>
-              <a:ext uri="{28A0092B-C50C-407E-A947-70E740481C1C}">
-                <a14:useLocalDpi xmlns:a14="http://schemas.microsoft.com/office/drawing/2010/main" val="0"/>
-              </a:ext>
-            </a:extLst>
-          </a:blip>
-          <a:stretch>
-            <a:fillRect/>
-          </a:stretch>
-        </p:blipFill>
-        <p:spPr>
-          <a:xfrm>
-            <a:off x="2729119" y="3697182"/>
-            <a:ext cx="817927" cy="817927"/>
-          </a:xfrm>
-          <a:prstGeom prst="rect">
-            <a:avLst/>
-          </a:prstGeom>
-        </p:spPr>
-      </p:pic>
-      <p:cxnSp>
-        <p:nvCxnSpPr>
-          <p:cNvPr id="28" name="Conector: Curvo 27">
-            <a:extLst>
-              <a:ext uri="{FF2B5EF4-FFF2-40B4-BE49-F238E27FC236}">
-                <a16:creationId xmlns:a16="http://schemas.microsoft.com/office/drawing/2014/main" id="{FCCB8A71-8097-4DA8-9661-AD0C34FFD1EC}"/>
-              </a:ext>
-            </a:extLst>
-          </p:cNvPr>
-          <p:cNvCxnSpPr>
-            <a:cxnSpLocks/>
-          </p:cNvCxnSpPr>
-          <p:nvPr/>
-        </p:nvCxnSpPr>
-        <p:spPr>
-          <a:xfrm rot="16200000" flipV="1">
-            <a:off x="3001467" y="4626313"/>
-            <a:ext cx="654602" cy="511735"/>
-          </a:xfrm>
-          <a:prstGeom prst="curvedConnector3">
-            <a:avLst>
-              <a:gd name="adj1" fmla="val 50000"/>
-            </a:avLst>
-          </a:prstGeom>
-          <a:ln>
-            <a:tailEnd type="triangle"/>
-          </a:ln>
-        </p:spPr>
-        <p:style>
-          <a:lnRef idx="1">
-            <a:schemeClr val="dk1"/>
-          </a:lnRef>
-          <a:fillRef idx="0">
-            <a:schemeClr val="dk1"/>
-          </a:fillRef>
-          <a:effectRef idx="0">
-            <a:schemeClr val="dk1"/>
-          </a:effectRef>
-          <a:fontRef idx="minor">
-            <a:schemeClr val="tx1"/>
-          </a:fontRef>
-        </p:style>
-      </p:cxnSp>
-      <p:pic>
-        <p:nvPicPr>
-          <p:cNvPr id="39" name="Imagem 38">
-            <a:extLst>
-              <a:ext uri="{FF2B5EF4-FFF2-40B4-BE49-F238E27FC236}">
-                <a16:creationId xmlns:a16="http://schemas.microsoft.com/office/drawing/2014/main" id="{A81C007A-8E4E-4DD2-80DD-81450FFA1191}"/>
-              </a:ext>
-            </a:extLst>
-          </p:cNvPr>
-          <p:cNvPicPr>
-            <a:picLocks noChangeAspect="1"/>
-          </p:cNvPicPr>
-          <p:nvPr/>
-        </p:nvPicPr>
-        <p:blipFill>
-          <a:blip r:embed="rId4">
-            <a:extLst>
-              <a:ext uri="{28A0092B-C50C-407E-A947-70E740481C1C}">
-                <a14:useLocalDpi xmlns:a14="http://schemas.microsoft.com/office/drawing/2010/main" val="0"/>
-              </a:ext>
-            </a:extLst>
-          </a:blip>
-          <a:stretch>
-            <a:fillRect/>
-          </a:stretch>
-        </p:blipFill>
-        <p:spPr>
-          <a:xfrm>
-            <a:off x="1893982" y="2774975"/>
-            <a:ext cx="567263" cy="567263"/>
-          </a:xfrm>
-          <a:prstGeom prst="rect">
-            <a:avLst/>
-          </a:prstGeom>
-        </p:spPr>
-      </p:pic>
-      <p:pic>
-        <p:nvPicPr>
-          <p:cNvPr id="64" name="Imagem 63">
-            <a:extLst>
-              <a:ext uri="{FF2B5EF4-FFF2-40B4-BE49-F238E27FC236}">
-                <a16:creationId xmlns:a16="http://schemas.microsoft.com/office/drawing/2014/main" id="{D9BAB039-6E5B-4B28-AA6F-C86923CDD340}"/>
-              </a:ext>
-            </a:extLst>
-          </p:cNvPr>
-          <p:cNvPicPr>
-            <a:picLocks noChangeAspect="1"/>
-          </p:cNvPicPr>
-          <p:nvPr/>
-        </p:nvPicPr>
-        <p:blipFill>
-          <a:blip r:embed="rId5">
-            <a:extLst>
-              <a:ext uri="{28A0092B-C50C-407E-A947-70E740481C1C}">
-                <a14:useLocalDpi xmlns:a14="http://schemas.microsoft.com/office/drawing/2010/main" val="0"/>
-              </a:ext>
-            </a:extLst>
-          </a:blip>
-          <a:stretch>
-            <a:fillRect/>
-          </a:stretch>
-        </p:blipFill>
-        <p:spPr>
-          <a:xfrm>
-            <a:off x="5223924" y="1915005"/>
-            <a:ext cx="979740" cy="979740"/>
-          </a:xfrm>
-          <a:prstGeom prst="rect">
-            <a:avLst/>
-          </a:prstGeom>
-        </p:spPr>
-      </p:pic>
-      <p:cxnSp>
-        <p:nvCxnSpPr>
-          <p:cNvPr id="66" name="Conector de Seta Reta 65">
-            <a:extLst>
-              <a:ext uri="{FF2B5EF4-FFF2-40B4-BE49-F238E27FC236}">
-                <a16:creationId xmlns:a16="http://schemas.microsoft.com/office/drawing/2014/main" id="{83E469DC-846C-418D-853A-714F63F2B8DA}"/>
-              </a:ext>
-            </a:extLst>
-          </p:cNvPr>
-          <p:cNvCxnSpPr>
-            <a:cxnSpLocks/>
-          </p:cNvCxnSpPr>
-          <p:nvPr/>
-        </p:nvCxnSpPr>
-        <p:spPr>
-          <a:xfrm flipH="1" flipV="1">
-            <a:off x="2267310" y="3402693"/>
-            <a:ext cx="444194" cy="422101"/>
-          </a:xfrm>
-          <a:prstGeom prst="straightConnector1">
-            <a:avLst/>
-          </a:prstGeom>
-          <a:ln w="9525" cap="flat" cmpd="sng" algn="ctr">
-            <a:solidFill>
-              <a:schemeClr val="dk1"/>
-            </a:solidFill>
-            <a:prstDash val="solid"/>
-            <a:round/>
-            <a:headEnd type="arrow" w="med" len="med"/>
-            <a:tailEnd type="arrow" w="med" len="med"/>
-          </a:ln>
-        </p:spPr>
-        <p:style>
-          <a:lnRef idx="0">
-            <a:scrgbClr r="0" g="0" b="0"/>
-          </a:lnRef>
-          <a:fillRef idx="0">
-            <a:scrgbClr r="0" g="0" b="0"/>
-          </a:fillRef>
-          <a:effectRef idx="0">
-            <a:scrgbClr r="0" g="0" b="0"/>
-          </a:effectRef>
-          <a:fontRef idx="minor">
-            <a:schemeClr val="tx1"/>
-          </a:fontRef>
-        </p:style>
-      </p:cxnSp>
-      <p:cxnSp>
-        <p:nvCxnSpPr>
-          <p:cNvPr id="68" name="Conector de Seta Reta 67">
-            <a:extLst>
-              <a:ext uri="{FF2B5EF4-FFF2-40B4-BE49-F238E27FC236}">
-                <a16:creationId xmlns:a16="http://schemas.microsoft.com/office/drawing/2014/main" id="{8C10B952-8765-4D4B-A28B-A6F214A05649}"/>
-              </a:ext>
-            </a:extLst>
-          </p:cNvPr>
-          <p:cNvCxnSpPr>
-            <a:cxnSpLocks/>
-          </p:cNvCxnSpPr>
-          <p:nvPr/>
-        </p:nvCxnSpPr>
-        <p:spPr>
-          <a:xfrm flipV="1">
-            <a:off x="2558678" y="2454452"/>
-            <a:ext cx="2325495" cy="541143"/>
-          </a:xfrm>
-          <a:prstGeom prst="straightConnector1">
-            <a:avLst/>
-          </a:prstGeom>
-          <a:ln w="9525" cap="flat" cmpd="sng" algn="ctr">
-            <a:solidFill>
-              <a:schemeClr val="dk1"/>
-            </a:solidFill>
-            <a:prstDash val="solid"/>
-            <a:round/>
-            <a:headEnd type="arrow" w="med" len="med"/>
-            <a:tailEnd type="arrow" w="med" len="med"/>
-          </a:ln>
-        </p:spPr>
-        <p:style>
-          <a:lnRef idx="0">
-            <a:scrgbClr r="0" g="0" b="0"/>
-          </a:lnRef>
-          <a:fillRef idx="0">
-            <a:scrgbClr r="0" g="0" b="0"/>
-          </a:fillRef>
-          <a:effectRef idx="0">
-            <a:scrgbClr r="0" g="0" b="0"/>
-          </a:effectRef>
-          <a:fontRef idx="minor">
-            <a:schemeClr val="tx1"/>
-          </a:fontRef>
-        </p:style>
-      </p:cxnSp>
-      <p:pic>
-        <p:nvPicPr>
-          <p:cNvPr id="70" name="Imagem 69">
-            <a:extLst>
-              <a:ext uri="{FF2B5EF4-FFF2-40B4-BE49-F238E27FC236}">
-                <a16:creationId xmlns:a16="http://schemas.microsoft.com/office/drawing/2014/main" id="{0FF3220E-6800-4984-A6F3-8C52C069A45C}"/>
-              </a:ext>
-            </a:extLst>
-          </p:cNvPr>
-          <p:cNvPicPr>
-            <a:picLocks noChangeAspect="1"/>
-          </p:cNvPicPr>
-          <p:nvPr/>
-        </p:nvPicPr>
-        <p:blipFill>
-          <a:blip r:embed="rId4">
-            <a:extLst>
-              <a:ext uri="{28A0092B-C50C-407E-A947-70E740481C1C}">
-                <a14:useLocalDpi xmlns:a14="http://schemas.microsoft.com/office/drawing/2010/main" val="0"/>
-              </a:ext>
-            </a:extLst>
-          </a:blip>
-          <a:stretch>
-            <a:fillRect/>
-          </a:stretch>
-        </p:blipFill>
-        <p:spPr>
-          <a:xfrm flipH="1">
-            <a:off x="9250653" y="3028426"/>
-            <a:ext cx="567263" cy="567263"/>
-          </a:xfrm>
-          <a:prstGeom prst="rect">
-            <a:avLst/>
-          </a:prstGeom>
-          <a:scene3d>
-            <a:camera prst="orthographicFront">
-              <a:rot lat="0" lon="300000" rev="0"/>
-            </a:camera>
-            <a:lightRig rig="threePt" dir="t"/>
-          </a:scene3d>
-        </p:spPr>
-      </p:pic>
-      <p:cxnSp>
-        <p:nvCxnSpPr>
-          <p:cNvPr id="72" name="Conector de Seta Reta 71">
-            <a:extLst>
-              <a:ext uri="{FF2B5EF4-FFF2-40B4-BE49-F238E27FC236}">
-                <a16:creationId xmlns:a16="http://schemas.microsoft.com/office/drawing/2014/main" id="{E39A84D5-791D-428F-8A43-562265A600C5}"/>
-              </a:ext>
-            </a:extLst>
-          </p:cNvPr>
-          <p:cNvCxnSpPr>
-            <a:cxnSpLocks/>
-          </p:cNvCxnSpPr>
-          <p:nvPr/>
-        </p:nvCxnSpPr>
-        <p:spPr>
-          <a:xfrm flipH="1" flipV="1">
-            <a:off x="6543415" y="2415161"/>
-            <a:ext cx="2457972" cy="613265"/>
-          </a:xfrm>
-          <a:prstGeom prst="straightConnector1">
-            <a:avLst/>
-          </a:prstGeom>
-          <a:ln w="9525" cap="flat" cmpd="sng" algn="ctr">
-            <a:solidFill>
-              <a:schemeClr val="dk1"/>
-            </a:solidFill>
-            <a:prstDash val="solid"/>
-            <a:round/>
-            <a:headEnd type="arrow" w="med" len="med"/>
-            <a:tailEnd type="arrow" w="med" len="med"/>
-          </a:ln>
-        </p:spPr>
-        <p:style>
-          <a:lnRef idx="0">
-            <a:scrgbClr r="0" g="0" b="0"/>
-          </a:lnRef>
-          <a:fillRef idx="0">
-            <a:scrgbClr r="0" g="0" b="0"/>
-          </a:fillRef>
-          <a:effectRef idx="0">
-            <a:scrgbClr r="0" g="0" b="0"/>
-          </a:effectRef>
-          <a:fontRef idx="minor">
-            <a:schemeClr val="tx1"/>
-          </a:fontRef>
-        </p:style>
-      </p:cxnSp>
-      <p:pic>
-        <p:nvPicPr>
-          <p:cNvPr id="80" name="Imagem 79">
-            <a:extLst>
-              <a:ext uri="{FF2B5EF4-FFF2-40B4-BE49-F238E27FC236}">
-                <a16:creationId xmlns:a16="http://schemas.microsoft.com/office/drawing/2014/main" id="{8B2204F4-AF5C-4DFA-83D7-3C46B1F2C9EA}"/>
-              </a:ext>
-            </a:extLst>
-          </p:cNvPr>
-          <p:cNvPicPr>
-            <a:picLocks noChangeAspect="1"/>
-          </p:cNvPicPr>
-          <p:nvPr/>
-        </p:nvPicPr>
-        <p:blipFill>
-          <a:blip r:embed="rId3">
-            <a:extLst>
-              <a:ext uri="{28A0092B-C50C-407E-A947-70E740481C1C}">
-                <a14:useLocalDpi xmlns:a14="http://schemas.microsoft.com/office/drawing/2010/main" val="0"/>
-              </a:ext>
-            </a:extLst>
-          </a:blip>
-          <a:stretch>
-            <a:fillRect/>
-          </a:stretch>
-        </p:blipFill>
-        <p:spPr>
-          <a:xfrm>
-            <a:off x="8235992" y="3760875"/>
-            <a:ext cx="817927" cy="817927"/>
-          </a:xfrm>
-          <a:prstGeom prst="rect">
-            <a:avLst/>
-          </a:prstGeom>
-        </p:spPr>
-      </p:pic>
-      <p:cxnSp>
-        <p:nvCxnSpPr>
-          <p:cNvPr id="84" name="Conector de Seta Reta 83">
-            <a:extLst>
-              <a:ext uri="{FF2B5EF4-FFF2-40B4-BE49-F238E27FC236}">
-                <a16:creationId xmlns:a16="http://schemas.microsoft.com/office/drawing/2014/main" id="{2FDB96BF-EA25-4352-85B6-623838CA487A}"/>
-              </a:ext>
-            </a:extLst>
-          </p:cNvPr>
-          <p:cNvCxnSpPr/>
-          <p:nvPr/>
-        </p:nvCxnSpPr>
-        <p:spPr>
-          <a:xfrm flipV="1">
-            <a:off x="8929286" y="3595689"/>
-            <a:ext cx="249266" cy="240044"/>
-          </a:xfrm>
-          <a:prstGeom prst="straightConnector1">
-            <a:avLst/>
-          </a:prstGeom>
-          <a:ln w="9525" cap="flat" cmpd="sng" algn="ctr">
-            <a:solidFill>
-              <a:schemeClr val="dk1"/>
-            </a:solidFill>
-            <a:prstDash val="solid"/>
-            <a:round/>
-            <a:headEnd type="arrow" w="med" len="med"/>
-            <a:tailEnd type="arrow" w="med" len="med"/>
-          </a:ln>
-        </p:spPr>
-        <p:style>
-          <a:lnRef idx="0">
-            <a:scrgbClr r="0" g="0" b="0"/>
-          </a:lnRef>
-          <a:fillRef idx="0">
-            <a:scrgbClr r="0" g="0" b="0"/>
-          </a:fillRef>
-          <a:effectRef idx="0">
-            <a:scrgbClr r="0" g="0" b="0"/>
-          </a:effectRef>
-          <a:fontRef idx="minor">
-            <a:schemeClr val="tx1"/>
-          </a:fontRef>
-        </p:style>
-      </p:cxnSp>
-      <p:cxnSp>
-        <p:nvCxnSpPr>
-          <p:cNvPr id="86" name="Conector de Seta Reta 85">
-            <a:extLst>
-              <a:ext uri="{FF2B5EF4-FFF2-40B4-BE49-F238E27FC236}">
-                <a16:creationId xmlns:a16="http://schemas.microsoft.com/office/drawing/2014/main" id="{2CA3420B-248A-4424-8004-E110F69B9358}"/>
-              </a:ext>
-            </a:extLst>
-          </p:cNvPr>
-          <p:cNvCxnSpPr>
-            <a:cxnSpLocks/>
-          </p:cNvCxnSpPr>
-          <p:nvPr/>
-        </p:nvCxnSpPr>
-        <p:spPr>
-          <a:xfrm>
-            <a:off x="9995539" y="3640853"/>
-            <a:ext cx="152022" cy="298122"/>
-          </a:xfrm>
-          <a:prstGeom prst="straightConnector1">
-            <a:avLst/>
-          </a:prstGeom>
-          <a:ln w="9525" cap="flat" cmpd="sng" algn="ctr">
-            <a:solidFill>
-              <a:schemeClr val="dk1"/>
-            </a:solidFill>
-            <a:prstDash val="solid"/>
-            <a:round/>
-            <a:headEnd type="arrow" w="med" len="med"/>
-            <a:tailEnd type="arrow" w="med" len="med"/>
-          </a:ln>
-        </p:spPr>
-        <p:style>
-          <a:lnRef idx="0">
-            <a:scrgbClr r="0" g="0" b="0"/>
-          </a:lnRef>
-          <a:fillRef idx="0">
-            <a:scrgbClr r="0" g="0" b="0"/>
-          </a:fillRef>
-          <a:effectRef idx="0">
-            <a:scrgbClr r="0" g="0" b="0"/>
-          </a:effectRef>
-          <a:fontRef idx="minor">
-            <a:schemeClr val="tx1"/>
-          </a:fontRef>
-        </p:style>
-      </p:cxnSp>
-      <p:sp>
-        <p:nvSpPr>
-          <p:cNvPr id="89" name="CaixaDeTexto 88">
-            <a:extLst>
-              <a:ext uri="{FF2B5EF4-FFF2-40B4-BE49-F238E27FC236}">
-                <a16:creationId xmlns:a16="http://schemas.microsoft.com/office/drawing/2014/main" id="{C9D9D231-3B5D-459E-9F07-70D804399E2E}"/>
-              </a:ext>
-            </a:extLst>
-          </p:cNvPr>
-          <p:cNvSpPr txBox="1"/>
-          <p:nvPr/>
-        </p:nvSpPr>
-        <p:spPr>
-          <a:xfrm>
-            <a:off x="9917609" y="4053444"/>
-            <a:ext cx="817927" cy="430887"/>
-          </a:xfrm>
-          <a:prstGeom prst="rect">
-            <a:avLst/>
-          </a:prstGeom>
-          <a:noFill/>
-        </p:spPr>
-        <p:txBody>
-          <a:bodyPr wrap="square" rtlCol="0">
-            <a:spAutoFit/>
-          </a:bodyPr>
-          <a:lstStyle/>
-          <a:p>
-            <a:r>
-              <a:rPr lang="pt-BR" sz="1100" dirty="0"/>
-              <a:t>REDE 3G, 4G, 5G</a:t>
-            </a:r>
-          </a:p>
-        </p:txBody>
-      </p:sp>
-      <p:pic>
-        <p:nvPicPr>
-          <p:cNvPr id="91" name="Imagem 90">
-            <a:extLst>
-              <a:ext uri="{FF2B5EF4-FFF2-40B4-BE49-F238E27FC236}">
-                <a16:creationId xmlns:a16="http://schemas.microsoft.com/office/drawing/2014/main" id="{413FCE52-9E42-42C4-8D09-B45934FDA216}"/>
-              </a:ext>
-            </a:extLst>
-          </p:cNvPr>
-          <p:cNvPicPr>
-            <a:picLocks noChangeAspect="1"/>
-          </p:cNvPicPr>
-          <p:nvPr/>
-        </p:nvPicPr>
-        <p:blipFill>
-          <a:blip r:embed="rId2">
-            <a:extLst>
-              <a:ext uri="{28A0092B-C50C-407E-A947-70E740481C1C}">
-                <a14:useLocalDpi xmlns:a14="http://schemas.microsoft.com/office/drawing/2010/main" val="0"/>
-              </a:ext>
-            </a:extLst>
-          </a:blip>
-          <a:stretch>
-            <a:fillRect/>
-          </a:stretch>
-        </p:blipFill>
-        <p:spPr>
-          <a:xfrm>
-            <a:off x="8096140" y="5378755"/>
-            <a:ext cx="1240498" cy="979740"/>
-          </a:xfrm>
-          <a:prstGeom prst="rect">
-            <a:avLst/>
-          </a:prstGeom>
-        </p:spPr>
-      </p:pic>
-      <p:pic>
-        <p:nvPicPr>
-          <p:cNvPr id="93" name="Imagem 92">
-            <a:extLst>
-              <a:ext uri="{FF2B5EF4-FFF2-40B4-BE49-F238E27FC236}">
-                <a16:creationId xmlns:a16="http://schemas.microsoft.com/office/drawing/2014/main" id="{63E9CCF7-0455-42A7-B3B4-AEC2412E858C}"/>
-              </a:ext>
-            </a:extLst>
-          </p:cNvPr>
-          <p:cNvPicPr>
-            <a:picLocks noChangeAspect="1"/>
-          </p:cNvPicPr>
-          <p:nvPr/>
-        </p:nvPicPr>
-        <p:blipFill>
-          <a:blip r:embed="rId6">
-            <a:extLst>
-              <a:ext uri="{28A0092B-C50C-407E-A947-70E740481C1C}">
-                <a14:useLocalDpi xmlns:a14="http://schemas.microsoft.com/office/drawing/2010/main" val="0"/>
-              </a:ext>
-            </a:extLst>
-          </a:blip>
-          <a:stretch>
-            <a:fillRect/>
-          </a:stretch>
-        </p:blipFill>
-        <p:spPr>
-          <a:xfrm>
-            <a:off x="8525593" y="4941742"/>
-            <a:ext cx="381592" cy="381592"/>
-          </a:xfrm>
-          <a:prstGeom prst="rect">
-            <a:avLst/>
-          </a:prstGeom>
-        </p:spPr>
-      </p:pic>
-      <p:pic>
-        <p:nvPicPr>
-          <p:cNvPr id="94" name="Imagem 93">
-            <a:extLst>
-              <a:ext uri="{FF2B5EF4-FFF2-40B4-BE49-F238E27FC236}">
-                <a16:creationId xmlns:a16="http://schemas.microsoft.com/office/drawing/2014/main" id="{B79F862E-D809-4A78-AAE4-6CF63FB26508}"/>
-              </a:ext>
-            </a:extLst>
-          </p:cNvPr>
-          <p:cNvPicPr>
-            <a:picLocks noChangeAspect="1"/>
-          </p:cNvPicPr>
-          <p:nvPr/>
-        </p:nvPicPr>
-        <p:blipFill>
-          <a:blip r:embed="rId6">
-            <a:extLst>
-              <a:ext uri="{28A0092B-C50C-407E-A947-70E740481C1C}">
-                <a14:useLocalDpi xmlns:a14="http://schemas.microsoft.com/office/drawing/2010/main" val="0"/>
-              </a:ext>
-            </a:extLst>
-          </a:blip>
-          <a:stretch>
-            <a:fillRect/>
-          </a:stretch>
-        </p:blipFill>
-        <p:spPr>
-          <a:xfrm>
-            <a:off x="2862155" y="5026776"/>
-            <a:ext cx="381592" cy="381592"/>
-          </a:xfrm>
-          <a:prstGeom prst="rect">
-            <a:avLst/>
-          </a:prstGeom>
-        </p:spPr>
-      </p:pic>
-      <p:pic>
-        <p:nvPicPr>
-          <p:cNvPr id="96" name="Imagem 95">
-            <a:extLst>
-              <a:ext uri="{FF2B5EF4-FFF2-40B4-BE49-F238E27FC236}">
-                <a16:creationId xmlns:a16="http://schemas.microsoft.com/office/drawing/2014/main" id="{8DE40ABE-F94D-4D51-B26D-5742CE5B7B23}"/>
-              </a:ext>
-            </a:extLst>
-          </p:cNvPr>
-          <p:cNvPicPr>
-            <a:picLocks noChangeAspect="1"/>
-          </p:cNvPicPr>
-          <p:nvPr/>
-        </p:nvPicPr>
-        <p:blipFill>
-          <a:blip r:embed="rId7">
-            <a:extLst>
-              <a:ext uri="{28A0092B-C50C-407E-A947-70E740481C1C}">
-                <a14:useLocalDpi xmlns:a14="http://schemas.microsoft.com/office/drawing/2010/main" val="0"/>
-              </a:ext>
-            </a:extLst>
-          </a:blip>
-          <a:stretch>
-            <a:fillRect/>
-          </a:stretch>
-        </p:blipFill>
-        <p:spPr>
-          <a:xfrm>
-            <a:off x="9835722" y="5375088"/>
-            <a:ext cx="927724" cy="979740"/>
-          </a:xfrm>
-          <a:prstGeom prst="rect">
-            <a:avLst/>
-          </a:prstGeom>
-        </p:spPr>
-      </p:pic>
-      <p:pic>
-        <p:nvPicPr>
-          <p:cNvPr id="97" name="Imagem 96">
-            <a:extLst>
-              <a:ext uri="{FF2B5EF4-FFF2-40B4-BE49-F238E27FC236}">
-                <a16:creationId xmlns:a16="http://schemas.microsoft.com/office/drawing/2014/main" id="{1E1D9264-4478-4D21-90D1-CC0A88EEBE02}"/>
-              </a:ext>
-            </a:extLst>
-          </p:cNvPr>
-          <p:cNvPicPr>
-            <a:picLocks noChangeAspect="1"/>
-          </p:cNvPicPr>
-          <p:nvPr/>
-        </p:nvPicPr>
-        <p:blipFill>
-          <a:blip r:embed="rId6">
-            <a:extLst>
-              <a:ext uri="{28A0092B-C50C-407E-A947-70E740481C1C}">
-                <a14:useLocalDpi xmlns:a14="http://schemas.microsoft.com/office/drawing/2010/main" val="0"/>
-              </a:ext>
-            </a:extLst>
-          </a:blip>
-          <a:stretch>
-            <a:fillRect/>
-          </a:stretch>
-        </p:blipFill>
-        <p:spPr>
-          <a:xfrm>
-            <a:off x="10108788" y="4941742"/>
-            <a:ext cx="381592" cy="381592"/>
-          </a:xfrm>
-          <a:prstGeom prst="rect">
-            <a:avLst/>
-          </a:prstGeom>
-        </p:spPr>
-      </p:pic>
-      <p:sp>
-        <p:nvSpPr>
-          <p:cNvPr id="98" name="CaixaDeTexto 97">
-            <a:extLst>
-              <a:ext uri="{FF2B5EF4-FFF2-40B4-BE49-F238E27FC236}">
-                <a16:creationId xmlns:a16="http://schemas.microsoft.com/office/drawing/2014/main" id="{92F4BEEE-61FB-4D33-9705-9BE85FB021A7}"/>
-              </a:ext>
-            </a:extLst>
-          </p:cNvPr>
-          <p:cNvSpPr txBox="1"/>
-          <p:nvPr/>
-        </p:nvSpPr>
-        <p:spPr>
-          <a:xfrm>
-            <a:off x="3070000" y="3963776"/>
-            <a:ext cx="631904" cy="230832"/>
-          </a:xfrm>
-          <a:prstGeom prst="rect">
-            <a:avLst/>
-          </a:prstGeom>
-          <a:noFill/>
-        </p:spPr>
-        <p:txBody>
-          <a:bodyPr wrap="none" rtlCol="0">
-            <a:spAutoFit/>
-          </a:bodyPr>
-          <a:lstStyle/>
-          <a:p>
-            <a:r>
-              <a:rPr lang="pt-BR" sz="900" dirty="0"/>
-              <a:t>LAN/WIFI</a:t>
-            </a:r>
-          </a:p>
-        </p:txBody>
-      </p:sp>
-      <p:sp>
-        <p:nvSpPr>
-          <p:cNvPr id="99" name="CaixaDeTexto 98">
-            <a:extLst>
-              <a:ext uri="{FF2B5EF4-FFF2-40B4-BE49-F238E27FC236}">
-                <a16:creationId xmlns:a16="http://schemas.microsoft.com/office/drawing/2014/main" id="{5432825B-1FF5-4235-B539-F118FD12B00F}"/>
-              </a:ext>
-            </a:extLst>
-          </p:cNvPr>
-          <p:cNvSpPr txBox="1"/>
-          <p:nvPr/>
-        </p:nvSpPr>
-        <p:spPr>
-          <a:xfrm>
-            <a:off x="8517911" y="4031066"/>
-            <a:ext cx="631904" cy="230832"/>
-          </a:xfrm>
-          <a:prstGeom prst="rect">
-            <a:avLst/>
-          </a:prstGeom>
-          <a:noFill/>
-        </p:spPr>
-        <p:txBody>
-          <a:bodyPr wrap="square" rtlCol="0">
-            <a:spAutoFit/>
-          </a:bodyPr>
-          <a:lstStyle/>
-          <a:p>
-            <a:r>
-              <a:rPr lang="pt-BR" sz="900" dirty="0"/>
-              <a:t>LAN/WIFI</a:t>
-            </a:r>
-          </a:p>
-        </p:txBody>
-      </p:sp>
-      <p:sp>
-        <p:nvSpPr>
-          <p:cNvPr id="100" name="CaixaDeTexto 99">
-            <a:extLst>
-              <a:ext uri="{FF2B5EF4-FFF2-40B4-BE49-F238E27FC236}">
-                <a16:creationId xmlns:a16="http://schemas.microsoft.com/office/drawing/2014/main" id="{527A57A7-4EB5-48F3-BDF3-BD282FF5FE52}"/>
-              </a:ext>
-            </a:extLst>
-          </p:cNvPr>
-          <p:cNvSpPr txBox="1"/>
-          <p:nvPr/>
-        </p:nvSpPr>
-        <p:spPr>
-          <a:xfrm>
-            <a:off x="7038704" y="5483792"/>
-            <a:ext cx="1240499" cy="369332"/>
-          </a:xfrm>
-          <a:prstGeom prst="rect">
-            <a:avLst/>
-          </a:prstGeom>
-          <a:noFill/>
-        </p:spPr>
-        <p:txBody>
-          <a:bodyPr wrap="square" rtlCol="0">
-            <a:spAutoFit/>
-          </a:bodyPr>
-          <a:lstStyle/>
-          <a:p>
-            <a:r>
-              <a:rPr lang="pt-BR" sz="900" dirty="0"/>
-              <a:t>NOTEBOOK/DESKTOP</a:t>
-            </a:r>
-          </a:p>
-          <a:p>
-            <a:r>
-              <a:rPr lang="pt-BR" sz="900" dirty="0"/>
-              <a:t>CORE I5, 8GB DE RAM</a:t>
-            </a:r>
-            <a:endParaRPr lang="pt-BR" sz="1600" dirty="0"/>
-          </a:p>
-        </p:txBody>
-      </p:sp>
-      <p:sp>
-        <p:nvSpPr>
-          <p:cNvPr id="101" name="CaixaDeTexto 100">
-            <a:extLst>
-              <a:ext uri="{FF2B5EF4-FFF2-40B4-BE49-F238E27FC236}">
-                <a16:creationId xmlns:a16="http://schemas.microsoft.com/office/drawing/2014/main" id="{3E91ACD8-30B1-48C9-BAB1-7724AC9175C5}"/>
-              </a:ext>
-            </a:extLst>
-          </p:cNvPr>
-          <p:cNvSpPr txBox="1"/>
-          <p:nvPr/>
-        </p:nvSpPr>
-        <p:spPr>
-          <a:xfrm>
-            <a:off x="10670861" y="5447535"/>
-            <a:ext cx="1183337" cy="369332"/>
-          </a:xfrm>
-          <a:prstGeom prst="rect">
-            <a:avLst/>
-          </a:prstGeom>
-          <a:noFill/>
-        </p:spPr>
-        <p:txBody>
-          <a:bodyPr wrap="none" rtlCol="0">
-            <a:spAutoFit/>
-          </a:bodyPr>
-          <a:lstStyle/>
-          <a:p>
-            <a:r>
-              <a:rPr lang="pt-BR" sz="900" dirty="0"/>
-              <a:t>ANDROID VERSÃO 7+</a:t>
-            </a:r>
-          </a:p>
-          <a:p>
-            <a:r>
-              <a:rPr lang="pt-BR" sz="900" dirty="0"/>
-              <a:t>IOS VERSÃO 10+</a:t>
-            </a:r>
-          </a:p>
-        </p:txBody>
-      </p:sp>
-      <p:sp>
-        <p:nvSpPr>
-          <p:cNvPr id="102" name="CaixaDeTexto 101">
-            <a:extLst>
-              <a:ext uri="{FF2B5EF4-FFF2-40B4-BE49-F238E27FC236}">
-                <a16:creationId xmlns:a16="http://schemas.microsoft.com/office/drawing/2014/main" id="{AE0D996A-3D2E-42C2-8787-5666F58A858F}"/>
-              </a:ext>
-            </a:extLst>
-          </p:cNvPr>
-          <p:cNvSpPr txBox="1"/>
-          <p:nvPr/>
-        </p:nvSpPr>
-        <p:spPr>
-          <a:xfrm>
-            <a:off x="7372302" y="4020430"/>
-            <a:ext cx="1240499" cy="230832"/>
-          </a:xfrm>
-          <a:prstGeom prst="rect">
-            <a:avLst/>
-          </a:prstGeom>
-          <a:noFill/>
-        </p:spPr>
-        <p:txBody>
-          <a:bodyPr wrap="square" rtlCol="0">
-            <a:spAutoFit/>
-          </a:bodyPr>
-          <a:lstStyle/>
-          <a:p>
-            <a:r>
-              <a:rPr lang="pt-BR" sz="900" dirty="0"/>
-              <a:t>BANDA 5MB Mínimo</a:t>
-            </a:r>
-          </a:p>
-        </p:txBody>
-      </p:sp>
-      <p:sp>
-        <p:nvSpPr>
-          <p:cNvPr id="103" name="CaixaDeTexto 102">
-            <a:extLst>
-              <a:ext uri="{FF2B5EF4-FFF2-40B4-BE49-F238E27FC236}">
-                <a16:creationId xmlns:a16="http://schemas.microsoft.com/office/drawing/2014/main" id="{46C75828-FC98-4D49-9F89-B0C448717B43}"/>
-              </a:ext>
-            </a:extLst>
-          </p:cNvPr>
-          <p:cNvSpPr txBox="1"/>
-          <p:nvPr/>
-        </p:nvSpPr>
-        <p:spPr>
-          <a:xfrm>
-            <a:off x="3138082" y="3720317"/>
-            <a:ext cx="673582" cy="230832"/>
-          </a:xfrm>
-          <a:prstGeom prst="rect">
-            <a:avLst/>
-          </a:prstGeom>
-          <a:noFill/>
-        </p:spPr>
-        <p:txBody>
-          <a:bodyPr wrap="none" rtlCol="0">
-            <a:spAutoFit/>
-          </a:bodyPr>
-          <a:lstStyle/>
-          <a:p>
-            <a:r>
-              <a:rPr lang="pt-BR" sz="900" dirty="0"/>
-              <a:t>NET 30MB</a:t>
-            </a:r>
-          </a:p>
-        </p:txBody>
-      </p:sp>
-      <p:sp>
-        <p:nvSpPr>
-          <p:cNvPr id="105" name="CaixaDeTexto 104">
-            <a:extLst>
-              <a:ext uri="{FF2B5EF4-FFF2-40B4-BE49-F238E27FC236}">
-                <a16:creationId xmlns:a16="http://schemas.microsoft.com/office/drawing/2014/main" id="{AC13A803-F79E-45E6-8B53-489FE0345D46}"/>
-              </a:ext>
-            </a:extLst>
-          </p:cNvPr>
-          <p:cNvSpPr txBox="1"/>
-          <p:nvPr/>
-        </p:nvSpPr>
-        <p:spPr>
-          <a:xfrm>
-            <a:off x="391024" y="3878120"/>
-            <a:ext cx="2452900" cy="369332"/>
-          </a:xfrm>
-          <a:prstGeom prst="rect">
-            <a:avLst/>
-          </a:prstGeom>
-          <a:noFill/>
-        </p:spPr>
-        <p:txBody>
-          <a:bodyPr wrap="square" rtlCol="0">
-            <a:spAutoFit/>
-          </a:bodyPr>
-          <a:lstStyle/>
-          <a:p>
-            <a:r>
-              <a:rPr lang="pt-BR" sz="900" dirty="0"/>
-              <a:t>ROTEADOR Wi </a:t>
-            </a:r>
-            <a:r>
-              <a:rPr lang="pt-BR" sz="900" dirty="0" err="1"/>
-              <a:t>Fi</a:t>
-            </a:r>
-            <a:endParaRPr lang="pt-BR" sz="900" dirty="0"/>
-          </a:p>
-          <a:p>
-            <a:r>
-              <a:rPr lang="en-US" sz="900" dirty="0" err="1"/>
-              <a:t>Roteador</a:t>
-            </a:r>
-            <a:r>
-              <a:rPr lang="en-US" sz="900" dirty="0"/>
-              <a:t> TP-Link Archer C6 AC1200,  1000Mbps</a:t>
-            </a:r>
-          </a:p>
-        </p:txBody>
-      </p:sp>
-      <p:sp>
-        <p:nvSpPr>
-          <p:cNvPr id="108" name="CaixaDeTexto 107">
-            <a:extLst>
-              <a:ext uri="{FF2B5EF4-FFF2-40B4-BE49-F238E27FC236}">
-                <a16:creationId xmlns:a16="http://schemas.microsoft.com/office/drawing/2014/main" id="{139B96DF-9D13-4BB9-8FB8-712640E3561B}"/>
-              </a:ext>
-            </a:extLst>
-          </p:cNvPr>
-          <p:cNvSpPr txBox="1"/>
-          <p:nvPr/>
-        </p:nvSpPr>
-        <p:spPr>
-          <a:xfrm>
-            <a:off x="5389827" y="2595058"/>
-            <a:ext cx="647934" cy="230832"/>
-          </a:xfrm>
-          <a:prstGeom prst="rect">
-            <a:avLst/>
-          </a:prstGeom>
-          <a:noFill/>
-        </p:spPr>
-        <p:txBody>
-          <a:bodyPr wrap="none" rtlCol="0">
-            <a:spAutoFit/>
-          </a:bodyPr>
-          <a:lstStyle/>
-          <a:p>
-            <a:r>
-              <a:rPr lang="pt-BR" sz="900" dirty="0"/>
-              <a:t>INTERNET</a:t>
-            </a:r>
-          </a:p>
-        </p:txBody>
-      </p:sp>
-      <p:pic>
-        <p:nvPicPr>
-          <p:cNvPr id="110" name="Imagem 109">
-            <a:extLst>
-              <a:ext uri="{FF2B5EF4-FFF2-40B4-BE49-F238E27FC236}">
-                <a16:creationId xmlns:a16="http://schemas.microsoft.com/office/drawing/2014/main" id="{48EAE7C9-853C-4C62-BE4F-77E1FF7A2142}"/>
-              </a:ext>
-            </a:extLst>
-          </p:cNvPr>
-          <p:cNvPicPr>
-            <a:picLocks noChangeAspect="1"/>
-          </p:cNvPicPr>
-          <p:nvPr/>
-        </p:nvPicPr>
-        <p:blipFill>
-          <a:blip r:embed="rId8">
-            <a:extLst>
-              <a:ext uri="{28A0092B-C50C-407E-A947-70E740481C1C}">
-                <a14:useLocalDpi xmlns:a14="http://schemas.microsoft.com/office/drawing/2010/main" val="0"/>
-              </a:ext>
-            </a:extLst>
-          </a:blip>
-          <a:stretch>
-            <a:fillRect/>
-          </a:stretch>
-        </p:blipFill>
-        <p:spPr>
-          <a:xfrm>
-            <a:off x="8294761" y="5475463"/>
-            <a:ext cx="230832" cy="230832"/>
-          </a:xfrm>
-          <a:prstGeom prst="rect">
-            <a:avLst/>
-          </a:prstGeom>
-        </p:spPr>
-      </p:pic>
-      <p:pic>
-        <p:nvPicPr>
-          <p:cNvPr id="113" name="Imagem 112">
-            <a:extLst>
-              <a:ext uri="{FF2B5EF4-FFF2-40B4-BE49-F238E27FC236}">
-                <a16:creationId xmlns:a16="http://schemas.microsoft.com/office/drawing/2014/main" id="{3A0A7C0D-5AAE-4386-8F96-FE545AB5180F}"/>
-              </a:ext>
-            </a:extLst>
-          </p:cNvPr>
-          <p:cNvPicPr>
-            <a:picLocks noChangeAspect="1"/>
-          </p:cNvPicPr>
-          <p:nvPr/>
-        </p:nvPicPr>
-        <p:blipFill>
-          <a:blip r:embed="rId9">
-            <a:extLst>
-              <a:ext uri="{28A0092B-C50C-407E-A947-70E740481C1C}">
-                <a14:useLocalDpi xmlns:a14="http://schemas.microsoft.com/office/drawing/2010/main" val="0"/>
-              </a:ext>
-            </a:extLst>
-          </a:blip>
-          <a:stretch>
-            <a:fillRect/>
-          </a:stretch>
-        </p:blipFill>
-        <p:spPr>
-          <a:xfrm>
-            <a:off x="8505506" y="5401614"/>
-            <a:ext cx="378529" cy="378529"/>
-          </a:xfrm>
-          <a:prstGeom prst="rect">
-            <a:avLst/>
-          </a:prstGeom>
-        </p:spPr>
-      </p:pic>
-      <p:pic>
-        <p:nvPicPr>
-          <p:cNvPr id="115" name="Imagem 114">
-            <a:extLst>
-              <a:ext uri="{FF2B5EF4-FFF2-40B4-BE49-F238E27FC236}">
-                <a16:creationId xmlns:a16="http://schemas.microsoft.com/office/drawing/2014/main" id="{3C1B681C-ED12-41C5-AD26-8B6853414F1D}"/>
-              </a:ext>
-            </a:extLst>
-          </p:cNvPr>
-          <p:cNvPicPr>
-            <a:picLocks noChangeAspect="1"/>
-          </p:cNvPicPr>
-          <p:nvPr/>
-        </p:nvPicPr>
-        <p:blipFill>
-          <a:blip r:embed="rId10">
-            <a:extLst>
-              <a:ext uri="{28A0092B-C50C-407E-A947-70E740481C1C}">
-                <a14:useLocalDpi xmlns:a14="http://schemas.microsoft.com/office/drawing/2010/main" val="0"/>
-              </a:ext>
-            </a:extLst>
-          </a:blip>
-          <a:stretch>
-            <a:fillRect/>
-          </a:stretch>
-        </p:blipFill>
-        <p:spPr>
-          <a:xfrm>
-            <a:off x="8821267" y="5443201"/>
-            <a:ext cx="273513" cy="273513"/>
-          </a:xfrm>
-          <a:prstGeom prst="rect">
-            <a:avLst/>
-          </a:prstGeom>
-        </p:spPr>
-      </p:pic>
-      <p:sp>
-        <p:nvSpPr>
-          <p:cNvPr id="2" name="Retângulo 1">
-            <a:extLst>
-              <a:ext uri="{FF2B5EF4-FFF2-40B4-BE49-F238E27FC236}">
-                <a16:creationId xmlns:a16="http://schemas.microsoft.com/office/drawing/2014/main" id="{969E54A0-B7B5-4147-AB27-DA0CC75F47BD}"/>
-              </a:ext>
-            </a:extLst>
-          </p:cNvPr>
-          <p:cNvSpPr/>
-          <p:nvPr/>
-        </p:nvSpPr>
-        <p:spPr>
-          <a:xfrm>
-            <a:off x="81987" y="3673617"/>
-            <a:ext cx="5141937" cy="3087910"/>
-          </a:xfrm>
-          <a:prstGeom prst="rect">
-            <a:avLst/>
-          </a:prstGeom>
-          <a:noFill/>
-          <a:ln>
-            <a:solidFill>
-              <a:schemeClr val="tx1"/>
-            </a:solidFill>
-          </a:ln>
-        </p:spPr>
-        <p:style>
-          <a:lnRef idx="2">
-            <a:schemeClr val="accent1">
-              <a:shade val="50000"/>
-            </a:schemeClr>
-          </a:lnRef>
-          <a:fillRef idx="1">
-            <a:schemeClr val="accent1"/>
-          </a:fillRef>
-          <a:effectRef idx="0">
-            <a:schemeClr val="accent1"/>
-          </a:effectRef>
-          <a:fontRef idx="minor">
-            <a:schemeClr val="lt1"/>
-          </a:fontRef>
-        </p:style>
-        <p:txBody>
-          <a:bodyPr rtlCol="0" anchor="ctr"/>
-          <a:lstStyle/>
-          <a:p>
-            <a:pPr algn="ctr"/>
-            <a:endParaRPr lang="pt-BR"/>
-          </a:p>
-        </p:txBody>
-      </p:sp>
-      <p:sp>
-        <p:nvSpPr>
-          <p:cNvPr id="42" name="Retângulo 41">
-            <a:extLst>
-              <a:ext uri="{FF2B5EF4-FFF2-40B4-BE49-F238E27FC236}">
-                <a16:creationId xmlns:a16="http://schemas.microsoft.com/office/drawing/2014/main" id="{C094A487-B4D8-4E7E-A6DF-17D5E2F5A98F}"/>
-              </a:ext>
-            </a:extLst>
-          </p:cNvPr>
-          <p:cNvSpPr/>
-          <p:nvPr/>
-        </p:nvSpPr>
-        <p:spPr>
-          <a:xfrm>
-            <a:off x="6933844" y="3674781"/>
-            <a:ext cx="5141937" cy="3087910"/>
-          </a:xfrm>
-          <a:prstGeom prst="rect">
-            <a:avLst/>
-          </a:prstGeom>
-          <a:noFill/>
-          <a:ln>
-            <a:solidFill>
-              <a:schemeClr val="tx1"/>
-            </a:solidFill>
-          </a:ln>
-        </p:spPr>
-        <p:style>
-          <a:lnRef idx="2">
-            <a:schemeClr val="accent1">
-              <a:shade val="50000"/>
-            </a:schemeClr>
-          </a:lnRef>
-          <a:fillRef idx="1">
-            <a:schemeClr val="accent1"/>
-          </a:fillRef>
-          <a:effectRef idx="0">
-            <a:schemeClr val="accent1"/>
-          </a:effectRef>
-          <a:fontRef idx="minor">
-            <a:schemeClr val="lt1"/>
-          </a:fontRef>
-        </p:style>
-        <p:txBody>
-          <a:bodyPr rtlCol="0" anchor="ctr"/>
-          <a:lstStyle/>
-          <a:p>
-            <a:pPr algn="ctr"/>
-            <a:endParaRPr lang="pt-BR"/>
-          </a:p>
-        </p:txBody>
-      </p:sp>
-      <p:sp>
-        <p:nvSpPr>
-          <p:cNvPr id="43" name="Retângulo 42">
-            <a:extLst>
-              <a:ext uri="{FF2B5EF4-FFF2-40B4-BE49-F238E27FC236}">
-                <a16:creationId xmlns:a16="http://schemas.microsoft.com/office/drawing/2014/main" id="{B32F3D09-E978-488A-9882-969FC9FE44F3}"/>
-              </a:ext>
-            </a:extLst>
-          </p:cNvPr>
-          <p:cNvSpPr/>
-          <p:nvPr/>
-        </p:nvSpPr>
-        <p:spPr>
-          <a:xfrm>
-            <a:off x="3217786" y="96862"/>
-            <a:ext cx="5061417" cy="2030050"/>
-          </a:xfrm>
-          <a:prstGeom prst="rect">
-            <a:avLst/>
-          </a:prstGeom>
-          <a:noFill/>
-          <a:ln>
-            <a:solidFill>
-              <a:schemeClr val="tx1"/>
-            </a:solidFill>
-          </a:ln>
-        </p:spPr>
-        <p:style>
-          <a:lnRef idx="2">
-            <a:schemeClr val="accent1">
-              <a:shade val="50000"/>
-            </a:schemeClr>
-          </a:lnRef>
-          <a:fillRef idx="1">
-            <a:schemeClr val="accent1"/>
-          </a:fillRef>
-          <a:effectRef idx="0">
-            <a:schemeClr val="accent1"/>
-          </a:effectRef>
-          <a:fontRef idx="minor">
-            <a:schemeClr val="lt1"/>
-          </a:fontRef>
-        </p:style>
-        <p:txBody>
-          <a:bodyPr rtlCol="0" anchor="ctr"/>
-          <a:lstStyle/>
-          <a:p>
-            <a:pPr algn="ctr"/>
-            <a:endParaRPr lang="pt-BR"/>
-          </a:p>
-        </p:txBody>
-      </p:sp>
-      <p:sp>
-        <p:nvSpPr>
-          <p:cNvPr id="3" name="CaixaDeTexto 2">
-            <a:extLst>
-              <a:ext uri="{FF2B5EF4-FFF2-40B4-BE49-F238E27FC236}">
-                <a16:creationId xmlns:a16="http://schemas.microsoft.com/office/drawing/2014/main" id="{F3DB1EB6-7EDD-4F76-AC41-93A77350D0DB}"/>
-              </a:ext>
-            </a:extLst>
-          </p:cNvPr>
-          <p:cNvSpPr txBox="1"/>
-          <p:nvPr/>
-        </p:nvSpPr>
-        <p:spPr>
-          <a:xfrm>
-            <a:off x="-102336" y="-3806"/>
-            <a:ext cx="522900" cy="369332"/>
-          </a:xfrm>
-          <a:prstGeom prst="rect">
-            <a:avLst/>
-          </a:prstGeom>
-          <a:noFill/>
-        </p:spPr>
-        <p:txBody>
-          <a:bodyPr wrap="none" rtlCol="0">
-            <a:spAutoFit/>
-          </a:bodyPr>
-          <a:lstStyle/>
-          <a:p>
-            <a:r>
-              <a:rPr lang="pt-BR" b="1" dirty="0"/>
-              <a:t>LLD</a:t>
-            </a:r>
-          </a:p>
-        </p:txBody>
-      </p:sp>
-      <p:sp>
-        <p:nvSpPr>
-          <p:cNvPr id="5" name="CaixaDeTexto 4">
-            <a:extLst>
-              <a:ext uri="{FF2B5EF4-FFF2-40B4-BE49-F238E27FC236}">
-                <a16:creationId xmlns:a16="http://schemas.microsoft.com/office/drawing/2014/main" id="{00324186-5835-453F-9CA7-D8BA2FE4FDB1}"/>
-              </a:ext>
-            </a:extLst>
-          </p:cNvPr>
-          <p:cNvSpPr txBox="1"/>
-          <p:nvPr/>
-        </p:nvSpPr>
-        <p:spPr>
-          <a:xfrm>
-            <a:off x="11201687" y="3392545"/>
-            <a:ext cx="1168252" cy="646331"/>
-          </a:xfrm>
-          <a:prstGeom prst="rect">
-            <a:avLst/>
-          </a:prstGeom>
-          <a:noFill/>
-        </p:spPr>
-        <p:txBody>
-          <a:bodyPr wrap="square" rtlCol="0">
-            <a:spAutoFit/>
-          </a:bodyPr>
-          <a:lstStyle/>
-          <a:p>
-            <a:r>
-              <a:rPr lang="pt-BR" dirty="0"/>
-              <a:t>CLIENTE</a:t>
-            </a:r>
-            <a:endParaRPr lang="pt-BR" sz="1600" dirty="0"/>
-          </a:p>
-          <a:p>
-            <a:endParaRPr lang="pt-BR" dirty="0"/>
-          </a:p>
-        </p:txBody>
-      </p:sp>
-      <p:sp>
-        <p:nvSpPr>
-          <p:cNvPr id="8" name="CaixaDeTexto 7">
-            <a:extLst>
-              <a:ext uri="{FF2B5EF4-FFF2-40B4-BE49-F238E27FC236}">
-                <a16:creationId xmlns:a16="http://schemas.microsoft.com/office/drawing/2014/main" id="{C6B4F186-1182-4828-8066-2E561878460C}"/>
-              </a:ext>
-            </a:extLst>
-          </p:cNvPr>
-          <p:cNvSpPr txBox="1"/>
-          <p:nvPr/>
-        </p:nvSpPr>
-        <p:spPr>
-          <a:xfrm>
-            <a:off x="72870" y="3327850"/>
-            <a:ext cx="2008249" cy="369332"/>
-          </a:xfrm>
-          <a:prstGeom prst="rect">
-            <a:avLst/>
-          </a:prstGeom>
-          <a:noFill/>
-        </p:spPr>
-        <p:txBody>
-          <a:bodyPr wrap="square" rtlCol="0">
-            <a:spAutoFit/>
-          </a:bodyPr>
-          <a:lstStyle/>
-          <a:p>
-            <a:r>
-              <a:rPr lang="pt-BR" dirty="0"/>
-              <a:t>MÁQUINA</a:t>
-            </a:r>
-          </a:p>
-        </p:txBody>
-      </p:sp>
-      <p:sp>
-        <p:nvSpPr>
-          <p:cNvPr id="9" name="CaixaDeTexto 8">
-            <a:extLst>
-              <a:ext uri="{FF2B5EF4-FFF2-40B4-BE49-F238E27FC236}">
-                <a16:creationId xmlns:a16="http://schemas.microsoft.com/office/drawing/2014/main" id="{7F4FF870-1C04-4D9F-A43E-EA81B5C6132D}"/>
-              </a:ext>
-            </a:extLst>
-          </p:cNvPr>
-          <p:cNvSpPr txBox="1"/>
-          <p:nvPr/>
-        </p:nvSpPr>
-        <p:spPr>
-          <a:xfrm>
-            <a:off x="2405790" y="1002079"/>
-            <a:ext cx="922047" cy="646331"/>
-          </a:xfrm>
-          <a:prstGeom prst="rect">
-            <a:avLst/>
-          </a:prstGeom>
-          <a:noFill/>
-        </p:spPr>
-        <p:txBody>
-          <a:bodyPr wrap="none" rtlCol="0">
-            <a:spAutoFit/>
-          </a:bodyPr>
-          <a:lstStyle/>
-          <a:p>
-            <a:r>
-              <a:rPr lang="pt-BR" dirty="0"/>
-              <a:t>NUVEM</a:t>
-            </a:r>
-          </a:p>
-          <a:p>
-            <a:endParaRPr lang="pt-BR" dirty="0"/>
-          </a:p>
-        </p:txBody>
-      </p:sp>
-      <p:pic>
-        <p:nvPicPr>
-          <p:cNvPr id="1026" name="Picture 2" descr="Node.js – Wikipédia, a enciclopédia livre">
-            <a:extLst>
-              <a:ext uri="{FF2B5EF4-FFF2-40B4-BE49-F238E27FC236}">
-                <a16:creationId xmlns:a16="http://schemas.microsoft.com/office/drawing/2014/main" id="{2F5537B2-2DC7-456A-8F58-3BCE75A9907F}"/>
-              </a:ext>
-            </a:extLst>
-          </p:cNvPr>
-          <p:cNvPicPr>
-            <a:picLocks noChangeAspect="1" noChangeArrowheads="1"/>
-          </p:cNvPicPr>
-          <p:nvPr/>
-        </p:nvPicPr>
-        <p:blipFill>
-          <a:blip r:embed="rId11">
-            <a:extLst>
-              <a:ext uri="{28A0092B-C50C-407E-A947-70E740481C1C}">
-                <a14:useLocalDpi xmlns:a14="http://schemas.microsoft.com/office/drawing/2010/main" val="0"/>
-              </a:ext>
-            </a:extLst>
-          </a:blip>
-          <a:srcRect/>
-          <a:stretch>
-            <a:fillRect/>
-          </a:stretch>
-        </p:blipFill>
-        <p:spPr bwMode="auto">
-          <a:xfrm>
-            <a:off x="7000300" y="586198"/>
-            <a:ext cx="975140" cy="596433"/>
-          </a:xfrm>
-          <a:prstGeom prst="rect">
-            <a:avLst/>
-          </a:prstGeom>
-          <a:noFill/>
-          <a:extLst>
-            <a:ext uri="{909E8E84-426E-40DD-AFC4-6F175D3DCCD1}">
-              <a14:hiddenFill xmlns:a14="http://schemas.microsoft.com/office/drawing/2010/main">
-                <a:solidFill>
-                  <a:srgbClr val="FFFFFF"/>
-                </a:solidFill>
-              </a14:hiddenFill>
-            </a:ext>
-          </a:extLst>
-        </p:spPr>
-      </p:pic>
-      <p:sp>
-        <p:nvSpPr>
-          <p:cNvPr id="12" name="CaixaDeTexto 11">
-            <a:extLst>
-              <a:ext uri="{FF2B5EF4-FFF2-40B4-BE49-F238E27FC236}">
-                <a16:creationId xmlns:a16="http://schemas.microsoft.com/office/drawing/2014/main" id="{BA9B7A29-1A26-4FB8-B824-C11DD27E60E6}"/>
-              </a:ext>
-            </a:extLst>
-          </p:cNvPr>
-          <p:cNvSpPr txBox="1"/>
-          <p:nvPr/>
-        </p:nvSpPr>
-        <p:spPr>
-          <a:xfrm>
-            <a:off x="6755227" y="1306694"/>
-            <a:ext cx="1480765" cy="523220"/>
-          </a:xfrm>
-          <a:prstGeom prst="rect">
-            <a:avLst/>
-          </a:prstGeom>
-          <a:noFill/>
-        </p:spPr>
-        <p:txBody>
-          <a:bodyPr wrap="square" rtlCol="0">
-            <a:spAutoFit/>
-          </a:bodyPr>
-          <a:lstStyle/>
-          <a:p>
-            <a:pPr algn="ctr"/>
-            <a:r>
-              <a:rPr lang="pt-BR" sz="1400" dirty="0"/>
-              <a:t>Comunicação</a:t>
-            </a:r>
-          </a:p>
-          <a:p>
-            <a:pPr algn="ctr"/>
-            <a:r>
-              <a:rPr lang="pt-BR" sz="1400" dirty="0"/>
-              <a:t>Node </a:t>
-            </a:r>
-            <a:r>
-              <a:rPr lang="pt-BR" sz="1400" dirty="0" err="1"/>
-              <a:t>js</a:t>
-            </a:r>
-            <a:endParaRPr lang="pt-BR" sz="1400" dirty="0"/>
-          </a:p>
-        </p:txBody>
-      </p:sp>
-      <p:pic>
-        <p:nvPicPr>
-          <p:cNvPr id="14" name="Imagem 13" descr="Logotipo, nome da empresa&#10;&#10;Descrição gerada automaticamente">
-            <a:extLst>
-              <a:ext uri="{FF2B5EF4-FFF2-40B4-BE49-F238E27FC236}">
-                <a16:creationId xmlns:a16="http://schemas.microsoft.com/office/drawing/2014/main" id="{C131E45E-AAA8-4092-97F7-314E8411F05B}"/>
-              </a:ext>
-            </a:extLst>
-          </p:cNvPr>
-          <p:cNvPicPr>
-            <a:picLocks noChangeAspect="1"/>
-          </p:cNvPicPr>
-          <p:nvPr/>
-        </p:nvPicPr>
-        <p:blipFill>
-          <a:blip r:embed="rId12">
-            <a:extLst>
-              <a:ext uri="{28A0092B-C50C-407E-A947-70E740481C1C}">
-                <a14:useLocalDpi xmlns:a14="http://schemas.microsoft.com/office/drawing/2010/main" val="0"/>
-              </a:ext>
-            </a:extLst>
-          </a:blip>
-          <a:stretch>
-            <a:fillRect/>
-          </a:stretch>
-        </p:blipFill>
-        <p:spPr>
-          <a:xfrm>
-            <a:off x="2924125" y="5483792"/>
-            <a:ext cx="403712" cy="403712"/>
-          </a:xfrm>
-          <a:prstGeom prst="rect">
-            <a:avLst/>
-          </a:prstGeom>
-        </p:spPr>
-      </p:pic>
-      <p:pic>
-        <p:nvPicPr>
-          <p:cNvPr id="19" name="Imagem 18" descr="Uma imagem contendo Forma&#10;&#10;Descrição gerada automaticamente">
-            <a:extLst>
-              <a:ext uri="{FF2B5EF4-FFF2-40B4-BE49-F238E27FC236}">
-                <a16:creationId xmlns:a16="http://schemas.microsoft.com/office/drawing/2014/main" id="{71F72E75-91AD-4FA7-9A33-1635686FD9A7}"/>
-              </a:ext>
-            </a:extLst>
-          </p:cNvPr>
-          <p:cNvPicPr>
-            <a:picLocks noChangeAspect="1"/>
-          </p:cNvPicPr>
-          <p:nvPr/>
-        </p:nvPicPr>
-        <p:blipFill>
-          <a:blip r:embed="rId13">
-            <a:extLst>
-              <a:ext uri="{28A0092B-C50C-407E-A947-70E740481C1C}">
-                <a14:useLocalDpi xmlns:a14="http://schemas.microsoft.com/office/drawing/2010/main" val="0"/>
-              </a:ext>
-            </a:extLst>
-          </a:blip>
-          <a:stretch>
-            <a:fillRect/>
-          </a:stretch>
-        </p:blipFill>
-        <p:spPr>
-          <a:xfrm>
-            <a:off x="3350296" y="5493206"/>
-            <a:ext cx="403713" cy="403713"/>
-          </a:xfrm>
-          <a:prstGeom prst="rect">
-            <a:avLst/>
-          </a:prstGeom>
-        </p:spPr>
-      </p:pic>
-      <p:sp>
-        <p:nvSpPr>
-          <p:cNvPr id="20" name="CaixaDeTexto 19">
-            <a:extLst>
-              <a:ext uri="{FF2B5EF4-FFF2-40B4-BE49-F238E27FC236}">
-                <a16:creationId xmlns:a16="http://schemas.microsoft.com/office/drawing/2014/main" id="{D49B4519-BABB-4AEB-BD5F-95A30CCBECB9}"/>
-              </a:ext>
-            </a:extLst>
-          </p:cNvPr>
-          <p:cNvSpPr txBox="1"/>
-          <p:nvPr/>
-        </p:nvSpPr>
-        <p:spPr>
-          <a:xfrm>
-            <a:off x="3923569" y="5401147"/>
-            <a:ext cx="1240499" cy="1061829"/>
-          </a:xfrm>
-          <a:prstGeom prst="rect">
-            <a:avLst/>
-          </a:prstGeom>
-          <a:noFill/>
-        </p:spPr>
-        <p:txBody>
-          <a:bodyPr wrap="square" rtlCol="0">
-            <a:spAutoFit/>
-          </a:bodyPr>
-          <a:lstStyle/>
-          <a:p>
-            <a:r>
-              <a:rPr lang="pt-BR" sz="900" dirty="0"/>
-              <a:t>Computador com software </a:t>
-            </a:r>
-            <a:r>
-              <a:rPr lang="pt-BR" sz="900" dirty="0" err="1"/>
-              <a:t>Telemon</a:t>
-            </a:r>
-            <a:r>
-              <a:rPr lang="pt-BR" sz="900" dirty="0"/>
-              <a:t> realizando o monitoramento de processos, hardware, capturando log erros e internet.</a:t>
-            </a:r>
-          </a:p>
-        </p:txBody>
-      </p:sp>
-      <p:sp>
-        <p:nvSpPr>
-          <p:cNvPr id="25" name="Retângulo 24">
-            <a:extLst>
-              <a:ext uri="{FF2B5EF4-FFF2-40B4-BE49-F238E27FC236}">
-                <a16:creationId xmlns:a16="http://schemas.microsoft.com/office/drawing/2014/main" id="{8EB74048-9285-413A-9703-C7912BBD29A0}"/>
-              </a:ext>
-            </a:extLst>
-          </p:cNvPr>
-          <p:cNvSpPr/>
-          <p:nvPr/>
-        </p:nvSpPr>
-        <p:spPr>
-          <a:xfrm>
-            <a:off x="4902424" y="1256382"/>
-            <a:ext cx="1622740" cy="499715"/>
-          </a:xfrm>
-          <a:prstGeom prst="rect">
-            <a:avLst/>
-          </a:prstGeom>
-          <a:solidFill>
-            <a:schemeClr val="bg1"/>
-          </a:solidFill>
-          <a:ln>
-            <a:noFill/>
-          </a:ln>
-        </p:spPr>
-        <p:style>
-          <a:lnRef idx="2">
-            <a:schemeClr val="accent1">
-              <a:shade val="50000"/>
-            </a:schemeClr>
-          </a:lnRef>
-          <a:fillRef idx="1">
-            <a:schemeClr val="accent1"/>
-          </a:fillRef>
-          <a:effectRef idx="0">
-            <a:schemeClr val="accent1"/>
-          </a:effectRef>
-          <a:fontRef idx="minor">
-            <a:schemeClr val="lt1"/>
-          </a:fontRef>
-        </p:style>
-        <p:txBody>
-          <a:bodyPr rtlCol="0" anchor="ctr"/>
-          <a:lstStyle/>
-          <a:p>
-            <a:pPr algn="ctr"/>
-            <a:endParaRPr lang="pt-BR" dirty="0"/>
-          </a:p>
-        </p:txBody>
-      </p:sp>
-      <p:pic>
-        <p:nvPicPr>
-          <p:cNvPr id="21" name="Picture 2" descr="JavaScript – Wikipédia, a enciclopédia livre">
-            <a:extLst>
-              <a:ext uri="{FF2B5EF4-FFF2-40B4-BE49-F238E27FC236}">
-                <a16:creationId xmlns:a16="http://schemas.microsoft.com/office/drawing/2014/main" id="{34293808-22F9-4A1F-BB2E-227976666610}"/>
-              </a:ext>
-            </a:extLst>
-          </p:cNvPr>
-          <p:cNvPicPr>
-            <a:picLocks noChangeAspect="1" noChangeArrowheads="1"/>
-          </p:cNvPicPr>
-          <p:nvPr/>
-        </p:nvPicPr>
-        <p:blipFill>
-          <a:blip r:embed="rId14">
-            <a:extLst>
-              <a:ext uri="{28A0092B-C50C-407E-A947-70E740481C1C}">
-                <a14:useLocalDpi xmlns:a14="http://schemas.microsoft.com/office/drawing/2010/main" val="0"/>
-              </a:ext>
-            </a:extLst>
-          </a:blip>
-          <a:srcRect/>
-          <a:stretch>
-            <a:fillRect/>
-          </a:stretch>
-        </p:blipFill>
-        <p:spPr bwMode="auto">
-          <a:xfrm>
-            <a:off x="4938550" y="1625352"/>
-            <a:ext cx="314629" cy="314629"/>
-          </a:xfrm>
-          <a:prstGeom prst="rect">
-            <a:avLst/>
-          </a:prstGeom>
-          <a:noFill/>
-          <a:extLst>
-            <a:ext uri="{909E8E84-426E-40DD-AFC4-6F175D3DCCD1}">
-              <a14:hiddenFill xmlns:a14="http://schemas.microsoft.com/office/drawing/2010/main">
-                <a:solidFill>
-                  <a:srgbClr val="FFFFFF"/>
-                </a:solidFill>
-              </a14:hiddenFill>
-            </a:ext>
-          </a:extLst>
-        </p:spPr>
-      </p:pic>
-      <p:pic>
-        <p:nvPicPr>
-          <p:cNvPr id="1030" name="Picture 6" descr="CSS - Wikipedia">
-            <a:extLst>
-              <a:ext uri="{FF2B5EF4-FFF2-40B4-BE49-F238E27FC236}">
-                <a16:creationId xmlns:a16="http://schemas.microsoft.com/office/drawing/2014/main" id="{A5935F69-9994-4969-962E-B2F0496FD926}"/>
-              </a:ext>
-            </a:extLst>
-          </p:cNvPr>
-          <p:cNvPicPr>
-            <a:picLocks noChangeAspect="1" noChangeArrowheads="1"/>
-          </p:cNvPicPr>
-          <p:nvPr/>
-        </p:nvPicPr>
-        <p:blipFill>
-          <a:blip r:embed="rId15">
-            <a:extLst>
-              <a:ext uri="{28A0092B-C50C-407E-A947-70E740481C1C}">
-                <a14:useLocalDpi xmlns:a14="http://schemas.microsoft.com/office/drawing/2010/main" val="0"/>
-              </a:ext>
-            </a:extLst>
-          </a:blip>
-          <a:srcRect/>
-          <a:stretch>
-            <a:fillRect/>
-          </a:stretch>
-        </p:blipFill>
-        <p:spPr bwMode="auto">
-          <a:xfrm>
-            <a:off x="5749222" y="1183775"/>
-            <a:ext cx="342432" cy="483118"/>
-          </a:xfrm>
-          <a:prstGeom prst="rect">
-            <a:avLst/>
-          </a:prstGeom>
-          <a:noFill/>
-          <a:extLst>
-            <a:ext uri="{909E8E84-426E-40DD-AFC4-6F175D3DCCD1}">
-              <a14:hiddenFill xmlns:a14="http://schemas.microsoft.com/office/drawing/2010/main">
-                <a:solidFill>
-                  <a:srgbClr val="FFFFFF"/>
-                </a:solidFill>
-              </a14:hiddenFill>
-            </a:ext>
-          </a:extLst>
-        </p:spPr>
-      </p:pic>
-      <p:pic>
-        <p:nvPicPr>
-          <p:cNvPr id="1028" name="Picture 4" descr="HTML5 – Wikipédia, a enciclopédia livre">
-            <a:extLst>
-              <a:ext uri="{FF2B5EF4-FFF2-40B4-BE49-F238E27FC236}">
-                <a16:creationId xmlns:a16="http://schemas.microsoft.com/office/drawing/2014/main" id="{192AFB79-DE18-40B9-9AA9-CFBC96C85AA8}"/>
-              </a:ext>
-            </a:extLst>
-          </p:cNvPr>
-          <p:cNvPicPr>
-            <a:picLocks noChangeAspect="1" noChangeArrowheads="1"/>
-          </p:cNvPicPr>
-          <p:nvPr/>
-        </p:nvPicPr>
-        <p:blipFill>
-          <a:blip r:embed="rId16">
-            <a:extLst>
-              <a:ext uri="{28A0092B-C50C-407E-A947-70E740481C1C}">
-                <a14:useLocalDpi xmlns:a14="http://schemas.microsoft.com/office/drawing/2010/main" val="0"/>
-              </a:ext>
-            </a:extLst>
-          </a:blip>
-          <a:srcRect/>
-          <a:stretch>
-            <a:fillRect/>
-          </a:stretch>
-        </p:blipFill>
-        <p:spPr bwMode="auto">
-          <a:xfrm>
-            <a:off x="5688694" y="673973"/>
-            <a:ext cx="463488" cy="463488"/>
-          </a:xfrm>
-          <a:prstGeom prst="rect">
-            <a:avLst/>
-          </a:prstGeom>
-          <a:noFill/>
-          <a:extLst>
-            <a:ext uri="{909E8E84-426E-40DD-AFC4-6F175D3DCCD1}">
-              <a14:hiddenFill xmlns:a14="http://schemas.microsoft.com/office/drawing/2010/main">
-                <a:solidFill>
-                  <a:srgbClr val="FFFFFF"/>
-                </a:solidFill>
-              </a14:hiddenFill>
-            </a:ext>
-          </a:extLst>
-        </p:spPr>
-      </p:pic>
-      <p:pic>
-        <p:nvPicPr>
-          <p:cNvPr id="27" name="Picture 2" descr="Node.js – Wikipédia, a enciclopédia livre">
-            <a:extLst>
-              <a:ext uri="{FF2B5EF4-FFF2-40B4-BE49-F238E27FC236}">
-                <a16:creationId xmlns:a16="http://schemas.microsoft.com/office/drawing/2014/main" id="{C306C458-5AE6-4141-B5F7-B50D6F7B0AF2}"/>
-              </a:ext>
-            </a:extLst>
-          </p:cNvPr>
-          <p:cNvPicPr>
-            <a:picLocks noChangeAspect="1" noChangeArrowheads="1"/>
-          </p:cNvPicPr>
-          <p:nvPr/>
-        </p:nvPicPr>
-        <p:blipFill>
-          <a:blip r:embed="rId11">
-            <a:extLst>
-              <a:ext uri="{28A0092B-C50C-407E-A947-70E740481C1C}">
-                <a14:useLocalDpi xmlns:a14="http://schemas.microsoft.com/office/drawing/2010/main" val="0"/>
-              </a:ext>
-            </a:extLst>
-          </a:blip>
-          <a:srcRect/>
-          <a:stretch>
-            <a:fillRect/>
-          </a:stretch>
-        </p:blipFill>
-        <p:spPr bwMode="auto">
-          <a:xfrm>
-            <a:off x="5043792" y="499081"/>
-            <a:ext cx="598728" cy="366205"/>
-          </a:xfrm>
-          <a:prstGeom prst="rect">
-            <a:avLst/>
-          </a:prstGeom>
-          <a:noFill/>
-          <a:extLst>
-            <a:ext uri="{909E8E84-426E-40DD-AFC4-6F175D3DCCD1}">
-              <a14:hiddenFill xmlns:a14="http://schemas.microsoft.com/office/drawing/2010/main">
-                <a:solidFill>
-                  <a:srgbClr val="FFFFFF"/>
-                </a:solidFill>
-              </a14:hiddenFill>
-            </a:ext>
-          </a:extLst>
-        </p:spPr>
-      </p:pic>
-      <p:pic>
-        <p:nvPicPr>
-          <p:cNvPr id="1032" name="Picture 8" descr="Bootstrap em Português · O mais popular framework front-end responsivo e  focado para dispositivos móveis do mundo.">
-            <a:extLst>
-              <a:ext uri="{FF2B5EF4-FFF2-40B4-BE49-F238E27FC236}">
-                <a16:creationId xmlns:a16="http://schemas.microsoft.com/office/drawing/2014/main" id="{C3798B4D-CE1E-4347-9F1E-D9E94B864595}"/>
-              </a:ext>
-            </a:extLst>
-          </p:cNvPr>
-          <p:cNvPicPr>
-            <a:picLocks noChangeAspect="1" noChangeArrowheads="1"/>
-          </p:cNvPicPr>
-          <p:nvPr/>
-        </p:nvPicPr>
-        <p:blipFill>
-          <a:blip r:embed="rId17">
-            <a:extLst>
-              <a:ext uri="{28A0092B-C50C-407E-A947-70E740481C1C}">
-                <a14:useLocalDpi xmlns:a14="http://schemas.microsoft.com/office/drawing/2010/main" val="0"/>
-              </a:ext>
-            </a:extLst>
-          </a:blip>
-          <a:srcRect/>
-          <a:stretch>
-            <a:fillRect/>
-          </a:stretch>
-        </p:blipFill>
-        <p:spPr bwMode="auto">
-          <a:xfrm>
-            <a:off x="5228413" y="1606313"/>
-            <a:ext cx="620279" cy="385059"/>
-          </a:xfrm>
-          <a:prstGeom prst="rect">
-            <a:avLst/>
-          </a:prstGeom>
-          <a:noFill/>
-          <a:extLst>
-            <a:ext uri="{909E8E84-426E-40DD-AFC4-6F175D3DCCD1}">
-              <a14:hiddenFill xmlns:a14="http://schemas.microsoft.com/office/drawing/2010/main">
-                <a:solidFill>
-                  <a:srgbClr val="FFFFFF"/>
-                </a:solidFill>
-              </a14:hiddenFill>
-            </a:ext>
-          </a:extLst>
-        </p:spPr>
-      </p:pic>
-      <p:pic>
-        <p:nvPicPr>
-          <p:cNvPr id="1034" name="Picture 10" descr="Amazon Web Services - Wikipedia">
-            <a:extLst>
-              <a:ext uri="{FF2B5EF4-FFF2-40B4-BE49-F238E27FC236}">
-                <a16:creationId xmlns:a16="http://schemas.microsoft.com/office/drawing/2014/main" id="{0A17543D-B318-4190-9DFE-A65CBABEA3DD}"/>
-              </a:ext>
-            </a:extLst>
-          </p:cNvPr>
-          <p:cNvPicPr>
-            <a:picLocks noChangeAspect="1" noChangeArrowheads="1"/>
-          </p:cNvPicPr>
-          <p:nvPr/>
-        </p:nvPicPr>
-        <p:blipFill>
-          <a:blip r:embed="rId18">
-            <a:extLst>
-              <a:ext uri="{28A0092B-C50C-407E-A947-70E740481C1C}">
-                <a14:useLocalDpi xmlns:a14="http://schemas.microsoft.com/office/drawing/2010/main" val="0"/>
-              </a:ext>
-            </a:extLst>
-          </a:blip>
-          <a:srcRect/>
-          <a:stretch>
-            <a:fillRect/>
-          </a:stretch>
-        </p:blipFill>
-        <p:spPr bwMode="auto">
-          <a:xfrm>
-            <a:off x="3274511" y="171129"/>
-            <a:ext cx="620249" cy="319283"/>
-          </a:xfrm>
-          <a:prstGeom prst="rect">
-            <a:avLst/>
-          </a:prstGeom>
-          <a:noFill/>
-          <a:extLst>
-            <a:ext uri="{909E8E84-426E-40DD-AFC4-6F175D3DCCD1}">
-              <a14:hiddenFill xmlns:a14="http://schemas.microsoft.com/office/drawing/2010/main">
-                <a:solidFill>
-                  <a:srgbClr val="FFFFFF"/>
-                </a:solidFill>
-              </a14:hiddenFill>
-            </a:ext>
-          </a:extLst>
-        </p:spPr>
-      </p:pic>
-      <p:pic>
-        <p:nvPicPr>
-          <p:cNvPr id="1036" name="Picture 12" descr="Free Icon | Database">
-            <a:extLst>
-              <a:ext uri="{FF2B5EF4-FFF2-40B4-BE49-F238E27FC236}">
-                <a16:creationId xmlns:a16="http://schemas.microsoft.com/office/drawing/2014/main" id="{C54354EB-503C-441F-97D3-4FF1B87FEE62}"/>
-              </a:ext>
-            </a:extLst>
-          </p:cNvPr>
-          <p:cNvPicPr>
-            <a:picLocks noChangeAspect="1" noChangeArrowheads="1"/>
-          </p:cNvPicPr>
-          <p:nvPr/>
-        </p:nvPicPr>
-        <p:blipFill>
-          <a:blip r:embed="rId19">
-            <a:extLst>
-              <a:ext uri="{28A0092B-C50C-407E-A947-70E740481C1C}">
-                <a14:useLocalDpi xmlns:a14="http://schemas.microsoft.com/office/drawing/2010/main" val="0"/>
-              </a:ext>
-            </a:extLst>
-          </a:blip>
-          <a:srcRect/>
-          <a:stretch>
-            <a:fillRect/>
-          </a:stretch>
-        </p:blipFill>
-        <p:spPr bwMode="auto">
-          <a:xfrm>
-            <a:off x="3515800" y="789948"/>
-            <a:ext cx="785366" cy="785366"/>
-          </a:xfrm>
-          <a:prstGeom prst="rect">
-            <a:avLst/>
-          </a:prstGeom>
-          <a:noFill/>
-          <a:extLst>
-            <a:ext uri="{909E8E84-426E-40DD-AFC4-6F175D3DCCD1}">
-              <a14:hiddenFill xmlns:a14="http://schemas.microsoft.com/office/drawing/2010/main">
-                <a:solidFill>
-                  <a:srgbClr val="FFFFFF"/>
-                </a:solidFill>
-              </a14:hiddenFill>
-            </a:ext>
-          </a:extLst>
-        </p:spPr>
-      </p:pic>
-      <p:pic>
-        <p:nvPicPr>
-          <p:cNvPr id="31" name="Imagem 30" descr="Uma imagem contendo Forma&#10;&#10;Descrição gerada automaticamente">
-            <a:extLst>
-              <a:ext uri="{FF2B5EF4-FFF2-40B4-BE49-F238E27FC236}">
-                <a16:creationId xmlns:a16="http://schemas.microsoft.com/office/drawing/2014/main" id="{C96167A5-570E-409C-933E-D9F7CD73CE3B}"/>
-              </a:ext>
-            </a:extLst>
-          </p:cNvPr>
-          <p:cNvPicPr>
-            <a:picLocks noChangeAspect="1"/>
-          </p:cNvPicPr>
-          <p:nvPr/>
-        </p:nvPicPr>
-        <p:blipFill>
-          <a:blip r:embed="rId20">
-            <a:extLst>
-              <a:ext uri="{28A0092B-C50C-407E-A947-70E740481C1C}">
-                <a14:useLocalDpi xmlns:a14="http://schemas.microsoft.com/office/drawing/2010/main" val="0"/>
-              </a:ext>
-            </a:extLst>
-          </a:blip>
-          <a:stretch>
-            <a:fillRect/>
-          </a:stretch>
-        </p:blipFill>
-        <p:spPr>
-          <a:xfrm>
-            <a:off x="5010212" y="902664"/>
-            <a:ext cx="647933" cy="647933"/>
-          </a:xfrm>
-          <a:prstGeom prst="rect">
-            <a:avLst/>
-          </a:prstGeom>
-        </p:spPr>
-      </p:pic>
-    </p:spTree>
-    <p:extLst>
-      <p:ext uri="{BB962C8B-B14F-4D97-AF65-F5344CB8AC3E}">
-        <p14:creationId xmlns:p14="http://schemas.microsoft.com/office/powerpoint/2010/main" val="2619191552"/>
       </p:ext>
     </p:extLst>
   </p:cSld>
@@ -9030,6 +9037,21 @@
 </file>
 
 <file path=customXml/item1.xml><?xml version="1.0" encoding="utf-8"?>
+<p:properties xmlns:p="http://schemas.microsoft.com/office/2006/metadata/properties" xmlns:xsi="http://www.w3.org/2001/XMLSchema-instance" xmlns:pc="http://schemas.microsoft.com/office/infopath/2007/PartnerControls">
+  <documentManagement/>
+</p:properties>
+</file>
+
+<file path=customXml/item2.xml><?xml version="1.0" encoding="utf-8"?>
+<?mso-contentType ?>
+<FormTemplates xmlns="http://schemas.microsoft.com/sharepoint/v3/contenttype/forms">
+  <Display>DocumentLibraryForm</Display>
+  <Edit>DocumentLibraryForm</Edit>
+  <New>DocumentLibraryForm</New>
+</FormTemplates>
+</file>
+
+<file path=customXml/item3.xml><?xml version="1.0" encoding="utf-8"?>
 <ct:contentTypeSchema xmlns:ct="http://schemas.microsoft.com/office/2006/metadata/contentType" xmlns:ma="http://schemas.microsoft.com/office/2006/metadata/properties/metaAttributes" ct:_="" ma:_="" ma:contentTypeName="Document" ma:contentTypeID="0x010100B98A8EE2A9F7A14F94CEDBF06729C915" ma:contentTypeVersion="2" ma:contentTypeDescription="Create a new document." ma:contentTypeScope="" ma:versionID="54211dd7b80d0a5e350bd2ce1fda18e0">
   <xsd:schema xmlns:xsd="http://www.w3.org/2001/XMLSchema" xmlns:xs="http://www.w3.org/2001/XMLSchema" xmlns:p="http://schemas.microsoft.com/office/2006/metadata/properties" xmlns:ns3="4d0c820a-888c-467f-9883-f2eb09285986" targetNamespace="http://schemas.microsoft.com/office/2006/metadata/properties" ma:root="true" ma:fieldsID="215748a485b3af4a87eff8123adb26da" ns3:_="">
     <xsd:import namespace="4d0c820a-888c-467f-9883-f2eb09285986"/>
@@ -9161,22 +9183,31 @@
 </ct:contentTypeSchema>
 </file>
 
-<file path=customXml/item2.xml><?xml version="1.0" encoding="utf-8"?>
-<?mso-contentType ?>
-<FormTemplates xmlns="http://schemas.microsoft.com/sharepoint/v3/contenttype/forms">
-  <Display>DocumentLibraryForm</Display>
-  <Edit>DocumentLibraryForm</Edit>
-  <New>DocumentLibraryForm</New>
-</FormTemplates>
+<file path=customXml/itemProps1.xml><?xml version="1.0" encoding="utf-8"?>
+<ds:datastoreItem xmlns:ds="http://schemas.openxmlformats.org/officeDocument/2006/customXml" ds:itemID="{B1403ECD-64BE-4472-A72B-8AE2B2D302D4}">
+  <ds:schemaRefs>
+    <ds:schemaRef ds:uri="http://schemas.microsoft.com/office/2006/documentManagement/types"/>
+    <ds:schemaRef ds:uri="http://schemas.microsoft.com/office/infopath/2007/PartnerControls"/>
+    <ds:schemaRef ds:uri="http://www.w3.org/XML/1998/namespace"/>
+    <ds:schemaRef ds:uri="4d0c820a-888c-467f-9883-f2eb09285986"/>
+    <ds:schemaRef ds:uri="http://purl.org/dc/terms/"/>
+    <ds:schemaRef ds:uri="http://purl.org/dc/dcmitype/"/>
+    <ds:schemaRef ds:uri="http://purl.org/dc/elements/1.1/"/>
+    <ds:schemaRef ds:uri="http://schemas.openxmlformats.org/package/2006/metadata/core-properties"/>
+    <ds:schemaRef ds:uri="http://schemas.microsoft.com/office/2006/metadata/properties"/>
+  </ds:schemaRefs>
+</ds:datastoreItem>
 </file>
 
-<file path=customXml/item3.xml><?xml version="1.0" encoding="utf-8"?>
-<p:properties xmlns:p="http://schemas.microsoft.com/office/2006/metadata/properties" xmlns:xsi="http://www.w3.org/2001/XMLSchema-instance" xmlns:pc="http://schemas.microsoft.com/office/infopath/2007/PartnerControls">
-  <documentManagement/>
-</p:properties>
+<file path=customXml/itemProps2.xml><?xml version="1.0" encoding="utf-8"?>
+<ds:datastoreItem xmlns:ds="http://schemas.openxmlformats.org/officeDocument/2006/customXml" ds:itemID="{C361E357-1858-46EE-ADFA-698EE4D9C360}">
+  <ds:schemaRefs>
+    <ds:schemaRef ds:uri="http://schemas.microsoft.com/sharepoint/v3/contenttype/forms"/>
+  </ds:schemaRefs>
+</ds:datastoreItem>
 </file>
 
-<file path=customXml/itemProps1.xml><?xml version="1.0" encoding="utf-8"?>
+<file path=customXml/itemProps3.xml><?xml version="1.0" encoding="utf-8"?>
 <ds:datastoreItem xmlns:ds="http://schemas.openxmlformats.org/officeDocument/2006/customXml" ds:itemID="{94021B74-C88A-417E-AEFD-9E5858425111}">
   <ds:schemaRefs>
     <ds:schemaRef ds:uri="http://schemas.microsoft.com/office/2006/metadata/contentType"/>
@@ -9192,28 +9223,4 @@
     <ds:schemaRef ds:uri="http://schemas.microsoft.com/internal/obd"/>
   </ds:schemaRefs>
 </ds:datastoreItem>
-</file>
-
-<file path=customXml/itemProps2.xml><?xml version="1.0" encoding="utf-8"?>
-<ds:datastoreItem xmlns:ds="http://schemas.openxmlformats.org/officeDocument/2006/customXml" ds:itemID="{C361E357-1858-46EE-ADFA-698EE4D9C360}">
-  <ds:schemaRefs>
-    <ds:schemaRef ds:uri="http://schemas.microsoft.com/sharepoint/v3/contenttype/forms"/>
-  </ds:schemaRefs>
-</ds:datastoreItem>
-</file>
-
-<file path=customXml/itemProps3.xml><?xml version="1.0" encoding="utf-8"?>
-<ds:datastoreItem xmlns:ds="http://schemas.openxmlformats.org/officeDocument/2006/customXml" ds:itemID="{B1403ECD-64BE-4472-A72B-8AE2B2D302D4}">
-  <ds:schemaRefs>
-    <ds:schemaRef ds:uri="http://schemas.microsoft.com/office/2006/documentManagement/types"/>
-    <ds:schemaRef ds:uri="http://schemas.microsoft.com/office/infopath/2007/PartnerControls"/>
-    <ds:schemaRef ds:uri="http://www.w3.org/XML/1998/namespace"/>
-    <ds:schemaRef ds:uri="4d0c820a-888c-467f-9883-f2eb09285986"/>
-    <ds:schemaRef ds:uri="http://purl.org/dc/terms/"/>
-    <ds:schemaRef ds:uri="http://purl.org/dc/dcmitype/"/>
-    <ds:schemaRef ds:uri="http://purl.org/dc/elements/1.1/"/>
-    <ds:schemaRef ds:uri="http://schemas.openxmlformats.org/package/2006/metadata/core-properties"/>
-    <ds:schemaRef ds:uri="http://schemas.microsoft.com/office/2006/metadata/properties"/>
-  </ds:schemaRefs>
-</ds:datastoreItem>
 </file>
--- a/Documentação/HLD.LLD.DIAGRAMA.pptx
+++ b/Documentação/HLD.LLD.DIAGRAMA.pptx
@@ -3773,7 +3773,7 @@
         </p:nvSpPr>
         <p:spPr>
           <a:xfrm>
-            <a:off x="80795" y="-25817"/>
+            <a:off x="4526" y="-25817"/>
             <a:ext cx="569387" cy="369332"/>
           </a:xfrm>
           <a:prstGeom prst="rect">
@@ -3825,7 +3825,7 @@
             <a:pPr algn="ctr"/>
             <a:r>
               <a:rPr lang="pt-BR" sz="1400" b="1" dirty="0"/>
-              <a:t>Através do nosso dashboard você terá informações em tempo real através de gráficos, podendo verificar registros e sendo alertado sobre irregularidades.</a:t>
+              <a:t>Através do nosso dashboard você terá informações em tempo real através de gráficos, podendo verificar registros e verificando irregularidades.</a:t>
             </a:r>
           </a:p>
         </p:txBody>
@@ -3897,7 +3897,7 @@
             <a:pPr algn="ctr"/>
             <a:r>
               <a:rPr lang="pt-BR" sz="1400" b="1" dirty="0"/>
-              <a:t>Com nosso sistema você terá o controle dos computadores totalmente automatizado e em tempo real. Aumentando e melhorando o desempenho dos funcionários.</a:t>
+              <a:t>Com nosso sistema você terá a informações relacionada aos computadores totalmente automatizado e em tempo real. Aumentando o controle sobre os funcionários.</a:t>
             </a:r>
           </a:p>
         </p:txBody>
@@ -3946,8 +3946,43 @@
           </p:cNvPicPr>
           <p:nvPr/>
         </p:nvPicPr>
+        <p:blipFill rotWithShape="1">
+          <a:blip r:embed="rId2">
+            <a:extLst>
+              <a:ext uri="{28A0092B-C50C-407E-A947-70E740481C1C}">
+                <a14:useLocalDpi xmlns:a14="http://schemas.microsoft.com/office/drawing/2010/main" val="0"/>
+              </a:ext>
+            </a:extLst>
+          </a:blip>
+          <a:srcRect l="1522" t="2780" r="-356" b="3946"/>
+          <a:stretch/>
+        </p:blipFill>
+        <p:spPr>
+          <a:xfrm>
+            <a:off x="3121095" y="-21702"/>
+            <a:ext cx="4946093" cy="2524914"/>
+          </a:xfrm>
+          <a:prstGeom prst="rect">
+            <a:avLst/>
+          </a:prstGeom>
+        </p:spPr>
+      </p:pic>
+      <p:pic>
+        <p:nvPicPr>
+          <p:cNvPr id="49" name="Imagem 48" descr="Forma&#10;&#10;Descrição gerada automaticamente">
+            <a:extLst>
+              <a:ext uri="{FF2B5EF4-FFF2-40B4-BE49-F238E27FC236}">
+                <a16:creationId xmlns:a16="http://schemas.microsoft.com/office/drawing/2014/main" id="{85B16B53-66FB-4009-B794-D2C9A50B0D2C}"/>
+              </a:ext>
+            </a:extLst>
+          </p:cNvPr>
+          <p:cNvPicPr>
+            <a:picLocks noChangeAspect="1"/>
+          </p:cNvPicPr>
+          <p:nvPr/>
+        </p:nvPicPr>
         <p:blipFill>
-          <a:blip r:embed="rId2">
+          <a:blip r:embed="rId3">
             <a:extLst>
               <a:ext uri="{28A0092B-C50C-407E-A947-70E740481C1C}">
                 <a14:useLocalDpi xmlns:a14="http://schemas.microsoft.com/office/drawing/2010/main" val="0"/>
@@ -3960,8 +3995,8 @@
         </p:blipFill>
         <p:spPr>
           <a:xfrm>
-            <a:off x="2563810" y="-94903"/>
-            <a:ext cx="6816101" cy="3817017"/>
+            <a:off x="4468404" y="2645951"/>
+            <a:ext cx="2424427" cy="1357679"/>
           </a:xfrm>
           <a:prstGeom prst="rect">
             <a:avLst/>
@@ -3970,10 +4005,10 @@
       </p:pic>
       <p:pic>
         <p:nvPicPr>
-          <p:cNvPr id="49" name="Imagem 48" descr="Forma&#10;&#10;Descrição gerada automaticamente">
-            <a:extLst>
-              <a:ext uri="{FF2B5EF4-FFF2-40B4-BE49-F238E27FC236}">
-                <a16:creationId xmlns:a16="http://schemas.microsoft.com/office/drawing/2014/main" id="{85B16B53-66FB-4009-B794-D2C9A50B0D2C}"/>
+          <p:cNvPr id="16" name="Imagem 15">
+            <a:extLst>
+              <a:ext uri="{FF2B5EF4-FFF2-40B4-BE49-F238E27FC236}">
+                <a16:creationId xmlns:a16="http://schemas.microsoft.com/office/drawing/2014/main" id="{F080E30E-48F9-44E0-BB36-75BC3D0889E5}"/>
               </a:ext>
             </a:extLst>
           </p:cNvPr>
@@ -3983,7 +4018,7 @@
           <p:nvPr/>
         </p:nvPicPr>
         <p:blipFill>
-          <a:blip r:embed="rId2">
+          <a:blip r:embed="rId4">
             <a:extLst>
               <a:ext uri="{28A0092B-C50C-407E-A947-70E740481C1C}">
                 <a14:useLocalDpi xmlns:a14="http://schemas.microsoft.com/office/drawing/2010/main" val="0"/>
@@ -3996,44 +4031,8 @@
         </p:blipFill>
         <p:spPr>
           <a:xfrm>
-            <a:off x="4107899" y="4608060"/>
-            <a:ext cx="2950568" cy="1652318"/>
-          </a:xfrm>
-          <a:prstGeom prst="rect">
-            <a:avLst/>
-          </a:prstGeom>
-        </p:spPr>
-      </p:pic>
-      <p:pic>
-        <p:nvPicPr>
-          <p:cNvPr id="16" name="Imagem 15">
-            <a:extLst>
-              <a:ext uri="{FF2B5EF4-FFF2-40B4-BE49-F238E27FC236}">
-                <a16:creationId xmlns:a16="http://schemas.microsoft.com/office/drawing/2014/main" id="{F080E30E-48F9-44E0-BB36-75BC3D0889E5}"/>
-              </a:ext>
-            </a:extLst>
-          </p:cNvPr>
-          <p:cNvPicPr>
-            <a:picLocks noChangeAspect="1"/>
-          </p:cNvPicPr>
-          <p:nvPr/>
-        </p:nvPicPr>
-        <p:blipFill>
-          <a:blip r:embed="rId3">
-            <a:extLst>
-              <a:ext uri="{28A0092B-C50C-407E-A947-70E740481C1C}">
-                <a14:useLocalDpi xmlns:a14="http://schemas.microsoft.com/office/drawing/2010/main" val="0"/>
-              </a:ext>
-            </a:extLst>
-          </a:blip>
-          <a:stretch>
-            <a:fillRect/>
-          </a:stretch>
-        </p:blipFill>
-        <p:spPr>
-          <a:xfrm>
             <a:off x="2646023" y="5454288"/>
-            <a:ext cx="1240498" cy="979740"/>
+            <a:ext cx="1344434" cy="1061828"/>
           </a:xfrm>
           <a:prstGeom prst="rect">
             <a:avLst/>
@@ -4055,7 +4054,7 @@
           <p:nvPr/>
         </p:nvPicPr>
         <p:blipFill>
-          <a:blip r:embed="rId4">
+          <a:blip r:embed="rId5">
             <a:extLst>
               <a:ext uri="{28A0092B-C50C-407E-A947-70E740481C1C}">
                 <a14:useLocalDpi xmlns:a14="http://schemas.microsoft.com/office/drawing/2010/main" val="0"/>
@@ -4134,9 +4133,9 @@
           <p:nvPr/>
         </p:nvCxnSpPr>
         <p:spPr>
-          <a:xfrm>
-            <a:off x="4192118" y="5151214"/>
-            <a:ext cx="403442" cy="0"/>
+          <a:xfrm flipV="1">
+            <a:off x="4000942" y="3565717"/>
+            <a:ext cx="374452" cy="55709"/>
           </a:xfrm>
           <a:prstGeom prst="straightConnector1">
             <a:avLst/>
@@ -4181,9 +4180,9 @@
           <p:nvPr/>
         </p:nvCxnSpPr>
         <p:spPr>
-          <a:xfrm flipH="1">
-            <a:off x="6585358" y="5151214"/>
-            <a:ext cx="500348" cy="0"/>
+          <a:xfrm flipH="1" flipV="1">
+            <a:off x="7032173" y="3565717"/>
+            <a:ext cx="455527" cy="114324"/>
           </a:xfrm>
           <a:prstGeom prst="straightConnector1">
             <a:avLst/>
@@ -4228,7 +4227,7 @@
           <p:nvPr/>
         </p:nvPicPr>
         <p:blipFill>
-          <a:blip r:embed="rId4">
+          <a:blip r:embed="rId5">
             <a:extLst>
               <a:ext uri="{28A0092B-C50C-407E-A947-70E740481C1C}">
                 <a14:useLocalDpi xmlns:a14="http://schemas.microsoft.com/office/drawing/2010/main" val="0"/>
@@ -4299,7 +4298,7 @@
           <p:nvPr/>
         </p:nvPicPr>
         <p:blipFill>
-          <a:blip r:embed="rId3">
+          <a:blip r:embed="rId4">
             <a:extLst>
               <a:ext uri="{28A0092B-C50C-407E-A947-70E740481C1C}">
                 <a14:useLocalDpi xmlns:a14="http://schemas.microsoft.com/office/drawing/2010/main" val="0"/>
@@ -4335,7 +4334,7 @@
           <p:nvPr/>
         </p:nvPicPr>
         <p:blipFill>
-          <a:blip r:embed="rId5">
+          <a:blip r:embed="rId6">
             <a:extLst>
               <a:ext uri="{28A0092B-C50C-407E-A947-70E740481C1C}">
                 <a14:useLocalDpi xmlns:a14="http://schemas.microsoft.com/office/drawing/2010/main" val="0"/>
@@ -4371,7 +4370,7 @@
           <p:nvPr/>
         </p:nvPicPr>
         <p:blipFill>
-          <a:blip r:embed="rId5">
+          <a:blip r:embed="rId6">
             <a:extLst>
               <a:ext uri="{28A0092B-C50C-407E-A947-70E740481C1C}">
                 <a14:useLocalDpi xmlns:a14="http://schemas.microsoft.com/office/drawing/2010/main" val="0"/>
@@ -4407,7 +4406,7 @@
           <p:nvPr/>
         </p:nvPicPr>
         <p:blipFill>
-          <a:blip r:embed="rId6">
+          <a:blip r:embed="rId7">
             <a:extLst>
               <a:ext uri="{28A0092B-C50C-407E-A947-70E740481C1C}">
                 <a14:useLocalDpi xmlns:a14="http://schemas.microsoft.com/office/drawing/2010/main" val="0"/>
@@ -4443,7 +4442,7 @@
           <p:nvPr/>
         </p:nvPicPr>
         <p:blipFill>
-          <a:blip r:embed="rId5">
+          <a:blip r:embed="rId6">
             <a:extLst>
               <a:ext uri="{28A0092B-C50C-407E-A947-70E740481C1C}">
                 <a14:useLocalDpi xmlns:a14="http://schemas.microsoft.com/office/drawing/2010/main" val="0"/>
@@ -4752,7 +4751,7 @@
           <p:nvPr/>
         </p:nvPicPr>
         <p:blipFill>
-          <a:blip r:embed="rId7">
+          <a:blip r:embed="rId8">
             <a:extLst>
               <a:ext uri="{28A0092B-C50C-407E-A947-70E740481C1C}">
                 <a14:useLocalDpi xmlns:a14="http://schemas.microsoft.com/office/drawing/2010/main" val="0"/>
@@ -4788,7 +4787,7 @@
           <p:nvPr/>
         </p:nvPicPr>
         <p:blipFill>
-          <a:blip r:embed="rId8">
+          <a:blip r:embed="rId9">
             <a:extLst>
               <a:ext uri="{28A0092B-C50C-407E-A947-70E740481C1C}">
                 <a14:useLocalDpi xmlns:a14="http://schemas.microsoft.com/office/drawing/2010/main" val="0"/>
@@ -4824,7 +4823,7 @@
           <p:nvPr/>
         </p:nvPicPr>
         <p:blipFill>
-          <a:blip r:embed="rId9">
+          <a:blip r:embed="rId10">
             <a:extLst>
               <a:ext uri="{28A0092B-C50C-407E-A947-70E740481C1C}">
                 <a14:useLocalDpi xmlns:a14="http://schemas.microsoft.com/office/drawing/2010/main" val="0"/>
@@ -5073,7 +5072,7 @@
           <p:nvPr/>
         </p:nvPicPr>
         <p:blipFill>
-          <a:blip r:embed="rId10">
+          <a:blip r:embed="rId11">
             <a:extLst>
               <a:ext uri="{28A0092B-C50C-407E-A947-70E740481C1C}">
                 <a14:useLocalDpi xmlns:a14="http://schemas.microsoft.com/office/drawing/2010/main" val="0"/>
@@ -5086,7 +5085,7 @@
         </p:blipFill>
         <p:spPr>
           <a:xfrm>
-            <a:off x="2862560" y="5540446"/>
+            <a:off x="2888226" y="5556771"/>
             <a:ext cx="403712" cy="403712"/>
           </a:xfrm>
           <a:prstGeom prst="rect">
@@ -5109,7 +5108,7 @@
           <p:nvPr/>
         </p:nvPicPr>
         <p:blipFill>
-          <a:blip r:embed="rId11">
+          <a:blip r:embed="rId12">
             <a:extLst>
               <a:ext uri="{28A0092B-C50C-407E-A947-70E740481C1C}">
                 <a14:useLocalDpi xmlns:a14="http://schemas.microsoft.com/office/drawing/2010/main" val="0"/>
@@ -5122,7 +5121,7 @@
         </p:blipFill>
         <p:spPr>
           <a:xfrm>
-            <a:off x="3288731" y="5549860"/>
+            <a:off x="3357019" y="5549861"/>
             <a:ext cx="403713" cy="403713"/>
           </a:xfrm>
           <a:prstGeom prst="rect">
@@ -5144,7 +5143,7 @@
         </p:nvSpPr>
         <p:spPr>
           <a:xfrm>
-            <a:off x="1372519" y="5434219"/>
+            <a:off x="1397957" y="5372199"/>
             <a:ext cx="1240499" cy="1061829"/>
           </a:xfrm>
           <a:prstGeom prst="rect">
@@ -5188,7 +5187,7 @@
           <p:nvPr/>
         </p:nvPicPr>
         <p:blipFill>
-          <a:blip r:embed="rId12">
+          <a:blip r:embed="rId13">
             <a:extLst>
               <a:ext uri="{28A0092B-C50C-407E-A947-70E740481C1C}">
                 <a14:useLocalDpi xmlns:a14="http://schemas.microsoft.com/office/drawing/2010/main" val="0"/>
@@ -5202,8 +5201,8 @@
         </p:blipFill>
         <p:spPr bwMode="auto">
           <a:xfrm>
-            <a:off x="5221819" y="5008868"/>
-            <a:ext cx="798554" cy="230832"/>
+            <a:off x="5478109" y="2807565"/>
+            <a:ext cx="697314" cy="201567"/>
           </a:xfrm>
           <a:prstGeom prst="rect">
             <a:avLst/>
@@ -5235,7 +5234,7 @@
           <p:nvPr/>
         </p:nvPicPr>
         <p:blipFill>
-          <a:blip r:embed="rId12">
+          <a:blip r:embed="rId13">
             <a:extLst>
               <a:ext uri="{28A0092B-C50C-407E-A947-70E740481C1C}">
                 <a14:useLocalDpi xmlns:a14="http://schemas.microsoft.com/office/drawing/2010/main" val="0"/>
@@ -5249,8 +5248,8 @@
         </p:blipFill>
         <p:spPr bwMode="auto">
           <a:xfrm>
-            <a:off x="5334284" y="365870"/>
-            <a:ext cx="1751422" cy="506271"/>
+            <a:off x="5079893" y="236646"/>
+            <a:ext cx="1328647" cy="384063"/>
           </a:xfrm>
           <a:prstGeom prst="rect">
             <a:avLst/>
@@ -5276,13 +5275,15 @@
               </a:ext>
             </a:extLst>
           </p:cNvPr>
-          <p:cNvCxnSpPr/>
+          <p:cNvCxnSpPr>
+            <a:cxnSpLocks/>
+          </p:cNvCxnSpPr>
           <p:nvPr/>
         </p:nvCxnSpPr>
         <p:spPr>
           <a:xfrm flipV="1">
-            <a:off x="5744217" y="3560339"/>
-            <a:ext cx="0" cy="920182"/>
+            <a:off x="5780384" y="2346064"/>
+            <a:ext cx="0" cy="340828"/>
           </a:xfrm>
           <a:prstGeom prst="straightConnector1">
             <a:avLst/>
@@ -5321,7 +5322,7 @@
         </p:nvSpPr>
         <p:spPr>
           <a:xfrm>
-            <a:off x="6066157" y="1627646"/>
+            <a:off x="5602132" y="870888"/>
             <a:ext cx="1209639" cy="1148497"/>
           </a:xfrm>
           <a:prstGeom prst="roundRect">
@@ -5382,7 +5383,7 @@
         </p:nvSpPr>
         <p:spPr>
           <a:xfrm>
-            <a:off x="6093755" y="1568286"/>
+            <a:off x="5629730" y="811528"/>
             <a:ext cx="1172929" cy="276999"/>
           </a:xfrm>
           <a:prstGeom prst="rect">
@@ -5417,7 +5418,7 @@
         </p:nvSpPr>
         <p:spPr>
           <a:xfrm>
-            <a:off x="6158961" y="1805509"/>
+            <a:off x="5694936" y="1048751"/>
             <a:ext cx="1011552" cy="231946"/>
           </a:xfrm>
           <a:prstGeom prst="roundRect">
@@ -5478,7 +5479,7 @@
         </p:nvSpPr>
         <p:spPr>
           <a:xfrm>
-            <a:off x="6154377" y="2130345"/>
+            <a:off x="5690352" y="1373587"/>
             <a:ext cx="1011552" cy="231946"/>
           </a:xfrm>
           <a:prstGeom prst="roundRect">
@@ -5544,7 +5545,7 @@
         </p:nvSpPr>
         <p:spPr>
           <a:xfrm>
-            <a:off x="4595560" y="1610147"/>
+            <a:off x="4221567" y="879896"/>
             <a:ext cx="1209639" cy="1148497"/>
           </a:xfrm>
           <a:prstGeom prst="roundRect">
@@ -5605,7 +5606,7 @@
         </p:nvSpPr>
         <p:spPr>
           <a:xfrm>
-            <a:off x="4688364" y="1568285"/>
+            <a:off x="4314371" y="838034"/>
             <a:ext cx="1089398" cy="276999"/>
           </a:xfrm>
           <a:prstGeom prst="rect">
@@ -5640,7 +5641,7 @@
         </p:nvSpPr>
         <p:spPr>
           <a:xfrm>
-            <a:off x="4688364" y="1788010"/>
+            <a:off x="4314371" y="1057759"/>
             <a:ext cx="1011552" cy="231946"/>
           </a:xfrm>
           <a:prstGeom prst="roundRect">
@@ -5701,7 +5702,7 @@
         </p:nvSpPr>
         <p:spPr>
           <a:xfrm>
-            <a:off x="4683780" y="2112846"/>
+            <a:off x="4309787" y="1382595"/>
             <a:ext cx="1011552" cy="231946"/>
           </a:xfrm>
           <a:prstGeom prst="roundRect">
@@ -5767,7 +5768,7 @@
         </p:nvSpPr>
         <p:spPr>
           <a:xfrm>
-            <a:off x="4680988" y="2433696"/>
+            <a:off x="4306995" y="1703445"/>
             <a:ext cx="1011552" cy="231946"/>
           </a:xfrm>
           <a:prstGeom prst="roundRect">
@@ -5828,7 +5829,7 @@
         </p:nvSpPr>
         <p:spPr>
           <a:xfrm>
-            <a:off x="6157038" y="2440986"/>
+            <a:off x="5690352" y="1669769"/>
             <a:ext cx="1011552" cy="231946"/>
           </a:xfrm>
           <a:prstGeom prst="roundRect">
@@ -5886,7 +5887,7 @@
         </p:nvSpPr>
         <p:spPr>
           <a:xfrm>
-            <a:off x="6160152" y="2428660"/>
+            <a:off x="5696125" y="1640046"/>
             <a:ext cx="1040137" cy="276999"/>
           </a:xfrm>
           <a:prstGeom prst="rect">
@@ -5922,7 +5923,7 @@
           <p:nvPr/>
         </p:nvPicPr>
         <p:blipFill>
-          <a:blip r:embed="rId13">
+          <a:blip r:embed="rId14">
             <a:duotone>
               <a:schemeClr val="accent5">
                 <a:shade val="45000"/>
@@ -5942,8 +5943,8 @@
         </p:blipFill>
         <p:spPr>
           <a:xfrm>
-            <a:off x="4863850" y="5312827"/>
-            <a:ext cx="738426" cy="738426"/>
+            <a:off x="5047355" y="3151871"/>
+            <a:ext cx="644809" cy="644809"/>
           </a:xfrm>
           <a:prstGeom prst="rect">
             <a:avLst/>
@@ -5964,8 +5965,8 @@
         </p:nvSpPr>
         <p:spPr>
           <a:xfrm>
-            <a:off x="5408009" y="5665051"/>
-            <a:ext cx="543739" cy="369332"/>
+            <a:off x="5605051" y="3386927"/>
+            <a:ext cx="644809" cy="369332"/>
           </a:xfrm>
           <a:prstGeom prst="rect">
             <a:avLst/>
@@ -5973,13 +5974,17 @@
           <a:noFill/>
         </p:spPr>
         <p:txBody>
-          <a:bodyPr wrap="none" rtlCol="0">
+          <a:bodyPr wrap="square" rtlCol="0">
             <a:spAutoFit/>
           </a:bodyPr>
           <a:lstStyle/>
           <a:p>
             <a:r>
-              <a:rPr lang="pt-BR" dirty="0"/>
+              <a:rPr lang="pt-BR" dirty="0">
+                <a:solidFill>
+                  <a:schemeClr val="accent1"/>
+                </a:solidFill>
+              </a:rPr>
               <a:t>SQL</a:t>
             </a:r>
           </a:p>
@@ -6040,7 +6045,7 @@
         </p:nvGrpSpPr>
         <p:grpSpPr>
           <a:xfrm>
-            <a:off x="391024" y="1185550"/>
+            <a:off x="391024" y="1306201"/>
             <a:ext cx="1259913" cy="1399458"/>
             <a:chOff x="270964" y="1582607"/>
             <a:chExt cx="1217513" cy="1366061"/>
@@ -6061,7 +6066,7 @@
             <p:nvPr/>
           </p:nvPicPr>
           <p:blipFill>
-            <a:blip r:embed="rId14">
+            <a:blip r:embed="rId15">
               <a:extLst>
                 <a:ext uri="{28A0092B-C50C-407E-A947-70E740481C1C}">
                   <a14:useLocalDpi xmlns:a14="http://schemas.microsoft.com/office/drawing/2010/main" val="0"/>
@@ -9037,21 +9042,6 @@
 </file>
 
 <file path=customXml/item1.xml><?xml version="1.0" encoding="utf-8"?>
-<p:properties xmlns:p="http://schemas.microsoft.com/office/2006/metadata/properties" xmlns:xsi="http://www.w3.org/2001/XMLSchema-instance" xmlns:pc="http://schemas.microsoft.com/office/infopath/2007/PartnerControls">
-  <documentManagement/>
-</p:properties>
-</file>
-
-<file path=customXml/item2.xml><?xml version="1.0" encoding="utf-8"?>
-<?mso-contentType ?>
-<FormTemplates xmlns="http://schemas.microsoft.com/sharepoint/v3/contenttype/forms">
-  <Display>DocumentLibraryForm</Display>
-  <Edit>DocumentLibraryForm</Edit>
-  <New>DocumentLibraryForm</New>
-</FormTemplates>
-</file>
-
-<file path=customXml/item3.xml><?xml version="1.0" encoding="utf-8"?>
 <ct:contentTypeSchema xmlns:ct="http://schemas.microsoft.com/office/2006/metadata/contentType" xmlns:ma="http://schemas.microsoft.com/office/2006/metadata/properties/metaAttributes" ct:_="" ma:_="" ma:contentTypeName="Document" ma:contentTypeID="0x010100B98A8EE2A9F7A14F94CEDBF06729C915" ma:contentTypeVersion="2" ma:contentTypeDescription="Create a new document." ma:contentTypeScope="" ma:versionID="54211dd7b80d0a5e350bd2ce1fda18e0">
   <xsd:schema xmlns:xsd="http://www.w3.org/2001/XMLSchema" xmlns:xs="http://www.w3.org/2001/XMLSchema" xmlns:p="http://schemas.microsoft.com/office/2006/metadata/properties" xmlns:ns3="4d0c820a-888c-467f-9883-f2eb09285986" targetNamespace="http://schemas.microsoft.com/office/2006/metadata/properties" ma:root="true" ma:fieldsID="215748a485b3af4a87eff8123adb26da" ns3:_="">
     <xsd:import namespace="4d0c820a-888c-467f-9883-f2eb09285986"/>
@@ -9183,31 +9173,22 @@
 </ct:contentTypeSchema>
 </file>
 
-<file path=customXml/itemProps1.xml><?xml version="1.0" encoding="utf-8"?>
-<ds:datastoreItem xmlns:ds="http://schemas.openxmlformats.org/officeDocument/2006/customXml" ds:itemID="{B1403ECD-64BE-4472-A72B-8AE2B2D302D4}">
-  <ds:schemaRefs>
-    <ds:schemaRef ds:uri="http://schemas.microsoft.com/office/2006/documentManagement/types"/>
-    <ds:schemaRef ds:uri="http://schemas.microsoft.com/office/infopath/2007/PartnerControls"/>
-    <ds:schemaRef ds:uri="http://www.w3.org/XML/1998/namespace"/>
-    <ds:schemaRef ds:uri="4d0c820a-888c-467f-9883-f2eb09285986"/>
-    <ds:schemaRef ds:uri="http://purl.org/dc/terms/"/>
-    <ds:schemaRef ds:uri="http://purl.org/dc/dcmitype/"/>
-    <ds:schemaRef ds:uri="http://purl.org/dc/elements/1.1/"/>
-    <ds:schemaRef ds:uri="http://schemas.openxmlformats.org/package/2006/metadata/core-properties"/>
-    <ds:schemaRef ds:uri="http://schemas.microsoft.com/office/2006/metadata/properties"/>
-  </ds:schemaRefs>
-</ds:datastoreItem>
+<file path=customXml/item2.xml><?xml version="1.0" encoding="utf-8"?>
+<?mso-contentType ?>
+<FormTemplates xmlns="http://schemas.microsoft.com/sharepoint/v3/contenttype/forms">
+  <Display>DocumentLibraryForm</Display>
+  <Edit>DocumentLibraryForm</Edit>
+  <New>DocumentLibraryForm</New>
+</FormTemplates>
 </file>
 
-<file path=customXml/itemProps2.xml><?xml version="1.0" encoding="utf-8"?>
-<ds:datastoreItem xmlns:ds="http://schemas.openxmlformats.org/officeDocument/2006/customXml" ds:itemID="{C361E357-1858-46EE-ADFA-698EE4D9C360}">
-  <ds:schemaRefs>
-    <ds:schemaRef ds:uri="http://schemas.microsoft.com/sharepoint/v3/contenttype/forms"/>
-  </ds:schemaRefs>
-</ds:datastoreItem>
+<file path=customXml/item3.xml><?xml version="1.0" encoding="utf-8"?>
+<p:properties xmlns:p="http://schemas.microsoft.com/office/2006/metadata/properties" xmlns:xsi="http://www.w3.org/2001/XMLSchema-instance" xmlns:pc="http://schemas.microsoft.com/office/infopath/2007/PartnerControls">
+  <documentManagement/>
+</p:properties>
 </file>
 
-<file path=customXml/itemProps3.xml><?xml version="1.0" encoding="utf-8"?>
+<file path=customXml/itemProps1.xml><?xml version="1.0" encoding="utf-8"?>
 <ds:datastoreItem xmlns:ds="http://schemas.openxmlformats.org/officeDocument/2006/customXml" ds:itemID="{94021B74-C88A-417E-AEFD-9E5858425111}">
   <ds:schemaRefs>
     <ds:schemaRef ds:uri="http://schemas.microsoft.com/office/2006/metadata/contentType"/>
@@ -9223,4 +9204,28 @@
     <ds:schemaRef ds:uri="http://schemas.microsoft.com/internal/obd"/>
   </ds:schemaRefs>
 </ds:datastoreItem>
+</file>
+
+<file path=customXml/itemProps2.xml><?xml version="1.0" encoding="utf-8"?>
+<ds:datastoreItem xmlns:ds="http://schemas.openxmlformats.org/officeDocument/2006/customXml" ds:itemID="{C361E357-1858-46EE-ADFA-698EE4D9C360}">
+  <ds:schemaRefs>
+    <ds:schemaRef ds:uri="http://schemas.microsoft.com/sharepoint/v3/contenttype/forms"/>
+  </ds:schemaRefs>
+</ds:datastoreItem>
+</file>
+
+<file path=customXml/itemProps3.xml><?xml version="1.0" encoding="utf-8"?>
+<ds:datastoreItem xmlns:ds="http://schemas.openxmlformats.org/officeDocument/2006/customXml" ds:itemID="{B1403ECD-64BE-4472-A72B-8AE2B2D302D4}">
+  <ds:schemaRefs>
+    <ds:schemaRef ds:uri="http://schemas.microsoft.com/office/2006/documentManagement/types"/>
+    <ds:schemaRef ds:uri="http://schemas.microsoft.com/office/infopath/2007/PartnerControls"/>
+    <ds:schemaRef ds:uri="http://www.w3.org/XML/1998/namespace"/>
+    <ds:schemaRef ds:uri="4d0c820a-888c-467f-9883-f2eb09285986"/>
+    <ds:schemaRef ds:uri="http://purl.org/dc/terms/"/>
+    <ds:schemaRef ds:uri="http://purl.org/dc/dcmitype/"/>
+    <ds:schemaRef ds:uri="http://purl.org/dc/elements/1.1/"/>
+    <ds:schemaRef ds:uri="http://schemas.openxmlformats.org/package/2006/metadata/core-properties"/>
+    <ds:schemaRef ds:uri="http://schemas.microsoft.com/office/2006/metadata/properties"/>
+  </ds:schemaRefs>
+</ds:datastoreItem>
 </file>
--- a/Documentação/HLD.LLD.DIAGRAMA.pptx
+++ b/Documentação/HLD.LLD.DIAGRAMA.pptx
@@ -262,7 +262,7 @@
           <a:p>
             <a:fld id="{7668FBEF-3CD8-4E97-B80F-AF0D925322BB}" type="datetimeFigureOut">
               <a:rPr lang="pt-BR" smtClean="0"/>
-              <a:t>23/10/2020</a:t>
+              <a:t>29/10/2020</a:t>
             </a:fld>
             <a:endParaRPr lang="pt-BR"/>
           </a:p>
@@ -460,7 +460,7 @@
           <a:p>
             <a:fld id="{7668FBEF-3CD8-4E97-B80F-AF0D925322BB}" type="datetimeFigureOut">
               <a:rPr lang="pt-BR" smtClean="0"/>
-              <a:t>23/10/2020</a:t>
+              <a:t>29/10/2020</a:t>
             </a:fld>
             <a:endParaRPr lang="pt-BR"/>
           </a:p>
@@ -668,7 +668,7 @@
           <a:p>
             <a:fld id="{7668FBEF-3CD8-4E97-B80F-AF0D925322BB}" type="datetimeFigureOut">
               <a:rPr lang="pt-BR" smtClean="0"/>
-              <a:t>23/10/2020</a:t>
+              <a:t>29/10/2020</a:t>
             </a:fld>
             <a:endParaRPr lang="pt-BR"/>
           </a:p>
@@ -866,7 +866,7 @@
           <a:p>
             <a:fld id="{7668FBEF-3CD8-4E97-B80F-AF0D925322BB}" type="datetimeFigureOut">
               <a:rPr lang="pt-BR" smtClean="0"/>
-              <a:t>23/10/2020</a:t>
+              <a:t>29/10/2020</a:t>
             </a:fld>
             <a:endParaRPr lang="pt-BR"/>
           </a:p>
@@ -1141,7 +1141,7 @@
           <a:p>
             <a:fld id="{7668FBEF-3CD8-4E97-B80F-AF0D925322BB}" type="datetimeFigureOut">
               <a:rPr lang="pt-BR" smtClean="0"/>
-              <a:t>23/10/2020</a:t>
+              <a:t>29/10/2020</a:t>
             </a:fld>
             <a:endParaRPr lang="pt-BR"/>
           </a:p>
@@ -1406,7 +1406,7 @@
           <a:p>
             <a:fld id="{7668FBEF-3CD8-4E97-B80F-AF0D925322BB}" type="datetimeFigureOut">
               <a:rPr lang="pt-BR" smtClean="0"/>
-              <a:t>23/10/2020</a:t>
+              <a:t>29/10/2020</a:t>
             </a:fld>
             <a:endParaRPr lang="pt-BR"/>
           </a:p>
@@ -1818,7 +1818,7 @@
           <a:p>
             <a:fld id="{7668FBEF-3CD8-4E97-B80F-AF0D925322BB}" type="datetimeFigureOut">
               <a:rPr lang="pt-BR" smtClean="0"/>
-              <a:t>23/10/2020</a:t>
+              <a:t>29/10/2020</a:t>
             </a:fld>
             <a:endParaRPr lang="pt-BR"/>
           </a:p>
@@ -1959,7 +1959,7 @@
           <a:p>
             <a:fld id="{7668FBEF-3CD8-4E97-B80F-AF0D925322BB}" type="datetimeFigureOut">
               <a:rPr lang="pt-BR" smtClean="0"/>
-              <a:t>23/10/2020</a:t>
+              <a:t>29/10/2020</a:t>
             </a:fld>
             <a:endParaRPr lang="pt-BR"/>
           </a:p>
@@ -2072,7 +2072,7 @@
           <a:p>
             <a:fld id="{7668FBEF-3CD8-4E97-B80F-AF0D925322BB}" type="datetimeFigureOut">
               <a:rPr lang="pt-BR" smtClean="0"/>
-              <a:t>23/10/2020</a:t>
+              <a:t>29/10/2020</a:t>
             </a:fld>
             <a:endParaRPr lang="pt-BR"/>
           </a:p>
@@ -2383,7 +2383,7 @@
           <a:p>
             <a:fld id="{7668FBEF-3CD8-4E97-B80F-AF0D925322BB}" type="datetimeFigureOut">
               <a:rPr lang="pt-BR" smtClean="0"/>
-              <a:t>23/10/2020</a:t>
+              <a:t>29/10/2020</a:t>
             </a:fld>
             <a:endParaRPr lang="pt-BR"/>
           </a:p>
@@ -2671,7 +2671,7 @@
           <a:p>
             <a:fld id="{7668FBEF-3CD8-4E97-B80F-AF0D925322BB}" type="datetimeFigureOut">
               <a:rPr lang="pt-BR" smtClean="0"/>
-              <a:t>23/10/2020</a:t>
+              <a:t>29/10/2020</a:t>
             </a:fld>
             <a:endParaRPr lang="pt-BR"/>
           </a:p>
@@ -2912,7 +2912,7 @@
           <a:p>
             <a:fld id="{7668FBEF-3CD8-4E97-B80F-AF0D925322BB}" type="datetimeFigureOut">
               <a:rPr lang="pt-BR" smtClean="0"/>
-              <a:t>23/10/2020</a:t>
+              <a:t>29/10/2020</a:t>
             </a:fld>
             <a:endParaRPr lang="pt-BR"/>
           </a:p>
@@ -4031,93 +4031,14 @@
         </p:blipFill>
         <p:spPr>
           <a:xfrm>
-            <a:off x="2646023" y="5454288"/>
-            <a:ext cx="1344434" cy="1061828"/>
+            <a:off x="2086576" y="5206536"/>
+            <a:ext cx="1678256" cy="1325479"/>
           </a:xfrm>
           <a:prstGeom prst="rect">
             <a:avLst/>
           </a:prstGeom>
         </p:spPr>
       </p:pic>
-      <p:pic>
-        <p:nvPicPr>
-          <p:cNvPr id="26" name="Imagem 25">
-            <a:extLst>
-              <a:ext uri="{FF2B5EF4-FFF2-40B4-BE49-F238E27FC236}">
-                <a16:creationId xmlns:a16="http://schemas.microsoft.com/office/drawing/2014/main" id="{C9BA60CF-EE2A-4753-B028-FFAAD68A14CF}"/>
-              </a:ext>
-            </a:extLst>
-          </p:cNvPr>
-          <p:cNvPicPr>
-            <a:picLocks noChangeAspect="1"/>
-          </p:cNvPicPr>
-          <p:nvPr/>
-        </p:nvPicPr>
-        <p:blipFill>
-          <a:blip r:embed="rId5">
-            <a:extLst>
-              <a:ext uri="{28A0092B-C50C-407E-A947-70E740481C1C}">
-                <a14:useLocalDpi xmlns:a14="http://schemas.microsoft.com/office/drawing/2010/main" val="0"/>
-              </a:ext>
-            </a:extLst>
-          </a:blip>
-          <a:stretch>
-            <a:fillRect/>
-          </a:stretch>
-        </p:blipFill>
-        <p:spPr>
-          <a:xfrm>
-            <a:off x="2563810" y="3722114"/>
-            <a:ext cx="817927" cy="817927"/>
-          </a:xfrm>
-          <a:prstGeom prst="rect">
-            <a:avLst/>
-          </a:prstGeom>
-        </p:spPr>
-      </p:pic>
-      <p:cxnSp>
-        <p:nvCxnSpPr>
-          <p:cNvPr id="28" name="Conector: Curvo 27">
-            <a:extLst>
-              <a:ext uri="{FF2B5EF4-FFF2-40B4-BE49-F238E27FC236}">
-                <a16:creationId xmlns:a16="http://schemas.microsoft.com/office/drawing/2014/main" id="{FCCB8A71-8097-4DA8-9661-AD0C34FFD1EC}"/>
-              </a:ext>
-            </a:extLst>
-          </p:cNvPr>
-          <p:cNvCxnSpPr>
-            <a:cxnSpLocks/>
-          </p:cNvCxnSpPr>
-          <p:nvPr/>
-        </p:nvCxnSpPr>
-        <p:spPr>
-          <a:xfrm rot="16200000" flipV="1">
-            <a:off x="2939902" y="4682967"/>
-            <a:ext cx="654602" cy="511735"/>
-          </a:xfrm>
-          <a:prstGeom prst="curvedConnector3">
-            <a:avLst>
-              <a:gd name="adj1" fmla="val 50000"/>
-            </a:avLst>
-          </a:prstGeom>
-          <a:ln>
-            <a:tailEnd type="triangle"/>
-          </a:ln>
-        </p:spPr>
-        <p:style>
-          <a:lnRef idx="1">
-            <a:schemeClr val="dk1"/>
-          </a:lnRef>
-          <a:fillRef idx="0">
-            <a:schemeClr val="dk1"/>
-          </a:fillRef>
-          <a:effectRef idx="0">
-            <a:schemeClr val="dk1"/>
-          </a:effectRef>
-          <a:fontRef idx="minor">
-            <a:schemeClr val="tx1"/>
-          </a:fontRef>
-        </p:style>
-      </p:cxnSp>
       <p:cxnSp>
         <p:nvCxnSpPr>
           <p:cNvPr id="68" name="Conector de Seta Reta 67">
@@ -4214,10 +4135,10 @@
       </p:cxnSp>
       <p:pic>
         <p:nvPicPr>
-          <p:cNvPr id="80" name="Imagem 79">
-            <a:extLst>
-              <a:ext uri="{FF2B5EF4-FFF2-40B4-BE49-F238E27FC236}">
-                <a16:creationId xmlns:a16="http://schemas.microsoft.com/office/drawing/2014/main" id="{8B2204F4-AF5C-4DFA-83D7-3C46B1F2C9EA}"/>
+          <p:cNvPr id="91" name="Imagem 90">
+            <a:extLst>
+              <a:ext uri="{FF2B5EF4-FFF2-40B4-BE49-F238E27FC236}">
+                <a16:creationId xmlns:a16="http://schemas.microsoft.com/office/drawing/2014/main" id="{413FCE52-9E42-42C4-8D09-B45934FDA216}"/>
               </a:ext>
             </a:extLst>
           </p:cNvPr>
@@ -4227,7 +4148,7 @@
           <p:nvPr/>
         </p:nvPicPr>
         <p:blipFill>
-          <a:blip r:embed="rId5">
+          <a:blip r:embed="rId4">
             <a:extLst>
               <a:ext uri="{28A0092B-C50C-407E-A947-70E740481C1C}">
                 <a14:useLocalDpi xmlns:a14="http://schemas.microsoft.com/office/drawing/2010/main" val="0"/>
@@ -4240,55 +4161,20 @@
         </p:blipFill>
         <p:spPr>
           <a:xfrm>
-            <a:off x="8235992" y="3760875"/>
-            <a:ext cx="817927" cy="817927"/>
+            <a:off x="8331205" y="5337511"/>
+            <a:ext cx="1240498" cy="979740"/>
           </a:xfrm>
           <a:prstGeom prst="rect">
             <a:avLst/>
           </a:prstGeom>
         </p:spPr>
       </p:pic>
-      <p:sp>
-        <p:nvSpPr>
-          <p:cNvPr id="89" name="CaixaDeTexto 88">
-            <a:extLst>
-              <a:ext uri="{FF2B5EF4-FFF2-40B4-BE49-F238E27FC236}">
-                <a16:creationId xmlns:a16="http://schemas.microsoft.com/office/drawing/2014/main" id="{C9D9D231-3B5D-459E-9F07-70D804399E2E}"/>
-              </a:ext>
-            </a:extLst>
-          </p:cNvPr>
-          <p:cNvSpPr txBox="1"/>
-          <p:nvPr/>
-        </p:nvSpPr>
-        <p:spPr>
-          <a:xfrm>
-            <a:off x="9917609" y="4053444"/>
-            <a:ext cx="817927" cy="430887"/>
-          </a:xfrm>
-          <a:prstGeom prst="rect">
-            <a:avLst/>
-          </a:prstGeom>
-          <a:noFill/>
-        </p:spPr>
-        <p:txBody>
-          <a:bodyPr wrap="square" rtlCol="0">
-            <a:spAutoFit/>
-          </a:bodyPr>
-          <a:lstStyle/>
-          <a:p>
-            <a:r>
-              <a:rPr lang="pt-BR" sz="1100" dirty="0"/>
-              <a:t>REDE 3G, 4G, 5G</a:t>
-            </a:r>
-          </a:p>
-        </p:txBody>
-      </p:sp>
       <p:pic>
         <p:nvPicPr>
-          <p:cNvPr id="91" name="Imagem 90">
-            <a:extLst>
-              <a:ext uri="{FF2B5EF4-FFF2-40B4-BE49-F238E27FC236}">
-                <a16:creationId xmlns:a16="http://schemas.microsoft.com/office/drawing/2014/main" id="{413FCE52-9E42-42C4-8D09-B45934FDA216}"/>
+          <p:cNvPr id="93" name="Imagem 92">
+            <a:extLst>
+              <a:ext uri="{FF2B5EF4-FFF2-40B4-BE49-F238E27FC236}">
+                <a16:creationId xmlns:a16="http://schemas.microsoft.com/office/drawing/2014/main" id="{63E9CCF7-0455-42A7-B3B4-AEC2412E858C}"/>
               </a:ext>
             </a:extLst>
           </p:cNvPr>
@@ -4298,7 +4184,7 @@
           <p:nvPr/>
         </p:nvPicPr>
         <p:blipFill>
-          <a:blip r:embed="rId4">
+          <a:blip r:embed="rId5">
             <a:extLst>
               <a:ext uri="{28A0092B-C50C-407E-A947-70E740481C1C}">
                 <a14:useLocalDpi xmlns:a14="http://schemas.microsoft.com/office/drawing/2010/main" val="0"/>
@@ -4311,8 +4197,8 @@
         </p:blipFill>
         <p:spPr>
           <a:xfrm>
-            <a:off x="8331205" y="5337511"/>
-            <a:ext cx="1240498" cy="979740"/>
+            <a:off x="8760658" y="4900498"/>
+            <a:ext cx="381592" cy="381592"/>
           </a:xfrm>
           <a:prstGeom prst="rect">
             <a:avLst/>
@@ -4321,10 +4207,10 @@
       </p:pic>
       <p:pic>
         <p:nvPicPr>
-          <p:cNvPr id="93" name="Imagem 92">
-            <a:extLst>
-              <a:ext uri="{FF2B5EF4-FFF2-40B4-BE49-F238E27FC236}">
-                <a16:creationId xmlns:a16="http://schemas.microsoft.com/office/drawing/2014/main" id="{63E9CCF7-0455-42A7-B3B4-AEC2412E858C}"/>
+          <p:cNvPr id="94" name="Imagem 93">
+            <a:extLst>
+              <a:ext uri="{FF2B5EF4-FFF2-40B4-BE49-F238E27FC236}">
+                <a16:creationId xmlns:a16="http://schemas.microsoft.com/office/drawing/2014/main" id="{B79F862E-D809-4A78-AAE4-6CF63FB26508}"/>
               </a:ext>
             </a:extLst>
           </p:cNvPr>
@@ -4334,7 +4220,7 @@
           <p:nvPr/>
         </p:nvPicPr>
         <p:blipFill>
-          <a:blip r:embed="rId6">
+          <a:blip r:embed="rId5">
             <a:extLst>
               <a:ext uri="{28A0092B-C50C-407E-A947-70E740481C1C}">
                 <a14:useLocalDpi xmlns:a14="http://schemas.microsoft.com/office/drawing/2010/main" val="0"/>
@@ -4347,7 +4233,7 @@
         </p:blipFill>
         <p:spPr>
           <a:xfrm>
-            <a:off x="8760658" y="4900498"/>
+            <a:off x="2654313" y="4900498"/>
             <a:ext cx="381592" cy="381592"/>
           </a:xfrm>
           <a:prstGeom prst="rect">
@@ -4357,10 +4243,10 @@
       </p:pic>
       <p:pic>
         <p:nvPicPr>
-          <p:cNvPr id="94" name="Imagem 93">
-            <a:extLst>
-              <a:ext uri="{FF2B5EF4-FFF2-40B4-BE49-F238E27FC236}">
-                <a16:creationId xmlns:a16="http://schemas.microsoft.com/office/drawing/2014/main" id="{B79F862E-D809-4A78-AAE4-6CF63FB26508}"/>
+          <p:cNvPr id="96" name="Imagem 95">
+            <a:extLst>
+              <a:ext uri="{FF2B5EF4-FFF2-40B4-BE49-F238E27FC236}">
+                <a16:creationId xmlns:a16="http://schemas.microsoft.com/office/drawing/2014/main" id="{8DE40ABE-F94D-4D51-B26D-5742CE5B7B23}"/>
               </a:ext>
             </a:extLst>
           </p:cNvPr>
@@ -4383,8 +4269,8 @@
         </p:blipFill>
         <p:spPr>
           <a:xfrm>
-            <a:off x="2800590" y="5083430"/>
-            <a:ext cx="381592" cy="381592"/>
+            <a:off x="10070787" y="5333844"/>
+            <a:ext cx="927724" cy="979740"/>
           </a:xfrm>
           <a:prstGeom prst="rect">
             <a:avLst/>
@@ -4393,10 +4279,10 @@
       </p:pic>
       <p:pic>
         <p:nvPicPr>
-          <p:cNvPr id="96" name="Imagem 95">
-            <a:extLst>
-              <a:ext uri="{FF2B5EF4-FFF2-40B4-BE49-F238E27FC236}">
-                <a16:creationId xmlns:a16="http://schemas.microsoft.com/office/drawing/2014/main" id="{8DE40ABE-F94D-4D51-B26D-5742CE5B7B23}"/>
+          <p:cNvPr id="97" name="Imagem 96">
+            <a:extLst>
+              <a:ext uri="{FF2B5EF4-FFF2-40B4-BE49-F238E27FC236}">
+                <a16:creationId xmlns:a16="http://schemas.microsoft.com/office/drawing/2014/main" id="{1E1D9264-4478-4D21-90D1-CC0A88EEBE02}"/>
               </a:ext>
             </a:extLst>
           </p:cNvPr>
@@ -4406,7 +4292,7 @@
           <p:nvPr/>
         </p:nvPicPr>
         <p:blipFill>
-          <a:blip r:embed="rId7">
+          <a:blip r:embed="rId5">
             <a:extLst>
               <a:ext uri="{28A0092B-C50C-407E-A947-70E740481C1C}">
                 <a14:useLocalDpi xmlns:a14="http://schemas.microsoft.com/office/drawing/2010/main" val="0"/>
@@ -4419,20 +4305,103 @@
         </p:blipFill>
         <p:spPr>
           <a:xfrm>
-            <a:off x="10070787" y="5333844"/>
-            <a:ext cx="927724" cy="979740"/>
+            <a:off x="10343853" y="4900498"/>
+            <a:ext cx="381592" cy="381592"/>
           </a:xfrm>
           <a:prstGeom prst="rect">
             <a:avLst/>
           </a:prstGeom>
         </p:spPr>
       </p:pic>
+      <p:sp>
+        <p:nvSpPr>
+          <p:cNvPr id="100" name="CaixaDeTexto 99">
+            <a:extLst>
+              <a:ext uri="{FF2B5EF4-FFF2-40B4-BE49-F238E27FC236}">
+                <a16:creationId xmlns:a16="http://schemas.microsoft.com/office/drawing/2014/main" id="{527A57A7-4EB5-48F3-BDF3-BD282FF5FE52}"/>
+              </a:ext>
+            </a:extLst>
+          </p:cNvPr>
+          <p:cNvSpPr txBox="1"/>
+          <p:nvPr/>
+        </p:nvSpPr>
+        <p:spPr>
+          <a:xfrm>
+            <a:off x="7229275" y="5493206"/>
+            <a:ext cx="1240499" cy="369332"/>
+          </a:xfrm>
+          <a:prstGeom prst="rect">
+            <a:avLst/>
+          </a:prstGeom>
+          <a:noFill/>
+        </p:spPr>
+        <p:txBody>
+          <a:bodyPr wrap="square" rtlCol="0">
+            <a:spAutoFit/>
+          </a:bodyPr>
+          <a:lstStyle/>
+          <a:p>
+            <a:r>
+              <a:rPr lang="pt-BR" sz="900" dirty="0"/>
+              <a:t>NOTEBOOK/DESKTOP</a:t>
+            </a:r>
+          </a:p>
+          <a:p>
+            <a:r>
+              <a:rPr lang="pt-BR" sz="900" dirty="0"/>
+              <a:t>CORE I5, 8GB DE RAM</a:t>
+            </a:r>
+            <a:endParaRPr lang="pt-BR" sz="1600" dirty="0"/>
+          </a:p>
+        </p:txBody>
+      </p:sp>
+      <p:sp>
+        <p:nvSpPr>
+          <p:cNvPr id="101" name="CaixaDeTexto 100">
+            <a:extLst>
+              <a:ext uri="{FF2B5EF4-FFF2-40B4-BE49-F238E27FC236}">
+                <a16:creationId xmlns:a16="http://schemas.microsoft.com/office/drawing/2014/main" id="{3E91ACD8-30B1-48C9-BAB1-7724AC9175C5}"/>
+              </a:ext>
+            </a:extLst>
+          </p:cNvPr>
+          <p:cNvSpPr txBox="1"/>
+          <p:nvPr/>
+        </p:nvSpPr>
+        <p:spPr>
+          <a:xfrm>
+            <a:off x="10736262" y="5448389"/>
+            <a:ext cx="1183337" cy="369332"/>
+          </a:xfrm>
+          <a:prstGeom prst="rect">
+            <a:avLst/>
+          </a:prstGeom>
+          <a:noFill/>
+        </p:spPr>
+        <p:txBody>
+          <a:bodyPr wrap="none" rtlCol="0">
+            <a:spAutoFit/>
+          </a:bodyPr>
+          <a:lstStyle/>
+          <a:p>
+            <a:r>
+              <a:rPr lang="pt-BR" sz="900" dirty="0"/>
+              <a:t>ANDROID VERSÃO 7+</a:t>
+            </a:r>
+          </a:p>
+          <a:p>
+            <a:r>
+              <a:rPr lang="pt-BR" sz="900" dirty="0"/>
+              <a:t>IOS VERSÃO 10+</a:t>
+            </a:r>
+          </a:p>
+        </p:txBody>
+      </p:sp>
       <p:pic>
         <p:nvPicPr>
-          <p:cNvPr id="97" name="Imagem 96">
-            <a:extLst>
-              <a:ext uri="{FF2B5EF4-FFF2-40B4-BE49-F238E27FC236}">
-                <a16:creationId xmlns:a16="http://schemas.microsoft.com/office/drawing/2014/main" id="{1E1D9264-4478-4D21-90D1-CC0A88EEBE02}"/>
+          <p:cNvPr id="110" name="Imagem 109">
+            <a:extLst>
+              <a:ext uri="{FF2B5EF4-FFF2-40B4-BE49-F238E27FC236}">
+                <a16:creationId xmlns:a16="http://schemas.microsoft.com/office/drawing/2014/main" id="{48EAE7C9-853C-4C62-BE4F-77E1FF7A2142}"/>
               </a:ext>
             </a:extLst>
           </p:cNvPr>
@@ -4442,7 +4411,7 @@
           <p:nvPr/>
         </p:nvPicPr>
         <p:blipFill>
-          <a:blip r:embed="rId6">
+          <a:blip r:embed="rId7">
             <a:extLst>
               <a:ext uri="{28A0092B-C50C-407E-A947-70E740481C1C}">
                 <a14:useLocalDpi xmlns:a14="http://schemas.microsoft.com/office/drawing/2010/main" val="0"/>
@@ -4455,293 +4424,20 @@
         </p:blipFill>
         <p:spPr>
           <a:xfrm>
-            <a:off x="10343853" y="4900498"/>
-            <a:ext cx="381592" cy="381592"/>
+            <a:off x="8529826" y="5434219"/>
+            <a:ext cx="230832" cy="230832"/>
           </a:xfrm>
           <a:prstGeom prst="rect">
             <a:avLst/>
           </a:prstGeom>
         </p:spPr>
       </p:pic>
-      <p:sp>
-        <p:nvSpPr>
-          <p:cNvPr id="98" name="CaixaDeTexto 97">
-            <a:extLst>
-              <a:ext uri="{FF2B5EF4-FFF2-40B4-BE49-F238E27FC236}">
-                <a16:creationId xmlns:a16="http://schemas.microsoft.com/office/drawing/2014/main" id="{92F4BEEE-61FB-4D33-9705-9BE85FB021A7}"/>
-              </a:ext>
-            </a:extLst>
-          </p:cNvPr>
-          <p:cNvSpPr txBox="1"/>
-          <p:nvPr/>
-        </p:nvSpPr>
-        <p:spPr>
-          <a:xfrm>
-            <a:off x="2843126" y="4045362"/>
-            <a:ext cx="631904" cy="230832"/>
-          </a:xfrm>
-          <a:prstGeom prst="rect">
-            <a:avLst/>
-          </a:prstGeom>
-          <a:noFill/>
-        </p:spPr>
-        <p:txBody>
-          <a:bodyPr wrap="none" rtlCol="0">
-            <a:spAutoFit/>
-          </a:bodyPr>
-          <a:lstStyle/>
-          <a:p>
-            <a:r>
-              <a:rPr lang="pt-BR" sz="900" dirty="0"/>
-              <a:t>LAN/WIFI</a:t>
-            </a:r>
-          </a:p>
-        </p:txBody>
-      </p:sp>
-      <p:sp>
-        <p:nvSpPr>
-          <p:cNvPr id="99" name="CaixaDeTexto 98">
-            <a:extLst>
-              <a:ext uri="{FF2B5EF4-FFF2-40B4-BE49-F238E27FC236}">
-                <a16:creationId xmlns:a16="http://schemas.microsoft.com/office/drawing/2014/main" id="{5432825B-1FF5-4235-B539-F118FD12B00F}"/>
-              </a:ext>
-            </a:extLst>
-          </p:cNvPr>
-          <p:cNvSpPr txBox="1"/>
-          <p:nvPr/>
-        </p:nvSpPr>
-        <p:spPr>
-          <a:xfrm>
-            <a:off x="8517911" y="4031066"/>
-            <a:ext cx="631904" cy="230832"/>
-          </a:xfrm>
-          <a:prstGeom prst="rect">
-            <a:avLst/>
-          </a:prstGeom>
-          <a:noFill/>
-        </p:spPr>
-        <p:txBody>
-          <a:bodyPr wrap="square" rtlCol="0">
-            <a:spAutoFit/>
-          </a:bodyPr>
-          <a:lstStyle/>
-          <a:p>
-            <a:r>
-              <a:rPr lang="pt-BR" sz="900" dirty="0"/>
-              <a:t>LAN/WIFI</a:t>
-            </a:r>
-          </a:p>
-        </p:txBody>
-      </p:sp>
-      <p:sp>
-        <p:nvSpPr>
-          <p:cNvPr id="100" name="CaixaDeTexto 99">
-            <a:extLst>
-              <a:ext uri="{FF2B5EF4-FFF2-40B4-BE49-F238E27FC236}">
-                <a16:creationId xmlns:a16="http://schemas.microsoft.com/office/drawing/2014/main" id="{527A57A7-4EB5-48F3-BDF3-BD282FF5FE52}"/>
-              </a:ext>
-            </a:extLst>
-          </p:cNvPr>
-          <p:cNvSpPr txBox="1"/>
-          <p:nvPr/>
-        </p:nvSpPr>
-        <p:spPr>
-          <a:xfrm>
-            <a:off x="7229275" y="5493206"/>
-            <a:ext cx="1240499" cy="369332"/>
-          </a:xfrm>
-          <a:prstGeom prst="rect">
-            <a:avLst/>
-          </a:prstGeom>
-          <a:noFill/>
-        </p:spPr>
-        <p:txBody>
-          <a:bodyPr wrap="square" rtlCol="0">
-            <a:spAutoFit/>
-          </a:bodyPr>
-          <a:lstStyle/>
-          <a:p>
-            <a:r>
-              <a:rPr lang="pt-BR" sz="900" dirty="0"/>
-              <a:t>NOTEBOOK/DESKTOP</a:t>
-            </a:r>
-          </a:p>
-          <a:p>
-            <a:r>
-              <a:rPr lang="pt-BR" sz="900" dirty="0"/>
-              <a:t>CORE I5, 8GB DE RAM</a:t>
-            </a:r>
-            <a:endParaRPr lang="pt-BR" sz="1600" dirty="0"/>
-          </a:p>
-        </p:txBody>
-      </p:sp>
-      <p:sp>
-        <p:nvSpPr>
-          <p:cNvPr id="101" name="CaixaDeTexto 100">
-            <a:extLst>
-              <a:ext uri="{FF2B5EF4-FFF2-40B4-BE49-F238E27FC236}">
-                <a16:creationId xmlns:a16="http://schemas.microsoft.com/office/drawing/2014/main" id="{3E91ACD8-30B1-48C9-BAB1-7724AC9175C5}"/>
-              </a:ext>
-            </a:extLst>
-          </p:cNvPr>
-          <p:cNvSpPr txBox="1"/>
-          <p:nvPr/>
-        </p:nvSpPr>
-        <p:spPr>
-          <a:xfrm>
-            <a:off x="10736262" y="5448389"/>
-            <a:ext cx="1183337" cy="369332"/>
-          </a:xfrm>
-          <a:prstGeom prst="rect">
-            <a:avLst/>
-          </a:prstGeom>
-          <a:noFill/>
-        </p:spPr>
-        <p:txBody>
-          <a:bodyPr wrap="none" rtlCol="0">
-            <a:spAutoFit/>
-          </a:bodyPr>
-          <a:lstStyle/>
-          <a:p>
-            <a:r>
-              <a:rPr lang="pt-BR" sz="900" dirty="0"/>
-              <a:t>ANDROID VERSÃO 7+</a:t>
-            </a:r>
-          </a:p>
-          <a:p>
-            <a:r>
-              <a:rPr lang="pt-BR" sz="900" dirty="0"/>
-              <a:t>IOS VERSÃO 10+</a:t>
-            </a:r>
-          </a:p>
-        </p:txBody>
-      </p:sp>
-      <p:sp>
-        <p:nvSpPr>
-          <p:cNvPr id="102" name="CaixaDeTexto 101">
-            <a:extLst>
-              <a:ext uri="{FF2B5EF4-FFF2-40B4-BE49-F238E27FC236}">
-                <a16:creationId xmlns:a16="http://schemas.microsoft.com/office/drawing/2014/main" id="{AE0D996A-3D2E-42C2-8787-5666F58A858F}"/>
-              </a:ext>
-            </a:extLst>
-          </p:cNvPr>
-          <p:cNvSpPr txBox="1"/>
-          <p:nvPr/>
-        </p:nvSpPr>
-        <p:spPr>
-          <a:xfrm>
-            <a:off x="7372302" y="4020430"/>
-            <a:ext cx="1240499" cy="230832"/>
-          </a:xfrm>
-          <a:prstGeom prst="rect">
-            <a:avLst/>
-          </a:prstGeom>
-          <a:noFill/>
-        </p:spPr>
-        <p:txBody>
-          <a:bodyPr wrap="square" rtlCol="0">
-            <a:spAutoFit/>
-          </a:bodyPr>
-          <a:lstStyle/>
-          <a:p>
-            <a:r>
-              <a:rPr lang="pt-BR" sz="900" dirty="0"/>
-              <a:t>BANDA 5MB Mínimo</a:t>
-            </a:r>
-          </a:p>
-        </p:txBody>
-      </p:sp>
-      <p:sp>
-        <p:nvSpPr>
-          <p:cNvPr id="103" name="CaixaDeTexto 102">
-            <a:extLst>
-              <a:ext uri="{FF2B5EF4-FFF2-40B4-BE49-F238E27FC236}">
-                <a16:creationId xmlns:a16="http://schemas.microsoft.com/office/drawing/2014/main" id="{46C75828-FC98-4D49-9F89-B0C448717B43}"/>
-              </a:ext>
-            </a:extLst>
-          </p:cNvPr>
-          <p:cNvSpPr txBox="1"/>
-          <p:nvPr/>
-        </p:nvSpPr>
-        <p:spPr>
-          <a:xfrm>
-            <a:off x="2972773" y="3745249"/>
-            <a:ext cx="673582" cy="230832"/>
-          </a:xfrm>
-          <a:prstGeom prst="rect">
-            <a:avLst/>
-          </a:prstGeom>
-          <a:noFill/>
-        </p:spPr>
-        <p:txBody>
-          <a:bodyPr wrap="none" rtlCol="0">
-            <a:spAutoFit/>
-          </a:bodyPr>
-          <a:lstStyle/>
-          <a:p>
-            <a:r>
-              <a:rPr lang="pt-BR" sz="900" dirty="0"/>
-              <a:t>NET 30MB</a:t>
-            </a:r>
-          </a:p>
-        </p:txBody>
-      </p:sp>
-      <p:sp>
-        <p:nvSpPr>
-          <p:cNvPr id="105" name="CaixaDeTexto 104">
-            <a:extLst>
-              <a:ext uri="{FF2B5EF4-FFF2-40B4-BE49-F238E27FC236}">
-                <a16:creationId xmlns:a16="http://schemas.microsoft.com/office/drawing/2014/main" id="{AC13A803-F79E-45E6-8B53-489FE0345D46}"/>
-              </a:ext>
-            </a:extLst>
-          </p:cNvPr>
-          <p:cNvSpPr txBox="1"/>
-          <p:nvPr/>
-        </p:nvSpPr>
-        <p:spPr>
-          <a:xfrm>
-            <a:off x="391024" y="3878120"/>
-            <a:ext cx="2452900" cy="369332"/>
-          </a:xfrm>
-          <a:prstGeom prst="rect">
-            <a:avLst/>
-          </a:prstGeom>
-          <a:noFill/>
-        </p:spPr>
-        <p:txBody>
-          <a:bodyPr wrap="square" rtlCol="0">
-            <a:spAutoFit/>
-          </a:bodyPr>
-          <a:lstStyle/>
-          <a:p>
-            <a:r>
-              <a:rPr lang="pt-BR" sz="900" dirty="0"/>
-              <a:t>ROTEADOR Wi </a:t>
-            </a:r>
-            <a:r>
-              <a:rPr lang="pt-BR" sz="900" dirty="0" err="1"/>
-              <a:t>Fi</a:t>
-            </a:r>
-            <a:endParaRPr lang="pt-BR" sz="900" dirty="0"/>
-          </a:p>
-          <a:p>
-            <a:r>
-              <a:rPr lang="en-US" sz="900" dirty="0" err="1"/>
-              <a:t>Roteador</a:t>
-            </a:r>
-            <a:r>
-              <a:rPr lang="en-US" sz="900" dirty="0"/>
-              <a:t> TP-Link Archer C6 AC1200,  1000Mbps</a:t>
-            </a:r>
-          </a:p>
-        </p:txBody>
-      </p:sp>
       <p:pic>
         <p:nvPicPr>
-          <p:cNvPr id="110" name="Imagem 109">
-            <a:extLst>
-              <a:ext uri="{FF2B5EF4-FFF2-40B4-BE49-F238E27FC236}">
-                <a16:creationId xmlns:a16="http://schemas.microsoft.com/office/drawing/2014/main" id="{48EAE7C9-853C-4C62-BE4F-77E1FF7A2142}"/>
+          <p:cNvPr id="113" name="Imagem 112">
+            <a:extLst>
+              <a:ext uri="{FF2B5EF4-FFF2-40B4-BE49-F238E27FC236}">
+                <a16:creationId xmlns:a16="http://schemas.microsoft.com/office/drawing/2014/main" id="{3A0A7C0D-5AAE-4386-8F96-FE545AB5180F}"/>
               </a:ext>
             </a:extLst>
           </p:cNvPr>
@@ -4764,42 +4460,6 @@
         </p:blipFill>
         <p:spPr>
           <a:xfrm>
-            <a:off x="8529826" y="5434219"/>
-            <a:ext cx="230832" cy="230832"/>
-          </a:xfrm>
-          <a:prstGeom prst="rect">
-            <a:avLst/>
-          </a:prstGeom>
-        </p:spPr>
-      </p:pic>
-      <p:pic>
-        <p:nvPicPr>
-          <p:cNvPr id="113" name="Imagem 112">
-            <a:extLst>
-              <a:ext uri="{FF2B5EF4-FFF2-40B4-BE49-F238E27FC236}">
-                <a16:creationId xmlns:a16="http://schemas.microsoft.com/office/drawing/2014/main" id="{3A0A7C0D-5AAE-4386-8F96-FE545AB5180F}"/>
-              </a:ext>
-            </a:extLst>
-          </p:cNvPr>
-          <p:cNvPicPr>
-            <a:picLocks noChangeAspect="1"/>
-          </p:cNvPicPr>
-          <p:nvPr/>
-        </p:nvPicPr>
-        <p:blipFill>
-          <a:blip r:embed="rId9">
-            <a:extLst>
-              <a:ext uri="{28A0092B-C50C-407E-A947-70E740481C1C}">
-                <a14:useLocalDpi xmlns:a14="http://schemas.microsoft.com/office/drawing/2010/main" val="0"/>
-              </a:ext>
-            </a:extLst>
-          </a:blip>
-          <a:stretch>
-            <a:fillRect/>
-          </a:stretch>
-        </p:blipFill>
-        <p:spPr>
-          <a:xfrm>
             <a:off x="8740571" y="5360370"/>
             <a:ext cx="378529" cy="378529"/>
           </a:xfrm>
@@ -4823,7 +4483,7 @@
           <p:nvPr/>
         </p:nvPicPr>
         <p:blipFill>
-          <a:blip r:embed="rId10">
+          <a:blip r:embed="rId9">
             <a:extLst>
               <a:ext uri="{28A0092B-C50C-407E-A947-70E740481C1C}">
                 <a14:useLocalDpi xmlns:a14="http://schemas.microsoft.com/office/drawing/2010/main" val="0"/>
@@ -4998,7 +4658,7 @@
         <p:spPr>
           <a:xfrm>
             <a:off x="11201687" y="3392545"/>
-            <a:ext cx="1168252" cy="646331"/>
+            <a:ext cx="1168252" cy="615553"/>
           </a:xfrm>
           <a:prstGeom prst="rect">
             <a:avLst/>
@@ -5012,10 +4672,9 @@
           <a:lstStyle/>
           <a:p>
             <a:r>
-              <a:rPr lang="pt-BR" dirty="0"/>
-              <a:t>CLIENTE</a:t>
-            </a:r>
-            <a:endParaRPr lang="pt-BR" sz="1600" dirty="0"/>
+              <a:rPr lang="pt-BR" sz="1600" dirty="0"/>
+              <a:t>Gestor</a:t>
+            </a:r>
           </a:p>
           <a:p>
             <a:endParaRPr lang="pt-BR" dirty="0"/>
@@ -5052,7 +4711,7 @@
           <a:p>
             <a:r>
               <a:rPr lang="pt-BR" dirty="0"/>
-              <a:t>MÁQUINA</a:t>
+              <a:t>Funcionário</a:t>
             </a:r>
           </a:p>
         </p:txBody>
@@ -5072,7 +4731,7 @@
           <p:nvPr/>
         </p:nvPicPr>
         <p:blipFill>
-          <a:blip r:embed="rId11">
+          <a:blip r:embed="rId10">
             <a:extLst>
               <a:ext uri="{28A0092B-C50C-407E-A947-70E740481C1C}">
                 <a14:useLocalDpi xmlns:a14="http://schemas.microsoft.com/office/drawing/2010/main" val="0"/>
@@ -5085,7 +4744,7 @@
         </p:blipFill>
         <p:spPr>
           <a:xfrm>
-            <a:off x="2888226" y="5556771"/>
+            <a:off x="3020493" y="5315945"/>
             <a:ext cx="403712" cy="403712"/>
           </a:xfrm>
           <a:prstGeom prst="rect">
@@ -5093,42 +4752,6 @@
           </a:prstGeom>
         </p:spPr>
       </p:pic>
-      <p:pic>
-        <p:nvPicPr>
-          <p:cNvPr id="19" name="Imagem 18" descr="Uma imagem contendo Forma&#10;&#10;Descrição gerada automaticamente">
-            <a:extLst>
-              <a:ext uri="{FF2B5EF4-FFF2-40B4-BE49-F238E27FC236}">
-                <a16:creationId xmlns:a16="http://schemas.microsoft.com/office/drawing/2014/main" id="{71F72E75-91AD-4FA7-9A33-1635686FD9A7}"/>
-              </a:ext>
-            </a:extLst>
-          </p:cNvPr>
-          <p:cNvPicPr>
-            <a:picLocks noChangeAspect="1"/>
-          </p:cNvPicPr>
-          <p:nvPr/>
-        </p:nvPicPr>
-        <p:blipFill>
-          <a:blip r:embed="rId12">
-            <a:extLst>
-              <a:ext uri="{28A0092B-C50C-407E-A947-70E740481C1C}">
-                <a14:useLocalDpi xmlns:a14="http://schemas.microsoft.com/office/drawing/2010/main" val="0"/>
-              </a:ext>
-            </a:extLst>
-          </a:blip>
-          <a:stretch>
-            <a:fillRect/>
-          </a:stretch>
-        </p:blipFill>
-        <p:spPr>
-          <a:xfrm>
-            <a:off x="3357019" y="5549861"/>
-            <a:ext cx="403713" cy="403713"/>
-          </a:xfrm>
-          <a:prstGeom prst="rect">
-            <a:avLst/>
-          </a:prstGeom>
-        </p:spPr>
-      </p:pic>
       <p:sp>
         <p:nvSpPr>
           <p:cNvPr id="20" name="CaixaDeTexto 19">
@@ -5143,7 +4766,7 @@
         </p:nvSpPr>
         <p:spPr>
           <a:xfrm>
-            <a:off x="1397957" y="5372199"/>
+            <a:off x="1003430" y="5315945"/>
             <a:ext cx="1240499" cy="1061829"/>
           </a:xfrm>
           <a:prstGeom prst="rect">
@@ -5158,15 +4781,15 @@
           <a:lstStyle/>
           <a:p>
             <a:r>
-              <a:rPr lang="pt-BR" sz="900" dirty="0"/>
+              <a:rPr lang="pt-BR" sz="900" b="1" dirty="0"/>
               <a:t>Computador com software </a:t>
             </a:r>
             <a:r>
-              <a:rPr lang="pt-BR" sz="900" dirty="0" err="1"/>
+              <a:rPr lang="pt-BR" sz="900" b="1" dirty="0" err="1"/>
               <a:t>Telemon</a:t>
             </a:r>
             <a:r>
-              <a:rPr lang="pt-BR" sz="900" dirty="0"/>
+              <a:rPr lang="pt-BR" sz="900" b="1" dirty="0"/>
               <a:t> realizando o monitoramento de processos, hardware, capturando log erros e internet.</a:t>
             </a:r>
           </a:p>
@@ -5187,7 +4810,7 @@
           <p:nvPr/>
         </p:nvPicPr>
         <p:blipFill>
-          <a:blip r:embed="rId13">
+          <a:blip r:embed="rId11">
             <a:extLst>
               <a:ext uri="{28A0092B-C50C-407E-A947-70E740481C1C}">
                 <a14:useLocalDpi xmlns:a14="http://schemas.microsoft.com/office/drawing/2010/main" val="0"/>
@@ -5234,7 +4857,7 @@
           <p:nvPr/>
         </p:nvPicPr>
         <p:blipFill>
-          <a:blip r:embed="rId13">
+          <a:blip r:embed="rId11">
             <a:extLst>
               <a:ext uri="{28A0092B-C50C-407E-A947-70E740481C1C}">
                 <a14:useLocalDpi xmlns:a14="http://schemas.microsoft.com/office/drawing/2010/main" val="0"/>
@@ -5923,7 +5546,7 @@
           <p:nvPr/>
         </p:nvPicPr>
         <p:blipFill>
-          <a:blip r:embed="rId14">
+          <a:blip r:embed="rId12">
             <a:duotone>
               <a:schemeClr val="accent5">
                 <a:shade val="45000"/>
@@ -6066,7 +5689,7 @@
             <p:nvPr/>
           </p:nvPicPr>
           <p:blipFill>
-            <a:blip r:embed="rId15">
+            <a:blip r:embed="rId13">
               <a:extLst>
                 <a:ext uri="{28A0092B-C50C-407E-A947-70E740481C1C}">
                   <a14:useLocalDpi xmlns:a14="http://schemas.microsoft.com/office/drawing/2010/main" val="0"/>
@@ -6134,6 +5757,210 @@
           </p:txBody>
         </p:sp>
       </p:grpSp>
+      <p:sp>
+        <p:nvSpPr>
+          <p:cNvPr id="9" name="Retângulo 8">
+            <a:extLst>
+              <a:ext uri="{FF2B5EF4-FFF2-40B4-BE49-F238E27FC236}">
+                <a16:creationId xmlns:a16="http://schemas.microsoft.com/office/drawing/2014/main" id="{A2895AD6-3034-4EE2-8F53-A1BC76FBF2D0}"/>
+              </a:ext>
+            </a:extLst>
+          </p:cNvPr>
+          <p:cNvSpPr/>
+          <p:nvPr/>
+        </p:nvSpPr>
+        <p:spPr>
+          <a:xfrm>
+            <a:off x="2415582" y="3545209"/>
+            <a:ext cx="595753" cy="445305"/>
+          </a:xfrm>
+          <a:prstGeom prst="rect">
+            <a:avLst/>
+          </a:prstGeom>
+          <a:solidFill>
+            <a:schemeClr val="bg1"/>
+          </a:solidFill>
+          <a:ln>
+            <a:noFill/>
+          </a:ln>
+        </p:spPr>
+        <p:style>
+          <a:lnRef idx="2">
+            <a:schemeClr val="accent1">
+              <a:shade val="50000"/>
+            </a:schemeClr>
+          </a:lnRef>
+          <a:fillRef idx="1">
+            <a:schemeClr val="accent1"/>
+          </a:fillRef>
+          <a:effectRef idx="0">
+            <a:schemeClr val="accent1"/>
+          </a:effectRef>
+          <a:fontRef idx="minor">
+            <a:schemeClr val="lt1"/>
+          </a:fontRef>
+        </p:style>
+        <p:txBody>
+          <a:bodyPr rtlCol="0" anchor="ctr"/>
+          <a:lstStyle/>
+          <a:p>
+            <a:pPr algn="ctr"/>
+            <a:endParaRPr lang="pt-BR"/>
+          </a:p>
+        </p:txBody>
+      </p:sp>
+      <p:pic>
+        <p:nvPicPr>
+          <p:cNvPr id="7" name="Picture 10" descr="Amazon Web Services - Wikipedia">
+            <a:extLst>
+              <a:ext uri="{FF2B5EF4-FFF2-40B4-BE49-F238E27FC236}">
+                <a16:creationId xmlns:a16="http://schemas.microsoft.com/office/drawing/2014/main" id="{4484FA0D-09D2-41AD-9A5C-AA5C5431D5FE}"/>
+              </a:ext>
+            </a:extLst>
+          </p:cNvPr>
+          <p:cNvPicPr>
+            <a:picLocks noChangeAspect="1" noChangeArrowheads="1"/>
+          </p:cNvPicPr>
+          <p:nvPr/>
+        </p:nvPicPr>
+        <p:blipFill>
+          <a:blip r:embed="rId14">
+            <a:extLst>
+              <a:ext uri="{28A0092B-C50C-407E-A947-70E740481C1C}">
+                <a14:useLocalDpi xmlns:a14="http://schemas.microsoft.com/office/drawing/2010/main" val="0"/>
+              </a:ext>
+            </a:extLst>
+          </a:blip>
+          <a:srcRect/>
+          <a:stretch>
+            <a:fillRect/>
+          </a:stretch>
+        </p:blipFill>
+        <p:spPr bwMode="auto">
+          <a:xfrm>
+            <a:off x="2356573" y="3604648"/>
+            <a:ext cx="703098" cy="361931"/>
+          </a:xfrm>
+          <a:prstGeom prst="rect">
+            <a:avLst/>
+          </a:prstGeom>
+          <a:noFill/>
+          <a:extLst>
+            <a:ext uri="{909E8E84-426E-40DD-AFC4-6F175D3DCCD1}">
+              <a14:hiddenFill xmlns:a14="http://schemas.microsoft.com/office/drawing/2010/main">
+                <a:solidFill>
+                  <a:srgbClr val="FFFFFF"/>
+                </a:solidFill>
+              </a14:hiddenFill>
+            </a:ext>
+          </a:extLst>
+        </p:spPr>
+      </p:pic>
+      <p:sp>
+        <p:nvSpPr>
+          <p:cNvPr id="15" name="CaixaDeTexto 14">
+            <a:extLst>
+              <a:ext uri="{FF2B5EF4-FFF2-40B4-BE49-F238E27FC236}">
+                <a16:creationId xmlns:a16="http://schemas.microsoft.com/office/drawing/2014/main" id="{50AB074B-24A8-4932-8B67-A2E840EC7A3C}"/>
+              </a:ext>
+            </a:extLst>
+          </p:cNvPr>
+          <p:cNvSpPr txBox="1"/>
+          <p:nvPr/>
+        </p:nvSpPr>
+        <p:spPr>
+          <a:xfrm>
+            <a:off x="2296077" y="5282057"/>
+            <a:ext cx="805343" cy="261610"/>
+          </a:xfrm>
+          <a:prstGeom prst="rect">
+            <a:avLst/>
+          </a:prstGeom>
+          <a:noFill/>
+        </p:spPr>
+        <p:txBody>
+          <a:bodyPr wrap="square" rtlCol="0">
+            <a:spAutoFit/>
+          </a:bodyPr>
+          <a:lstStyle/>
+          <a:p>
+            <a:r>
+              <a:rPr lang="pt-BR" sz="1100" dirty="0"/>
+              <a:t>SWING</a:t>
+            </a:r>
+          </a:p>
+        </p:txBody>
+      </p:sp>
+      <p:sp>
+        <p:nvSpPr>
+          <p:cNvPr id="17" name="CaixaDeTexto 16">
+            <a:extLst>
+              <a:ext uri="{FF2B5EF4-FFF2-40B4-BE49-F238E27FC236}">
+                <a16:creationId xmlns:a16="http://schemas.microsoft.com/office/drawing/2014/main" id="{26EAF8F4-3BDF-487E-A712-9B376B133FBC}"/>
+              </a:ext>
+            </a:extLst>
+          </p:cNvPr>
+          <p:cNvSpPr txBox="1"/>
+          <p:nvPr/>
+        </p:nvSpPr>
+        <p:spPr>
+          <a:xfrm>
+            <a:off x="2286591" y="5479166"/>
+            <a:ext cx="893280" cy="261610"/>
+          </a:xfrm>
+          <a:prstGeom prst="rect">
+            <a:avLst/>
+          </a:prstGeom>
+          <a:noFill/>
+        </p:spPr>
+        <p:txBody>
+          <a:bodyPr wrap="square" rtlCol="0">
+            <a:spAutoFit/>
+          </a:bodyPr>
+          <a:lstStyle/>
+          <a:p>
+            <a:r>
+              <a:rPr lang="pt-BR" sz="1100" dirty="0"/>
+              <a:t>API OSHI</a:t>
+            </a:r>
+          </a:p>
+        </p:txBody>
+      </p:sp>
+      <p:sp>
+        <p:nvSpPr>
+          <p:cNvPr id="18" name="CaixaDeTexto 17">
+            <a:extLst>
+              <a:ext uri="{FF2B5EF4-FFF2-40B4-BE49-F238E27FC236}">
+                <a16:creationId xmlns:a16="http://schemas.microsoft.com/office/drawing/2014/main" id="{496987D5-D134-44D7-8F5B-6A4DDAF9E6DF}"/>
+              </a:ext>
+            </a:extLst>
+          </p:cNvPr>
+          <p:cNvSpPr txBox="1"/>
+          <p:nvPr/>
+        </p:nvSpPr>
+        <p:spPr>
+          <a:xfrm>
+            <a:off x="2279873" y="5684405"/>
+            <a:ext cx="1546954" cy="261610"/>
+          </a:xfrm>
+          <a:prstGeom prst="rect">
+            <a:avLst/>
+          </a:prstGeom>
+          <a:noFill/>
+        </p:spPr>
+        <p:txBody>
+          <a:bodyPr wrap="square" rtlCol="0">
+            <a:spAutoFit/>
+          </a:bodyPr>
+          <a:lstStyle/>
+          <a:p>
+            <a:r>
+              <a:rPr lang="pt-BR" sz="1100" dirty="0"/>
+              <a:t>API TELEGRAM BOT</a:t>
+            </a:r>
+          </a:p>
+        </p:txBody>
+      </p:sp>
     </p:spTree>
     <p:extLst>
       <p:ext uri="{BB962C8B-B14F-4D97-AF65-F5344CB8AC3E}">
@@ -9042,6 +8869,21 @@
 </file>
 
 <file path=customXml/item1.xml><?xml version="1.0" encoding="utf-8"?>
+<p:properties xmlns:p="http://schemas.microsoft.com/office/2006/metadata/properties" xmlns:xsi="http://www.w3.org/2001/XMLSchema-instance" xmlns:pc="http://schemas.microsoft.com/office/infopath/2007/PartnerControls">
+  <documentManagement/>
+</p:properties>
+</file>
+
+<file path=customXml/item2.xml><?xml version="1.0" encoding="utf-8"?>
+<?mso-contentType ?>
+<FormTemplates xmlns="http://schemas.microsoft.com/sharepoint/v3/contenttype/forms">
+  <Display>DocumentLibraryForm</Display>
+  <Edit>DocumentLibraryForm</Edit>
+  <New>DocumentLibraryForm</New>
+</FormTemplates>
+</file>
+
+<file path=customXml/item3.xml><?xml version="1.0" encoding="utf-8"?>
 <ct:contentTypeSchema xmlns:ct="http://schemas.microsoft.com/office/2006/metadata/contentType" xmlns:ma="http://schemas.microsoft.com/office/2006/metadata/properties/metaAttributes" ct:_="" ma:_="" ma:contentTypeName="Document" ma:contentTypeID="0x010100B98A8EE2A9F7A14F94CEDBF06729C915" ma:contentTypeVersion="2" ma:contentTypeDescription="Create a new document." ma:contentTypeScope="" ma:versionID="54211dd7b80d0a5e350bd2ce1fda18e0">
   <xsd:schema xmlns:xsd="http://www.w3.org/2001/XMLSchema" xmlns:xs="http://www.w3.org/2001/XMLSchema" xmlns:p="http://schemas.microsoft.com/office/2006/metadata/properties" xmlns:ns3="4d0c820a-888c-467f-9883-f2eb09285986" targetNamespace="http://schemas.microsoft.com/office/2006/metadata/properties" ma:root="true" ma:fieldsID="215748a485b3af4a87eff8123adb26da" ns3:_="">
     <xsd:import namespace="4d0c820a-888c-467f-9883-f2eb09285986"/>
@@ -9173,22 +9015,31 @@
 </ct:contentTypeSchema>
 </file>
 
-<file path=customXml/item2.xml><?xml version="1.0" encoding="utf-8"?>
-<?mso-contentType ?>
-<FormTemplates xmlns="http://schemas.microsoft.com/sharepoint/v3/contenttype/forms">
-  <Display>DocumentLibraryForm</Display>
-  <Edit>DocumentLibraryForm</Edit>
-  <New>DocumentLibraryForm</New>
-</FormTemplates>
+<file path=customXml/itemProps1.xml><?xml version="1.0" encoding="utf-8"?>
+<ds:datastoreItem xmlns:ds="http://schemas.openxmlformats.org/officeDocument/2006/customXml" ds:itemID="{B1403ECD-64BE-4472-A72B-8AE2B2D302D4}">
+  <ds:schemaRefs>
+    <ds:schemaRef ds:uri="http://schemas.microsoft.com/office/2006/documentManagement/types"/>
+    <ds:schemaRef ds:uri="http://schemas.microsoft.com/office/infopath/2007/PartnerControls"/>
+    <ds:schemaRef ds:uri="http://www.w3.org/XML/1998/namespace"/>
+    <ds:schemaRef ds:uri="4d0c820a-888c-467f-9883-f2eb09285986"/>
+    <ds:schemaRef ds:uri="http://purl.org/dc/terms/"/>
+    <ds:schemaRef ds:uri="http://purl.org/dc/dcmitype/"/>
+    <ds:schemaRef ds:uri="http://purl.org/dc/elements/1.1/"/>
+    <ds:schemaRef ds:uri="http://schemas.openxmlformats.org/package/2006/metadata/core-properties"/>
+    <ds:schemaRef ds:uri="http://schemas.microsoft.com/office/2006/metadata/properties"/>
+  </ds:schemaRefs>
+</ds:datastoreItem>
 </file>
 
-<file path=customXml/item3.xml><?xml version="1.0" encoding="utf-8"?>
-<p:properties xmlns:p="http://schemas.microsoft.com/office/2006/metadata/properties" xmlns:xsi="http://www.w3.org/2001/XMLSchema-instance" xmlns:pc="http://schemas.microsoft.com/office/infopath/2007/PartnerControls">
-  <documentManagement/>
-</p:properties>
+<file path=customXml/itemProps2.xml><?xml version="1.0" encoding="utf-8"?>
+<ds:datastoreItem xmlns:ds="http://schemas.openxmlformats.org/officeDocument/2006/customXml" ds:itemID="{C361E357-1858-46EE-ADFA-698EE4D9C360}">
+  <ds:schemaRefs>
+    <ds:schemaRef ds:uri="http://schemas.microsoft.com/sharepoint/v3/contenttype/forms"/>
+  </ds:schemaRefs>
+</ds:datastoreItem>
 </file>
 
-<file path=customXml/itemProps1.xml><?xml version="1.0" encoding="utf-8"?>
+<file path=customXml/itemProps3.xml><?xml version="1.0" encoding="utf-8"?>
 <ds:datastoreItem xmlns:ds="http://schemas.openxmlformats.org/officeDocument/2006/customXml" ds:itemID="{94021B74-C88A-417E-AEFD-9E5858425111}">
   <ds:schemaRefs>
     <ds:schemaRef ds:uri="http://schemas.microsoft.com/office/2006/metadata/contentType"/>
@@ -9204,28 +9055,4 @@
     <ds:schemaRef ds:uri="http://schemas.microsoft.com/internal/obd"/>
   </ds:schemaRefs>
 </ds:datastoreItem>
-</file>
-
-<file path=customXml/itemProps2.xml><?xml version="1.0" encoding="utf-8"?>
-<ds:datastoreItem xmlns:ds="http://schemas.openxmlformats.org/officeDocument/2006/customXml" ds:itemID="{C361E357-1858-46EE-ADFA-698EE4D9C360}">
-  <ds:schemaRefs>
-    <ds:schemaRef ds:uri="http://schemas.microsoft.com/sharepoint/v3/contenttype/forms"/>
-  </ds:schemaRefs>
-</ds:datastoreItem>
-</file>
-
-<file path=customXml/itemProps3.xml><?xml version="1.0" encoding="utf-8"?>
-<ds:datastoreItem xmlns:ds="http://schemas.openxmlformats.org/officeDocument/2006/customXml" ds:itemID="{B1403ECD-64BE-4472-A72B-8AE2B2D302D4}">
-  <ds:schemaRefs>
-    <ds:schemaRef ds:uri="http://schemas.microsoft.com/office/2006/documentManagement/types"/>
-    <ds:schemaRef ds:uri="http://schemas.microsoft.com/office/infopath/2007/PartnerControls"/>
-    <ds:schemaRef ds:uri="http://www.w3.org/XML/1998/namespace"/>
-    <ds:schemaRef ds:uri="4d0c820a-888c-467f-9883-f2eb09285986"/>
-    <ds:schemaRef ds:uri="http://purl.org/dc/terms/"/>
-    <ds:schemaRef ds:uri="http://purl.org/dc/dcmitype/"/>
-    <ds:schemaRef ds:uri="http://purl.org/dc/elements/1.1/"/>
-    <ds:schemaRef ds:uri="http://schemas.openxmlformats.org/package/2006/metadata/core-properties"/>
-    <ds:schemaRef ds:uri="http://schemas.microsoft.com/office/2006/metadata/properties"/>
-  </ds:schemaRefs>
-</ds:datastoreItem>
 </file>
--- a/Documentação/HLD.LLD.DIAGRAMA.pptx
+++ b/Documentação/HLD.LLD.DIAGRAMA.pptx
@@ -137,7 +137,7 @@
           <p:cNvPr id="2" name="Título 1">
             <a:extLst>
               <a:ext uri="{FF2B5EF4-FFF2-40B4-BE49-F238E27FC236}">
-                <a16:creationId xmlns:a16="http://schemas.microsoft.com/office/drawing/2014/main" id="{9C9D081C-0F97-4DB2-B545-D20F5456DA1F}"/>
+                <a16:creationId xmlns:a16="http://schemas.microsoft.com/office/drawing/2014/main" xmlns="" id="{9C9D081C-0F97-4DB2-B545-D20F5456DA1F}"/>
               </a:ext>
             </a:extLst>
           </p:cNvPr>
@@ -174,7 +174,7 @@
           <p:cNvPr id="3" name="Subtítulo 2">
             <a:extLst>
               <a:ext uri="{FF2B5EF4-FFF2-40B4-BE49-F238E27FC236}">
-                <a16:creationId xmlns:a16="http://schemas.microsoft.com/office/drawing/2014/main" id="{974DF855-DB25-4F33-BF88-68991EBB3108}"/>
+                <a16:creationId xmlns:a16="http://schemas.microsoft.com/office/drawing/2014/main" xmlns="" id="{974DF855-DB25-4F33-BF88-68991EBB3108}"/>
               </a:ext>
             </a:extLst>
           </p:cNvPr>
@@ -244,7 +244,7 @@
           <p:cNvPr id="4" name="Espaço Reservado para Data 3">
             <a:extLst>
               <a:ext uri="{FF2B5EF4-FFF2-40B4-BE49-F238E27FC236}">
-                <a16:creationId xmlns:a16="http://schemas.microsoft.com/office/drawing/2014/main" id="{035A9201-BCC9-43E0-88C6-004C731F0501}"/>
+                <a16:creationId xmlns:a16="http://schemas.microsoft.com/office/drawing/2014/main" xmlns="" id="{035A9201-BCC9-43E0-88C6-004C731F0501}"/>
               </a:ext>
             </a:extLst>
           </p:cNvPr>
@@ -262,7 +262,7 @@
           <a:p>
             <a:fld id="{7668FBEF-3CD8-4E97-B80F-AF0D925322BB}" type="datetimeFigureOut">
               <a:rPr lang="pt-BR" smtClean="0"/>
-              <a:t>29/10/2020</a:t>
+              <a:t>04/12/2020</a:t>
             </a:fld>
             <a:endParaRPr lang="pt-BR"/>
           </a:p>
@@ -273,7 +273,7 @@
           <p:cNvPr id="5" name="Espaço Reservado para Rodapé 4">
             <a:extLst>
               <a:ext uri="{FF2B5EF4-FFF2-40B4-BE49-F238E27FC236}">
-                <a16:creationId xmlns:a16="http://schemas.microsoft.com/office/drawing/2014/main" id="{EE96D7DF-1FB0-4D05-AF2C-DE6460380CCA}"/>
+                <a16:creationId xmlns:a16="http://schemas.microsoft.com/office/drawing/2014/main" xmlns="" id="{EE96D7DF-1FB0-4D05-AF2C-DE6460380CCA}"/>
               </a:ext>
             </a:extLst>
           </p:cNvPr>
@@ -298,7 +298,7 @@
           <p:cNvPr id="6" name="Espaço Reservado para Número de Slide 5">
             <a:extLst>
               <a:ext uri="{FF2B5EF4-FFF2-40B4-BE49-F238E27FC236}">
-                <a16:creationId xmlns:a16="http://schemas.microsoft.com/office/drawing/2014/main" id="{6B180718-A06F-41B8-BBDE-D69E94F87DB3}"/>
+                <a16:creationId xmlns:a16="http://schemas.microsoft.com/office/drawing/2014/main" xmlns="" id="{6B180718-A06F-41B8-BBDE-D69E94F87DB3}"/>
               </a:ext>
             </a:extLst>
           </p:cNvPr>
@@ -357,7 +357,7 @@
           <p:cNvPr id="2" name="Título 1">
             <a:extLst>
               <a:ext uri="{FF2B5EF4-FFF2-40B4-BE49-F238E27FC236}">
-                <a16:creationId xmlns:a16="http://schemas.microsoft.com/office/drawing/2014/main" id="{06BC62C5-62A3-4C34-B96D-E9772382BB1F}"/>
+                <a16:creationId xmlns:a16="http://schemas.microsoft.com/office/drawing/2014/main" xmlns="" id="{06BC62C5-62A3-4C34-B96D-E9772382BB1F}"/>
               </a:ext>
             </a:extLst>
           </p:cNvPr>
@@ -385,7 +385,7 @@
           <p:cNvPr id="3" name="Espaço Reservado para Texto Vertical 2">
             <a:extLst>
               <a:ext uri="{FF2B5EF4-FFF2-40B4-BE49-F238E27FC236}">
-                <a16:creationId xmlns:a16="http://schemas.microsoft.com/office/drawing/2014/main" id="{5987ABD5-17FB-4334-8D1E-1B9FA7510FEF}"/>
+                <a16:creationId xmlns:a16="http://schemas.microsoft.com/office/drawing/2014/main" xmlns="" id="{5987ABD5-17FB-4334-8D1E-1B9FA7510FEF}"/>
               </a:ext>
             </a:extLst>
           </p:cNvPr>
@@ -442,7 +442,7 @@
           <p:cNvPr id="4" name="Espaço Reservado para Data 3">
             <a:extLst>
               <a:ext uri="{FF2B5EF4-FFF2-40B4-BE49-F238E27FC236}">
-                <a16:creationId xmlns:a16="http://schemas.microsoft.com/office/drawing/2014/main" id="{63B767CF-7B82-479D-B09D-C5ACFB4BF497}"/>
+                <a16:creationId xmlns:a16="http://schemas.microsoft.com/office/drawing/2014/main" xmlns="" id="{63B767CF-7B82-479D-B09D-C5ACFB4BF497}"/>
               </a:ext>
             </a:extLst>
           </p:cNvPr>
@@ -460,7 +460,7 @@
           <a:p>
             <a:fld id="{7668FBEF-3CD8-4E97-B80F-AF0D925322BB}" type="datetimeFigureOut">
               <a:rPr lang="pt-BR" smtClean="0"/>
-              <a:t>29/10/2020</a:t>
+              <a:t>04/12/2020</a:t>
             </a:fld>
             <a:endParaRPr lang="pt-BR"/>
           </a:p>
@@ -471,7 +471,7 @@
           <p:cNvPr id="5" name="Espaço Reservado para Rodapé 4">
             <a:extLst>
               <a:ext uri="{FF2B5EF4-FFF2-40B4-BE49-F238E27FC236}">
-                <a16:creationId xmlns:a16="http://schemas.microsoft.com/office/drawing/2014/main" id="{5813DBE3-B5D1-47C3-9D46-3B12A356FD91}"/>
+                <a16:creationId xmlns:a16="http://schemas.microsoft.com/office/drawing/2014/main" xmlns="" id="{5813DBE3-B5D1-47C3-9D46-3B12A356FD91}"/>
               </a:ext>
             </a:extLst>
           </p:cNvPr>
@@ -496,7 +496,7 @@
           <p:cNvPr id="6" name="Espaço Reservado para Número de Slide 5">
             <a:extLst>
               <a:ext uri="{FF2B5EF4-FFF2-40B4-BE49-F238E27FC236}">
-                <a16:creationId xmlns:a16="http://schemas.microsoft.com/office/drawing/2014/main" id="{FE4F2FBA-5C20-4470-AB3B-CA59CCC90F4E}"/>
+                <a16:creationId xmlns:a16="http://schemas.microsoft.com/office/drawing/2014/main" xmlns="" id="{FE4F2FBA-5C20-4470-AB3B-CA59CCC90F4E}"/>
               </a:ext>
             </a:extLst>
           </p:cNvPr>
@@ -555,7 +555,7 @@
           <p:cNvPr id="2" name="Título Vertical 1">
             <a:extLst>
               <a:ext uri="{FF2B5EF4-FFF2-40B4-BE49-F238E27FC236}">
-                <a16:creationId xmlns:a16="http://schemas.microsoft.com/office/drawing/2014/main" id="{2D0FF3FD-4633-4116-B308-3DC9016524BF}"/>
+                <a16:creationId xmlns:a16="http://schemas.microsoft.com/office/drawing/2014/main" xmlns="" id="{2D0FF3FD-4633-4116-B308-3DC9016524BF}"/>
               </a:ext>
             </a:extLst>
           </p:cNvPr>
@@ -588,7 +588,7 @@
           <p:cNvPr id="3" name="Espaço Reservado para Texto Vertical 2">
             <a:extLst>
               <a:ext uri="{FF2B5EF4-FFF2-40B4-BE49-F238E27FC236}">
-                <a16:creationId xmlns:a16="http://schemas.microsoft.com/office/drawing/2014/main" id="{1CE652A6-6F2A-46CD-9D5C-CED0D3A9FB8F}"/>
+                <a16:creationId xmlns:a16="http://schemas.microsoft.com/office/drawing/2014/main" xmlns="" id="{1CE652A6-6F2A-46CD-9D5C-CED0D3A9FB8F}"/>
               </a:ext>
             </a:extLst>
           </p:cNvPr>
@@ -650,7 +650,7 @@
           <p:cNvPr id="4" name="Espaço Reservado para Data 3">
             <a:extLst>
               <a:ext uri="{FF2B5EF4-FFF2-40B4-BE49-F238E27FC236}">
-                <a16:creationId xmlns:a16="http://schemas.microsoft.com/office/drawing/2014/main" id="{06B13398-15E8-4EBF-B29F-80855CDF7F26}"/>
+                <a16:creationId xmlns:a16="http://schemas.microsoft.com/office/drawing/2014/main" xmlns="" id="{06B13398-15E8-4EBF-B29F-80855CDF7F26}"/>
               </a:ext>
             </a:extLst>
           </p:cNvPr>
@@ -668,7 +668,7 @@
           <a:p>
             <a:fld id="{7668FBEF-3CD8-4E97-B80F-AF0D925322BB}" type="datetimeFigureOut">
               <a:rPr lang="pt-BR" smtClean="0"/>
-              <a:t>29/10/2020</a:t>
+              <a:t>04/12/2020</a:t>
             </a:fld>
             <a:endParaRPr lang="pt-BR"/>
           </a:p>
@@ -679,7 +679,7 @@
           <p:cNvPr id="5" name="Espaço Reservado para Rodapé 4">
             <a:extLst>
               <a:ext uri="{FF2B5EF4-FFF2-40B4-BE49-F238E27FC236}">
-                <a16:creationId xmlns:a16="http://schemas.microsoft.com/office/drawing/2014/main" id="{152F3931-4EA3-4DFF-AB39-EBDC4DD76D8D}"/>
+                <a16:creationId xmlns:a16="http://schemas.microsoft.com/office/drawing/2014/main" xmlns="" id="{152F3931-4EA3-4DFF-AB39-EBDC4DD76D8D}"/>
               </a:ext>
             </a:extLst>
           </p:cNvPr>
@@ -704,7 +704,7 @@
           <p:cNvPr id="6" name="Espaço Reservado para Número de Slide 5">
             <a:extLst>
               <a:ext uri="{FF2B5EF4-FFF2-40B4-BE49-F238E27FC236}">
-                <a16:creationId xmlns:a16="http://schemas.microsoft.com/office/drawing/2014/main" id="{4A6AC45E-BF7F-4F65-9509-B6CF7A6F3748}"/>
+                <a16:creationId xmlns:a16="http://schemas.microsoft.com/office/drawing/2014/main" xmlns="" id="{4A6AC45E-BF7F-4F65-9509-B6CF7A6F3748}"/>
               </a:ext>
             </a:extLst>
           </p:cNvPr>
@@ -763,7 +763,7 @@
           <p:cNvPr id="2" name="Título 1">
             <a:extLst>
               <a:ext uri="{FF2B5EF4-FFF2-40B4-BE49-F238E27FC236}">
-                <a16:creationId xmlns:a16="http://schemas.microsoft.com/office/drawing/2014/main" id="{47080BF8-F94D-4C7B-8946-1F7A9406C1FE}"/>
+                <a16:creationId xmlns:a16="http://schemas.microsoft.com/office/drawing/2014/main" xmlns="" id="{47080BF8-F94D-4C7B-8946-1F7A9406C1FE}"/>
               </a:ext>
             </a:extLst>
           </p:cNvPr>
@@ -791,7 +791,7 @@
           <p:cNvPr id="3" name="Espaço Reservado para Conteúdo 2">
             <a:extLst>
               <a:ext uri="{FF2B5EF4-FFF2-40B4-BE49-F238E27FC236}">
-                <a16:creationId xmlns:a16="http://schemas.microsoft.com/office/drawing/2014/main" id="{87C712CB-843F-4DFE-A432-2CC6CF4A63C7}"/>
+                <a16:creationId xmlns:a16="http://schemas.microsoft.com/office/drawing/2014/main" xmlns="" id="{87C712CB-843F-4DFE-A432-2CC6CF4A63C7}"/>
               </a:ext>
             </a:extLst>
           </p:cNvPr>
@@ -848,7 +848,7 @@
           <p:cNvPr id="4" name="Espaço Reservado para Data 3">
             <a:extLst>
               <a:ext uri="{FF2B5EF4-FFF2-40B4-BE49-F238E27FC236}">
-                <a16:creationId xmlns:a16="http://schemas.microsoft.com/office/drawing/2014/main" id="{C4A7E271-096C-48D0-A96E-AC1F80043C54}"/>
+                <a16:creationId xmlns:a16="http://schemas.microsoft.com/office/drawing/2014/main" xmlns="" id="{C4A7E271-096C-48D0-A96E-AC1F80043C54}"/>
               </a:ext>
             </a:extLst>
           </p:cNvPr>
@@ -866,7 +866,7 @@
           <a:p>
             <a:fld id="{7668FBEF-3CD8-4E97-B80F-AF0D925322BB}" type="datetimeFigureOut">
               <a:rPr lang="pt-BR" smtClean="0"/>
-              <a:t>29/10/2020</a:t>
+              <a:t>04/12/2020</a:t>
             </a:fld>
             <a:endParaRPr lang="pt-BR"/>
           </a:p>
@@ -877,7 +877,7 @@
           <p:cNvPr id="5" name="Espaço Reservado para Rodapé 4">
             <a:extLst>
               <a:ext uri="{FF2B5EF4-FFF2-40B4-BE49-F238E27FC236}">
-                <a16:creationId xmlns:a16="http://schemas.microsoft.com/office/drawing/2014/main" id="{1C722D53-0BCF-4AA5-ABD6-F5F92BE3953B}"/>
+                <a16:creationId xmlns:a16="http://schemas.microsoft.com/office/drawing/2014/main" xmlns="" id="{1C722D53-0BCF-4AA5-ABD6-F5F92BE3953B}"/>
               </a:ext>
             </a:extLst>
           </p:cNvPr>
@@ -902,7 +902,7 @@
           <p:cNvPr id="6" name="Espaço Reservado para Número de Slide 5">
             <a:extLst>
               <a:ext uri="{FF2B5EF4-FFF2-40B4-BE49-F238E27FC236}">
-                <a16:creationId xmlns:a16="http://schemas.microsoft.com/office/drawing/2014/main" id="{23647B80-A0C6-4C68-B4A3-C58B2FB759D3}"/>
+                <a16:creationId xmlns:a16="http://schemas.microsoft.com/office/drawing/2014/main" xmlns="" id="{23647B80-A0C6-4C68-B4A3-C58B2FB759D3}"/>
               </a:ext>
             </a:extLst>
           </p:cNvPr>
@@ -961,7 +961,7 @@
           <p:cNvPr id="2" name="Título 1">
             <a:extLst>
               <a:ext uri="{FF2B5EF4-FFF2-40B4-BE49-F238E27FC236}">
-                <a16:creationId xmlns:a16="http://schemas.microsoft.com/office/drawing/2014/main" id="{0A830081-40B9-4693-9AE9-FB6C802278E0}"/>
+                <a16:creationId xmlns:a16="http://schemas.microsoft.com/office/drawing/2014/main" xmlns="" id="{0A830081-40B9-4693-9AE9-FB6C802278E0}"/>
               </a:ext>
             </a:extLst>
           </p:cNvPr>
@@ -998,7 +998,7 @@
           <p:cNvPr id="3" name="Espaço Reservado para Texto 2">
             <a:extLst>
               <a:ext uri="{FF2B5EF4-FFF2-40B4-BE49-F238E27FC236}">
-                <a16:creationId xmlns:a16="http://schemas.microsoft.com/office/drawing/2014/main" id="{BF5D38DE-E84F-4AD6-B626-13BAC655DDF6}"/>
+                <a16:creationId xmlns:a16="http://schemas.microsoft.com/office/drawing/2014/main" xmlns="" id="{BF5D38DE-E84F-4AD6-B626-13BAC655DDF6}"/>
               </a:ext>
             </a:extLst>
           </p:cNvPr>
@@ -1123,7 +1123,7 @@
           <p:cNvPr id="4" name="Espaço Reservado para Data 3">
             <a:extLst>
               <a:ext uri="{FF2B5EF4-FFF2-40B4-BE49-F238E27FC236}">
-                <a16:creationId xmlns:a16="http://schemas.microsoft.com/office/drawing/2014/main" id="{8BBBB9CE-FE64-4440-89E0-58692A7ED8E5}"/>
+                <a16:creationId xmlns:a16="http://schemas.microsoft.com/office/drawing/2014/main" xmlns="" id="{8BBBB9CE-FE64-4440-89E0-58692A7ED8E5}"/>
               </a:ext>
             </a:extLst>
           </p:cNvPr>
@@ -1141,7 +1141,7 @@
           <a:p>
             <a:fld id="{7668FBEF-3CD8-4E97-B80F-AF0D925322BB}" type="datetimeFigureOut">
               <a:rPr lang="pt-BR" smtClean="0"/>
-              <a:t>29/10/2020</a:t>
+              <a:t>04/12/2020</a:t>
             </a:fld>
             <a:endParaRPr lang="pt-BR"/>
           </a:p>
@@ -1152,7 +1152,7 @@
           <p:cNvPr id="5" name="Espaço Reservado para Rodapé 4">
             <a:extLst>
               <a:ext uri="{FF2B5EF4-FFF2-40B4-BE49-F238E27FC236}">
-                <a16:creationId xmlns:a16="http://schemas.microsoft.com/office/drawing/2014/main" id="{EBABC5BE-E0D5-4A2A-97A7-02EA28F3FD40}"/>
+                <a16:creationId xmlns:a16="http://schemas.microsoft.com/office/drawing/2014/main" xmlns="" id="{EBABC5BE-E0D5-4A2A-97A7-02EA28F3FD40}"/>
               </a:ext>
             </a:extLst>
           </p:cNvPr>
@@ -1177,7 +1177,7 @@
           <p:cNvPr id="6" name="Espaço Reservado para Número de Slide 5">
             <a:extLst>
               <a:ext uri="{FF2B5EF4-FFF2-40B4-BE49-F238E27FC236}">
-                <a16:creationId xmlns:a16="http://schemas.microsoft.com/office/drawing/2014/main" id="{264D844E-38E3-4AEB-95EE-A141D561415B}"/>
+                <a16:creationId xmlns:a16="http://schemas.microsoft.com/office/drawing/2014/main" xmlns="" id="{264D844E-38E3-4AEB-95EE-A141D561415B}"/>
               </a:ext>
             </a:extLst>
           </p:cNvPr>
@@ -1236,7 +1236,7 @@
           <p:cNvPr id="2" name="Título 1">
             <a:extLst>
               <a:ext uri="{FF2B5EF4-FFF2-40B4-BE49-F238E27FC236}">
-                <a16:creationId xmlns:a16="http://schemas.microsoft.com/office/drawing/2014/main" id="{EBD2F67F-68BF-4EC1-8D4E-01B8259ACD92}"/>
+                <a16:creationId xmlns:a16="http://schemas.microsoft.com/office/drawing/2014/main" xmlns="" id="{EBD2F67F-68BF-4EC1-8D4E-01B8259ACD92}"/>
               </a:ext>
             </a:extLst>
           </p:cNvPr>
@@ -1264,7 +1264,7 @@
           <p:cNvPr id="3" name="Espaço Reservado para Conteúdo 2">
             <a:extLst>
               <a:ext uri="{FF2B5EF4-FFF2-40B4-BE49-F238E27FC236}">
-                <a16:creationId xmlns:a16="http://schemas.microsoft.com/office/drawing/2014/main" id="{01974D6A-BCE5-4E24-B4D1-2B2BCA416358}"/>
+                <a16:creationId xmlns:a16="http://schemas.microsoft.com/office/drawing/2014/main" xmlns="" id="{01974D6A-BCE5-4E24-B4D1-2B2BCA416358}"/>
               </a:ext>
             </a:extLst>
           </p:cNvPr>
@@ -1326,7 +1326,7 @@
           <p:cNvPr id="4" name="Espaço Reservado para Conteúdo 3">
             <a:extLst>
               <a:ext uri="{FF2B5EF4-FFF2-40B4-BE49-F238E27FC236}">
-                <a16:creationId xmlns:a16="http://schemas.microsoft.com/office/drawing/2014/main" id="{9D00E5A3-BC4C-4370-B691-96CE002325C1}"/>
+                <a16:creationId xmlns:a16="http://schemas.microsoft.com/office/drawing/2014/main" xmlns="" id="{9D00E5A3-BC4C-4370-B691-96CE002325C1}"/>
               </a:ext>
             </a:extLst>
           </p:cNvPr>
@@ -1388,7 +1388,7 @@
           <p:cNvPr id="5" name="Espaço Reservado para Data 4">
             <a:extLst>
               <a:ext uri="{FF2B5EF4-FFF2-40B4-BE49-F238E27FC236}">
-                <a16:creationId xmlns:a16="http://schemas.microsoft.com/office/drawing/2014/main" id="{301DACF2-7B9C-4039-B450-907946D43F2F}"/>
+                <a16:creationId xmlns:a16="http://schemas.microsoft.com/office/drawing/2014/main" xmlns="" id="{301DACF2-7B9C-4039-B450-907946D43F2F}"/>
               </a:ext>
             </a:extLst>
           </p:cNvPr>
@@ -1406,7 +1406,7 @@
           <a:p>
             <a:fld id="{7668FBEF-3CD8-4E97-B80F-AF0D925322BB}" type="datetimeFigureOut">
               <a:rPr lang="pt-BR" smtClean="0"/>
-              <a:t>29/10/2020</a:t>
+              <a:t>04/12/2020</a:t>
             </a:fld>
             <a:endParaRPr lang="pt-BR"/>
           </a:p>
@@ -1417,7 +1417,7 @@
           <p:cNvPr id="6" name="Espaço Reservado para Rodapé 5">
             <a:extLst>
               <a:ext uri="{FF2B5EF4-FFF2-40B4-BE49-F238E27FC236}">
-                <a16:creationId xmlns:a16="http://schemas.microsoft.com/office/drawing/2014/main" id="{930B2BF7-E597-4DBF-AC42-44D9AC074CA7}"/>
+                <a16:creationId xmlns:a16="http://schemas.microsoft.com/office/drawing/2014/main" xmlns="" id="{930B2BF7-E597-4DBF-AC42-44D9AC074CA7}"/>
               </a:ext>
             </a:extLst>
           </p:cNvPr>
@@ -1442,7 +1442,7 @@
           <p:cNvPr id="7" name="Espaço Reservado para Número de Slide 6">
             <a:extLst>
               <a:ext uri="{FF2B5EF4-FFF2-40B4-BE49-F238E27FC236}">
-                <a16:creationId xmlns:a16="http://schemas.microsoft.com/office/drawing/2014/main" id="{7BD0FD2C-FA19-486B-8614-D5B565DD9F06}"/>
+                <a16:creationId xmlns:a16="http://schemas.microsoft.com/office/drawing/2014/main" xmlns="" id="{7BD0FD2C-FA19-486B-8614-D5B565DD9F06}"/>
               </a:ext>
             </a:extLst>
           </p:cNvPr>
@@ -1501,7 +1501,7 @@
           <p:cNvPr id="2" name="Título 1">
             <a:extLst>
               <a:ext uri="{FF2B5EF4-FFF2-40B4-BE49-F238E27FC236}">
-                <a16:creationId xmlns:a16="http://schemas.microsoft.com/office/drawing/2014/main" id="{D440D9DA-AE47-4C63-817F-6FABBFEAA115}"/>
+                <a16:creationId xmlns:a16="http://schemas.microsoft.com/office/drawing/2014/main" xmlns="" id="{D440D9DA-AE47-4C63-817F-6FABBFEAA115}"/>
               </a:ext>
             </a:extLst>
           </p:cNvPr>
@@ -1534,7 +1534,7 @@
           <p:cNvPr id="3" name="Espaço Reservado para Texto 2">
             <a:extLst>
               <a:ext uri="{FF2B5EF4-FFF2-40B4-BE49-F238E27FC236}">
-                <a16:creationId xmlns:a16="http://schemas.microsoft.com/office/drawing/2014/main" id="{5A79B8A0-431C-46B7-9585-6ED7F0D39EF2}"/>
+                <a16:creationId xmlns:a16="http://schemas.microsoft.com/office/drawing/2014/main" xmlns="" id="{5A79B8A0-431C-46B7-9585-6ED7F0D39EF2}"/>
               </a:ext>
             </a:extLst>
           </p:cNvPr>
@@ -1605,7 +1605,7 @@
           <p:cNvPr id="4" name="Espaço Reservado para Conteúdo 3">
             <a:extLst>
               <a:ext uri="{FF2B5EF4-FFF2-40B4-BE49-F238E27FC236}">
-                <a16:creationId xmlns:a16="http://schemas.microsoft.com/office/drawing/2014/main" id="{D962E492-AB16-4CE4-860D-ADB327B364FA}"/>
+                <a16:creationId xmlns:a16="http://schemas.microsoft.com/office/drawing/2014/main" xmlns="" id="{D962E492-AB16-4CE4-860D-ADB327B364FA}"/>
               </a:ext>
             </a:extLst>
           </p:cNvPr>
@@ -1667,7 +1667,7 @@
           <p:cNvPr id="5" name="Espaço Reservado para Texto 4">
             <a:extLst>
               <a:ext uri="{FF2B5EF4-FFF2-40B4-BE49-F238E27FC236}">
-                <a16:creationId xmlns:a16="http://schemas.microsoft.com/office/drawing/2014/main" id="{205D6EB2-A451-4CFB-A4CE-B757CEC3C34A}"/>
+                <a16:creationId xmlns:a16="http://schemas.microsoft.com/office/drawing/2014/main" xmlns="" id="{205D6EB2-A451-4CFB-A4CE-B757CEC3C34A}"/>
               </a:ext>
             </a:extLst>
           </p:cNvPr>
@@ -1738,7 +1738,7 @@
           <p:cNvPr id="6" name="Espaço Reservado para Conteúdo 5">
             <a:extLst>
               <a:ext uri="{FF2B5EF4-FFF2-40B4-BE49-F238E27FC236}">
-                <a16:creationId xmlns:a16="http://schemas.microsoft.com/office/drawing/2014/main" id="{F5E11F8F-EB23-4782-92C0-5A46225A3CF6}"/>
+                <a16:creationId xmlns:a16="http://schemas.microsoft.com/office/drawing/2014/main" xmlns="" id="{F5E11F8F-EB23-4782-92C0-5A46225A3CF6}"/>
               </a:ext>
             </a:extLst>
           </p:cNvPr>
@@ -1800,7 +1800,7 @@
           <p:cNvPr id="7" name="Espaço Reservado para Data 6">
             <a:extLst>
               <a:ext uri="{FF2B5EF4-FFF2-40B4-BE49-F238E27FC236}">
-                <a16:creationId xmlns:a16="http://schemas.microsoft.com/office/drawing/2014/main" id="{11E705B9-1AE6-4B3F-B142-A57289326F92}"/>
+                <a16:creationId xmlns:a16="http://schemas.microsoft.com/office/drawing/2014/main" xmlns="" id="{11E705B9-1AE6-4B3F-B142-A57289326F92}"/>
               </a:ext>
             </a:extLst>
           </p:cNvPr>
@@ -1818,7 +1818,7 @@
           <a:p>
             <a:fld id="{7668FBEF-3CD8-4E97-B80F-AF0D925322BB}" type="datetimeFigureOut">
               <a:rPr lang="pt-BR" smtClean="0"/>
-              <a:t>29/10/2020</a:t>
+              <a:t>04/12/2020</a:t>
             </a:fld>
             <a:endParaRPr lang="pt-BR"/>
           </a:p>
@@ -1829,7 +1829,7 @@
           <p:cNvPr id="8" name="Espaço Reservado para Rodapé 7">
             <a:extLst>
               <a:ext uri="{FF2B5EF4-FFF2-40B4-BE49-F238E27FC236}">
-                <a16:creationId xmlns:a16="http://schemas.microsoft.com/office/drawing/2014/main" id="{48EF0B24-3FF3-4C27-BEC2-8AC3B23E9DEB}"/>
+                <a16:creationId xmlns:a16="http://schemas.microsoft.com/office/drawing/2014/main" xmlns="" id="{48EF0B24-3FF3-4C27-BEC2-8AC3B23E9DEB}"/>
               </a:ext>
             </a:extLst>
           </p:cNvPr>
@@ -1854,7 +1854,7 @@
           <p:cNvPr id="9" name="Espaço Reservado para Número de Slide 8">
             <a:extLst>
               <a:ext uri="{FF2B5EF4-FFF2-40B4-BE49-F238E27FC236}">
-                <a16:creationId xmlns:a16="http://schemas.microsoft.com/office/drawing/2014/main" id="{E736BDCF-EC0D-4A52-8503-19E7822C8C0C}"/>
+                <a16:creationId xmlns:a16="http://schemas.microsoft.com/office/drawing/2014/main" xmlns="" id="{E736BDCF-EC0D-4A52-8503-19E7822C8C0C}"/>
               </a:ext>
             </a:extLst>
           </p:cNvPr>
@@ -1913,7 +1913,7 @@
           <p:cNvPr id="2" name="Título 1">
             <a:extLst>
               <a:ext uri="{FF2B5EF4-FFF2-40B4-BE49-F238E27FC236}">
-                <a16:creationId xmlns:a16="http://schemas.microsoft.com/office/drawing/2014/main" id="{C8D1AFA6-6735-442E-B80B-24DB69886AF1}"/>
+                <a16:creationId xmlns:a16="http://schemas.microsoft.com/office/drawing/2014/main" xmlns="" id="{C8D1AFA6-6735-442E-B80B-24DB69886AF1}"/>
               </a:ext>
             </a:extLst>
           </p:cNvPr>
@@ -1941,7 +1941,7 @@
           <p:cNvPr id="3" name="Espaço Reservado para Data 2">
             <a:extLst>
               <a:ext uri="{FF2B5EF4-FFF2-40B4-BE49-F238E27FC236}">
-                <a16:creationId xmlns:a16="http://schemas.microsoft.com/office/drawing/2014/main" id="{D7458DFD-4CB5-4F1E-8D2E-970B34448A07}"/>
+                <a16:creationId xmlns:a16="http://schemas.microsoft.com/office/drawing/2014/main" xmlns="" id="{D7458DFD-4CB5-4F1E-8D2E-970B34448A07}"/>
               </a:ext>
             </a:extLst>
           </p:cNvPr>
@@ -1959,7 +1959,7 @@
           <a:p>
             <a:fld id="{7668FBEF-3CD8-4E97-B80F-AF0D925322BB}" type="datetimeFigureOut">
               <a:rPr lang="pt-BR" smtClean="0"/>
-              <a:t>29/10/2020</a:t>
+              <a:t>04/12/2020</a:t>
             </a:fld>
             <a:endParaRPr lang="pt-BR"/>
           </a:p>
@@ -1970,7 +1970,7 @@
           <p:cNvPr id="4" name="Espaço Reservado para Rodapé 3">
             <a:extLst>
               <a:ext uri="{FF2B5EF4-FFF2-40B4-BE49-F238E27FC236}">
-                <a16:creationId xmlns:a16="http://schemas.microsoft.com/office/drawing/2014/main" id="{ED562646-CBF8-4D67-BFF2-FDA6A743285E}"/>
+                <a16:creationId xmlns:a16="http://schemas.microsoft.com/office/drawing/2014/main" xmlns="" id="{ED562646-CBF8-4D67-BFF2-FDA6A743285E}"/>
               </a:ext>
             </a:extLst>
           </p:cNvPr>
@@ -1995,7 +1995,7 @@
           <p:cNvPr id="5" name="Espaço Reservado para Número de Slide 4">
             <a:extLst>
               <a:ext uri="{FF2B5EF4-FFF2-40B4-BE49-F238E27FC236}">
-                <a16:creationId xmlns:a16="http://schemas.microsoft.com/office/drawing/2014/main" id="{7B0FA740-0E87-42AA-8994-E46D3B329A94}"/>
+                <a16:creationId xmlns:a16="http://schemas.microsoft.com/office/drawing/2014/main" xmlns="" id="{7B0FA740-0E87-42AA-8994-E46D3B329A94}"/>
               </a:ext>
             </a:extLst>
           </p:cNvPr>
@@ -2054,7 +2054,7 @@
           <p:cNvPr id="2" name="Espaço Reservado para Data 1">
             <a:extLst>
               <a:ext uri="{FF2B5EF4-FFF2-40B4-BE49-F238E27FC236}">
-                <a16:creationId xmlns:a16="http://schemas.microsoft.com/office/drawing/2014/main" id="{6BA3CBF6-643C-4ACD-AD84-EE4CC969A087}"/>
+                <a16:creationId xmlns:a16="http://schemas.microsoft.com/office/drawing/2014/main" xmlns="" id="{6BA3CBF6-643C-4ACD-AD84-EE4CC969A087}"/>
               </a:ext>
             </a:extLst>
           </p:cNvPr>
@@ -2072,7 +2072,7 @@
           <a:p>
             <a:fld id="{7668FBEF-3CD8-4E97-B80F-AF0D925322BB}" type="datetimeFigureOut">
               <a:rPr lang="pt-BR" smtClean="0"/>
-              <a:t>29/10/2020</a:t>
+              <a:t>04/12/2020</a:t>
             </a:fld>
             <a:endParaRPr lang="pt-BR"/>
           </a:p>
@@ -2083,7 +2083,7 @@
           <p:cNvPr id="3" name="Espaço Reservado para Rodapé 2">
             <a:extLst>
               <a:ext uri="{FF2B5EF4-FFF2-40B4-BE49-F238E27FC236}">
-                <a16:creationId xmlns:a16="http://schemas.microsoft.com/office/drawing/2014/main" id="{DA9E3177-C1C8-47C4-ACAB-13BA6A17B47D}"/>
+                <a16:creationId xmlns:a16="http://schemas.microsoft.com/office/drawing/2014/main" xmlns="" id="{DA9E3177-C1C8-47C4-ACAB-13BA6A17B47D}"/>
               </a:ext>
             </a:extLst>
           </p:cNvPr>
@@ -2108,7 +2108,7 @@
           <p:cNvPr id="4" name="Espaço Reservado para Número de Slide 3">
             <a:extLst>
               <a:ext uri="{FF2B5EF4-FFF2-40B4-BE49-F238E27FC236}">
-                <a16:creationId xmlns:a16="http://schemas.microsoft.com/office/drawing/2014/main" id="{18A5E5DD-60AE-4B3D-BA68-EFB55A852DB6}"/>
+                <a16:creationId xmlns:a16="http://schemas.microsoft.com/office/drawing/2014/main" xmlns="" id="{18A5E5DD-60AE-4B3D-BA68-EFB55A852DB6}"/>
               </a:ext>
             </a:extLst>
           </p:cNvPr>
@@ -2167,7 +2167,7 @@
           <p:cNvPr id="2" name="Título 1">
             <a:extLst>
               <a:ext uri="{FF2B5EF4-FFF2-40B4-BE49-F238E27FC236}">
-                <a16:creationId xmlns:a16="http://schemas.microsoft.com/office/drawing/2014/main" id="{F1DB3F72-ACB8-4452-879C-3475B9D5229B}"/>
+                <a16:creationId xmlns:a16="http://schemas.microsoft.com/office/drawing/2014/main" xmlns="" id="{F1DB3F72-ACB8-4452-879C-3475B9D5229B}"/>
               </a:ext>
             </a:extLst>
           </p:cNvPr>
@@ -2204,7 +2204,7 @@
           <p:cNvPr id="3" name="Espaço Reservado para Conteúdo 2">
             <a:extLst>
               <a:ext uri="{FF2B5EF4-FFF2-40B4-BE49-F238E27FC236}">
-                <a16:creationId xmlns:a16="http://schemas.microsoft.com/office/drawing/2014/main" id="{08B02274-FF04-4E27-8FCE-2872DC8FB29F}"/>
+                <a16:creationId xmlns:a16="http://schemas.microsoft.com/office/drawing/2014/main" xmlns="" id="{08B02274-FF04-4E27-8FCE-2872DC8FB29F}"/>
               </a:ext>
             </a:extLst>
           </p:cNvPr>
@@ -2294,7 +2294,7 @@
           <p:cNvPr id="4" name="Espaço Reservado para Texto 3">
             <a:extLst>
               <a:ext uri="{FF2B5EF4-FFF2-40B4-BE49-F238E27FC236}">
-                <a16:creationId xmlns:a16="http://schemas.microsoft.com/office/drawing/2014/main" id="{05BAC6B0-7C36-443D-BFAF-0DC7FDDB6CE6}"/>
+                <a16:creationId xmlns:a16="http://schemas.microsoft.com/office/drawing/2014/main" xmlns="" id="{05BAC6B0-7C36-443D-BFAF-0DC7FDDB6CE6}"/>
               </a:ext>
             </a:extLst>
           </p:cNvPr>
@@ -2365,7 +2365,7 @@
           <p:cNvPr id="5" name="Espaço Reservado para Data 4">
             <a:extLst>
               <a:ext uri="{FF2B5EF4-FFF2-40B4-BE49-F238E27FC236}">
-                <a16:creationId xmlns:a16="http://schemas.microsoft.com/office/drawing/2014/main" id="{C97A49D8-2ABA-4FAD-A219-DFB616012DE0}"/>
+                <a16:creationId xmlns:a16="http://schemas.microsoft.com/office/drawing/2014/main" xmlns="" id="{C97A49D8-2ABA-4FAD-A219-DFB616012DE0}"/>
               </a:ext>
             </a:extLst>
           </p:cNvPr>
@@ -2383,7 +2383,7 @@
           <a:p>
             <a:fld id="{7668FBEF-3CD8-4E97-B80F-AF0D925322BB}" type="datetimeFigureOut">
               <a:rPr lang="pt-BR" smtClean="0"/>
-              <a:t>29/10/2020</a:t>
+              <a:t>04/12/2020</a:t>
             </a:fld>
             <a:endParaRPr lang="pt-BR"/>
           </a:p>
@@ -2394,7 +2394,7 @@
           <p:cNvPr id="6" name="Espaço Reservado para Rodapé 5">
             <a:extLst>
               <a:ext uri="{FF2B5EF4-FFF2-40B4-BE49-F238E27FC236}">
-                <a16:creationId xmlns:a16="http://schemas.microsoft.com/office/drawing/2014/main" id="{39D0A1B8-190A-4E3C-93DD-D1A92DBB7D1C}"/>
+                <a16:creationId xmlns:a16="http://schemas.microsoft.com/office/drawing/2014/main" xmlns="" id="{39D0A1B8-190A-4E3C-93DD-D1A92DBB7D1C}"/>
               </a:ext>
             </a:extLst>
           </p:cNvPr>
@@ -2419,7 +2419,7 @@
           <p:cNvPr id="7" name="Espaço Reservado para Número de Slide 6">
             <a:extLst>
               <a:ext uri="{FF2B5EF4-FFF2-40B4-BE49-F238E27FC236}">
-                <a16:creationId xmlns:a16="http://schemas.microsoft.com/office/drawing/2014/main" id="{22E076B9-BF23-488D-AAA7-F93C4DEB82F9}"/>
+                <a16:creationId xmlns:a16="http://schemas.microsoft.com/office/drawing/2014/main" xmlns="" id="{22E076B9-BF23-488D-AAA7-F93C4DEB82F9}"/>
               </a:ext>
             </a:extLst>
           </p:cNvPr>
@@ -2478,7 +2478,7 @@
           <p:cNvPr id="2" name="Título 1">
             <a:extLst>
               <a:ext uri="{FF2B5EF4-FFF2-40B4-BE49-F238E27FC236}">
-                <a16:creationId xmlns:a16="http://schemas.microsoft.com/office/drawing/2014/main" id="{1C6E4039-84DB-4D88-ADBC-60DB1A1DA8A2}"/>
+                <a16:creationId xmlns:a16="http://schemas.microsoft.com/office/drawing/2014/main" xmlns="" id="{1C6E4039-84DB-4D88-ADBC-60DB1A1DA8A2}"/>
               </a:ext>
             </a:extLst>
           </p:cNvPr>
@@ -2515,7 +2515,7 @@
           <p:cNvPr id="3" name="Espaço Reservado para Imagem 2">
             <a:extLst>
               <a:ext uri="{FF2B5EF4-FFF2-40B4-BE49-F238E27FC236}">
-                <a16:creationId xmlns:a16="http://schemas.microsoft.com/office/drawing/2014/main" id="{FE66FC34-356A-4619-B939-098A01CD14A4}"/>
+                <a16:creationId xmlns:a16="http://schemas.microsoft.com/office/drawing/2014/main" xmlns="" id="{FE66FC34-356A-4619-B939-098A01CD14A4}"/>
               </a:ext>
             </a:extLst>
           </p:cNvPr>
@@ -2582,7 +2582,7 @@
           <p:cNvPr id="4" name="Espaço Reservado para Texto 3">
             <a:extLst>
               <a:ext uri="{FF2B5EF4-FFF2-40B4-BE49-F238E27FC236}">
-                <a16:creationId xmlns:a16="http://schemas.microsoft.com/office/drawing/2014/main" id="{2D1C9864-964D-4D8C-B33B-711212ACB318}"/>
+                <a16:creationId xmlns:a16="http://schemas.microsoft.com/office/drawing/2014/main" xmlns="" id="{2D1C9864-964D-4D8C-B33B-711212ACB318}"/>
               </a:ext>
             </a:extLst>
           </p:cNvPr>
@@ -2653,7 +2653,7 @@
           <p:cNvPr id="5" name="Espaço Reservado para Data 4">
             <a:extLst>
               <a:ext uri="{FF2B5EF4-FFF2-40B4-BE49-F238E27FC236}">
-                <a16:creationId xmlns:a16="http://schemas.microsoft.com/office/drawing/2014/main" id="{F9CE9AEF-2284-498A-B9EE-89DBE7B003CE}"/>
+                <a16:creationId xmlns:a16="http://schemas.microsoft.com/office/drawing/2014/main" xmlns="" id="{F9CE9AEF-2284-498A-B9EE-89DBE7B003CE}"/>
               </a:ext>
             </a:extLst>
           </p:cNvPr>
@@ -2671,7 +2671,7 @@
           <a:p>
             <a:fld id="{7668FBEF-3CD8-4E97-B80F-AF0D925322BB}" type="datetimeFigureOut">
               <a:rPr lang="pt-BR" smtClean="0"/>
-              <a:t>29/10/2020</a:t>
+              <a:t>04/12/2020</a:t>
             </a:fld>
             <a:endParaRPr lang="pt-BR"/>
           </a:p>
@@ -2682,7 +2682,7 @@
           <p:cNvPr id="6" name="Espaço Reservado para Rodapé 5">
             <a:extLst>
               <a:ext uri="{FF2B5EF4-FFF2-40B4-BE49-F238E27FC236}">
-                <a16:creationId xmlns:a16="http://schemas.microsoft.com/office/drawing/2014/main" id="{E8DD3157-6B63-4D9B-B816-0DE04861777F}"/>
+                <a16:creationId xmlns:a16="http://schemas.microsoft.com/office/drawing/2014/main" xmlns="" id="{E8DD3157-6B63-4D9B-B816-0DE04861777F}"/>
               </a:ext>
             </a:extLst>
           </p:cNvPr>
@@ -2707,7 +2707,7 @@
           <p:cNvPr id="7" name="Espaço Reservado para Número de Slide 6">
             <a:extLst>
               <a:ext uri="{FF2B5EF4-FFF2-40B4-BE49-F238E27FC236}">
-                <a16:creationId xmlns:a16="http://schemas.microsoft.com/office/drawing/2014/main" id="{757F54A0-57B1-44CC-8CDD-CA3EAA4B0189}"/>
+                <a16:creationId xmlns:a16="http://schemas.microsoft.com/office/drawing/2014/main" xmlns="" id="{757F54A0-57B1-44CC-8CDD-CA3EAA4B0189}"/>
               </a:ext>
             </a:extLst>
           </p:cNvPr>
@@ -2771,7 +2771,7 @@
           <p:cNvPr id="2" name="Espaço Reservado para Título 1">
             <a:extLst>
               <a:ext uri="{FF2B5EF4-FFF2-40B4-BE49-F238E27FC236}">
-                <a16:creationId xmlns:a16="http://schemas.microsoft.com/office/drawing/2014/main" id="{DF3B372A-336D-49A1-8E4C-C2772470E717}"/>
+                <a16:creationId xmlns:a16="http://schemas.microsoft.com/office/drawing/2014/main" xmlns="" id="{DF3B372A-336D-49A1-8E4C-C2772470E717}"/>
               </a:ext>
             </a:extLst>
           </p:cNvPr>
@@ -2809,7 +2809,7 @@
           <p:cNvPr id="3" name="Espaço Reservado para Texto 2">
             <a:extLst>
               <a:ext uri="{FF2B5EF4-FFF2-40B4-BE49-F238E27FC236}">
-                <a16:creationId xmlns:a16="http://schemas.microsoft.com/office/drawing/2014/main" id="{FF8D6751-AF01-43BA-BC96-8236D09E671A}"/>
+                <a16:creationId xmlns:a16="http://schemas.microsoft.com/office/drawing/2014/main" xmlns="" id="{FF8D6751-AF01-43BA-BC96-8236D09E671A}"/>
               </a:ext>
             </a:extLst>
           </p:cNvPr>
@@ -2876,7 +2876,7 @@
           <p:cNvPr id="4" name="Espaço Reservado para Data 3">
             <a:extLst>
               <a:ext uri="{FF2B5EF4-FFF2-40B4-BE49-F238E27FC236}">
-                <a16:creationId xmlns:a16="http://schemas.microsoft.com/office/drawing/2014/main" id="{717400A4-F695-495F-8D3A-44F247634C38}"/>
+                <a16:creationId xmlns:a16="http://schemas.microsoft.com/office/drawing/2014/main" xmlns="" id="{717400A4-F695-495F-8D3A-44F247634C38}"/>
               </a:ext>
             </a:extLst>
           </p:cNvPr>
@@ -2912,7 +2912,7 @@
           <a:p>
             <a:fld id="{7668FBEF-3CD8-4E97-B80F-AF0D925322BB}" type="datetimeFigureOut">
               <a:rPr lang="pt-BR" smtClean="0"/>
-              <a:t>29/10/2020</a:t>
+              <a:t>04/12/2020</a:t>
             </a:fld>
             <a:endParaRPr lang="pt-BR"/>
           </a:p>
@@ -2923,7 +2923,7 @@
           <p:cNvPr id="5" name="Espaço Reservado para Rodapé 4">
             <a:extLst>
               <a:ext uri="{FF2B5EF4-FFF2-40B4-BE49-F238E27FC236}">
-                <a16:creationId xmlns:a16="http://schemas.microsoft.com/office/drawing/2014/main" id="{AE9E5EC4-6EE9-4001-83FB-7B2CEDC8F6C1}"/>
+                <a16:creationId xmlns:a16="http://schemas.microsoft.com/office/drawing/2014/main" xmlns="" id="{AE9E5EC4-6EE9-4001-83FB-7B2CEDC8F6C1}"/>
               </a:ext>
             </a:extLst>
           </p:cNvPr>
@@ -2966,7 +2966,7 @@
           <p:cNvPr id="6" name="Espaço Reservado para Número de Slide 5">
             <a:extLst>
               <a:ext uri="{FF2B5EF4-FFF2-40B4-BE49-F238E27FC236}">
-                <a16:creationId xmlns:a16="http://schemas.microsoft.com/office/drawing/2014/main" id="{23F1441C-AB1F-4113-A9EA-CFBBA3E5D38B}"/>
+                <a16:creationId xmlns:a16="http://schemas.microsoft.com/office/drawing/2014/main" xmlns="" id="{23F1441C-AB1F-4113-A9EA-CFBBA3E5D38B}"/>
               </a:ext>
             </a:extLst>
           </p:cNvPr>
@@ -3334,7 +3334,7 @@
           <p:cNvPr id="5" name="CaixaDeTexto 4">
             <a:extLst>
               <a:ext uri="{FF2B5EF4-FFF2-40B4-BE49-F238E27FC236}">
-                <a16:creationId xmlns:a16="http://schemas.microsoft.com/office/drawing/2014/main" id="{3A0E2E5A-1CDB-49BC-9C37-FC86C36DA909}"/>
+                <a16:creationId xmlns:a16="http://schemas.microsoft.com/office/drawing/2014/main" xmlns="" id="{3A0E2E5A-1CDB-49BC-9C37-FC86C36DA909}"/>
               </a:ext>
             </a:extLst>
           </p:cNvPr>
@@ -3370,7 +3370,7 @@
           <p:cNvPr id="6" name="CaixaDeTexto 5">
             <a:extLst>
               <a:ext uri="{FF2B5EF4-FFF2-40B4-BE49-F238E27FC236}">
-                <a16:creationId xmlns:a16="http://schemas.microsoft.com/office/drawing/2014/main" id="{412904C5-8378-4A99-AC6C-897C51F80497}"/>
+                <a16:creationId xmlns:a16="http://schemas.microsoft.com/office/drawing/2014/main" xmlns="" id="{412904C5-8378-4A99-AC6C-897C51F80497}"/>
               </a:ext>
             </a:extLst>
           </p:cNvPr>
@@ -3406,7 +3406,7 @@
           <p:cNvPr id="10" name="Imagem 9">
             <a:extLst>
               <a:ext uri="{FF2B5EF4-FFF2-40B4-BE49-F238E27FC236}">
-                <a16:creationId xmlns:a16="http://schemas.microsoft.com/office/drawing/2014/main" id="{AD925734-A883-4E00-A8F5-5539F9E089B0}"/>
+                <a16:creationId xmlns:a16="http://schemas.microsoft.com/office/drawing/2014/main" xmlns="" id="{AD925734-A883-4E00-A8F5-5539F9E089B0}"/>
               </a:ext>
             </a:extLst>
           </p:cNvPr>
@@ -3451,7 +3451,7 @@
           <p:cNvPr id="12" name="Imagem 11">
             <a:extLst>
               <a:ext uri="{FF2B5EF4-FFF2-40B4-BE49-F238E27FC236}">
-                <a16:creationId xmlns:a16="http://schemas.microsoft.com/office/drawing/2014/main" id="{B36E72DB-7364-407A-ADAA-356DC5102CC1}"/>
+                <a16:creationId xmlns:a16="http://schemas.microsoft.com/office/drawing/2014/main" xmlns="" id="{B36E72DB-7364-407A-ADAA-356DC5102CC1}"/>
               </a:ext>
             </a:extLst>
           </p:cNvPr>
@@ -3496,7 +3496,7 @@
           <p:cNvPr id="14" name="Imagem 13">
             <a:extLst>
               <a:ext uri="{FF2B5EF4-FFF2-40B4-BE49-F238E27FC236}">
-                <a16:creationId xmlns:a16="http://schemas.microsoft.com/office/drawing/2014/main" id="{7C95BA3E-B087-497F-A2F7-17D2ACAB588D}"/>
+                <a16:creationId xmlns:a16="http://schemas.microsoft.com/office/drawing/2014/main" xmlns="" id="{7C95BA3E-B087-497F-A2F7-17D2ACAB588D}"/>
               </a:ext>
             </a:extLst>
           </p:cNvPr>
@@ -3540,7 +3540,7 @@
           <p:cNvPr id="16" name="Imagem 15">
             <a:extLst>
               <a:ext uri="{FF2B5EF4-FFF2-40B4-BE49-F238E27FC236}">
-                <a16:creationId xmlns:a16="http://schemas.microsoft.com/office/drawing/2014/main" id="{6E1ED496-9576-424C-A6D8-1A33B907F447}"/>
+                <a16:creationId xmlns:a16="http://schemas.microsoft.com/office/drawing/2014/main" xmlns="" id="{6E1ED496-9576-424C-A6D8-1A33B907F447}"/>
               </a:ext>
             </a:extLst>
           </p:cNvPr>
@@ -3576,7 +3576,7 @@
           <p:cNvPr id="20" name="Imagem 19">
             <a:extLst>
               <a:ext uri="{FF2B5EF4-FFF2-40B4-BE49-F238E27FC236}">
-                <a16:creationId xmlns:a16="http://schemas.microsoft.com/office/drawing/2014/main" id="{6711525F-D16D-41C7-AB3E-9799DB511FA0}"/>
+                <a16:creationId xmlns:a16="http://schemas.microsoft.com/office/drawing/2014/main" xmlns="" id="{6711525F-D16D-41C7-AB3E-9799DB511FA0}"/>
               </a:ext>
             </a:extLst>
           </p:cNvPr>
@@ -3620,7 +3620,7 @@
           <p:cNvPr id="29" name="Imagem 28" descr="Ícone&#10;&#10;Descrição gerada automaticamente">
             <a:extLst>
               <a:ext uri="{FF2B5EF4-FFF2-40B4-BE49-F238E27FC236}">
-                <a16:creationId xmlns:a16="http://schemas.microsoft.com/office/drawing/2014/main" id="{43FB11AC-C448-4F44-B61E-41B39317BF92}"/>
+                <a16:creationId xmlns:a16="http://schemas.microsoft.com/office/drawing/2014/main" xmlns="" id="{43FB11AC-C448-4F44-B61E-41B39317BF92}"/>
               </a:ext>
             </a:extLst>
           </p:cNvPr>
@@ -3630,7 +3630,7 @@
           <p:nvPr/>
         </p:nvPicPr>
         <p:blipFill>
-          <a:blip r:embed="rId9">
+          <a:blip r:embed="rId9" cstate="print">
             <a:extLst>
               <a:ext uri="{28A0092B-C50C-407E-A947-70E740481C1C}">
                 <a14:useLocalDpi xmlns:a14="http://schemas.microsoft.com/office/drawing/2010/main" val="0"/>
@@ -3656,7 +3656,7 @@
           <p:cNvPr id="31" name="Imagem 30" descr="Ícone&#10;&#10;Descrição gerada automaticamente">
             <a:extLst>
               <a:ext uri="{FF2B5EF4-FFF2-40B4-BE49-F238E27FC236}">
-                <a16:creationId xmlns:a16="http://schemas.microsoft.com/office/drawing/2014/main" id="{E015E4BB-65D7-4162-A599-1A3DABA35918}"/>
+                <a16:creationId xmlns:a16="http://schemas.microsoft.com/office/drawing/2014/main" xmlns="" id="{E015E4BB-65D7-4162-A599-1A3DABA35918}"/>
               </a:ext>
             </a:extLst>
           </p:cNvPr>
@@ -3666,7 +3666,7 @@
           <p:nvPr/>
         </p:nvPicPr>
         <p:blipFill>
-          <a:blip r:embed="rId10">
+          <a:blip r:embed="rId10" cstate="print">
             <a:extLst>
               <a:ext uri="{28A0092B-C50C-407E-A947-70E740481C1C}">
                 <a14:useLocalDpi xmlns:a14="http://schemas.microsoft.com/office/drawing/2010/main" val="0"/>
@@ -3692,7 +3692,7 @@
           <p:cNvPr id="37" name="Imagem 36" descr="Uma imagem contendo relógio&#10;&#10;Descrição gerada automaticamente">
             <a:extLst>
               <a:ext uri="{FF2B5EF4-FFF2-40B4-BE49-F238E27FC236}">
-                <a16:creationId xmlns:a16="http://schemas.microsoft.com/office/drawing/2014/main" id="{CAF8B920-9A4F-406A-AB75-211B681E233E}"/>
+                <a16:creationId xmlns:a16="http://schemas.microsoft.com/office/drawing/2014/main" xmlns="" id="{CAF8B920-9A4F-406A-AB75-211B681E233E}"/>
               </a:ext>
             </a:extLst>
           </p:cNvPr>
@@ -3702,7 +3702,7 @@
           <p:nvPr/>
         </p:nvPicPr>
         <p:blipFill>
-          <a:blip r:embed="rId11">
+          <a:blip r:embed="rId11" cstate="print">
             <a:extLst>
               <a:ext uri="{28A0092B-C50C-407E-A947-70E740481C1C}">
                 <a14:useLocalDpi xmlns:a14="http://schemas.microsoft.com/office/drawing/2010/main" val="0"/>
@@ -3728,7 +3728,7 @@
           <p:cNvPr id="39" name="Imagem 38" descr="Ícone&#10;&#10;Descrição gerada automaticamente">
             <a:extLst>
               <a:ext uri="{FF2B5EF4-FFF2-40B4-BE49-F238E27FC236}">
-                <a16:creationId xmlns:a16="http://schemas.microsoft.com/office/drawing/2014/main" id="{F75E5FE2-0419-4BCC-A15C-8DE54005C9B2}"/>
+                <a16:creationId xmlns:a16="http://schemas.microsoft.com/office/drawing/2014/main" xmlns="" id="{F75E5FE2-0419-4BCC-A15C-8DE54005C9B2}"/>
               </a:ext>
             </a:extLst>
           </p:cNvPr>
@@ -3738,7 +3738,7 @@
           <p:nvPr/>
         </p:nvPicPr>
         <p:blipFill>
-          <a:blip r:embed="rId12">
+          <a:blip r:embed="rId12" cstate="print">
             <a:extLst>
               <a:ext uri="{28A0092B-C50C-407E-A947-70E740481C1C}">
                 <a14:useLocalDpi xmlns:a14="http://schemas.microsoft.com/office/drawing/2010/main" val="0"/>
@@ -3764,7 +3764,7 @@
           <p:cNvPr id="2" name="CaixaDeTexto 1">
             <a:extLst>
               <a:ext uri="{FF2B5EF4-FFF2-40B4-BE49-F238E27FC236}">
-                <a16:creationId xmlns:a16="http://schemas.microsoft.com/office/drawing/2014/main" id="{9785855B-0C06-475A-8CEB-38B9B93C5421}"/>
+                <a16:creationId xmlns:a16="http://schemas.microsoft.com/office/drawing/2014/main" xmlns="" id="{9785855B-0C06-475A-8CEB-38B9B93C5421}"/>
               </a:ext>
             </a:extLst>
           </p:cNvPr>
@@ -3799,7 +3799,7 @@
           <p:cNvPr id="18" name="CaixaDeTexto 17">
             <a:extLst>
               <a:ext uri="{FF2B5EF4-FFF2-40B4-BE49-F238E27FC236}">
-                <a16:creationId xmlns:a16="http://schemas.microsoft.com/office/drawing/2014/main" id="{5E16D9AB-B401-4B00-98D4-EFE0768B70EC}"/>
+                <a16:creationId xmlns:a16="http://schemas.microsoft.com/office/drawing/2014/main" xmlns="" id="{5E16D9AB-B401-4B00-98D4-EFE0768B70EC}"/>
               </a:ext>
             </a:extLst>
           </p:cNvPr>
@@ -3835,7 +3835,7 @@
           <p:cNvPr id="21" name="CaixaDeTexto 20">
             <a:extLst>
               <a:ext uri="{FF2B5EF4-FFF2-40B4-BE49-F238E27FC236}">
-                <a16:creationId xmlns:a16="http://schemas.microsoft.com/office/drawing/2014/main" id="{8FAB4AC2-1CFF-4CA5-BD50-F2D84F81A361}"/>
+                <a16:creationId xmlns:a16="http://schemas.microsoft.com/office/drawing/2014/main" xmlns="" id="{8FAB4AC2-1CFF-4CA5-BD50-F2D84F81A361}"/>
               </a:ext>
             </a:extLst>
           </p:cNvPr>
@@ -3871,7 +3871,7 @@
           <p:cNvPr id="23" name="CaixaDeTexto 22">
             <a:extLst>
               <a:ext uri="{FF2B5EF4-FFF2-40B4-BE49-F238E27FC236}">
-                <a16:creationId xmlns:a16="http://schemas.microsoft.com/office/drawing/2014/main" id="{752684E8-841F-414C-92C0-6E2CF31C3DA7}"/>
+                <a16:creationId xmlns:a16="http://schemas.microsoft.com/office/drawing/2014/main" xmlns="" id="{752684E8-841F-414C-92C0-6E2CF31C3DA7}"/>
               </a:ext>
             </a:extLst>
           </p:cNvPr>
@@ -3912,6 +3912,13 @@
   <p:clrMapOvr>
     <a:masterClrMapping/>
   </p:clrMapOvr>
+  <p:timing>
+    <p:tnLst>
+      <p:par>
+        <p:cTn id="1" dur="indefinite" restart="never" nodeType="tmRoot"/>
+      </p:par>
+    </p:tnLst>
+  </p:timing>
 </p:sld>
 </file>
 
@@ -3937,7 +3944,7 @@
           <p:cNvPr id="24" name="Imagem 23" descr="Forma&#10;&#10;Descrição gerada automaticamente">
             <a:extLst>
               <a:ext uri="{FF2B5EF4-FFF2-40B4-BE49-F238E27FC236}">
-                <a16:creationId xmlns:a16="http://schemas.microsoft.com/office/drawing/2014/main" id="{5C7DD506-50B1-460C-BA22-4C94A74330EA}"/>
+                <a16:creationId xmlns:a16="http://schemas.microsoft.com/office/drawing/2014/main" xmlns="" id="{5C7DD506-50B1-460C-BA22-4C94A74330EA}"/>
               </a:ext>
             </a:extLst>
           </p:cNvPr>
@@ -3959,8 +3966,8 @@
         </p:blipFill>
         <p:spPr>
           <a:xfrm>
-            <a:off x="3121095" y="-21702"/>
-            <a:ext cx="4946093" cy="2524914"/>
+            <a:off x="2523762" y="-254526"/>
+            <a:ext cx="6434138" cy="3758332"/>
           </a:xfrm>
           <a:prstGeom prst="rect">
             <a:avLst/>
@@ -3969,10 +3976,10 @@
       </p:pic>
       <p:pic>
         <p:nvPicPr>
-          <p:cNvPr id="49" name="Imagem 48" descr="Forma&#10;&#10;Descrição gerada automaticamente">
-            <a:extLst>
-              <a:ext uri="{FF2B5EF4-FFF2-40B4-BE49-F238E27FC236}">
-                <a16:creationId xmlns:a16="http://schemas.microsoft.com/office/drawing/2014/main" id="{85B16B53-66FB-4009-B794-D2C9A50B0D2C}"/>
+          <p:cNvPr id="16" name="Imagem 15">
+            <a:extLst>
+              <a:ext uri="{FF2B5EF4-FFF2-40B4-BE49-F238E27FC236}">
+                <a16:creationId xmlns:a16="http://schemas.microsoft.com/office/drawing/2014/main" xmlns="" id="{F080E30E-48F9-44E0-BB36-75BC3D0889E5}"/>
               </a:ext>
             </a:extLst>
           </p:cNvPr>
@@ -3982,7 +3989,7 @@
           <p:nvPr/>
         </p:nvPicPr>
         <p:blipFill>
-          <a:blip r:embed="rId3">
+          <a:blip r:embed="rId3" cstate="print">
             <a:extLst>
               <a:ext uri="{28A0092B-C50C-407E-A947-70E740481C1C}">
                 <a14:useLocalDpi xmlns:a14="http://schemas.microsoft.com/office/drawing/2010/main" val="0"/>
@@ -3995,42 +4002,6 @@
         </p:blipFill>
         <p:spPr>
           <a:xfrm>
-            <a:off x="4468404" y="2645951"/>
-            <a:ext cx="2424427" cy="1357679"/>
-          </a:xfrm>
-          <a:prstGeom prst="rect">
-            <a:avLst/>
-          </a:prstGeom>
-        </p:spPr>
-      </p:pic>
-      <p:pic>
-        <p:nvPicPr>
-          <p:cNvPr id="16" name="Imagem 15">
-            <a:extLst>
-              <a:ext uri="{FF2B5EF4-FFF2-40B4-BE49-F238E27FC236}">
-                <a16:creationId xmlns:a16="http://schemas.microsoft.com/office/drawing/2014/main" id="{F080E30E-48F9-44E0-BB36-75BC3D0889E5}"/>
-              </a:ext>
-            </a:extLst>
-          </p:cNvPr>
-          <p:cNvPicPr>
-            <a:picLocks noChangeAspect="1"/>
-          </p:cNvPicPr>
-          <p:nvPr/>
-        </p:nvPicPr>
-        <p:blipFill>
-          <a:blip r:embed="rId4">
-            <a:extLst>
-              <a:ext uri="{28A0092B-C50C-407E-A947-70E740481C1C}">
-                <a14:useLocalDpi xmlns:a14="http://schemas.microsoft.com/office/drawing/2010/main" val="0"/>
-              </a:ext>
-            </a:extLst>
-          </a:blip>
-          <a:stretch>
-            <a:fillRect/>
-          </a:stretch>
-        </p:blipFill>
-        <p:spPr>
-          <a:xfrm>
             <a:off x="2086576" y="5206536"/>
             <a:ext cx="1678256" cy="1325479"/>
           </a:xfrm>
@@ -4044,7 +4015,7 @@
           <p:cNvPr id="68" name="Conector de Seta Reta 67">
             <a:extLst>
               <a:ext uri="{FF2B5EF4-FFF2-40B4-BE49-F238E27FC236}">
-                <a16:creationId xmlns:a16="http://schemas.microsoft.com/office/drawing/2014/main" id="{8C10B952-8765-4D4B-A28B-A6F214A05649}"/>
+                <a16:creationId xmlns:a16="http://schemas.microsoft.com/office/drawing/2014/main" xmlns="" id="{8C10B952-8765-4D4B-A28B-A6F214A05649}"/>
               </a:ext>
             </a:extLst>
           </p:cNvPr>
@@ -4091,7 +4062,7 @@
           <p:cNvPr id="72" name="Conector de Seta Reta 71">
             <a:extLst>
               <a:ext uri="{FF2B5EF4-FFF2-40B4-BE49-F238E27FC236}">
-                <a16:creationId xmlns:a16="http://schemas.microsoft.com/office/drawing/2014/main" id="{E39A84D5-791D-428F-8A43-562265A600C5}"/>
+                <a16:creationId xmlns:a16="http://schemas.microsoft.com/office/drawing/2014/main" xmlns="" id="{E39A84D5-791D-428F-8A43-562265A600C5}"/>
               </a:ext>
             </a:extLst>
           </p:cNvPr>
@@ -4138,7 +4109,7 @@
           <p:cNvPr id="91" name="Imagem 90">
             <a:extLst>
               <a:ext uri="{FF2B5EF4-FFF2-40B4-BE49-F238E27FC236}">
-                <a16:creationId xmlns:a16="http://schemas.microsoft.com/office/drawing/2014/main" id="{413FCE52-9E42-42C4-8D09-B45934FDA216}"/>
+                <a16:creationId xmlns:a16="http://schemas.microsoft.com/office/drawing/2014/main" xmlns="" id="{413FCE52-9E42-42C4-8D09-B45934FDA216}"/>
               </a:ext>
             </a:extLst>
           </p:cNvPr>
@@ -4148,7 +4119,7 @@
           <p:nvPr/>
         </p:nvPicPr>
         <p:blipFill>
-          <a:blip r:embed="rId4">
+          <a:blip r:embed="rId4" cstate="print">
             <a:extLst>
               <a:ext uri="{28A0092B-C50C-407E-A947-70E740481C1C}">
                 <a14:useLocalDpi xmlns:a14="http://schemas.microsoft.com/office/drawing/2010/main" val="0"/>
@@ -4174,7 +4145,7 @@
           <p:cNvPr id="93" name="Imagem 92">
             <a:extLst>
               <a:ext uri="{FF2B5EF4-FFF2-40B4-BE49-F238E27FC236}">
-                <a16:creationId xmlns:a16="http://schemas.microsoft.com/office/drawing/2014/main" id="{63E9CCF7-0455-42A7-B3B4-AEC2412E858C}"/>
+                <a16:creationId xmlns:a16="http://schemas.microsoft.com/office/drawing/2014/main" xmlns="" id="{63E9CCF7-0455-42A7-B3B4-AEC2412E858C}"/>
               </a:ext>
             </a:extLst>
           </p:cNvPr>
@@ -4184,7 +4155,7 @@
           <p:nvPr/>
         </p:nvPicPr>
         <p:blipFill>
-          <a:blip r:embed="rId5">
+          <a:blip r:embed="rId5" cstate="print">
             <a:extLst>
               <a:ext uri="{28A0092B-C50C-407E-A947-70E740481C1C}">
                 <a14:useLocalDpi xmlns:a14="http://schemas.microsoft.com/office/drawing/2010/main" val="0"/>
@@ -4210,7 +4181,7 @@
           <p:cNvPr id="94" name="Imagem 93">
             <a:extLst>
               <a:ext uri="{FF2B5EF4-FFF2-40B4-BE49-F238E27FC236}">
-                <a16:creationId xmlns:a16="http://schemas.microsoft.com/office/drawing/2014/main" id="{B79F862E-D809-4A78-AAE4-6CF63FB26508}"/>
+                <a16:creationId xmlns:a16="http://schemas.microsoft.com/office/drawing/2014/main" xmlns="" id="{B79F862E-D809-4A78-AAE4-6CF63FB26508}"/>
               </a:ext>
             </a:extLst>
           </p:cNvPr>
@@ -4220,7 +4191,7 @@
           <p:nvPr/>
         </p:nvPicPr>
         <p:blipFill>
-          <a:blip r:embed="rId5">
+          <a:blip r:embed="rId5" cstate="print">
             <a:extLst>
               <a:ext uri="{28A0092B-C50C-407E-A947-70E740481C1C}">
                 <a14:useLocalDpi xmlns:a14="http://schemas.microsoft.com/office/drawing/2010/main" val="0"/>
@@ -4246,7 +4217,7 @@
           <p:cNvPr id="96" name="Imagem 95">
             <a:extLst>
               <a:ext uri="{FF2B5EF4-FFF2-40B4-BE49-F238E27FC236}">
-                <a16:creationId xmlns:a16="http://schemas.microsoft.com/office/drawing/2014/main" id="{8DE40ABE-F94D-4D51-B26D-5742CE5B7B23}"/>
+                <a16:creationId xmlns:a16="http://schemas.microsoft.com/office/drawing/2014/main" xmlns="" id="{8DE40ABE-F94D-4D51-B26D-5742CE5B7B23}"/>
               </a:ext>
             </a:extLst>
           </p:cNvPr>
@@ -4256,7 +4227,7 @@
           <p:nvPr/>
         </p:nvPicPr>
         <p:blipFill>
-          <a:blip r:embed="rId6">
+          <a:blip r:embed="rId6" cstate="print">
             <a:extLst>
               <a:ext uri="{28A0092B-C50C-407E-A947-70E740481C1C}">
                 <a14:useLocalDpi xmlns:a14="http://schemas.microsoft.com/office/drawing/2010/main" val="0"/>
@@ -4282,7 +4253,7 @@
           <p:cNvPr id="97" name="Imagem 96">
             <a:extLst>
               <a:ext uri="{FF2B5EF4-FFF2-40B4-BE49-F238E27FC236}">
-                <a16:creationId xmlns:a16="http://schemas.microsoft.com/office/drawing/2014/main" id="{1E1D9264-4478-4D21-90D1-CC0A88EEBE02}"/>
+                <a16:creationId xmlns:a16="http://schemas.microsoft.com/office/drawing/2014/main" xmlns="" id="{1E1D9264-4478-4D21-90D1-CC0A88EEBE02}"/>
               </a:ext>
             </a:extLst>
           </p:cNvPr>
@@ -4292,7 +4263,7 @@
           <p:nvPr/>
         </p:nvPicPr>
         <p:blipFill>
-          <a:blip r:embed="rId5">
+          <a:blip r:embed="rId5" cstate="print">
             <a:extLst>
               <a:ext uri="{28A0092B-C50C-407E-A947-70E740481C1C}">
                 <a14:useLocalDpi xmlns:a14="http://schemas.microsoft.com/office/drawing/2010/main" val="0"/>
@@ -4318,7 +4289,7 @@
           <p:cNvPr id="100" name="CaixaDeTexto 99">
             <a:extLst>
               <a:ext uri="{FF2B5EF4-FFF2-40B4-BE49-F238E27FC236}">
-                <a16:creationId xmlns:a16="http://schemas.microsoft.com/office/drawing/2014/main" id="{527A57A7-4EB5-48F3-BDF3-BD282FF5FE52}"/>
+                <a16:creationId xmlns:a16="http://schemas.microsoft.com/office/drawing/2014/main" xmlns="" id="{527A57A7-4EB5-48F3-BDF3-BD282FF5FE52}"/>
               </a:ext>
             </a:extLst>
           </p:cNvPr>
@@ -4360,7 +4331,7 @@
           <p:cNvPr id="101" name="CaixaDeTexto 100">
             <a:extLst>
               <a:ext uri="{FF2B5EF4-FFF2-40B4-BE49-F238E27FC236}">
-                <a16:creationId xmlns:a16="http://schemas.microsoft.com/office/drawing/2014/main" id="{3E91ACD8-30B1-48C9-BAB1-7724AC9175C5}"/>
+                <a16:creationId xmlns:a16="http://schemas.microsoft.com/office/drawing/2014/main" xmlns="" id="{3E91ACD8-30B1-48C9-BAB1-7724AC9175C5}"/>
               </a:ext>
             </a:extLst>
           </p:cNvPr>
@@ -4401,7 +4372,7 @@
           <p:cNvPr id="110" name="Imagem 109">
             <a:extLst>
               <a:ext uri="{FF2B5EF4-FFF2-40B4-BE49-F238E27FC236}">
-                <a16:creationId xmlns:a16="http://schemas.microsoft.com/office/drawing/2014/main" id="{48EAE7C9-853C-4C62-BE4F-77E1FF7A2142}"/>
+                <a16:creationId xmlns:a16="http://schemas.microsoft.com/office/drawing/2014/main" xmlns="" id="{48EAE7C9-853C-4C62-BE4F-77E1FF7A2142}"/>
               </a:ext>
             </a:extLst>
           </p:cNvPr>
@@ -4411,7 +4382,7 @@
           <p:nvPr/>
         </p:nvPicPr>
         <p:blipFill>
-          <a:blip r:embed="rId7">
+          <a:blip r:embed="rId7" cstate="print">
             <a:extLst>
               <a:ext uri="{28A0092B-C50C-407E-A947-70E740481C1C}">
                 <a14:useLocalDpi xmlns:a14="http://schemas.microsoft.com/office/drawing/2010/main" val="0"/>
@@ -4437,7 +4408,7 @@
           <p:cNvPr id="113" name="Imagem 112">
             <a:extLst>
               <a:ext uri="{FF2B5EF4-FFF2-40B4-BE49-F238E27FC236}">
-                <a16:creationId xmlns:a16="http://schemas.microsoft.com/office/drawing/2014/main" id="{3A0A7C0D-5AAE-4386-8F96-FE545AB5180F}"/>
+                <a16:creationId xmlns:a16="http://schemas.microsoft.com/office/drawing/2014/main" xmlns="" id="{3A0A7C0D-5AAE-4386-8F96-FE545AB5180F}"/>
               </a:ext>
             </a:extLst>
           </p:cNvPr>
@@ -4447,7 +4418,7 @@
           <p:nvPr/>
         </p:nvPicPr>
         <p:blipFill>
-          <a:blip r:embed="rId8">
+          <a:blip r:embed="rId8" cstate="print">
             <a:extLst>
               <a:ext uri="{28A0092B-C50C-407E-A947-70E740481C1C}">
                 <a14:useLocalDpi xmlns:a14="http://schemas.microsoft.com/office/drawing/2010/main" val="0"/>
@@ -4473,7 +4444,7 @@
           <p:cNvPr id="115" name="Imagem 114">
             <a:extLst>
               <a:ext uri="{FF2B5EF4-FFF2-40B4-BE49-F238E27FC236}">
-                <a16:creationId xmlns:a16="http://schemas.microsoft.com/office/drawing/2014/main" id="{3C1B681C-ED12-41C5-AD26-8B6853414F1D}"/>
+                <a16:creationId xmlns:a16="http://schemas.microsoft.com/office/drawing/2014/main" xmlns="" id="{3C1B681C-ED12-41C5-AD26-8B6853414F1D}"/>
               </a:ext>
             </a:extLst>
           </p:cNvPr>
@@ -4483,7 +4454,7 @@
           <p:nvPr/>
         </p:nvPicPr>
         <p:blipFill>
-          <a:blip r:embed="rId9">
+          <a:blip r:embed="rId9" cstate="print">
             <a:extLst>
               <a:ext uri="{28A0092B-C50C-407E-A947-70E740481C1C}">
                 <a14:useLocalDpi xmlns:a14="http://schemas.microsoft.com/office/drawing/2010/main" val="0"/>
@@ -4509,7 +4480,7 @@
           <p:cNvPr id="2" name="Retângulo 1">
             <a:extLst>
               <a:ext uri="{FF2B5EF4-FFF2-40B4-BE49-F238E27FC236}">
-                <a16:creationId xmlns:a16="http://schemas.microsoft.com/office/drawing/2014/main" id="{969E54A0-B7B5-4147-AB27-DA0CC75F47BD}"/>
+                <a16:creationId xmlns:a16="http://schemas.microsoft.com/office/drawing/2014/main" xmlns="" id="{969E54A0-B7B5-4147-AB27-DA0CC75F47BD}"/>
               </a:ext>
             </a:extLst>
           </p:cNvPr>
@@ -4561,7 +4532,7 @@
           <p:cNvPr id="42" name="Retângulo 41">
             <a:extLst>
               <a:ext uri="{FF2B5EF4-FFF2-40B4-BE49-F238E27FC236}">
-                <a16:creationId xmlns:a16="http://schemas.microsoft.com/office/drawing/2014/main" id="{C094A487-B4D8-4E7E-A6DF-17D5E2F5A98F}"/>
+                <a16:creationId xmlns:a16="http://schemas.microsoft.com/office/drawing/2014/main" xmlns="" id="{C094A487-B4D8-4E7E-A6DF-17D5E2F5A98F}"/>
               </a:ext>
             </a:extLst>
           </p:cNvPr>
@@ -4613,7 +4584,7 @@
           <p:cNvPr id="3" name="CaixaDeTexto 2">
             <a:extLst>
               <a:ext uri="{FF2B5EF4-FFF2-40B4-BE49-F238E27FC236}">
-                <a16:creationId xmlns:a16="http://schemas.microsoft.com/office/drawing/2014/main" id="{F3DB1EB6-7EDD-4F76-AC41-93A77350D0DB}"/>
+                <a16:creationId xmlns:a16="http://schemas.microsoft.com/office/drawing/2014/main" xmlns="" id="{F3DB1EB6-7EDD-4F76-AC41-93A77350D0DB}"/>
               </a:ext>
             </a:extLst>
           </p:cNvPr>
@@ -4622,7 +4593,7 @@
         </p:nvSpPr>
         <p:spPr>
           <a:xfrm>
-            <a:off x="-102336" y="-3806"/>
+            <a:off x="129574" y="51980"/>
             <a:ext cx="522900" cy="369332"/>
           </a:xfrm>
           <a:prstGeom prst="rect">
@@ -4648,7 +4619,7 @@
           <p:cNvPr id="5" name="CaixaDeTexto 4">
             <a:extLst>
               <a:ext uri="{FF2B5EF4-FFF2-40B4-BE49-F238E27FC236}">
-                <a16:creationId xmlns:a16="http://schemas.microsoft.com/office/drawing/2014/main" id="{00324186-5835-453F-9CA7-D8BA2FE4FDB1}"/>
+                <a16:creationId xmlns:a16="http://schemas.microsoft.com/office/drawing/2014/main" xmlns="" id="{00324186-5835-453F-9CA7-D8BA2FE4FDB1}"/>
               </a:ext>
             </a:extLst>
           </p:cNvPr>
@@ -4686,7 +4657,7 @@
           <p:cNvPr id="8" name="CaixaDeTexto 7">
             <a:extLst>
               <a:ext uri="{FF2B5EF4-FFF2-40B4-BE49-F238E27FC236}">
-                <a16:creationId xmlns:a16="http://schemas.microsoft.com/office/drawing/2014/main" id="{C6B4F186-1182-4828-8066-2E561878460C}"/>
+                <a16:creationId xmlns:a16="http://schemas.microsoft.com/office/drawing/2014/main" xmlns="" id="{C6B4F186-1182-4828-8066-2E561878460C}"/>
               </a:ext>
             </a:extLst>
           </p:cNvPr>
@@ -4721,7 +4692,7 @@
           <p:cNvPr id="14" name="Imagem 13" descr="Logotipo, nome da empresa&#10;&#10;Descrição gerada automaticamente">
             <a:extLst>
               <a:ext uri="{FF2B5EF4-FFF2-40B4-BE49-F238E27FC236}">
-                <a16:creationId xmlns:a16="http://schemas.microsoft.com/office/drawing/2014/main" id="{C131E45E-AAA8-4092-97F7-314E8411F05B}"/>
+                <a16:creationId xmlns:a16="http://schemas.microsoft.com/office/drawing/2014/main" xmlns="" id="{C131E45E-AAA8-4092-97F7-314E8411F05B}"/>
               </a:ext>
             </a:extLst>
           </p:cNvPr>
@@ -4731,7 +4702,7 @@
           <p:nvPr/>
         </p:nvPicPr>
         <p:blipFill>
-          <a:blip r:embed="rId10">
+          <a:blip r:embed="rId10" cstate="print">
             <a:extLst>
               <a:ext uri="{28A0092B-C50C-407E-A947-70E740481C1C}">
                 <a14:useLocalDpi xmlns:a14="http://schemas.microsoft.com/office/drawing/2010/main" val="0"/>
@@ -4757,7 +4728,7 @@
           <p:cNvPr id="20" name="CaixaDeTexto 19">
             <a:extLst>
               <a:ext uri="{FF2B5EF4-FFF2-40B4-BE49-F238E27FC236}">
-                <a16:creationId xmlns:a16="http://schemas.microsoft.com/office/drawing/2014/main" id="{D49B4519-BABB-4AEB-BD5F-95A30CCBECB9}"/>
+                <a16:creationId xmlns:a16="http://schemas.microsoft.com/office/drawing/2014/main" xmlns="" id="{D49B4519-BABB-4AEB-BD5F-95A30CCBECB9}"/>
               </a:ext>
             </a:extLst>
           </p:cNvPr>
@@ -4797,10 +4768,10 @@
       </p:sp>
       <p:pic>
         <p:nvPicPr>
-          <p:cNvPr id="4" name="Picture 2">
-            <a:extLst>
-              <a:ext uri="{FF2B5EF4-FFF2-40B4-BE49-F238E27FC236}">
-                <a16:creationId xmlns:a16="http://schemas.microsoft.com/office/drawing/2014/main" id="{7286D418-90DA-41B2-8FE9-FB6769BF8CD1}"/>
+          <p:cNvPr id="6" name="Picture 4">
+            <a:extLst>
+              <a:ext uri="{FF2B5EF4-FFF2-40B4-BE49-F238E27FC236}">
+                <a16:creationId xmlns:a16="http://schemas.microsoft.com/office/drawing/2014/main" xmlns="" id="{459310AC-F268-4178-A4E9-B2C3E8E97734}"/>
               </a:ext>
             </a:extLst>
           </p:cNvPr>
@@ -4810,7 +4781,7 @@
           <p:nvPr/>
         </p:nvPicPr>
         <p:blipFill>
-          <a:blip r:embed="rId11">
+          <a:blip r:embed="rId11" cstate="print">
             <a:extLst>
               <a:ext uri="{28A0092B-C50C-407E-A947-70E740481C1C}">
                 <a14:useLocalDpi xmlns:a14="http://schemas.microsoft.com/office/drawing/2010/main" val="0"/>
@@ -4824,8 +4795,8 @@
         </p:blipFill>
         <p:spPr bwMode="auto">
           <a:xfrm>
-            <a:off x="5478109" y="2807565"/>
-            <a:ext cx="697314" cy="201567"/>
+            <a:off x="5079893" y="236646"/>
+            <a:ext cx="1328647" cy="384063"/>
           </a:xfrm>
           <a:prstGeom prst="rect">
             <a:avLst/>
@@ -4842,162 +4813,12 @@
           </a:extLst>
         </p:spPr>
       </p:pic>
-      <p:pic>
-        <p:nvPicPr>
-          <p:cNvPr id="6" name="Picture 4">
-            <a:extLst>
-              <a:ext uri="{FF2B5EF4-FFF2-40B4-BE49-F238E27FC236}">
-                <a16:creationId xmlns:a16="http://schemas.microsoft.com/office/drawing/2014/main" id="{459310AC-F268-4178-A4E9-B2C3E8E97734}"/>
-              </a:ext>
-            </a:extLst>
-          </p:cNvPr>
-          <p:cNvPicPr>
-            <a:picLocks noChangeAspect="1" noChangeArrowheads="1"/>
-          </p:cNvPicPr>
-          <p:nvPr/>
-        </p:nvPicPr>
-        <p:blipFill>
-          <a:blip r:embed="rId11">
-            <a:extLst>
-              <a:ext uri="{28A0092B-C50C-407E-A947-70E740481C1C}">
-                <a14:useLocalDpi xmlns:a14="http://schemas.microsoft.com/office/drawing/2010/main" val="0"/>
-              </a:ext>
-            </a:extLst>
-          </a:blip>
-          <a:srcRect/>
-          <a:stretch>
-            <a:fillRect/>
-          </a:stretch>
-        </p:blipFill>
-        <p:spPr bwMode="auto">
-          <a:xfrm>
-            <a:off x="5079893" y="236646"/>
-            <a:ext cx="1328647" cy="384063"/>
-          </a:xfrm>
-          <a:prstGeom prst="rect">
-            <a:avLst/>
-          </a:prstGeom>
-          <a:noFill/>
-          <a:extLst>
-            <a:ext uri="{909E8E84-426E-40DD-AFC4-6F175D3DCCD1}">
-              <a14:hiddenFill xmlns:a14="http://schemas.microsoft.com/office/drawing/2010/main">
-                <a:solidFill>
-                  <a:srgbClr val="FFFFFF"/>
-                </a:solidFill>
-              </a14:hiddenFill>
-            </a:ext>
-          </a:extLst>
-        </p:spPr>
-      </p:pic>
-      <p:cxnSp>
-        <p:nvCxnSpPr>
-          <p:cNvPr id="34" name="Conector de Seta Reta 33">
-            <a:extLst>
-              <a:ext uri="{FF2B5EF4-FFF2-40B4-BE49-F238E27FC236}">
-                <a16:creationId xmlns:a16="http://schemas.microsoft.com/office/drawing/2014/main" id="{611FA70B-4306-48B9-9DD5-D261264F70A5}"/>
-              </a:ext>
-            </a:extLst>
-          </p:cNvPr>
-          <p:cNvCxnSpPr>
-            <a:cxnSpLocks/>
-          </p:cNvCxnSpPr>
-          <p:nvPr/>
-        </p:nvCxnSpPr>
-        <p:spPr>
-          <a:xfrm flipV="1">
-            <a:off x="5780384" y="2346064"/>
-            <a:ext cx="0" cy="340828"/>
-          </a:xfrm>
-          <a:prstGeom prst="straightConnector1">
-            <a:avLst/>
-          </a:prstGeom>
-          <a:ln>
-            <a:headEnd type="triangle"/>
-            <a:tailEnd type="triangle"/>
-          </a:ln>
-        </p:spPr>
-        <p:style>
-          <a:lnRef idx="1">
-            <a:schemeClr val="dk1"/>
-          </a:lnRef>
-          <a:fillRef idx="0">
-            <a:schemeClr val="dk1"/>
-          </a:fillRef>
-          <a:effectRef idx="0">
-            <a:schemeClr val="dk1"/>
-          </a:effectRef>
-          <a:fontRef idx="minor">
-            <a:schemeClr val="tx1"/>
-          </a:fontRef>
-        </p:style>
-      </p:cxnSp>
-      <p:sp>
-        <p:nvSpPr>
-          <p:cNvPr id="35" name="Retângulo: Cantos Arredondados 34">
-            <a:extLst>
-              <a:ext uri="{FF2B5EF4-FFF2-40B4-BE49-F238E27FC236}">
-                <a16:creationId xmlns:a16="http://schemas.microsoft.com/office/drawing/2014/main" id="{4F21AB73-1531-4A38-A691-372E4C5AC242}"/>
-              </a:ext>
-            </a:extLst>
-          </p:cNvPr>
-          <p:cNvSpPr/>
-          <p:nvPr/>
-        </p:nvSpPr>
-        <p:spPr>
-          <a:xfrm>
-            <a:off x="5602132" y="870888"/>
-            <a:ext cx="1209639" cy="1148497"/>
-          </a:xfrm>
-          <a:prstGeom prst="roundRect">
-            <a:avLst/>
-          </a:prstGeom>
-          <a:solidFill>
-            <a:schemeClr val="bg1"/>
-          </a:solidFill>
-          <a:ln>
-            <a:solidFill>
-              <a:srgbClr val="C00000"/>
-            </a:solidFill>
-          </a:ln>
-          <a:effectLst>
-            <a:outerShdw blurRad="50800" dist="38100" dir="5400000" algn="t" rotWithShape="0">
-              <a:prstClr val="black">
-                <a:alpha val="40000"/>
-              </a:prstClr>
-            </a:outerShdw>
-          </a:effectLst>
-        </p:spPr>
-        <p:style>
-          <a:lnRef idx="2">
-            <a:schemeClr val="accent1">
-              <a:shade val="50000"/>
-            </a:schemeClr>
-          </a:lnRef>
-          <a:fillRef idx="1">
-            <a:schemeClr val="accent1"/>
-          </a:fillRef>
-          <a:effectRef idx="0">
-            <a:schemeClr val="accent1"/>
-          </a:effectRef>
-          <a:fontRef idx="minor">
-            <a:schemeClr val="lt1"/>
-          </a:fontRef>
-        </p:style>
-        <p:txBody>
-          <a:bodyPr rtlCol="0" anchor="ctr"/>
-          <a:lstStyle/>
-          <a:p>
-            <a:pPr algn="ctr"/>
-            <a:endParaRPr lang="pt-BR" sz="1600"/>
-          </a:p>
-        </p:txBody>
-      </p:sp>
       <p:sp>
         <p:nvSpPr>
           <p:cNvPr id="36" name="CaixaDeTexto 35">
             <a:extLst>
               <a:ext uri="{FF2B5EF4-FFF2-40B4-BE49-F238E27FC236}">
-                <a16:creationId xmlns:a16="http://schemas.microsoft.com/office/drawing/2014/main" id="{2AD70534-8DF3-47A4-8849-845029A2F70F}"/>
+                <a16:creationId xmlns:a16="http://schemas.microsoft.com/office/drawing/2014/main" xmlns="" id="{2AD70534-8DF3-47A4-8849-845029A2F70F}"/>
               </a:ext>
             </a:extLst>
           </p:cNvPr>
@@ -5006,7 +4827,7 @@
         </p:nvSpPr>
         <p:spPr>
           <a:xfrm>
-            <a:off x="5629730" y="811528"/>
+            <a:off x="5649342" y="864732"/>
             <a:ext cx="1172929" cy="276999"/>
           </a:xfrm>
           <a:prstGeom prst="rect">
@@ -5029,198 +4850,10 @@
       </p:sp>
       <p:sp>
         <p:nvSpPr>
-          <p:cNvPr id="37" name="Retângulo: Cantos Arredondados 36">
-            <a:extLst>
-              <a:ext uri="{FF2B5EF4-FFF2-40B4-BE49-F238E27FC236}">
-                <a16:creationId xmlns:a16="http://schemas.microsoft.com/office/drawing/2014/main" id="{52FDAE53-39A2-43C9-A370-77C86BAE3B46}"/>
-              </a:ext>
-            </a:extLst>
-          </p:cNvPr>
-          <p:cNvSpPr/>
-          <p:nvPr/>
-        </p:nvSpPr>
-        <p:spPr>
-          <a:xfrm>
-            <a:off x="5694936" y="1048751"/>
-            <a:ext cx="1011552" cy="231946"/>
-          </a:xfrm>
-          <a:prstGeom prst="roundRect">
-            <a:avLst/>
-          </a:prstGeom>
-          <a:solidFill>
-            <a:schemeClr val="bg1"/>
-          </a:solidFill>
-          <a:ln>
-            <a:solidFill>
-              <a:srgbClr val="C00000"/>
-            </a:solidFill>
-          </a:ln>
-        </p:spPr>
-        <p:style>
-          <a:lnRef idx="2">
-            <a:schemeClr val="accent1">
-              <a:shade val="50000"/>
-            </a:schemeClr>
-          </a:lnRef>
-          <a:fillRef idx="1">
-            <a:schemeClr val="accent1"/>
-          </a:fillRef>
-          <a:effectRef idx="0">
-            <a:schemeClr val="accent1"/>
-          </a:effectRef>
-          <a:fontRef idx="minor">
-            <a:schemeClr val="lt1"/>
-          </a:fontRef>
-        </p:style>
-        <p:txBody>
-          <a:bodyPr rtlCol="0" anchor="ctr"/>
-          <a:lstStyle/>
-          <a:p>
-            <a:pPr algn="ctr"/>
-            <a:r>
-              <a:rPr lang="pt-BR" sz="1200" dirty="0">
-                <a:solidFill>
-                  <a:schemeClr val="tx1"/>
-                </a:solidFill>
-              </a:rPr>
-              <a:t>NODE JS</a:t>
-            </a:r>
-          </a:p>
-        </p:txBody>
-      </p:sp>
-      <p:sp>
-        <p:nvSpPr>
-          <p:cNvPr id="38" name="Retângulo: Cantos Arredondados 37">
-            <a:extLst>
-              <a:ext uri="{FF2B5EF4-FFF2-40B4-BE49-F238E27FC236}">
-                <a16:creationId xmlns:a16="http://schemas.microsoft.com/office/drawing/2014/main" id="{2D154F26-51C5-4773-A2E2-CB7B47C97C27}"/>
-              </a:ext>
-            </a:extLst>
-          </p:cNvPr>
-          <p:cNvSpPr/>
-          <p:nvPr/>
-        </p:nvSpPr>
-        <p:spPr>
-          <a:xfrm>
-            <a:off x="5690352" y="1373587"/>
-            <a:ext cx="1011552" cy="231946"/>
-          </a:xfrm>
-          <a:prstGeom prst="roundRect">
-            <a:avLst/>
-          </a:prstGeom>
-          <a:solidFill>
-            <a:schemeClr val="bg1"/>
-          </a:solidFill>
-          <a:ln>
-            <a:solidFill>
-              <a:srgbClr val="C00000"/>
-            </a:solidFill>
-          </a:ln>
-        </p:spPr>
-        <p:style>
-          <a:lnRef idx="2">
-            <a:schemeClr val="accent1">
-              <a:shade val="50000"/>
-            </a:schemeClr>
-          </a:lnRef>
-          <a:fillRef idx="1">
-            <a:schemeClr val="accent1"/>
-          </a:fillRef>
-          <a:effectRef idx="0">
-            <a:schemeClr val="accent1"/>
-          </a:effectRef>
-          <a:fontRef idx="minor">
-            <a:schemeClr val="lt1"/>
-          </a:fontRef>
-        </p:style>
-        <p:txBody>
-          <a:bodyPr rtlCol="0" anchor="ctr"/>
-          <a:lstStyle/>
-          <a:p>
-            <a:pPr algn="ctr"/>
-            <a:r>
-              <a:rPr lang="pt-BR" sz="1200" dirty="0">
-                <a:solidFill>
-                  <a:schemeClr val="tx1"/>
-                </a:solidFill>
-              </a:rPr>
-              <a:t>BOOTSTRAP</a:t>
-            </a:r>
-            <a:endParaRPr lang="pt-BR" sz="1600" dirty="0">
-              <a:solidFill>
-                <a:schemeClr val="tx1"/>
-              </a:solidFill>
-            </a:endParaRPr>
-          </a:p>
-        </p:txBody>
-      </p:sp>
-      <p:sp>
-        <p:nvSpPr>
-          <p:cNvPr id="40" name="Retângulo: Cantos Arredondados 39">
-            <a:extLst>
-              <a:ext uri="{FF2B5EF4-FFF2-40B4-BE49-F238E27FC236}">
-                <a16:creationId xmlns:a16="http://schemas.microsoft.com/office/drawing/2014/main" id="{204F15B9-5E30-487C-ADE1-C7A396C60E1C}"/>
-              </a:ext>
-            </a:extLst>
-          </p:cNvPr>
-          <p:cNvSpPr/>
-          <p:nvPr/>
-        </p:nvSpPr>
-        <p:spPr>
-          <a:xfrm>
-            <a:off x="4221567" y="879896"/>
-            <a:ext cx="1209639" cy="1148497"/>
-          </a:xfrm>
-          <a:prstGeom prst="roundRect">
-            <a:avLst/>
-          </a:prstGeom>
-          <a:solidFill>
-            <a:schemeClr val="bg1"/>
-          </a:solidFill>
-          <a:ln>
-            <a:solidFill>
-              <a:srgbClr val="C00000"/>
-            </a:solidFill>
-          </a:ln>
-          <a:effectLst>
-            <a:outerShdw blurRad="50800" dist="38100" dir="5400000" algn="t" rotWithShape="0">
-              <a:prstClr val="black">
-                <a:alpha val="40000"/>
-              </a:prstClr>
-            </a:outerShdw>
-          </a:effectLst>
-        </p:spPr>
-        <p:style>
-          <a:lnRef idx="2">
-            <a:schemeClr val="accent1">
-              <a:shade val="50000"/>
-            </a:schemeClr>
-          </a:lnRef>
-          <a:fillRef idx="1">
-            <a:schemeClr val="accent1"/>
-          </a:fillRef>
-          <a:effectRef idx="0">
-            <a:schemeClr val="accent1"/>
-          </a:effectRef>
-          <a:fontRef idx="minor">
-            <a:schemeClr val="lt1"/>
-          </a:fontRef>
-        </p:style>
-        <p:txBody>
-          <a:bodyPr rtlCol="0" anchor="ctr"/>
-          <a:lstStyle/>
-          <a:p>
-            <a:pPr algn="ctr"/>
-            <a:endParaRPr lang="pt-BR" sz="1600"/>
-          </a:p>
-        </p:txBody>
-      </p:sp>
-      <p:sp>
-        <p:nvSpPr>
           <p:cNvPr id="41" name="CaixaDeTexto 40">
             <a:extLst>
               <a:ext uri="{FF2B5EF4-FFF2-40B4-BE49-F238E27FC236}">
-                <a16:creationId xmlns:a16="http://schemas.microsoft.com/office/drawing/2014/main" id="{52D7509F-0E02-4527-A270-E5C288172F37}"/>
+                <a16:creationId xmlns:a16="http://schemas.microsoft.com/office/drawing/2014/main" xmlns="" id="{52D7509F-0E02-4527-A270-E5C288172F37}"/>
               </a:ext>
             </a:extLst>
           </p:cNvPr>
@@ -5229,7 +4862,7 @@
         </p:nvSpPr>
         <p:spPr>
           <a:xfrm>
-            <a:off x="4314371" y="838034"/>
+            <a:off x="4236481" y="864732"/>
             <a:ext cx="1089398" cy="276999"/>
           </a:xfrm>
           <a:prstGeom prst="rect">
@@ -5250,293 +4883,12 @@
           </a:p>
         </p:txBody>
       </p:sp>
-      <p:sp>
-        <p:nvSpPr>
-          <p:cNvPr id="44" name="Retângulo: Cantos Arredondados 43">
-            <a:extLst>
-              <a:ext uri="{FF2B5EF4-FFF2-40B4-BE49-F238E27FC236}">
-                <a16:creationId xmlns:a16="http://schemas.microsoft.com/office/drawing/2014/main" id="{B6E5C280-9F21-40F5-BEE3-BAB743F83AA7}"/>
-              </a:ext>
-            </a:extLst>
-          </p:cNvPr>
-          <p:cNvSpPr/>
-          <p:nvPr/>
-        </p:nvSpPr>
-        <p:spPr>
-          <a:xfrm>
-            <a:off x="4314371" y="1057759"/>
-            <a:ext cx="1011552" cy="231946"/>
-          </a:xfrm>
-          <a:prstGeom prst="roundRect">
-            <a:avLst/>
-          </a:prstGeom>
-          <a:solidFill>
-            <a:schemeClr val="bg1"/>
-          </a:solidFill>
-          <a:ln>
-            <a:solidFill>
-              <a:srgbClr val="C00000"/>
-            </a:solidFill>
-          </a:ln>
-        </p:spPr>
-        <p:style>
-          <a:lnRef idx="2">
-            <a:schemeClr val="accent1">
-              <a:shade val="50000"/>
-            </a:schemeClr>
-          </a:lnRef>
-          <a:fillRef idx="1">
-            <a:schemeClr val="accent1"/>
-          </a:fillRef>
-          <a:effectRef idx="0">
-            <a:schemeClr val="accent1"/>
-          </a:effectRef>
-          <a:fontRef idx="minor">
-            <a:schemeClr val="lt1"/>
-          </a:fontRef>
-        </p:style>
-        <p:txBody>
-          <a:bodyPr rtlCol="0" anchor="ctr"/>
-          <a:lstStyle/>
-          <a:p>
-            <a:pPr algn="ctr"/>
-            <a:r>
-              <a:rPr lang="pt-BR" sz="1200" dirty="0">
-                <a:solidFill>
-                  <a:schemeClr val="tx1"/>
-                </a:solidFill>
-              </a:rPr>
-              <a:t>NODE JS</a:t>
-            </a:r>
-          </a:p>
-        </p:txBody>
-      </p:sp>
-      <p:sp>
-        <p:nvSpPr>
-          <p:cNvPr id="45" name="Retângulo: Cantos Arredondados 44">
-            <a:extLst>
-              <a:ext uri="{FF2B5EF4-FFF2-40B4-BE49-F238E27FC236}">
-                <a16:creationId xmlns:a16="http://schemas.microsoft.com/office/drawing/2014/main" id="{FB4C0570-C2F7-49E5-B17B-A32718761E40}"/>
-              </a:ext>
-            </a:extLst>
-          </p:cNvPr>
-          <p:cNvSpPr/>
-          <p:nvPr/>
-        </p:nvSpPr>
-        <p:spPr>
-          <a:xfrm>
-            <a:off x="4309787" y="1382595"/>
-            <a:ext cx="1011552" cy="231946"/>
-          </a:xfrm>
-          <a:prstGeom prst="roundRect">
-            <a:avLst/>
-          </a:prstGeom>
-          <a:solidFill>
-            <a:schemeClr val="bg1"/>
-          </a:solidFill>
-          <a:ln>
-            <a:solidFill>
-              <a:srgbClr val="C00000"/>
-            </a:solidFill>
-          </a:ln>
-        </p:spPr>
-        <p:style>
-          <a:lnRef idx="2">
-            <a:schemeClr val="accent1">
-              <a:shade val="50000"/>
-            </a:schemeClr>
-          </a:lnRef>
-          <a:fillRef idx="1">
-            <a:schemeClr val="accent1"/>
-          </a:fillRef>
-          <a:effectRef idx="0">
-            <a:schemeClr val="accent1"/>
-          </a:effectRef>
-          <a:fontRef idx="minor">
-            <a:schemeClr val="lt1"/>
-          </a:fontRef>
-        </p:style>
-        <p:txBody>
-          <a:bodyPr rtlCol="0" anchor="ctr"/>
-          <a:lstStyle/>
-          <a:p>
-            <a:pPr algn="ctr"/>
-            <a:r>
-              <a:rPr lang="pt-BR" sz="1200" dirty="0">
-                <a:solidFill>
-                  <a:schemeClr val="tx1"/>
-                </a:solidFill>
-              </a:rPr>
-              <a:t>BOOTSTRAP</a:t>
-            </a:r>
-            <a:endParaRPr lang="pt-BR" sz="1600" dirty="0">
-              <a:solidFill>
-                <a:schemeClr val="tx1"/>
-              </a:solidFill>
-            </a:endParaRPr>
-          </a:p>
-        </p:txBody>
-      </p:sp>
-      <p:sp>
-        <p:nvSpPr>
-          <p:cNvPr id="46" name="Retângulo: Cantos Arredondados 45">
-            <a:extLst>
-              <a:ext uri="{FF2B5EF4-FFF2-40B4-BE49-F238E27FC236}">
-                <a16:creationId xmlns:a16="http://schemas.microsoft.com/office/drawing/2014/main" id="{8B6343D1-5072-4083-8545-D1C870AE98DA}"/>
-              </a:ext>
-            </a:extLst>
-          </p:cNvPr>
-          <p:cNvSpPr/>
-          <p:nvPr/>
-        </p:nvSpPr>
-        <p:spPr>
-          <a:xfrm>
-            <a:off x="4306995" y="1703445"/>
-            <a:ext cx="1011552" cy="231946"/>
-          </a:xfrm>
-          <a:prstGeom prst="roundRect">
-            <a:avLst/>
-          </a:prstGeom>
-          <a:solidFill>
-            <a:schemeClr val="bg1"/>
-          </a:solidFill>
-          <a:ln>
-            <a:solidFill>
-              <a:srgbClr val="C00000"/>
-            </a:solidFill>
-          </a:ln>
-        </p:spPr>
-        <p:style>
-          <a:lnRef idx="2">
-            <a:schemeClr val="accent1">
-              <a:shade val="50000"/>
-            </a:schemeClr>
-          </a:lnRef>
-          <a:fillRef idx="1">
-            <a:schemeClr val="accent1"/>
-          </a:fillRef>
-          <a:effectRef idx="0">
-            <a:schemeClr val="accent1"/>
-          </a:effectRef>
-          <a:fontRef idx="minor">
-            <a:schemeClr val="lt1"/>
-          </a:fontRef>
-        </p:style>
-        <p:txBody>
-          <a:bodyPr rtlCol="0" anchor="ctr"/>
-          <a:lstStyle/>
-          <a:p>
-            <a:pPr algn="ctr"/>
-            <a:r>
-              <a:rPr lang="pt-BR" sz="1200" dirty="0">
-                <a:solidFill>
-                  <a:schemeClr val="tx1"/>
-                </a:solidFill>
-              </a:rPr>
-              <a:t>CHART JS</a:t>
-            </a:r>
-          </a:p>
-        </p:txBody>
-      </p:sp>
-      <p:sp>
-        <p:nvSpPr>
-          <p:cNvPr id="47" name="Retângulo: Cantos Arredondados 46">
-            <a:extLst>
-              <a:ext uri="{FF2B5EF4-FFF2-40B4-BE49-F238E27FC236}">
-                <a16:creationId xmlns:a16="http://schemas.microsoft.com/office/drawing/2014/main" id="{48FF43D9-C4E1-4B43-9135-146B7DD493B3}"/>
-              </a:ext>
-            </a:extLst>
-          </p:cNvPr>
-          <p:cNvSpPr/>
-          <p:nvPr/>
-        </p:nvSpPr>
-        <p:spPr>
-          <a:xfrm>
-            <a:off x="5690352" y="1669769"/>
-            <a:ext cx="1011552" cy="231946"/>
-          </a:xfrm>
-          <a:prstGeom prst="roundRect">
-            <a:avLst/>
-          </a:prstGeom>
-          <a:solidFill>
-            <a:schemeClr val="bg1"/>
-          </a:solidFill>
-          <a:ln>
-            <a:solidFill>
-              <a:srgbClr val="C00000"/>
-            </a:solidFill>
-          </a:ln>
-        </p:spPr>
-        <p:style>
-          <a:lnRef idx="2">
-            <a:schemeClr val="accent1">
-              <a:shade val="50000"/>
-            </a:schemeClr>
-          </a:lnRef>
-          <a:fillRef idx="1">
-            <a:schemeClr val="accent1"/>
-          </a:fillRef>
-          <a:effectRef idx="0">
-            <a:schemeClr val="accent1"/>
-          </a:effectRef>
-          <a:fontRef idx="minor">
-            <a:schemeClr val="lt1"/>
-          </a:fontRef>
-        </p:style>
-        <p:txBody>
-          <a:bodyPr rtlCol="0" anchor="ctr"/>
-          <a:lstStyle/>
-          <a:p>
-            <a:pPr algn="ctr"/>
-            <a:endParaRPr lang="pt-BR" sz="1200" dirty="0">
-              <a:solidFill>
-                <a:schemeClr val="tx1"/>
-              </a:solidFill>
-            </a:endParaRPr>
-          </a:p>
-        </p:txBody>
-      </p:sp>
-      <p:sp>
-        <p:nvSpPr>
-          <p:cNvPr id="48" name="CaixaDeTexto 47">
-            <a:extLst>
-              <a:ext uri="{FF2B5EF4-FFF2-40B4-BE49-F238E27FC236}">
-                <a16:creationId xmlns:a16="http://schemas.microsoft.com/office/drawing/2014/main" id="{2F4699EE-5CB5-4880-B89E-9008D6224642}"/>
-              </a:ext>
-            </a:extLst>
-          </p:cNvPr>
-          <p:cNvSpPr txBox="1"/>
-          <p:nvPr/>
-        </p:nvSpPr>
-        <p:spPr>
-          <a:xfrm>
-            <a:off x="5696125" y="1640046"/>
-            <a:ext cx="1040137" cy="276999"/>
-          </a:xfrm>
-          <a:prstGeom prst="rect">
-            <a:avLst/>
-          </a:prstGeom>
-          <a:noFill/>
-        </p:spPr>
-        <p:txBody>
-          <a:bodyPr wrap="square" rtlCol="0">
-            <a:spAutoFit/>
-          </a:bodyPr>
-          <a:lstStyle/>
-          <a:p>
-            <a:r>
-              <a:rPr lang="pt-BR" sz="1200" dirty="0"/>
-              <a:t>HTML/CSS/JS</a:t>
-            </a:r>
-          </a:p>
-        </p:txBody>
-      </p:sp>
       <p:pic>
         <p:nvPicPr>
           <p:cNvPr id="53" name="Imagem 52" descr="Imagem em preto e branco&#10;&#10;Descrição gerada automaticamente">
             <a:extLst>
               <a:ext uri="{FF2B5EF4-FFF2-40B4-BE49-F238E27FC236}">
-                <a16:creationId xmlns:a16="http://schemas.microsoft.com/office/drawing/2014/main" id="{F88B7289-3322-46D5-AD13-B255012820B5}"/>
+                <a16:creationId xmlns:a16="http://schemas.microsoft.com/office/drawing/2014/main" xmlns="" id="{F88B7289-3322-46D5-AD13-B255012820B5}"/>
               </a:ext>
             </a:extLst>
           </p:cNvPr>
@@ -5546,7 +4898,7 @@
           <p:nvPr/>
         </p:nvPicPr>
         <p:blipFill>
-          <a:blip r:embed="rId12">
+          <a:blip r:embed="rId12" cstate="print">
             <a:duotone>
               <a:schemeClr val="accent5">
                 <a:shade val="45000"/>
@@ -5566,7 +4918,7 @@
         </p:blipFill>
         <p:spPr>
           <a:xfrm>
-            <a:off x="5047355" y="3151871"/>
+            <a:off x="4201847" y="2085636"/>
             <a:ext cx="644809" cy="644809"/>
           </a:xfrm>
           <a:prstGeom prst="rect">
@@ -5579,7 +4931,7 @@
           <p:cNvPr id="55" name="CaixaDeTexto 54">
             <a:extLst>
               <a:ext uri="{FF2B5EF4-FFF2-40B4-BE49-F238E27FC236}">
-                <a16:creationId xmlns:a16="http://schemas.microsoft.com/office/drawing/2014/main" id="{1994B9A6-3548-496B-AB95-90CBE7C708B1}"/>
+                <a16:creationId xmlns:a16="http://schemas.microsoft.com/office/drawing/2014/main" xmlns="" id="{1994B9A6-3548-496B-AB95-90CBE7C708B1}"/>
               </a:ext>
             </a:extLst>
           </p:cNvPr>
@@ -5588,7 +4940,7 @@
         </p:nvSpPr>
         <p:spPr>
           <a:xfrm>
-            <a:off x="5605051" y="3386927"/>
+            <a:off x="4880698" y="2176375"/>
             <a:ext cx="644809" cy="369332"/>
           </a:xfrm>
           <a:prstGeom prst="rect">
@@ -5618,7 +4970,7 @@
           <p:cNvPr id="57" name="Conector de Seta Reta 56">
             <a:extLst>
               <a:ext uri="{FF2B5EF4-FFF2-40B4-BE49-F238E27FC236}">
-                <a16:creationId xmlns:a16="http://schemas.microsoft.com/office/drawing/2014/main" id="{688067FF-CBEE-4F28-88D7-F6AEC67ED517}"/>
+                <a16:creationId xmlns:a16="http://schemas.microsoft.com/office/drawing/2014/main" xmlns="" id="{688067FF-CBEE-4F28-88D7-F6AEC67ED517}"/>
               </a:ext>
             </a:extLst>
           </p:cNvPr>
@@ -5659,7 +5011,7 @@
           <p:cNvPr id="104" name="Agrupar 103">
             <a:extLst>
               <a:ext uri="{FF2B5EF4-FFF2-40B4-BE49-F238E27FC236}">
-                <a16:creationId xmlns:a16="http://schemas.microsoft.com/office/drawing/2014/main" id="{87A28EFF-8C7A-47EA-BE4C-F86487B4418F}"/>
+                <a16:creationId xmlns:a16="http://schemas.microsoft.com/office/drawing/2014/main" xmlns="" id="{87A28EFF-8C7A-47EA-BE4C-F86487B4418F}"/>
               </a:ext>
             </a:extLst>
           </p:cNvPr>
@@ -5679,7 +5031,7 @@
             <p:cNvPr id="106" name="Picture 2" descr="Telegram Web">
               <a:extLst>
                 <a:ext uri="{FF2B5EF4-FFF2-40B4-BE49-F238E27FC236}">
-                  <a16:creationId xmlns:a16="http://schemas.microsoft.com/office/drawing/2014/main" id="{C95334B2-AA40-458C-BF70-B6BEDB650310}"/>
+                  <a16:creationId xmlns:a16="http://schemas.microsoft.com/office/drawing/2014/main" xmlns="" id="{C95334B2-AA40-458C-BF70-B6BEDB650310}"/>
                 </a:ext>
               </a:extLst>
             </p:cNvPr>
@@ -5726,7 +5078,7 @@
             <p:cNvPr id="107" name="CaixaDeTexto 106">
               <a:extLst>
                 <a:ext uri="{FF2B5EF4-FFF2-40B4-BE49-F238E27FC236}">
-                  <a16:creationId xmlns:a16="http://schemas.microsoft.com/office/drawing/2014/main" id="{20345180-4942-4E46-84A9-1BF940D36DB2}"/>
+                  <a16:creationId xmlns:a16="http://schemas.microsoft.com/office/drawing/2014/main" xmlns="" id="{20345180-4942-4E46-84A9-1BF940D36DB2}"/>
                 </a:ext>
               </a:extLst>
             </p:cNvPr>
@@ -5762,7 +5114,7 @@
           <p:cNvPr id="9" name="Retângulo 8">
             <a:extLst>
               <a:ext uri="{FF2B5EF4-FFF2-40B4-BE49-F238E27FC236}">
-                <a16:creationId xmlns:a16="http://schemas.microsoft.com/office/drawing/2014/main" id="{A2895AD6-3034-4EE2-8F53-A1BC76FBF2D0}"/>
+                <a16:creationId xmlns:a16="http://schemas.microsoft.com/office/drawing/2014/main" xmlns="" id="{A2895AD6-3034-4EE2-8F53-A1BC76FBF2D0}"/>
               </a:ext>
             </a:extLst>
           </p:cNvPr>
@@ -5814,7 +5166,7 @@
           <p:cNvPr id="7" name="Picture 10" descr="Amazon Web Services - Wikipedia">
             <a:extLst>
               <a:ext uri="{FF2B5EF4-FFF2-40B4-BE49-F238E27FC236}">
-                <a16:creationId xmlns:a16="http://schemas.microsoft.com/office/drawing/2014/main" id="{4484FA0D-09D2-41AD-9A5C-AA5C5431D5FE}"/>
+                <a16:creationId xmlns:a16="http://schemas.microsoft.com/office/drawing/2014/main" xmlns="" id="{4484FA0D-09D2-41AD-9A5C-AA5C5431D5FE}"/>
               </a:ext>
             </a:extLst>
           </p:cNvPr>
@@ -5824,7 +5176,7 @@
           <p:nvPr/>
         </p:nvPicPr>
         <p:blipFill>
-          <a:blip r:embed="rId14">
+          <a:blip r:embed="rId14" cstate="print">
             <a:extLst>
               <a:ext uri="{28A0092B-C50C-407E-A947-70E740481C1C}">
                 <a14:useLocalDpi xmlns:a14="http://schemas.microsoft.com/office/drawing/2010/main" val="0"/>
@@ -5861,7 +5213,7 @@
           <p:cNvPr id="15" name="CaixaDeTexto 14">
             <a:extLst>
               <a:ext uri="{FF2B5EF4-FFF2-40B4-BE49-F238E27FC236}">
-                <a16:creationId xmlns:a16="http://schemas.microsoft.com/office/drawing/2014/main" id="{50AB074B-24A8-4932-8B67-A2E840EC7A3C}"/>
+                <a16:creationId xmlns:a16="http://schemas.microsoft.com/office/drawing/2014/main" xmlns="" id="{50AB074B-24A8-4932-8B67-A2E840EC7A3C}"/>
               </a:ext>
             </a:extLst>
           </p:cNvPr>
@@ -5896,7 +5248,7 @@
           <p:cNvPr id="17" name="CaixaDeTexto 16">
             <a:extLst>
               <a:ext uri="{FF2B5EF4-FFF2-40B4-BE49-F238E27FC236}">
-                <a16:creationId xmlns:a16="http://schemas.microsoft.com/office/drawing/2014/main" id="{26EAF8F4-3BDF-487E-A712-9B376B133FBC}"/>
+                <a16:creationId xmlns:a16="http://schemas.microsoft.com/office/drawing/2014/main" xmlns="" id="{26EAF8F4-3BDF-487E-A712-9B376B133FBC}"/>
               </a:ext>
             </a:extLst>
           </p:cNvPr>
@@ -5931,7 +5283,7 @@
           <p:cNvPr id="18" name="CaixaDeTexto 17">
             <a:extLst>
               <a:ext uri="{FF2B5EF4-FFF2-40B4-BE49-F238E27FC236}">
-                <a16:creationId xmlns:a16="http://schemas.microsoft.com/office/drawing/2014/main" id="{496987D5-D134-44D7-8F5B-6A4DDAF9E6DF}"/>
+                <a16:creationId xmlns:a16="http://schemas.microsoft.com/office/drawing/2014/main" xmlns="" id="{496987D5-D134-44D7-8F5B-6A4DDAF9E6DF}"/>
               </a:ext>
             </a:extLst>
           </p:cNvPr>
@@ -5961,6 +5313,204 @@
           </a:p>
         </p:txBody>
       </p:sp>
+      <p:pic>
+        <p:nvPicPr>
+          <p:cNvPr id="10" name="Imagem 9"/>
+          <p:cNvPicPr>
+            <a:picLocks noChangeAspect="1"/>
+          </p:cNvPicPr>
+          <p:nvPr/>
+        </p:nvPicPr>
+        <p:blipFill rotWithShape="1">
+          <a:blip r:embed="rId15"/>
+          <a:srcRect l="9121" t="320" r="8400" b="-320"/>
+          <a:stretch/>
+        </p:blipFill>
+        <p:spPr>
+          <a:xfrm>
+            <a:off x="2875680" y="2057592"/>
+            <a:ext cx="1183362" cy="606898"/>
+          </a:xfrm>
+          <a:prstGeom prst="rect">
+            <a:avLst/>
+          </a:prstGeom>
+        </p:spPr>
+      </p:pic>
+      <p:pic>
+        <p:nvPicPr>
+          <p:cNvPr id="11" name="Imagem 10"/>
+          <p:cNvPicPr>
+            <a:picLocks noChangeAspect="1"/>
+          </p:cNvPicPr>
+          <p:nvPr/>
+        </p:nvPicPr>
+        <p:blipFill>
+          <a:blip r:embed="rId16"/>
+          <a:stretch>
+            <a:fillRect/>
+          </a:stretch>
+        </p:blipFill>
+        <p:spPr>
+          <a:xfrm>
+            <a:off x="5740831" y="1086744"/>
+            <a:ext cx="1083622" cy="910073"/>
+          </a:xfrm>
+          <a:prstGeom prst="rect">
+            <a:avLst/>
+          </a:prstGeom>
+        </p:spPr>
+      </p:pic>
+      <p:pic>
+        <p:nvPicPr>
+          <p:cNvPr id="12" name="Imagem 11"/>
+          <p:cNvPicPr>
+            <a:picLocks noChangeAspect="1"/>
+          </p:cNvPicPr>
+          <p:nvPr/>
+        </p:nvPicPr>
+        <p:blipFill>
+          <a:blip r:embed="rId17"/>
+          <a:stretch>
+            <a:fillRect/>
+          </a:stretch>
+        </p:blipFill>
+        <p:spPr>
+          <a:xfrm>
+            <a:off x="3993541" y="1086744"/>
+            <a:ext cx="1378154" cy="954371"/>
+          </a:xfrm>
+          <a:prstGeom prst="rect">
+            <a:avLst/>
+          </a:prstGeom>
+        </p:spPr>
+      </p:pic>
+      <p:sp>
+        <p:nvSpPr>
+          <p:cNvPr id="13" name="AutoShape 4" descr="HTML5 – Wikipédia, a enciclopédia livre"/>
+          <p:cNvSpPr>
+            <a:spLocks noChangeAspect="1" noChangeArrowheads="1"/>
+          </p:cNvSpPr>
+          <p:nvPr/>
+        </p:nvSpPr>
+        <p:spPr bwMode="auto">
+          <a:xfrm>
+            <a:off x="155575" y="-144463"/>
+            <a:ext cx="304800" cy="304801"/>
+          </a:xfrm>
+          <a:prstGeom prst="rect">
+            <a:avLst/>
+          </a:prstGeom>
+          <a:noFill/>
+          <a:extLst>
+            <a:ext uri="{909E8E84-426E-40DD-AFC4-6F175D3DCCD1}">
+              <a14:hiddenFill xmlns:a14="http://schemas.microsoft.com/office/drawing/2010/main">
+                <a:solidFill>
+                  <a:srgbClr val="FFFFFF"/>
+                </a:solidFill>
+              </a14:hiddenFill>
+            </a:ext>
+          </a:extLst>
+        </p:spPr>
+        <p:txBody>
+          <a:bodyPr vert="horz" wrap="square" lIns="91440" tIns="45720" rIns="91440" bIns="45720" numCol="1" anchor="t" anchorCtr="0" compatLnSpc="1">
+            <a:prstTxWarp prst="textNoShape">
+              <a:avLst/>
+            </a:prstTxWarp>
+          </a:bodyPr>
+          <a:lstStyle/>
+          <a:p>
+            <a:endParaRPr lang="pt-BR"/>
+          </a:p>
+        </p:txBody>
+      </p:sp>
+      <p:pic>
+        <p:nvPicPr>
+          <p:cNvPr id="19" name="Imagem 18"/>
+          <p:cNvPicPr>
+            <a:picLocks noChangeAspect="1"/>
+          </p:cNvPicPr>
+          <p:nvPr/>
+        </p:nvPicPr>
+        <p:blipFill>
+          <a:blip r:embed="rId18"/>
+          <a:stretch>
+            <a:fillRect/>
+          </a:stretch>
+        </p:blipFill>
+        <p:spPr>
+          <a:xfrm>
+            <a:off x="6678662" y="1880013"/>
+            <a:ext cx="1107888" cy="1107888"/>
+          </a:xfrm>
+          <a:prstGeom prst="rect">
+            <a:avLst/>
+          </a:prstGeom>
+        </p:spPr>
+      </p:pic>
+      <p:pic>
+        <p:nvPicPr>
+          <p:cNvPr id="25" name="Imagem 24"/>
+          <p:cNvPicPr>
+            <a:picLocks noChangeAspect="1"/>
+          </p:cNvPicPr>
+          <p:nvPr/>
+        </p:nvPicPr>
+        <p:blipFill rotWithShape="1">
+          <a:blip r:embed="rId19"/>
+          <a:srcRect l="35681" t="14554" r="34566" b="10328"/>
+          <a:stretch/>
+        </p:blipFill>
+        <p:spPr>
+          <a:xfrm>
+            <a:off x="7786143" y="1773867"/>
+            <a:ext cx="734893" cy="1043636"/>
+          </a:xfrm>
+          <a:prstGeom prst="rect">
+            <a:avLst/>
+          </a:prstGeom>
+        </p:spPr>
+      </p:pic>
+      <p:pic>
+        <p:nvPicPr>
+          <p:cNvPr id="1030" name="Picture 6" descr="O que é JavaScript - Portal GSTI"/>
+          <p:cNvPicPr>
+            <a:picLocks noChangeAspect="1" noChangeArrowheads="1"/>
+          </p:cNvPicPr>
+          <p:nvPr/>
+        </p:nvPicPr>
+        <p:blipFill>
+          <a:blip r:embed="rId20" cstate="print">
+            <a:extLst>
+              <a:ext uri="{28A0092B-C50C-407E-A947-70E740481C1C}">
+                <a14:useLocalDpi xmlns:a14="http://schemas.microsoft.com/office/drawing/2010/main" val="0"/>
+              </a:ext>
+            </a:extLst>
+          </a:blip>
+          <a:srcRect/>
+          <a:stretch>
+            <a:fillRect/>
+          </a:stretch>
+        </p:blipFill>
+        <p:spPr bwMode="auto">
+          <a:xfrm>
+            <a:off x="5784487" y="2041115"/>
+            <a:ext cx="944456" cy="944456"/>
+          </a:xfrm>
+          <a:prstGeom prst="rect">
+            <a:avLst/>
+          </a:prstGeom>
+          <a:noFill/>
+          <a:extLst>
+            <a:ext uri="{909E8E84-426E-40DD-AFC4-6F175D3DCCD1}">
+              <a14:hiddenFill xmlns:a14="http://schemas.microsoft.com/office/drawing/2010/main">
+                <a:solidFill>
+                  <a:srgbClr val="FFFFFF"/>
+                </a:solidFill>
+              </a14:hiddenFill>
+            </a:ext>
+          </a:extLst>
+        </p:spPr>
+      </p:pic>
     </p:spTree>
     <p:extLst>
       <p:ext uri="{BB962C8B-B14F-4D97-AF65-F5344CB8AC3E}">
@@ -5971,6 +5521,13 @@
   <p:clrMapOvr>
     <a:masterClrMapping/>
   </p:clrMapOvr>
+  <p:timing>
+    <p:tnLst>
+      <p:par>
+        <p:cTn id="1" dur="indefinite" restart="never" nodeType="tmRoot"/>
+      </p:par>
+    </p:tnLst>
+  </p:timing>
 </p:sld>
 </file>
 
@@ -5996,7 +5553,7 @@
           <p:cNvPr id="5" name="Imagem 4" descr="Uma imagem contendo Forma&#10;&#10;Descrição gerada automaticamente">
             <a:extLst>
               <a:ext uri="{FF2B5EF4-FFF2-40B4-BE49-F238E27FC236}">
-                <a16:creationId xmlns:a16="http://schemas.microsoft.com/office/drawing/2014/main" id="{DD536F64-F391-4DBC-A681-8EEB0BF1FC0A}"/>
+                <a16:creationId xmlns:a16="http://schemas.microsoft.com/office/drawing/2014/main" xmlns="" id="{DD536F64-F391-4DBC-A681-8EEB0BF1FC0A}"/>
               </a:ext>
             </a:extLst>
           </p:cNvPr>
@@ -6006,7 +5563,7 @@
           <p:nvPr/>
         </p:nvPicPr>
         <p:blipFill>
-          <a:blip r:embed="rId2">
+          <a:blip r:embed="rId2" cstate="print">
             <a:extLst>
               <a:ext uri="{28A0092B-C50C-407E-A947-70E740481C1C}">
                 <a14:useLocalDpi xmlns:a14="http://schemas.microsoft.com/office/drawing/2010/main" val="0"/>
@@ -6032,7 +5589,7 @@
           <p:cNvPr id="9" name="Imagem 8" descr="Texto, Ícone&#10;&#10;Descrição gerada automaticamente">
             <a:extLst>
               <a:ext uri="{FF2B5EF4-FFF2-40B4-BE49-F238E27FC236}">
-                <a16:creationId xmlns:a16="http://schemas.microsoft.com/office/drawing/2014/main" id="{AAD08227-6A5D-4383-A1C4-64F7784F1956}"/>
+                <a16:creationId xmlns:a16="http://schemas.microsoft.com/office/drawing/2014/main" xmlns="" id="{AAD08227-6A5D-4383-A1C4-64F7784F1956}"/>
               </a:ext>
             </a:extLst>
           </p:cNvPr>
@@ -6042,7 +5599,7 @@
           <p:nvPr/>
         </p:nvPicPr>
         <p:blipFill>
-          <a:blip r:embed="rId3">
+          <a:blip r:embed="rId3" cstate="print">
             <a:extLst>
               <a:ext uri="{28A0092B-C50C-407E-A947-70E740481C1C}">
                 <a14:useLocalDpi xmlns:a14="http://schemas.microsoft.com/office/drawing/2010/main" val="0"/>
@@ -6068,7 +5625,7 @@
           <p:cNvPr id="11" name="Imagem 10" descr="Uma imagem contendo Forma&#10;&#10;Descrição gerada automaticamente">
             <a:extLst>
               <a:ext uri="{FF2B5EF4-FFF2-40B4-BE49-F238E27FC236}">
-                <a16:creationId xmlns:a16="http://schemas.microsoft.com/office/drawing/2014/main" id="{11AAACCF-F407-405A-84B4-11EEB965D8A1}"/>
+                <a16:creationId xmlns:a16="http://schemas.microsoft.com/office/drawing/2014/main" xmlns="" id="{11AAACCF-F407-405A-84B4-11EEB965D8A1}"/>
               </a:ext>
             </a:extLst>
           </p:cNvPr>
@@ -6078,7 +5635,7 @@
           <p:nvPr/>
         </p:nvPicPr>
         <p:blipFill>
-          <a:blip r:embed="rId4">
+          <a:blip r:embed="rId4" cstate="print">
             <a:extLst>
               <a:ext uri="{28A0092B-C50C-407E-A947-70E740481C1C}">
                 <a14:useLocalDpi xmlns:a14="http://schemas.microsoft.com/office/drawing/2010/main" val="0"/>
@@ -6104,7 +5661,7 @@
           <p:cNvPr id="13" name="Imagem 12">
             <a:extLst>
               <a:ext uri="{FF2B5EF4-FFF2-40B4-BE49-F238E27FC236}">
-                <a16:creationId xmlns:a16="http://schemas.microsoft.com/office/drawing/2014/main" id="{FD9236CB-3524-44A5-9BB2-5F6215F5E2EF}"/>
+                <a16:creationId xmlns:a16="http://schemas.microsoft.com/office/drawing/2014/main" xmlns="" id="{FD9236CB-3524-44A5-9BB2-5F6215F5E2EF}"/>
               </a:ext>
             </a:extLst>
           </p:cNvPr>
@@ -6148,7 +5705,7 @@
           <p:cNvPr id="15" name="Imagem 14">
             <a:extLst>
               <a:ext uri="{FF2B5EF4-FFF2-40B4-BE49-F238E27FC236}">
-                <a16:creationId xmlns:a16="http://schemas.microsoft.com/office/drawing/2014/main" id="{F87A1517-848C-4E6C-94AB-26EB04F71A56}"/>
+                <a16:creationId xmlns:a16="http://schemas.microsoft.com/office/drawing/2014/main" xmlns="" id="{F87A1517-848C-4E6C-94AB-26EB04F71A56}"/>
               </a:ext>
             </a:extLst>
           </p:cNvPr>
@@ -6192,7 +5749,7 @@
           <p:cNvPr id="17" name="Imagem 16">
             <a:extLst>
               <a:ext uri="{FF2B5EF4-FFF2-40B4-BE49-F238E27FC236}">
-                <a16:creationId xmlns:a16="http://schemas.microsoft.com/office/drawing/2014/main" id="{7528D509-E5BE-474E-B352-28E44352BD38}"/>
+                <a16:creationId xmlns:a16="http://schemas.microsoft.com/office/drawing/2014/main" xmlns="" id="{7528D509-E5BE-474E-B352-28E44352BD38}"/>
               </a:ext>
             </a:extLst>
           </p:cNvPr>
@@ -6236,7 +5793,7 @@
           <p:cNvPr id="19" name="Imagem 18">
             <a:extLst>
               <a:ext uri="{FF2B5EF4-FFF2-40B4-BE49-F238E27FC236}">
-                <a16:creationId xmlns:a16="http://schemas.microsoft.com/office/drawing/2014/main" id="{10BC69EF-600C-4C87-8B02-BA6BFC3B87A8}"/>
+                <a16:creationId xmlns:a16="http://schemas.microsoft.com/office/drawing/2014/main" xmlns="" id="{10BC69EF-600C-4C87-8B02-BA6BFC3B87A8}"/>
               </a:ext>
             </a:extLst>
           </p:cNvPr>
@@ -6281,7 +5838,7 @@
           <p:cNvPr id="21" name="Imagem 20">
             <a:extLst>
               <a:ext uri="{FF2B5EF4-FFF2-40B4-BE49-F238E27FC236}">
-                <a16:creationId xmlns:a16="http://schemas.microsoft.com/office/drawing/2014/main" id="{DEF1180F-6E09-4248-AEBE-C18909910CEF}"/>
+                <a16:creationId xmlns:a16="http://schemas.microsoft.com/office/drawing/2014/main" xmlns="" id="{DEF1180F-6E09-4248-AEBE-C18909910CEF}"/>
               </a:ext>
             </a:extLst>
           </p:cNvPr>
@@ -6326,7 +5883,7 @@
           <p:cNvPr id="22" name="CaixaDeTexto 21">
             <a:extLst>
               <a:ext uri="{FF2B5EF4-FFF2-40B4-BE49-F238E27FC236}">
-                <a16:creationId xmlns:a16="http://schemas.microsoft.com/office/drawing/2014/main" id="{23766680-2F1B-413D-9A2F-4734BA53E6CF}"/>
+                <a16:creationId xmlns:a16="http://schemas.microsoft.com/office/drawing/2014/main" xmlns="" id="{23766680-2F1B-413D-9A2F-4734BA53E6CF}"/>
               </a:ext>
             </a:extLst>
           </p:cNvPr>
@@ -6362,7 +5919,7 @@
           <p:cNvPr id="23" name="CaixaDeTexto 22">
             <a:extLst>
               <a:ext uri="{FF2B5EF4-FFF2-40B4-BE49-F238E27FC236}">
-                <a16:creationId xmlns:a16="http://schemas.microsoft.com/office/drawing/2014/main" id="{D2DA3490-3FEE-44C4-A133-C0D56E40AA2D}"/>
+                <a16:creationId xmlns:a16="http://schemas.microsoft.com/office/drawing/2014/main" xmlns="" id="{D2DA3490-3FEE-44C4-A133-C0D56E40AA2D}"/>
               </a:ext>
             </a:extLst>
           </p:cNvPr>
@@ -6397,7 +5954,7 @@
           <p:cNvPr id="2" name="Imagem 1" descr="Ícone&#10;&#10;Descrição gerada automaticamente">
             <a:extLst>
               <a:ext uri="{FF2B5EF4-FFF2-40B4-BE49-F238E27FC236}">
-                <a16:creationId xmlns:a16="http://schemas.microsoft.com/office/drawing/2014/main" id="{BA699E74-5B64-47EA-9165-D911EE46E932}"/>
+                <a16:creationId xmlns:a16="http://schemas.microsoft.com/office/drawing/2014/main" xmlns="" id="{BA699E74-5B64-47EA-9165-D911EE46E932}"/>
               </a:ext>
             </a:extLst>
           </p:cNvPr>
@@ -6407,7 +5964,7 @@
           <p:nvPr/>
         </p:nvPicPr>
         <p:blipFill>
-          <a:blip r:embed="rId11">
+          <a:blip r:embed="rId11" cstate="print">
             <a:extLst>
               <a:ext uri="{28A0092B-C50C-407E-A947-70E740481C1C}">
                 <a14:useLocalDpi xmlns:a14="http://schemas.microsoft.com/office/drawing/2010/main" val="0"/>
@@ -6433,7 +5990,7 @@
           <p:cNvPr id="3" name="CaixaDeTexto 2">
             <a:extLst>
               <a:ext uri="{FF2B5EF4-FFF2-40B4-BE49-F238E27FC236}">
-                <a16:creationId xmlns:a16="http://schemas.microsoft.com/office/drawing/2014/main" id="{12698B27-EEA4-4DBD-9A80-CAFCF20FA141}"/>
+                <a16:creationId xmlns:a16="http://schemas.microsoft.com/office/drawing/2014/main" xmlns="" id="{12698B27-EEA4-4DBD-9A80-CAFCF20FA141}"/>
               </a:ext>
             </a:extLst>
           </p:cNvPr>
@@ -6468,7 +6025,7 @@
           <p:cNvPr id="4" name="Imagem 3">
             <a:extLst>
               <a:ext uri="{FF2B5EF4-FFF2-40B4-BE49-F238E27FC236}">
-                <a16:creationId xmlns:a16="http://schemas.microsoft.com/office/drawing/2014/main" id="{B71764C5-7397-4D32-AA5A-06528DA281B0}"/>
+                <a16:creationId xmlns:a16="http://schemas.microsoft.com/office/drawing/2014/main" xmlns="" id="{B71764C5-7397-4D32-AA5A-06528DA281B0}"/>
               </a:ext>
             </a:extLst>
           </p:cNvPr>
@@ -6513,7 +6070,7 @@
           <p:cNvPr id="6" name="Imagem 5">
             <a:extLst>
               <a:ext uri="{FF2B5EF4-FFF2-40B4-BE49-F238E27FC236}">
-                <a16:creationId xmlns:a16="http://schemas.microsoft.com/office/drawing/2014/main" id="{B4CAAA66-7BB7-49AB-B586-F2A5435D073F}"/>
+                <a16:creationId xmlns:a16="http://schemas.microsoft.com/office/drawing/2014/main" xmlns="" id="{B4CAAA66-7BB7-49AB-B586-F2A5435D073F}"/>
               </a:ext>
             </a:extLst>
           </p:cNvPr>
@@ -6558,7 +6115,7 @@
           <p:cNvPr id="7" name="CaixaDeTexto 6">
             <a:extLst>
               <a:ext uri="{FF2B5EF4-FFF2-40B4-BE49-F238E27FC236}">
-                <a16:creationId xmlns:a16="http://schemas.microsoft.com/office/drawing/2014/main" id="{F479BD3F-053E-41BF-B4F6-204271B06509}"/>
+                <a16:creationId xmlns:a16="http://schemas.microsoft.com/office/drawing/2014/main" xmlns="" id="{F479BD3F-053E-41BF-B4F6-204271B06509}"/>
               </a:ext>
             </a:extLst>
           </p:cNvPr>
@@ -6593,7 +6150,7 @@
           <p:cNvPr id="10" name="Retângulo: Cantos Diagonais Arredondados 9">
             <a:extLst>
               <a:ext uri="{FF2B5EF4-FFF2-40B4-BE49-F238E27FC236}">
-                <a16:creationId xmlns:a16="http://schemas.microsoft.com/office/drawing/2014/main" id="{9E1FA0FD-0A2E-435A-BE99-AC656FD0C817}"/>
+                <a16:creationId xmlns:a16="http://schemas.microsoft.com/office/drawing/2014/main" xmlns="" id="{9E1FA0FD-0A2E-435A-BE99-AC656FD0C817}"/>
               </a:ext>
             </a:extLst>
           </p:cNvPr>
@@ -6645,7 +6202,7 @@
           <p:cNvPr id="12" name="Retângulo: Cantos Arredondados 11">
             <a:extLst>
               <a:ext uri="{FF2B5EF4-FFF2-40B4-BE49-F238E27FC236}">
-                <a16:creationId xmlns:a16="http://schemas.microsoft.com/office/drawing/2014/main" id="{48095C1B-21B5-4D58-9BDB-2994E0D3C828}"/>
+                <a16:creationId xmlns:a16="http://schemas.microsoft.com/office/drawing/2014/main" xmlns="" id="{48095C1B-21B5-4D58-9BDB-2994E0D3C828}"/>
               </a:ext>
             </a:extLst>
           </p:cNvPr>
@@ -6704,7 +6261,7 @@
           <p:cNvPr id="14" name="Retângulo: Cantos Arredondados 13">
             <a:extLst>
               <a:ext uri="{FF2B5EF4-FFF2-40B4-BE49-F238E27FC236}">
-                <a16:creationId xmlns:a16="http://schemas.microsoft.com/office/drawing/2014/main" id="{6DF7A7E0-E401-4DA6-A5FD-5D64822784EA}"/>
+                <a16:creationId xmlns:a16="http://schemas.microsoft.com/office/drawing/2014/main" xmlns="" id="{6DF7A7E0-E401-4DA6-A5FD-5D64822784EA}"/>
               </a:ext>
             </a:extLst>
           </p:cNvPr>
@@ -6768,6 +6325,13 @@
   <p:clrMapOvr>
     <a:masterClrMapping/>
   </p:clrMapOvr>
+  <p:timing>
+    <p:tnLst>
+      <p:par>
+        <p:cTn id="1" dur="indefinite" restart="never" nodeType="tmRoot"/>
+      </p:par>
+    </p:tnLst>
+  </p:timing>
 </p:sld>
 </file>
 
@@ -6793,7 +6357,7 @@
           <p:cNvPr id="52" name="Agrupar 51">
             <a:extLst>
               <a:ext uri="{FF2B5EF4-FFF2-40B4-BE49-F238E27FC236}">
-                <a16:creationId xmlns:a16="http://schemas.microsoft.com/office/drawing/2014/main" id="{871B3CC3-7F02-41D5-B35C-F91DB58B6026}"/>
+                <a16:creationId xmlns:a16="http://schemas.microsoft.com/office/drawing/2014/main" xmlns="" id="{871B3CC3-7F02-41D5-B35C-F91DB58B6026}"/>
               </a:ext>
             </a:extLst>
           </p:cNvPr>
@@ -6813,7 +6377,7 @@
             <p:cNvPr id="1026" name="Picture 2" descr="Telegram Web">
               <a:extLst>
                 <a:ext uri="{FF2B5EF4-FFF2-40B4-BE49-F238E27FC236}">
-                  <a16:creationId xmlns:a16="http://schemas.microsoft.com/office/drawing/2014/main" id="{FF68B1FE-C515-48A3-A5AD-D5EC2699D448}"/>
+                  <a16:creationId xmlns:a16="http://schemas.microsoft.com/office/drawing/2014/main" xmlns="" id="{FF68B1FE-C515-48A3-A5AD-D5EC2699D448}"/>
                 </a:ext>
               </a:extLst>
             </p:cNvPr>
@@ -6860,7 +6424,7 @@
             <p:cNvPr id="17" name="CaixaDeTexto 16">
               <a:extLst>
                 <a:ext uri="{FF2B5EF4-FFF2-40B4-BE49-F238E27FC236}">
-                  <a16:creationId xmlns:a16="http://schemas.microsoft.com/office/drawing/2014/main" id="{8904A3AE-3961-4800-9C77-9F5F2F4A940B}"/>
+                  <a16:creationId xmlns:a16="http://schemas.microsoft.com/office/drawing/2014/main" xmlns="" id="{8904A3AE-3961-4800-9C77-9F5F2F4A940B}"/>
                 </a:ext>
               </a:extLst>
             </p:cNvPr>
@@ -6896,7 +6460,7 @@
           <p:cNvPr id="18" name="Picture 10" descr="Amazon Web Services - Wikipedia">
             <a:extLst>
               <a:ext uri="{FF2B5EF4-FFF2-40B4-BE49-F238E27FC236}">
-                <a16:creationId xmlns:a16="http://schemas.microsoft.com/office/drawing/2014/main" id="{A9F43A1D-EB4B-4882-A8F7-6BE6403BBB25}"/>
+                <a16:creationId xmlns:a16="http://schemas.microsoft.com/office/drawing/2014/main" xmlns="" id="{A9F43A1D-EB4B-4882-A8F7-6BE6403BBB25}"/>
               </a:ext>
             </a:extLst>
           </p:cNvPr>
@@ -6906,7 +6470,7 @@
           <p:nvPr/>
         </p:nvPicPr>
         <p:blipFill>
-          <a:blip r:embed="rId3">
+          <a:blip r:embed="rId3" cstate="print">
             <a:extLst>
               <a:ext uri="{28A0092B-C50C-407E-A947-70E740481C1C}">
                 <a14:useLocalDpi xmlns:a14="http://schemas.microsoft.com/office/drawing/2010/main" val="0"/>
@@ -6953,7 +6517,7 @@
           <p:cNvPr id="20" name="Imagem 19">
             <a:extLst>
               <a:ext uri="{FF2B5EF4-FFF2-40B4-BE49-F238E27FC236}">
-                <a16:creationId xmlns:a16="http://schemas.microsoft.com/office/drawing/2014/main" id="{AD1F625C-8B4C-43CF-867C-3B02AE1833BC}"/>
+                <a16:creationId xmlns:a16="http://schemas.microsoft.com/office/drawing/2014/main" xmlns="" id="{AD1F625C-8B4C-43CF-867C-3B02AE1833BC}"/>
               </a:ext>
             </a:extLst>
           </p:cNvPr>
@@ -6998,7 +6562,7 @@
           <p:cNvPr id="22" name="Imagem 21">
             <a:extLst>
               <a:ext uri="{FF2B5EF4-FFF2-40B4-BE49-F238E27FC236}">
-                <a16:creationId xmlns:a16="http://schemas.microsoft.com/office/drawing/2014/main" id="{08AE2A46-D724-490E-AE76-60A184A3BF6A}"/>
+                <a16:creationId xmlns:a16="http://schemas.microsoft.com/office/drawing/2014/main" xmlns="" id="{08AE2A46-D724-490E-AE76-60A184A3BF6A}"/>
               </a:ext>
             </a:extLst>
           </p:cNvPr>
@@ -7043,7 +6607,7 @@
           <p:cNvPr id="24" name="Imagem 23">
             <a:extLst>
               <a:ext uri="{FF2B5EF4-FFF2-40B4-BE49-F238E27FC236}">
-                <a16:creationId xmlns:a16="http://schemas.microsoft.com/office/drawing/2014/main" id="{2EB209A9-E02B-4C33-A479-04F85A0BC4B5}"/>
+                <a16:creationId xmlns:a16="http://schemas.microsoft.com/office/drawing/2014/main" xmlns="" id="{2EB209A9-E02B-4C33-A479-04F85A0BC4B5}"/>
               </a:ext>
             </a:extLst>
           </p:cNvPr>
@@ -7088,7 +6652,7 @@
           <p:cNvPr id="26" name="Imagem 25">
             <a:extLst>
               <a:ext uri="{FF2B5EF4-FFF2-40B4-BE49-F238E27FC236}">
-                <a16:creationId xmlns:a16="http://schemas.microsoft.com/office/drawing/2014/main" id="{D6C08CAD-4EF8-42CE-A4DD-9C5D8ACA5224}"/>
+                <a16:creationId xmlns:a16="http://schemas.microsoft.com/office/drawing/2014/main" xmlns="" id="{D6C08CAD-4EF8-42CE-A4DD-9C5D8ACA5224}"/>
               </a:ext>
             </a:extLst>
           </p:cNvPr>
@@ -7132,7 +6696,7 @@
           <p:cNvPr id="28" name="Imagem 27" descr="Ícone&#10;&#10;Descrição gerada automaticamente">
             <a:extLst>
               <a:ext uri="{FF2B5EF4-FFF2-40B4-BE49-F238E27FC236}">
-                <a16:creationId xmlns:a16="http://schemas.microsoft.com/office/drawing/2014/main" id="{FDE139D8-807C-4277-817C-9F6CD41F2978}"/>
+                <a16:creationId xmlns:a16="http://schemas.microsoft.com/office/drawing/2014/main" xmlns="" id="{FDE139D8-807C-4277-817C-9F6CD41F2978}"/>
               </a:ext>
             </a:extLst>
           </p:cNvPr>
@@ -7142,7 +6706,7 @@
           <p:nvPr/>
         </p:nvPicPr>
         <p:blipFill>
-          <a:blip r:embed="rId8">
+          <a:blip r:embed="rId8" cstate="print">
             <a:extLst>
               <a:ext uri="{28A0092B-C50C-407E-A947-70E740481C1C}">
                 <a14:useLocalDpi xmlns:a14="http://schemas.microsoft.com/office/drawing/2010/main" val="0"/>
@@ -7168,7 +6732,7 @@
           <p:cNvPr id="32" name="Imagem 31">
             <a:extLst>
               <a:ext uri="{FF2B5EF4-FFF2-40B4-BE49-F238E27FC236}">
-                <a16:creationId xmlns:a16="http://schemas.microsoft.com/office/drawing/2014/main" id="{B00BBD1A-74D8-4661-B6FB-B80B95146584}"/>
+                <a16:creationId xmlns:a16="http://schemas.microsoft.com/office/drawing/2014/main" xmlns="" id="{B00BBD1A-74D8-4661-B6FB-B80B95146584}"/>
               </a:ext>
             </a:extLst>
           </p:cNvPr>
@@ -7212,7 +6776,7 @@
           <p:cNvPr id="56" name="Agrupar 55">
             <a:extLst>
               <a:ext uri="{FF2B5EF4-FFF2-40B4-BE49-F238E27FC236}">
-                <a16:creationId xmlns:a16="http://schemas.microsoft.com/office/drawing/2014/main" id="{A88421BF-4F71-4237-A447-861C6940039D}"/>
+                <a16:creationId xmlns:a16="http://schemas.microsoft.com/office/drawing/2014/main" xmlns="" id="{A88421BF-4F71-4237-A447-861C6940039D}"/>
               </a:ext>
             </a:extLst>
           </p:cNvPr>
@@ -7232,7 +6796,7 @@
             <p:cNvPr id="10" name="Imagem 9" descr="Uma imagem contendo Círculo&#10;&#10;Descrição gerada automaticamente">
               <a:extLst>
                 <a:ext uri="{FF2B5EF4-FFF2-40B4-BE49-F238E27FC236}">
-                  <a16:creationId xmlns:a16="http://schemas.microsoft.com/office/drawing/2014/main" id="{DAE2A9C3-CEA9-4885-9415-0C13166D5F5E}"/>
+                  <a16:creationId xmlns:a16="http://schemas.microsoft.com/office/drawing/2014/main" xmlns="" id="{DAE2A9C3-CEA9-4885-9415-0C13166D5F5E}"/>
                 </a:ext>
               </a:extLst>
             </p:cNvPr>
@@ -7268,7 +6832,7 @@
             <p:cNvPr id="8" name="Picture 10" descr="Amazon Web Services - Wikipedia">
               <a:extLst>
                 <a:ext uri="{FF2B5EF4-FFF2-40B4-BE49-F238E27FC236}">
-                  <a16:creationId xmlns:a16="http://schemas.microsoft.com/office/drawing/2014/main" id="{9DCB030A-27A2-4C96-BE81-A36FFB4394B4}"/>
+                  <a16:creationId xmlns:a16="http://schemas.microsoft.com/office/drawing/2014/main" xmlns="" id="{9DCB030A-27A2-4C96-BE81-A36FFB4394B4}"/>
                 </a:ext>
               </a:extLst>
             </p:cNvPr>
@@ -7278,7 +6842,7 @@
             <p:nvPr/>
           </p:nvPicPr>
           <p:blipFill>
-            <a:blip r:embed="rId3">
+            <a:blip r:embed="rId10" cstate="print">
               <a:extLst>
                 <a:ext uri="{28A0092B-C50C-407E-A947-70E740481C1C}">
                   <a14:useLocalDpi xmlns:a14="http://schemas.microsoft.com/office/drawing/2010/main" val="0"/>
@@ -7315,7 +6879,7 @@
             <p:cNvPr id="29" name="Agrupar 28">
               <a:extLst>
                 <a:ext uri="{FF2B5EF4-FFF2-40B4-BE49-F238E27FC236}">
-                  <a16:creationId xmlns:a16="http://schemas.microsoft.com/office/drawing/2014/main" id="{A5B86005-91FC-46F6-A181-F427C8D66527}"/>
+                  <a16:creationId xmlns:a16="http://schemas.microsoft.com/office/drawing/2014/main" xmlns="" id="{A5B86005-91FC-46F6-A181-F427C8D66527}"/>
                 </a:ext>
               </a:extLst>
             </p:cNvPr>
@@ -7335,7 +6899,7 @@
               <p:cNvPr id="12" name="Retângulo: Cantos Arredondados 11">
                 <a:extLst>
                   <a:ext uri="{FF2B5EF4-FFF2-40B4-BE49-F238E27FC236}">
-                    <a16:creationId xmlns:a16="http://schemas.microsoft.com/office/drawing/2014/main" id="{06E7FB64-63E7-4328-A253-BD838C54B58B}"/>
+                    <a16:creationId xmlns:a16="http://schemas.microsoft.com/office/drawing/2014/main" xmlns="" id="{06E7FB64-63E7-4328-A253-BD838C54B58B}"/>
                   </a:ext>
                 </a:extLst>
               </p:cNvPr>
@@ -7396,7 +6960,7 @@
               <p:cNvPr id="15" name="CaixaDeTexto 14">
                 <a:extLst>
                   <a:ext uri="{FF2B5EF4-FFF2-40B4-BE49-F238E27FC236}">
-                    <a16:creationId xmlns:a16="http://schemas.microsoft.com/office/drawing/2014/main" id="{B6E2CAB3-85BD-4E90-9A4F-458C05C24A6E}"/>
+                    <a16:creationId xmlns:a16="http://schemas.microsoft.com/office/drawing/2014/main" xmlns="" id="{B6E2CAB3-85BD-4E90-9A4F-458C05C24A6E}"/>
                   </a:ext>
                 </a:extLst>
               </p:cNvPr>
@@ -7431,7 +6995,7 @@
               <p:cNvPr id="19" name="Retângulo: Cantos Arredondados 18">
                 <a:extLst>
                   <a:ext uri="{FF2B5EF4-FFF2-40B4-BE49-F238E27FC236}">
-                    <a16:creationId xmlns:a16="http://schemas.microsoft.com/office/drawing/2014/main" id="{B3BE4363-4B0B-4707-878E-4CA3261BE8EC}"/>
+                    <a16:creationId xmlns:a16="http://schemas.microsoft.com/office/drawing/2014/main" xmlns="" id="{B3BE4363-4B0B-4707-878E-4CA3261BE8EC}"/>
                   </a:ext>
                 </a:extLst>
               </p:cNvPr>
@@ -7492,7 +7056,7 @@
               <p:cNvPr id="25" name="Retângulo: Cantos Arredondados 24">
                 <a:extLst>
                   <a:ext uri="{FF2B5EF4-FFF2-40B4-BE49-F238E27FC236}">
-                    <a16:creationId xmlns:a16="http://schemas.microsoft.com/office/drawing/2014/main" id="{334FA522-97C5-4565-B734-B12E774EE2D2}"/>
+                    <a16:creationId xmlns:a16="http://schemas.microsoft.com/office/drawing/2014/main" xmlns="" id="{334FA522-97C5-4565-B734-B12E774EE2D2}"/>
                   </a:ext>
                 </a:extLst>
               </p:cNvPr>
@@ -7558,7 +7122,7 @@
               <p:cNvPr id="27" name="Retângulo: Cantos Arredondados 26">
                 <a:extLst>
                   <a:ext uri="{FF2B5EF4-FFF2-40B4-BE49-F238E27FC236}">
-                    <a16:creationId xmlns:a16="http://schemas.microsoft.com/office/drawing/2014/main" id="{775F83A5-B037-48C8-ABC4-676B34D4AF47}"/>
+                    <a16:creationId xmlns:a16="http://schemas.microsoft.com/office/drawing/2014/main" xmlns="" id="{775F83A5-B037-48C8-ABC4-676B34D4AF47}"/>
                   </a:ext>
                 </a:extLst>
               </p:cNvPr>
@@ -7617,7 +7181,7 @@
             <p:cNvPr id="38" name="Agrupar 37">
               <a:extLst>
                 <a:ext uri="{FF2B5EF4-FFF2-40B4-BE49-F238E27FC236}">
-                  <a16:creationId xmlns:a16="http://schemas.microsoft.com/office/drawing/2014/main" id="{60DCC3DF-978C-4B71-A630-6970168042DC}"/>
+                  <a16:creationId xmlns:a16="http://schemas.microsoft.com/office/drawing/2014/main" xmlns="" id="{60DCC3DF-978C-4B71-A630-6970168042DC}"/>
                 </a:ext>
               </a:extLst>
             </p:cNvPr>
@@ -7637,7 +7201,7 @@
               <p:cNvPr id="39" name="Retângulo: Cantos Arredondados 38">
                 <a:extLst>
                   <a:ext uri="{FF2B5EF4-FFF2-40B4-BE49-F238E27FC236}">
-                    <a16:creationId xmlns:a16="http://schemas.microsoft.com/office/drawing/2014/main" id="{5AB6D179-D189-4AB7-9C91-CE356F4AA467}"/>
+                    <a16:creationId xmlns:a16="http://schemas.microsoft.com/office/drawing/2014/main" xmlns="" id="{5AB6D179-D189-4AB7-9C91-CE356F4AA467}"/>
                   </a:ext>
                 </a:extLst>
               </p:cNvPr>
@@ -7698,7 +7262,7 @@
               <p:cNvPr id="40" name="CaixaDeTexto 39">
                 <a:extLst>
                   <a:ext uri="{FF2B5EF4-FFF2-40B4-BE49-F238E27FC236}">
-                    <a16:creationId xmlns:a16="http://schemas.microsoft.com/office/drawing/2014/main" id="{FAA94211-AED4-4C26-BA80-E5D6269430E3}"/>
+                    <a16:creationId xmlns:a16="http://schemas.microsoft.com/office/drawing/2014/main" xmlns="" id="{FAA94211-AED4-4C26-BA80-E5D6269430E3}"/>
                   </a:ext>
                 </a:extLst>
               </p:cNvPr>
@@ -7733,7 +7297,7 @@
               <p:cNvPr id="41" name="Retângulo: Cantos Arredondados 40">
                 <a:extLst>
                   <a:ext uri="{FF2B5EF4-FFF2-40B4-BE49-F238E27FC236}">
-                    <a16:creationId xmlns:a16="http://schemas.microsoft.com/office/drawing/2014/main" id="{BE9FC312-A980-456B-AA26-297F60190567}"/>
+                    <a16:creationId xmlns:a16="http://schemas.microsoft.com/office/drawing/2014/main" xmlns="" id="{BE9FC312-A980-456B-AA26-297F60190567}"/>
                   </a:ext>
                 </a:extLst>
               </p:cNvPr>
@@ -7794,7 +7358,7 @@
               <p:cNvPr id="42" name="Retângulo: Cantos Arredondados 41">
                 <a:extLst>
                   <a:ext uri="{FF2B5EF4-FFF2-40B4-BE49-F238E27FC236}">
-                    <a16:creationId xmlns:a16="http://schemas.microsoft.com/office/drawing/2014/main" id="{3DDB6B4C-2D2C-4941-B7C8-03BF2694ADE6}"/>
+                    <a16:creationId xmlns:a16="http://schemas.microsoft.com/office/drawing/2014/main" xmlns="" id="{3DDB6B4C-2D2C-4941-B7C8-03BF2694ADE6}"/>
                   </a:ext>
                 </a:extLst>
               </p:cNvPr>
@@ -7860,7 +7424,7 @@
               <p:cNvPr id="43" name="Retângulo: Cantos Arredondados 42">
                 <a:extLst>
                   <a:ext uri="{FF2B5EF4-FFF2-40B4-BE49-F238E27FC236}">
-                    <a16:creationId xmlns:a16="http://schemas.microsoft.com/office/drawing/2014/main" id="{99A0CDDA-FE75-450A-903E-6B21CD100C08}"/>
+                    <a16:creationId xmlns:a16="http://schemas.microsoft.com/office/drawing/2014/main" xmlns="" id="{99A0CDDA-FE75-450A-903E-6B21CD100C08}"/>
                   </a:ext>
                 </a:extLst>
               </p:cNvPr>
@@ -7923,7 +7487,7 @@
           <p:cNvPr id="34" name="CaixaDeTexto 33">
             <a:extLst>
               <a:ext uri="{FF2B5EF4-FFF2-40B4-BE49-F238E27FC236}">
-                <a16:creationId xmlns:a16="http://schemas.microsoft.com/office/drawing/2014/main" id="{4126C0AC-CE3C-4483-962B-F69B5D9E2D13}"/>
+                <a16:creationId xmlns:a16="http://schemas.microsoft.com/office/drawing/2014/main" xmlns="" id="{4126C0AC-CE3C-4483-962B-F69B5D9E2D13}"/>
               </a:ext>
             </a:extLst>
           </p:cNvPr>
@@ -7958,7 +7522,7 @@
           <p:cNvPr id="4" name="Retângulo 3">
             <a:extLst>
               <a:ext uri="{FF2B5EF4-FFF2-40B4-BE49-F238E27FC236}">
-                <a16:creationId xmlns:a16="http://schemas.microsoft.com/office/drawing/2014/main" id="{06EEFDB7-FAE6-49C2-A6C2-3E1C9D997985}"/>
+                <a16:creationId xmlns:a16="http://schemas.microsoft.com/office/drawing/2014/main" xmlns="" id="{06EEFDB7-FAE6-49C2-A6C2-3E1C9D997985}"/>
               </a:ext>
             </a:extLst>
           </p:cNvPr>
@@ -8023,7 +7587,7 @@
           <p:cNvPr id="5" name="Retângulo 4">
             <a:extLst>
               <a:ext uri="{FF2B5EF4-FFF2-40B4-BE49-F238E27FC236}">
-                <a16:creationId xmlns:a16="http://schemas.microsoft.com/office/drawing/2014/main" id="{992B8073-3EDD-49FB-B3A5-8D86665CB1B1}"/>
+                <a16:creationId xmlns:a16="http://schemas.microsoft.com/office/drawing/2014/main" xmlns="" id="{992B8073-3EDD-49FB-B3A5-8D86665CB1B1}"/>
               </a:ext>
             </a:extLst>
           </p:cNvPr>
@@ -8077,7 +7641,7 @@
           <p:cNvPr id="7" name="CaixaDeTexto 6">
             <a:extLst>
               <a:ext uri="{FF2B5EF4-FFF2-40B4-BE49-F238E27FC236}">
-                <a16:creationId xmlns:a16="http://schemas.microsoft.com/office/drawing/2014/main" id="{D0831F10-E807-4AB7-B10B-540158D49ADB}"/>
+                <a16:creationId xmlns:a16="http://schemas.microsoft.com/office/drawing/2014/main" xmlns="" id="{D0831F10-E807-4AB7-B10B-540158D49ADB}"/>
               </a:ext>
             </a:extLst>
           </p:cNvPr>
@@ -8120,7 +7684,7 @@
           <p:cNvPr id="11" name="CaixaDeTexto 10">
             <a:extLst>
               <a:ext uri="{FF2B5EF4-FFF2-40B4-BE49-F238E27FC236}">
-                <a16:creationId xmlns:a16="http://schemas.microsoft.com/office/drawing/2014/main" id="{4813BF99-AFC6-407B-A271-04C2202605CA}"/>
+                <a16:creationId xmlns:a16="http://schemas.microsoft.com/office/drawing/2014/main" xmlns="" id="{4813BF99-AFC6-407B-A271-04C2202605CA}"/>
               </a:ext>
             </a:extLst>
           </p:cNvPr>
@@ -8156,7 +7720,7 @@
           <p:cNvPr id="13" name="CaixaDeTexto 12">
             <a:extLst>
               <a:ext uri="{FF2B5EF4-FFF2-40B4-BE49-F238E27FC236}">
-                <a16:creationId xmlns:a16="http://schemas.microsoft.com/office/drawing/2014/main" id="{6DEBBB9D-A4EC-4C56-9194-327EBFB29918}"/>
+                <a16:creationId xmlns:a16="http://schemas.microsoft.com/office/drawing/2014/main" xmlns="" id="{6DEBBB9D-A4EC-4C56-9194-327EBFB29918}"/>
               </a:ext>
             </a:extLst>
           </p:cNvPr>
@@ -8191,7 +7755,7 @@
           <p:cNvPr id="14" name="CaixaDeTexto 13">
             <a:extLst>
               <a:ext uri="{FF2B5EF4-FFF2-40B4-BE49-F238E27FC236}">
-                <a16:creationId xmlns:a16="http://schemas.microsoft.com/office/drawing/2014/main" id="{DE0C5885-0CC7-49C9-9220-49B280504E17}"/>
+                <a16:creationId xmlns:a16="http://schemas.microsoft.com/office/drawing/2014/main" xmlns="" id="{DE0C5885-0CC7-49C9-9220-49B280504E17}"/>
               </a:ext>
             </a:extLst>
           </p:cNvPr>
@@ -8226,7 +7790,7 @@
           <p:cNvPr id="35" name="Retângulo: Cantos Arredondados 34">
             <a:extLst>
               <a:ext uri="{FF2B5EF4-FFF2-40B4-BE49-F238E27FC236}">
-                <a16:creationId xmlns:a16="http://schemas.microsoft.com/office/drawing/2014/main" id="{F4495A6B-1274-42B6-B1F7-A7961AF78928}"/>
+                <a16:creationId xmlns:a16="http://schemas.microsoft.com/office/drawing/2014/main" xmlns="" id="{F4495A6B-1274-42B6-B1F7-A7961AF78928}"/>
               </a:ext>
             </a:extLst>
           </p:cNvPr>
@@ -8291,7 +7855,7 @@
           <p:cNvPr id="57" name="CaixaDeTexto 56">
             <a:extLst>
               <a:ext uri="{FF2B5EF4-FFF2-40B4-BE49-F238E27FC236}">
-                <a16:creationId xmlns:a16="http://schemas.microsoft.com/office/drawing/2014/main" id="{F70E56E9-140D-4403-8CA8-F5F66B1E69A6}"/>
+                <a16:creationId xmlns:a16="http://schemas.microsoft.com/office/drawing/2014/main" xmlns="" id="{F70E56E9-140D-4403-8CA8-F5F66B1E69A6}"/>
               </a:ext>
             </a:extLst>
           </p:cNvPr>
@@ -8326,7 +7890,7 @@
           <p:cNvPr id="63" name="Imagem 62" descr="Padrão do plano de fundo&#10;&#10;Descrição gerada automaticamente">
             <a:extLst>
               <a:ext uri="{FF2B5EF4-FFF2-40B4-BE49-F238E27FC236}">
-                <a16:creationId xmlns:a16="http://schemas.microsoft.com/office/drawing/2014/main" id="{7AC75D24-9635-4AF2-AEE1-4B00368B40B5}"/>
+                <a16:creationId xmlns:a16="http://schemas.microsoft.com/office/drawing/2014/main" xmlns="" id="{7AC75D24-9635-4AF2-AEE1-4B00368B40B5}"/>
               </a:ext>
             </a:extLst>
           </p:cNvPr>
@@ -8336,7 +7900,7 @@
           <p:nvPr/>
         </p:nvPicPr>
         <p:blipFill>
-          <a:blip r:embed="rId10">
+          <a:blip r:embed="rId11">
             <a:extLst>
               <a:ext uri="{28A0092B-C50C-407E-A947-70E740481C1C}">
                 <a14:useLocalDpi xmlns:a14="http://schemas.microsoft.com/office/drawing/2010/main" val="0"/>
@@ -8362,7 +7926,7 @@
           <p:cNvPr id="65" name="Retângulo: Cantos Arredondados 64">
             <a:extLst>
               <a:ext uri="{FF2B5EF4-FFF2-40B4-BE49-F238E27FC236}">
-                <a16:creationId xmlns:a16="http://schemas.microsoft.com/office/drawing/2014/main" id="{737113BA-DE2A-4474-8D72-199573C88593}"/>
+                <a16:creationId xmlns:a16="http://schemas.microsoft.com/office/drawing/2014/main" xmlns="" id="{737113BA-DE2A-4474-8D72-199573C88593}"/>
               </a:ext>
             </a:extLst>
           </p:cNvPr>
@@ -8422,7 +7986,7 @@
           <p:cNvPr id="69" name="Imagem 68">
             <a:extLst>
               <a:ext uri="{FF2B5EF4-FFF2-40B4-BE49-F238E27FC236}">
-                <a16:creationId xmlns:a16="http://schemas.microsoft.com/office/drawing/2014/main" id="{DBBC57A6-2282-4063-B2EF-23611E5AD3CB}"/>
+                <a16:creationId xmlns:a16="http://schemas.microsoft.com/office/drawing/2014/main" xmlns="" id="{DBBC57A6-2282-4063-B2EF-23611E5AD3CB}"/>
               </a:ext>
             </a:extLst>
           </p:cNvPr>
@@ -8466,7 +8030,7 @@
           <p:cNvPr id="71" name="CaixaDeTexto 70">
             <a:extLst>
               <a:ext uri="{FF2B5EF4-FFF2-40B4-BE49-F238E27FC236}">
-                <a16:creationId xmlns:a16="http://schemas.microsoft.com/office/drawing/2014/main" id="{A1321A4F-EBD8-434D-AB7E-1EDC3EEA27F4}"/>
+                <a16:creationId xmlns:a16="http://schemas.microsoft.com/office/drawing/2014/main" xmlns="" id="{A1321A4F-EBD8-434D-AB7E-1EDC3EEA27F4}"/>
               </a:ext>
             </a:extLst>
           </p:cNvPr>
@@ -8508,7 +8072,7 @@
           <p:cNvPr id="75" name="Retângulo: Cantos Arredondados 74">
             <a:extLst>
               <a:ext uri="{FF2B5EF4-FFF2-40B4-BE49-F238E27FC236}">
-                <a16:creationId xmlns:a16="http://schemas.microsoft.com/office/drawing/2014/main" id="{6C011B01-12E9-48DD-8054-BA279A02C4A1}"/>
+                <a16:creationId xmlns:a16="http://schemas.microsoft.com/office/drawing/2014/main" xmlns="" id="{6C011B01-12E9-48DD-8054-BA279A02C4A1}"/>
               </a:ext>
             </a:extLst>
           </p:cNvPr>
@@ -8869,21 +8433,6 @@
 </file>
 
 <file path=customXml/item1.xml><?xml version="1.0" encoding="utf-8"?>
-<p:properties xmlns:p="http://schemas.microsoft.com/office/2006/metadata/properties" xmlns:xsi="http://www.w3.org/2001/XMLSchema-instance" xmlns:pc="http://schemas.microsoft.com/office/infopath/2007/PartnerControls">
-  <documentManagement/>
-</p:properties>
-</file>
-
-<file path=customXml/item2.xml><?xml version="1.0" encoding="utf-8"?>
-<?mso-contentType ?>
-<FormTemplates xmlns="http://schemas.microsoft.com/sharepoint/v3/contenttype/forms">
-  <Display>DocumentLibraryForm</Display>
-  <Edit>DocumentLibraryForm</Edit>
-  <New>DocumentLibraryForm</New>
-</FormTemplates>
-</file>
-
-<file path=customXml/item3.xml><?xml version="1.0" encoding="utf-8"?>
 <ct:contentTypeSchema xmlns:ct="http://schemas.microsoft.com/office/2006/metadata/contentType" xmlns:ma="http://schemas.microsoft.com/office/2006/metadata/properties/metaAttributes" ct:_="" ma:_="" ma:contentTypeName="Document" ma:contentTypeID="0x010100B98A8EE2A9F7A14F94CEDBF06729C915" ma:contentTypeVersion="2" ma:contentTypeDescription="Create a new document." ma:contentTypeScope="" ma:versionID="54211dd7b80d0a5e350bd2ce1fda18e0">
   <xsd:schema xmlns:xsd="http://www.w3.org/2001/XMLSchema" xmlns:xs="http://www.w3.org/2001/XMLSchema" xmlns:p="http://schemas.microsoft.com/office/2006/metadata/properties" xmlns:ns3="4d0c820a-888c-467f-9883-f2eb09285986" targetNamespace="http://schemas.microsoft.com/office/2006/metadata/properties" ma:root="true" ma:fieldsID="215748a485b3af4a87eff8123adb26da" ns3:_="">
     <xsd:import namespace="4d0c820a-888c-467f-9883-f2eb09285986"/>
@@ -9015,31 +8564,22 @@
 </ct:contentTypeSchema>
 </file>
 
-<file path=customXml/itemProps1.xml><?xml version="1.0" encoding="utf-8"?>
-<ds:datastoreItem xmlns:ds="http://schemas.openxmlformats.org/officeDocument/2006/customXml" ds:itemID="{B1403ECD-64BE-4472-A72B-8AE2B2D302D4}">
-  <ds:schemaRefs>
-    <ds:schemaRef ds:uri="http://schemas.microsoft.com/office/2006/documentManagement/types"/>
-    <ds:schemaRef ds:uri="http://schemas.microsoft.com/office/infopath/2007/PartnerControls"/>
-    <ds:schemaRef ds:uri="http://www.w3.org/XML/1998/namespace"/>
-    <ds:schemaRef ds:uri="4d0c820a-888c-467f-9883-f2eb09285986"/>
-    <ds:schemaRef ds:uri="http://purl.org/dc/terms/"/>
-    <ds:schemaRef ds:uri="http://purl.org/dc/dcmitype/"/>
-    <ds:schemaRef ds:uri="http://purl.org/dc/elements/1.1/"/>
-    <ds:schemaRef ds:uri="http://schemas.openxmlformats.org/package/2006/metadata/core-properties"/>
-    <ds:schemaRef ds:uri="http://schemas.microsoft.com/office/2006/metadata/properties"/>
-  </ds:schemaRefs>
-</ds:datastoreItem>
+<file path=customXml/item2.xml><?xml version="1.0" encoding="utf-8"?>
+<?mso-contentType ?>
+<FormTemplates xmlns="http://schemas.microsoft.com/sharepoint/v3/contenttype/forms">
+  <Display>DocumentLibraryForm</Display>
+  <Edit>DocumentLibraryForm</Edit>
+  <New>DocumentLibraryForm</New>
+</FormTemplates>
 </file>
 
-<file path=customXml/itemProps2.xml><?xml version="1.0" encoding="utf-8"?>
-<ds:datastoreItem xmlns:ds="http://schemas.openxmlformats.org/officeDocument/2006/customXml" ds:itemID="{C361E357-1858-46EE-ADFA-698EE4D9C360}">
-  <ds:schemaRefs>
-    <ds:schemaRef ds:uri="http://schemas.microsoft.com/sharepoint/v3/contenttype/forms"/>
-  </ds:schemaRefs>
-</ds:datastoreItem>
+<file path=customXml/item3.xml><?xml version="1.0" encoding="utf-8"?>
+<p:properties xmlns:p="http://schemas.microsoft.com/office/2006/metadata/properties" xmlns:xsi="http://www.w3.org/2001/XMLSchema-instance" xmlns:pc="http://schemas.microsoft.com/office/infopath/2007/PartnerControls">
+  <documentManagement/>
+</p:properties>
 </file>
 
-<file path=customXml/itemProps3.xml><?xml version="1.0" encoding="utf-8"?>
+<file path=customXml/itemProps1.xml><?xml version="1.0" encoding="utf-8"?>
 <ds:datastoreItem xmlns:ds="http://schemas.openxmlformats.org/officeDocument/2006/customXml" ds:itemID="{94021B74-C88A-417E-AEFD-9E5858425111}">
   <ds:schemaRefs>
     <ds:schemaRef ds:uri="http://schemas.microsoft.com/office/2006/metadata/contentType"/>
@@ -9055,4 +8595,28 @@
     <ds:schemaRef ds:uri="http://schemas.microsoft.com/internal/obd"/>
   </ds:schemaRefs>
 </ds:datastoreItem>
+</file>
+
+<file path=customXml/itemProps2.xml><?xml version="1.0" encoding="utf-8"?>
+<ds:datastoreItem xmlns:ds="http://schemas.openxmlformats.org/officeDocument/2006/customXml" ds:itemID="{C361E357-1858-46EE-ADFA-698EE4D9C360}">
+  <ds:schemaRefs>
+    <ds:schemaRef ds:uri="http://schemas.microsoft.com/sharepoint/v3/contenttype/forms"/>
+  </ds:schemaRefs>
+</ds:datastoreItem>
+</file>
+
+<file path=customXml/itemProps3.xml><?xml version="1.0" encoding="utf-8"?>
+<ds:datastoreItem xmlns:ds="http://schemas.openxmlformats.org/officeDocument/2006/customXml" ds:itemID="{B1403ECD-64BE-4472-A72B-8AE2B2D302D4}">
+  <ds:schemaRefs>
+    <ds:schemaRef ds:uri="http://schemas.microsoft.com/office/2006/documentManagement/types"/>
+    <ds:schemaRef ds:uri="http://schemas.microsoft.com/office/infopath/2007/PartnerControls"/>
+    <ds:schemaRef ds:uri="http://www.w3.org/XML/1998/namespace"/>
+    <ds:schemaRef ds:uri="4d0c820a-888c-467f-9883-f2eb09285986"/>
+    <ds:schemaRef ds:uri="http://purl.org/dc/terms/"/>
+    <ds:schemaRef ds:uri="http://purl.org/dc/dcmitype/"/>
+    <ds:schemaRef ds:uri="http://purl.org/dc/elements/1.1/"/>
+    <ds:schemaRef ds:uri="http://schemas.openxmlformats.org/package/2006/metadata/core-properties"/>
+    <ds:schemaRef ds:uri="http://schemas.microsoft.com/office/2006/metadata/properties"/>
+  </ds:schemaRefs>
+</ds:datastoreItem>
 </file>
--- a/Documentação/HLD.LLD.DIAGRAMA.pptx
+++ b/Documentação/HLD.LLD.DIAGRAMA.pptx
@@ -7,8 +7,6 @@
   <p:sldIdLst>
     <p:sldId id="263" r:id="rId5"/>
     <p:sldId id="266" r:id="rId6"/>
-    <p:sldId id="264" r:id="rId7"/>
-    <p:sldId id="267" r:id="rId8"/>
   </p:sldIdLst>
   <p:sldSz cx="12192000" cy="6858000"/>
   <p:notesSz cx="6858000" cy="9144000"/>
@@ -137,7 +135,7 @@
           <p:cNvPr id="2" name="Título 1">
             <a:extLst>
               <a:ext uri="{FF2B5EF4-FFF2-40B4-BE49-F238E27FC236}">
-                <a16:creationId xmlns:a16="http://schemas.microsoft.com/office/drawing/2014/main" xmlns="" id="{9C9D081C-0F97-4DB2-B545-D20F5456DA1F}"/>
+                <a16:creationId xmlns:a16="http://schemas.microsoft.com/office/drawing/2014/main" id="{9C9D081C-0F97-4DB2-B545-D20F5456DA1F}"/>
               </a:ext>
             </a:extLst>
           </p:cNvPr>
@@ -174,7 +172,7 @@
           <p:cNvPr id="3" name="Subtítulo 2">
             <a:extLst>
               <a:ext uri="{FF2B5EF4-FFF2-40B4-BE49-F238E27FC236}">
-                <a16:creationId xmlns:a16="http://schemas.microsoft.com/office/drawing/2014/main" xmlns="" id="{974DF855-DB25-4F33-BF88-68991EBB3108}"/>
+                <a16:creationId xmlns:a16="http://schemas.microsoft.com/office/drawing/2014/main" id="{974DF855-DB25-4F33-BF88-68991EBB3108}"/>
               </a:ext>
             </a:extLst>
           </p:cNvPr>
@@ -244,7 +242,7 @@
           <p:cNvPr id="4" name="Espaço Reservado para Data 3">
             <a:extLst>
               <a:ext uri="{FF2B5EF4-FFF2-40B4-BE49-F238E27FC236}">
-                <a16:creationId xmlns:a16="http://schemas.microsoft.com/office/drawing/2014/main" xmlns="" id="{035A9201-BCC9-43E0-88C6-004C731F0501}"/>
+                <a16:creationId xmlns:a16="http://schemas.microsoft.com/office/drawing/2014/main" id="{035A9201-BCC9-43E0-88C6-004C731F0501}"/>
               </a:ext>
             </a:extLst>
           </p:cNvPr>
@@ -262,7 +260,7 @@
           <a:p>
             <a:fld id="{7668FBEF-3CD8-4E97-B80F-AF0D925322BB}" type="datetimeFigureOut">
               <a:rPr lang="pt-BR" smtClean="0"/>
-              <a:t>04/12/2020</a:t>
+              <a:t>05/12/2020</a:t>
             </a:fld>
             <a:endParaRPr lang="pt-BR"/>
           </a:p>
@@ -273,7 +271,7 @@
           <p:cNvPr id="5" name="Espaço Reservado para Rodapé 4">
             <a:extLst>
               <a:ext uri="{FF2B5EF4-FFF2-40B4-BE49-F238E27FC236}">
-                <a16:creationId xmlns:a16="http://schemas.microsoft.com/office/drawing/2014/main" xmlns="" id="{EE96D7DF-1FB0-4D05-AF2C-DE6460380CCA}"/>
+                <a16:creationId xmlns:a16="http://schemas.microsoft.com/office/drawing/2014/main" id="{EE96D7DF-1FB0-4D05-AF2C-DE6460380CCA}"/>
               </a:ext>
             </a:extLst>
           </p:cNvPr>
@@ -298,7 +296,7 @@
           <p:cNvPr id="6" name="Espaço Reservado para Número de Slide 5">
             <a:extLst>
               <a:ext uri="{FF2B5EF4-FFF2-40B4-BE49-F238E27FC236}">
-                <a16:creationId xmlns:a16="http://schemas.microsoft.com/office/drawing/2014/main" xmlns="" id="{6B180718-A06F-41B8-BBDE-D69E94F87DB3}"/>
+                <a16:creationId xmlns:a16="http://schemas.microsoft.com/office/drawing/2014/main" id="{6B180718-A06F-41B8-BBDE-D69E94F87DB3}"/>
               </a:ext>
             </a:extLst>
           </p:cNvPr>
@@ -357,7 +355,7 @@
           <p:cNvPr id="2" name="Título 1">
             <a:extLst>
               <a:ext uri="{FF2B5EF4-FFF2-40B4-BE49-F238E27FC236}">
-                <a16:creationId xmlns:a16="http://schemas.microsoft.com/office/drawing/2014/main" xmlns="" id="{06BC62C5-62A3-4C34-B96D-E9772382BB1F}"/>
+                <a16:creationId xmlns:a16="http://schemas.microsoft.com/office/drawing/2014/main" id="{06BC62C5-62A3-4C34-B96D-E9772382BB1F}"/>
               </a:ext>
             </a:extLst>
           </p:cNvPr>
@@ -385,7 +383,7 @@
           <p:cNvPr id="3" name="Espaço Reservado para Texto Vertical 2">
             <a:extLst>
               <a:ext uri="{FF2B5EF4-FFF2-40B4-BE49-F238E27FC236}">
-                <a16:creationId xmlns:a16="http://schemas.microsoft.com/office/drawing/2014/main" xmlns="" id="{5987ABD5-17FB-4334-8D1E-1B9FA7510FEF}"/>
+                <a16:creationId xmlns:a16="http://schemas.microsoft.com/office/drawing/2014/main" id="{5987ABD5-17FB-4334-8D1E-1B9FA7510FEF}"/>
               </a:ext>
             </a:extLst>
           </p:cNvPr>
@@ -442,7 +440,7 @@
           <p:cNvPr id="4" name="Espaço Reservado para Data 3">
             <a:extLst>
               <a:ext uri="{FF2B5EF4-FFF2-40B4-BE49-F238E27FC236}">
-                <a16:creationId xmlns:a16="http://schemas.microsoft.com/office/drawing/2014/main" xmlns="" id="{63B767CF-7B82-479D-B09D-C5ACFB4BF497}"/>
+                <a16:creationId xmlns:a16="http://schemas.microsoft.com/office/drawing/2014/main" id="{63B767CF-7B82-479D-B09D-C5ACFB4BF497}"/>
               </a:ext>
             </a:extLst>
           </p:cNvPr>
@@ -460,7 +458,7 @@
           <a:p>
             <a:fld id="{7668FBEF-3CD8-4E97-B80F-AF0D925322BB}" type="datetimeFigureOut">
               <a:rPr lang="pt-BR" smtClean="0"/>
-              <a:t>04/12/2020</a:t>
+              <a:t>05/12/2020</a:t>
             </a:fld>
             <a:endParaRPr lang="pt-BR"/>
           </a:p>
@@ -471,7 +469,7 @@
           <p:cNvPr id="5" name="Espaço Reservado para Rodapé 4">
             <a:extLst>
               <a:ext uri="{FF2B5EF4-FFF2-40B4-BE49-F238E27FC236}">
-                <a16:creationId xmlns:a16="http://schemas.microsoft.com/office/drawing/2014/main" xmlns="" id="{5813DBE3-B5D1-47C3-9D46-3B12A356FD91}"/>
+                <a16:creationId xmlns:a16="http://schemas.microsoft.com/office/drawing/2014/main" id="{5813DBE3-B5D1-47C3-9D46-3B12A356FD91}"/>
               </a:ext>
             </a:extLst>
           </p:cNvPr>
@@ -496,7 +494,7 @@
           <p:cNvPr id="6" name="Espaço Reservado para Número de Slide 5">
             <a:extLst>
               <a:ext uri="{FF2B5EF4-FFF2-40B4-BE49-F238E27FC236}">
-                <a16:creationId xmlns:a16="http://schemas.microsoft.com/office/drawing/2014/main" xmlns="" id="{FE4F2FBA-5C20-4470-AB3B-CA59CCC90F4E}"/>
+                <a16:creationId xmlns:a16="http://schemas.microsoft.com/office/drawing/2014/main" id="{FE4F2FBA-5C20-4470-AB3B-CA59CCC90F4E}"/>
               </a:ext>
             </a:extLst>
           </p:cNvPr>
@@ -555,7 +553,7 @@
           <p:cNvPr id="2" name="Título Vertical 1">
             <a:extLst>
               <a:ext uri="{FF2B5EF4-FFF2-40B4-BE49-F238E27FC236}">
-                <a16:creationId xmlns:a16="http://schemas.microsoft.com/office/drawing/2014/main" xmlns="" id="{2D0FF3FD-4633-4116-B308-3DC9016524BF}"/>
+                <a16:creationId xmlns:a16="http://schemas.microsoft.com/office/drawing/2014/main" id="{2D0FF3FD-4633-4116-B308-3DC9016524BF}"/>
               </a:ext>
             </a:extLst>
           </p:cNvPr>
@@ -588,7 +586,7 @@
           <p:cNvPr id="3" name="Espaço Reservado para Texto Vertical 2">
             <a:extLst>
               <a:ext uri="{FF2B5EF4-FFF2-40B4-BE49-F238E27FC236}">
-                <a16:creationId xmlns:a16="http://schemas.microsoft.com/office/drawing/2014/main" xmlns="" id="{1CE652A6-6F2A-46CD-9D5C-CED0D3A9FB8F}"/>
+                <a16:creationId xmlns:a16="http://schemas.microsoft.com/office/drawing/2014/main" id="{1CE652A6-6F2A-46CD-9D5C-CED0D3A9FB8F}"/>
               </a:ext>
             </a:extLst>
           </p:cNvPr>
@@ -650,7 +648,7 @@
           <p:cNvPr id="4" name="Espaço Reservado para Data 3">
             <a:extLst>
               <a:ext uri="{FF2B5EF4-FFF2-40B4-BE49-F238E27FC236}">
-                <a16:creationId xmlns:a16="http://schemas.microsoft.com/office/drawing/2014/main" xmlns="" id="{06B13398-15E8-4EBF-B29F-80855CDF7F26}"/>
+                <a16:creationId xmlns:a16="http://schemas.microsoft.com/office/drawing/2014/main" id="{06B13398-15E8-4EBF-B29F-80855CDF7F26}"/>
               </a:ext>
             </a:extLst>
           </p:cNvPr>
@@ -668,7 +666,7 @@
           <a:p>
             <a:fld id="{7668FBEF-3CD8-4E97-B80F-AF0D925322BB}" type="datetimeFigureOut">
               <a:rPr lang="pt-BR" smtClean="0"/>
-              <a:t>04/12/2020</a:t>
+              <a:t>05/12/2020</a:t>
             </a:fld>
             <a:endParaRPr lang="pt-BR"/>
           </a:p>
@@ -679,7 +677,7 @@
           <p:cNvPr id="5" name="Espaço Reservado para Rodapé 4">
             <a:extLst>
               <a:ext uri="{FF2B5EF4-FFF2-40B4-BE49-F238E27FC236}">
-                <a16:creationId xmlns:a16="http://schemas.microsoft.com/office/drawing/2014/main" xmlns="" id="{152F3931-4EA3-4DFF-AB39-EBDC4DD76D8D}"/>
+                <a16:creationId xmlns:a16="http://schemas.microsoft.com/office/drawing/2014/main" id="{152F3931-4EA3-4DFF-AB39-EBDC4DD76D8D}"/>
               </a:ext>
             </a:extLst>
           </p:cNvPr>
@@ -704,7 +702,7 @@
           <p:cNvPr id="6" name="Espaço Reservado para Número de Slide 5">
             <a:extLst>
               <a:ext uri="{FF2B5EF4-FFF2-40B4-BE49-F238E27FC236}">
-                <a16:creationId xmlns:a16="http://schemas.microsoft.com/office/drawing/2014/main" xmlns="" id="{4A6AC45E-BF7F-4F65-9509-B6CF7A6F3748}"/>
+                <a16:creationId xmlns:a16="http://schemas.microsoft.com/office/drawing/2014/main" id="{4A6AC45E-BF7F-4F65-9509-B6CF7A6F3748}"/>
               </a:ext>
             </a:extLst>
           </p:cNvPr>
@@ -763,7 +761,7 @@
           <p:cNvPr id="2" name="Título 1">
             <a:extLst>
               <a:ext uri="{FF2B5EF4-FFF2-40B4-BE49-F238E27FC236}">
-                <a16:creationId xmlns:a16="http://schemas.microsoft.com/office/drawing/2014/main" xmlns="" id="{47080BF8-F94D-4C7B-8946-1F7A9406C1FE}"/>
+                <a16:creationId xmlns:a16="http://schemas.microsoft.com/office/drawing/2014/main" id="{47080BF8-F94D-4C7B-8946-1F7A9406C1FE}"/>
               </a:ext>
             </a:extLst>
           </p:cNvPr>
@@ -791,7 +789,7 @@
           <p:cNvPr id="3" name="Espaço Reservado para Conteúdo 2">
             <a:extLst>
               <a:ext uri="{FF2B5EF4-FFF2-40B4-BE49-F238E27FC236}">
-                <a16:creationId xmlns:a16="http://schemas.microsoft.com/office/drawing/2014/main" xmlns="" id="{87C712CB-843F-4DFE-A432-2CC6CF4A63C7}"/>
+                <a16:creationId xmlns:a16="http://schemas.microsoft.com/office/drawing/2014/main" id="{87C712CB-843F-4DFE-A432-2CC6CF4A63C7}"/>
               </a:ext>
             </a:extLst>
           </p:cNvPr>
@@ -848,7 +846,7 @@
           <p:cNvPr id="4" name="Espaço Reservado para Data 3">
             <a:extLst>
               <a:ext uri="{FF2B5EF4-FFF2-40B4-BE49-F238E27FC236}">
-                <a16:creationId xmlns:a16="http://schemas.microsoft.com/office/drawing/2014/main" xmlns="" id="{C4A7E271-096C-48D0-A96E-AC1F80043C54}"/>
+                <a16:creationId xmlns:a16="http://schemas.microsoft.com/office/drawing/2014/main" id="{C4A7E271-096C-48D0-A96E-AC1F80043C54}"/>
               </a:ext>
             </a:extLst>
           </p:cNvPr>
@@ -866,7 +864,7 @@
           <a:p>
             <a:fld id="{7668FBEF-3CD8-4E97-B80F-AF0D925322BB}" type="datetimeFigureOut">
               <a:rPr lang="pt-BR" smtClean="0"/>
-              <a:t>04/12/2020</a:t>
+              <a:t>05/12/2020</a:t>
             </a:fld>
             <a:endParaRPr lang="pt-BR"/>
           </a:p>
@@ -877,7 +875,7 @@
           <p:cNvPr id="5" name="Espaço Reservado para Rodapé 4">
             <a:extLst>
               <a:ext uri="{FF2B5EF4-FFF2-40B4-BE49-F238E27FC236}">
-                <a16:creationId xmlns:a16="http://schemas.microsoft.com/office/drawing/2014/main" xmlns="" id="{1C722D53-0BCF-4AA5-ABD6-F5F92BE3953B}"/>
+                <a16:creationId xmlns:a16="http://schemas.microsoft.com/office/drawing/2014/main" id="{1C722D53-0BCF-4AA5-ABD6-F5F92BE3953B}"/>
               </a:ext>
             </a:extLst>
           </p:cNvPr>
@@ -902,7 +900,7 @@
           <p:cNvPr id="6" name="Espaço Reservado para Número de Slide 5">
             <a:extLst>
               <a:ext uri="{FF2B5EF4-FFF2-40B4-BE49-F238E27FC236}">
-                <a16:creationId xmlns:a16="http://schemas.microsoft.com/office/drawing/2014/main" xmlns="" id="{23647B80-A0C6-4C68-B4A3-C58B2FB759D3}"/>
+                <a16:creationId xmlns:a16="http://schemas.microsoft.com/office/drawing/2014/main" id="{23647B80-A0C6-4C68-B4A3-C58B2FB759D3}"/>
               </a:ext>
             </a:extLst>
           </p:cNvPr>
@@ -961,7 +959,7 @@
           <p:cNvPr id="2" name="Título 1">
             <a:extLst>
               <a:ext uri="{FF2B5EF4-FFF2-40B4-BE49-F238E27FC236}">
-                <a16:creationId xmlns:a16="http://schemas.microsoft.com/office/drawing/2014/main" xmlns="" id="{0A830081-40B9-4693-9AE9-FB6C802278E0}"/>
+                <a16:creationId xmlns:a16="http://schemas.microsoft.com/office/drawing/2014/main" id="{0A830081-40B9-4693-9AE9-FB6C802278E0}"/>
               </a:ext>
             </a:extLst>
           </p:cNvPr>
@@ -998,7 +996,7 @@
           <p:cNvPr id="3" name="Espaço Reservado para Texto 2">
             <a:extLst>
               <a:ext uri="{FF2B5EF4-FFF2-40B4-BE49-F238E27FC236}">
-                <a16:creationId xmlns:a16="http://schemas.microsoft.com/office/drawing/2014/main" xmlns="" id="{BF5D38DE-E84F-4AD6-B626-13BAC655DDF6}"/>
+                <a16:creationId xmlns:a16="http://schemas.microsoft.com/office/drawing/2014/main" id="{BF5D38DE-E84F-4AD6-B626-13BAC655DDF6}"/>
               </a:ext>
             </a:extLst>
           </p:cNvPr>
@@ -1123,7 +1121,7 @@
           <p:cNvPr id="4" name="Espaço Reservado para Data 3">
             <a:extLst>
               <a:ext uri="{FF2B5EF4-FFF2-40B4-BE49-F238E27FC236}">
-                <a16:creationId xmlns:a16="http://schemas.microsoft.com/office/drawing/2014/main" xmlns="" id="{8BBBB9CE-FE64-4440-89E0-58692A7ED8E5}"/>
+                <a16:creationId xmlns:a16="http://schemas.microsoft.com/office/drawing/2014/main" id="{8BBBB9CE-FE64-4440-89E0-58692A7ED8E5}"/>
               </a:ext>
             </a:extLst>
           </p:cNvPr>
@@ -1141,7 +1139,7 @@
           <a:p>
             <a:fld id="{7668FBEF-3CD8-4E97-B80F-AF0D925322BB}" type="datetimeFigureOut">
               <a:rPr lang="pt-BR" smtClean="0"/>
-              <a:t>04/12/2020</a:t>
+              <a:t>05/12/2020</a:t>
             </a:fld>
             <a:endParaRPr lang="pt-BR"/>
           </a:p>
@@ -1152,7 +1150,7 @@
           <p:cNvPr id="5" name="Espaço Reservado para Rodapé 4">
             <a:extLst>
               <a:ext uri="{FF2B5EF4-FFF2-40B4-BE49-F238E27FC236}">
-                <a16:creationId xmlns:a16="http://schemas.microsoft.com/office/drawing/2014/main" xmlns="" id="{EBABC5BE-E0D5-4A2A-97A7-02EA28F3FD40}"/>
+                <a16:creationId xmlns:a16="http://schemas.microsoft.com/office/drawing/2014/main" id="{EBABC5BE-E0D5-4A2A-97A7-02EA28F3FD40}"/>
               </a:ext>
             </a:extLst>
           </p:cNvPr>
@@ -1177,7 +1175,7 @@
           <p:cNvPr id="6" name="Espaço Reservado para Número de Slide 5">
             <a:extLst>
               <a:ext uri="{FF2B5EF4-FFF2-40B4-BE49-F238E27FC236}">
-                <a16:creationId xmlns:a16="http://schemas.microsoft.com/office/drawing/2014/main" xmlns="" id="{264D844E-38E3-4AEB-95EE-A141D561415B}"/>
+                <a16:creationId xmlns:a16="http://schemas.microsoft.com/office/drawing/2014/main" id="{264D844E-38E3-4AEB-95EE-A141D561415B}"/>
               </a:ext>
             </a:extLst>
           </p:cNvPr>
@@ -1236,7 +1234,7 @@
           <p:cNvPr id="2" name="Título 1">
             <a:extLst>
               <a:ext uri="{FF2B5EF4-FFF2-40B4-BE49-F238E27FC236}">
-                <a16:creationId xmlns:a16="http://schemas.microsoft.com/office/drawing/2014/main" xmlns="" id="{EBD2F67F-68BF-4EC1-8D4E-01B8259ACD92}"/>
+                <a16:creationId xmlns:a16="http://schemas.microsoft.com/office/drawing/2014/main" id="{EBD2F67F-68BF-4EC1-8D4E-01B8259ACD92}"/>
               </a:ext>
             </a:extLst>
           </p:cNvPr>
@@ -1264,7 +1262,7 @@
           <p:cNvPr id="3" name="Espaço Reservado para Conteúdo 2">
             <a:extLst>
               <a:ext uri="{FF2B5EF4-FFF2-40B4-BE49-F238E27FC236}">
-                <a16:creationId xmlns:a16="http://schemas.microsoft.com/office/drawing/2014/main" xmlns="" id="{01974D6A-BCE5-4E24-B4D1-2B2BCA416358}"/>
+                <a16:creationId xmlns:a16="http://schemas.microsoft.com/office/drawing/2014/main" id="{01974D6A-BCE5-4E24-B4D1-2B2BCA416358}"/>
               </a:ext>
             </a:extLst>
           </p:cNvPr>
@@ -1326,7 +1324,7 @@
           <p:cNvPr id="4" name="Espaço Reservado para Conteúdo 3">
             <a:extLst>
               <a:ext uri="{FF2B5EF4-FFF2-40B4-BE49-F238E27FC236}">
-                <a16:creationId xmlns:a16="http://schemas.microsoft.com/office/drawing/2014/main" xmlns="" id="{9D00E5A3-BC4C-4370-B691-96CE002325C1}"/>
+                <a16:creationId xmlns:a16="http://schemas.microsoft.com/office/drawing/2014/main" id="{9D00E5A3-BC4C-4370-B691-96CE002325C1}"/>
               </a:ext>
             </a:extLst>
           </p:cNvPr>
@@ -1388,7 +1386,7 @@
           <p:cNvPr id="5" name="Espaço Reservado para Data 4">
             <a:extLst>
               <a:ext uri="{FF2B5EF4-FFF2-40B4-BE49-F238E27FC236}">
-                <a16:creationId xmlns:a16="http://schemas.microsoft.com/office/drawing/2014/main" xmlns="" id="{301DACF2-7B9C-4039-B450-907946D43F2F}"/>
+                <a16:creationId xmlns:a16="http://schemas.microsoft.com/office/drawing/2014/main" id="{301DACF2-7B9C-4039-B450-907946D43F2F}"/>
               </a:ext>
             </a:extLst>
           </p:cNvPr>
@@ -1406,7 +1404,7 @@
           <a:p>
             <a:fld id="{7668FBEF-3CD8-4E97-B80F-AF0D925322BB}" type="datetimeFigureOut">
               <a:rPr lang="pt-BR" smtClean="0"/>
-              <a:t>04/12/2020</a:t>
+              <a:t>05/12/2020</a:t>
             </a:fld>
             <a:endParaRPr lang="pt-BR"/>
           </a:p>
@@ -1417,7 +1415,7 @@
           <p:cNvPr id="6" name="Espaço Reservado para Rodapé 5">
             <a:extLst>
               <a:ext uri="{FF2B5EF4-FFF2-40B4-BE49-F238E27FC236}">
-                <a16:creationId xmlns:a16="http://schemas.microsoft.com/office/drawing/2014/main" xmlns="" id="{930B2BF7-E597-4DBF-AC42-44D9AC074CA7}"/>
+                <a16:creationId xmlns:a16="http://schemas.microsoft.com/office/drawing/2014/main" id="{930B2BF7-E597-4DBF-AC42-44D9AC074CA7}"/>
               </a:ext>
             </a:extLst>
           </p:cNvPr>
@@ -1442,7 +1440,7 @@
           <p:cNvPr id="7" name="Espaço Reservado para Número de Slide 6">
             <a:extLst>
               <a:ext uri="{FF2B5EF4-FFF2-40B4-BE49-F238E27FC236}">
-                <a16:creationId xmlns:a16="http://schemas.microsoft.com/office/drawing/2014/main" xmlns="" id="{7BD0FD2C-FA19-486B-8614-D5B565DD9F06}"/>
+                <a16:creationId xmlns:a16="http://schemas.microsoft.com/office/drawing/2014/main" id="{7BD0FD2C-FA19-486B-8614-D5B565DD9F06}"/>
               </a:ext>
             </a:extLst>
           </p:cNvPr>
@@ -1501,7 +1499,7 @@
           <p:cNvPr id="2" name="Título 1">
             <a:extLst>
               <a:ext uri="{FF2B5EF4-FFF2-40B4-BE49-F238E27FC236}">
-                <a16:creationId xmlns:a16="http://schemas.microsoft.com/office/drawing/2014/main" xmlns="" id="{D440D9DA-AE47-4C63-817F-6FABBFEAA115}"/>
+                <a16:creationId xmlns:a16="http://schemas.microsoft.com/office/drawing/2014/main" id="{D440D9DA-AE47-4C63-817F-6FABBFEAA115}"/>
               </a:ext>
             </a:extLst>
           </p:cNvPr>
@@ -1534,7 +1532,7 @@
           <p:cNvPr id="3" name="Espaço Reservado para Texto 2">
             <a:extLst>
               <a:ext uri="{FF2B5EF4-FFF2-40B4-BE49-F238E27FC236}">
-                <a16:creationId xmlns:a16="http://schemas.microsoft.com/office/drawing/2014/main" xmlns="" id="{5A79B8A0-431C-46B7-9585-6ED7F0D39EF2}"/>
+                <a16:creationId xmlns:a16="http://schemas.microsoft.com/office/drawing/2014/main" id="{5A79B8A0-431C-46B7-9585-6ED7F0D39EF2}"/>
               </a:ext>
             </a:extLst>
           </p:cNvPr>
@@ -1605,7 +1603,7 @@
           <p:cNvPr id="4" name="Espaço Reservado para Conteúdo 3">
             <a:extLst>
               <a:ext uri="{FF2B5EF4-FFF2-40B4-BE49-F238E27FC236}">
-                <a16:creationId xmlns:a16="http://schemas.microsoft.com/office/drawing/2014/main" xmlns="" id="{D962E492-AB16-4CE4-860D-ADB327B364FA}"/>
+                <a16:creationId xmlns:a16="http://schemas.microsoft.com/office/drawing/2014/main" id="{D962E492-AB16-4CE4-860D-ADB327B364FA}"/>
               </a:ext>
             </a:extLst>
           </p:cNvPr>
@@ -1667,7 +1665,7 @@
           <p:cNvPr id="5" name="Espaço Reservado para Texto 4">
             <a:extLst>
               <a:ext uri="{FF2B5EF4-FFF2-40B4-BE49-F238E27FC236}">
-                <a16:creationId xmlns:a16="http://schemas.microsoft.com/office/drawing/2014/main" xmlns="" id="{205D6EB2-A451-4CFB-A4CE-B757CEC3C34A}"/>
+                <a16:creationId xmlns:a16="http://schemas.microsoft.com/office/drawing/2014/main" id="{205D6EB2-A451-4CFB-A4CE-B757CEC3C34A}"/>
               </a:ext>
             </a:extLst>
           </p:cNvPr>
@@ -1738,7 +1736,7 @@
           <p:cNvPr id="6" name="Espaço Reservado para Conteúdo 5">
             <a:extLst>
               <a:ext uri="{FF2B5EF4-FFF2-40B4-BE49-F238E27FC236}">
-                <a16:creationId xmlns:a16="http://schemas.microsoft.com/office/drawing/2014/main" xmlns="" id="{F5E11F8F-EB23-4782-92C0-5A46225A3CF6}"/>
+                <a16:creationId xmlns:a16="http://schemas.microsoft.com/office/drawing/2014/main" id="{F5E11F8F-EB23-4782-92C0-5A46225A3CF6}"/>
               </a:ext>
             </a:extLst>
           </p:cNvPr>
@@ -1800,7 +1798,7 @@
           <p:cNvPr id="7" name="Espaço Reservado para Data 6">
             <a:extLst>
               <a:ext uri="{FF2B5EF4-FFF2-40B4-BE49-F238E27FC236}">
-                <a16:creationId xmlns:a16="http://schemas.microsoft.com/office/drawing/2014/main" xmlns="" id="{11E705B9-1AE6-4B3F-B142-A57289326F92}"/>
+                <a16:creationId xmlns:a16="http://schemas.microsoft.com/office/drawing/2014/main" id="{11E705B9-1AE6-4B3F-B142-A57289326F92}"/>
               </a:ext>
             </a:extLst>
           </p:cNvPr>
@@ -1818,7 +1816,7 @@
           <a:p>
             <a:fld id="{7668FBEF-3CD8-4E97-B80F-AF0D925322BB}" type="datetimeFigureOut">
               <a:rPr lang="pt-BR" smtClean="0"/>
-              <a:t>04/12/2020</a:t>
+              <a:t>05/12/2020</a:t>
             </a:fld>
             <a:endParaRPr lang="pt-BR"/>
           </a:p>
@@ -1829,7 +1827,7 @@
           <p:cNvPr id="8" name="Espaço Reservado para Rodapé 7">
             <a:extLst>
               <a:ext uri="{FF2B5EF4-FFF2-40B4-BE49-F238E27FC236}">
-                <a16:creationId xmlns:a16="http://schemas.microsoft.com/office/drawing/2014/main" xmlns="" id="{48EF0B24-3FF3-4C27-BEC2-8AC3B23E9DEB}"/>
+                <a16:creationId xmlns:a16="http://schemas.microsoft.com/office/drawing/2014/main" id="{48EF0B24-3FF3-4C27-BEC2-8AC3B23E9DEB}"/>
               </a:ext>
             </a:extLst>
           </p:cNvPr>
@@ -1854,7 +1852,7 @@
           <p:cNvPr id="9" name="Espaço Reservado para Número de Slide 8">
             <a:extLst>
               <a:ext uri="{FF2B5EF4-FFF2-40B4-BE49-F238E27FC236}">
-                <a16:creationId xmlns:a16="http://schemas.microsoft.com/office/drawing/2014/main" xmlns="" id="{E736BDCF-EC0D-4A52-8503-19E7822C8C0C}"/>
+                <a16:creationId xmlns:a16="http://schemas.microsoft.com/office/drawing/2014/main" id="{E736BDCF-EC0D-4A52-8503-19E7822C8C0C}"/>
               </a:ext>
             </a:extLst>
           </p:cNvPr>
@@ -1913,7 +1911,7 @@
           <p:cNvPr id="2" name="Título 1">
             <a:extLst>
               <a:ext uri="{FF2B5EF4-FFF2-40B4-BE49-F238E27FC236}">
-                <a16:creationId xmlns:a16="http://schemas.microsoft.com/office/drawing/2014/main" xmlns="" id="{C8D1AFA6-6735-442E-B80B-24DB69886AF1}"/>
+                <a16:creationId xmlns:a16="http://schemas.microsoft.com/office/drawing/2014/main" id="{C8D1AFA6-6735-442E-B80B-24DB69886AF1}"/>
               </a:ext>
             </a:extLst>
           </p:cNvPr>
@@ -1941,7 +1939,7 @@
           <p:cNvPr id="3" name="Espaço Reservado para Data 2">
             <a:extLst>
               <a:ext uri="{FF2B5EF4-FFF2-40B4-BE49-F238E27FC236}">
-                <a16:creationId xmlns:a16="http://schemas.microsoft.com/office/drawing/2014/main" xmlns="" id="{D7458DFD-4CB5-4F1E-8D2E-970B34448A07}"/>
+                <a16:creationId xmlns:a16="http://schemas.microsoft.com/office/drawing/2014/main" id="{D7458DFD-4CB5-4F1E-8D2E-970B34448A07}"/>
               </a:ext>
             </a:extLst>
           </p:cNvPr>
@@ -1959,7 +1957,7 @@
           <a:p>
             <a:fld id="{7668FBEF-3CD8-4E97-B80F-AF0D925322BB}" type="datetimeFigureOut">
               <a:rPr lang="pt-BR" smtClean="0"/>
-              <a:t>04/12/2020</a:t>
+              <a:t>05/12/2020</a:t>
             </a:fld>
             <a:endParaRPr lang="pt-BR"/>
           </a:p>
@@ -1970,7 +1968,7 @@
           <p:cNvPr id="4" name="Espaço Reservado para Rodapé 3">
             <a:extLst>
               <a:ext uri="{FF2B5EF4-FFF2-40B4-BE49-F238E27FC236}">
-                <a16:creationId xmlns:a16="http://schemas.microsoft.com/office/drawing/2014/main" xmlns="" id="{ED562646-CBF8-4D67-BFF2-FDA6A743285E}"/>
+                <a16:creationId xmlns:a16="http://schemas.microsoft.com/office/drawing/2014/main" id="{ED562646-CBF8-4D67-BFF2-FDA6A743285E}"/>
               </a:ext>
             </a:extLst>
           </p:cNvPr>
@@ -1995,7 +1993,7 @@
           <p:cNvPr id="5" name="Espaço Reservado para Número de Slide 4">
             <a:extLst>
               <a:ext uri="{FF2B5EF4-FFF2-40B4-BE49-F238E27FC236}">
-                <a16:creationId xmlns:a16="http://schemas.microsoft.com/office/drawing/2014/main" xmlns="" id="{7B0FA740-0E87-42AA-8994-E46D3B329A94}"/>
+                <a16:creationId xmlns:a16="http://schemas.microsoft.com/office/drawing/2014/main" id="{7B0FA740-0E87-42AA-8994-E46D3B329A94}"/>
               </a:ext>
             </a:extLst>
           </p:cNvPr>
@@ -2054,7 +2052,7 @@
           <p:cNvPr id="2" name="Espaço Reservado para Data 1">
             <a:extLst>
               <a:ext uri="{FF2B5EF4-FFF2-40B4-BE49-F238E27FC236}">
-                <a16:creationId xmlns:a16="http://schemas.microsoft.com/office/drawing/2014/main" xmlns="" id="{6BA3CBF6-643C-4ACD-AD84-EE4CC969A087}"/>
+                <a16:creationId xmlns:a16="http://schemas.microsoft.com/office/drawing/2014/main" id="{6BA3CBF6-643C-4ACD-AD84-EE4CC969A087}"/>
               </a:ext>
             </a:extLst>
           </p:cNvPr>
@@ -2072,7 +2070,7 @@
           <a:p>
             <a:fld id="{7668FBEF-3CD8-4E97-B80F-AF0D925322BB}" type="datetimeFigureOut">
               <a:rPr lang="pt-BR" smtClean="0"/>
-              <a:t>04/12/2020</a:t>
+              <a:t>05/12/2020</a:t>
             </a:fld>
             <a:endParaRPr lang="pt-BR"/>
           </a:p>
@@ -2083,7 +2081,7 @@
           <p:cNvPr id="3" name="Espaço Reservado para Rodapé 2">
             <a:extLst>
               <a:ext uri="{FF2B5EF4-FFF2-40B4-BE49-F238E27FC236}">
-                <a16:creationId xmlns:a16="http://schemas.microsoft.com/office/drawing/2014/main" xmlns="" id="{DA9E3177-C1C8-47C4-ACAB-13BA6A17B47D}"/>
+                <a16:creationId xmlns:a16="http://schemas.microsoft.com/office/drawing/2014/main" id="{DA9E3177-C1C8-47C4-ACAB-13BA6A17B47D}"/>
               </a:ext>
             </a:extLst>
           </p:cNvPr>
@@ -2108,7 +2106,7 @@
           <p:cNvPr id="4" name="Espaço Reservado para Número de Slide 3">
             <a:extLst>
               <a:ext uri="{FF2B5EF4-FFF2-40B4-BE49-F238E27FC236}">
-                <a16:creationId xmlns:a16="http://schemas.microsoft.com/office/drawing/2014/main" xmlns="" id="{18A5E5DD-60AE-4B3D-BA68-EFB55A852DB6}"/>
+                <a16:creationId xmlns:a16="http://schemas.microsoft.com/office/drawing/2014/main" id="{18A5E5DD-60AE-4B3D-BA68-EFB55A852DB6}"/>
               </a:ext>
             </a:extLst>
           </p:cNvPr>
@@ -2167,7 +2165,7 @@
           <p:cNvPr id="2" name="Título 1">
             <a:extLst>
               <a:ext uri="{FF2B5EF4-FFF2-40B4-BE49-F238E27FC236}">
-                <a16:creationId xmlns:a16="http://schemas.microsoft.com/office/drawing/2014/main" xmlns="" id="{F1DB3F72-ACB8-4452-879C-3475B9D5229B}"/>
+                <a16:creationId xmlns:a16="http://schemas.microsoft.com/office/drawing/2014/main" id="{F1DB3F72-ACB8-4452-879C-3475B9D5229B}"/>
               </a:ext>
             </a:extLst>
           </p:cNvPr>
@@ -2204,7 +2202,7 @@
           <p:cNvPr id="3" name="Espaço Reservado para Conteúdo 2">
             <a:extLst>
               <a:ext uri="{FF2B5EF4-FFF2-40B4-BE49-F238E27FC236}">
-                <a16:creationId xmlns:a16="http://schemas.microsoft.com/office/drawing/2014/main" xmlns="" id="{08B02274-FF04-4E27-8FCE-2872DC8FB29F}"/>
+                <a16:creationId xmlns:a16="http://schemas.microsoft.com/office/drawing/2014/main" id="{08B02274-FF04-4E27-8FCE-2872DC8FB29F}"/>
               </a:ext>
             </a:extLst>
           </p:cNvPr>
@@ -2294,7 +2292,7 @@
           <p:cNvPr id="4" name="Espaço Reservado para Texto 3">
             <a:extLst>
               <a:ext uri="{FF2B5EF4-FFF2-40B4-BE49-F238E27FC236}">
-                <a16:creationId xmlns:a16="http://schemas.microsoft.com/office/drawing/2014/main" xmlns="" id="{05BAC6B0-7C36-443D-BFAF-0DC7FDDB6CE6}"/>
+                <a16:creationId xmlns:a16="http://schemas.microsoft.com/office/drawing/2014/main" id="{05BAC6B0-7C36-443D-BFAF-0DC7FDDB6CE6}"/>
               </a:ext>
             </a:extLst>
           </p:cNvPr>
@@ -2365,7 +2363,7 @@
           <p:cNvPr id="5" name="Espaço Reservado para Data 4">
             <a:extLst>
               <a:ext uri="{FF2B5EF4-FFF2-40B4-BE49-F238E27FC236}">
-                <a16:creationId xmlns:a16="http://schemas.microsoft.com/office/drawing/2014/main" xmlns="" id="{C97A49D8-2ABA-4FAD-A219-DFB616012DE0}"/>
+                <a16:creationId xmlns:a16="http://schemas.microsoft.com/office/drawing/2014/main" id="{C97A49D8-2ABA-4FAD-A219-DFB616012DE0}"/>
               </a:ext>
             </a:extLst>
           </p:cNvPr>
@@ -2383,7 +2381,7 @@
           <a:p>
             <a:fld id="{7668FBEF-3CD8-4E97-B80F-AF0D925322BB}" type="datetimeFigureOut">
               <a:rPr lang="pt-BR" smtClean="0"/>
-              <a:t>04/12/2020</a:t>
+              <a:t>05/12/2020</a:t>
             </a:fld>
             <a:endParaRPr lang="pt-BR"/>
           </a:p>
@@ -2394,7 +2392,7 @@
           <p:cNvPr id="6" name="Espaço Reservado para Rodapé 5">
             <a:extLst>
               <a:ext uri="{FF2B5EF4-FFF2-40B4-BE49-F238E27FC236}">
-                <a16:creationId xmlns:a16="http://schemas.microsoft.com/office/drawing/2014/main" xmlns="" id="{39D0A1B8-190A-4E3C-93DD-D1A92DBB7D1C}"/>
+                <a16:creationId xmlns:a16="http://schemas.microsoft.com/office/drawing/2014/main" id="{39D0A1B8-190A-4E3C-93DD-D1A92DBB7D1C}"/>
               </a:ext>
             </a:extLst>
           </p:cNvPr>
@@ -2419,7 +2417,7 @@
           <p:cNvPr id="7" name="Espaço Reservado para Número de Slide 6">
             <a:extLst>
               <a:ext uri="{FF2B5EF4-FFF2-40B4-BE49-F238E27FC236}">
-                <a16:creationId xmlns:a16="http://schemas.microsoft.com/office/drawing/2014/main" xmlns="" id="{22E076B9-BF23-488D-AAA7-F93C4DEB82F9}"/>
+                <a16:creationId xmlns:a16="http://schemas.microsoft.com/office/drawing/2014/main" id="{22E076B9-BF23-488D-AAA7-F93C4DEB82F9}"/>
               </a:ext>
             </a:extLst>
           </p:cNvPr>
@@ -2478,7 +2476,7 @@
           <p:cNvPr id="2" name="Título 1">
             <a:extLst>
               <a:ext uri="{FF2B5EF4-FFF2-40B4-BE49-F238E27FC236}">
-                <a16:creationId xmlns:a16="http://schemas.microsoft.com/office/drawing/2014/main" xmlns="" id="{1C6E4039-84DB-4D88-ADBC-60DB1A1DA8A2}"/>
+                <a16:creationId xmlns:a16="http://schemas.microsoft.com/office/drawing/2014/main" id="{1C6E4039-84DB-4D88-ADBC-60DB1A1DA8A2}"/>
               </a:ext>
             </a:extLst>
           </p:cNvPr>
@@ -2515,7 +2513,7 @@
           <p:cNvPr id="3" name="Espaço Reservado para Imagem 2">
             <a:extLst>
               <a:ext uri="{FF2B5EF4-FFF2-40B4-BE49-F238E27FC236}">
-                <a16:creationId xmlns:a16="http://schemas.microsoft.com/office/drawing/2014/main" xmlns="" id="{FE66FC34-356A-4619-B939-098A01CD14A4}"/>
+                <a16:creationId xmlns:a16="http://schemas.microsoft.com/office/drawing/2014/main" id="{FE66FC34-356A-4619-B939-098A01CD14A4}"/>
               </a:ext>
             </a:extLst>
           </p:cNvPr>
@@ -2582,7 +2580,7 @@
           <p:cNvPr id="4" name="Espaço Reservado para Texto 3">
             <a:extLst>
               <a:ext uri="{FF2B5EF4-FFF2-40B4-BE49-F238E27FC236}">
-                <a16:creationId xmlns:a16="http://schemas.microsoft.com/office/drawing/2014/main" xmlns="" id="{2D1C9864-964D-4D8C-B33B-711212ACB318}"/>
+                <a16:creationId xmlns:a16="http://schemas.microsoft.com/office/drawing/2014/main" id="{2D1C9864-964D-4D8C-B33B-711212ACB318}"/>
               </a:ext>
             </a:extLst>
           </p:cNvPr>
@@ -2653,7 +2651,7 @@
           <p:cNvPr id="5" name="Espaço Reservado para Data 4">
             <a:extLst>
               <a:ext uri="{FF2B5EF4-FFF2-40B4-BE49-F238E27FC236}">
-                <a16:creationId xmlns:a16="http://schemas.microsoft.com/office/drawing/2014/main" xmlns="" id="{F9CE9AEF-2284-498A-B9EE-89DBE7B003CE}"/>
+                <a16:creationId xmlns:a16="http://schemas.microsoft.com/office/drawing/2014/main" id="{F9CE9AEF-2284-498A-B9EE-89DBE7B003CE}"/>
               </a:ext>
             </a:extLst>
           </p:cNvPr>
@@ -2671,7 +2669,7 @@
           <a:p>
             <a:fld id="{7668FBEF-3CD8-4E97-B80F-AF0D925322BB}" type="datetimeFigureOut">
               <a:rPr lang="pt-BR" smtClean="0"/>
-              <a:t>04/12/2020</a:t>
+              <a:t>05/12/2020</a:t>
             </a:fld>
             <a:endParaRPr lang="pt-BR"/>
           </a:p>
@@ -2682,7 +2680,7 @@
           <p:cNvPr id="6" name="Espaço Reservado para Rodapé 5">
             <a:extLst>
               <a:ext uri="{FF2B5EF4-FFF2-40B4-BE49-F238E27FC236}">
-                <a16:creationId xmlns:a16="http://schemas.microsoft.com/office/drawing/2014/main" xmlns="" id="{E8DD3157-6B63-4D9B-B816-0DE04861777F}"/>
+                <a16:creationId xmlns:a16="http://schemas.microsoft.com/office/drawing/2014/main" id="{E8DD3157-6B63-4D9B-B816-0DE04861777F}"/>
               </a:ext>
             </a:extLst>
           </p:cNvPr>
@@ -2707,7 +2705,7 @@
           <p:cNvPr id="7" name="Espaço Reservado para Número de Slide 6">
             <a:extLst>
               <a:ext uri="{FF2B5EF4-FFF2-40B4-BE49-F238E27FC236}">
-                <a16:creationId xmlns:a16="http://schemas.microsoft.com/office/drawing/2014/main" xmlns="" id="{757F54A0-57B1-44CC-8CDD-CA3EAA4B0189}"/>
+                <a16:creationId xmlns:a16="http://schemas.microsoft.com/office/drawing/2014/main" id="{757F54A0-57B1-44CC-8CDD-CA3EAA4B0189}"/>
               </a:ext>
             </a:extLst>
           </p:cNvPr>
@@ -2771,7 +2769,7 @@
           <p:cNvPr id="2" name="Espaço Reservado para Título 1">
             <a:extLst>
               <a:ext uri="{FF2B5EF4-FFF2-40B4-BE49-F238E27FC236}">
-                <a16:creationId xmlns:a16="http://schemas.microsoft.com/office/drawing/2014/main" xmlns="" id="{DF3B372A-336D-49A1-8E4C-C2772470E717}"/>
+                <a16:creationId xmlns:a16="http://schemas.microsoft.com/office/drawing/2014/main" id="{DF3B372A-336D-49A1-8E4C-C2772470E717}"/>
               </a:ext>
             </a:extLst>
           </p:cNvPr>
@@ -2809,7 +2807,7 @@
           <p:cNvPr id="3" name="Espaço Reservado para Texto 2">
             <a:extLst>
               <a:ext uri="{FF2B5EF4-FFF2-40B4-BE49-F238E27FC236}">
-                <a16:creationId xmlns:a16="http://schemas.microsoft.com/office/drawing/2014/main" xmlns="" id="{FF8D6751-AF01-43BA-BC96-8236D09E671A}"/>
+                <a16:creationId xmlns:a16="http://schemas.microsoft.com/office/drawing/2014/main" id="{FF8D6751-AF01-43BA-BC96-8236D09E671A}"/>
               </a:ext>
             </a:extLst>
           </p:cNvPr>
@@ -2876,7 +2874,7 @@
           <p:cNvPr id="4" name="Espaço Reservado para Data 3">
             <a:extLst>
               <a:ext uri="{FF2B5EF4-FFF2-40B4-BE49-F238E27FC236}">
-                <a16:creationId xmlns:a16="http://schemas.microsoft.com/office/drawing/2014/main" xmlns="" id="{717400A4-F695-495F-8D3A-44F247634C38}"/>
+                <a16:creationId xmlns:a16="http://schemas.microsoft.com/office/drawing/2014/main" id="{717400A4-F695-495F-8D3A-44F247634C38}"/>
               </a:ext>
             </a:extLst>
           </p:cNvPr>
@@ -2912,7 +2910,7 @@
           <a:p>
             <a:fld id="{7668FBEF-3CD8-4E97-B80F-AF0D925322BB}" type="datetimeFigureOut">
               <a:rPr lang="pt-BR" smtClean="0"/>
-              <a:t>04/12/2020</a:t>
+              <a:t>05/12/2020</a:t>
             </a:fld>
             <a:endParaRPr lang="pt-BR"/>
           </a:p>
@@ -2923,7 +2921,7 @@
           <p:cNvPr id="5" name="Espaço Reservado para Rodapé 4">
             <a:extLst>
               <a:ext uri="{FF2B5EF4-FFF2-40B4-BE49-F238E27FC236}">
-                <a16:creationId xmlns:a16="http://schemas.microsoft.com/office/drawing/2014/main" xmlns="" id="{AE9E5EC4-6EE9-4001-83FB-7B2CEDC8F6C1}"/>
+                <a16:creationId xmlns:a16="http://schemas.microsoft.com/office/drawing/2014/main" id="{AE9E5EC4-6EE9-4001-83FB-7B2CEDC8F6C1}"/>
               </a:ext>
             </a:extLst>
           </p:cNvPr>
@@ -2966,7 +2964,7 @@
           <p:cNvPr id="6" name="Espaço Reservado para Número de Slide 5">
             <a:extLst>
               <a:ext uri="{FF2B5EF4-FFF2-40B4-BE49-F238E27FC236}">
-                <a16:creationId xmlns:a16="http://schemas.microsoft.com/office/drawing/2014/main" xmlns="" id="{23F1441C-AB1F-4113-A9EA-CFBBA3E5D38B}"/>
+                <a16:creationId xmlns:a16="http://schemas.microsoft.com/office/drawing/2014/main" id="{23F1441C-AB1F-4113-A9EA-CFBBA3E5D38B}"/>
               </a:ext>
             </a:extLst>
           </p:cNvPr>
@@ -3334,7 +3332,7 @@
           <p:cNvPr id="5" name="CaixaDeTexto 4">
             <a:extLst>
               <a:ext uri="{FF2B5EF4-FFF2-40B4-BE49-F238E27FC236}">
-                <a16:creationId xmlns:a16="http://schemas.microsoft.com/office/drawing/2014/main" xmlns="" id="{3A0E2E5A-1CDB-49BC-9C37-FC86C36DA909}"/>
+                <a16:creationId xmlns:a16="http://schemas.microsoft.com/office/drawing/2014/main" id="{3A0E2E5A-1CDB-49BC-9C37-FC86C36DA909}"/>
               </a:ext>
             </a:extLst>
           </p:cNvPr>
@@ -3370,7 +3368,7 @@
           <p:cNvPr id="6" name="CaixaDeTexto 5">
             <a:extLst>
               <a:ext uri="{FF2B5EF4-FFF2-40B4-BE49-F238E27FC236}">
-                <a16:creationId xmlns:a16="http://schemas.microsoft.com/office/drawing/2014/main" xmlns="" id="{412904C5-8378-4A99-AC6C-897C51F80497}"/>
+                <a16:creationId xmlns:a16="http://schemas.microsoft.com/office/drawing/2014/main" id="{412904C5-8378-4A99-AC6C-897C51F80497}"/>
               </a:ext>
             </a:extLst>
           </p:cNvPr>
@@ -3406,7 +3404,7 @@
           <p:cNvPr id="10" name="Imagem 9">
             <a:extLst>
               <a:ext uri="{FF2B5EF4-FFF2-40B4-BE49-F238E27FC236}">
-                <a16:creationId xmlns:a16="http://schemas.microsoft.com/office/drawing/2014/main" xmlns="" id="{AD925734-A883-4E00-A8F5-5539F9E089B0}"/>
+                <a16:creationId xmlns:a16="http://schemas.microsoft.com/office/drawing/2014/main" id="{AD925734-A883-4E00-A8F5-5539F9E089B0}"/>
               </a:ext>
             </a:extLst>
           </p:cNvPr>
@@ -3451,7 +3449,7 @@
           <p:cNvPr id="12" name="Imagem 11">
             <a:extLst>
               <a:ext uri="{FF2B5EF4-FFF2-40B4-BE49-F238E27FC236}">
-                <a16:creationId xmlns:a16="http://schemas.microsoft.com/office/drawing/2014/main" xmlns="" id="{B36E72DB-7364-407A-ADAA-356DC5102CC1}"/>
+                <a16:creationId xmlns:a16="http://schemas.microsoft.com/office/drawing/2014/main" id="{B36E72DB-7364-407A-ADAA-356DC5102CC1}"/>
               </a:ext>
             </a:extLst>
           </p:cNvPr>
@@ -3496,7 +3494,7 @@
           <p:cNvPr id="14" name="Imagem 13">
             <a:extLst>
               <a:ext uri="{FF2B5EF4-FFF2-40B4-BE49-F238E27FC236}">
-                <a16:creationId xmlns:a16="http://schemas.microsoft.com/office/drawing/2014/main" xmlns="" id="{7C95BA3E-B087-497F-A2F7-17D2ACAB588D}"/>
+                <a16:creationId xmlns:a16="http://schemas.microsoft.com/office/drawing/2014/main" id="{7C95BA3E-B087-497F-A2F7-17D2ACAB588D}"/>
               </a:ext>
             </a:extLst>
           </p:cNvPr>
@@ -3540,7 +3538,7 @@
           <p:cNvPr id="16" name="Imagem 15">
             <a:extLst>
               <a:ext uri="{FF2B5EF4-FFF2-40B4-BE49-F238E27FC236}">
-                <a16:creationId xmlns:a16="http://schemas.microsoft.com/office/drawing/2014/main" xmlns="" id="{6E1ED496-9576-424C-A6D8-1A33B907F447}"/>
+                <a16:creationId xmlns:a16="http://schemas.microsoft.com/office/drawing/2014/main" id="{6E1ED496-9576-424C-A6D8-1A33B907F447}"/>
               </a:ext>
             </a:extLst>
           </p:cNvPr>
@@ -3576,7 +3574,7 @@
           <p:cNvPr id="20" name="Imagem 19">
             <a:extLst>
               <a:ext uri="{FF2B5EF4-FFF2-40B4-BE49-F238E27FC236}">
-                <a16:creationId xmlns:a16="http://schemas.microsoft.com/office/drawing/2014/main" xmlns="" id="{6711525F-D16D-41C7-AB3E-9799DB511FA0}"/>
+                <a16:creationId xmlns:a16="http://schemas.microsoft.com/office/drawing/2014/main" id="{6711525F-D16D-41C7-AB3E-9799DB511FA0}"/>
               </a:ext>
             </a:extLst>
           </p:cNvPr>
@@ -3620,7 +3618,7 @@
           <p:cNvPr id="29" name="Imagem 28" descr="Ícone&#10;&#10;Descrição gerada automaticamente">
             <a:extLst>
               <a:ext uri="{FF2B5EF4-FFF2-40B4-BE49-F238E27FC236}">
-                <a16:creationId xmlns:a16="http://schemas.microsoft.com/office/drawing/2014/main" xmlns="" id="{43FB11AC-C448-4F44-B61E-41B39317BF92}"/>
+                <a16:creationId xmlns:a16="http://schemas.microsoft.com/office/drawing/2014/main" id="{43FB11AC-C448-4F44-B61E-41B39317BF92}"/>
               </a:ext>
             </a:extLst>
           </p:cNvPr>
@@ -3656,7 +3654,7 @@
           <p:cNvPr id="31" name="Imagem 30" descr="Ícone&#10;&#10;Descrição gerada automaticamente">
             <a:extLst>
               <a:ext uri="{FF2B5EF4-FFF2-40B4-BE49-F238E27FC236}">
-                <a16:creationId xmlns:a16="http://schemas.microsoft.com/office/drawing/2014/main" xmlns="" id="{E015E4BB-65D7-4162-A599-1A3DABA35918}"/>
+                <a16:creationId xmlns:a16="http://schemas.microsoft.com/office/drawing/2014/main" id="{E015E4BB-65D7-4162-A599-1A3DABA35918}"/>
               </a:ext>
             </a:extLst>
           </p:cNvPr>
@@ -3692,7 +3690,7 @@
           <p:cNvPr id="37" name="Imagem 36" descr="Uma imagem contendo relógio&#10;&#10;Descrição gerada automaticamente">
             <a:extLst>
               <a:ext uri="{FF2B5EF4-FFF2-40B4-BE49-F238E27FC236}">
-                <a16:creationId xmlns:a16="http://schemas.microsoft.com/office/drawing/2014/main" xmlns="" id="{CAF8B920-9A4F-406A-AB75-211B681E233E}"/>
+                <a16:creationId xmlns:a16="http://schemas.microsoft.com/office/drawing/2014/main" id="{CAF8B920-9A4F-406A-AB75-211B681E233E}"/>
               </a:ext>
             </a:extLst>
           </p:cNvPr>
@@ -3728,7 +3726,7 @@
           <p:cNvPr id="39" name="Imagem 38" descr="Ícone&#10;&#10;Descrição gerada automaticamente">
             <a:extLst>
               <a:ext uri="{FF2B5EF4-FFF2-40B4-BE49-F238E27FC236}">
-                <a16:creationId xmlns:a16="http://schemas.microsoft.com/office/drawing/2014/main" xmlns="" id="{F75E5FE2-0419-4BCC-A15C-8DE54005C9B2}"/>
+                <a16:creationId xmlns:a16="http://schemas.microsoft.com/office/drawing/2014/main" id="{F75E5FE2-0419-4BCC-A15C-8DE54005C9B2}"/>
               </a:ext>
             </a:extLst>
           </p:cNvPr>
@@ -3764,7 +3762,7 @@
           <p:cNvPr id="2" name="CaixaDeTexto 1">
             <a:extLst>
               <a:ext uri="{FF2B5EF4-FFF2-40B4-BE49-F238E27FC236}">
-                <a16:creationId xmlns:a16="http://schemas.microsoft.com/office/drawing/2014/main" xmlns="" id="{9785855B-0C06-475A-8CEB-38B9B93C5421}"/>
+                <a16:creationId xmlns:a16="http://schemas.microsoft.com/office/drawing/2014/main" id="{9785855B-0C06-475A-8CEB-38B9B93C5421}"/>
               </a:ext>
             </a:extLst>
           </p:cNvPr>
@@ -3799,7 +3797,7 @@
           <p:cNvPr id="18" name="CaixaDeTexto 17">
             <a:extLst>
               <a:ext uri="{FF2B5EF4-FFF2-40B4-BE49-F238E27FC236}">
-                <a16:creationId xmlns:a16="http://schemas.microsoft.com/office/drawing/2014/main" xmlns="" id="{5E16D9AB-B401-4B00-98D4-EFE0768B70EC}"/>
+                <a16:creationId xmlns:a16="http://schemas.microsoft.com/office/drawing/2014/main" id="{5E16D9AB-B401-4B00-98D4-EFE0768B70EC}"/>
               </a:ext>
             </a:extLst>
           </p:cNvPr>
@@ -3835,7 +3833,7 @@
           <p:cNvPr id="21" name="CaixaDeTexto 20">
             <a:extLst>
               <a:ext uri="{FF2B5EF4-FFF2-40B4-BE49-F238E27FC236}">
-                <a16:creationId xmlns:a16="http://schemas.microsoft.com/office/drawing/2014/main" xmlns="" id="{8FAB4AC2-1CFF-4CA5-BD50-F2D84F81A361}"/>
+                <a16:creationId xmlns:a16="http://schemas.microsoft.com/office/drawing/2014/main" id="{8FAB4AC2-1CFF-4CA5-BD50-F2D84F81A361}"/>
               </a:ext>
             </a:extLst>
           </p:cNvPr>
@@ -3871,7 +3869,7 @@
           <p:cNvPr id="23" name="CaixaDeTexto 22">
             <a:extLst>
               <a:ext uri="{FF2B5EF4-FFF2-40B4-BE49-F238E27FC236}">
-                <a16:creationId xmlns:a16="http://schemas.microsoft.com/office/drawing/2014/main" xmlns="" id="{752684E8-841F-414C-92C0-6E2CF31C3DA7}"/>
+                <a16:creationId xmlns:a16="http://schemas.microsoft.com/office/drawing/2014/main" id="{752684E8-841F-414C-92C0-6E2CF31C3DA7}"/>
               </a:ext>
             </a:extLst>
           </p:cNvPr>
@@ -3912,13 +3910,6 @@
   <p:clrMapOvr>
     <a:masterClrMapping/>
   </p:clrMapOvr>
-  <p:timing>
-    <p:tnLst>
-      <p:par>
-        <p:cTn id="1" dur="indefinite" restart="never" nodeType="tmRoot"/>
-      </p:par>
-    </p:tnLst>
-  </p:timing>
 </p:sld>
 </file>
 
@@ -3944,7 +3935,7 @@
           <p:cNvPr id="24" name="Imagem 23" descr="Forma&#10;&#10;Descrição gerada automaticamente">
             <a:extLst>
               <a:ext uri="{FF2B5EF4-FFF2-40B4-BE49-F238E27FC236}">
-                <a16:creationId xmlns:a16="http://schemas.microsoft.com/office/drawing/2014/main" xmlns="" id="{5C7DD506-50B1-460C-BA22-4C94A74330EA}"/>
+                <a16:creationId xmlns:a16="http://schemas.microsoft.com/office/drawing/2014/main" id="{5C7DD506-50B1-460C-BA22-4C94A74330EA}"/>
               </a:ext>
             </a:extLst>
           </p:cNvPr>
@@ -3966,8 +3957,8 @@
         </p:blipFill>
         <p:spPr>
           <a:xfrm>
-            <a:off x="2523762" y="-254526"/>
-            <a:ext cx="6434138" cy="3758332"/>
+            <a:off x="2454691" y="0"/>
+            <a:ext cx="7016269" cy="3671045"/>
           </a:xfrm>
           <a:prstGeom prst="rect">
             <a:avLst/>
@@ -3979,7 +3970,7 @@
           <p:cNvPr id="16" name="Imagem 15">
             <a:extLst>
               <a:ext uri="{FF2B5EF4-FFF2-40B4-BE49-F238E27FC236}">
-                <a16:creationId xmlns:a16="http://schemas.microsoft.com/office/drawing/2014/main" xmlns="" id="{F080E30E-48F9-44E0-BB36-75BC3D0889E5}"/>
+                <a16:creationId xmlns:a16="http://schemas.microsoft.com/office/drawing/2014/main" id="{F080E30E-48F9-44E0-BB36-75BC3D0889E5}"/>
               </a:ext>
             </a:extLst>
           </p:cNvPr>
@@ -4002,8 +3993,8 @@
         </p:blipFill>
         <p:spPr>
           <a:xfrm>
-            <a:off x="2086576" y="5206536"/>
-            <a:ext cx="1678256" cy="1325479"/>
+            <a:off x="1006679" y="4576595"/>
+            <a:ext cx="2437376" cy="1925029"/>
           </a:xfrm>
           <a:prstGeom prst="rect">
             <a:avLst/>
@@ -4015,7 +4006,7 @@
           <p:cNvPr id="68" name="Conector de Seta Reta 67">
             <a:extLst>
               <a:ext uri="{FF2B5EF4-FFF2-40B4-BE49-F238E27FC236}">
-                <a16:creationId xmlns:a16="http://schemas.microsoft.com/office/drawing/2014/main" xmlns="" id="{8C10B952-8765-4D4B-A28B-A6F214A05649}"/>
+                <a16:creationId xmlns:a16="http://schemas.microsoft.com/office/drawing/2014/main" id="{8C10B952-8765-4D4B-A28B-A6F214A05649}"/>
               </a:ext>
             </a:extLst>
           </p:cNvPr>
@@ -4026,8 +4017,8 @@
         </p:nvCxnSpPr>
         <p:spPr>
           <a:xfrm flipV="1">
-            <a:off x="4000942" y="3565717"/>
-            <a:ext cx="374452" cy="55709"/>
+            <a:off x="3825552" y="3602349"/>
+            <a:ext cx="342159" cy="257544"/>
           </a:xfrm>
           <a:prstGeom prst="straightConnector1">
             <a:avLst/>
@@ -4062,7 +4053,7 @@
           <p:cNvPr id="72" name="Conector de Seta Reta 71">
             <a:extLst>
               <a:ext uri="{FF2B5EF4-FFF2-40B4-BE49-F238E27FC236}">
-                <a16:creationId xmlns:a16="http://schemas.microsoft.com/office/drawing/2014/main" xmlns="" id="{E39A84D5-791D-428F-8A43-562265A600C5}"/>
+                <a16:creationId xmlns:a16="http://schemas.microsoft.com/office/drawing/2014/main" id="{E39A84D5-791D-428F-8A43-562265A600C5}"/>
               </a:ext>
             </a:extLst>
           </p:cNvPr>
@@ -4073,8 +4064,8 @@
         </p:nvCxnSpPr>
         <p:spPr>
           <a:xfrm flipH="1" flipV="1">
-            <a:off x="7032173" y="3565717"/>
-            <a:ext cx="455527" cy="114324"/>
+            <a:off x="8219165" y="3595568"/>
+            <a:ext cx="236938" cy="289252"/>
           </a:xfrm>
           <a:prstGeom prst="straightConnector1">
             <a:avLst/>
@@ -4109,7 +4100,7 @@
           <p:cNvPr id="91" name="Imagem 90">
             <a:extLst>
               <a:ext uri="{FF2B5EF4-FFF2-40B4-BE49-F238E27FC236}">
-                <a16:creationId xmlns:a16="http://schemas.microsoft.com/office/drawing/2014/main" xmlns="" id="{413FCE52-9E42-42C4-8D09-B45934FDA216}"/>
+                <a16:creationId xmlns:a16="http://schemas.microsoft.com/office/drawing/2014/main" id="{413FCE52-9E42-42C4-8D09-B45934FDA216}"/>
               </a:ext>
             </a:extLst>
           </p:cNvPr>
@@ -4132,8 +4123,8 @@
         </p:blipFill>
         <p:spPr>
           <a:xfrm>
-            <a:off x="8331205" y="5337511"/>
-            <a:ext cx="1240498" cy="979740"/>
+            <a:off x="8532420" y="4832060"/>
+            <a:ext cx="1902490" cy="1502579"/>
           </a:xfrm>
           <a:prstGeom prst="rect">
             <a:avLst/>
@@ -4145,7 +4136,7 @@
           <p:cNvPr id="93" name="Imagem 92">
             <a:extLst>
               <a:ext uri="{FF2B5EF4-FFF2-40B4-BE49-F238E27FC236}">
-                <a16:creationId xmlns:a16="http://schemas.microsoft.com/office/drawing/2014/main" xmlns="" id="{63E9CCF7-0455-42A7-B3B4-AEC2412E858C}"/>
+                <a16:creationId xmlns:a16="http://schemas.microsoft.com/office/drawing/2014/main" id="{63E9CCF7-0455-42A7-B3B4-AEC2412E858C}"/>
               </a:ext>
             </a:extLst>
           </p:cNvPr>
@@ -4168,8 +4159,8 @@
         </p:blipFill>
         <p:spPr>
           <a:xfrm>
-            <a:off x="8760658" y="4900498"/>
-            <a:ext cx="381592" cy="381592"/>
+            <a:off x="9145984" y="4246326"/>
+            <a:ext cx="519499" cy="519499"/>
           </a:xfrm>
           <a:prstGeom prst="rect">
             <a:avLst/>
@@ -4181,7 +4172,7 @@
           <p:cNvPr id="94" name="Imagem 93">
             <a:extLst>
               <a:ext uri="{FF2B5EF4-FFF2-40B4-BE49-F238E27FC236}">
-                <a16:creationId xmlns:a16="http://schemas.microsoft.com/office/drawing/2014/main" xmlns="" id="{B79F862E-D809-4A78-AAE4-6CF63FB26508}"/>
+                <a16:creationId xmlns:a16="http://schemas.microsoft.com/office/drawing/2014/main" id="{B79F862E-D809-4A78-AAE4-6CF63FB26508}"/>
               </a:ext>
             </a:extLst>
           </p:cNvPr>
@@ -4204,8 +4195,8 @@
         </p:blipFill>
         <p:spPr>
           <a:xfrm>
-            <a:off x="2654313" y="4900498"/>
-            <a:ext cx="381592" cy="381592"/>
+            <a:off x="1546191" y="4033785"/>
+            <a:ext cx="510968" cy="510968"/>
           </a:xfrm>
           <a:prstGeom prst="rect">
             <a:avLst/>
@@ -4214,10 +4205,46 @@
       </p:pic>
       <p:pic>
         <p:nvPicPr>
-          <p:cNvPr id="96" name="Imagem 95">
-            <a:extLst>
-              <a:ext uri="{FF2B5EF4-FFF2-40B4-BE49-F238E27FC236}">
-                <a16:creationId xmlns:a16="http://schemas.microsoft.com/office/drawing/2014/main" xmlns="" id="{8DE40ABE-F94D-4D51-B26D-5742CE5B7B23}"/>
+          <p:cNvPr id="97" name="Imagem 96">
+            <a:extLst>
+              <a:ext uri="{FF2B5EF4-FFF2-40B4-BE49-F238E27FC236}">
+                <a16:creationId xmlns:a16="http://schemas.microsoft.com/office/drawing/2014/main" id="{1E1D9264-4478-4D21-90D1-CC0A88EEBE02}"/>
+              </a:ext>
+            </a:extLst>
+          </p:cNvPr>
+          <p:cNvPicPr>
+            <a:picLocks noChangeAspect="1"/>
+          </p:cNvPicPr>
+          <p:nvPr/>
+        </p:nvPicPr>
+        <p:blipFill>
+          <a:blip r:embed="rId5" cstate="print">
+            <a:extLst>
+              <a:ext uri="{28A0092B-C50C-407E-A947-70E740481C1C}">
+                <a14:useLocalDpi xmlns:a14="http://schemas.microsoft.com/office/drawing/2010/main" val="0"/>
+              </a:ext>
+            </a:extLst>
+          </a:blip>
+          <a:stretch>
+            <a:fillRect/>
+          </a:stretch>
+        </p:blipFill>
+        <p:spPr>
+          <a:xfrm>
+            <a:off x="11010891" y="4779816"/>
+            <a:ext cx="381592" cy="381592"/>
+          </a:xfrm>
+          <a:prstGeom prst="rect">
+            <a:avLst/>
+          </a:prstGeom>
+        </p:spPr>
+      </p:pic>
+      <p:pic>
+        <p:nvPicPr>
+          <p:cNvPr id="110" name="Imagem 109">
+            <a:extLst>
+              <a:ext uri="{FF2B5EF4-FFF2-40B4-BE49-F238E27FC236}">
+                <a16:creationId xmlns:a16="http://schemas.microsoft.com/office/drawing/2014/main" id="{48EAE7C9-853C-4C62-BE4F-77E1FF7A2142}"/>
               </a:ext>
             </a:extLst>
           </p:cNvPr>
@@ -4240,8 +4267,8 @@
         </p:blipFill>
         <p:spPr>
           <a:xfrm>
-            <a:off x="10070787" y="5333844"/>
-            <a:ext cx="927724" cy="979740"/>
+            <a:off x="8853705" y="4987050"/>
+            <a:ext cx="374514" cy="374514"/>
           </a:xfrm>
           <a:prstGeom prst="rect">
             <a:avLst/>
@@ -4250,129 +4277,10 @@
       </p:pic>
       <p:pic>
         <p:nvPicPr>
-          <p:cNvPr id="97" name="Imagem 96">
-            <a:extLst>
-              <a:ext uri="{FF2B5EF4-FFF2-40B4-BE49-F238E27FC236}">
-                <a16:creationId xmlns:a16="http://schemas.microsoft.com/office/drawing/2014/main" xmlns="" id="{1E1D9264-4478-4D21-90D1-CC0A88EEBE02}"/>
-              </a:ext>
-            </a:extLst>
-          </p:cNvPr>
-          <p:cNvPicPr>
-            <a:picLocks noChangeAspect="1"/>
-          </p:cNvPicPr>
-          <p:nvPr/>
-        </p:nvPicPr>
-        <p:blipFill>
-          <a:blip r:embed="rId5" cstate="print">
-            <a:extLst>
-              <a:ext uri="{28A0092B-C50C-407E-A947-70E740481C1C}">
-                <a14:useLocalDpi xmlns:a14="http://schemas.microsoft.com/office/drawing/2010/main" val="0"/>
-              </a:ext>
-            </a:extLst>
-          </a:blip>
-          <a:stretch>
-            <a:fillRect/>
-          </a:stretch>
-        </p:blipFill>
-        <p:spPr>
-          <a:xfrm>
-            <a:off x="10343853" y="4900498"/>
-            <a:ext cx="381592" cy="381592"/>
-          </a:xfrm>
-          <a:prstGeom prst="rect">
-            <a:avLst/>
-          </a:prstGeom>
-        </p:spPr>
-      </p:pic>
-      <p:sp>
-        <p:nvSpPr>
-          <p:cNvPr id="100" name="CaixaDeTexto 99">
-            <a:extLst>
-              <a:ext uri="{FF2B5EF4-FFF2-40B4-BE49-F238E27FC236}">
-                <a16:creationId xmlns:a16="http://schemas.microsoft.com/office/drawing/2014/main" xmlns="" id="{527A57A7-4EB5-48F3-BDF3-BD282FF5FE52}"/>
-              </a:ext>
-            </a:extLst>
-          </p:cNvPr>
-          <p:cNvSpPr txBox="1"/>
-          <p:nvPr/>
-        </p:nvSpPr>
-        <p:spPr>
-          <a:xfrm>
-            <a:off x="7229275" y="5493206"/>
-            <a:ext cx="1240499" cy="369332"/>
-          </a:xfrm>
-          <a:prstGeom prst="rect">
-            <a:avLst/>
-          </a:prstGeom>
-          <a:noFill/>
-        </p:spPr>
-        <p:txBody>
-          <a:bodyPr wrap="square" rtlCol="0">
-            <a:spAutoFit/>
-          </a:bodyPr>
-          <a:lstStyle/>
-          <a:p>
-            <a:r>
-              <a:rPr lang="pt-BR" sz="900" dirty="0"/>
-              <a:t>NOTEBOOK/DESKTOP</a:t>
-            </a:r>
-          </a:p>
-          <a:p>
-            <a:r>
-              <a:rPr lang="pt-BR" sz="900" dirty="0"/>
-              <a:t>CORE I5, 8GB DE RAM</a:t>
-            </a:r>
-            <a:endParaRPr lang="pt-BR" sz="1600" dirty="0"/>
-          </a:p>
-        </p:txBody>
-      </p:sp>
-      <p:sp>
-        <p:nvSpPr>
-          <p:cNvPr id="101" name="CaixaDeTexto 100">
-            <a:extLst>
-              <a:ext uri="{FF2B5EF4-FFF2-40B4-BE49-F238E27FC236}">
-                <a16:creationId xmlns:a16="http://schemas.microsoft.com/office/drawing/2014/main" xmlns="" id="{3E91ACD8-30B1-48C9-BAB1-7724AC9175C5}"/>
-              </a:ext>
-            </a:extLst>
-          </p:cNvPr>
-          <p:cNvSpPr txBox="1"/>
-          <p:nvPr/>
-        </p:nvSpPr>
-        <p:spPr>
-          <a:xfrm>
-            <a:off x="10736262" y="5448389"/>
-            <a:ext cx="1183337" cy="369332"/>
-          </a:xfrm>
-          <a:prstGeom prst="rect">
-            <a:avLst/>
-          </a:prstGeom>
-          <a:noFill/>
-        </p:spPr>
-        <p:txBody>
-          <a:bodyPr wrap="none" rtlCol="0">
-            <a:spAutoFit/>
-          </a:bodyPr>
-          <a:lstStyle/>
-          <a:p>
-            <a:r>
-              <a:rPr lang="pt-BR" sz="900" dirty="0"/>
-              <a:t>ANDROID VERSÃO 7+</a:t>
-            </a:r>
-          </a:p>
-          <a:p>
-            <a:r>
-              <a:rPr lang="pt-BR" sz="900" dirty="0"/>
-              <a:t>IOS VERSÃO 10+</a:t>
-            </a:r>
-          </a:p>
-        </p:txBody>
-      </p:sp>
-      <p:pic>
-        <p:nvPicPr>
-          <p:cNvPr id="110" name="Imagem 109">
-            <a:extLst>
-              <a:ext uri="{FF2B5EF4-FFF2-40B4-BE49-F238E27FC236}">
-                <a16:creationId xmlns:a16="http://schemas.microsoft.com/office/drawing/2014/main" xmlns="" id="{48EAE7C9-853C-4C62-BE4F-77E1FF7A2142}"/>
+          <p:cNvPr id="113" name="Imagem 112">
+            <a:extLst>
+              <a:ext uri="{FF2B5EF4-FFF2-40B4-BE49-F238E27FC236}">
+                <a16:creationId xmlns:a16="http://schemas.microsoft.com/office/drawing/2014/main" id="{3A0A7C0D-5AAE-4386-8F96-FE545AB5180F}"/>
               </a:ext>
             </a:extLst>
           </p:cNvPr>
@@ -4395,8 +4303,8 @@
         </p:blipFill>
         <p:spPr>
           <a:xfrm>
-            <a:off x="8529826" y="5434219"/>
-            <a:ext cx="230832" cy="230832"/>
+            <a:off x="9203794" y="4901889"/>
+            <a:ext cx="547311" cy="547311"/>
           </a:xfrm>
           <a:prstGeom prst="rect">
             <a:avLst/>
@@ -4405,10 +4313,10 @@
       </p:pic>
       <p:pic>
         <p:nvPicPr>
-          <p:cNvPr id="113" name="Imagem 112">
-            <a:extLst>
-              <a:ext uri="{FF2B5EF4-FFF2-40B4-BE49-F238E27FC236}">
-                <a16:creationId xmlns:a16="http://schemas.microsoft.com/office/drawing/2014/main" xmlns="" id="{3A0A7C0D-5AAE-4386-8F96-FE545AB5180F}"/>
+          <p:cNvPr id="115" name="Imagem 114">
+            <a:extLst>
+              <a:ext uri="{FF2B5EF4-FFF2-40B4-BE49-F238E27FC236}">
+                <a16:creationId xmlns:a16="http://schemas.microsoft.com/office/drawing/2014/main" id="{3C1B681C-ED12-41C5-AD26-8B6853414F1D}"/>
               </a:ext>
             </a:extLst>
           </p:cNvPr>
@@ -4431,56 +4339,20 @@
         </p:blipFill>
         <p:spPr>
           <a:xfrm>
-            <a:off x="8740571" y="5360370"/>
-            <a:ext cx="378529" cy="378529"/>
+            <a:off x="9665483" y="4961926"/>
+            <a:ext cx="408113" cy="408113"/>
           </a:xfrm>
           <a:prstGeom prst="rect">
             <a:avLst/>
           </a:prstGeom>
         </p:spPr>
       </p:pic>
-      <p:pic>
-        <p:nvPicPr>
-          <p:cNvPr id="115" name="Imagem 114">
-            <a:extLst>
-              <a:ext uri="{FF2B5EF4-FFF2-40B4-BE49-F238E27FC236}">
-                <a16:creationId xmlns:a16="http://schemas.microsoft.com/office/drawing/2014/main" xmlns="" id="{3C1B681C-ED12-41C5-AD26-8B6853414F1D}"/>
-              </a:ext>
-            </a:extLst>
-          </p:cNvPr>
-          <p:cNvPicPr>
-            <a:picLocks noChangeAspect="1"/>
-          </p:cNvPicPr>
-          <p:nvPr/>
-        </p:nvPicPr>
-        <p:blipFill>
-          <a:blip r:embed="rId9" cstate="print">
-            <a:extLst>
-              <a:ext uri="{28A0092B-C50C-407E-A947-70E740481C1C}">
-                <a14:useLocalDpi xmlns:a14="http://schemas.microsoft.com/office/drawing/2010/main" val="0"/>
-              </a:ext>
-            </a:extLst>
-          </a:blip>
-          <a:stretch>
-            <a:fillRect/>
-          </a:stretch>
-        </p:blipFill>
-        <p:spPr>
-          <a:xfrm>
-            <a:off x="9056332" y="5401957"/>
-            <a:ext cx="273513" cy="273513"/>
-          </a:xfrm>
-          <a:prstGeom prst="rect">
-            <a:avLst/>
-          </a:prstGeom>
-        </p:spPr>
-      </p:pic>
       <p:sp>
         <p:nvSpPr>
           <p:cNvPr id="2" name="Retângulo 1">
             <a:extLst>
               <a:ext uri="{FF2B5EF4-FFF2-40B4-BE49-F238E27FC236}">
-                <a16:creationId xmlns:a16="http://schemas.microsoft.com/office/drawing/2014/main" xmlns="" id="{969E54A0-B7B5-4147-AB27-DA0CC75F47BD}"/>
+                <a16:creationId xmlns:a16="http://schemas.microsoft.com/office/drawing/2014/main" id="{969E54A0-B7B5-4147-AB27-DA0CC75F47BD}"/>
               </a:ext>
             </a:extLst>
           </p:cNvPr>
@@ -4489,8 +4361,8 @@
         </p:nvSpPr>
         <p:spPr>
           <a:xfrm>
-            <a:off x="81988" y="3745249"/>
-            <a:ext cx="4003452" cy="3016278"/>
+            <a:off x="81988" y="3961603"/>
+            <a:ext cx="3958255" cy="2799923"/>
           </a:xfrm>
           <a:prstGeom prst="rect">
             <a:avLst/>
@@ -4529,20 +4401,212 @@
       </p:sp>
       <p:sp>
         <p:nvSpPr>
-          <p:cNvPr id="42" name="Retângulo 41">
-            <a:extLst>
-              <a:ext uri="{FF2B5EF4-FFF2-40B4-BE49-F238E27FC236}">
-                <a16:creationId xmlns:a16="http://schemas.microsoft.com/office/drawing/2014/main" xmlns="" id="{C094A487-B4D8-4E7E-A6DF-17D5E2F5A98F}"/>
-              </a:ext>
-            </a:extLst>
-          </p:cNvPr>
-          <p:cNvSpPr/>
+          <p:cNvPr id="3" name="CaixaDeTexto 2">
+            <a:extLst>
+              <a:ext uri="{FF2B5EF4-FFF2-40B4-BE49-F238E27FC236}">
+                <a16:creationId xmlns:a16="http://schemas.microsoft.com/office/drawing/2014/main" id="{F3DB1EB6-7EDD-4F76-AC41-93A77350D0DB}"/>
+              </a:ext>
+            </a:extLst>
+          </p:cNvPr>
+          <p:cNvSpPr txBox="1"/>
           <p:nvPr/>
         </p:nvSpPr>
         <p:spPr>
           <a:xfrm>
-            <a:off x="7275796" y="3760875"/>
-            <a:ext cx="4799985" cy="3001816"/>
+            <a:off x="129574" y="51980"/>
+            <a:ext cx="522900" cy="369332"/>
+          </a:xfrm>
+          <a:prstGeom prst="rect">
+            <a:avLst/>
+          </a:prstGeom>
+          <a:noFill/>
+        </p:spPr>
+        <p:txBody>
+          <a:bodyPr wrap="none" rtlCol="0">
+            <a:spAutoFit/>
+          </a:bodyPr>
+          <a:lstStyle/>
+          <a:p>
+            <a:r>
+              <a:rPr lang="pt-BR" b="1" dirty="0"/>
+              <a:t>LLD</a:t>
+            </a:r>
+          </a:p>
+        </p:txBody>
+      </p:sp>
+      <p:sp>
+        <p:nvSpPr>
+          <p:cNvPr id="5" name="CaixaDeTexto 4">
+            <a:extLst>
+              <a:ext uri="{FF2B5EF4-FFF2-40B4-BE49-F238E27FC236}">
+                <a16:creationId xmlns:a16="http://schemas.microsoft.com/office/drawing/2014/main" id="{00324186-5835-453F-9CA7-D8BA2FE4FDB1}"/>
+              </a:ext>
+            </a:extLst>
+          </p:cNvPr>
+          <p:cNvSpPr txBox="1"/>
+          <p:nvPr/>
+        </p:nvSpPr>
+        <p:spPr>
+          <a:xfrm>
+            <a:off x="11332156" y="3595568"/>
+            <a:ext cx="1168252" cy="646331"/>
+          </a:xfrm>
+          <a:prstGeom prst="rect">
+            <a:avLst/>
+          </a:prstGeom>
+          <a:noFill/>
+        </p:spPr>
+        <p:txBody>
+          <a:bodyPr wrap="square" rtlCol="0">
+            <a:spAutoFit/>
+          </a:bodyPr>
+          <a:lstStyle/>
+          <a:p>
+            <a:r>
+              <a:rPr lang="pt-BR" dirty="0"/>
+              <a:t>Gestor</a:t>
+            </a:r>
+            <a:endParaRPr lang="pt-BR" sz="1600" dirty="0"/>
+          </a:p>
+          <a:p>
+            <a:endParaRPr lang="pt-BR" dirty="0"/>
+          </a:p>
+        </p:txBody>
+      </p:sp>
+      <p:sp>
+        <p:nvSpPr>
+          <p:cNvPr id="8" name="CaixaDeTexto 7">
+            <a:extLst>
+              <a:ext uri="{FF2B5EF4-FFF2-40B4-BE49-F238E27FC236}">
+                <a16:creationId xmlns:a16="http://schemas.microsoft.com/office/drawing/2014/main" id="{C6B4F186-1182-4828-8066-2E561878460C}"/>
+              </a:ext>
+            </a:extLst>
+          </p:cNvPr>
+          <p:cNvSpPr txBox="1"/>
+          <p:nvPr/>
+        </p:nvSpPr>
+        <p:spPr>
+          <a:xfrm>
+            <a:off x="70363" y="3605766"/>
+            <a:ext cx="1454885" cy="369332"/>
+          </a:xfrm>
+          <a:prstGeom prst="rect">
+            <a:avLst/>
+          </a:prstGeom>
+          <a:noFill/>
+        </p:spPr>
+        <p:txBody>
+          <a:bodyPr wrap="square" rtlCol="0">
+            <a:spAutoFit/>
+          </a:bodyPr>
+          <a:lstStyle/>
+          <a:p>
+            <a:r>
+              <a:rPr lang="pt-BR" dirty="0"/>
+              <a:t>Funcionário</a:t>
+            </a:r>
+          </a:p>
+        </p:txBody>
+      </p:sp>
+      <p:pic>
+        <p:nvPicPr>
+          <p:cNvPr id="14" name="Imagem 13" descr="Logotipo, nome da empresa&#10;&#10;Descrição gerada automaticamente">
+            <a:extLst>
+              <a:ext uri="{FF2B5EF4-FFF2-40B4-BE49-F238E27FC236}">
+                <a16:creationId xmlns:a16="http://schemas.microsoft.com/office/drawing/2014/main" id="{C131E45E-AAA8-4092-97F7-314E8411F05B}"/>
+              </a:ext>
+            </a:extLst>
+          </p:cNvPr>
+          <p:cNvPicPr>
+            <a:picLocks noChangeAspect="1"/>
+          </p:cNvPicPr>
+          <p:nvPr/>
+        </p:nvPicPr>
+        <p:blipFill>
+          <a:blip r:embed="rId9" cstate="print">
+            <a:extLst>
+              <a:ext uri="{28A0092B-C50C-407E-A947-70E740481C1C}">
+                <a14:useLocalDpi xmlns:a14="http://schemas.microsoft.com/office/drawing/2010/main" val="0"/>
+              </a:ext>
+            </a:extLst>
+          </a:blip>
+          <a:stretch>
+            <a:fillRect/>
+          </a:stretch>
+        </p:blipFill>
+        <p:spPr>
+          <a:xfrm>
+            <a:off x="2284667" y="4928306"/>
+            <a:ext cx="586322" cy="586322"/>
+          </a:xfrm>
+          <a:prstGeom prst="rect">
+            <a:avLst/>
+          </a:prstGeom>
+        </p:spPr>
+      </p:pic>
+      <p:pic>
+        <p:nvPicPr>
+          <p:cNvPr id="6" name="Picture 4">
+            <a:extLst>
+              <a:ext uri="{FF2B5EF4-FFF2-40B4-BE49-F238E27FC236}">
+                <a16:creationId xmlns:a16="http://schemas.microsoft.com/office/drawing/2014/main" id="{459310AC-F268-4178-A4E9-B2C3E8E97734}"/>
+              </a:ext>
+            </a:extLst>
+          </p:cNvPr>
+          <p:cNvPicPr>
+            <a:picLocks noChangeAspect="1" noChangeArrowheads="1"/>
+          </p:cNvPicPr>
+          <p:nvPr/>
+        </p:nvPicPr>
+        <p:blipFill>
+          <a:blip r:embed="rId10" cstate="print">
+            <a:extLst>
+              <a:ext uri="{28A0092B-C50C-407E-A947-70E740481C1C}">
+                <a14:useLocalDpi xmlns:a14="http://schemas.microsoft.com/office/drawing/2010/main" val="0"/>
+              </a:ext>
+            </a:extLst>
+          </a:blip>
+          <a:srcRect/>
+          <a:stretch>
+            <a:fillRect/>
+          </a:stretch>
+        </p:blipFill>
+        <p:spPr bwMode="auto">
+          <a:xfrm>
+            <a:off x="5407203" y="228212"/>
+            <a:ext cx="1328647" cy="384063"/>
+          </a:xfrm>
+          <a:prstGeom prst="rect">
+            <a:avLst/>
+          </a:prstGeom>
+          <a:noFill/>
+          <a:extLst>
+            <a:ext uri="{909E8E84-426E-40DD-AFC4-6F175D3DCCD1}">
+              <a14:hiddenFill xmlns:a14="http://schemas.microsoft.com/office/drawing/2010/main">
+                <a:solidFill>
+                  <a:srgbClr val="FFFFFF"/>
+                </a:solidFill>
+              </a14:hiddenFill>
+            </a:ext>
+          </a:extLst>
+        </p:spPr>
+      </p:pic>
+      <p:sp>
+        <p:nvSpPr>
+          <p:cNvPr id="36" name="CaixaDeTexto 35">
+            <a:extLst>
+              <a:ext uri="{FF2B5EF4-FFF2-40B4-BE49-F238E27FC236}">
+                <a16:creationId xmlns:a16="http://schemas.microsoft.com/office/drawing/2014/main" id="{2AD70534-8DF3-47A4-8849-845029A2F70F}"/>
+              </a:ext>
+            </a:extLst>
+          </p:cNvPr>
+          <p:cNvSpPr txBox="1"/>
+          <p:nvPr/>
+        </p:nvSpPr>
+        <p:spPr>
+          <a:xfrm>
+            <a:off x="6236566" y="1335708"/>
+            <a:ext cx="1172929" cy="276999"/>
           </a:xfrm>
           <a:prstGeom prst="rect">
             <a:avLst/>
@@ -4552,6 +4616,209 @@
             <a:solidFill>
               <a:schemeClr val="tx1"/>
             </a:solidFill>
+          </a:ln>
+        </p:spPr>
+        <p:txBody>
+          <a:bodyPr wrap="square" rtlCol="0">
+            <a:spAutoFit/>
+          </a:bodyPr>
+          <a:lstStyle/>
+          <a:p>
+            <a:r>
+              <a:rPr lang="pt-BR" sz="1200" b="1" dirty="0"/>
+              <a:t>INSTITUCIONAL</a:t>
+            </a:r>
+          </a:p>
+        </p:txBody>
+      </p:sp>
+      <p:sp>
+        <p:nvSpPr>
+          <p:cNvPr id="41" name="CaixaDeTexto 40">
+            <a:extLst>
+              <a:ext uri="{FF2B5EF4-FFF2-40B4-BE49-F238E27FC236}">
+                <a16:creationId xmlns:a16="http://schemas.microsoft.com/office/drawing/2014/main" id="{52D7509F-0E02-4527-A270-E5C288172F37}"/>
+              </a:ext>
+            </a:extLst>
+          </p:cNvPr>
+          <p:cNvSpPr txBox="1"/>
+          <p:nvPr/>
+        </p:nvSpPr>
+        <p:spPr>
+          <a:xfrm>
+            <a:off x="4317805" y="1329928"/>
+            <a:ext cx="1089398" cy="276999"/>
+          </a:xfrm>
+          <a:prstGeom prst="rect">
+            <a:avLst/>
+          </a:prstGeom>
+          <a:noFill/>
+          <a:ln>
+            <a:solidFill>
+              <a:schemeClr val="tx1"/>
+            </a:solidFill>
+          </a:ln>
+        </p:spPr>
+        <p:txBody>
+          <a:bodyPr wrap="square" rtlCol="0">
+            <a:spAutoFit/>
+          </a:bodyPr>
+          <a:lstStyle/>
+          <a:p>
+            <a:r>
+              <a:rPr lang="pt-BR" sz="1200" b="1" dirty="0"/>
+              <a:t>DASHBOARD</a:t>
+            </a:r>
+          </a:p>
+        </p:txBody>
+      </p:sp>
+      <p:pic>
+        <p:nvPicPr>
+          <p:cNvPr id="53" name="Imagem 52" descr="Imagem em preto e branco&#10;&#10;Descrição gerada automaticamente">
+            <a:extLst>
+              <a:ext uri="{FF2B5EF4-FFF2-40B4-BE49-F238E27FC236}">
+                <a16:creationId xmlns:a16="http://schemas.microsoft.com/office/drawing/2014/main" id="{F88B7289-3322-46D5-AD13-B255012820B5}"/>
+              </a:ext>
+            </a:extLst>
+          </p:cNvPr>
+          <p:cNvPicPr>
+            <a:picLocks noChangeAspect="1"/>
+          </p:cNvPicPr>
+          <p:nvPr/>
+        </p:nvPicPr>
+        <p:blipFill>
+          <a:blip r:embed="rId11" cstate="print">
+            <a:duotone>
+              <a:schemeClr val="accent5">
+                <a:shade val="45000"/>
+                <a:satMod val="135000"/>
+              </a:schemeClr>
+              <a:prstClr val="white"/>
+            </a:duotone>
+            <a:extLst>
+              <a:ext uri="{28A0092B-C50C-407E-A947-70E740481C1C}">
+                <a14:useLocalDpi xmlns:a14="http://schemas.microsoft.com/office/drawing/2010/main" val="0"/>
+              </a:ext>
+            </a:extLst>
+          </a:blip>
+          <a:stretch>
+            <a:fillRect/>
+          </a:stretch>
+        </p:blipFill>
+        <p:spPr>
+          <a:xfrm>
+            <a:off x="4935740" y="2227912"/>
+            <a:ext cx="644809" cy="644809"/>
+          </a:xfrm>
+          <a:prstGeom prst="rect">
+            <a:avLst/>
+          </a:prstGeom>
+        </p:spPr>
+      </p:pic>
+      <p:sp>
+        <p:nvSpPr>
+          <p:cNvPr id="55" name="CaixaDeTexto 54">
+            <a:extLst>
+              <a:ext uri="{FF2B5EF4-FFF2-40B4-BE49-F238E27FC236}">
+                <a16:creationId xmlns:a16="http://schemas.microsoft.com/office/drawing/2014/main" id="{1994B9A6-3548-496B-AB95-90CBE7C708B1}"/>
+              </a:ext>
+            </a:extLst>
+          </p:cNvPr>
+          <p:cNvSpPr txBox="1"/>
+          <p:nvPr/>
+        </p:nvSpPr>
+        <p:spPr>
+          <a:xfrm>
+            <a:off x="4983682" y="2749247"/>
+            <a:ext cx="644809" cy="369332"/>
+          </a:xfrm>
+          <a:prstGeom prst="rect">
+            <a:avLst/>
+          </a:prstGeom>
+          <a:noFill/>
+        </p:spPr>
+        <p:txBody>
+          <a:bodyPr wrap="square" rtlCol="0">
+            <a:spAutoFit/>
+          </a:bodyPr>
+          <a:lstStyle/>
+          <a:p>
+            <a:r>
+              <a:rPr lang="pt-BR" dirty="0">
+                <a:solidFill>
+                  <a:schemeClr val="accent1"/>
+                </a:solidFill>
+              </a:rPr>
+              <a:t>SQL</a:t>
+            </a:r>
+          </a:p>
+        </p:txBody>
+      </p:sp>
+      <p:cxnSp>
+        <p:nvCxnSpPr>
+          <p:cNvPr id="57" name="Conector de Seta Reta 56">
+            <a:extLst>
+              <a:ext uri="{FF2B5EF4-FFF2-40B4-BE49-F238E27FC236}">
+                <a16:creationId xmlns:a16="http://schemas.microsoft.com/office/drawing/2014/main" id="{688067FF-CBEE-4F28-88D7-F6AEC67ED517}"/>
+              </a:ext>
+            </a:extLst>
+          </p:cNvPr>
+          <p:cNvCxnSpPr>
+            <a:cxnSpLocks/>
+          </p:cNvCxnSpPr>
+          <p:nvPr/>
+        </p:nvCxnSpPr>
+        <p:spPr>
+          <a:xfrm flipH="1" flipV="1">
+            <a:off x="1174652" y="3183285"/>
+            <a:ext cx="276809" cy="419064"/>
+          </a:xfrm>
+          <a:prstGeom prst="straightConnector1">
+            <a:avLst/>
+          </a:prstGeom>
+          <a:ln>
+            <a:tailEnd type="triangle"/>
+          </a:ln>
+        </p:spPr>
+        <p:style>
+          <a:lnRef idx="1">
+            <a:schemeClr val="dk1"/>
+          </a:lnRef>
+          <a:fillRef idx="0">
+            <a:schemeClr val="dk1"/>
+          </a:fillRef>
+          <a:effectRef idx="0">
+            <a:schemeClr val="dk1"/>
+          </a:effectRef>
+          <a:fontRef idx="minor">
+            <a:schemeClr val="tx1"/>
+          </a:fontRef>
+        </p:style>
+      </p:cxnSp>
+      <p:sp>
+        <p:nvSpPr>
+          <p:cNvPr id="9" name="Retângulo 8">
+            <a:extLst>
+              <a:ext uri="{FF2B5EF4-FFF2-40B4-BE49-F238E27FC236}">
+                <a16:creationId xmlns:a16="http://schemas.microsoft.com/office/drawing/2014/main" id="{A2895AD6-3034-4EE2-8F53-A1BC76FBF2D0}"/>
+              </a:ext>
+            </a:extLst>
+          </p:cNvPr>
+          <p:cNvSpPr/>
+          <p:nvPr/>
+        </p:nvSpPr>
+        <p:spPr>
+          <a:xfrm>
+            <a:off x="2415582" y="3545209"/>
+            <a:ext cx="595753" cy="445305"/>
+          </a:xfrm>
+          <a:prstGeom prst="rect">
+            <a:avLst/>
+          </a:prstGeom>
+          <a:solidFill>
+            <a:schemeClr val="bg1"/>
+          </a:solidFill>
+          <a:ln>
+            <a:noFill/>
           </a:ln>
         </p:spPr>
         <p:style>
@@ -4579,199 +4846,12 @@
           </a:p>
         </p:txBody>
       </p:sp>
-      <p:sp>
-        <p:nvSpPr>
-          <p:cNvPr id="3" name="CaixaDeTexto 2">
-            <a:extLst>
-              <a:ext uri="{FF2B5EF4-FFF2-40B4-BE49-F238E27FC236}">
-                <a16:creationId xmlns:a16="http://schemas.microsoft.com/office/drawing/2014/main" xmlns="" id="{F3DB1EB6-7EDD-4F76-AC41-93A77350D0DB}"/>
-              </a:ext>
-            </a:extLst>
-          </p:cNvPr>
-          <p:cNvSpPr txBox="1"/>
-          <p:nvPr/>
-        </p:nvSpPr>
-        <p:spPr>
-          <a:xfrm>
-            <a:off x="129574" y="51980"/>
-            <a:ext cx="522900" cy="369332"/>
-          </a:xfrm>
-          <a:prstGeom prst="rect">
-            <a:avLst/>
-          </a:prstGeom>
-          <a:noFill/>
-        </p:spPr>
-        <p:txBody>
-          <a:bodyPr wrap="none" rtlCol="0">
-            <a:spAutoFit/>
-          </a:bodyPr>
-          <a:lstStyle/>
-          <a:p>
-            <a:r>
-              <a:rPr lang="pt-BR" b="1" dirty="0"/>
-              <a:t>LLD</a:t>
-            </a:r>
-          </a:p>
-        </p:txBody>
-      </p:sp>
-      <p:sp>
-        <p:nvSpPr>
-          <p:cNvPr id="5" name="CaixaDeTexto 4">
-            <a:extLst>
-              <a:ext uri="{FF2B5EF4-FFF2-40B4-BE49-F238E27FC236}">
-                <a16:creationId xmlns:a16="http://schemas.microsoft.com/office/drawing/2014/main" xmlns="" id="{00324186-5835-453F-9CA7-D8BA2FE4FDB1}"/>
-              </a:ext>
-            </a:extLst>
-          </p:cNvPr>
-          <p:cNvSpPr txBox="1"/>
-          <p:nvPr/>
-        </p:nvSpPr>
-        <p:spPr>
-          <a:xfrm>
-            <a:off x="11201687" y="3392545"/>
-            <a:ext cx="1168252" cy="615553"/>
-          </a:xfrm>
-          <a:prstGeom prst="rect">
-            <a:avLst/>
-          </a:prstGeom>
-          <a:noFill/>
-        </p:spPr>
-        <p:txBody>
-          <a:bodyPr wrap="square" rtlCol="0">
-            <a:spAutoFit/>
-          </a:bodyPr>
-          <a:lstStyle/>
-          <a:p>
-            <a:r>
-              <a:rPr lang="pt-BR" sz="1600" dirty="0"/>
-              <a:t>Gestor</a:t>
-            </a:r>
-          </a:p>
-          <a:p>
-            <a:endParaRPr lang="pt-BR" dirty="0"/>
-          </a:p>
-        </p:txBody>
-      </p:sp>
-      <p:sp>
-        <p:nvSpPr>
-          <p:cNvPr id="8" name="CaixaDeTexto 7">
-            <a:extLst>
-              <a:ext uri="{FF2B5EF4-FFF2-40B4-BE49-F238E27FC236}">
-                <a16:creationId xmlns:a16="http://schemas.microsoft.com/office/drawing/2014/main" xmlns="" id="{C6B4F186-1182-4828-8066-2E561878460C}"/>
-              </a:ext>
-            </a:extLst>
-          </p:cNvPr>
-          <p:cNvSpPr txBox="1"/>
-          <p:nvPr/>
-        </p:nvSpPr>
-        <p:spPr>
-          <a:xfrm>
-            <a:off x="-1824" y="3429000"/>
-            <a:ext cx="1454885" cy="369332"/>
-          </a:xfrm>
-          <a:prstGeom prst="rect">
-            <a:avLst/>
-          </a:prstGeom>
-          <a:noFill/>
-        </p:spPr>
-        <p:txBody>
-          <a:bodyPr wrap="square" rtlCol="0">
-            <a:spAutoFit/>
-          </a:bodyPr>
-          <a:lstStyle/>
-          <a:p>
-            <a:r>
-              <a:rPr lang="pt-BR" dirty="0"/>
-              <a:t>Funcionário</a:t>
-            </a:r>
-          </a:p>
-        </p:txBody>
-      </p:sp>
       <p:pic>
         <p:nvPicPr>
-          <p:cNvPr id="14" name="Imagem 13" descr="Logotipo, nome da empresa&#10;&#10;Descrição gerada automaticamente">
-            <a:extLst>
-              <a:ext uri="{FF2B5EF4-FFF2-40B4-BE49-F238E27FC236}">
-                <a16:creationId xmlns:a16="http://schemas.microsoft.com/office/drawing/2014/main" xmlns="" id="{C131E45E-AAA8-4092-97F7-314E8411F05B}"/>
-              </a:ext>
-            </a:extLst>
-          </p:cNvPr>
-          <p:cNvPicPr>
-            <a:picLocks noChangeAspect="1"/>
-          </p:cNvPicPr>
-          <p:nvPr/>
-        </p:nvPicPr>
-        <p:blipFill>
-          <a:blip r:embed="rId10" cstate="print">
-            <a:extLst>
-              <a:ext uri="{28A0092B-C50C-407E-A947-70E740481C1C}">
-                <a14:useLocalDpi xmlns:a14="http://schemas.microsoft.com/office/drawing/2010/main" val="0"/>
-              </a:ext>
-            </a:extLst>
-          </a:blip>
-          <a:stretch>
-            <a:fillRect/>
-          </a:stretch>
-        </p:blipFill>
-        <p:spPr>
-          <a:xfrm>
-            <a:off x="3020493" y="5315945"/>
-            <a:ext cx="403712" cy="403712"/>
-          </a:xfrm>
-          <a:prstGeom prst="rect">
-            <a:avLst/>
-          </a:prstGeom>
-        </p:spPr>
-      </p:pic>
-      <p:sp>
-        <p:nvSpPr>
-          <p:cNvPr id="20" name="CaixaDeTexto 19">
-            <a:extLst>
-              <a:ext uri="{FF2B5EF4-FFF2-40B4-BE49-F238E27FC236}">
-                <a16:creationId xmlns:a16="http://schemas.microsoft.com/office/drawing/2014/main" xmlns="" id="{D49B4519-BABB-4AEB-BD5F-95A30CCBECB9}"/>
-              </a:ext>
-            </a:extLst>
-          </p:cNvPr>
-          <p:cNvSpPr txBox="1"/>
-          <p:nvPr/>
-        </p:nvSpPr>
-        <p:spPr>
-          <a:xfrm>
-            <a:off x="1003430" y="5315945"/>
-            <a:ext cx="1240499" cy="1061829"/>
-          </a:xfrm>
-          <a:prstGeom prst="rect">
-            <a:avLst/>
-          </a:prstGeom>
-          <a:noFill/>
-        </p:spPr>
-        <p:txBody>
-          <a:bodyPr wrap="square" rtlCol="0">
-            <a:spAutoFit/>
-          </a:bodyPr>
-          <a:lstStyle/>
-          <a:p>
-            <a:r>
-              <a:rPr lang="pt-BR" sz="900" b="1" dirty="0"/>
-              <a:t>Computador com software </a:t>
-            </a:r>
-            <a:r>
-              <a:rPr lang="pt-BR" sz="900" b="1" dirty="0" err="1"/>
-              <a:t>Telemon</a:t>
-            </a:r>
-            <a:r>
-              <a:rPr lang="pt-BR" sz="900" b="1" dirty="0"/>
-              <a:t> realizando o monitoramento de processos, hardware, capturando log erros e internet.</a:t>
-            </a:r>
-          </a:p>
-        </p:txBody>
-      </p:sp>
-      <p:pic>
-        <p:nvPicPr>
-          <p:cNvPr id="6" name="Picture 4">
-            <a:extLst>
-              <a:ext uri="{FF2B5EF4-FFF2-40B4-BE49-F238E27FC236}">
-                <a16:creationId xmlns:a16="http://schemas.microsoft.com/office/drawing/2014/main" xmlns="" id="{459310AC-F268-4178-A4E9-B2C3E8E97734}"/>
+          <p:cNvPr id="7" name="Picture 10" descr="Amazon Web Services - Wikipedia">
+            <a:extLst>
+              <a:ext uri="{FF2B5EF4-FFF2-40B4-BE49-F238E27FC236}">
+                <a16:creationId xmlns:a16="http://schemas.microsoft.com/office/drawing/2014/main" id="{4484FA0D-09D2-41AD-9A5C-AA5C5431D5FE}"/>
               </a:ext>
             </a:extLst>
           </p:cNvPr>
@@ -4781,7 +4861,7 @@
           <p:nvPr/>
         </p:nvPicPr>
         <p:blipFill>
-          <a:blip r:embed="rId11" cstate="print">
+          <a:blip r:embed="rId12" cstate="print">
             <a:extLst>
               <a:ext uri="{28A0092B-C50C-407E-A947-70E740481C1C}">
                 <a14:useLocalDpi xmlns:a14="http://schemas.microsoft.com/office/drawing/2010/main" val="0"/>
@@ -4795,8 +4875,8 @@
         </p:blipFill>
         <p:spPr bwMode="auto">
           <a:xfrm>
-            <a:off x="5079893" y="236646"/>
-            <a:ext cx="1328647" cy="384063"/>
+            <a:off x="2367739" y="3796230"/>
+            <a:ext cx="703098" cy="361931"/>
           </a:xfrm>
           <a:prstGeom prst="rect">
             <a:avLst/>
@@ -4815,10 +4895,10 @@
       </p:pic>
       <p:sp>
         <p:nvSpPr>
-          <p:cNvPr id="36" name="CaixaDeTexto 35">
-            <a:extLst>
-              <a:ext uri="{FF2B5EF4-FFF2-40B4-BE49-F238E27FC236}">
-                <a16:creationId xmlns:a16="http://schemas.microsoft.com/office/drawing/2014/main" xmlns="" id="{2AD70534-8DF3-47A4-8849-845029A2F70F}"/>
+          <p:cNvPr id="17" name="CaixaDeTexto 16">
+            <a:extLst>
+              <a:ext uri="{FF2B5EF4-FFF2-40B4-BE49-F238E27FC236}">
+                <a16:creationId xmlns:a16="http://schemas.microsoft.com/office/drawing/2014/main" id="{26EAF8F4-3BDF-487E-A712-9B376B133FBC}"/>
               </a:ext>
             </a:extLst>
           </p:cNvPr>
@@ -4827,8 +4907,8 @@
         </p:nvSpPr>
         <p:spPr>
           <a:xfrm>
-            <a:off x="5649342" y="864732"/>
-            <a:ext cx="1172929" cy="276999"/>
+            <a:off x="1947445" y="4640279"/>
+            <a:ext cx="1286496" cy="261610"/>
           </a:xfrm>
           <a:prstGeom prst="rect">
             <a:avLst/>
@@ -4842,84 +4922,53 @@
           <a:lstStyle/>
           <a:p>
             <a:r>
-              <a:rPr lang="pt-BR" sz="1200" b="1" dirty="0"/>
-              <a:t>INSTITUCIONAL</a:t>
-            </a:r>
-          </a:p>
-        </p:txBody>
-      </p:sp>
-      <p:sp>
-        <p:nvSpPr>
-          <p:cNvPr id="41" name="CaixaDeTexto 40">
-            <a:extLst>
-              <a:ext uri="{FF2B5EF4-FFF2-40B4-BE49-F238E27FC236}">
-                <a16:creationId xmlns:a16="http://schemas.microsoft.com/office/drawing/2014/main" xmlns="" id="{52D7509F-0E02-4527-A270-E5C288172F37}"/>
-              </a:ext>
-            </a:extLst>
-          </p:cNvPr>
-          <p:cNvSpPr txBox="1"/>
+              <a:rPr lang="pt-BR" sz="1100" dirty="0"/>
+              <a:t>API OSHI</a:t>
+            </a:r>
+          </a:p>
+        </p:txBody>
+      </p:sp>
+      <p:pic>
+        <p:nvPicPr>
+          <p:cNvPr id="10" name="Imagem 9"/>
+          <p:cNvPicPr>
+            <a:picLocks noChangeAspect="1"/>
+          </p:cNvPicPr>
           <p:nvPr/>
-        </p:nvSpPr>
-        <p:spPr>
-          <a:xfrm>
-            <a:off x="4236481" y="864732"/>
-            <a:ext cx="1089398" cy="276999"/>
+        </p:nvPicPr>
+        <p:blipFill rotWithShape="1">
+          <a:blip r:embed="rId13"/>
+          <a:srcRect l="9121" t="320" r="8400" b="-320"/>
+          <a:stretch/>
+        </p:blipFill>
+        <p:spPr>
+          <a:xfrm>
+            <a:off x="4950262" y="1810437"/>
+            <a:ext cx="702832" cy="360454"/>
           </a:xfrm>
           <a:prstGeom prst="rect">
             <a:avLst/>
           </a:prstGeom>
-          <a:noFill/>
-        </p:spPr>
-        <p:txBody>
-          <a:bodyPr wrap="square" rtlCol="0">
-            <a:spAutoFit/>
-          </a:bodyPr>
-          <a:lstStyle/>
-          <a:p>
-            <a:r>
-              <a:rPr lang="pt-BR" sz="1200" b="1" dirty="0"/>
-              <a:t>DASHBOARD</a:t>
-            </a:r>
-          </a:p>
-        </p:txBody>
-      </p:sp>
+        </p:spPr>
+      </p:pic>
       <p:pic>
         <p:nvPicPr>
-          <p:cNvPr id="53" name="Imagem 52" descr="Imagem em preto e branco&#10;&#10;Descrição gerada automaticamente">
-            <a:extLst>
-              <a:ext uri="{FF2B5EF4-FFF2-40B4-BE49-F238E27FC236}">
-                <a16:creationId xmlns:a16="http://schemas.microsoft.com/office/drawing/2014/main" xmlns="" id="{F88B7289-3322-46D5-AD13-B255012820B5}"/>
-              </a:ext>
-            </a:extLst>
-          </p:cNvPr>
+          <p:cNvPr id="11" name="Imagem 10"/>
           <p:cNvPicPr>
             <a:picLocks noChangeAspect="1"/>
           </p:cNvPicPr>
           <p:nvPr/>
         </p:nvPicPr>
         <p:blipFill>
-          <a:blip r:embed="rId12" cstate="print">
-            <a:duotone>
-              <a:schemeClr val="accent5">
-                <a:shade val="45000"/>
-                <a:satMod val="135000"/>
-              </a:schemeClr>
-              <a:prstClr val="white"/>
-            </a:duotone>
-            <a:extLst>
-              <a:ext uri="{28A0092B-C50C-407E-A947-70E740481C1C}">
-                <a14:useLocalDpi xmlns:a14="http://schemas.microsoft.com/office/drawing/2010/main" val="0"/>
-              </a:ext>
-            </a:extLst>
-          </a:blip>
+          <a:blip r:embed="rId14"/>
           <a:stretch>
             <a:fillRect/>
           </a:stretch>
         </p:blipFill>
         <p:spPr>
           <a:xfrm>
-            <a:off x="4201847" y="2085636"/>
-            <a:ext cx="644809" cy="644809"/>
+            <a:off x="6156541" y="1658590"/>
+            <a:ext cx="736425" cy="618481"/>
           </a:xfrm>
           <a:prstGeom prst="rect">
             <a:avLst/>
@@ -4928,90 +4977,137 @@
       </p:pic>
       <p:sp>
         <p:nvSpPr>
-          <p:cNvPr id="55" name="CaixaDeTexto 54">
-            <a:extLst>
-              <a:ext uri="{FF2B5EF4-FFF2-40B4-BE49-F238E27FC236}">
-                <a16:creationId xmlns:a16="http://schemas.microsoft.com/office/drawing/2014/main" xmlns="" id="{1994B9A6-3548-496B-AB95-90CBE7C708B1}"/>
-              </a:ext>
-            </a:extLst>
-          </p:cNvPr>
-          <p:cNvSpPr txBox="1"/>
+          <p:cNvPr id="13" name="AutoShape 4" descr="HTML5 – Wikipédia, a enciclopédia livre"/>
+          <p:cNvSpPr>
+            <a:spLocks noChangeAspect="1" noChangeArrowheads="1"/>
+          </p:cNvSpPr>
           <p:nvPr/>
         </p:nvSpPr>
-        <p:spPr>
-          <a:xfrm>
-            <a:off x="4880698" y="2176375"/>
-            <a:ext cx="644809" cy="369332"/>
+        <p:spPr bwMode="auto">
+          <a:xfrm>
+            <a:off x="155575" y="-144463"/>
+            <a:ext cx="304800" cy="304801"/>
           </a:xfrm>
           <a:prstGeom prst="rect">
             <a:avLst/>
           </a:prstGeom>
           <a:noFill/>
-        </p:spPr>
-        <p:txBody>
-          <a:bodyPr wrap="square" rtlCol="0">
-            <a:spAutoFit/>
+          <a:extLst>
+            <a:ext uri="{909E8E84-426E-40DD-AFC4-6F175D3DCCD1}">
+              <a14:hiddenFill xmlns:a14="http://schemas.microsoft.com/office/drawing/2010/main">
+                <a:solidFill>
+                  <a:srgbClr val="FFFFFF"/>
+                </a:solidFill>
+              </a14:hiddenFill>
+            </a:ext>
+          </a:extLst>
+        </p:spPr>
+        <p:txBody>
+          <a:bodyPr vert="horz" wrap="square" lIns="91440" tIns="45720" rIns="91440" bIns="45720" numCol="1" anchor="t" anchorCtr="0" compatLnSpc="1">
+            <a:prstTxWarp prst="textNoShape">
+              <a:avLst/>
+            </a:prstTxWarp>
           </a:bodyPr>
           <a:lstStyle/>
           <a:p>
-            <a:r>
-              <a:rPr lang="pt-BR" dirty="0">
-                <a:solidFill>
-                  <a:schemeClr val="accent1"/>
-                </a:solidFill>
-              </a:rPr>
-              <a:t>SQL</a:t>
-            </a:r>
-          </a:p>
-        </p:txBody>
-      </p:sp>
-      <p:cxnSp>
-        <p:nvCxnSpPr>
-          <p:cNvPr id="57" name="Conector de Seta Reta 56">
-            <a:extLst>
-              <a:ext uri="{FF2B5EF4-FFF2-40B4-BE49-F238E27FC236}">
-                <a16:creationId xmlns:a16="http://schemas.microsoft.com/office/drawing/2014/main" xmlns="" id="{688067FF-CBEE-4F28-88D7-F6AEC67ED517}"/>
-              </a:ext>
-            </a:extLst>
-          </p:cNvPr>
-          <p:cNvCxnSpPr>
-            <a:cxnSpLocks/>
-          </p:cNvCxnSpPr>
+            <a:endParaRPr lang="pt-BR"/>
+          </a:p>
+        </p:txBody>
+      </p:sp>
+      <p:pic>
+        <p:nvPicPr>
+          <p:cNvPr id="19" name="Imagem 18"/>
+          <p:cNvPicPr>
+            <a:picLocks noChangeAspect="1"/>
+          </p:cNvPicPr>
           <p:nvPr/>
-        </p:nvCxnSpPr>
-        <p:spPr>
-          <a:xfrm flipH="1" flipV="1">
-            <a:off x="1420008" y="2773057"/>
-            <a:ext cx="394932" cy="839584"/>
-          </a:xfrm>
-          <a:prstGeom prst="straightConnector1">
+        </p:nvPicPr>
+        <p:blipFill>
+          <a:blip r:embed="rId15"/>
+          <a:stretch>
+            <a:fillRect/>
+          </a:stretch>
+        </p:blipFill>
+        <p:spPr>
+          <a:xfrm>
+            <a:off x="7008409" y="1637819"/>
+            <a:ext cx="683157" cy="683157"/>
+          </a:xfrm>
+          <a:prstGeom prst="rect">
             <a:avLst/>
           </a:prstGeom>
-          <a:ln>
-            <a:tailEnd type="triangle"/>
-          </a:ln>
-        </p:spPr>
-        <p:style>
-          <a:lnRef idx="1">
-            <a:schemeClr val="dk1"/>
-          </a:lnRef>
-          <a:fillRef idx="0">
-            <a:schemeClr val="dk1"/>
-          </a:fillRef>
-          <a:effectRef idx="0">
-            <a:schemeClr val="dk1"/>
-          </a:effectRef>
-          <a:fontRef idx="minor">
-            <a:schemeClr val="tx1"/>
-          </a:fontRef>
-        </p:style>
-      </p:cxnSp>
+        </p:spPr>
+      </p:pic>
+      <p:pic>
+        <p:nvPicPr>
+          <p:cNvPr id="25" name="Imagem 24"/>
+          <p:cNvPicPr>
+            <a:picLocks noChangeAspect="1"/>
+          </p:cNvPicPr>
+          <p:nvPr/>
+        </p:nvPicPr>
+        <p:blipFill rotWithShape="1">
+          <a:blip r:embed="rId16"/>
+          <a:srcRect l="35681" t="14554" r="34566" b="10328"/>
+          <a:stretch/>
+        </p:blipFill>
+        <p:spPr>
+          <a:xfrm>
+            <a:off x="7104292" y="2282405"/>
+            <a:ext cx="491390" cy="697832"/>
+          </a:xfrm>
+          <a:prstGeom prst="rect">
+            <a:avLst/>
+          </a:prstGeom>
+        </p:spPr>
+      </p:pic>
+      <p:pic>
+        <p:nvPicPr>
+          <p:cNvPr id="1030" name="Picture 6" descr="O que é JavaScript - Portal GSTI"/>
+          <p:cNvPicPr>
+            <a:picLocks noChangeAspect="1" noChangeArrowheads="1"/>
+          </p:cNvPicPr>
+          <p:nvPr/>
+        </p:nvPicPr>
+        <p:blipFill>
+          <a:blip r:embed="rId17" cstate="print">
+            <a:extLst>
+              <a:ext uri="{28A0092B-C50C-407E-A947-70E740481C1C}">
+                <a14:useLocalDpi xmlns:a14="http://schemas.microsoft.com/office/drawing/2010/main" val="0"/>
+              </a:ext>
+            </a:extLst>
+          </a:blip>
+          <a:srcRect/>
+          <a:stretch>
+            <a:fillRect/>
+          </a:stretch>
+        </p:blipFill>
+        <p:spPr bwMode="auto">
+          <a:xfrm>
+            <a:off x="6141922" y="2320976"/>
+            <a:ext cx="683157" cy="683157"/>
+          </a:xfrm>
+          <a:prstGeom prst="rect">
+            <a:avLst/>
+          </a:prstGeom>
+          <a:noFill/>
+          <a:extLst>
+            <a:ext uri="{909E8E84-426E-40DD-AFC4-6F175D3DCCD1}">
+              <a14:hiddenFill xmlns:a14="http://schemas.microsoft.com/office/drawing/2010/main">
+                <a:solidFill>
+                  <a:srgbClr val="FFFFFF"/>
+                </a:solidFill>
+              </a14:hiddenFill>
+            </a:ext>
+          </a:extLst>
+        </p:spPr>
+      </p:pic>
       <p:grpSp>
         <p:nvGrpSpPr>
-          <p:cNvPr id="104" name="Agrupar 103">
-            <a:extLst>
-              <a:ext uri="{FF2B5EF4-FFF2-40B4-BE49-F238E27FC236}">
-                <a16:creationId xmlns:a16="http://schemas.microsoft.com/office/drawing/2014/main" xmlns="" id="{87A28EFF-8C7A-47EA-BE4C-F86487B4418F}"/>
+          <p:cNvPr id="21" name="Agrupar 20">
+            <a:extLst>
+              <a:ext uri="{FF2B5EF4-FFF2-40B4-BE49-F238E27FC236}">
+                <a16:creationId xmlns:a16="http://schemas.microsoft.com/office/drawing/2014/main" id="{1550788F-EA80-4E29-BE8A-2E903471849F}"/>
               </a:ext>
             </a:extLst>
           </p:cNvPr>
@@ -5020,18 +5116,18 @@
         </p:nvGrpSpPr>
         <p:grpSpPr>
           <a:xfrm>
-            <a:off x="391024" y="1306201"/>
-            <a:ext cx="1259913" cy="1399458"/>
-            <a:chOff x="270964" y="1582607"/>
-            <a:chExt cx="1217513" cy="1366061"/>
+            <a:off x="456661" y="1868744"/>
+            <a:ext cx="907553" cy="1156876"/>
+            <a:chOff x="742233" y="1428136"/>
+            <a:chExt cx="976966" cy="1379358"/>
           </a:xfrm>
         </p:grpSpPr>
         <p:pic>
           <p:nvPicPr>
-            <p:cNvPr id="106" name="Picture 2" descr="Telegram Web">
+            <p:cNvPr id="1026" name="Picture 2" descr="Boas-vindas ao seu novo QG | Slack">
               <a:extLst>
                 <a:ext uri="{FF2B5EF4-FFF2-40B4-BE49-F238E27FC236}">
-                  <a16:creationId xmlns:a16="http://schemas.microsoft.com/office/drawing/2014/main" xmlns="" id="{C95334B2-AA40-458C-BF70-B6BEDB650310}"/>
+                  <a16:creationId xmlns:a16="http://schemas.microsoft.com/office/drawing/2014/main" id="{D2B9D5B0-D199-4A89-A00B-86E4BE07F467}"/>
                 </a:ext>
               </a:extLst>
             </p:cNvPr>
@@ -5041,7 +5137,7 @@
             <p:nvPr/>
           </p:nvPicPr>
           <p:blipFill>
-            <a:blip r:embed="rId13">
+            <a:blip r:embed="rId18">
               <a:extLst>
                 <a:ext uri="{28A0092B-C50C-407E-A947-70E740481C1C}">
                   <a14:useLocalDpi xmlns:a14="http://schemas.microsoft.com/office/drawing/2010/main" val="0"/>
@@ -5055,8 +5151,8 @@
           </p:blipFill>
           <p:spPr bwMode="auto">
             <a:xfrm>
-              <a:off x="372711" y="1582607"/>
-              <a:ext cx="996730" cy="996729"/>
+              <a:off x="742233" y="1428136"/>
+              <a:ext cx="976966" cy="976966"/>
             </a:xfrm>
             <a:prstGeom prst="rect">
               <a:avLst/>
@@ -5075,10 +5171,10 @@
         </p:pic>
         <p:sp>
           <p:nvSpPr>
-            <p:cNvPr id="107" name="CaixaDeTexto 106">
+            <p:cNvPr id="4" name="CaixaDeTexto 3">
               <a:extLst>
                 <a:ext uri="{FF2B5EF4-FFF2-40B4-BE49-F238E27FC236}">
-                  <a16:creationId xmlns:a16="http://schemas.microsoft.com/office/drawing/2014/main" xmlns="" id="{20345180-4942-4E46-84A9-1BF940D36DB2}"/>
+                  <a16:creationId xmlns:a16="http://schemas.microsoft.com/office/drawing/2014/main" id="{D03018DC-DEBD-439B-B33A-3FD65D7934A5}"/>
                 </a:ext>
               </a:extLst>
             </p:cNvPr>
@@ -5087,8 +5183,8 @@
           </p:nvSpPr>
           <p:spPr>
             <a:xfrm>
-              <a:off x="270964" y="2579336"/>
-              <a:ext cx="1217513" cy="369332"/>
+              <a:off x="841193" y="2438162"/>
+              <a:ext cx="863138" cy="369332"/>
             </a:xfrm>
             <a:prstGeom prst="rect">
               <a:avLst/>
@@ -5096,44 +5192,157 @@
             <a:noFill/>
           </p:spPr>
           <p:txBody>
-            <a:bodyPr wrap="none" rtlCol="0">
+            <a:bodyPr wrap="square" rtlCol="0">
               <a:spAutoFit/>
             </a:bodyPr>
             <a:lstStyle/>
             <a:p>
               <a:r>
                 <a:rPr lang="pt-BR" dirty="0"/>
-                <a:t>TELEGRAM</a:t>
+                <a:t>SLACK</a:t>
               </a:r>
             </a:p>
           </p:txBody>
         </p:sp>
       </p:grpSp>
-      <p:sp>
-        <p:nvSpPr>
-          <p:cNvPr id="9" name="Retângulo 8">
-            <a:extLst>
-              <a:ext uri="{FF2B5EF4-FFF2-40B4-BE49-F238E27FC236}">
-                <a16:creationId xmlns:a16="http://schemas.microsoft.com/office/drawing/2014/main" xmlns="" id="{A2895AD6-3034-4EE2-8F53-A1BC76FBF2D0}"/>
-              </a:ext>
-            </a:extLst>
-          </p:cNvPr>
-          <p:cNvSpPr/>
+      <p:pic>
+        <p:nvPicPr>
+          <p:cNvPr id="23" name="Imagem 22" descr="Logotipo, nome da empresa&#10;&#10;Descrição gerada automaticamente">
+            <a:extLst>
+              <a:ext uri="{FF2B5EF4-FFF2-40B4-BE49-F238E27FC236}">
+                <a16:creationId xmlns:a16="http://schemas.microsoft.com/office/drawing/2014/main" id="{430375AE-F10C-4E7F-AC5E-E4A9143A7746}"/>
+              </a:ext>
+            </a:extLst>
+          </p:cNvPr>
+          <p:cNvPicPr>
+            <a:picLocks noChangeAspect="1"/>
+          </p:cNvPicPr>
           <p:nvPr/>
-        </p:nvSpPr>
-        <p:spPr>
-          <a:xfrm>
-            <a:off x="2415582" y="3545209"/>
-            <a:ext cx="595753" cy="445305"/>
+        </p:nvPicPr>
+        <p:blipFill>
+          <a:blip r:embed="rId19">
+            <a:extLst>
+              <a:ext uri="{28A0092B-C50C-407E-A947-70E740481C1C}">
+                <a14:useLocalDpi xmlns:a14="http://schemas.microsoft.com/office/drawing/2010/main" val="0"/>
+              </a:ext>
+            </a:extLst>
+          </a:blip>
+          <a:stretch>
+            <a:fillRect/>
+          </a:stretch>
+        </p:blipFill>
+        <p:spPr>
+          <a:xfrm>
+            <a:off x="3888538" y="1606927"/>
+            <a:ext cx="1089399" cy="754409"/>
           </a:xfrm>
           <a:prstGeom prst="rect">
             <a:avLst/>
           </a:prstGeom>
-          <a:solidFill>
-            <a:schemeClr val="bg1"/>
-          </a:solidFill>
+        </p:spPr>
+      </p:pic>
+      <p:pic>
+        <p:nvPicPr>
+          <p:cNvPr id="50" name="Imagem 49">
+            <a:extLst>
+              <a:ext uri="{FF2B5EF4-FFF2-40B4-BE49-F238E27FC236}">
+                <a16:creationId xmlns:a16="http://schemas.microsoft.com/office/drawing/2014/main" id="{B7B64E3D-9B7A-45F3-806A-B186144DA1C4}"/>
+              </a:ext>
+            </a:extLst>
+          </p:cNvPr>
+          <p:cNvPicPr>
+            <a:picLocks noChangeAspect="1"/>
+          </p:cNvPicPr>
+          <p:nvPr/>
+        </p:nvPicPr>
+        <p:blipFill>
+          <a:blip r:embed="rId14"/>
+          <a:stretch>
+            <a:fillRect/>
+          </a:stretch>
+        </p:blipFill>
+        <p:spPr>
+          <a:xfrm>
+            <a:off x="3979952" y="2273939"/>
+            <a:ext cx="736425" cy="618481"/>
+          </a:xfrm>
+          <a:prstGeom prst="rect">
+            <a:avLst/>
+          </a:prstGeom>
+        </p:spPr>
+      </p:pic>
+      <p:pic>
+        <p:nvPicPr>
+          <p:cNvPr id="52" name="Picture 2" descr="Boas-vindas ao seu novo QG | Slack">
+            <a:extLst>
+              <a:ext uri="{FF2B5EF4-FFF2-40B4-BE49-F238E27FC236}">
+                <a16:creationId xmlns:a16="http://schemas.microsoft.com/office/drawing/2014/main" id="{84353701-537A-485B-9AFC-F27D88E69C0E}"/>
+              </a:ext>
+            </a:extLst>
+          </p:cNvPr>
+          <p:cNvPicPr>
+            <a:picLocks noChangeAspect="1" noChangeArrowheads="1"/>
+          </p:cNvPicPr>
+          <p:nvPr/>
+        </p:nvPicPr>
+        <p:blipFill>
+          <a:blip r:embed="rId18">
+            <a:extLst>
+              <a:ext uri="{28A0092B-C50C-407E-A947-70E740481C1C}">
+                <a14:useLocalDpi xmlns:a14="http://schemas.microsoft.com/office/drawing/2010/main" val="0"/>
+              </a:ext>
+            </a:extLst>
+          </a:blip>
+          <a:srcRect/>
+          <a:stretch>
+            <a:fillRect/>
+          </a:stretch>
+        </p:blipFill>
+        <p:spPr bwMode="auto">
+          <a:xfrm>
+            <a:off x="1503241" y="4955134"/>
+            <a:ext cx="596868" cy="547749"/>
+          </a:xfrm>
+          <a:prstGeom prst="rect">
+            <a:avLst/>
+          </a:prstGeom>
+          <a:noFill/>
+          <a:extLst>
+            <a:ext uri="{909E8E84-426E-40DD-AFC4-6F175D3DCCD1}">
+              <a14:hiddenFill xmlns:a14="http://schemas.microsoft.com/office/drawing/2010/main">
+                <a:solidFill>
+                  <a:srgbClr val="FFFFFF"/>
+                </a:solidFill>
+              </a14:hiddenFill>
+            </a:ext>
+          </a:extLst>
+        </p:spPr>
+      </p:pic>
+      <p:sp>
+        <p:nvSpPr>
+          <p:cNvPr id="54" name="Retângulo 53">
+            <a:extLst>
+              <a:ext uri="{FF2B5EF4-FFF2-40B4-BE49-F238E27FC236}">
+                <a16:creationId xmlns:a16="http://schemas.microsoft.com/office/drawing/2014/main" id="{F6769D6D-4C92-4616-B7A1-9AA9E96B528E}"/>
+              </a:ext>
+            </a:extLst>
+          </p:cNvPr>
+          <p:cNvSpPr/>
+          <p:nvPr/>
+        </p:nvSpPr>
+        <p:spPr>
+          <a:xfrm>
+            <a:off x="8121207" y="3975098"/>
+            <a:ext cx="3958255" cy="2799923"/>
+          </a:xfrm>
+          <a:prstGeom prst="rect">
+            <a:avLst/>
+          </a:prstGeom>
+          <a:noFill/>
           <a:ln>
-            <a:noFill/>
+            <a:solidFill>
+              <a:schemeClr val="tx1"/>
+            </a:solidFill>
           </a:ln>
         </p:spPr>
         <p:style>
@@ -5163,2971 +5372,44 @@
       </p:sp>
       <p:pic>
         <p:nvPicPr>
-          <p:cNvPr id="7" name="Picture 10" descr="Amazon Web Services - Wikipedia">
-            <a:extLst>
-              <a:ext uri="{FF2B5EF4-FFF2-40B4-BE49-F238E27FC236}">
-                <a16:creationId xmlns:a16="http://schemas.microsoft.com/office/drawing/2014/main" xmlns="" id="{4484FA0D-09D2-41AD-9A5C-AA5C5431D5FE}"/>
-              </a:ext>
-            </a:extLst>
-          </p:cNvPr>
-          <p:cNvPicPr>
-            <a:picLocks noChangeAspect="1" noChangeArrowheads="1"/>
-          </p:cNvPicPr>
-          <p:nvPr/>
-        </p:nvPicPr>
-        <p:blipFill>
-          <a:blip r:embed="rId14" cstate="print">
-            <a:extLst>
-              <a:ext uri="{28A0092B-C50C-407E-A947-70E740481C1C}">
-                <a14:useLocalDpi xmlns:a14="http://schemas.microsoft.com/office/drawing/2010/main" val="0"/>
-              </a:ext>
-            </a:extLst>
-          </a:blip>
-          <a:srcRect/>
-          <a:stretch>
-            <a:fillRect/>
-          </a:stretch>
-        </p:blipFill>
-        <p:spPr bwMode="auto">
-          <a:xfrm>
-            <a:off x="2356573" y="3604648"/>
-            <a:ext cx="703098" cy="361931"/>
-          </a:xfrm>
-          <a:prstGeom prst="rect">
-            <a:avLst/>
-          </a:prstGeom>
-          <a:noFill/>
-          <a:extLst>
-            <a:ext uri="{909E8E84-426E-40DD-AFC4-6F175D3DCCD1}">
-              <a14:hiddenFill xmlns:a14="http://schemas.microsoft.com/office/drawing/2010/main">
-                <a:solidFill>
-                  <a:srgbClr val="FFFFFF"/>
-                </a:solidFill>
-              </a14:hiddenFill>
-            </a:ext>
-          </a:extLst>
-        </p:spPr>
-      </p:pic>
-      <p:sp>
-        <p:nvSpPr>
-          <p:cNvPr id="15" name="CaixaDeTexto 14">
-            <a:extLst>
-              <a:ext uri="{FF2B5EF4-FFF2-40B4-BE49-F238E27FC236}">
-                <a16:creationId xmlns:a16="http://schemas.microsoft.com/office/drawing/2014/main" xmlns="" id="{50AB074B-24A8-4932-8B67-A2E840EC7A3C}"/>
-              </a:ext>
-            </a:extLst>
-          </p:cNvPr>
-          <p:cNvSpPr txBox="1"/>
-          <p:nvPr/>
-        </p:nvSpPr>
-        <p:spPr>
-          <a:xfrm>
-            <a:off x="2296077" y="5282057"/>
-            <a:ext cx="805343" cy="261610"/>
-          </a:xfrm>
-          <a:prstGeom prst="rect">
-            <a:avLst/>
-          </a:prstGeom>
-          <a:noFill/>
-        </p:spPr>
-        <p:txBody>
-          <a:bodyPr wrap="square" rtlCol="0">
-            <a:spAutoFit/>
-          </a:bodyPr>
-          <a:lstStyle/>
-          <a:p>
-            <a:r>
-              <a:rPr lang="pt-BR" sz="1100" dirty="0"/>
-              <a:t>SWING</a:t>
-            </a:r>
-          </a:p>
-        </p:txBody>
-      </p:sp>
-      <p:sp>
-        <p:nvSpPr>
-          <p:cNvPr id="17" name="CaixaDeTexto 16">
-            <a:extLst>
-              <a:ext uri="{FF2B5EF4-FFF2-40B4-BE49-F238E27FC236}">
-                <a16:creationId xmlns:a16="http://schemas.microsoft.com/office/drawing/2014/main" xmlns="" id="{26EAF8F4-3BDF-487E-A712-9B376B133FBC}"/>
-              </a:ext>
-            </a:extLst>
-          </p:cNvPr>
-          <p:cNvSpPr txBox="1"/>
-          <p:nvPr/>
-        </p:nvSpPr>
-        <p:spPr>
-          <a:xfrm>
-            <a:off x="2286591" y="5479166"/>
-            <a:ext cx="893280" cy="261610"/>
-          </a:xfrm>
-          <a:prstGeom prst="rect">
-            <a:avLst/>
-          </a:prstGeom>
-          <a:noFill/>
-        </p:spPr>
-        <p:txBody>
-          <a:bodyPr wrap="square" rtlCol="0">
-            <a:spAutoFit/>
-          </a:bodyPr>
-          <a:lstStyle/>
-          <a:p>
-            <a:r>
-              <a:rPr lang="pt-BR" sz="1100" dirty="0"/>
-              <a:t>API OSHI</a:t>
-            </a:r>
-          </a:p>
-        </p:txBody>
-      </p:sp>
-      <p:sp>
-        <p:nvSpPr>
-          <p:cNvPr id="18" name="CaixaDeTexto 17">
-            <a:extLst>
-              <a:ext uri="{FF2B5EF4-FFF2-40B4-BE49-F238E27FC236}">
-                <a16:creationId xmlns:a16="http://schemas.microsoft.com/office/drawing/2014/main" xmlns="" id="{496987D5-D134-44D7-8F5B-6A4DDAF9E6DF}"/>
-              </a:ext>
-            </a:extLst>
-          </p:cNvPr>
-          <p:cNvSpPr txBox="1"/>
-          <p:nvPr/>
-        </p:nvSpPr>
-        <p:spPr>
-          <a:xfrm>
-            <a:off x="2279873" y="5684405"/>
-            <a:ext cx="1546954" cy="261610"/>
-          </a:xfrm>
-          <a:prstGeom prst="rect">
-            <a:avLst/>
-          </a:prstGeom>
-          <a:noFill/>
-        </p:spPr>
-        <p:txBody>
-          <a:bodyPr wrap="square" rtlCol="0">
-            <a:spAutoFit/>
-          </a:bodyPr>
-          <a:lstStyle/>
-          <a:p>
-            <a:r>
-              <a:rPr lang="pt-BR" sz="1100" dirty="0"/>
-              <a:t>API TELEGRAM BOT</a:t>
-            </a:r>
-          </a:p>
-        </p:txBody>
-      </p:sp>
-      <p:pic>
-        <p:nvPicPr>
-          <p:cNvPr id="10" name="Imagem 9"/>
-          <p:cNvPicPr>
-            <a:picLocks noChangeAspect="1"/>
-          </p:cNvPicPr>
-          <p:nvPr/>
-        </p:nvPicPr>
-        <p:blipFill rotWithShape="1">
-          <a:blip r:embed="rId15"/>
-          <a:srcRect l="9121" t="320" r="8400" b="-320"/>
-          <a:stretch/>
-        </p:blipFill>
-        <p:spPr>
-          <a:xfrm>
-            <a:off x="2875680" y="2057592"/>
-            <a:ext cx="1183362" cy="606898"/>
-          </a:xfrm>
-          <a:prstGeom prst="rect">
-            <a:avLst/>
-          </a:prstGeom>
-        </p:spPr>
-      </p:pic>
-      <p:pic>
-        <p:nvPicPr>
-          <p:cNvPr id="11" name="Imagem 10"/>
+          <p:cNvPr id="28" name="Imagem 27" descr="Imagem em preto e branco&#10;&#10;Descrição gerada automaticamente">
+            <a:extLst>
+              <a:ext uri="{FF2B5EF4-FFF2-40B4-BE49-F238E27FC236}">
+                <a16:creationId xmlns:a16="http://schemas.microsoft.com/office/drawing/2014/main" id="{2CC60A5A-32BC-4872-BEF8-F867013BB652}"/>
+              </a:ext>
+            </a:extLst>
+          </p:cNvPr>
           <p:cNvPicPr>
             <a:picLocks noChangeAspect="1"/>
           </p:cNvPicPr>
           <p:nvPr/>
         </p:nvPicPr>
         <p:blipFill>
-          <a:blip r:embed="rId16"/>
+          <a:blip r:embed="rId20">
+            <a:extLst>
+              <a:ext uri="{28A0092B-C50C-407E-A947-70E740481C1C}">
+                <a14:useLocalDpi xmlns:a14="http://schemas.microsoft.com/office/drawing/2010/main" val="0"/>
+              </a:ext>
+            </a:extLst>
+          </a:blip>
           <a:stretch>
             <a:fillRect/>
           </a:stretch>
         </p:blipFill>
         <p:spPr>
           <a:xfrm>
-            <a:off x="5740831" y="1086744"/>
-            <a:ext cx="1083622" cy="910073"/>
+            <a:off x="10760575" y="5320303"/>
+            <a:ext cx="933450" cy="981075"/>
           </a:xfrm>
           <a:prstGeom prst="rect">
             <a:avLst/>
           </a:prstGeom>
-        </p:spPr>
-      </p:pic>
-      <p:pic>
-        <p:nvPicPr>
-          <p:cNvPr id="12" name="Imagem 11"/>
-          <p:cNvPicPr>
-            <a:picLocks noChangeAspect="1"/>
-          </p:cNvPicPr>
-          <p:nvPr/>
-        </p:nvPicPr>
-        <p:blipFill>
-          <a:blip r:embed="rId17"/>
-          <a:stretch>
-            <a:fillRect/>
-          </a:stretch>
-        </p:blipFill>
-        <p:spPr>
-          <a:xfrm>
-            <a:off x="3993541" y="1086744"/>
-            <a:ext cx="1378154" cy="954371"/>
-          </a:xfrm>
-          <a:prstGeom prst="rect">
-            <a:avLst/>
-          </a:prstGeom>
-        </p:spPr>
-      </p:pic>
-      <p:sp>
-        <p:nvSpPr>
-          <p:cNvPr id="13" name="AutoShape 4" descr="HTML5 – Wikipédia, a enciclopédia livre"/>
-          <p:cNvSpPr>
-            <a:spLocks noChangeAspect="1" noChangeArrowheads="1"/>
-          </p:cNvSpPr>
-          <p:nvPr/>
-        </p:nvSpPr>
-        <p:spPr bwMode="auto">
-          <a:xfrm>
-            <a:off x="155575" y="-144463"/>
-            <a:ext cx="304800" cy="304801"/>
-          </a:xfrm>
-          <a:prstGeom prst="rect">
-            <a:avLst/>
-          </a:prstGeom>
-          <a:noFill/>
-          <a:extLst>
-            <a:ext uri="{909E8E84-426E-40DD-AFC4-6F175D3DCCD1}">
-              <a14:hiddenFill xmlns:a14="http://schemas.microsoft.com/office/drawing/2010/main">
-                <a:solidFill>
-                  <a:srgbClr val="FFFFFF"/>
-                </a:solidFill>
-              </a14:hiddenFill>
-            </a:ext>
-          </a:extLst>
-        </p:spPr>
-        <p:txBody>
-          <a:bodyPr vert="horz" wrap="square" lIns="91440" tIns="45720" rIns="91440" bIns="45720" numCol="1" anchor="t" anchorCtr="0" compatLnSpc="1">
-            <a:prstTxWarp prst="textNoShape">
-              <a:avLst/>
-            </a:prstTxWarp>
-          </a:bodyPr>
-          <a:lstStyle/>
-          <a:p>
-            <a:endParaRPr lang="pt-BR"/>
-          </a:p>
-        </p:txBody>
-      </p:sp>
-      <p:pic>
-        <p:nvPicPr>
-          <p:cNvPr id="19" name="Imagem 18"/>
-          <p:cNvPicPr>
-            <a:picLocks noChangeAspect="1"/>
-          </p:cNvPicPr>
-          <p:nvPr/>
-        </p:nvPicPr>
-        <p:blipFill>
-          <a:blip r:embed="rId18"/>
-          <a:stretch>
-            <a:fillRect/>
-          </a:stretch>
-        </p:blipFill>
-        <p:spPr>
-          <a:xfrm>
-            <a:off x="6678662" y="1880013"/>
-            <a:ext cx="1107888" cy="1107888"/>
-          </a:xfrm>
-          <a:prstGeom prst="rect">
-            <a:avLst/>
-          </a:prstGeom>
-        </p:spPr>
-      </p:pic>
-      <p:pic>
-        <p:nvPicPr>
-          <p:cNvPr id="25" name="Imagem 24"/>
-          <p:cNvPicPr>
-            <a:picLocks noChangeAspect="1"/>
-          </p:cNvPicPr>
-          <p:nvPr/>
-        </p:nvPicPr>
-        <p:blipFill rotWithShape="1">
-          <a:blip r:embed="rId19"/>
-          <a:srcRect l="35681" t="14554" r="34566" b="10328"/>
-          <a:stretch/>
-        </p:blipFill>
-        <p:spPr>
-          <a:xfrm>
-            <a:off x="7786143" y="1773867"/>
-            <a:ext cx="734893" cy="1043636"/>
-          </a:xfrm>
-          <a:prstGeom prst="rect">
-            <a:avLst/>
-          </a:prstGeom>
-        </p:spPr>
-      </p:pic>
-      <p:pic>
-        <p:nvPicPr>
-          <p:cNvPr id="1030" name="Picture 6" descr="O que é JavaScript - Portal GSTI"/>
-          <p:cNvPicPr>
-            <a:picLocks noChangeAspect="1" noChangeArrowheads="1"/>
-          </p:cNvPicPr>
-          <p:nvPr/>
-        </p:nvPicPr>
-        <p:blipFill>
-          <a:blip r:embed="rId20" cstate="print">
-            <a:extLst>
-              <a:ext uri="{28A0092B-C50C-407E-A947-70E740481C1C}">
-                <a14:useLocalDpi xmlns:a14="http://schemas.microsoft.com/office/drawing/2010/main" val="0"/>
-              </a:ext>
-            </a:extLst>
-          </a:blip>
-          <a:srcRect/>
-          <a:stretch>
-            <a:fillRect/>
-          </a:stretch>
-        </p:blipFill>
-        <p:spPr bwMode="auto">
-          <a:xfrm>
-            <a:off x="5784487" y="2041115"/>
-            <a:ext cx="944456" cy="944456"/>
-          </a:xfrm>
-          <a:prstGeom prst="rect">
-            <a:avLst/>
-          </a:prstGeom>
-          <a:noFill/>
-          <a:extLst>
-            <a:ext uri="{909E8E84-426E-40DD-AFC4-6F175D3DCCD1}">
-              <a14:hiddenFill xmlns:a14="http://schemas.microsoft.com/office/drawing/2010/main">
-                <a:solidFill>
-                  <a:srgbClr val="FFFFFF"/>
-                </a:solidFill>
-              </a14:hiddenFill>
-            </a:ext>
-          </a:extLst>
         </p:spPr>
       </p:pic>
     </p:spTree>
     <p:extLst>
       <p:ext uri="{BB962C8B-B14F-4D97-AF65-F5344CB8AC3E}">
         <p14:creationId xmlns:p14="http://schemas.microsoft.com/office/powerpoint/2010/main" val="2619191552"/>
-      </p:ext>
-    </p:extLst>
-  </p:cSld>
-  <p:clrMapOvr>
-    <a:masterClrMapping/>
-  </p:clrMapOvr>
-  <p:timing>
-    <p:tnLst>
-      <p:par>
-        <p:cTn id="1" dur="indefinite" restart="never" nodeType="tmRoot"/>
-      </p:par>
-    </p:tnLst>
-  </p:timing>
-</p:sld>
-</file>
-
-<file path=ppt/slides/slide3.xml><?xml version="1.0" encoding="utf-8"?>
-<p:sld xmlns:a="http://schemas.openxmlformats.org/drawingml/2006/main" xmlns:r="http://schemas.openxmlformats.org/officeDocument/2006/relationships" xmlns:p="http://schemas.openxmlformats.org/presentationml/2006/main">
-  <p:cSld>
-    <p:spTree>
-      <p:nvGrpSpPr>
-        <p:cNvPr id="1" name=""/>
-        <p:cNvGrpSpPr/>
-        <p:nvPr/>
-      </p:nvGrpSpPr>
-      <p:grpSpPr>
-        <a:xfrm>
-          <a:off x="0" y="0"/>
-          <a:ext cx="0" cy="0"/>
-          <a:chOff x="0" y="0"/>
-          <a:chExt cx="0" cy="0"/>
-        </a:xfrm>
-      </p:grpSpPr>
-      <p:pic>
-        <p:nvPicPr>
-          <p:cNvPr id="5" name="Imagem 4" descr="Uma imagem contendo Forma&#10;&#10;Descrição gerada automaticamente">
-            <a:extLst>
-              <a:ext uri="{FF2B5EF4-FFF2-40B4-BE49-F238E27FC236}">
-                <a16:creationId xmlns:a16="http://schemas.microsoft.com/office/drawing/2014/main" xmlns="" id="{DD536F64-F391-4DBC-A681-8EEB0BF1FC0A}"/>
-              </a:ext>
-            </a:extLst>
-          </p:cNvPr>
-          <p:cNvPicPr>
-            <a:picLocks noChangeAspect="1"/>
-          </p:cNvPicPr>
-          <p:nvPr/>
-        </p:nvPicPr>
-        <p:blipFill>
-          <a:blip r:embed="rId2" cstate="print">
-            <a:extLst>
-              <a:ext uri="{28A0092B-C50C-407E-A947-70E740481C1C}">
-                <a14:useLocalDpi xmlns:a14="http://schemas.microsoft.com/office/drawing/2010/main" val="0"/>
-              </a:ext>
-            </a:extLst>
-          </a:blip>
-          <a:stretch>
-            <a:fillRect/>
-          </a:stretch>
-        </p:blipFill>
-        <p:spPr>
-          <a:xfrm>
-            <a:off x="5923567" y="819435"/>
-            <a:ext cx="1722719" cy="1722719"/>
-          </a:xfrm>
-          <a:prstGeom prst="rect">
-            <a:avLst/>
-          </a:prstGeom>
-        </p:spPr>
-      </p:pic>
-      <p:pic>
-        <p:nvPicPr>
-          <p:cNvPr id="9" name="Imagem 8" descr="Texto, Ícone&#10;&#10;Descrição gerada automaticamente">
-            <a:extLst>
-              <a:ext uri="{FF2B5EF4-FFF2-40B4-BE49-F238E27FC236}">
-                <a16:creationId xmlns:a16="http://schemas.microsoft.com/office/drawing/2014/main" xmlns="" id="{AAD08227-6A5D-4383-A1C4-64F7784F1956}"/>
-              </a:ext>
-            </a:extLst>
-          </p:cNvPr>
-          <p:cNvPicPr>
-            <a:picLocks noChangeAspect="1"/>
-          </p:cNvPicPr>
-          <p:nvPr/>
-        </p:nvPicPr>
-        <p:blipFill>
-          <a:blip r:embed="rId3" cstate="print">
-            <a:extLst>
-              <a:ext uri="{28A0092B-C50C-407E-A947-70E740481C1C}">
-                <a14:useLocalDpi xmlns:a14="http://schemas.microsoft.com/office/drawing/2010/main" val="0"/>
-              </a:ext>
-            </a:extLst>
-          </a:blip>
-          <a:stretch>
-            <a:fillRect/>
-          </a:stretch>
-        </p:blipFill>
-        <p:spPr>
-          <a:xfrm>
-            <a:off x="850123" y="4369906"/>
-            <a:ext cx="1169241" cy="1169241"/>
-          </a:xfrm>
-          <a:prstGeom prst="rect">
-            <a:avLst/>
-          </a:prstGeom>
-        </p:spPr>
-      </p:pic>
-      <p:pic>
-        <p:nvPicPr>
-          <p:cNvPr id="11" name="Imagem 10" descr="Uma imagem contendo Forma&#10;&#10;Descrição gerada automaticamente">
-            <a:extLst>
-              <a:ext uri="{FF2B5EF4-FFF2-40B4-BE49-F238E27FC236}">
-                <a16:creationId xmlns:a16="http://schemas.microsoft.com/office/drawing/2014/main" xmlns="" id="{11AAACCF-F407-405A-84B4-11EEB965D8A1}"/>
-              </a:ext>
-            </a:extLst>
-          </p:cNvPr>
-          <p:cNvPicPr>
-            <a:picLocks noChangeAspect="1"/>
-          </p:cNvPicPr>
-          <p:nvPr/>
-        </p:nvPicPr>
-        <p:blipFill>
-          <a:blip r:embed="rId4" cstate="print">
-            <a:extLst>
-              <a:ext uri="{28A0092B-C50C-407E-A947-70E740481C1C}">
-                <a14:useLocalDpi xmlns:a14="http://schemas.microsoft.com/office/drawing/2010/main" val="0"/>
-              </a:ext>
-            </a:extLst>
-          </a:blip>
-          <a:stretch>
-            <a:fillRect/>
-          </a:stretch>
-        </p:blipFill>
-        <p:spPr>
-          <a:xfrm>
-            <a:off x="491115" y="977493"/>
-            <a:ext cx="1406607" cy="1406607"/>
-          </a:xfrm>
-          <a:prstGeom prst="rect">
-            <a:avLst/>
-          </a:prstGeom>
-        </p:spPr>
-      </p:pic>
-      <p:pic>
-        <p:nvPicPr>
-          <p:cNvPr id="13" name="Imagem 12">
-            <a:extLst>
-              <a:ext uri="{FF2B5EF4-FFF2-40B4-BE49-F238E27FC236}">
-                <a16:creationId xmlns:a16="http://schemas.microsoft.com/office/drawing/2014/main" xmlns="" id="{FD9236CB-3524-44A5-9BB2-5F6215F5E2EF}"/>
-              </a:ext>
-            </a:extLst>
-          </p:cNvPr>
-          <p:cNvPicPr>
-            <a:picLocks noChangeAspect="1"/>
-          </p:cNvPicPr>
-          <p:nvPr/>
-        </p:nvPicPr>
-        <p:blipFill>
-          <a:blip r:embed="rId5">
-            <a:extLst>
-              <a:ext uri="{BEBA8EAE-BF5A-486C-A8C5-ECC9F3942E4B}">
-                <a14:imgProps xmlns:a14="http://schemas.microsoft.com/office/drawing/2010/main">
-                  <a14:imgLayer r:embed="rId6">
-                    <a14:imgEffect>
-                      <a14:backgroundRemoval t="10000" b="90000" l="10000" r="90000">
-                        <a14:foregroundMark x1="46392" y1="79348" x2="46392" y2="79348"/>
-                      </a14:backgroundRemoval>
-                    </a14:imgEffect>
-                  </a14:imgLayer>
-                </a14:imgProps>
-              </a:ext>
-            </a:extLst>
-          </a:blip>
-          <a:stretch>
-            <a:fillRect/>
-          </a:stretch>
-        </p:blipFill>
-        <p:spPr>
-          <a:xfrm rot="18856160" flipH="1">
-            <a:off x="10567295" y="2445473"/>
-            <a:ext cx="1139372" cy="1080641"/>
-          </a:xfrm>
-          <a:prstGeom prst="rect">
-            <a:avLst/>
-          </a:prstGeom>
-        </p:spPr>
-      </p:pic>
-      <p:pic>
-        <p:nvPicPr>
-          <p:cNvPr id="15" name="Imagem 14">
-            <a:extLst>
-              <a:ext uri="{FF2B5EF4-FFF2-40B4-BE49-F238E27FC236}">
-                <a16:creationId xmlns:a16="http://schemas.microsoft.com/office/drawing/2014/main" xmlns="" id="{F87A1517-848C-4E6C-94AB-26EB04F71A56}"/>
-              </a:ext>
-            </a:extLst>
-          </p:cNvPr>
-          <p:cNvPicPr>
-            <a:picLocks noChangeAspect="1"/>
-          </p:cNvPicPr>
-          <p:nvPr/>
-        </p:nvPicPr>
-        <p:blipFill>
-          <a:blip r:embed="rId5">
-            <a:extLst>
-              <a:ext uri="{BEBA8EAE-BF5A-486C-A8C5-ECC9F3942E4B}">
-                <a14:imgProps xmlns:a14="http://schemas.microsoft.com/office/drawing/2010/main">
-                  <a14:imgLayer r:embed="rId6">
-                    <a14:imgEffect>
-                      <a14:backgroundRemoval t="10000" b="90000" l="10000" r="90000">
-                        <a14:foregroundMark x1="46392" y1="79348" x2="46392" y2="79348"/>
-                      </a14:backgroundRemoval>
-                    </a14:imgEffect>
-                  </a14:imgLayer>
-                </a14:imgProps>
-              </a:ext>
-            </a:extLst>
-          </a:blip>
-          <a:stretch>
-            <a:fillRect/>
-          </a:stretch>
-        </p:blipFill>
-        <p:spPr>
-          <a:xfrm rot="17890745" flipH="1">
-            <a:off x="10289514" y="557778"/>
-            <a:ext cx="1214654" cy="1152042"/>
-          </a:xfrm>
-          <a:prstGeom prst="rect">
-            <a:avLst/>
-          </a:prstGeom>
-        </p:spPr>
-      </p:pic>
-      <p:pic>
-        <p:nvPicPr>
-          <p:cNvPr id="17" name="Imagem 16">
-            <a:extLst>
-              <a:ext uri="{FF2B5EF4-FFF2-40B4-BE49-F238E27FC236}">
-                <a16:creationId xmlns:a16="http://schemas.microsoft.com/office/drawing/2014/main" xmlns="" id="{7528D509-E5BE-474E-B352-28E44352BD38}"/>
-              </a:ext>
-            </a:extLst>
-          </p:cNvPr>
-          <p:cNvPicPr>
-            <a:picLocks noChangeAspect="1"/>
-          </p:cNvPicPr>
-          <p:nvPr/>
-        </p:nvPicPr>
-        <p:blipFill>
-          <a:blip r:embed="rId5">
-            <a:extLst>
-              <a:ext uri="{BEBA8EAE-BF5A-486C-A8C5-ECC9F3942E4B}">
-                <a14:imgProps xmlns:a14="http://schemas.microsoft.com/office/drawing/2010/main">
-                  <a14:imgLayer r:embed="rId6">
-                    <a14:imgEffect>
-                      <a14:backgroundRemoval t="10000" b="90000" l="10000" r="90000">
-                        <a14:foregroundMark x1="46392" y1="79348" x2="46392" y2="79348"/>
-                      </a14:backgroundRemoval>
-                    </a14:imgEffect>
-                  </a14:imgLayer>
-                </a14:imgProps>
-              </a:ext>
-            </a:extLst>
-          </a:blip>
-          <a:stretch>
-            <a:fillRect/>
-          </a:stretch>
-        </p:blipFill>
-        <p:spPr>
-          <a:xfrm rot="18856160" flipH="1">
-            <a:off x="10107922" y="1793953"/>
-            <a:ext cx="1139372" cy="1080641"/>
-          </a:xfrm>
-          <a:prstGeom prst="rect">
-            <a:avLst/>
-          </a:prstGeom>
-        </p:spPr>
-      </p:pic>
-      <p:pic>
-        <p:nvPicPr>
-          <p:cNvPr id="19" name="Imagem 18">
-            <a:extLst>
-              <a:ext uri="{FF2B5EF4-FFF2-40B4-BE49-F238E27FC236}">
-                <a16:creationId xmlns:a16="http://schemas.microsoft.com/office/drawing/2014/main" xmlns="" id="{10BC69EF-600C-4C87-8B02-BA6BFC3B87A8}"/>
-              </a:ext>
-            </a:extLst>
-          </p:cNvPr>
-          <p:cNvPicPr>
-            <a:picLocks noChangeAspect="1"/>
-          </p:cNvPicPr>
-          <p:nvPr/>
-        </p:nvPicPr>
-        <p:blipFill>
-          <a:blip r:embed="rId7">
-            <a:extLst>
-              <a:ext uri="{BEBA8EAE-BF5A-486C-A8C5-ECC9F3942E4B}">
-                <a14:imgProps xmlns:a14="http://schemas.microsoft.com/office/drawing/2010/main">
-                  <a14:imgLayer r:embed="rId8">
-                    <a14:imgEffect>
-                      <a14:backgroundRemoval t="10000" b="90000" l="10000" r="90000">
-                        <a14:foregroundMark x1="78075" y1="54000" x2="78075" y2="54000"/>
-                        <a14:foregroundMark x1="78075" y1="69000" x2="78075" y2="69000"/>
-                      </a14:backgroundRemoval>
-                    </a14:imgEffect>
-                  </a14:imgLayer>
-                </a14:imgProps>
-              </a:ext>
-            </a:extLst>
-          </a:blip>
-          <a:stretch>
-            <a:fillRect/>
-          </a:stretch>
-        </p:blipFill>
-        <p:spPr>
-          <a:xfrm>
-            <a:off x="3572907" y="1395694"/>
-            <a:ext cx="1804542" cy="838347"/>
-          </a:xfrm>
-          <a:prstGeom prst="rect">
-            <a:avLst/>
-          </a:prstGeom>
-        </p:spPr>
-      </p:pic>
-      <p:pic>
-        <p:nvPicPr>
-          <p:cNvPr id="21" name="Imagem 20">
-            <a:extLst>
-              <a:ext uri="{FF2B5EF4-FFF2-40B4-BE49-F238E27FC236}">
-                <a16:creationId xmlns:a16="http://schemas.microsoft.com/office/drawing/2014/main" xmlns="" id="{DEF1180F-6E09-4248-AEBE-C18909910CEF}"/>
-              </a:ext>
-            </a:extLst>
-          </p:cNvPr>
-          <p:cNvPicPr>
-            <a:picLocks noChangeAspect="1"/>
-          </p:cNvPicPr>
-          <p:nvPr/>
-        </p:nvPicPr>
-        <p:blipFill>
-          <a:blip r:embed="rId9">
-            <a:extLst>
-              <a:ext uri="{BEBA8EAE-BF5A-486C-A8C5-ECC9F3942E4B}">
-                <a14:imgProps xmlns:a14="http://schemas.microsoft.com/office/drawing/2010/main">
-                  <a14:imgLayer r:embed="rId10">
-                    <a14:imgEffect>
-                      <a14:backgroundRemoval t="9868" b="89474" l="9581" r="91018">
-                        <a14:foregroundMark x1="78443" y1="53947" x2="78443" y2="53947"/>
-                        <a14:foregroundMark x1="91018" y1="67105" x2="91018" y2="67105"/>
-                      </a14:backgroundRemoval>
-                    </a14:imgEffect>
-                  </a14:imgLayer>
-                </a14:imgProps>
-              </a:ext>
-            </a:extLst>
-          </a:blip>
-          <a:stretch>
-            <a:fillRect/>
-          </a:stretch>
-        </p:blipFill>
-        <p:spPr>
-          <a:xfrm rot="18358620">
-            <a:off x="11082936" y="3742761"/>
-            <a:ext cx="721687" cy="656865"/>
-          </a:xfrm>
-          <a:prstGeom prst="rect">
-            <a:avLst/>
-          </a:prstGeom>
-        </p:spPr>
-      </p:pic>
-      <p:sp>
-        <p:nvSpPr>
-          <p:cNvPr id="22" name="CaixaDeTexto 21">
-            <a:extLst>
-              <a:ext uri="{FF2B5EF4-FFF2-40B4-BE49-F238E27FC236}">
-                <a16:creationId xmlns:a16="http://schemas.microsoft.com/office/drawing/2014/main" xmlns="" id="{23766680-2F1B-413D-9A2F-4734BA53E6CF}"/>
-              </a:ext>
-            </a:extLst>
-          </p:cNvPr>
-          <p:cNvSpPr txBox="1"/>
-          <p:nvPr/>
-        </p:nvSpPr>
-        <p:spPr>
-          <a:xfrm>
-            <a:off x="114046" y="5696980"/>
-            <a:ext cx="2184911" cy="523220"/>
-          </a:xfrm>
-          <a:prstGeom prst="rect">
-            <a:avLst/>
-          </a:prstGeom>
-          <a:noFill/>
-        </p:spPr>
-        <p:txBody>
-          <a:bodyPr wrap="square" rtlCol="0">
-            <a:spAutoFit/>
-          </a:bodyPr>
-          <a:lstStyle/>
-          <a:p>
-            <a:pPr algn="ctr"/>
-            <a:r>
-              <a:rPr lang="pt-BR" sz="1400" dirty="0"/>
-              <a:t>Envio de notificação via SLACK/TELEGRAM</a:t>
-            </a:r>
-          </a:p>
-        </p:txBody>
-      </p:sp>
-      <p:sp>
-        <p:nvSpPr>
-          <p:cNvPr id="23" name="CaixaDeTexto 22">
-            <a:extLst>
-              <a:ext uri="{FF2B5EF4-FFF2-40B4-BE49-F238E27FC236}">
-                <a16:creationId xmlns:a16="http://schemas.microsoft.com/office/drawing/2014/main" xmlns="" id="{D2DA3490-3FEE-44C4-A133-C0D56E40AA2D}"/>
-              </a:ext>
-            </a:extLst>
-          </p:cNvPr>
-          <p:cNvSpPr txBox="1"/>
-          <p:nvPr/>
-        </p:nvSpPr>
-        <p:spPr>
-          <a:xfrm>
-            <a:off x="48368" y="0"/>
-            <a:ext cx="2292102" cy="369332"/>
-          </a:xfrm>
-          <a:prstGeom prst="rect">
-            <a:avLst/>
-          </a:prstGeom>
-          <a:noFill/>
-        </p:spPr>
-        <p:txBody>
-          <a:bodyPr wrap="none" rtlCol="0">
-            <a:spAutoFit/>
-          </a:bodyPr>
-          <a:lstStyle/>
-          <a:p>
-            <a:r>
-              <a:rPr lang="pt-BR" b="1" dirty="0"/>
-              <a:t>Diagrama de software</a:t>
-            </a:r>
-          </a:p>
-        </p:txBody>
-      </p:sp>
-      <p:pic>
-        <p:nvPicPr>
-          <p:cNvPr id="2" name="Imagem 1" descr="Ícone&#10;&#10;Descrição gerada automaticamente">
-            <a:extLst>
-              <a:ext uri="{FF2B5EF4-FFF2-40B4-BE49-F238E27FC236}">
-                <a16:creationId xmlns:a16="http://schemas.microsoft.com/office/drawing/2014/main" xmlns="" id="{BA699E74-5B64-47EA-9165-D911EE46E932}"/>
-              </a:ext>
-            </a:extLst>
-          </p:cNvPr>
-          <p:cNvPicPr>
-            <a:picLocks noChangeAspect="1"/>
-          </p:cNvPicPr>
-          <p:nvPr/>
-        </p:nvPicPr>
-        <p:blipFill>
-          <a:blip r:embed="rId11" cstate="print">
-            <a:extLst>
-              <a:ext uri="{28A0092B-C50C-407E-A947-70E740481C1C}">
-                <a14:useLocalDpi xmlns:a14="http://schemas.microsoft.com/office/drawing/2010/main" val="0"/>
-              </a:ext>
-            </a:extLst>
-          </a:blip>
-          <a:stretch>
-            <a:fillRect/>
-          </a:stretch>
-        </p:blipFill>
-        <p:spPr>
-          <a:xfrm>
-            <a:off x="6269185" y="4488066"/>
-            <a:ext cx="1377101" cy="1377101"/>
-          </a:xfrm>
-          <a:prstGeom prst="rect">
-            <a:avLst/>
-          </a:prstGeom>
-        </p:spPr>
-      </p:pic>
-      <p:sp>
-        <p:nvSpPr>
-          <p:cNvPr id="3" name="CaixaDeTexto 2">
-            <a:extLst>
-              <a:ext uri="{FF2B5EF4-FFF2-40B4-BE49-F238E27FC236}">
-                <a16:creationId xmlns:a16="http://schemas.microsoft.com/office/drawing/2014/main" xmlns="" id="{12698B27-EEA4-4DBD-9A80-CAFCF20FA141}"/>
-              </a:ext>
-            </a:extLst>
-          </p:cNvPr>
-          <p:cNvSpPr txBox="1"/>
-          <p:nvPr/>
-        </p:nvSpPr>
-        <p:spPr>
-          <a:xfrm>
-            <a:off x="3713774" y="1377207"/>
-            <a:ext cx="1663675" cy="369332"/>
-          </a:xfrm>
-          <a:prstGeom prst="rect">
-            <a:avLst/>
-          </a:prstGeom>
-          <a:noFill/>
-        </p:spPr>
-        <p:txBody>
-          <a:bodyPr wrap="square" rtlCol="0">
-            <a:spAutoFit/>
-          </a:bodyPr>
-          <a:lstStyle/>
-          <a:p>
-            <a:r>
-              <a:rPr lang="pt-BR" dirty="0"/>
-              <a:t>INSERT, SELECT</a:t>
-            </a:r>
-          </a:p>
-        </p:txBody>
-      </p:sp>
-      <p:pic>
-        <p:nvPicPr>
-          <p:cNvPr id="4" name="Imagem 3">
-            <a:extLst>
-              <a:ext uri="{FF2B5EF4-FFF2-40B4-BE49-F238E27FC236}">
-                <a16:creationId xmlns:a16="http://schemas.microsoft.com/office/drawing/2014/main" xmlns="" id="{B71764C5-7397-4D32-AA5A-06528DA281B0}"/>
-              </a:ext>
-            </a:extLst>
-          </p:cNvPr>
-          <p:cNvPicPr>
-            <a:picLocks noChangeAspect="1"/>
-          </p:cNvPicPr>
-          <p:nvPr/>
-        </p:nvPicPr>
-        <p:blipFill>
-          <a:blip r:embed="rId7">
-            <a:extLst>
-              <a:ext uri="{BEBA8EAE-BF5A-486C-A8C5-ECC9F3942E4B}">
-                <a14:imgProps xmlns:a14="http://schemas.microsoft.com/office/drawing/2010/main">
-                  <a14:imgLayer r:embed="rId8">
-                    <a14:imgEffect>
-                      <a14:backgroundRemoval t="10000" b="90000" l="10000" r="90000">
-                        <a14:foregroundMark x1="78075" y1="54000" x2="78075" y2="54000"/>
-                        <a14:foregroundMark x1="78075" y1="69000" x2="78075" y2="69000"/>
-                      </a14:backgroundRemoval>
-                    </a14:imgEffect>
-                  </a14:imgLayer>
-                </a14:imgProps>
-              </a:ext>
-            </a:extLst>
-          </a:blip>
-          <a:stretch>
-            <a:fillRect/>
-          </a:stretch>
-        </p:blipFill>
-        <p:spPr>
-          <a:xfrm rot="5400000">
-            <a:off x="6055463" y="3095937"/>
-            <a:ext cx="1804542" cy="838347"/>
-          </a:xfrm>
-          <a:prstGeom prst="rect">
-            <a:avLst/>
-          </a:prstGeom>
-        </p:spPr>
-      </p:pic>
-      <p:pic>
-        <p:nvPicPr>
-          <p:cNvPr id="6" name="Imagem 5">
-            <a:extLst>
-              <a:ext uri="{FF2B5EF4-FFF2-40B4-BE49-F238E27FC236}">
-                <a16:creationId xmlns:a16="http://schemas.microsoft.com/office/drawing/2014/main" xmlns="" id="{B4CAAA66-7BB7-49AB-B586-F2A5435D073F}"/>
-              </a:ext>
-            </a:extLst>
-          </p:cNvPr>
-          <p:cNvPicPr>
-            <a:picLocks noChangeAspect="1"/>
-          </p:cNvPicPr>
-          <p:nvPr/>
-        </p:nvPicPr>
-        <p:blipFill>
-          <a:blip r:embed="rId7">
-            <a:extLst>
-              <a:ext uri="{BEBA8EAE-BF5A-486C-A8C5-ECC9F3942E4B}">
-                <a14:imgProps xmlns:a14="http://schemas.microsoft.com/office/drawing/2010/main">
-                  <a14:imgLayer r:embed="rId8">
-                    <a14:imgEffect>
-                      <a14:backgroundRemoval t="10000" b="90000" l="10000" r="90000">
-                        <a14:foregroundMark x1="78075" y1="54000" x2="78075" y2="54000"/>
-                        <a14:foregroundMark x1="78075" y1="69000" x2="78075" y2="69000"/>
-                      </a14:backgroundRemoval>
-                    </a14:imgEffect>
-                  </a14:imgLayer>
-                </a14:imgProps>
-              </a:ext>
-            </a:extLst>
-          </a:blip>
-          <a:stretch>
-            <a:fillRect/>
-          </a:stretch>
-        </p:blipFill>
-        <p:spPr>
-          <a:xfrm rot="5400000">
-            <a:off x="367025" y="3048462"/>
-            <a:ext cx="1804542" cy="838347"/>
-          </a:xfrm>
-          <a:prstGeom prst="rect">
-            <a:avLst/>
-          </a:prstGeom>
-        </p:spPr>
-      </p:pic>
-      <p:sp>
-        <p:nvSpPr>
-          <p:cNvPr id="7" name="CaixaDeTexto 6">
-            <a:extLst>
-              <a:ext uri="{FF2B5EF4-FFF2-40B4-BE49-F238E27FC236}">
-                <a16:creationId xmlns:a16="http://schemas.microsoft.com/office/drawing/2014/main" xmlns="" id="{F479BD3F-053E-41BF-B4F6-204271B06509}"/>
-              </a:ext>
-            </a:extLst>
-          </p:cNvPr>
-          <p:cNvSpPr txBox="1"/>
-          <p:nvPr/>
-        </p:nvSpPr>
-        <p:spPr>
-          <a:xfrm rot="16200000">
-            <a:off x="6719015" y="3132139"/>
-            <a:ext cx="846770" cy="369332"/>
-          </a:xfrm>
-          <a:prstGeom prst="rect">
-            <a:avLst/>
-          </a:prstGeom>
-          <a:noFill/>
-        </p:spPr>
-        <p:txBody>
-          <a:bodyPr wrap="none" rtlCol="0">
-            <a:spAutoFit/>
-          </a:bodyPr>
-          <a:lstStyle/>
-          <a:p>
-            <a:r>
-              <a:rPr lang="pt-BR" dirty="0"/>
-              <a:t>SELECT</a:t>
-            </a:r>
-          </a:p>
-        </p:txBody>
-      </p:sp>
-      <p:sp>
-        <p:nvSpPr>
-          <p:cNvPr id="10" name="Retângulo: Cantos Diagonais Arredondados 9">
-            <a:extLst>
-              <a:ext uri="{FF2B5EF4-FFF2-40B4-BE49-F238E27FC236}">
-                <a16:creationId xmlns:a16="http://schemas.microsoft.com/office/drawing/2014/main" xmlns="" id="{9E1FA0FD-0A2E-435A-BE99-AC656FD0C817}"/>
-              </a:ext>
-            </a:extLst>
-          </p:cNvPr>
-          <p:cNvSpPr/>
-          <p:nvPr/>
-        </p:nvSpPr>
-        <p:spPr>
-          <a:xfrm>
-            <a:off x="1986728" y="974966"/>
-            <a:ext cx="1663675" cy="1380171"/>
-          </a:xfrm>
-          <a:prstGeom prst="round2DiagRect">
-            <a:avLst/>
-          </a:prstGeom>
-          <a:noFill/>
-          <a:ln>
-            <a:solidFill>
-              <a:srgbClr val="C00000"/>
-            </a:solidFill>
-          </a:ln>
-        </p:spPr>
-        <p:style>
-          <a:lnRef idx="2">
-            <a:schemeClr val="accent1">
-              <a:shade val="50000"/>
-            </a:schemeClr>
-          </a:lnRef>
-          <a:fillRef idx="1">
-            <a:schemeClr val="accent1"/>
-          </a:fillRef>
-          <a:effectRef idx="0">
-            <a:schemeClr val="accent1"/>
-          </a:effectRef>
-          <a:fontRef idx="minor">
-            <a:schemeClr val="lt1"/>
-          </a:fontRef>
-        </p:style>
-        <p:txBody>
-          <a:bodyPr rtlCol="0" anchor="ctr"/>
-          <a:lstStyle/>
-          <a:p>
-            <a:pPr algn="ctr"/>
-            <a:endParaRPr lang="pt-BR"/>
-          </a:p>
-        </p:txBody>
-      </p:sp>
-      <p:sp>
-        <p:nvSpPr>
-          <p:cNvPr id="12" name="Retângulo: Cantos Arredondados 11">
-            <a:extLst>
-              <a:ext uri="{FF2B5EF4-FFF2-40B4-BE49-F238E27FC236}">
-                <a16:creationId xmlns:a16="http://schemas.microsoft.com/office/drawing/2014/main" xmlns="" id="{48095C1B-21B5-4D58-9BDB-2994E0D3C828}"/>
-              </a:ext>
-            </a:extLst>
-          </p:cNvPr>
-          <p:cNvSpPr/>
-          <p:nvPr/>
-        </p:nvSpPr>
-        <p:spPr>
-          <a:xfrm>
-            <a:off x="2106973" y="1047427"/>
-            <a:ext cx="1465934" cy="227171"/>
-          </a:xfrm>
-          <a:prstGeom prst="roundRect">
-            <a:avLst/>
-          </a:prstGeom>
-          <a:noFill/>
-          <a:ln>
-            <a:solidFill>
-              <a:srgbClr val="C00000"/>
-            </a:solidFill>
-          </a:ln>
-        </p:spPr>
-        <p:style>
-          <a:lnRef idx="2">
-            <a:schemeClr val="accent1">
-              <a:shade val="50000"/>
-            </a:schemeClr>
-          </a:lnRef>
-          <a:fillRef idx="1">
-            <a:schemeClr val="accent1"/>
-          </a:fillRef>
-          <a:effectRef idx="0">
-            <a:schemeClr val="accent1"/>
-          </a:effectRef>
-          <a:fontRef idx="minor">
-            <a:schemeClr val="lt1"/>
-          </a:fontRef>
-        </p:style>
-        <p:txBody>
-          <a:bodyPr rtlCol="0" anchor="ctr"/>
-          <a:lstStyle/>
-          <a:p>
-            <a:pPr algn="ctr"/>
-            <a:r>
-              <a:rPr lang="pt-BR" dirty="0">
-                <a:solidFill>
-                  <a:schemeClr val="tx1"/>
-                </a:solidFill>
-              </a:rPr>
-              <a:t>OSHI</a:t>
-            </a:r>
-          </a:p>
-        </p:txBody>
-      </p:sp>
-      <p:sp>
-        <p:nvSpPr>
-          <p:cNvPr id="14" name="Retângulo: Cantos Arredondados 13">
-            <a:extLst>
-              <a:ext uri="{FF2B5EF4-FFF2-40B4-BE49-F238E27FC236}">
-                <a16:creationId xmlns:a16="http://schemas.microsoft.com/office/drawing/2014/main" xmlns="" id="{6DF7A7E0-E401-4DA6-A5FD-5D64822784EA}"/>
-              </a:ext>
-            </a:extLst>
-          </p:cNvPr>
-          <p:cNvSpPr/>
-          <p:nvPr/>
-        </p:nvSpPr>
-        <p:spPr>
-          <a:xfrm>
-            <a:off x="2106973" y="1322008"/>
-            <a:ext cx="1465934" cy="227171"/>
-          </a:xfrm>
-          <a:prstGeom prst="roundRect">
-            <a:avLst/>
-          </a:prstGeom>
-          <a:noFill/>
-          <a:ln>
-            <a:solidFill>
-              <a:srgbClr val="C00000"/>
-            </a:solidFill>
-          </a:ln>
-        </p:spPr>
-        <p:style>
-          <a:lnRef idx="2">
-            <a:schemeClr val="accent1">
-              <a:shade val="50000"/>
-            </a:schemeClr>
-          </a:lnRef>
-          <a:fillRef idx="1">
-            <a:schemeClr val="accent1"/>
-          </a:fillRef>
-          <a:effectRef idx="0">
-            <a:schemeClr val="accent1"/>
-          </a:effectRef>
-          <a:fontRef idx="minor">
-            <a:schemeClr val="lt1"/>
-          </a:fontRef>
-        </p:style>
-        <p:txBody>
-          <a:bodyPr rtlCol="0" anchor="ctr"/>
-          <a:lstStyle/>
-          <a:p>
-            <a:pPr algn="ctr"/>
-            <a:r>
-              <a:rPr lang="pt-BR" dirty="0">
-                <a:solidFill>
-                  <a:schemeClr val="tx1"/>
-                </a:solidFill>
-              </a:rPr>
-              <a:t>SWING</a:t>
-            </a:r>
-          </a:p>
-        </p:txBody>
-      </p:sp>
-    </p:spTree>
-    <p:extLst>
-      <p:ext uri="{BB962C8B-B14F-4D97-AF65-F5344CB8AC3E}">
-        <p14:creationId xmlns:p14="http://schemas.microsoft.com/office/powerpoint/2010/main" val="310172190"/>
-      </p:ext>
-    </p:extLst>
-  </p:cSld>
-  <p:clrMapOvr>
-    <a:masterClrMapping/>
-  </p:clrMapOvr>
-  <p:timing>
-    <p:tnLst>
-      <p:par>
-        <p:cTn id="1" dur="indefinite" restart="never" nodeType="tmRoot"/>
-      </p:par>
-    </p:tnLst>
-  </p:timing>
-</p:sld>
-</file>
-
-<file path=ppt/slides/slide4.xml><?xml version="1.0" encoding="utf-8"?>
-<p:sld xmlns:a="http://schemas.openxmlformats.org/drawingml/2006/main" xmlns:r="http://schemas.openxmlformats.org/officeDocument/2006/relationships" xmlns:p="http://schemas.openxmlformats.org/presentationml/2006/main">
-  <p:cSld>
-    <p:spTree>
-      <p:nvGrpSpPr>
-        <p:cNvPr id="1" name=""/>
-        <p:cNvGrpSpPr/>
-        <p:nvPr/>
-      </p:nvGrpSpPr>
-      <p:grpSpPr>
-        <a:xfrm>
-          <a:off x="0" y="0"/>
-          <a:ext cx="0" cy="0"/>
-          <a:chOff x="0" y="0"/>
-          <a:chExt cx="0" cy="0"/>
-        </a:xfrm>
-      </p:grpSpPr>
-      <p:grpSp>
-        <p:nvGrpSpPr>
-          <p:cNvPr id="52" name="Agrupar 51">
-            <a:extLst>
-              <a:ext uri="{FF2B5EF4-FFF2-40B4-BE49-F238E27FC236}">
-                <a16:creationId xmlns:a16="http://schemas.microsoft.com/office/drawing/2014/main" xmlns="" id="{871B3CC3-7F02-41D5-B35C-F91DB58B6026}"/>
-              </a:ext>
-            </a:extLst>
-          </p:cNvPr>
-          <p:cNvGrpSpPr/>
-          <p:nvPr/>
-        </p:nvGrpSpPr>
-        <p:grpSpPr>
-          <a:xfrm>
-            <a:off x="4105510" y="5388591"/>
-            <a:ext cx="1259913" cy="1399458"/>
-            <a:chOff x="270964" y="1582607"/>
-            <a:chExt cx="1217513" cy="1366061"/>
-          </a:xfrm>
-        </p:grpSpPr>
-        <p:pic>
-          <p:nvPicPr>
-            <p:cNvPr id="1026" name="Picture 2" descr="Telegram Web">
-              <a:extLst>
-                <a:ext uri="{FF2B5EF4-FFF2-40B4-BE49-F238E27FC236}">
-                  <a16:creationId xmlns:a16="http://schemas.microsoft.com/office/drawing/2014/main" xmlns="" id="{FF68B1FE-C515-48A3-A5AD-D5EC2699D448}"/>
-                </a:ext>
-              </a:extLst>
-            </p:cNvPr>
-            <p:cNvPicPr>
-              <a:picLocks noChangeAspect="1" noChangeArrowheads="1"/>
-            </p:cNvPicPr>
-            <p:nvPr/>
-          </p:nvPicPr>
-          <p:blipFill>
-            <a:blip r:embed="rId2">
-              <a:extLst>
-                <a:ext uri="{28A0092B-C50C-407E-A947-70E740481C1C}">
-                  <a14:useLocalDpi xmlns:a14="http://schemas.microsoft.com/office/drawing/2010/main" val="0"/>
-                </a:ext>
-              </a:extLst>
-            </a:blip>
-            <a:srcRect/>
-            <a:stretch>
-              <a:fillRect/>
-            </a:stretch>
-          </p:blipFill>
-          <p:spPr bwMode="auto">
-            <a:xfrm>
-              <a:off x="372711" y="1582607"/>
-              <a:ext cx="996730" cy="996729"/>
-            </a:xfrm>
-            <a:prstGeom prst="rect">
-              <a:avLst/>
-            </a:prstGeom>
-            <a:noFill/>
-            <a:extLst>
-              <a:ext uri="{909E8E84-426E-40DD-AFC4-6F175D3DCCD1}">
-                <a14:hiddenFill xmlns:a14="http://schemas.microsoft.com/office/drawing/2010/main">
-                  <a:solidFill>
-                    <a:srgbClr val="FFFFFF"/>
-                  </a:solidFill>
-                </a14:hiddenFill>
-              </a:ext>
-            </a:extLst>
-          </p:spPr>
-        </p:pic>
-        <p:sp>
-          <p:nvSpPr>
-            <p:cNvPr id="17" name="CaixaDeTexto 16">
-              <a:extLst>
-                <a:ext uri="{FF2B5EF4-FFF2-40B4-BE49-F238E27FC236}">
-                  <a16:creationId xmlns:a16="http://schemas.microsoft.com/office/drawing/2014/main" xmlns="" id="{8904A3AE-3961-4800-9C77-9F5F2F4A940B}"/>
-                </a:ext>
-              </a:extLst>
-            </p:cNvPr>
-            <p:cNvSpPr txBox="1"/>
-            <p:nvPr/>
-          </p:nvSpPr>
-          <p:spPr>
-            <a:xfrm>
-              <a:off x="270964" y="2579336"/>
-              <a:ext cx="1217513" cy="369332"/>
-            </a:xfrm>
-            <a:prstGeom prst="rect">
-              <a:avLst/>
-            </a:prstGeom>
-            <a:noFill/>
-          </p:spPr>
-          <p:txBody>
-            <a:bodyPr wrap="none" rtlCol="0">
-              <a:spAutoFit/>
-            </a:bodyPr>
-            <a:lstStyle/>
-            <a:p>
-              <a:r>
-                <a:rPr lang="pt-BR" dirty="0"/>
-                <a:t>TELEGRAM</a:t>
-              </a:r>
-            </a:p>
-          </p:txBody>
-        </p:sp>
-      </p:grpSp>
-      <p:pic>
-        <p:nvPicPr>
-          <p:cNvPr id="18" name="Picture 10" descr="Amazon Web Services - Wikipedia">
-            <a:extLst>
-              <a:ext uri="{FF2B5EF4-FFF2-40B4-BE49-F238E27FC236}">
-                <a16:creationId xmlns:a16="http://schemas.microsoft.com/office/drawing/2014/main" xmlns="" id="{A9F43A1D-EB4B-4882-A8F7-6BE6403BBB25}"/>
-              </a:ext>
-            </a:extLst>
-          </p:cNvPr>
-          <p:cNvPicPr>
-            <a:picLocks noChangeAspect="1" noChangeArrowheads="1"/>
-          </p:cNvPicPr>
-          <p:nvPr/>
-        </p:nvPicPr>
-        <p:blipFill>
-          <a:blip r:embed="rId3" cstate="print">
-            <a:extLst>
-              <a:ext uri="{28A0092B-C50C-407E-A947-70E740481C1C}">
-                <a14:useLocalDpi xmlns:a14="http://schemas.microsoft.com/office/drawing/2010/main" val="0"/>
-              </a:ext>
-            </a:extLst>
-          </a:blip>
-          <a:srcRect/>
-          <a:stretch>
-            <a:fillRect/>
-          </a:stretch>
-        </p:blipFill>
-        <p:spPr bwMode="auto">
-          <a:xfrm>
-            <a:off x="4280055" y="1059531"/>
-            <a:ext cx="1265777" cy="651579"/>
-          </a:xfrm>
-          <a:prstGeom prst="rect">
-            <a:avLst/>
-          </a:prstGeom>
-          <a:noFill/>
-          <a:ln>
-            <a:noFill/>
-          </a:ln>
-          <a:effectLst>
-            <a:outerShdw blurRad="50800" dist="38100" dir="2700000" algn="tl" rotWithShape="0">
-              <a:prstClr val="black">
-                <a:alpha val="40000"/>
-              </a:prstClr>
-            </a:outerShdw>
-          </a:effectLst>
-          <a:extLst>
-            <a:ext uri="{909E8E84-426E-40DD-AFC4-6F175D3DCCD1}">
-              <a14:hiddenFill xmlns:a14="http://schemas.microsoft.com/office/drawing/2010/main">
-                <a:solidFill>
-                  <a:srgbClr val="FFFFFF"/>
-                </a:solidFill>
-              </a14:hiddenFill>
-            </a:ext>
-          </a:extLst>
-        </p:spPr>
-      </p:pic>
-      <p:pic>
-        <p:nvPicPr>
-          <p:cNvPr id="20" name="Imagem 19">
-            <a:extLst>
-              <a:ext uri="{FF2B5EF4-FFF2-40B4-BE49-F238E27FC236}">
-                <a16:creationId xmlns:a16="http://schemas.microsoft.com/office/drawing/2014/main" xmlns="" id="{AD1F625C-8B4C-43CF-867C-3B02AE1833BC}"/>
-              </a:ext>
-            </a:extLst>
-          </p:cNvPr>
-          <p:cNvPicPr>
-            <a:picLocks noChangeAspect="1"/>
-          </p:cNvPicPr>
-          <p:nvPr/>
-        </p:nvPicPr>
-        <p:blipFill>
-          <a:blip r:embed="rId4">
-            <a:extLst>
-              <a:ext uri="{BEBA8EAE-BF5A-486C-A8C5-ECC9F3942E4B}">
-                <a14:imgProps xmlns:a14="http://schemas.microsoft.com/office/drawing/2010/main">
-                  <a14:imgLayer r:embed="rId5">
-                    <a14:imgEffect>
-                      <a14:backgroundRemoval t="10000" b="90000" l="10000" r="90000">
-                        <a14:foregroundMark x1="78075" y1="54000" x2="78075" y2="54000"/>
-                        <a14:foregroundMark x1="78075" y1="69000" x2="78075" y2="69000"/>
-                      </a14:backgroundRemoval>
-                    </a14:imgEffect>
-                  </a14:imgLayer>
-                </a14:imgProps>
-              </a:ext>
-            </a:extLst>
-          </a:blip>
-          <a:stretch>
-            <a:fillRect/>
-          </a:stretch>
-        </p:blipFill>
-        <p:spPr>
-          <a:xfrm>
-            <a:off x="6149225" y="961018"/>
-            <a:ext cx="1567709" cy="838347"/>
-          </a:xfrm>
-          <a:prstGeom prst="rect">
-            <a:avLst/>
-          </a:prstGeom>
-        </p:spPr>
-      </p:pic>
-      <p:pic>
-        <p:nvPicPr>
-          <p:cNvPr id="22" name="Imagem 21">
-            <a:extLst>
-              <a:ext uri="{FF2B5EF4-FFF2-40B4-BE49-F238E27FC236}">
-                <a16:creationId xmlns:a16="http://schemas.microsoft.com/office/drawing/2014/main" xmlns="" id="{08AE2A46-D724-490E-AE76-60A184A3BF6A}"/>
-              </a:ext>
-            </a:extLst>
-          </p:cNvPr>
-          <p:cNvPicPr>
-            <a:picLocks noChangeAspect="1"/>
-          </p:cNvPicPr>
-          <p:nvPr/>
-        </p:nvPicPr>
-        <p:blipFill>
-          <a:blip r:embed="rId4">
-            <a:extLst>
-              <a:ext uri="{BEBA8EAE-BF5A-486C-A8C5-ECC9F3942E4B}">
-                <a14:imgProps xmlns:a14="http://schemas.microsoft.com/office/drawing/2010/main">
-                  <a14:imgLayer r:embed="rId5">
-                    <a14:imgEffect>
-                      <a14:backgroundRemoval t="10000" b="90000" l="10000" r="90000">
-                        <a14:foregroundMark x1="78075" y1="54000" x2="78075" y2="54000"/>
-                        <a14:foregroundMark x1="78075" y1="69000" x2="78075" y2="69000"/>
-                      </a14:backgroundRemoval>
-                    </a14:imgEffect>
-                  </a14:imgLayer>
-                </a14:imgProps>
-              </a:ext>
-            </a:extLst>
-          </a:blip>
-          <a:stretch>
-            <a:fillRect/>
-          </a:stretch>
-        </p:blipFill>
-        <p:spPr>
-          <a:xfrm rot="10800000">
-            <a:off x="5566706" y="1096641"/>
-            <a:ext cx="1567709" cy="838347"/>
-          </a:xfrm>
-          <a:prstGeom prst="rect">
-            <a:avLst/>
-          </a:prstGeom>
-        </p:spPr>
-      </p:pic>
-      <p:pic>
-        <p:nvPicPr>
-          <p:cNvPr id="24" name="Imagem 23">
-            <a:extLst>
-              <a:ext uri="{FF2B5EF4-FFF2-40B4-BE49-F238E27FC236}">
-                <a16:creationId xmlns:a16="http://schemas.microsoft.com/office/drawing/2014/main" xmlns="" id="{2EB209A9-E02B-4C33-A479-04F85A0BC4B5}"/>
-              </a:ext>
-            </a:extLst>
-          </p:cNvPr>
-          <p:cNvPicPr>
-            <a:picLocks noChangeAspect="1"/>
-          </p:cNvPicPr>
-          <p:nvPr/>
-        </p:nvPicPr>
-        <p:blipFill>
-          <a:blip r:embed="rId4">
-            <a:extLst>
-              <a:ext uri="{BEBA8EAE-BF5A-486C-A8C5-ECC9F3942E4B}">
-                <a14:imgProps xmlns:a14="http://schemas.microsoft.com/office/drawing/2010/main">
-                  <a14:imgLayer r:embed="rId5">
-                    <a14:imgEffect>
-                      <a14:backgroundRemoval t="10000" b="90000" l="10000" r="90000">
-                        <a14:foregroundMark x1="78075" y1="54000" x2="78075" y2="54000"/>
-                        <a14:foregroundMark x1="78075" y1="69000" x2="78075" y2="69000"/>
-                      </a14:backgroundRemoval>
-                    </a14:imgEffect>
-                  </a14:imgLayer>
-                </a14:imgProps>
-              </a:ext>
-            </a:extLst>
-          </a:blip>
-          <a:stretch>
-            <a:fillRect/>
-          </a:stretch>
-        </p:blipFill>
-        <p:spPr>
-          <a:xfrm rot="5400000">
-            <a:off x="9321429" y="3470783"/>
-            <a:ext cx="1567709" cy="838347"/>
-          </a:xfrm>
-          <a:prstGeom prst="rect">
-            <a:avLst/>
-          </a:prstGeom>
-        </p:spPr>
-      </p:pic>
-      <p:pic>
-        <p:nvPicPr>
-          <p:cNvPr id="26" name="Imagem 25">
-            <a:extLst>
-              <a:ext uri="{FF2B5EF4-FFF2-40B4-BE49-F238E27FC236}">
-                <a16:creationId xmlns:a16="http://schemas.microsoft.com/office/drawing/2014/main" xmlns="" id="{D6C08CAD-4EF8-42CE-A4DD-9C5D8ACA5224}"/>
-              </a:ext>
-            </a:extLst>
-          </p:cNvPr>
-          <p:cNvPicPr>
-            <a:picLocks noChangeAspect="1"/>
-          </p:cNvPicPr>
-          <p:nvPr/>
-        </p:nvPicPr>
-        <p:blipFill>
-          <a:blip r:embed="rId6">
-            <a:extLst>
-              <a:ext uri="{BEBA8EAE-BF5A-486C-A8C5-ECC9F3942E4B}">
-                <a14:imgProps xmlns:a14="http://schemas.microsoft.com/office/drawing/2010/main">
-                  <a14:imgLayer r:embed="rId7">
-                    <a14:imgEffect>
-                      <a14:backgroundRemoval t="10000" b="90000" l="10000" r="90000">
-                        <a14:foregroundMark x1="46392" y1="79348" x2="46392" y2="79348"/>
-                      </a14:backgroundRemoval>
-                    </a14:imgEffect>
-                  </a14:imgLayer>
-                </a14:imgProps>
-              </a:ext>
-            </a:extLst>
-          </a:blip>
-          <a:stretch>
-            <a:fillRect/>
-          </a:stretch>
-        </p:blipFill>
-        <p:spPr>
-          <a:xfrm rot="11113315">
-            <a:off x="3232770" y="1003726"/>
-            <a:ext cx="1139372" cy="1080641"/>
-          </a:xfrm>
-          <a:prstGeom prst="rect">
-            <a:avLst/>
-          </a:prstGeom>
-        </p:spPr>
-      </p:pic>
-      <p:pic>
-        <p:nvPicPr>
-          <p:cNvPr id="28" name="Imagem 27" descr="Ícone&#10;&#10;Descrição gerada automaticamente">
-            <a:extLst>
-              <a:ext uri="{FF2B5EF4-FFF2-40B4-BE49-F238E27FC236}">
-                <a16:creationId xmlns:a16="http://schemas.microsoft.com/office/drawing/2014/main" xmlns="" id="{FDE139D8-807C-4277-817C-9F6CD41F2978}"/>
-              </a:ext>
-            </a:extLst>
-          </p:cNvPr>
-          <p:cNvPicPr>
-            <a:picLocks noChangeAspect="1"/>
-          </p:cNvPicPr>
-          <p:nvPr/>
-        </p:nvPicPr>
-        <p:blipFill>
-          <a:blip r:embed="rId8" cstate="print">
-            <a:extLst>
-              <a:ext uri="{28A0092B-C50C-407E-A947-70E740481C1C}">
-                <a14:useLocalDpi xmlns:a14="http://schemas.microsoft.com/office/drawing/2010/main" val="0"/>
-              </a:ext>
-            </a:extLst>
-          </a:blip>
-          <a:stretch>
-            <a:fillRect/>
-          </a:stretch>
-        </p:blipFill>
-        <p:spPr>
-          <a:xfrm>
-            <a:off x="9328405" y="4741756"/>
-            <a:ext cx="1377101" cy="1377101"/>
-          </a:xfrm>
-          <a:prstGeom prst="rect">
-            <a:avLst/>
-          </a:prstGeom>
-        </p:spPr>
-      </p:pic>
-      <p:pic>
-        <p:nvPicPr>
-          <p:cNvPr id="32" name="Imagem 31">
-            <a:extLst>
-              <a:ext uri="{FF2B5EF4-FFF2-40B4-BE49-F238E27FC236}">
-                <a16:creationId xmlns:a16="http://schemas.microsoft.com/office/drawing/2014/main" xmlns="" id="{B00BBD1A-74D8-4661-B6FB-B80B95146584}"/>
-              </a:ext>
-            </a:extLst>
-          </p:cNvPr>
-          <p:cNvPicPr>
-            <a:picLocks noChangeAspect="1"/>
-          </p:cNvPicPr>
-          <p:nvPr/>
-        </p:nvPicPr>
-        <p:blipFill>
-          <a:blip r:embed="rId6">
-            <a:extLst>
-              <a:ext uri="{BEBA8EAE-BF5A-486C-A8C5-ECC9F3942E4B}">
-                <a14:imgProps xmlns:a14="http://schemas.microsoft.com/office/drawing/2010/main">
-                  <a14:imgLayer r:embed="rId7">
-                    <a14:imgEffect>
-                      <a14:backgroundRemoval t="10000" b="90000" l="10000" r="90000">
-                        <a14:foregroundMark x1="46392" y1="79348" x2="46392" y2="79348"/>
-                      </a14:backgroundRemoval>
-                    </a14:imgEffect>
-                  </a14:imgLayer>
-                </a14:imgProps>
-              </a:ext>
-            </a:extLst>
-          </a:blip>
-          <a:stretch>
-            <a:fillRect/>
-          </a:stretch>
-        </p:blipFill>
-        <p:spPr>
-          <a:xfrm rot="5485358" flipH="1">
-            <a:off x="2951144" y="1253342"/>
-            <a:ext cx="1139372" cy="1080641"/>
-          </a:xfrm>
-          <a:prstGeom prst="rect">
-            <a:avLst/>
-          </a:prstGeom>
-        </p:spPr>
-      </p:pic>
-      <p:grpSp>
-        <p:nvGrpSpPr>
-          <p:cNvPr id="56" name="Agrupar 55">
-            <a:extLst>
-              <a:ext uri="{FF2B5EF4-FFF2-40B4-BE49-F238E27FC236}">
-                <a16:creationId xmlns:a16="http://schemas.microsoft.com/office/drawing/2014/main" xmlns="" id="{A88421BF-4F71-4237-A447-861C6940039D}"/>
-              </a:ext>
-            </a:extLst>
-          </p:cNvPr>
-          <p:cNvGrpSpPr/>
-          <p:nvPr/>
-        </p:nvGrpSpPr>
-        <p:grpSpPr>
-          <a:xfrm>
-            <a:off x="7433785" y="178282"/>
-            <a:ext cx="4641907" cy="2893848"/>
-            <a:chOff x="7600298" y="69591"/>
-            <a:chExt cx="4641907" cy="2893848"/>
-          </a:xfrm>
-        </p:grpSpPr>
-        <p:pic>
-          <p:nvPicPr>
-            <p:cNvPr id="10" name="Imagem 9" descr="Uma imagem contendo Círculo&#10;&#10;Descrição gerada automaticamente">
-              <a:extLst>
-                <a:ext uri="{FF2B5EF4-FFF2-40B4-BE49-F238E27FC236}">
-                  <a16:creationId xmlns:a16="http://schemas.microsoft.com/office/drawing/2014/main" xmlns="" id="{DAE2A9C3-CEA9-4885-9415-0C13166D5F5E}"/>
-                </a:ext>
-              </a:extLst>
-            </p:cNvPr>
-            <p:cNvPicPr>
-              <a:picLocks noChangeAspect="1"/>
-            </p:cNvPicPr>
-            <p:nvPr/>
-          </p:nvPicPr>
-          <p:blipFill>
-            <a:blip r:embed="rId9">
-              <a:extLst>
-                <a:ext uri="{28A0092B-C50C-407E-A947-70E740481C1C}">
-                  <a14:useLocalDpi xmlns:a14="http://schemas.microsoft.com/office/drawing/2010/main" val="0"/>
-                </a:ext>
-              </a:extLst>
-            </a:blip>
-            <a:stretch>
-              <a:fillRect/>
-            </a:stretch>
-          </p:blipFill>
-          <p:spPr>
-            <a:xfrm flipH="1">
-              <a:off x="7600298" y="69591"/>
-              <a:ext cx="4641907" cy="2893848"/>
-            </a:xfrm>
-            <a:prstGeom prst="rect">
-              <a:avLst/>
-            </a:prstGeom>
-          </p:spPr>
-        </p:pic>
-        <p:pic>
-          <p:nvPicPr>
-            <p:cNvPr id="8" name="Picture 10" descr="Amazon Web Services - Wikipedia">
-              <a:extLst>
-                <a:ext uri="{FF2B5EF4-FFF2-40B4-BE49-F238E27FC236}">
-                  <a16:creationId xmlns:a16="http://schemas.microsoft.com/office/drawing/2014/main" xmlns="" id="{9DCB030A-27A2-4C96-BE81-A36FFB4394B4}"/>
-                </a:ext>
-              </a:extLst>
-            </p:cNvPr>
-            <p:cNvPicPr>
-              <a:picLocks noChangeAspect="1" noChangeArrowheads="1"/>
-            </p:cNvPicPr>
-            <p:nvPr/>
-          </p:nvPicPr>
-          <p:blipFill>
-            <a:blip r:embed="rId10" cstate="print">
-              <a:extLst>
-                <a:ext uri="{28A0092B-C50C-407E-A947-70E740481C1C}">
-                  <a14:useLocalDpi xmlns:a14="http://schemas.microsoft.com/office/drawing/2010/main" val="0"/>
-                </a:ext>
-              </a:extLst>
-            </a:blip>
-            <a:srcRect/>
-            <a:stretch>
-              <a:fillRect/>
-            </a:stretch>
-          </p:blipFill>
-          <p:spPr bwMode="auto">
-            <a:xfrm>
-              <a:off x="9718628" y="268035"/>
-              <a:ext cx="703098" cy="361931"/>
-            </a:xfrm>
-            <a:prstGeom prst="rect">
-              <a:avLst/>
-            </a:prstGeom>
-            <a:noFill/>
-            <a:extLst>
-              <a:ext uri="{909E8E84-426E-40DD-AFC4-6F175D3DCCD1}">
-                <a14:hiddenFill xmlns:a14="http://schemas.microsoft.com/office/drawing/2010/main">
-                  <a:solidFill>
-                    <a:srgbClr val="FFFFFF"/>
-                  </a:solidFill>
-                </a14:hiddenFill>
-              </a:ext>
-            </a:extLst>
-          </p:spPr>
-        </p:pic>
-        <p:grpSp>
-          <p:nvGrpSpPr>
-            <p:cNvPr id="29" name="Agrupar 28">
-              <a:extLst>
-                <a:ext uri="{FF2B5EF4-FFF2-40B4-BE49-F238E27FC236}">
-                  <a16:creationId xmlns:a16="http://schemas.microsoft.com/office/drawing/2014/main" xmlns="" id="{A5B86005-91FC-46F6-A181-F427C8D66527}"/>
-                </a:ext>
-              </a:extLst>
-            </p:cNvPr>
-            <p:cNvGrpSpPr/>
-            <p:nvPr/>
-          </p:nvGrpSpPr>
-          <p:grpSpPr>
-            <a:xfrm>
-              <a:off x="10231438" y="1138095"/>
-              <a:ext cx="1375606" cy="1278374"/>
-              <a:chOff x="2479585" y="1138649"/>
-              <a:chExt cx="1375606" cy="1278374"/>
-            </a:xfrm>
-          </p:grpSpPr>
-          <p:sp>
-            <p:nvSpPr>
-              <p:cNvPr id="12" name="Retângulo: Cantos Arredondados 11">
-                <a:extLst>
-                  <a:ext uri="{FF2B5EF4-FFF2-40B4-BE49-F238E27FC236}">
-                    <a16:creationId xmlns:a16="http://schemas.microsoft.com/office/drawing/2014/main" xmlns="" id="{06E7FB64-63E7-4328-A253-BD838C54B58B}"/>
-                  </a:ext>
-                </a:extLst>
-              </p:cNvPr>
-              <p:cNvSpPr/>
-              <p:nvPr/>
-            </p:nvSpPr>
-            <p:spPr>
-              <a:xfrm>
-                <a:off x="2479585" y="1138649"/>
-                <a:ext cx="1375606" cy="1278374"/>
-              </a:xfrm>
-              <a:prstGeom prst="roundRect">
-                <a:avLst/>
-              </a:prstGeom>
-              <a:solidFill>
-                <a:schemeClr val="bg1"/>
-              </a:solidFill>
-              <a:ln>
-                <a:solidFill>
-                  <a:srgbClr val="C00000"/>
-                </a:solidFill>
-              </a:ln>
-              <a:effectLst>
-                <a:outerShdw blurRad="50800" dist="38100" dir="5400000" algn="t" rotWithShape="0">
-                  <a:prstClr val="black">
-                    <a:alpha val="40000"/>
-                  </a:prstClr>
-                </a:outerShdw>
-              </a:effectLst>
-            </p:spPr>
-            <p:style>
-              <a:lnRef idx="2">
-                <a:schemeClr val="accent1">
-                  <a:shade val="50000"/>
-                </a:schemeClr>
-              </a:lnRef>
-              <a:fillRef idx="1">
-                <a:schemeClr val="accent1"/>
-              </a:fillRef>
-              <a:effectRef idx="0">
-                <a:schemeClr val="accent1"/>
-              </a:effectRef>
-              <a:fontRef idx="minor">
-                <a:schemeClr val="lt1"/>
-              </a:fontRef>
-            </p:style>
-            <p:txBody>
-              <a:bodyPr rtlCol="0" anchor="ctr"/>
-              <a:lstStyle/>
-              <a:p>
-                <a:pPr algn="ctr"/>
-                <a:endParaRPr lang="pt-BR"/>
-              </a:p>
-            </p:txBody>
-          </p:sp>
-          <p:sp>
-            <p:nvSpPr>
-              <p:cNvPr id="15" name="CaixaDeTexto 14">
-                <a:extLst>
-                  <a:ext uri="{FF2B5EF4-FFF2-40B4-BE49-F238E27FC236}">
-                    <a16:creationId xmlns:a16="http://schemas.microsoft.com/office/drawing/2014/main" xmlns="" id="{B6E2CAB3-85BD-4E90-9A4F-458C05C24A6E}"/>
-                  </a:ext>
-                </a:extLst>
-              </p:cNvPr>
-              <p:cNvSpPr txBox="1"/>
-              <p:nvPr/>
-            </p:nvSpPr>
-            <p:spPr>
-              <a:xfrm>
-                <a:off x="2521332" y="1138649"/>
-                <a:ext cx="1333859" cy="307777"/>
-              </a:xfrm>
-              <a:prstGeom prst="rect">
-                <a:avLst/>
-              </a:prstGeom>
-              <a:noFill/>
-            </p:spPr>
-            <p:txBody>
-              <a:bodyPr wrap="square" rtlCol="0">
-                <a:spAutoFit/>
-              </a:bodyPr>
-              <a:lstStyle/>
-              <a:p>
-                <a:r>
-                  <a:rPr lang="pt-BR" sz="1400" b="1" dirty="0"/>
-                  <a:t>INSTITUCIONAL</a:t>
-                </a:r>
-              </a:p>
-            </p:txBody>
-          </p:sp>
-          <p:sp>
-            <p:nvSpPr>
-              <p:cNvPr id="19" name="Retângulo: Cantos Arredondados 18">
-                <a:extLst>
-                  <a:ext uri="{FF2B5EF4-FFF2-40B4-BE49-F238E27FC236}">
-                    <a16:creationId xmlns:a16="http://schemas.microsoft.com/office/drawing/2014/main" xmlns="" id="{B3BE4363-4B0B-4707-878E-4CA3261BE8EC}"/>
-                  </a:ext>
-                </a:extLst>
-              </p:cNvPr>
-              <p:cNvSpPr/>
-              <p:nvPr/>
-            </p:nvSpPr>
-            <p:spPr>
-              <a:xfrm>
-                <a:off x="2599566" y="1420159"/>
-                <a:ext cx="1150341" cy="258175"/>
-              </a:xfrm>
-              <a:prstGeom prst="roundRect">
-                <a:avLst/>
-              </a:prstGeom>
-              <a:solidFill>
-                <a:schemeClr val="bg1"/>
-              </a:solidFill>
-              <a:ln>
-                <a:solidFill>
-                  <a:srgbClr val="C00000"/>
-                </a:solidFill>
-              </a:ln>
-            </p:spPr>
-            <p:style>
-              <a:lnRef idx="2">
-                <a:schemeClr val="accent1">
-                  <a:shade val="50000"/>
-                </a:schemeClr>
-              </a:lnRef>
-              <a:fillRef idx="1">
-                <a:schemeClr val="accent1"/>
-              </a:fillRef>
-              <a:effectRef idx="0">
-                <a:schemeClr val="accent1"/>
-              </a:effectRef>
-              <a:fontRef idx="minor">
-                <a:schemeClr val="lt1"/>
-              </a:fontRef>
-            </p:style>
-            <p:txBody>
-              <a:bodyPr rtlCol="0" anchor="ctr"/>
-              <a:lstStyle/>
-              <a:p>
-                <a:pPr algn="ctr"/>
-                <a:r>
-                  <a:rPr lang="pt-BR" sz="1400" dirty="0">
-                    <a:solidFill>
-                      <a:schemeClr val="tx1"/>
-                    </a:solidFill>
-                  </a:rPr>
-                  <a:t>NODE JS</a:t>
-                </a:r>
-              </a:p>
-            </p:txBody>
-          </p:sp>
-          <p:sp>
-            <p:nvSpPr>
-              <p:cNvPr id="25" name="Retângulo: Cantos Arredondados 24">
-                <a:extLst>
-                  <a:ext uri="{FF2B5EF4-FFF2-40B4-BE49-F238E27FC236}">
-                    <a16:creationId xmlns:a16="http://schemas.microsoft.com/office/drawing/2014/main" xmlns="" id="{334FA522-97C5-4565-B734-B12E774EE2D2}"/>
-                  </a:ext>
-                </a:extLst>
-              </p:cNvPr>
-              <p:cNvSpPr/>
-              <p:nvPr/>
-            </p:nvSpPr>
-            <p:spPr>
-              <a:xfrm>
-                <a:off x="2594982" y="1744995"/>
-                <a:ext cx="1150341" cy="258175"/>
-              </a:xfrm>
-              <a:prstGeom prst="roundRect">
-                <a:avLst/>
-              </a:prstGeom>
-              <a:solidFill>
-                <a:schemeClr val="bg1"/>
-              </a:solidFill>
-              <a:ln>
-                <a:solidFill>
-                  <a:srgbClr val="C00000"/>
-                </a:solidFill>
-              </a:ln>
-            </p:spPr>
-            <p:style>
-              <a:lnRef idx="2">
-                <a:schemeClr val="accent1">
-                  <a:shade val="50000"/>
-                </a:schemeClr>
-              </a:lnRef>
-              <a:fillRef idx="1">
-                <a:schemeClr val="accent1"/>
-              </a:fillRef>
-              <a:effectRef idx="0">
-                <a:schemeClr val="accent1"/>
-              </a:effectRef>
-              <a:fontRef idx="minor">
-                <a:schemeClr val="lt1"/>
-              </a:fontRef>
-            </p:style>
-            <p:txBody>
-              <a:bodyPr rtlCol="0" anchor="ctr"/>
-              <a:lstStyle/>
-              <a:p>
-                <a:pPr algn="ctr"/>
-                <a:r>
-                  <a:rPr lang="pt-BR" sz="1400" dirty="0">
-                    <a:solidFill>
-                      <a:schemeClr val="tx1"/>
-                    </a:solidFill>
-                  </a:rPr>
-                  <a:t>BOOTSTRAP</a:t>
-                </a:r>
-                <a:endParaRPr lang="pt-BR" dirty="0">
-                  <a:solidFill>
-                    <a:schemeClr val="tx1"/>
-                  </a:solidFill>
-                </a:endParaRPr>
-              </a:p>
-            </p:txBody>
-          </p:sp>
-          <p:sp>
-            <p:nvSpPr>
-              <p:cNvPr id="27" name="Retângulo: Cantos Arredondados 26">
-                <a:extLst>
-                  <a:ext uri="{FF2B5EF4-FFF2-40B4-BE49-F238E27FC236}">
-                    <a16:creationId xmlns:a16="http://schemas.microsoft.com/office/drawing/2014/main" xmlns="" id="{775F83A5-B037-48C8-ABC4-676B34D4AF47}"/>
-                  </a:ext>
-                </a:extLst>
-              </p:cNvPr>
-              <p:cNvSpPr/>
-              <p:nvPr/>
-            </p:nvSpPr>
-            <p:spPr>
-              <a:xfrm>
-                <a:off x="2592190" y="2065845"/>
-                <a:ext cx="1150341" cy="258175"/>
-              </a:xfrm>
-              <a:prstGeom prst="roundRect">
-                <a:avLst/>
-              </a:prstGeom>
-              <a:solidFill>
-                <a:schemeClr val="bg1"/>
-              </a:solidFill>
-              <a:ln>
-                <a:solidFill>
-                  <a:srgbClr val="C00000"/>
-                </a:solidFill>
-              </a:ln>
-            </p:spPr>
-            <p:style>
-              <a:lnRef idx="2">
-                <a:schemeClr val="accent1">
-                  <a:shade val="50000"/>
-                </a:schemeClr>
-              </a:lnRef>
-              <a:fillRef idx="1">
-                <a:schemeClr val="accent1"/>
-              </a:fillRef>
-              <a:effectRef idx="0">
-                <a:schemeClr val="accent1"/>
-              </a:effectRef>
-              <a:fontRef idx="minor">
-                <a:schemeClr val="lt1"/>
-              </a:fontRef>
-            </p:style>
-            <p:txBody>
-              <a:bodyPr rtlCol="0" anchor="ctr"/>
-              <a:lstStyle/>
-              <a:p>
-                <a:pPr algn="ctr"/>
-                <a:endParaRPr lang="pt-BR" sz="1400" dirty="0">
-                  <a:solidFill>
-                    <a:schemeClr val="tx1"/>
-                  </a:solidFill>
-                </a:endParaRPr>
-              </a:p>
-            </p:txBody>
-          </p:sp>
-        </p:grpSp>
-        <p:grpSp>
-          <p:nvGrpSpPr>
-            <p:cNvPr id="38" name="Agrupar 37">
-              <a:extLst>
-                <a:ext uri="{FF2B5EF4-FFF2-40B4-BE49-F238E27FC236}">
-                  <a16:creationId xmlns:a16="http://schemas.microsoft.com/office/drawing/2014/main" xmlns="" id="{60DCC3DF-978C-4B71-A630-6970168042DC}"/>
-                </a:ext>
-              </a:extLst>
-            </p:cNvPr>
-            <p:cNvGrpSpPr/>
-            <p:nvPr/>
-          </p:nvGrpSpPr>
-          <p:grpSpPr>
-            <a:xfrm>
-              <a:off x="8760841" y="1120596"/>
-              <a:ext cx="1375606" cy="1278374"/>
-              <a:chOff x="2479585" y="1138649"/>
-              <a:chExt cx="1375606" cy="1278374"/>
-            </a:xfrm>
-          </p:grpSpPr>
-          <p:sp>
-            <p:nvSpPr>
-              <p:cNvPr id="39" name="Retângulo: Cantos Arredondados 38">
-                <a:extLst>
-                  <a:ext uri="{FF2B5EF4-FFF2-40B4-BE49-F238E27FC236}">
-                    <a16:creationId xmlns:a16="http://schemas.microsoft.com/office/drawing/2014/main" xmlns="" id="{5AB6D179-D189-4AB7-9C91-CE356F4AA467}"/>
-                  </a:ext>
-                </a:extLst>
-              </p:cNvPr>
-              <p:cNvSpPr/>
-              <p:nvPr/>
-            </p:nvSpPr>
-            <p:spPr>
-              <a:xfrm>
-                <a:off x="2479585" y="1138649"/>
-                <a:ext cx="1375606" cy="1278374"/>
-              </a:xfrm>
-              <a:prstGeom prst="roundRect">
-                <a:avLst/>
-              </a:prstGeom>
-              <a:solidFill>
-                <a:schemeClr val="bg1"/>
-              </a:solidFill>
-              <a:ln>
-                <a:solidFill>
-                  <a:srgbClr val="C00000"/>
-                </a:solidFill>
-              </a:ln>
-              <a:effectLst>
-                <a:outerShdw blurRad="50800" dist="38100" dir="5400000" algn="t" rotWithShape="0">
-                  <a:prstClr val="black">
-                    <a:alpha val="40000"/>
-                  </a:prstClr>
-                </a:outerShdw>
-              </a:effectLst>
-            </p:spPr>
-            <p:style>
-              <a:lnRef idx="2">
-                <a:schemeClr val="accent1">
-                  <a:shade val="50000"/>
-                </a:schemeClr>
-              </a:lnRef>
-              <a:fillRef idx="1">
-                <a:schemeClr val="accent1"/>
-              </a:fillRef>
-              <a:effectRef idx="0">
-                <a:schemeClr val="accent1"/>
-              </a:effectRef>
-              <a:fontRef idx="minor">
-                <a:schemeClr val="lt1"/>
-              </a:fontRef>
-            </p:style>
-            <p:txBody>
-              <a:bodyPr rtlCol="0" anchor="ctr"/>
-              <a:lstStyle/>
-              <a:p>
-                <a:pPr algn="ctr"/>
-                <a:endParaRPr lang="pt-BR"/>
-              </a:p>
-            </p:txBody>
-          </p:sp>
-          <p:sp>
-            <p:nvSpPr>
-              <p:cNvPr id="40" name="CaixaDeTexto 39">
-                <a:extLst>
-                  <a:ext uri="{FF2B5EF4-FFF2-40B4-BE49-F238E27FC236}">
-                    <a16:creationId xmlns:a16="http://schemas.microsoft.com/office/drawing/2014/main" xmlns="" id="{FAA94211-AED4-4C26-BA80-E5D6269430E3}"/>
-                  </a:ext>
-                </a:extLst>
-              </p:cNvPr>
-              <p:cNvSpPr txBox="1"/>
-              <p:nvPr/>
-            </p:nvSpPr>
-            <p:spPr>
-              <a:xfrm>
-                <a:off x="2616323" y="1138649"/>
-                <a:ext cx="1238868" cy="307777"/>
-              </a:xfrm>
-              <a:prstGeom prst="rect">
-                <a:avLst/>
-              </a:prstGeom>
-              <a:noFill/>
-            </p:spPr>
-            <p:txBody>
-              <a:bodyPr wrap="square" rtlCol="0">
-                <a:spAutoFit/>
-              </a:bodyPr>
-              <a:lstStyle/>
-              <a:p>
-                <a:r>
-                  <a:rPr lang="pt-BR" sz="1400" b="1" dirty="0"/>
-                  <a:t>DASHBOARD</a:t>
-                </a:r>
-              </a:p>
-            </p:txBody>
-          </p:sp>
-          <p:sp>
-            <p:nvSpPr>
-              <p:cNvPr id="41" name="Retângulo: Cantos Arredondados 40">
-                <a:extLst>
-                  <a:ext uri="{FF2B5EF4-FFF2-40B4-BE49-F238E27FC236}">
-                    <a16:creationId xmlns:a16="http://schemas.microsoft.com/office/drawing/2014/main" xmlns="" id="{BE9FC312-A980-456B-AA26-297F60190567}"/>
-                  </a:ext>
-                </a:extLst>
-              </p:cNvPr>
-              <p:cNvSpPr/>
-              <p:nvPr/>
-            </p:nvSpPr>
-            <p:spPr>
-              <a:xfrm>
-                <a:off x="2599566" y="1420159"/>
-                <a:ext cx="1150341" cy="258175"/>
-              </a:xfrm>
-              <a:prstGeom prst="roundRect">
-                <a:avLst/>
-              </a:prstGeom>
-              <a:solidFill>
-                <a:schemeClr val="bg1"/>
-              </a:solidFill>
-              <a:ln>
-                <a:solidFill>
-                  <a:srgbClr val="C00000"/>
-                </a:solidFill>
-              </a:ln>
-            </p:spPr>
-            <p:style>
-              <a:lnRef idx="2">
-                <a:schemeClr val="accent1">
-                  <a:shade val="50000"/>
-                </a:schemeClr>
-              </a:lnRef>
-              <a:fillRef idx="1">
-                <a:schemeClr val="accent1"/>
-              </a:fillRef>
-              <a:effectRef idx="0">
-                <a:schemeClr val="accent1"/>
-              </a:effectRef>
-              <a:fontRef idx="minor">
-                <a:schemeClr val="lt1"/>
-              </a:fontRef>
-            </p:style>
-            <p:txBody>
-              <a:bodyPr rtlCol="0" anchor="ctr"/>
-              <a:lstStyle/>
-              <a:p>
-                <a:pPr algn="ctr"/>
-                <a:r>
-                  <a:rPr lang="pt-BR" sz="1400" dirty="0">
-                    <a:solidFill>
-                      <a:schemeClr val="tx1"/>
-                    </a:solidFill>
-                  </a:rPr>
-                  <a:t>NODE JS</a:t>
-                </a:r>
-              </a:p>
-            </p:txBody>
-          </p:sp>
-          <p:sp>
-            <p:nvSpPr>
-              <p:cNvPr id="42" name="Retângulo: Cantos Arredondados 41">
-                <a:extLst>
-                  <a:ext uri="{FF2B5EF4-FFF2-40B4-BE49-F238E27FC236}">
-                    <a16:creationId xmlns:a16="http://schemas.microsoft.com/office/drawing/2014/main" xmlns="" id="{3DDB6B4C-2D2C-4941-B7C8-03BF2694ADE6}"/>
-                  </a:ext>
-                </a:extLst>
-              </p:cNvPr>
-              <p:cNvSpPr/>
-              <p:nvPr/>
-            </p:nvSpPr>
-            <p:spPr>
-              <a:xfrm>
-                <a:off x="2594982" y="1744995"/>
-                <a:ext cx="1150341" cy="258175"/>
-              </a:xfrm>
-              <a:prstGeom prst="roundRect">
-                <a:avLst/>
-              </a:prstGeom>
-              <a:solidFill>
-                <a:schemeClr val="bg1"/>
-              </a:solidFill>
-              <a:ln>
-                <a:solidFill>
-                  <a:srgbClr val="C00000"/>
-                </a:solidFill>
-              </a:ln>
-            </p:spPr>
-            <p:style>
-              <a:lnRef idx="2">
-                <a:schemeClr val="accent1">
-                  <a:shade val="50000"/>
-                </a:schemeClr>
-              </a:lnRef>
-              <a:fillRef idx="1">
-                <a:schemeClr val="accent1"/>
-              </a:fillRef>
-              <a:effectRef idx="0">
-                <a:schemeClr val="accent1"/>
-              </a:effectRef>
-              <a:fontRef idx="minor">
-                <a:schemeClr val="lt1"/>
-              </a:fontRef>
-            </p:style>
-            <p:txBody>
-              <a:bodyPr rtlCol="0" anchor="ctr"/>
-              <a:lstStyle/>
-              <a:p>
-                <a:pPr algn="ctr"/>
-                <a:r>
-                  <a:rPr lang="pt-BR" sz="1400" dirty="0">
-                    <a:solidFill>
-                      <a:schemeClr val="tx1"/>
-                    </a:solidFill>
-                  </a:rPr>
-                  <a:t>BOOTSTRAP</a:t>
-                </a:r>
-                <a:endParaRPr lang="pt-BR" dirty="0">
-                  <a:solidFill>
-                    <a:schemeClr val="tx1"/>
-                  </a:solidFill>
-                </a:endParaRPr>
-              </a:p>
-            </p:txBody>
-          </p:sp>
-          <p:sp>
-            <p:nvSpPr>
-              <p:cNvPr id="43" name="Retângulo: Cantos Arredondados 42">
-                <a:extLst>
-                  <a:ext uri="{FF2B5EF4-FFF2-40B4-BE49-F238E27FC236}">
-                    <a16:creationId xmlns:a16="http://schemas.microsoft.com/office/drawing/2014/main" xmlns="" id="{99A0CDDA-FE75-450A-903E-6B21CD100C08}"/>
-                  </a:ext>
-                </a:extLst>
-              </p:cNvPr>
-              <p:cNvSpPr/>
-              <p:nvPr/>
-            </p:nvSpPr>
-            <p:spPr>
-              <a:xfrm>
-                <a:off x="2592190" y="2065845"/>
-                <a:ext cx="1150341" cy="258175"/>
-              </a:xfrm>
-              <a:prstGeom prst="roundRect">
-                <a:avLst/>
-              </a:prstGeom>
-              <a:solidFill>
-                <a:schemeClr val="bg1"/>
-              </a:solidFill>
-              <a:ln>
-                <a:solidFill>
-                  <a:srgbClr val="C00000"/>
-                </a:solidFill>
-              </a:ln>
-            </p:spPr>
-            <p:style>
-              <a:lnRef idx="2">
-                <a:schemeClr val="accent1">
-                  <a:shade val="50000"/>
-                </a:schemeClr>
-              </a:lnRef>
-              <a:fillRef idx="1">
-                <a:schemeClr val="accent1"/>
-              </a:fillRef>
-              <a:effectRef idx="0">
-                <a:schemeClr val="accent1"/>
-              </a:effectRef>
-              <a:fontRef idx="minor">
-                <a:schemeClr val="lt1"/>
-              </a:fontRef>
-            </p:style>
-            <p:txBody>
-              <a:bodyPr rtlCol="0" anchor="ctr"/>
-              <a:lstStyle/>
-              <a:p>
-                <a:pPr algn="ctr"/>
-                <a:r>
-                  <a:rPr lang="pt-BR" sz="1400" dirty="0">
-                    <a:solidFill>
-                      <a:schemeClr val="tx1"/>
-                    </a:solidFill>
-                  </a:rPr>
-                  <a:t>CHART JS</a:t>
-                </a:r>
-              </a:p>
-            </p:txBody>
-          </p:sp>
-        </p:grpSp>
-      </p:grpSp>
-      <p:sp>
-        <p:nvSpPr>
-          <p:cNvPr id="34" name="CaixaDeTexto 33">
-            <a:extLst>
-              <a:ext uri="{FF2B5EF4-FFF2-40B4-BE49-F238E27FC236}">
-                <a16:creationId xmlns:a16="http://schemas.microsoft.com/office/drawing/2014/main" xmlns="" id="{4126C0AC-CE3C-4483-962B-F69B5D9E2D13}"/>
-              </a:ext>
-            </a:extLst>
-          </p:cNvPr>
-          <p:cNvSpPr txBox="1"/>
-          <p:nvPr/>
-        </p:nvSpPr>
-        <p:spPr>
-          <a:xfrm>
-            <a:off x="10182177" y="2150085"/>
-            <a:ext cx="1182848" cy="307777"/>
-          </a:xfrm>
-          <a:prstGeom prst="rect">
-            <a:avLst/>
-          </a:prstGeom>
-          <a:noFill/>
-        </p:spPr>
-        <p:txBody>
-          <a:bodyPr wrap="square" rtlCol="0">
-            <a:spAutoFit/>
-          </a:bodyPr>
-          <a:lstStyle/>
-          <a:p>
-            <a:r>
-              <a:rPr lang="pt-BR" sz="1400" dirty="0"/>
-              <a:t>HTML/CSS/JS</a:t>
-            </a:r>
-          </a:p>
-        </p:txBody>
-      </p:sp>
-      <p:sp>
-        <p:nvSpPr>
-          <p:cNvPr id="4" name="Retângulo 3">
-            <a:extLst>
-              <a:ext uri="{FF2B5EF4-FFF2-40B4-BE49-F238E27FC236}">
-                <a16:creationId xmlns:a16="http://schemas.microsoft.com/office/drawing/2014/main" xmlns="" id="{06EEFDB7-FAE6-49C2-A6C2-3E1C9D997985}"/>
-              </a:ext>
-            </a:extLst>
-          </p:cNvPr>
-          <p:cNvSpPr/>
-          <p:nvPr/>
-        </p:nvSpPr>
-        <p:spPr>
-          <a:xfrm>
-            <a:off x="116308" y="2407822"/>
-            <a:ext cx="3772271" cy="2925400"/>
-          </a:xfrm>
-          <a:prstGeom prst="rect">
-            <a:avLst/>
-          </a:prstGeom>
-          <a:solidFill>
-            <a:schemeClr val="bg1"/>
-          </a:solidFill>
-          <a:ln>
-            <a:solidFill>
-              <a:srgbClr val="C00000"/>
-            </a:solidFill>
-          </a:ln>
-          <a:effectLst>
-            <a:outerShdw blurRad="50800" dist="38100" dir="5400000" algn="t" rotWithShape="0">
-              <a:prstClr val="black">
-                <a:alpha val="40000"/>
-              </a:prstClr>
-            </a:outerShdw>
-          </a:effectLst>
-        </p:spPr>
-        <p:style>
-          <a:lnRef idx="2">
-            <a:schemeClr val="accent1">
-              <a:shade val="50000"/>
-            </a:schemeClr>
-          </a:lnRef>
-          <a:fillRef idx="1">
-            <a:schemeClr val="accent1"/>
-          </a:fillRef>
-          <a:effectRef idx="0">
-            <a:schemeClr val="accent1"/>
-          </a:effectRef>
-          <a:fontRef idx="minor">
-            <a:schemeClr val="lt1"/>
-          </a:fontRef>
-        </p:style>
-        <p:txBody>
-          <a:bodyPr rtlCol="0" anchor="ctr"/>
-          <a:lstStyle/>
-          <a:p>
-            <a:pPr algn="ctr"/>
-            <a:endParaRPr lang="pt-BR" dirty="0">
-              <a:solidFill>
-                <a:schemeClr val="tx1"/>
-              </a:solidFill>
-            </a:endParaRPr>
-          </a:p>
-        </p:txBody>
-      </p:sp>
-      <p:sp>
-        <p:nvSpPr>
-          <p:cNvPr id="5" name="Retângulo 4">
-            <a:extLst>
-              <a:ext uri="{FF2B5EF4-FFF2-40B4-BE49-F238E27FC236}">
-                <a16:creationId xmlns:a16="http://schemas.microsoft.com/office/drawing/2014/main" xmlns="" id="{992B8073-3EDD-49FB-B3A5-8D86665CB1B1}"/>
-              </a:ext>
-            </a:extLst>
-          </p:cNvPr>
-          <p:cNvSpPr/>
-          <p:nvPr/>
-        </p:nvSpPr>
-        <p:spPr>
-          <a:xfrm>
-            <a:off x="116308" y="4469678"/>
-            <a:ext cx="3772271" cy="522393"/>
-          </a:xfrm>
-          <a:prstGeom prst="rect">
-            <a:avLst/>
-          </a:prstGeom>
-          <a:solidFill>
-            <a:schemeClr val="bg1"/>
-          </a:solidFill>
-          <a:ln>
-            <a:solidFill>
-              <a:srgbClr val="C00000"/>
-            </a:solidFill>
-          </a:ln>
-        </p:spPr>
-        <p:style>
-          <a:lnRef idx="2">
-            <a:schemeClr val="accent1">
-              <a:shade val="50000"/>
-            </a:schemeClr>
-          </a:lnRef>
-          <a:fillRef idx="1">
-            <a:schemeClr val="accent1"/>
-          </a:fillRef>
-          <a:effectRef idx="0">
-            <a:schemeClr val="accent1"/>
-          </a:effectRef>
-          <a:fontRef idx="minor">
-            <a:schemeClr val="lt1"/>
-          </a:fontRef>
-        </p:style>
-        <p:txBody>
-          <a:bodyPr rtlCol="0" anchor="ctr"/>
-          <a:lstStyle/>
-          <a:p>
-            <a:pPr algn="ctr"/>
-            <a:endParaRPr lang="pt-BR"/>
-          </a:p>
-        </p:txBody>
-      </p:sp>
-      <p:sp>
-        <p:nvSpPr>
-          <p:cNvPr id="7" name="CaixaDeTexto 6">
-            <a:extLst>
-              <a:ext uri="{FF2B5EF4-FFF2-40B4-BE49-F238E27FC236}">
-                <a16:creationId xmlns:a16="http://schemas.microsoft.com/office/drawing/2014/main" xmlns="" id="{D0831F10-E807-4AB7-B10B-540158D49ADB}"/>
-              </a:ext>
-            </a:extLst>
-          </p:cNvPr>
-          <p:cNvSpPr txBox="1"/>
-          <p:nvPr/>
-        </p:nvSpPr>
-        <p:spPr>
-          <a:xfrm>
-            <a:off x="1515788" y="4456876"/>
-            <a:ext cx="1062895" cy="523220"/>
-          </a:xfrm>
-          <a:prstGeom prst="rect">
-            <a:avLst/>
-          </a:prstGeom>
-          <a:noFill/>
-        </p:spPr>
-        <p:txBody>
-          <a:bodyPr wrap="square" rtlCol="0">
-            <a:spAutoFit/>
-          </a:bodyPr>
-          <a:lstStyle/>
-          <a:p>
-            <a:pPr algn="ctr"/>
-            <a:r>
-              <a:rPr lang="pt-BR" sz="1400" dirty="0"/>
-              <a:t>Sistema </a:t>
-            </a:r>
-          </a:p>
-          <a:p>
-            <a:pPr algn="ctr"/>
-            <a:r>
-              <a:rPr lang="pt-BR" sz="1400" dirty="0"/>
-              <a:t>Operacional</a:t>
-            </a:r>
-          </a:p>
-        </p:txBody>
-      </p:sp>
-      <p:sp>
-        <p:nvSpPr>
-          <p:cNvPr id="11" name="CaixaDeTexto 10">
-            <a:extLst>
-              <a:ext uri="{FF2B5EF4-FFF2-40B4-BE49-F238E27FC236}">
-                <a16:creationId xmlns:a16="http://schemas.microsoft.com/office/drawing/2014/main" xmlns="" id="{4813BF99-AFC6-407B-A271-04C2202605CA}"/>
-              </a:ext>
-            </a:extLst>
-          </p:cNvPr>
-          <p:cNvSpPr txBox="1"/>
-          <p:nvPr/>
-        </p:nvSpPr>
-        <p:spPr>
-          <a:xfrm>
-            <a:off x="2997353" y="4564597"/>
-            <a:ext cx="711843" cy="307777"/>
-          </a:xfrm>
-          <a:prstGeom prst="rect">
-            <a:avLst/>
-          </a:prstGeom>
-          <a:noFill/>
-        </p:spPr>
-        <p:txBody>
-          <a:bodyPr wrap="square" rtlCol="0">
-            <a:spAutoFit/>
-          </a:bodyPr>
-          <a:lstStyle/>
-          <a:p>
-            <a:r>
-              <a:rPr lang="pt-BR" sz="1400" dirty="0"/>
-              <a:t>REDE</a:t>
-            </a:r>
-            <a:endParaRPr lang="pt-BR" dirty="0"/>
-          </a:p>
-        </p:txBody>
-      </p:sp>
-      <p:sp>
-        <p:nvSpPr>
-          <p:cNvPr id="13" name="CaixaDeTexto 12">
-            <a:extLst>
-              <a:ext uri="{FF2B5EF4-FFF2-40B4-BE49-F238E27FC236}">
-                <a16:creationId xmlns:a16="http://schemas.microsoft.com/office/drawing/2014/main" xmlns="" id="{6DEBBB9D-A4EC-4C56-9194-327EBFB29918}"/>
-              </a:ext>
-            </a:extLst>
-          </p:cNvPr>
-          <p:cNvSpPr txBox="1"/>
-          <p:nvPr/>
-        </p:nvSpPr>
-        <p:spPr>
-          <a:xfrm>
-            <a:off x="116308" y="4574346"/>
-            <a:ext cx="1356523" cy="307777"/>
-          </a:xfrm>
-          <a:prstGeom prst="rect">
-            <a:avLst/>
-          </a:prstGeom>
-          <a:noFill/>
-        </p:spPr>
-        <p:txBody>
-          <a:bodyPr wrap="square" rtlCol="0">
-            <a:spAutoFit/>
-          </a:bodyPr>
-          <a:lstStyle/>
-          <a:p>
-            <a:r>
-              <a:rPr lang="pt-BR" sz="1400" dirty="0"/>
-              <a:t>CPU/RAM/HD</a:t>
-            </a:r>
-          </a:p>
-        </p:txBody>
-      </p:sp>
-      <p:sp>
-        <p:nvSpPr>
-          <p:cNvPr id="14" name="CaixaDeTexto 13">
-            <a:extLst>
-              <a:ext uri="{FF2B5EF4-FFF2-40B4-BE49-F238E27FC236}">
-                <a16:creationId xmlns:a16="http://schemas.microsoft.com/office/drawing/2014/main" xmlns="" id="{DE0C5885-0CC7-49C9-9220-49B280504E17}"/>
-              </a:ext>
-            </a:extLst>
-          </p:cNvPr>
-          <p:cNvSpPr txBox="1"/>
-          <p:nvPr/>
-        </p:nvSpPr>
-        <p:spPr>
-          <a:xfrm>
-            <a:off x="1161500" y="4993369"/>
-            <a:ext cx="1417183" cy="338554"/>
-          </a:xfrm>
-          <a:prstGeom prst="rect">
-            <a:avLst/>
-          </a:prstGeom>
-          <a:noFill/>
-        </p:spPr>
-        <p:txBody>
-          <a:bodyPr wrap="none" rtlCol="0">
-            <a:spAutoFit/>
-          </a:bodyPr>
-          <a:lstStyle/>
-          <a:p>
-            <a:r>
-              <a:rPr lang="pt-BR" sz="1600" dirty="0"/>
-              <a:t>COMPUTADOR</a:t>
-            </a:r>
-          </a:p>
-        </p:txBody>
-      </p:sp>
-      <p:sp>
-        <p:nvSpPr>
-          <p:cNvPr id="35" name="Retângulo: Cantos Arredondados 34">
-            <a:extLst>
-              <a:ext uri="{FF2B5EF4-FFF2-40B4-BE49-F238E27FC236}">
-                <a16:creationId xmlns:a16="http://schemas.microsoft.com/office/drawing/2014/main" xmlns="" id="{F4495A6B-1274-42B6-B1F7-A7961AF78928}"/>
-              </a:ext>
-            </a:extLst>
-          </p:cNvPr>
-          <p:cNvSpPr/>
-          <p:nvPr/>
-        </p:nvSpPr>
-        <p:spPr>
-          <a:xfrm>
-            <a:off x="2231472" y="2613326"/>
-            <a:ext cx="1477724" cy="307043"/>
-          </a:xfrm>
-          <a:prstGeom prst="roundRect">
-            <a:avLst/>
-          </a:prstGeom>
-          <a:noFill/>
-          <a:ln>
-            <a:solidFill>
-              <a:srgbClr val="C00000"/>
-            </a:solidFill>
-          </a:ln>
-          <a:effectLst/>
-        </p:spPr>
-        <p:style>
-          <a:lnRef idx="2">
-            <a:schemeClr val="accent1">
-              <a:shade val="50000"/>
-            </a:schemeClr>
-          </a:lnRef>
-          <a:fillRef idx="1">
-            <a:schemeClr val="accent1"/>
-          </a:fillRef>
-          <a:effectRef idx="0">
-            <a:schemeClr val="accent1"/>
-          </a:effectRef>
-          <a:fontRef idx="minor">
-            <a:schemeClr val="lt1"/>
-          </a:fontRef>
-        </p:style>
-        <p:txBody>
-          <a:bodyPr rtlCol="0" anchor="ctr"/>
-          <a:lstStyle/>
-          <a:p>
-            <a:pPr algn="ctr"/>
-            <a:r>
-              <a:rPr lang="pt-BR" sz="1600" dirty="0">
-                <a:solidFill>
-                  <a:schemeClr val="tx1"/>
-                </a:solidFill>
-              </a:rPr>
-              <a:t>SWING</a:t>
-            </a:r>
-            <a:endParaRPr lang="pt-BR" dirty="0">
-              <a:solidFill>
-                <a:schemeClr val="tx1"/>
-              </a:solidFill>
-            </a:endParaRPr>
-          </a:p>
-        </p:txBody>
-      </p:sp>
-      <p:sp>
-        <p:nvSpPr>
-          <p:cNvPr id="57" name="CaixaDeTexto 56">
-            <a:extLst>
-              <a:ext uri="{FF2B5EF4-FFF2-40B4-BE49-F238E27FC236}">
-                <a16:creationId xmlns:a16="http://schemas.microsoft.com/office/drawing/2014/main" xmlns="" id="{F70E56E9-140D-4403-8CA8-F5F66B1E69A6}"/>
-              </a:ext>
-            </a:extLst>
-          </p:cNvPr>
-          <p:cNvSpPr txBox="1"/>
-          <p:nvPr/>
-        </p:nvSpPr>
-        <p:spPr>
-          <a:xfrm>
-            <a:off x="0" y="25167"/>
-            <a:ext cx="522900" cy="369332"/>
-          </a:xfrm>
-          <a:prstGeom prst="rect">
-            <a:avLst/>
-          </a:prstGeom>
-          <a:noFill/>
-        </p:spPr>
-        <p:txBody>
-          <a:bodyPr wrap="none" rtlCol="0">
-            <a:spAutoFit/>
-          </a:bodyPr>
-          <a:lstStyle/>
-          <a:p>
-            <a:r>
-              <a:rPr lang="pt-BR" b="1" dirty="0"/>
-              <a:t>LLD</a:t>
-            </a:r>
-          </a:p>
-        </p:txBody>
-      </p:sp>
-      <p:pic>
-        <p:nvPicPr>
-          <p:cNvPr id="63" name="Imagem 62" descr="Padrão do plano de fundo&#10;&#10;Descrição gerada automaticamente">
-            <a:extLst>
-              <a:ext uri="{FF2B5EF4-FFF2-40B4-BE49-F238E27FC236}">
-                <a16:creationId xmlns:a16="http://schemas.microsoft.com/office/drawing/2014/main" xmlns="" id="{7AC75D24-9635-4AF2-AEE1-4B00368B40B5}"/>
-              </a:ext>
-            </a:extLst>
-          </p:cNvPr>
-          <p:cNvPicPr>
-            <a:picLocks noChangeAspect="1"/>
-          </p:cNvPicPr>
-          <p:nvPr/>
-        </p:nvPicPr>
-        <p:blipFill>
-          <a:blip r:embed="rId11">
-            <a:extLst>
-              <a:ext uri="{28A0092B-C50C-407E-A947-70E740481C1C}">
-                <a14:useLocalDpi xmlns:a14="http://schemas.microsoft.com/office/drawing/2010/main" val="0"/>
-              </a:ext>
-            </a:extLst>
-          </a:blip>
-          <a:stretch>
-            <a:fillRect/>
-          </a:stretch>
-        </p:blipFill>
-        <p:spPr>
-          <a:xfrm>
-            <a:off x="0" y="329949"/>
-            <a:ext cx="1686578" cy="470252"/>
-          </a:xfrm>
-          <a:prstGeom prst="rect">
-            <a:avLst/>
-          </a:prstGeom>
-        </p:spPr>
-      </p:pic>
-      <p:sp>
-        <p:nvSpPr>
-          <p:cNvPr id="65" name="Retângulo: Cantos Arredondados 64">
-            <a:extLst>
-              <a:ext uri="{FF2B5EF4-FFF2-40B4-BE49-F238E27FC236}">
-                <a16:creationId xmlns:a16="http://schemas.microsoft.com/office/drawing/2014/main" xmlns="" id="{737113BA-DE2A-4474-8D72-199573C88593}"/>
-              </a:ext>
-            </a:extLst>
-          </p:cNvPr>
-          <p:cNvSpPr/>
-          <p:nvPr/>
-        </p:nvSpPr>
-        <p:spPr>
-          <a:xfrm>
-            <a:off x="2231472" y="3040067"/>
-            <a:ext cx="1477724" cy="293339"/>
-          </a:xfrm>
-          <a:prstGeom prst="roundRect">
-            <a:avLst/>
-          </a:prstGeom>
-          <a:noFill/>
-          <a:ln>
-            <a:solidFill>
-              <a:srgbClr val="C00000"/>
-            </a:solidFill>
-          </a:ln>
-          <a:effectLst/>
-        </p:spPr>
-        <p:style>
-          <a:lnRef idx="2">
-            <a:schemeClr val="accent1">
-              <a:shade val="50000"/>
-            </a:schemeClr>
-          </a:lnRef>
-          <a:fillRef idx="1">
-            <a:schemeClr val="accent1"/>
-          </a:fillRef>
-          <a:effectRef idx="0">
-            <a:schemeClr val="accent1"/>
-          </a:effectRef>
-          <a:fontRef idx="minor">
-            <a:schemeClr val="lt1"/>
-          </a:fontRef>
-        </p:style>
-        <p:txBody>
-          <a:bodyPr rtlCol="0" anchor="ctr"/>
-          <a:lstStyle/>
-          <a:p>
-            <a:pPr algn="ctr"/>
-            <a:r>
-              <a:rPr lang="pt-BR" sz="1600" dirty="0">
-                <a:solidFill>
-                  <a:schemeClr val="tx1"/>
-                </a:solidFill>
-              </a:rPr>
-              <a:t>API OSHI</a:t>
-            </a:r>
-          </a:p>
-        </p:txBody>
-      </p:sp>
-      <p:pic>
-        <p:nvPicPr>
-          <p:cNvPr id="69" name="Imagem 68">
-            <a:extLst>
-              <a:ext uri="{FF2B5EF4-FFF2-40B4-BE49-F238E27FC236}">
-                <a16:creationId xmlns:a16="http://schemas.microsoft.com/office/drawing/2014/main" xmlns="" id="{DBBC57A6-2282-4063-B2EF-23611E5AD3CB}"/>
-              </a:ext>
-            </a:extLst>
-          </p:cNvPr>
-          <p:cNvPicPr>
-            <a:picLocks noChangeAspect="1"/>
-          </p:cNvPicPr>
-          <p:nvPr/>
-        </p:nvPicPr>
-        <p:blipFill>
-          <a:blip r:embed="rId6">
-            <a:extLst>
-              <a:ext uri="{BEBA8EAE-BF5A-486C-A8C5-ECC9F3942E4B}">
-                <a14:imgProps xmlns:a14="http://schemas.microsoft.com/office/drawing/2010/main">
-                  <a14:imgLayer r:embed="rId7">
-                    <a14:imgEffect>
-                      <a14:backgroundRemoval t="10000" b="90000" l="10000" r="90000">
-                        <a14:foregroundMark x1="46392" y1="79348" x2="46392" y2="79348"/>
-                      </a14:backgroundRemoval>
-                    </a14:imgEffect>
-                  </a14:imgLayer>
-                </a14:imgProps>
-              </a:ext>
-            </a:extLst>
-          </a:blip>
-          <a:stretch>
-            <a:fillRect/>
-          </a:stretch>
-        </p:blipFill>
-        <p:spPr>
-          <a:xfrm rot="20981055" flipH="1">
-            <a:off x="2951144" y="5334108"/>
-            <a:ext cx="1139372" cy="1080641"/>
-          </a:xfrm>
-          <a:prstGeom prst="rect">
-            <a:avLst/>
-          </a:prstGeom>
-        </p:spPr>
-      </p:pic>
-      <p:sp>
-        <p:nvSpPr>
-          <p:cNvPr id="71" name="CaixaDeTexto 70">
-            <a:extLst>
-              <a:ext uri="{FF2B5EF4-FFF2-40B4-BE49-F238E27FC236}">
-                <a16:creationId xmlns:a16="http://schemas.microsoft.com/office/drawing/2014/main" xmlns="" id="{A1321A4F-EBD8-434D-AB7E-1EDC3EEA27F4}"/>
-              </a:ext>
-            </a:extLst>
-          </p:cNvPr>
-          <p:cNvSpPr txBox="1"/>
-          <p:nvPr/>
-        </p:nvSpPr>
-        <p:spPr>
-          <a:xfrm>
-            <a:off x="2172611" y="3426378"/>
-            <a:ext cx="1649484" cy="584775"/>
-          </a:xfrm>
-          <a:prstGeom prst="rect">
-            <a:avLst/>
-          </a:prstGeom>
-          <a:noFill/>
-        </p:spPr>
-        <p:txBody>
-          <a:bodyPr wrap="square" rtlCol="0">
-            <a:spAutoFit/>
-          </a:bodyPr>
-          <a:lstStyle/>
-          <a:p>
-            <a:r>
-              <a:rPr lang="pt-BR" sz="1400" dirty="0">
-                <a:solidFill>
-                  <a:schemeClr val="tx1"/>
-                </a:solidFill>
-              </a:rPr>
-              <a:t>API TELEGRAM BOT</a:t>
-            </a:r>
-          </a:p>
-          <a:p>
-            <a:endParaRPr lang="pt-BR" dirty="0"/>
-          </a:p>
-        </p:txBody>
-      </p:sp>
-      <p:sp>
-        <p:nvSpPr>
-          <p:cNvPr id="75" name="Retângulo: Cantos Arredondados 74">
-            <a:extLst>
-              <a:ext uri="{FF2B5EF4-FFF2-40B4-BE49-F238E27FC236}">
-                <a16:creationId xmlns:a16="http://schemas.microsoft.com/office/drawing/2014/main" xmlns="" id="{6C011B01-12E9-48DD-8054-BA279A02C4A1}"/>
-              </a:ext>
-            </a:extLst>
-          </p:cNvPr>
-          <p:cNvSpPr/>
-          <p:nvPr/>
-        </p:nvSpPr>
-        <p:spPr>
-          <a:xfrm>
-            <a:off x="2227670" y="3428325"/>
-            <a:ext cx="1477724" cy="307043"/>
-          </a:xfrm>
-          <a:prstGeom prst="roundRect">
-            <a:avLst/>
-          </a:prstGeom>
-          <a:noFill/>
-          <a:ln>
-            <a:solidFill>
-              <a:srgbClr val="C00000"/>
-            </a:solidFill>
-          </a:ln>
-          <a:effectLst/>
-        </p:spPr>
-        <p:style>
-          <a:lnRef idx="2">
-            <a:schemeClr val="accent1">
-              <a:shade val="50000"/>
-            </a:schemeClr>
-          </a:lnRef>
-          <a:fillRef idx="1">
-            <a:schemeClr val="accent1"/>
-          </a:fillRef>
-          <a:effectRef idx="0">
-            <a:schemeClr val="accent1"/>
-          </a:effectRef>
-          <a:fontRef idx="minor">
-            <a:schemeClr val="lt1"/>
-          </a:fontRef>
-        </p:style>
-        <p:txBody>
-          <a:bodyPr rtlCol="0" anchor="ctr"/>
-          <a:lstStyle/>
-          <a:p>
-            <a:pPr algn="ctr"/>
-            <a:endParaRPr lang="pt-BR" dirty="0">
-              <a:solidFill>
-                <a:schemeClr val="tx1"/>
-              </a:solidFill>
-            </a:endParaRPr>
-          </a:p>
-        </p:txBody>
-      </p:sp>
-    </p:spTree>
-    <p:extLst>
-      <p:ext uri="{BB962C8B-B14F-4D97-AF65-F5344CB8AC3E}">
-        <p14:creationId xmlns:p14="http://schemas.microsoft.com/office/powerpoint/2010/main" val="3745437195"/>
       </p:ext>
     </p:extLst>
   </p:cSld>
@@ -8433,6 +5715,21 @@
 </file>
 
 <file path=customXml/item1.xml><?xml version="1.0" encoding="utf-8"?>
+<p:properties xmlns:p="http://schemas.microsoft.com/office/2006/metadata/properties" xmlns:xsi="http://www.w3.org/2001/XMLSchema-instance" xmlns:pc="http://schemas.microsoft.com/office/infopath/2007/PartnerControls">
+  <documentManagement/>
+</p:properties>
+</file>
+
+<file path=customXml/item2.xml><?xml version="1.0" encoding="utf-8"?>
+<?mso-contentType ?>
+<FormTemplates xmlns="http://schemas.microsoft.com/sharepoint/v3/contenttype/forms">
+  <Display>DocumentLibraryForm</Display>
+  <Edit>DocumentLibraryForm</Edit>
+  <New>DocumentLibraryForm</New>
+</FormTemplates>
+</file>
+
+<file path=customXml/item3.xml><?xml version="1.0" encoding="utf-8"?>
 <ct:contentTypeSchema xmlns:ct="http://schemas.microsoft.com/office/2006/metadata/contentType" xmlns:ma="http://schemas.microsoft.com/office/2006/metadata/properties/metaAttributes" ct:_="" ma:_="" ma:contentTypeName="Document" ma:contentTypeID="0x010100B98A8EE2A9F7A14F94CEDBF06729C915" ma:contentTypeVersion="2" ma:contentTypeDescription="Create a new document." ma:contentTypeScope="" ma:versionID="54211dd7b80d0a5e350bd2ce1fda18e0">
   <xsd:schema xmlns:xsd="http://www.w3.org/2001/XMLSchema" xmlns:xs="http://www.w3.org/2001/XMLSchema" xmlns:p="http://schemas.microsoft.com/office/2006/metadata/properties" xmlns:ns3="4d0c820a-888c-467f-9883-f2eb09285986" targetNamespace="http://schemas.microsoft.com/office/2006/metadata/properties" ma:root="true" ma:fieldsID="215748a485b3af4a87eff8123adb26da" ns3:_="">
     <xsd:import namespace="4d0c820a-888c-467f-9883-f2eb09285986"/>
@@ -8564,22 +5861,31 @@
 </ct:contentTypeSchema>
 </file>
 
-<file path=customXml/item2.xml><?xml version="1.0" encoding="utf-8"?>
-<?mso-contentType ?>
-<FormTemplates xmlns="http://schemas.microsoft.com/sharepoint/v3/contenttype/forms">
-  <Display>DocumentLibraryForm</Display>
-  <Edit>DocumentLibraryForm</Edit>
-  <New>DocumentLibraryForm</New>
-</FormTemplates>
+<file path=customXml/itemProps1.xml><?xml version="1.0" encoding="utf-8"?>
+<ds:datastoreItem xmlns:ds="http://schemas.openxmlformats.org/officeDocument/2006/customXml" ds:itemID="{B1403ECD-64BE-4472-A72B-8AE2B2D302D4}">
+  <ds:schemaRefs>
+    <ds:schemaRef ds:uri="http://schemas.microsoft.com/office/2006/documentManagement/types"/>
+    <ds:schemaRef ds:uri="http://schemas.microsoft.com/office/infopath/2007/PartnerControls"/>
+    <ds:schemaRef ds:uri="http://www.w3.org/XML/1998/namespace"/>
+    <ds:schemaRef ds:uri="4d0c820a-888c-467f-9883-f2eb09285986"/>
+    <ds:schemaRef ds:uri="http://purl.org/dc/terms/"/>
+    <ds:schemaRef ds:uri="http://purl.org/dc/dcmitype/"/>
+    <ds:schemaRef ds:uri="http://purl.org/dc/elements/1.1/"/>
+    <ds:schemaRef ds:uri="http://schemas.openxmlformats.org/package/2006/metadata/core-properties"/>
+    <ds:schemaRef ds:uri="http://schemas.microsoft.com/office/2006/metadata/properties"/>
+  </ds:schemaRefs>
+</ds:datastoreItem>
 </file>
 
-<file path=customXml/item3.xml><?xml version="1.0" encoding="utf-8"?>
-<p:properties xmlns:p="http://schemas.microsoft.com/office/2006/metadata/properties" xmlns:xsi="http://www.w3.org/2001/XMLSchema-instance" xmlns:pc="http://schemas.microsoft.com/office/infopath/2007/PartnerControls">
-  <documentManagement/>
-</p:properties>
+<file path=customXml/itemProps2.xml><?xml version="1.0" encoding="utf-8"?>
+<ds:datastoreItem xmlns:ds="http://schemas.openxmlformats.org/officeDocument/2006/customXml" ds:itemID="{C361E357-1858-46EE-ADFA-698EE4D9C360}">
+  <ds:schemaRefs>
+    <ds:schemaRef ds:uri="http://schemas.microsoft.com/sharepoint/v3/contenttype/forms"/>
+  </ds:schemaRefs>
+</ds:datastoreItem>
 </file>
 
-<file path=customXml/itemProps1.xml><?xml version="1.0" encoding="utf-8"?>
+<file path=customXml/itemProps3.xml><?xml version="1.0" encoding="utf-8"?>
 <ds:datastoreItem xmlns:ds="http://schemas.openxmlformats.org/officeDocument/2006/customXml" ds:itemID="{94021B74-C88A-417E-AEFD-9E5858425111}">
   <ds:schemaRefs>
     <ds:schemaRef ds:uri="http://schemas.microsoft.com/office/2006/metadata/contentType"/>
@@ -8595,28 +5901,4 @@
     <ds:schemaRef ds:uri="http://schemas.microsoft.com/internal/obd"/>
   </ds:schemaRefs>
 </ds:datastoreItem>
-</file>
-
-<file path=customXml/itemProps2.xml><?xml version="1.0" encoding="utf-8"?>
-<ds:datastoreItem xmlns:ds="http://schemas.openxmlformats.org/officeDocument/2006/customXml" ds:itemID="{C361E357-1858-46EE-ADFA-698EE4D9C360}">
-  <ds:schemaRefs>
-    <ds:schemaRef ds:uri="http://schemas.microsoft.com/sharepoint/v3/contenttype/forms"/>
-  </ds:schemaRefs>
-</ds:datastoreItem>
-</file>
-
-<file path=customXml/itemProps3.xml><?xml version="1.0" encoding="utf-8"?>
-<ds:datastoreItem xmlns:ds="http://schemas.openxmlformats.org/officeDocument/2006/customXml" ds:itemID="{B1403ECD-64BE-4472-A72B-8AE2B2D302D4}">
-  <ds:schemaRefs>
-    <ds:schemaRef ds:uri="http://schemas.microsoft.com/office/2006/documentManagement/types"/>
-    <ds:schemaRef ds:uri="http://schemas.microsoft.com/office/infopath/2007/PartnerControls"/>
-    <ds:schemaRef ds:uri="http://www.w3.org/XML/1998/namespace"/>
-    <ds:schemaRef ds:uri="4d0c820a-888c-467f-9883-f2eb09285986"/>
-    <ds:schemaRef ds:uri="http://purl.org/dc/terms/"/>
-    <ds:schemaRef ds:uri="http://purl.org/dc/dcmitype/"/>
-    <ds:schemaRef ds:uri="http://purl.org/dc/elements/1.1/"/>
-    <ds:schemaRef ds:uri="http://schemas.openxmlformats.org/package/2006/metadata/core-properties"/>
-    <ds:schemaRef ds:uri="http://schemas.microsoft.com/office/2006/metadata/properties"/>
-  </ds:schemaRefs>
-</ds:datastoreItem>
 </file>
--- a/Documentação/HLD.LLD.DIAGRAMA.pptx
+++ b/Documentação/HLD.LLD.DIAGRAMA.pptx
@@ -135,7 +135,7 @@
           <p:cNvPr id="2" name="Título 1">
             <a:extLst>
               <a:ext uri="{FF2B5EF4-FFF2-40B4-BE49-F238E27FC236}">
-                <a16:creationId xmlns:a16="http://schemas.microsoft.com/office/drawing/2014/main" id="{9C9D081C-0F97-4DB2-B545-D20F5456DA1F}"/>
+                <a16:creationId xmlns:a16="http://schemas.microsoft.com/office/drawing/2014/main" xmlns="" id="{9C9D081C-0F97-4DB2-B545-D20F5456DA1F}"/>
               </a:ext>
             </a:extLst>
           </p:cNvPr>
@@ -172,7 +172,7 @@
           <p:cNvPr id="3" name="Subtítulo 2">
             <a:extLst>
               <a:ext uri="{FF2B5EF4-FFF2-40B4-BE49-F238E27FC236}">
-                <a16:creationId xmlns:a16="http://schemas.microsoft.com/office/drawing/2014/main" id="{974DF855-DB25-4F33-BF88-68991EBB3108}"/>
+                <a16:creationId xmlns:a16="http://schemas.microsoft.com/office/drawing/2014/main" xmlns="" id="{974DF855-DB25-4F33-BF88-68991EBB3108}"/>
               </a:ext>
             </a:extLst>
           </p:cNvPr>
@@ -242,7 +242,7 @@
           <p:cNvPr id="4" name="Espaço Reservado para Data 3">
             <a:extLst>
               <a:ext uri="{FF2B5EF4-FFF2-40B4-BE49-F238E27FC236}">
-                <a16:creationId xmlns:a16="http://schemas.microsoft.com/office/drawing/2014/main" id="{035A9201-BCC9-43E0-88C6-004C731F0501}"/>
+                <a16:creationId xmlns:a16="http://schemas.microsoft.com/office/drawing/2014/main" xmlns="" id="{035A9201-BCC9-43E0-88C6-004C731F0501}"/>
               </a:ext>
             </a:extLst>
           </p:cNvPr>
@@ -271,7 +271,7 @@
           <p:cNvPr id="5" name="Espaço Reservado para Rodapé 4">
             <a:extLst>
               <a:ext uri="{FF2B5EF4-FFF2-40B4-BE49-F238E27FC236}">
-                <a16:creationId xmlns:a16="http://schemas.microsoft.com/office/drawing/2014/main" id="{EE96D7DF-1FB0-4D05-AF2C-DE6460380CCA}"/>
+                <a16:creationId xmlns:a16="http://schemas.microsoft.com/office/drawing/2014/main" xmlns="" id="{EE96D7DF-1FB0-4D05-AF2C-DE6460380CCA}"/>
               </a:ext>
             </a:extLst>
           </p:cNvPr>
@@ -296,7 +296,7 @@
           <p:cNvPr id="6" name="Espaço Reservado para Número de Slide 5">
             <a:extLst>
               <a:ext uri="{FF2B5EF4-FFF2-40B4-BE49-F238E27FC236}">
-                <a16:creationId xmlns:a16="http://schemas.microsoft.com/office/drawing/2014/main" id="{6B180718-A06F-41B8-BBDE-D69E94F87DB3}"/>
+                <a16:creationId xmlns:a16="http://schemas.microsoft.com/office/drawing/2014/main" xmlns="" id="{6B180718-A06F-41B8-BBDE-D69E94F87DB3}"/>
               </a:ext>
             </a:extLst>
           </p:cNvPr>
@@ -355,7 +355,7 @@
           <p:cNvPr id="2" name="Título 1">
             <a:extLst>
               <a:ext uri="{FF2B5EF4-FFF2-40B4-BE49-F238E27FC236}">
-                <a16:creationId xmlns:a16="http://schemas.microsoft.com/office/drawing/2014/main" id="{06BC62C5-62A3-4C34-B96D-E9772382BB1F}"/>
+                <a16:creationId xmlns:a16="http://schemas.microsoft.com/office/drawing/2014/main" xmlns="" id="{06BC62C5-62A3-4C34-B96D-E9772382BB1F}"/>
               </a:ext>
             </a:extLst>
           </p:cNvPr>
@@ -383,7 +383,7 @@
           <p:cNvPr id="3" name="Espaço Reservado para Texto Vertical 2">
             <a:extLst>
               <a:ext uri="{FF2B5EF4-FFF2-40B4-BE49-F238E27FC236}">
-                <a16:creationId xmlns:a16="http://schemas.microsoft.com/office/drawing/2014/main" id="{5987ABD5-17FB-4334-8D1E-1B9FA7510FEF}"/>
+                <a16:creationId xmlns:a16="http://schemas.microsoft.com/office/drawing/2014/main" xmlns="" id="{5987ABD5-17FB-4334-8D1E-1B9FA7510FEF}"/>
               </a:ext>
             </a:extLst>
           </p:cNvPr>
@@ -440,7 +440,7 @@
           <p:cNvPr id="4" name="Espaço Reservado para Data 3">
             <a:extLst>
               <a:ext uri="{FF2B5EF4-FFF2-40B4-BE49-F238E27FC236}">
-                <a16:creationId xmlns:a16="http://schemas.microsoft.com/office/drawing/2014/main" id="{63B767CF-7B82-479D-B09D-C5ACFB4BF497}"/>
+                <a16:creationId xmlns:a16="http://schemas.microsoft.com/office/drawing/2014/main" xmlns="" id="{63B767CF-7B82-479D-B09D-C5ACFB4BF497}"/>
               </a:ext>
             </a:extLst>
           </p:cNvPr>
@@ -469,7 +469,7 @@
           <p:cNvPr id="5" name="Espaço Reservado para Rodapé 4">
             <a:extLst>
               <a:ext uri="{FF2B5EF4-FFF2-40B4-BE49-F238E27FC236}">
-                <a16:creationId xmlns:a16="http://schemas.microsoft.com/office/drawing/2014/main" id="{5813DBE3-B5D1-47C3-9D46-3B12A356FD91}"/>
+                <a16:creationId xmlns:a16="http://schemas.microsoft.com/office/drawing/2014/main" xmlns="" id="{5813DBE3-B5D1-47C3-9D46-3B12A356FD91}"/>
               </a:ext>
             </a:extLst>
           </p:cNvPr>
@@ -494,7 +494,7 @@
           <p:cNvPr id="6" name="Espaço Reservado para Número de Slide 5">
             <a:extLst>
               <a:ext uri="{FF2B5EF4-FFF2-40B4-BE49-F238E27FC236}">
-                <a16:creationId xmlns:a16="http://schemas.microsoft.com/office/drawing/2014/main" id="{FE4F2FBA-5C20-4470-AB3B-CA59CCC90F4E}"/>
+                <a16:creationId xmlns:a16="http://schemas.microsoft.com/office/drawing/2014/main" xmlns="" id="{FE4F2FBA-5C20-4470-AB3B-CA59CCC90F4E}"/>
               </a:ext>
             </a:extLst>
           </p:cNvPr>
@@ -553,7 +553,7 @@
           <p:cNvPr id="2" name="Título Vertical 1">
             <a:extLst>
               <a:ext uri="{FF2B5EF4-FFF2-40B4-BE49-F238E27FC236}">
-                <a16:creationId xmlns:a16="http://schemas.microsoft.com/office/drawing/2014/main" id="{2D0FF3FD-4633-4116-B308-3DC9016524BF}"/>
+                <a16:creationId xmlns:a16="http://schemas.microsoft.com/office/drawing/2014/main" xmlns="" id="{2D0FF3FD-4633-4116-B308-3DC9016524BF}"/>
               </a:ext>
             </a:extLst>
           </p:cNvPr>
@@ -586,7 +586,7 @@
           <p:cNvPr id="3" name="Espaço Reservado para Texto Vertical 2">
             <a:extLst>
               <a:ext uri="{FF2B5EF4-FFF2-40B4-BE49-F238E27FC236}">
-                <a16:creationId xmlns:a16="http://schemas.microsoft.com/office/drawing/2014/main" id="{1CE652A6-6F2A-46CD-9D5C-CED0D3A9FB8F}"/>
+                <a16:creationId xmlns:a16="http://schemas.microsoft.com/office/drawing/2014/main" xmlns="" id="{1CE652A6-6F2A-46CD-9D5C-CED0D3A9FB8F}"/>
               </a:ext>
             </a:extLst>
           </p:cNvPr>
@@ -648,7 +648,7 @@
           <p:cNvPr id="4" name="Espaço Reservado para Data 3">
             <a:extLst>
               <a:ext uri="{FF2B5EF4-FFF2-40B4-BE49-F238E27FC236}">
-                <a16:creationId xmlns:a16="http://schemas.microsoft.com/office/drawing/2014/main" id="{06B13398-15E8-4EBF-B29F-80855CDF7F26}"/>
+                <a16:creationId xmlns:a16="http://schemas.microsoft.com/office/drawing/2014/main" xmlns="" id="{06B13398-15E8-4EBF-B29F-80855CDF7F26}"/>
               </a:ext>
             </a:extLst>
           </p:cNvPr>
@@ -677,7 +677,7 @@
           <p:cNvPr id="5" name="Espaço Reservado para Rodapé 4">
             <a:extLst>
               <a:ext uri="{FF2B5EF4-FFF2-40B4-BE49-F238E27FC236}">
-                <a16:creationId xmlns:a16="http://schemas.microsoft.com/office/drawing/2014/main" id="{152F3931-4EA3-4DFF-AB39-EBDC4DD76D8D}"/>
+                <a16:creationId xmlns:a16="http://schemas.microsoft.com/office/drawing/2014/main" xmlns="" id="{152F3931-4EA3-4DFF-AB39-EBDC4DD76D8D}"/>
               </a:ext>
             </a:extLst>
           </p:cNvPr>
@@ -702,7 +702,7 @@
           <p:cNvPr id="6" name="Espaço Reservado para Número de Slide 5">
             <a:extLst>
               <a:ext uri="{FF2B5EF4-FFF2-40B4-BE49-F238E27FC236}">
-                <a16:creationId xmlns:a16="http://schemas.microsoft.com/office/drawing/2014/main" id="{4A6AC45E-BF7F-4F65-9509-B6CF7A6F3748}"/>
+                <a16:creationId xmlns:a16="http://schemas.microsoft.com/office/drawing/2014/main" xmlns="" id="{4A6AC45E-BF7F-4F65-9509-B6CF7A6F3748}"/>
               </a:ext>
             </a:extLst>
           </p:cNvPr>
@@ -761,7 +761,7 @@
           <p:cNvPr id="2" name="Título 1">
             <a:extLst>
               <a:ext uri="{FF2B5EF4-FFF2-40B4-BE49-F238E27FC236}">
-                <a16:creationId xmlns:a16="http://schemas.microsoft.com/office/drawing/2014/main" id="{47080BF8-F94D-4C7B-8946-1F7A9406C1FE}"/>
+                <a16:creationId xmlns:a16="http://schemas.microsoft.com/office/drawing/2014/main" xmlns="" id="{47080BF8-F94D-4C7B-8946-1F7A9406C1FE}"/>
               </a:ext>
             </a:extLst>
           </p:cNvPr>
@@ -789,7 +789,7 @@
           <p:cNvPr id="3" name="Espaço Reservado para Conteúdo 2">
             <a:extLst>
               <a:ext uri="{FF2B5EF4-FFF2-40B4-BE49-F238E27FC236}">
-                <a16:creationId xmlns:a16="http://schemas.microsoft.com/office/drawing/2014/main" id="{87C712CB-843F-4DFE-A432-2CC6CF4A63C7}"/>
+                <a16:creationId xmlns:a16="http://schemas.microsoft.com/office/drawing/2014/main" xmlns="" id="{87C712CB-843F-4DFE-A432-2CC6CF4A63C7}"/>
               </a:ext>
             </a:extLst>
           </p:cNvPr>
@@ -846,7 +846,7 @@
           <p:cNvPr id="4" name="Espaço Reservado para Data 3">
             <a:extLst>
               <a:ext uri="{FF2B5EF4-FFF2-40B4-BE49-F238E27FC236}">
-                <a16:creationId xmlns:a16="http://schemas.microsoft.com/office/drawing/2014/main" id="{C4A7E271-096C-48D0-A96E-AC1F80043C54}"/>
+                <a16:creationId xmlns:a16="http://schemas.microsoft.com/office/drawing/2014/main" xmlns="" id="{C4A7E271-096C-48D0-A96E-AC1F80043C54}"/>
               </a:ext>
             </a:extLst>
           </p:cNvPr>
@@ -875,7 +875,7 @@
           <p:cNvPr id="5" name="Espaço Reservado para Rodapé 4">
             <a:extLst>
               <a:ext uri="{FF2B5EF4-FFF2-40B4-BE49-F238E27FC236}">
-                <a16:creationId xmlns:a16="http://schemas.microsoft.com/office/drawing/2014/main" id="{1C722D53-0BCF-4AA5-ABD6-F5F92BE3953B}"/>
+                <a16:creationId xmlns:a16="http://schemas.microsoft.com/office/drawing/2014/main" xmlns="" id="{1C722D53-0BCF-4AA5-ABD6-F5F92BE3953B}"/>
               </a:ext>
             </a:extLst>
           </p:cNvPr>
@@ -900,7 +900,7 @@
           <p:cNvPr id="6" name="Espaço Reservado para Número de Slide 5">
             <a:extLst>
               <a:ext uri="{FF2B5EF4-FFF2-40B4-BE49-F238E27FC236}">
-                <a16:creationId xmlns:a16="http://schemas.microsoft.com/office/drawing/2014/main" id="{23647B80-A0C6-4C68-B4A3-C58B2FB759D3}"/>
+                <a16:creationId xmlns:a16="http://schemas.microsoft.com/office/drawing/2014/main" xmlns="" id="{23647B80-A0C6-4C68-B4A3-C58B2FB759D3}"/>
               </a:ext>
             </a:extLst>
           </p:cNvPr>
@@ -959,7 +959,7 @@
           <p:cNvPr id="2" name="Título 1">
             <a:extLst>
               <a:ext uri="{FF2B5EF4-FFF2-40B4-BE49-F238E27FC236}">
-                <a16:creationId xmlns:a16="http://schemas.microsoft.com/office/drawing/2014/main" id="{0A830081-40B9-4693-9AE9-FB6C802278E0}"/>
+                <a16:creationId xmlns:a16="http://schemas.microsoft.com/office/drawing/2014/main" xmlns="" id="{0A830081-40B9-4693-9AE9-FB6C802278E0}"/>
               </a:ext>
             </a:extLst>
           </p:cNvPr>
@@ -996,7 +996,7 @@
           <p:cNvPr id="3" name="Espaço Reservado para Texto 2">
             <a:extLst>
               <a:ext uri="{FF2B5EF4-FFF2-40B4-BE49-F238E27FC236}">
-                <a16:creationId xmlns:a16="http://schemas.microsoft.com/office/drawing/2014/main" id="{BF5D38DE-E84F-4AD6-B626-13BAC655DDF6}"/>
+                <a16:creationId xmlns:a16="http://schemas.microsoft.com/office/drawing/2014/main" xmlns="" id="{BF5D38DE-E84F-4AD6-B626-13BAC655DDF6}"/>
               </a:ext>
             </a:extLst>
           </p:cNvPr>
@@ -1121,7 +1121,7 @@
           <p:cNvPr id="4" name="Espaço Reservado para Data 3">
             <a:extLst>
               <a:ext uri="{FF2B5EF4-FFF2-40B4-BE49-F238E27FC236}">
-                <a16:creationId xmlns:a16="http://schemas.microsoft.com/office/drawing/2014/main" id="{8BBBB9CE-FE64-4440-89E0-58692A7ED8E5}"/>
+                <a16:creationId xmlns:a16="http://schemas.microsoft.com/office/drawing/2014/main" xmlns="" id="{8BBBB9CE-FE64-4440-89E0-58692A7ED8E5}"/>
               </a:ext>
             </a:extLst>
           </p:cNvPr>
@@ -1150,7 +1150,7 @@
           <p:cNvPr id="5" name="Espaço Reservado para Rodapé 4">
             <a:extLst>
               <a:ext uri="{FF2B5EF4-FFF2-40B4-BE49-F238E27FC236}">
-                <a16:creationId xmlns:a16="http://schemas.microsoft.com/office/drawing/2014/main" id="{EBABC5BE-E0D5-4A2A-97A7-02EA28F3FD40}"/>
+                <a16:creationId xmlns:a16="http://schemas.microsoft.com/office/drawing/2014/main" xmlns="" id="{EBABC5BE-E0D5-4A2A-97A7-02EA28F3FD40}"/>
               </a:ext>
             </a:extLst>
           </p:cNvPr>
@@ -1175,7 +1175,7 @@
           <p:cNvPr id="6" name="Espaço Reservado para Número de Slide 5">
             <a:extLst>
               <a:ext uri="{FF2B5EF4-FFF2-40B4-BE49-F238E27FC236}">
-                <a16:creationId xmlns:a16="http://schemas.microsoft.com/office/drawing/2014/main" id="{264D844E-38E3-4AEB-95EE-A141D561415B}"/>
+                <a16:creationId xmlns:a16="http://schemas.microsoft.com/office/drawing/2014/main" xmlns="" id="{264D844E-38E3-4AEB-95EE-A141D561415B}"/>
               </a:ext>
             </a:extLst>
           </p:cNvPr>
@@ -1234,7 +1234,7 @@
           <p:cNvPr id="2" name="Título 1">
             <a:extLst>
               <a:ext uri="{FF2B5EF4-FFF2-40B4-BE49-F238E27FC236}">
-                <a16:creationId xmlns:a16="http://schemas.microsoft.com/office/drawing/2014/main" id="{EBD2F67F-68BF-4EC1-8D4E-01B8259ACD92}"/>
+                <a16:creationId xmlns:a16="http://schemas.microsoft.com/office/drawing/2014/main" xmlns="" id="{EBD2F67F-68BF-4EC1-8D4E-01B8259ACD92}"/>
               </a:ext>
             </a:extLst>
           </p:cNvPr>
@@ -1262,7 +1262,7 @@
           <p:cNvPr id="3" name="Espaço Reservado para Conteúdo 2">
             <a:extLst>
               <a:ext uri="{FF2B5EF4-FFF2-40B4-BE49-F238E27FC236}">
-                <a16:creationId xmlns:a16="http://schemas.microsoft.com/office/drawing/2014/main" id="{01974D6A-BCE5-4E24-B4D1-2B2BCA416358}"/>
+                <a16:creationId xmlns:a16="http://schemas.microsoft.com/office/drawing/2014/main" xmlns="" id="{01974D6A-BCE5-4E24-B4D1-2B2BCA416358}"/>
               </a:ext>
             </a:extLst>
           </p:cNvPr>
@@ -1324,7 +1324,7 @@
           <p:cNvPr id="4" name="Espaço Reservado para Conteúdo 3">
             <a:extLst>
               <a:ext uri="{FF2B5EF4-FFF2-40B4-BE49-F238E27FC236}">
-                <a16:creationId xmlns:a16="http://schemas.microsoft.com/office/drawing/2014/main" id="{9D00E5A3-BC4C-4370-B691-96CE002325C1}"/>
+                <a16:creationId xmlns:a16="http://schemas.microsoft.com/office/drawing/2014/main" xmlns="" id="{9D00E5A3-BC4C-4370-B691-96CE002325C1}"/>
               </a:ext>
             </a:extLst>
           </p:cNvPr>
@@ -1386,7 +1386,7 @@
           <p:cNvPr id="5" name="Espaço Reservado para Data 4">
             <a:extLst>
               <a:ext uri="{FF2B5EF4-FFF2-40B4-BE49-F238E27FC236}">
-                <a16:creationId xmlns:a16="http://schemas.microsoft.com/office/drawing/2014/main" id="{301DACF2-7B9C-4039-B450-907946D43F2F}"/>
+                <a16:creationId xmlns:a16="http://schemas.microsoft.com/office/drawing/2014/main" xmlns="" id="{301DACF2-7B9C-4039-B450-907946D43F2F}"/>
               </a:ext>
             </a:extLst>
           </p:cNvPr>
@@ -1415,7 +1415,7 @@
           <p:cNvPr id="6" name="Espaço Reservado para Rodapé 5">
             <a:extLst>
               <a:ext uri="{FF2B5EF4-FFF2-40B4-BE49-F238E27FC236}">
-                <a16:creationId xmlns:a16="http://schemas.microsoft.com/office/drawing/2014/main" id="{930B2BF7-E597-4DBF-AC42-44D9AC074CA7}"/>
+                <a16:creationId xmlns:a16="http://schemas.microsoft.com/office/drawing/2014/main" xmlns="" id="{930B2BF7-E597-4DBF-AC42-44D9AC074CA7}"/>
               </a:ext>
             </a:extLst>
           </p:cNvPr>
@@ -1440,7 +1440,7 @@
           <p:cNvPr id="7" name="Espaço Reservado para Número de Slide 6">
             <a:extLst>
               <a:ext uri="{FF2B5EF4-FFF2-40B4-BE49-F238E27FC236}">
-                <a16:creationId xmlns:a16="http://schemas.microsoft.com/office/drawing/2014/main" id="{7BD0FD2C-FA19-486B-8614-D5B565DD9F06}"/>
+                <a16:creationId xmlns:a16="http://schemas.microsoft.com/office/drawing/2014/main" xmlns="" id="{7BD0FD2C-FA19-486B-8614-D5B565DD9F06}"/>
               </a:ext>
             </a:extLst>
           </p:cNvPr>
@@ -1499,7 +1499,7 @@
           <p:cNvPr id="2" name="Título 1">
             <a:extLst>
               <a:ext uri="{FF2B5EF4-FFF2-40B4-BE49-F238E27FC236}">
-                <a16:creationId xmlns:a16="http://schemas.microsoft.com/office/drawing/2014/main" id="{D440D9DA-AE47-4C63-817F-6FABBFEAA115}"/>
+                <a16:creationId xmlns:a16="http://schemas.microsoft.com/office/drawing/2014/main" xmlns="" id="{D440D9DA-AE47-4C63-817F-6FABBFEAA115}"/>
               </a:ext>
             </a:extLst>
           </p:cNvPr>
@@ -1532,7 +1532,7 @@
           <p:cNvPr id="3" name="Espaço Reservado para Texto 2">
             <a:extLst>
               <a:ext uri="{FF2B5EF4-FFF2-40B4-BE49-F238E27FC236}">
-                <a16:creationId xmlns:a16="http://schemas.microsoft.com/office/drawing/2014/main" id="{5A79B8A0-431C-46B7-9585-6ED7F0D39EF2}"/>
+                <a16:creationId xmlns:a16="http://schemas.microsoft.com/office/drawing/2014/main" xmlns="" id="{5A79B8A0-431C-46B7-9585-6ED7F0D39EF2}"/>
               </a:ext>
             </a:extLst>
           </p:cNvPr>
@@ -1603,7 +1603,7 @@
           <p:cNvPr id="4" name="Espaço Reservado para Conteúdo 3">
             <a:extLst>
               <a:ext uri="{FF2B5EF4-FFF2-40B4-BE49-F238E27FC236}">
-                <a16:creationId xmlns:a16="http://schemas.microsoft.com/office/drawing/2014/main" id="{D962E492-AB16-4CE4-860D-ADB327B364FA}"/>
+                <a16:creationId xmlns:a16="http://schemas.microsoft.com/office/drawing/2014/main" xmlns="" id="{D962E492-AB16-4CE4-860D-ADB327B364FA}"/>
               </a:ext>
             </a:extLst>
           </p:cNvPr>
@@ -1665,7 +1665,7 @@
           <p:cNvPr id="5" name="Espaço Reservado para Texto 4">
             <a:extLst>
               <a:ext uri="{FF2B5EF4-FFF2-40B4-BE49-F238E27FC236}">
-                <a16:creationId xmlns:a16="http://schemas.microsoft.com/office/drawing/2014/main" id="{205D6EB2-A451-4CFB-A4CE-B757CEC3C34A}"/>
+                <a16:creationId xmlns:a16="http://schemas.microsoft.com/office/drawing/2014/main" xmlns="" id="{205D6EB2-A451-4CFB-A4CE-B757CEC3C34A}"/>
               </a:ext>
             </a:extLst>
           </p:cNvPr>
@@ -1736,7 +1736,7 @@
           <p:cNvPr id="6" name="Espaço Reservado para Conteúdo 5">
             <a:extLst>
               <a:ext uri="{FF2B5EF4-FFF2-40B4-BE49-F238E27FC236}">
-                <a16:creationId xmlns:a16="http://schemas.microsoft.com/office/drawing/2014/main" id="{F5E11F8F-EB23-4782-92C0-5A46225A3CF6}"/>
+                <a16:creationId xmlns:a16="http://schemas.microsoft.com/office/drawing/2014/main" xmlns="" id="{F5E11F8F-EB23-4782-92C0-5A46225A3CF6}"/>
               </a:ext>
             </a:extLst>
           </p:cNvPr>
@@ -1798,7 +1798,7 @@
           <p:cNvPr id="7" name="Espaço Reservado para Data 6">
             <a:extLst>
               <a:ext uri="{FF2B5EF4-FFF2-40B4-BE49-F238E27FC236}">
-                <a16:creationId xmlns:a16="http://schemas.microsoft.com/office/drawing/2014/main" id="{11E705B9-1AE6-4B3F-B142-A57289326F92}"/>
+                <a16:creationId xmlns:a16="http://schemas.microsoft.com/office/drawing/2014/main" xmlns="" id="{11E705B9-1AE6-4B3F-B142-A57289326F92}"/>
               </a:ext>
             </a:extLst>
           </p:cNvPr>
@@ -1827,7 +1827,7 @@
           <p:cNvPr id="8" name="Espaço Reservado para Rodapé 7">
             <a:extLst>
               <a:ext uri="{FF2B5EF4-FFF2-40B4-BE49-F238E27FC236}">
-                <a16:creationId xmlns:a16="http://schemas.microsoft.com/office/drawing/2014/main" id="{48EF0B24-3FF3-4C27-BEC2-8AC3B23E9DEB}"/>
+                <a16:creationId xmlns:a16="http://schemas.microsoft.com/office/drawing/2014/main" xmlns="" id="{48EF0B24-3FF3-4C27-BEC2-8AC3B23E9DEB}"/>
               </a:ext>
             </a:extLst>
           </p:cNvPr>
@@ -1852,7 +1852,7 @@
           <p:cNvPr id="9" name="Espaço Reservado para Número de Slide 8">
             <a:extLst>
               <a:ext uri="{FF2B5EF4-FFF2-40B4-BE49-F238E27FC236}">
-                <a16:creationId xmlns:a16="http://schemas.microsoft.com/office/drawing/2014/main" id="{E736BDCF-EC0D-4A52-8503-19E7822C8C0C}"/>
+                <a16:creationId xmlns:a16="http://schemas.microsoft.com/office/drawing/2014/main" xmlns="" id="{E736BDCF-EC0D-4A52-8503-19E7822C8C0C}"/>
               </a:ext>
             </a:extLst>
           </p:cNvPr>
@@ -1911,7 +1911,7 @@
           <p:cNvPr id="2" name="Título 1">
             <a:extLst>
               <a:ext uri="{FF2B5EF4-FFF2-40B4-BE49-F238E27FC236}">
-                <a16:creationId xmlns:a16="http://schemas.microsoft.com/office/drawing/2014/main" id="{C8D1AFA6-6735-442E-B80B-24DB69886AF1}"/>
+                <a16:creationId xmlns:a16="http://schemas.microsoft.com/office/drawing/2014/main" xmlns="" id="{C8D1AFA6-6735-442E-B80B-24DB69886AF1}"/>
               </a:ext>
             </a:extLst>
           </p:cNvPr>
@@ -1939,7 +1939,7 @@
           <p:cNvPr id="3" name="Espaço Reservado para Data 2">
             <a:extLst>
               <a:ext uri="{FF2B5EF4-FFF2-40B4-BE49-F238E27FC236}">
-                <a16:creationId xmlns:a16="http://schemas.microsoft.com/office/drawing/2014/main" id="{D7458DFD-4CB5-4F1E-8D2E-970B34448A07}"/>
+                <a16:creationId xmlns:a16="http://schemas.microsoft.com/office/drawing/2014/main" xmlns="" id="{D7458DFD-4CB5-4F1E-8D2E-970B34448A07}"/>
               </a:ext>
             </a:extLst>
           </p:cNvPr>
@@ -1968,7 +1968,7 @@
           <p:cNvPr id="4" name="Espaço Reservado para Rodapé 3">
             <a:extLst>
               <a:ext uri="{FF2B5EF4-FFF2-40B4-BE49-F238E27FC236}">
-                <a16:creationId xmlns:a16="http://schemas.microsoft.com/office/drawing/2014/main" id="{ED562646-CBF8-4D67-BFF2-FDA6A743285E}"/>
+                <a16:creationId xmlns:a16="http://schemas.microsoft.com/office/drawing/2014/main" xmlns="" id="{ED562646-CBF8-4D67-BFF2-FDA6A743285E}"/>
               </a:ext>
             </a:extLst>
           </p:cNvPr>
@@ -1993,7 +1993,7 @@
           <p:cNvPr id="5" name="Espaço Reservado para Número de Slide 4">
             <a:extLst>
               <a:ext uri="{FF2B5EF4-FFF2-40B4-BE49-F238E27FC236}">
-                <a16:creationId xmlns:a16="http://schemas.microsoft.com/office/drawing/2014/main" id="{7B0FA740-0E87-42AA-8994-E46D3B329A94}"/>
+                <a16:creationId xmlns:a16="http://schemas.microsoft.com/office/drawing/2014/main" xmlns="" id="{7B0FA740-0E87-42AA-8994-E46D3B329A94}"/>
               </a:ext>
             </a:extLst>
           </p:cNvPr>
@@ -2052,7 +2052,7 @@
           <p:cNvPr id="2" name="Espaço Reservado para Data 1">
             <a:extLst>
               <a:ext uri="{FF2B5EF4-FFF2-40B4-BE49-F238E27FC236}">
-                <a16:creationId xmlns:a16="http://schemas.microsoft.com/office/drawing/2014/main" id="{6BA3CBF6-643C-4ACD-AD84-EE4CC969A087}"/>
+                <a16:creationId xmlns:a16="http://schemas.microsoft.com/office/drawing/2014/main" xmlns="" id="{6BA3CBF6-643C-4ACD-AD84-EE4CC969A087}"/>
               </a:ext>
             </a:extLst>
           </p:cNvPr>
@@ -2081,7 +2081,7 @@
           <p:cNvPr id="3" name="Espaço Reservado para Rodapé 2">
             <a:extLst>
               <a:ext uri="{FF2B5EF4-FFF2-40B4-BE49-F238E27FC236}">
-                <a16:creationId xmlns:a16="http://schemas.microsoft.com/office/drawing/2014/main" id="{DA9E3177-C1C8-47C4-ACAB-13BA6A17B47D}"/>
+                <a16:creationId xmlns:a16="http://schemas.microsoft.com/office/drawing/2014/main" xmlns="" id="{DA9E3177-C1C8-47C4-ACAB-13BA6A17B47D}"/>
               </a:ext>
             </a:extLst>
           </p:cNvPr>
@@ -2106,7 +2106,7 @@
           <p:cNvPr id="4" name="Espaço Reservado para Número de Slide 3">
             <a:extLst>
               <a:ext uri="{FF2B5EF4-FFF2-40B4-BE49-F238E27FC236}">
-                <a16:creationId xmlns:a16="http://schemas.microsoft.com/office/drawing/2014/main" id="{18A5E5DD-60AE-4B3D-BA68-EFB55A852DB6}"/>
+                <a16:creationId xmlns:a16="http://schemas.microsoft.com/office/drawing/2014/main" xmlns="" id="{18A5E5DD-60AE-4B3D-BA68-EFB55A852DB6}"/>
               </a:ext>
             </a:extLst>
           </p:cNvPr>
@@ -2165,7 +2165,7 @@
           <p:cNvPr id="2" name="Título 1">
             <a:extLst>
               <a:ext uri="{FF2B5EF4-FFF2-40B4-BE49-F238E27FC236}">
-                <a16:creationId xmlns:a16="http://schemas.microsoft.com/office/drawing/2014/main" id="{F1DB3F72-ACB8-4452-879C-3475B9D5229B}"/>
+                <a16:creationId xmlns:a16="http://schemas.microsoft.com/office/drawing/2014/main" xmlns="" id="{F1DB3F72-ACB8-4452-879C-3475B9D5229B}"/>
               </a:ext>
             </a:extLst>
           </p:cNvPr>
@@ -2202,7 +2202,7 @@
           <p:cNvPr id="3" name="Espaço Reservado para Conteúdo 2">
             <a:extLst>
               <a:ext uri="{FF2B5EF4-FFF2-40B4-BE49-F238E27FC236}">
-                <a16:creationId xmlns:a16="http://schemas.microsoft.com/office/drawing/2014/main" id="{08B02274-FF04-4E27-8FCE-2872DC8FB29F}"/>
+                <a16:creationId xmlns:a16="http://schemas.microsoft.com/office/drawing/2014/main" xmlns="" id="{08B02274-FF04-4E27-8FCE-2872DC8FB29F}"/>
               </a:ext>
             </a:extLst>
           </p:cNvPr>
@@ -2292,7 +2292,7 @@
           <p:cNvPr id="4" name="Espaço Reservado para Texto 3">
             <a:extLst>
               <a:ext uri="{FF2B5EF4-FFF2-40B4-BE49-F238E27FC236}">
-                <a16:creationId xmlns:a16="http://schemas.microsoft.com/office/drawing/2014/main" id="{05BAC6B0-7C36-443D-BFAF-0DC7FDDB6CE6}"/>
+                <a16:creationId xmlns:a16="http://schemas.microsoft.com/office/drawing/2014/main" xmlns="" id="{05BAC6B0-7C36-443D-BFAF-0DC7FDDB6CE6}"/>
               </a:ext>
             </a:extLst>
           </p:cNvPr>
@@ -2363,7 +2363,7 @@
           <p:cNvPr id="5" name="Espaço Reservado para Data 4">
             <a:extLst>
               <a:ext uri="{FF2B5EF4-FFF2-40B4-BE49-F238E27FC236}">
-                <a16:creationId xmlns:a16="http://schemas.microsoft.com/office/drawing/2014/main" id="{C97A49D8-2ABA-4FAD-A219-DFB616012DE0}"/>
+                <a16:creationId xmlns:a16="http://schemas.microsoft.com/office/drawing/2014/main" xmlns="" id="{C97A49D8-2ABA-4FAD-A219-DFB616012DE0}"/>
               </a:ext>
             </a:extLst>
           </p:cNvPr>
@@ -2392,7 +2392,7 @@
           <p:cNvPr id="6" name="Espaço Reservado para Rodapé 5">
             <a:extLst>
               <a:ext uri="{FF2B5EF4-FFF2-40B4-BE49-F238E27FC236}">
-                <a16:creationId xmlns:a16="http://schemas.microsoft.com/office/drawing/2014/main" id="{39D0A1B8-190A-4E3C-93DD-D1A92DBB7D1C}"/>
+                <a16:creationId xmlns:a16="http://schemas.microsoft.com/office/drawing/2014/main" xmlns="" id="{39D0A1B8-190A-4E3C-93DD-D1A92DBB7D1C}"/>
               </a:ext>
             </a:extLst>
           </p:cNvPr>
@@ -2417,7 +2417,7 @@
           <p:cNvPr id="7" name="Espaço Reservado para Número de Slide 6">
             <a:extLst>
               <a:ext uri="{FF2B5EF4-FFF2-40B4-BE49-F238E27FC236}">
-                <a16:creationId xmlns:a16="http://schemas.microsoft.com/office/drawing/2014/main" id="{22E076B9-BF23-488D-AAA7-F93C4DEB82F9}"/>
+                <a16:creationId xmlns:a16="http://schemas.microsoft.com/office/drawing/2014/main" xmlns="" id="{22E076B9-BF23-488D-AAA7-F93C4DEB82F9}"/>
               </a:ext>
             </a:extLst>
           </p:cNvPr>
@@ -2476,7 +2476,7 @@
           <p:cNvPr id="2" name="Título 1">
             <a:extLst>
               <a:ext uri="{FF2B5EF4-FFF2-40B4-BE49-F238E27FC236}">
-                <a16:creationId xmlns:a16="http://schemas.microsoft.com/office/drawing/2014/main" id="{1C6E4039-84DB-4D88-ADBC-60DB1A1DA8A2}"/>
+                <a16:creationId xmlns:a16="http://schemas.microsoft.com/office/drawing/2014/main" xmlns="" id="{1C6E4039-84DB-4D88-ADBC-60DB1A1DA8A2}"/>
               </a:ext>
             </a:extLst>
           </p:cNvPr>
@@ -2513,7 +2513,7 @@
           <p:cNvPr id="3" name="Espaço Reservado para Imagem 2">
             <a:extLst>
               <a:ext uri="{FF2B5EF4-FFF2-40B4-BE49-F238E27FC236}">
-                <a16:creationId xmlns:a16="http://schemas.microsoft.com/office/drawing/2014/main" id="{FE66FC34-356A-4619-B939-098A01CD14A4}"/>
+                <a16:creationId xmlns:a16="http://schemas.microsoft.com/office/drawing/2014/main" xmlns="" id="{FE66FC34-356A-4619-B939-098A01CD14A4}"/>
               </a:ext>
             </a:extLst>
           </p:cNvPr>
@@ -2580,7 +2580,7 @@
           <p:cNvPr id="4" name="Espaço Reservado para Texto 3">
             <a:extLst>
               <a:ext uri="{FF2B5EF4-FFF2-40B4-BE49-F238E27FC236}">
-                <a16:creationId xmlns:a16="http://schemas.microsoft.com/office/drawing/2014/main" id="{2D1C9864-964D-4D8C-B33B-711212ACB318}"/>
+                <a16:creationId xmlns:a16="http://schemas.microsoft.com/office/drawing/2014/main" xmlns="" id="{2D1C9864-964D-4D8C-B33B-711212ACB318}"/>
               </a:ext>
             </a:extLst>
           </p:cNvPr>
@@ -2651,7 +2651,7 @@
           <p:cNvPr id="5" name="Espaço Reservado para Data 4">
             <a:extLst>
               <a:ext uri="{FF2B5EF4-FFF2-40B4-BE49-F238E27FC236}">
-                <a16:creationId xmlns:a16="http://schemas.microsoft.com/office/drawing/2014/main" id="{F9CE9AEF-2284-498A-B9EE-89DBE7B003CE}"/>
+                <a16:creationId xmlns:a16="http://schemas.microsoft.com/office/drawing/2014/main" xmlns="" id="{F9CE9AEF-2284-498A-B9EE-89DBE7B003CE}"/>
               </a:ext>
             </a:extLst>
           </p:cNvPr>
@@ -2680,7 +2680,7 @@
           <p:cNvPr id="6" name="Espaço Reservado para Rodapé 5">
             <a:extLst>
               <a:ext uri="{FF2B5EF4-FFF2-40B4-BE49-F238E27FC236}">
-                <a16:creationId xmlns:a16="http://schemas.microsoft.com/office/drawing/2014/main" id="{E8DD3157-6B63-4D9B-B816-0DE04861777F}"/>
+                <a16:creationId xmlns:a16="http://schemas.microsoft.com/office/drawing/2014/main" xmlns="" id="{E8DD3157-6B63-4D9B-B816-0DE04861777F}"/>
               </a:ext>
             </a:extLst>
           </p:cNvPr>
@@ -2705,7 +2705,7 @@
           <p:cNvPr id="7" name="Espaço Reservado para Número de Slide 6">
             <a:extLst>
               <a:ext uri="{FF2B5EF4-FFF2-40B4-BE49-F238E27FC236}">
-                <a16:creationId xmlns:a16="http://schemas.microsoft.com/office/drawing/2014/main" id="{757F54A0-57B1-44CC-8CDD-CA3EAA4B0189}"/>
+                <a16:creationId xmlns:a16="http://schemas.microsoft.com/office/drawing/2014/main" xmlns="" id="{757F54A0-57B1-44CC-8CDD-CA3EAA4B0189}"/>
               </a:ext>
             </a:extLst>
           </p:cNvPr>
@@ -2769,7 +2769,7 @@
           <p:cNvPr id="2" name="Espaço Reservado para Título 1">
             <a:extLst>
               <a:ext uri="{FF2B5EF4-FFF2-40B4-BE49-F238E27FC236}">
-                <a16:creationId xmlns:a16="http://schemas.microsoft.com/office/drawing/2014/main" id="{DF3B372A-336D-49A1-8E4C-C2772470E717}"/>
+                <a16:creationId xmlns:a16="http://schemas.microsoft.com/office/drawing/2014/main" xmlns="" id="{DF3B372A-336D-49A1-8E4C-C2772470E717}"/>
               </a:ext>
             </a:extLst>
           </p:cNvPr>
@@ -2807,7 +2807,7 @@
           <p:cNvPr id="3" name="Espaço Reservado para Texto 2">
             <a:extLst>
               <a:ext uri="{FF2B5EF4-FFF2-40B4-BE49-F238E27FC236}">
-                <a16:creationId xmlns:a16="http://schemas.microsoft.com/office/drawing/2014/main" id="{FF8D6751-AF01-43BA-BC96-8236D09E671A}"/>
+                <a16:creationId xmlns:a16="http://schemas.microsoft.com/office/drawing/2014/main" xmlns="" id="{FF8D6751-AF01-43BA-BC96-8236D09E671A}"/>
               </a:ext>
             </a:extLst>
           </p:cNvPr>
@@ -2874,7 +2874,7 @@
           <p:cNvPr id="4" name="Espaço Reservado para Data 3">
             <a:extLst>
               <a:ext uri="{FF2B5EF4-FFF2-40B4-BE49-F238E27FC236}">
-                <a16:creationId xmlns:a16="http://schemas.microsoft.com/office/drawing/2014/main" id="{717400A4-F695-495F-8D3A-44F247634C38}"/>
+                <a16:creationId xmlns:a16="http://schemas.microsoft.com/office/drawing/2014/main" xmlns="" id="{717400A4-F695-495F-8D3A-44F247634C38}"/>
               </a:ext>
             </a:extLst>
           </p:cNvPr>
@@ -2921,7 +2921,7 @@
           <p:cNvPr id="5" name="Espaço Reservado para Rodapé 4">
             <a:extLst>
               <a:ext uri="{FF2B5EF4-FFF2-40B4-BE49-F238E27FC236}">
-                <a16:creationId xmlns:a16="http://schemas.microsoft.com/office/drawing/2014/main" id="{AE9E5EC4-6EE9-4001-83FB-7B2CEDC8F6C1}"/>
+                <a16:creationId xmlns:a16="http://schemas.microsoft.com/office/drawing/2014/main" xmlns="" id="{AE9E5EC4-6EE9-4001-83FB-7B2CEDC8F6C1}"/>
               </a:ext>
             </a:extLst>
           </p:cNvPr>
@@ -2964,7 +2964,7 @@
           <p:cNvPr id="6" name="Espaço Reservado para Número de Slide 5">
             <a:extLst>
               <a:ext uri="{FF2B5EF4-FFF2-40B4-BE49-F238E27FC236}">
-                <a16:creationId xmlns:a16="http://schemas.microsoft.com/office/drawing/2014/main" id="{23F1441C-AB1F-4113-A9EA-CFBBA3E5D38B}"/>
+                <a16:creationId xmlns:a16="http://schemas.microsoft.com/office/drawing/2014/main" xmlns="" id="{23F1441C-AB1F-4113-A9EA-CFBBA3E5D38B}"/>
               </a:ext>
             </a:extLst>
           </p:cNvPr>
@@ -3332,7 +3332,7 @@
           <p:cNvPr id="5" name="CaixaDeTexto 4">
             <a:extLst>
               <a:ext uri="{FF2B5EF4-FFF2-40B4-BE49-F238E27FC236}">
-                <a16:creationId xmlns:a16="http://schemas.microsoft.com/office/drawing/2014/main" id="{3A0E2E5A-1CDB-49BC-9C37-FC86C36DA909}"/>
+                <a16:creationId xmlns:a16="http://schemas.microsoft.com/office/drawing/2014/main" xmlns="" id="{3A0E2E5A-1CDB-49BC-9C37-FC86C36DA909}"/>
               </a:ext>
             </a:extLst>
           </p:cNvPr>
@@ -3368,7 +3368,7 @@
           <p:cNvPr id="6" name="CaixaDeTexto 5">
             <a:extLst>
               <a:ext uri="{FF2B5EF4-FFF2-40B4-BE49-F238E27FC236}">
-                <a16:creationId xmlns:a16="http://schemas.microsoft.com/office/drawing/2014/main" id="{412904C5-8378-4A99-AC6C-897C51F80497}"/>
+                <a16:creationId xmlns:a16="http://schemas.microsoft.com/office/drawing/2014/main" xmlns="" id="{412904C5-8378-4A99-AC6C-897C51F80497}"/>
               </a:ext>
             </a:extLst>
           </p:cNvPr>
@@ -3404,7 +3404,7 @@
           <p:cNvPr id="10" name="Imagem 9">
             <a:extLst>
               <a:ext uri="{FF2B5EF4-FFF2-40B4-BE49-F238E27FC236}">
-                <a16:creationId xmlns:a16="http://schemas.microsoft.com/office/drawing/2014/main" id="{AD925734-A883-4E00-A8F5-5539F9E089B0}"/>
+                <a16:creationId xmlns:a16="http://schemas.microsoft.com/office/drawing/2014/main" xmlns="" id="{AD925734-A883-4E00-A8F5-5539F9E089B0}"/>
               </a:ext>
             </a:extLst>
           </p:cNvPr>
@@ -3449,7 +3449,7 @@
           <p:cNvPr id="12" name="Imagem 11">
             <a:extLst>
               <a:ext uri="{FF2B5EF4-FFF2-40B4-BE49-F238E27FC236}">
-                <a16:creationId xmlns:a16="http://schemas.microsoft.com/office/drawing/2014/main" id="{B36E72DB-7364-407A-ADAA-356DC5102CC1}"/>
+                <a16:creationId xmlns:a16="http://schemas.microsoft.com/office/drawing/2014/main" xmlns="" id="{B36E72DB-7364-407A-ADAA-356DC5102CC1}"/>
               </a:ext>
             </a:extLst>
           </p:cNvPr>
@@ -3494,7 +3494,7 @@
           <p:cNvPr id="14" name="Imagem 13">
             <a:extLst>
               <a:ext uri="{FF2B5EF4-FFF2-40B4-BE49-F238E27FC236}">
-                <a16:creationId xmlns:a16="http://schemas.microsoft.com/office/drawing/2014/main" id="{7C95BA3E-B087-497F-A2F7-17D2ACAB588D}"/>
+                <a16:creationId xmlns:a16="http://schemas.microsoft.com/office/drawing/2014/main" xmlns="" id="{7C95BA3E-B087-497F-A2F7-17D2ACAB588D}"/>
               </a:ext>
             </a:extLst>
           </p:cNvPr>
@@ -3538,7 +3538,7 @@
           <p:cNvPr id="16" name="Imagem 15">
             <a:extLst>
               <a:ext uri="{FF2B5EF4-FFF2-40B4-BE49-F238E27FC236}">
-                <a16:creationId xmlns:a16="http://schemas.microsoft.com/office/drawing/2014/main" id="{6E1ED496-9576-424C-A6D8-1A33B907F447}"/>
+                <a16:creationId xmlns:a16="http://schemas.microsoft.com/office/drawing/2014/main" xmlns="" id="{6E1ED496-9576-424C-A6D8-1A33B907F447}"/>
               </a:ext>
             </a:extLst>
           </p:cNvPr>
@@ -3574,7 +3574,7 @@
           <p:cNvPr id="20" name="Imagem 19">
             <a:extLst>
               <a:ext uri="{FF2B5EF4-FFF2-40B4-BE49-F238E27FC236}">
-                <a16:creationId xmlns:a16="http://schemas.microsoft.com/office/drawing/2014/main" id="{6711525F-D16D-41C7-AB3E-9799DB511FA0}"/>
+                <a16:creationId xmlns:a16="http://schemas.microsoft.com/office/drawing/2014/main" xmlns="" id="{6711525F-D16D-41C7-AB3E-9799DB511FA0}"/>
               </a:ext>
             </a:extLst>
           </p:cNvPr>
@@ -3618,7 +3618,7 @@
           <p:cNvPr id="29" name="Imagem 28" descr="Ícone&#10;&#10;Descrição gerada automaticamente">
             <a:extLst>
               <a:ext uri="{FF2B5EF4-FFF2-40B4-BE49-F238E27FC236}">
-                <a16:creationId xmlns:a16="http://schemas.microsoft.com/office/drawing/2014/main" id="{43FB11AC-C448-4F44-B61E-41B39317BF92}"/>
+                <a16:creationId xmlns:a16="http://schemas.microsoft.com/office/drawing/2014/main" xmlns="" id="{43FB11AC-C448-4F44-B61E-41B39317BF92}"/>
               </a:ext>
             </a:extLst>
           </p:cNvPr>
@@ -3654,7 +3654,7 @@
           <p:cNvPr id="31" name="Imagem 30" descr="Ícone&#10;&#10;Descrição gerada automaticamente">
             <a:extLst>
               <a:ext uri="{FF2B5EF4-FFF2-40B4-BE49-F238E27FC236}">
-                <a16:creationId xmlns:a16="http://schemas.microsoft.com/office/drawing/2014/main" id="{E015E4BB-65D7-4162-A599-1A3DABA35918}"/>
+                <a16:creationId xmlns:a16="http://schemas.microsoft.com/office/drawing/2014/main" xmlns="" id="{E015E4BB-65D7-4162-A599-1A3DABA35918}"/>
               </a:ext>
             </a:extLst>
           </p:cNvPr>
@@ -3690,7 +3690,7 @@
           <p:cNvPr id="37" name="Imagem 36" descr="Uma imagem contendo relógio&#10;&#10;Descrição gerada automaticamente">
             <a:extLst>
               <a:ext uri="{FF2B5EF4-FFF2-40B4-BE49-F238E27FC236}">
-                <a16:creationId xmlns:a16="http://schemas.microsoft.com/office/drawing/2014/main" id="{CAF8B920-9A4F-406A-AB75-211B681E233E}"/>
+                <a16:creationId xmlns:a16="http://schemas.microsoft.com/office/drawing/2014/main" xmlns="" id="{CAF8B920-9A4F-406A-AB75-211B681E233E}"/>
               </a:ext>
             </a:extLst>
           </p:cNvPr>
@@ -3726,7 +3726,7 @@
           <p:cNvPr id="39" name="Imagem 38" descr="Ícone&#10;&#10;Descrição gerada automaticamente">
             <a:extLst>
               <a:ext uri="{FF2B5EF4-FFF2-40B4-BE49-F238E27FC236}">
-                <a16:creationId xmlns:a16="http://schemas.microsoft.com/office/drawing/2014/main" id="{F75E5FE2-0419-4BCC-A15C-8DE54005C9B2}"/>
+                <a16:creationId xmlns:a16="http://schemas.microsoft.com/office/drawing/2014/main" xmlns="" id="{F75E5FE2-0419-4BCC-A15C-8DE54005C9B2}"/>
               </a:ext>
             </a:extLst>
           </p:cNvPr>
@@ -3762,7 +3762,7 @@
           <p:cNvPr id="2" name="CaixaDeTexto 1">
             <a:extLst>
               <a:ext uri="{FF2B5EF4-FFF2-40B4-BE49-F238E27FC236}">
-                <a16:creationId xmlns:a16="http://schemas.microsoft.com/office/drawing/2014/main" id="{9785855B-0C06-475A-8CEB-38B9B93C5421}"/>
+                <a16:creationId xmlns:a16="http://schemas.microsoft.com/office/drawing/2014/main" xmlns="" id="{9785855B-0C06-475A-8CEB-38B9B93C5421}"/>
               </a:ext>
             </a:extLst>
           </p:cNvPr>
@@ -3797,7 +3797,7 @@
           <p:cNvPr id="18" name="CaixaDeTexto 17">
             <a:extLst>
               <a:ext uri="{FF2B5EF4-FFF2-40B4-BE49-F238E27FC236}">
-                <a16:creationId xmlns:a16="http://schemas.microsoft.com/office/drawing/2014/main" id="{5E16D9AB-B401-4B00-98D4-EFE0768B70EC}"/>
+                <a16:creationId xmlns:a16="http://schemas.microsoft.com/office/drawing/2014/main" xmlns="" id="{5E16D9AB-B401-4B00-98D4-EFE0768B70EC}"/>
               </a:ext>
             </a:extLst>
           </p:cNvPr>
@@ -3833,7 +3833,7 @@
           <p:cNvPr id="21" name="CaixaDeTexto 20">
             <a:extLst>
               <a:ext uri="{FF2B5EF4-FFF2-40B4-BE49-F238E27FC236}">
-                <a16:creationId xmlns:a16="http://schemas.microsoft.com/office/drawing/2014/main" id="{8FAB4AC2-1CFF-4CA5-BD50-F2D84F81A361}"/>
+                <a16:creationId xmlns:a16="http://schemas.microsoft.com/office/drawing/2014/main" xmlns="" id="{8FAB4AC2-1CFF-4CA5-BD50-F2D84F81A361}"/>
               </a:ext>
             </a:extLst>
           </p:cNvPr>
@@ -3869,7 +3869,7 @@
           <p:cNvPr id="23" name="CaixaDeTexto 22">
             <a:extLst>
               <a:ext uri="{FF2B5EF4-FFF2-40B4-BE49-F238E27FC236}">
-                <a16:creationId xmlns:a16="http://schemas.microsoft.com/office/drawing/2014/main" id="{752684E8-841F-414C-92C0-6E2CF31C3DA7}"/>
+                <a16:creationId xmlns:a16="http://schemas.microsoft.com/office/drawing/2014/main" xmlns="" id="{752684E8-841F-414C-92C0-6E2CF31C3DA7}"/>
               </a:ext>
             </a:extLst>
           </p:cNvPr>
@@ -3935,7 +3935,7 @@
           <p:cNvPr id="24" name="Imagem 23" descr="Forma&#10;&#10;Descrição gerada automaticamente">
             <a:extLst>
               <a:ext uri="{FF2B5EF4-FFF2-40B4-BE49-F238E27FC236}">
-                <a16:creationId xmlns:a16="http://schemas.microsoft.com/office/drawing/2014/main" id="{5C7DD506-50B1-460C-BA22-4C94A74330EA}"/>
+                <a16:creationId xmlns:a16="http://schemas.microsoft.com/office/drawing/2014/main" xmlns="" id="{5C7DD506-50B1-460C-BA22-4C94A74330EA}"/>
               </a:ext>
             </a:extLst>
           </p:cNvPr>
@@ -3970,7 +3970,7 @@
           <p:cNvPr id="16" name="Imagem 15">
             <a:extLst>
               <a:ext uri="{FF2B5EF4-FFF2-40B4-BE49-F238E27FC236}">
-                <a16:creationId xmlns:a16="http://schemas.microsoft.com/office/drawing/2014/main" id="{F080E30E-48F9-44E0-BB36-75BC3D0889E5}"/>
+                <a16:creationId xmlns:a16="http://schemas.microsoft.com/office/drawing/2014/main" xmlns="" id="{F080E30E-48F9-44E0-BB36-75BC3D0889E5}"/>
               </a:ext>
             </a:extLst>
           </p:cNvPr>
@@ -3993,7 +3993,7 @@
         </p:blipFill>
         <p:spPr>
           <a:xfrm>
-            <a:off x="1006679" y="4576595"/>
+            <a:off x="977989" y="4731748"/>
             <a:ext cx="2437376" cy="1925029"/>
           </a:xfrm>
           <a:prstGeom prst="rect">
@@ -4006,7 +4006,7 @@
           <p:cNvPr id="68" name="Conector de Seta Reta 67">
             <a:extLst>
               <a:ext uri="{FF2B5EF4-FFF2-40B4-BE49-F238E27FC236}">
-                <a16:creationId xmlns:a16="http://schemas.microsoft.com/office/drawing/2014/main" id="{8C10B952-8765-4D4B-A28B-A6F214A05649}"/>
+                <a16:creationId xmlns:a16="http://schemas.microsoft.com/office/drawing/2014/main" xmlns="" id="{8C10B952-8765-4D4B-A28B-A6F214A05649}"/>
               </a:ext>
             </a:extLst>
           </p:cNvPr>
@@ -4053,7 +4053,7 @@
           <p:cNvPr id="72" name="Conector de Seta Reta 71">
             <a:extLst>
               <a:ext uri="{FF2B5EF4-FFF2-40B4-BE49-F238E27FC236}">
-                <a16:creationId xmlns:a16="http://schemas.microsoft.com/office/drawing/2014/main" id="{E39A84D5-791D-428F-8A43-562265A600C5}"/>
+                <a16:creationId xmlns:a16="http://schemas.microsoft.com/office/drawing/2014/main" xmlns="" id="{E39A84D5-791D-428F-8A43-562265A600C5}"/>
               </a:ext>
             </a:extLst>
           </p:cNvPr>
@@ -4100,7 +4100,7 @@
           <p:cNvPr id="91" name="Imagem 90">
             <a:extLst>
               <a:ext uri="{FF2B5EF4-FFF2-40B4-BE49-F238E27FC236}">
-                <a16:creationId xmlns:a16="http://schemas.microsoft.com/office/drawing/2014/main" id="{413FCE52-9E42-42C4-8D09-B45934FDA216}"/>
+                <a16:creationId xmlns:a16="http://schemas.microsoft.com/office/drawing/2014/main" xmlns="" id="{413FCE52-9E42-42C4-8D09-B45934FDA216}"/>
               </a:ext>
             </a:extLst>
           </p:cNvPr>
@@ -4136,7 +4136,7 @@
           <p:cNvPr id="93" name="Imagem 92">
             <a:extLst>
               <a:ext uri="{FF2B5EF4-FFF2-40B4-BE49-F238E27FC236}">
-                <a16:creationId xmlns:a16="http://schemas.microsoft.com/office/drawing/2014/main" id="{63E9CCF7-0455-42A7-B3B4-AEC2412E858C}"/>
+                <a16:creationId xmlns:a16="http://schemas.microsoft.com/office/drawing/2014/main" xmlns="" id="{63E9CCF7-0455-42A7-B3B4-AEC2412E858C}"/>
               </a:ext>
             </a:extLst>
           </p:cNvPr>
@@ -4172,7 +4172,7 @@
           <p:cNvPr id="94" name="Imagem 93">
             <a:extLst>
               <a:ext uri="{FF2B5EF4-FFF2-40B4-BE49-F238E27FC236}">
-                <a16:creationId xmlns:a16="http://schemas.microsoft.com/office/drawing/2014/main" id="{B79F862E-D809-4A78-AAE4-6CF63FB26508}"/>
+                <a16:creationId xmlns:a16="http://schemas.microsoft.com/office/drawing/2014/main" xmlns="" id="{B79F862E-D809-4A78-AAE4-6CF63FB26508}"/>
               </a:ext>
             </a:extLst>
           </p:cNvPr>
@@ -4195,7 +4195,7 @@
         </p:blipFill>
         <p:spPr>
           <a:xfrm>
-            <a:off x="1546191" y="4033785"/>
+            <a:off x="1305529" y="4240434"/>
             <a:ext cx="510968" cy="510968"/>
           </a:xfrm>
           <a:prstGeom prst="rect">
@@ -4208,7 +4208,7 @@
           <p:cNvPr id="97" name="Imagem 96">
             <a:extLst>
               <a:ext uri="{FF2B5EF4-FFF2-40B4-BE49-F238E27FC236}">
-                <a16:creationId xmlns:a16="http://schemas.microsoft.com/office/drawing/2014/main" id="{1E1D9264-4478-4D21-90D1-CC0A88EEBE02}"/>
+                <a16:creationId xmlns:a16="http://schemas.microsoft.com/office/drawing/2014/main" xmlns="" id="{1E1D9264-4478-4D21-90D1-CC0A88EEBE02}"/>
               </a:ext>
             </a:extLst>
           </p:cNvPr>
@@ -4244,7 +4244,7 @@
           <p:cNvPr id="110" name="Imagem 109">
             <a:extLst>
               <a:ext uri="{FF2B5EF4-FFF2-40B4-BE49-F238E27FC236}">
-                <a16:creationId xmlns:a16="http://schemas.microsoft.com/office/drawing/2014/main" id="{48EAE7C9-853C-4C62-BE4F-77E1FF7A2142}"/>
+                <a16:creationId xmlns:a16="http://schemas.microsoft.com/office/drawing/2014/main" xmlns="" id="{48EAE7C9-853C-4C62-BE4F-77E1FF7A2142}"/>
               </a:ext>
             </a:extLst>
           </p:cNvPr>
@@ -4280,7 +4280,7 @@
           <p:cNvPr id="113" name="Imagem 112">
             <a:extLst>
               <a:ext uri="{FF2B5EF4-FFF2-40B4-BE49-F238E27FC236}">
-                <a16:creationId xmlns:a16="http://schemas.microsoft.com/office/drawing/2014/main" id="{3A0A7C0D-5AAE-4386-8F96-FE545AB5180F}"/>
+                <a16:creationId xmlns:a16="http://schemas.microsoft.com/office/drawing/2014/main" xmlns="" id="{3A0A7C0D-5AAE-4386-8F96-FE545AB5180F}"/>
               </a:ext>
             </a:extLst>
           </p:cNvPr>
@@ -4316,7 +4316,7 @@
           <p:cNvPr id="115" name="Imagem 114">
             <a:extLst>
               <a:ext uri="{FF2B5EF4-FFF2-40B4-BE49-F238E27FC236}">
-                <a16:creationId xmlns:a16="http://schemas.microsoft.com/office/drawing/2014/main" id="{3C1B681C-ED12-41C5-AD26-8B6853414F1D}"/>
+                <a16:creationId xmlns:a16="http://schemas.microsoft.com/office/drawing/2014/main" xmlns="" id="{3C1B681C-ED12-41C5-AD26-8B6853414F1D}"/>
               </a:ext>
             </a:extLst>
           </p:cNvPr>
@@ -4352,7 +4352,7 @@
           <p:cNvPr id="2" name="Retângulo 1">
             <a:extLst>
               <a:ext uri="{FF2B5EF4-FFF2-40B4-BE49-F238E27FC236}">
-                <a16:creationId xmlns:a16="http://schemas.microsoft.com/office/drawing/2014/main" id="{969E54A0-B7B5-4147-AB27-DA0CC75F47BD}"/>
+                <a16:creationId xmlns:a16="http://schemas.microsoft.com/office/drawing/2014/main" xmlns="" id="{969E54A0-B7B5-4147-AB27-DA0CC75F47BD}"/>
               </a:ext>
             </a:extLst>
           </p:cNvPr>
@@ -4361,7 +4361,7 @@
         </p:nvSpPr>
         <p:spPr>
           <a:xfrm>
-            <a:off x="81988" y="3961603"/>
+            <a:off x="120981" y="3961602"/>
             <a:ext cx="3958255" cy="2799923"/>
           </a:xfrm>
           <a:prstGeom prst="rect">
@@ -4404,7 +4404,7 @@
           <p:cNvPr id="3" name="CaixaDeTexto 2">
             <a:extLst>
               <a:ext uri="{FF2B5EF4-FFF2-40B4-BE49-F238E27FC236}">
-                <a16:creationId xmlns:a16="http://schemas.microsoft.com/office/drawing/2014/main" id="{F3DB1EB6-7EDD-4F76-AC41-93A77350D0DB}"/>
+                <a16:creationId xmlns:a16="http://schemas.microsoft.com/office/drawing/2014/main" xmlns="" id="{F3DB1EB6-7EDD-4F76-AC41-93A77350D0DB}"/>
               </a:ext>
             </a:extLst>
           </p:cNvPr>
@@ -4439,7 +4439,7 @@
           <p:cNvPr id="5" name="CaixaDeTexto 4">
             <a:extLst>
               <a:ext uri="{FF2B5EF4-FFF2-40B4-BE49-F238E27FC236}">
-                <a16:creationId xmlns:a16="http://schemas.microsoft.com/office/drawing/2014/main" id="{00324186-5835-453F-9CA7-D8BA2FE4FDB1}"/>
+                <a16:creationId xmlns:a16="http://schemas.microsoft.com/office/drawing/2014/main" xmlns="" id="{00324186-5835-453F-9CA7-D8BA2FE4FDB1}"/>
               </a:ext>
             </a:extLst>
           </p:cNvPr>
@@ -4478,7 +4478,7 @@
           <p:cNvPr id="8" name="CaixaDeTexto 7">
             <a:extLst>
               <a:ext uri="{FF2B5EF4-FFF2-40B4-BE49-F238E27FC236}">
-                <a16:creationId xmlns:a16="http://schemas.microsoft.com/office/drawing/2014/main" id="{C6B4F186-1182-4828-8066-2E561878460C}"/>
+                <a16:creationId xmlns:a16="http://schemas.microsoft.com/office/drawing/2014/main" xmlns="" id="{C6B4F186-1182-4828-8066-2E561878460C}"/>
               </a:ext>
             </a:extLst>
           </p:cNvPr>
@@ -4513,7 +4513,7 @@
           <p:cNvPr id="14" name="Imagem 13" descr="Logotipo, nome da empresa&#10;&#10;Descrição gerada automaticamente">
             <a:extLst>
               <a:ext uri="{FF2B5EF4-FFF2-40B4-BE49-F238E27FC236}">
-                <a16:creationId xmlns:a16="http://schemas.microsoft.com/office/drawing/2014/main" id="{C131E45E-AAA8-4092-97F7-314E8411F05B}"/>
+                <a16:creationId xmlns:a16="http://schemas.microsoft.com/office/drawing/2014/main" xmlns="" id="{C131E45E-AAA8-4092-97F7-314E8411F05B}"/>
               </a:ext>
             </a:extLst>
           </p:cNvPr>
@@ -4549,7 +4549,7 @@
           <p:cNvPr id="6" name="Picture 4">
             <a:extLst>
               <a:ext uri="{FF2B5EF4-FFF2-40B4-BE49-F238E27FC236}">
-                <a16:creationId xmlns:a16="http://schemas.microsoft.com/office/drawing/2014/main" id="{459310AC-F268-4178-A4E9-B2C3E8E97734}"/>
+                <a16:creationId xmlns:a16="http://schemas.microsoft.com/office/drawing/2014/main" xmlns="" id="{459310AC-F268-4178-A4E9-B2C3E8E97734}"/>
               </a:ext>
             </a:extLst>
           </p:cNvPr>
@@ -4596,7 +4596,7 @@
           <p:cNvPr id="36" name="CaixaDeTexto 35">
             <a:extLst>
               <a:ext uri="{FF2B5EF4-FFF2-40B4-BE49-F238E27FC236}">
-                <a16:creationId xmlns:a16="http://schemas.microsoft.com/office/drawing/2014/main" id="{2AD70534-8DF3-47A4-8849-845029A2F70F}"/>
+                <a16:creationId xmlns:a16="http://schemas.microsoft.com/office/drawing/2014/main" xmlns="" id="{2AD70534-8DF3-47A4-8849-845029A2F70F}"/>
               </a:ext>
             </a:extLst>
           </p:cNvPr>
@@ -4636,7 +4636,7 @@
           <p:cNvPr id="41" name="CaixaDeTexto 40">
             <a:extLst>
               <a:ext uri="{FF2B5EF4-FFF2-40B4-BE49-F238E27FC236}">
-                <a16:creationId xmlns:a16="http://schemas.microsoft.com/office/drawing/2014/main" id="{52D7509F-0E02-4527-A270-E5C288172F37}"/>
+                <a16:creationId xmlns:a16="http://schemas.microsoft.com/office/drawing/2014/main" xmlns="" id="{52D7509F-0E02-4527-A270-E5C288172F37}"/>
               </a:ext>
             </a:extLst>
           </p:cNvPr>
@@ -4671,94 +4671,12 @@
           </a:p>
         </p:txBody>
       </p:sp>
-      <p:pic>
-        <p:nvPicPr>
-          <p:cNvPr id="53" name="Imagem 52" descr="Imagem em preto e branco&#10;&#10;Descrição gerada automaticamente">
-            <a:extLst>
-              <a:ext uri="{FF2B5EF4-FFF2-40B4-BE49-F238E27FC236}">
-                <a16:creationId xmlns:a16="http://schemas.microsoft.com/office/drawing/2014/main" id="{F88B7289-3322-46D5-AD13-B255012820B5}"/>
-              </a:ext>
-            </a:extLst>
-          </p:cNvPr>
-          <p:cNvPicPr>
-            <a:picLocks noChangeAspect="1"/>
-          </p:cNvPicPr>
-          <p:nvPr/>
-        </p:nvPicPr>
-        <p:blipFill>
-          <a:blip r:embed="rId11" cstate="print">
-            <a:duotone>
-              <a:schemeClr val="accent5">
-                <a:shade val="45000"/>
-                <a:satMod val="135000"/>
-              </a:schemeClr>
-              <a:prstClr val="white"/>
-            </a:duotone>
-            <a:extLst>
-              <a:ext uri="{28A0092B-C50C-407E-A947-70E740481C1C}">
-                <a14:useLocalDpi xmlns:a14="http://schemas.microsoft.com/office/drawing/2010/main" val="0"/>
-              </a:ext>
-            </a:extLst>
-          </a:blip>
-          <a:stretch>
-            <a:fillRect/>
-          </a:stretch>
-        </p:blipFill>
-        <p:spPr>
-          <a:xfrm>
-            <a:off x="4935740" y="2227912"/>
-            <a:ext cx="644809" cy="644809"/>
-          </a:xfrm>
-          <a:prstGeom prst="rect">
-            <a:avLst/>
-          </a:prstGeom>
-        </p:spPr>
-      </p:pic>
-      <p:sp>
-        <p:nvSpPr>
-          <p:cNvPr id="55" name="CaixaDeTexto 54">
-            <a:extLst>
-              <a:ext uri="{FF2B5EF4-FFF2-40B4-BE49-F238E27FC236}">
-                <a16:creationId xmlns:a16="http://schemas.microsoft.com/office/drawing/2014/main" id="{1994B9A6-3548-496B-AB95-90CBE7C708B1}"/>
-              </a:ext>
-            </a:extLst>
-          </p:cNvPr>
-          <p:cNvSpPr txBox="1"/>
-          <p:nvPr/>
-        </p:nvSpPr>
-        <p:spPr>
-          <a:xfrm>
-            <a:off x="4983682" y="2749247"/>
-            <a:ext cx="644809" cy="369332"/>
-          </a:xfrm>
-          <a:prstGeom prst="rect">
-            <a:avLst/>
-          </a:prstGeom>
-          <a:noFill/>
-        </p:spPr>
-        <p:txBody>
-          <a:bodyPr wrap="square" rtlCol="0">
-            <a:spAutoFit/>
-          </a:bodyPr>
-          <a:lstStyle/>
-          <a:p>
-            <a:r>
-              <a:rPr lang="pt-BR" dirty="0">
-                <a:solidFill>
-                  <a:schemeClr val="accent1"/>
-                </a:solidFill>
-              </a:rPr>
-              <a:t>SQL</a:t>
-            </a:r>
-          </a:p>
-        </p:txBody>
-      </p:sp>
       <p:cxnSp>
         <p:nvCxnSpPr>
           <p:cNvPr id="57" name="Conector de Seta Reta 56">
             <a:extLst>
               <a:ext uri="{FF2B5EF4-FFF2-40B4-BE49-F238E27FC236}">
-                <a16:creationId xmlns:a16="http://schemas.microsoft.com/office/drawing/2014/main" id="{688067FF-CBEE-4F28-88D7-F6AEC67ED517}"/>
+                <a16:creationId xmlns:a16="http://schemas.microsoft.com/office/drawing/2014/main" xmlns="" id="{688067FF-CBEE-4F28-88D7-F6AEC67ED517}"/>
               </a:ext>
             </a:extLst>
           </p:cNvPr>
@@ -4799,7 +4717,7 @@
           <p:cNvPr id="9" name="Retângulo 8">
             <a:extLst>
               <a:ext uri="{FF2B5EF4-FFF2-40B4-BE49-F238E27FC236}">
-                <a16:creationId xmlns:a16="http://schemas.microsoft.com/office/drawing/2014/main" id="{A2895AD6-3034-4EE2-8F53-A1BC76FBF2D0}"/>
+                <a16:creationId xmlns:a16="http://schemas.microsoft.com/office/drawing/2014/main" xmlns="" id="{A2895AD6-3034-4EE2-8F53-A1BC76FBF2D0}"/>
               </a:ext>
             </a:extLst>
           </p:cNvPr>
@@ -4851,7 +4769,7 @@
           <p:cNvPr id="7" name="Picture 10" descr="Amazon Web Services - Wikipedia">
             <a:extLst>
               <a:ext uri="{FF2B5EF4-FFF2-40B4-BE49-F238E27FC236}">
-                <a16:creationId xmlns:a16="http://schemas.microsoft.com/office/drawing/2014/main" id="{4484FA0D-09D2-41AD-9A5C-AA5C5431D5FE}"/>
+                <a16:creationId xmlns:a16="http://schemas.microsoft.com/office/drawing/2014/main" xmlns="" id="{4484FA0D-09D2-41AD-9A5C-AA5C5431D5FE}"/>
               </a:ext>
             </a:extLst>
           </p:cNvPr>
@@ -4861,7 +4779,7 @@
           <p:nvPr/>
         </p:nvPicPr>
         <p:blipFill>
-          <a:blip r:embed="rId12" cstate="print">
+          <a:blip r:embed="rId11" cstate="print">
             <a:extLst>
               <a:ext uri="{28A0092B-C50C-407E-A947-70E740481C1C}">
                 <a14:useLocalDpi xmlns:a14="http://schemas.microsoft.com/office/drawing/2010/main" val="0"/>
@@ -4898,7 +4816,7 @@
           <p:cNvPr id="17" name="CaixaDeTexto 16">
             <a:extLst>
               <a:ext uri="{FF2B5EF4-FFF2-40B4-BE49-F238E27FC236}">
-                <a16:creationId xmlns:a16="http://schemas.microsoft.com/office/drawing/2014/main" id="{26EAF8F4-3BDF-487E-A712-9B376B133FBC}"/>
+                <a16:creationId xmlns:a16="http://schemas.microsoft.com/office/drawing/2014/main" xmlns="" id="{26EAF8F4-3BDF-487E-A712-9B376B133FBC}"/>
               </a:ext>
             </a:extLst>
           </p:cNvPr>
@@ -4937,13 +4855,13 @@
           <p:nvPr/>
         </p:nvPicPr>
         <p:blipFill rotWithShape="1">
-          <a:blip r:embed="rId13"/>
+          <a:blip r:embed="rId12"/>
           <a:srcRect l="9121" t="320" r="8400" b="-320"/>
           <a:stretch/>
         </p:blipFill>
         <p:spPr>
           <a:xfrm>
-            <a:off x="4950262" y="1810437"/>
+            <a:off x="4926098" y="1817287"/>
             <a:ext cx="702832" cy="360454"/>
           </a:xfrm>
           <a:prstGeom prst="rect">
@@ -4960,7 +4878,7 @@
           <p:nvPr/>
         </p:nvPicPr>
         <p:blipFill>
-          <a:blip r:embed="rId14"/>
+          <a:blip r:embed="rId13"/>
           <a:stretch>
             <a:fillRect/>
           </a:stretch>
@@ -5023,7 +4941,7 @@
           <p:nvPr/>
         </p:nvPicPr>
         <p:blipFill>
-          <a:blip r:embed="rId15"/>
+          <a:blip r:embed="rId14"/>
           <a:stretch>
             <a:fillRect/>
           </a:stretch>
@@ -5047,7 +4965,7 @@
           <p:nvPr/>
         </p:nvPicPr>
         <p:blipFill rotWithShape="1">
-          <a:blip r:embed="rId16"/>
+          <a:blip r:embed="rId15"/>
           <a:srcRect l="35681" t="14554" r="34566" b="10328"/>
           <a:stretch/>
         </p:blipFill>
@@ -5070,7 +4988,7 @@
           <p:nvPr/>
         </p:nvPicPr>
         <p:blipFill>
-          <a:blip r:embed="rId17" cstate="print">
+          <a:blip r:embed="rId16" cstate="print">
             <a:extLst>
               <a:ext uri="{28A0092B-C50C-407E-A947-70E740481C1C}">
                 <a14:useLocalDpi xmlns:a14="http://schemas.microsoft.com/office/drawing/2010/main" val="0"/>
@@ -5107,7 +5025,7 @@
           <p:cNvPr id="21" name="Agrupar 20">
             <a:extLst>
               <a:ext uri="{FF2B5EF4-FFF2-40B4-BE49-F238E27FC236}">
-                <a16:creationId xmlns:a16="http://schemas.microsoft.com/office/drawing/2014/main" id="{1550788F-EA80-4E29-BE8A-2E903471849F}"/>
+                <a16:creationId xmlns:a16="http://schemas.microsoft.com/office/drawing/2014/main" xmlns="" id="{1550788F-EA80-4E29-BE8A-2E903471849F}"/>
               </a:ext>
             </a:extLst>
           </p:cNvPr>
@@ -5127,7 +5045,7 @@
             <p:cNvPr id="1026" name="Picture 2" descr="Boas-vindas ao seu novo QG | Slack">
               <a:extLst>
                 <a:ext uri="{FF2B5EF4-FFF2-40B4-BE49-F238E27FC236}">
-                  <a16:creationId xmlns:a16="http://schemas.microsoft.com/office/drawing/2014/main" id="{D2B9D5B0-D199-4A89-A00B-86E4BE07F467}"/>
+                  <a16:creationId xmlns:a16="http://schemas.microsoft.com/office/drawing/2014/main" xmlns="" id="{D2B9D5B0-D199-4A89-A00B-86E4BE07F467}"/>
                 </a:ext>
               </a:extLst>
             </p:cNvPr>
@@ -5137,7 +5055,7 @@
             <p:nvPr/>
           </p:nvPicPr>
           <p:blipFill>
-            <a:blip r:embed="rId18">
+            <a:blip r:embed="rId17" cstate="print">
               <a:extLst>
                 <a:ext uri="{28A0092B-C50C-407E-A947-70E740481C1C}">
                   <a14:useLocalDpi xmlns:a14="http://schemas.microsoft.com/office/drawing/2010/main" val="0"/>
@@ -5174,7 +5092,7 @@
             <p:cNvPr id="4" name="CaixaDeTexto 3">
               <a:extLst>
                 <a:ext uri="{FF2B5EF4-FFF2-40B4-BE49-F238E27FC236}">
-                  <a16:creationId xmlns:a16="http://schemas.microsoft.com/office/drawing/2014/main" id="{D03018DC-DEBD-439B-B33A-3FD65D7934A5}"/>
+                  <a16:creationId xmlns:a16="http://schemas.microsoft.com/office/drawing/2014/main" xmlns="" id="{D03018DC-DEBD-439B-B33A-3FD65D7934A5}"/>
                 </a:ext>
               </a:extLst>
             </p:cNvPr>
@@ -5210,7 +5128,7 @@
           <p:cNvPr id="23" name="Imagem 22" descr="Logotipo, nome da empresa&#10;&#10;Descrição gerada automaticamente">
             <a:extLst>
               <a:ext uri="{FF2B5EF4-FFF2-40B4-BE49-F238E27FC236}">
-                <a16:creationId xmlns:a16="http://schemas.microsoft.com/office/drawing/2014/main" id="{430375AE-F10C-4E7F-AC5E-E4A9143A7746}"/>
+                <a16:creationId xmlns:a16="http://schemas.microsoft.com/office/drawing/2014/main" xmlns="" id="{430375AE-F10C-4E7F-AC5E-E4A9143A7746}"/>
               </a:ext>
             </a:extLst>
           </p:cNvPr>
@@ -5220,7 +5138,7 @@
           <p:nvPr/>
         </p:nvPicPr>
         <p:blipFill>
-          <a:blip r:embed="rId19">
+          <a:blip r:embed="rId18" cstate="print">
             <a:extLst>
               <a:ext uri="{28A0092B-C50C-407E-A947-70E740481C1C}">
                 <a14:useLocalDpi xmlns:a14="http://schemas.microsoft.com/office/drawing/2010/main" val="0"/>
@@ -5233,7 +5151,7 @@
         </p:blipFill>
         <p:spPr>
           <a:xfrm>
-            <a:off x="3888538" y="1606927"/>
+            <a:off x="3721256" y="1620310"/>
             <a:ext cx="1089399" cy="754409"/>
           </a:xfrm>
           <a:prstGeom prst="rect">
@@ -5246,7 +5164,7 @@
           <p:cNvPr id="50" name="Imagem 49">
             <a:extLst>
               <a:ext uri="{FF2B5EF4-FFF2-40B4-BE49-F238E27FC236}">
-                <a16:creationId xmlns:a16="http://schemas.microsoft.com/office/drawing/2014/main" id="{B7B64E3D-9B7A-45F3-806A-B186144DA1C4}"/>
+                <a16:creationId xmlns:a16="http://schemas.microsoft.com/office/drawing/2014/main" xmlns="" id="{B7B64E3D-9B7A-45F3-806A-B186144DA1C4}"/>
               </a:ext>
             </a:extLst>
           </p:cNvPr>
@@ -5256,14 +5174,14 @@
           <p:nvPr/>
         </p:nvPicPr>
         <p:blipFill>
-          <a:blip r:embed="rId14"/>
+          <a:blip r:embed="rId13"/>
           <a:stretch>
             <a:fillRect/>
           </a:stretch>
         </p:blipFill>
         <p:spPr>
           <a:xfrm>
-            <a:off x="3979952" y="2273939"/>
+            <a:off x="3996631" y="2388102"/>
             <a:ext cx="736425" cy="618481"/>
           </a:xfrm>
           <a:prstGeom prst="rect">
@@ -5276,7 +5194,7 @@
           <p:cNvPr id="52" name="Picture 2" descr="Boas-vindas ao seu novo QG | Slack">
             <a:extLst>
               <a:ext uri="{FF2B5EF4-FFF2-40B4-BE49-F238E27FC236}">
-                <a16:creationId xmlns:a16="http://schemas.microsoft.com/office/drawing/2014/main" id="{84353701-537A-485B-9AFC-F27D88E69C0E}"/>
+                <a16:creationId xmlns:a16="http://schemas.microsoft.com/office/drawing/2014/main" xmlns="" id="{84353701-537A-485B-9AFC-F27D88E69C0E}"/>
               </a:ext>
             </a:extLst>
           </p:cNvPr>
@@ -5286,7 +5204,7 @@
           <p:nvPr/>
         </p:nvPicPr>
         <p:blipFill>
-          <a:blip r:embed="rId18">
+          <a:blip r:embed="rId19" cstate="print">
             <a:extLst>
               <a:ext uri="{28A0092B-C50C-407E-A947-70E740481C1C}">
                 <a14:useLocalDpi xmlns:a14="http://schemas.microsoft.com/office/drawing/2010/main" val="0"/>
@@ -5300,7 +5218,7 @@
         </p:blipFill>
         <p:spPr bwMode="auto">
           <a:xfrm>
-            <a:off x="1503241" y="4955134"/>
+            <a:off x="1531764" y="4990659"/>
             <a:ext cx="596868" cy="547749"/>
           </a:xfrm>
           <a:prstGeom prst="rect">
@@ -5323,7 +5241,7 @@
           <p:cNvPr id="54" name="Retângulo 53">
             <a:extLst>
               <a:ext uri="{FF2B5EF4-FFF2-40B4-BE49-F238E27FC236}">
-                <a16:creationId xmlns:a16="http://schemas.microsoft.com/office/drawing/2014/main" id="{F6769D6D-4C92-4616-B7A1-9AA9E96B528E}"/>
+                <a16:creationId xmlns:a16="http://schemas.microsoft.com/office/drawing/2014/main" xmlns="" id="{F6769D6D-4C92-4616-B7A1-9AA9E96B528E}"/>
               </a:ext>
             </a:extLst>
           </p:cNvPr>
@@ -5375,7 +5293,7 @@
           <p:cNvPr id="28" name="Imagem 27" descr="Imagem em preto e branco&#10;&#10;Descrição gerada automaticamente">
             <a:extLst>
               <a:ext uri="{FF2B5EF4-FFF2-40B4-BE49-F238E27FC236}">
-                <a16:creationId xmlns:a16="http://schemas.microsoft.com/office/drawing/2014/main" id="{2CC60A5A-32BC-4872-BEF8-F867013BB652}"/>
+                <a16:creationId xmlns:a16="http://schemas.microsoft.com/office/drawing/2014/main" xmlns="" id="{2CC60A5A-32BC-4872-BEF8-F867013BB652}"/>
               </a:ext>
             </a:extLst>
           </p:cNvPr>
@@ -5400,6 +5318,89 @@
           <a:xfrm>
             <a:off x="10760575" y="5320303"/>
             <a:ext cx="933450" cy="981075"/>
+          </a:xfrm>
+          <a:prstGeom prst="rect">
+            <a:avLst/>
+          </a:prstGeom>
+        </p:spPr>
+      </p:pic>
+      <p:pic>
+        <p:nvPicPr>
+          <p:cNvPr id="12" name="Imagem 11"/>
+          <p:cNvPicPr>
+            <a:picLocks noChangeAspect="1"/>
+          </p:cNvPicPr>
+          <p:nvPr/>
+        </p:nvPicPr>
+        <p:blipFill>
+          <a:blip r:embed="rId21"/>
+          <a:stretch>
+            <a:fillRect/>
+          </a:stretch>
+        </p:blipFill>
+        <p:spPr>
+          <a:xfrm>
+            <a:off x="5226824" y="549698"/>
+            <a:ext cx="1689404" cy="950290"/>
+          </a:xfrm>
+          <a:prstGeom prst="rect">
+            <a:avLst/>
+          </a:prstGeom>
+        </p:spPr>
+      </p:pic>
+      <p:pic>
+        <p:nvPicPr>
+          <p:cNvPr id="42" name="Imagem 41" descr="Forma&#10;&#10;Descrição gerada automaticamente">
+            <a:extLst>
+              <a:ext uri="{FF2B5EF4-FFF2-40B4-BE49-F238E27FC236}">
+                <a16:creationId xmlns:a16="http://schemas.microsoft.com/office/drawing/2014/main" xmlns="" id="{5C7DD506-50B1-460C-BA22-4C94A74330EA}"/>
+              </a:ext>
+            </a:extLst>
+          </p:cNvPr>
+          <p:cNvPicPr>
+            <a:picLocks noChangeAspect="1"/>
+          </p:cNvPicPr>
+          <p:nvPr/>
+        </p:nvPicPr>
+        <p:blipFill rotWithShape="1">
+          <a:blip r:embed="rId2">
+            <a:extLst>
+              <a:ext uri="{28A0092B-C50C-407E-A947-70E740481C1C}">
+                <a14:useLocalDpi xmlns:a14="http://schemas.microsoft.com/office/drawing/2010/main" val="0"/>
+              </a:ext>
+            </a:extLst>
+          </a:blip>
+          <a:srcRect l="1522" t="2780" r="-356" b="3946"/>
+          <a:stretch/>
+        </p:blipFill>
+        <p:spPr>
+          <a:xfrm>
+            <a:off x="1824311" y="3368459"/>
+            <a:ext cx="1986501" cy="1285157"/>
+          </a:xfrm>
+          <a:prstGeom prst="rect">
+            <a:avLst/>
+          </a:prstGeom>
+        </p:spPr>
+      </p:pic>
+      <p:pic>
+        <p:nvPicPr>
+          <p:cNvPr id="18" name="Imagem 17"/>
+          <p:cNvPicPr>
+            <a:picLocks noChangeAspect="1"/>
+          </p:cNvPicPr>
+          <p:nvPr/>
+        </p:nvPicPr>
+        <p:blipFill>
+          <a:blip r:embed="rId22"/>
+          <a:stretch>
+            <a:fillRect/>
+          </a:stretch>
+        </p:blipFill>
+        <p:spPr>
+          <a:xfrm>
+            <a:off x="2550049" y="4053413"/>
+            <a:ext cx="922572" cy="482118"/>
           </a:xfrm>
           <a:prstGeom prst="rect">
             <a:avLst/>
@@ -5715,21 +5716,6 @@
 </file>
 
 <file path=customXml/item1.xml><?xml version="1.0" encoding="utf-8"?>
-<p:properties xmlns:p="http://schemas.microsoft.com/office/2006/metadata/properties" xmlns:xsi="http://www.w3.org/2001/XMLSchema-instance" xmlns:pc="http://schemas.microsoft.com/office/infopath/2007/PartnerControls">
-  <documentManagement/>
-</p:properties>
-</file>
-
-<file path=customXml/item2.xml><?xml version="1.0" encoding="utf-8"?>
-<?mso-contentType ?>
-<FormTemplates xmlns="http://schemas.microsoft.com/sharepoint/v3/contenttype/forms">
-  <Display>DocumentLibraryForm</Display>
-  <Edit>DocumentLibraryForm</Edit>
-  <New>DocumentLibraryForm</New>
-</FormTemplates>
-</file>
-
-<file path=customXml/item3.xml><?xml version="1.0" encoding="utf-8"?>
 <ct:contentTypeSchema xmlns:ct="http://schemas.microsoft.com/office/2006/metadata/contentType" xmlns:ma="http://schemas.microsoft.com/office/2006/metadata/properties/metaAttributes" ct:_="" ma:_="" ma:contentTypeName="Document" ma:contentTypeID="0x010100B98A8EE2A9F7A14F94CEDBF06729C915" ma:contentTypeVersion="2" ma:contentTypeDescription="Create a new document." ma:contentTypeScope="" ma:versionID="54211dd7b80d0a5e350bd2ce1fda18e0">
   <xsd:schema xmlns:xsd="http://www.w3.org/2001/XMLSchema" xmlns:xs="http://www.w3.org/2001/XMLSchema" xmlns:p="http://schemas.microsoft.com/office/2006/metadata/properties" xmlns:ns3="4d0c820a-888c-467f-9883-f2eb09285986" targetNamespace="http://schemas.microsoft.com/office/2006/metadata/properties" ma:root="true" ma:fieldsID="215748a485b3af4a87eff8123adb26da" ns3:_="">
     <xsd:import namespace="4d0c820a-888c-467f-9883-f2eb09285986"/>
@@ -5861,31 +5847,22 @@
 </ct:contentTypeSchema>
 </file>
 
-<file path=customXml/itemProps1.xml><?xml version="1.0" encoding="utf-8"?>
-<ds:datastoreItem xmlns:ds="http://schemas.openxmlformats.org/officeDocument/2006/customXml" ds:itemID="{B1403ECD-64BE-4472-A72B-8AE2B2D302D4}">
-  <ds:schemaRefs>
-    <ds:schemaRef ds:uri="http://schemas.microsoft.com/office/2006/documentManagement/types"/>
-    <ds:schemaRef ds:uri="http://schemas.microsoft.com/office/infopath/2007/PartnerControls"/>
-    <ds:schemaRef ds:uri="http://www.w3.org/XML/1998/namespace"/>
-    <ds:schemaRef ds:uri="4d0c820a-888c-467f-9883-f2eb09285986"/>
-    <ds:schemaRef ds:uri="http://purl.org/dc/terms/"/>
-    <ds:schemaRef ds:uri="http://purl.org/dc/dcmitype/"/>
-    <ds:schemaRef ds:uri="http://purl.org/dc/elements/1.1/"/>
-    <ds:schemaRef ds:uri="http://schemas.openxmlformats.org/package/2006/metadata/core-properties"/>
-    <ds:schemaRef ds:uri="http://schemas.microsoft.com/office/2006/metadata/properties"/>
-  </ds:schemaRefs>
-</ds:datastoreItem>
+<file path=customXml/item2.xml><?xml version="1.0" encoding="utf-8"?>
+<?mso-contentType ?>
+<FormTemplates xmlns="http://schemas.microsoft.com/sharepoint/v3/contenttype/forms">
+  <Display>DocumentLibraryForm</Display>
+  <Edit>DocumentLibraryForm</Edit>
+  <New>DocumentLibraryForm</New>
+</FormTemplates>
 </file>
 
-<file path=customXml/itemProps2.xml><?xml version="1.0" encoding="utf-8"?>
-<ds:datastoreItem xmlns:ds="http://schemas.openxmlformats.org/officeDocument/2006/customXml" ds:itemID="{C361E357-1858-46EE-ADFA-698EE4D9C360}">
-  <ds:schemaRefs>
-    <ds:schemaRef ds:uri="http://schemas.microsoft.com/sharepoint/v3/contenttype/forms"/>
-  </ds:schemaRefs>
-</ds:datastoreItem>
+<file path=customXml/item3.xml><?xml version="1.0" encoding="utf-8"?>
+<p:properties xmlns:p="http://schemas.microsoft.com/office/2006/metadata/properties" xmlns:xsi="http://www.w3.org/2001/XMLSchema-instance" xmlns:pc="http://schemas.microsoft.com/office/infopath/2007/PartnerControls">
+  <documentManagement/>
+</p:properties>
 </file>
 
-<file path=customXml/itemProps3.xml><?xml version="1.0" encoding="utf-8"?>
+<file path=customXml/itemProps1.xml><?xml version="1.0" encoding="utf-8"?>
 <ds:datastoreItem xmlns:ds="http://schemas.openxmlformats.org/officeDocument/2006/customXml" ds:itemID="{94021B74-C88A-417E-AEFD-9E5858425111}">
   <ds:schemaRefs>
     <ds:schemaRef ds:uri="http://schemas.microsoft.com/office/2006/metadata/contentType"/>
@@ -5901,4 +5878,28 @@
     <ds:schemaRef ds:uri="http://schemas.microsoft.com/internal/obd"/>
   </ds:schemaRefs>
 </ds:datastoreItem>
+</file>
+
+<file path=customXml/itemProps2.xml><?xml version="1.0" encoding="utf-8"?>
+<ds:datastoreItem xmlns:ds="http://schemas.openxmlformats.org/officeDocument/2006/customXml" ds:itemID="{C361E357-1858-46EE-ADFA-698EE4D9C360}">
+  <ds:schemaRefs>
+    <ds:schemaRef ds:uri="http://schemas.microsoft.com/sharepoint/v3/contenttype/forms"/>
+  </ds:schemaRefs>
+</ds:datastoreItem>
+</file>
+
+<file path=customXml/itemProps3.xml><?xml version="1.0" encoding="utf-8"?>
+<ds:datastoreItem xmlns:ds="http://schemas.openxmlformats.org/officeDocument/2006/customXml" ds:itemID="{B1403ECD-64BE-4472-A72B-8AE2B2D302D4}">
+  <ds:schemaRefs>
+    <ds:schemaRef ds:uri="http://schemas.microsoft.com/office/2006/documentManagement/types"/>
+    <ds:schemaRef ds:uri="http://schemas.microsoft.com/office/infopath/2007/PartnerControls"/>
+    <ds:schemaRef ds:uri="http://www.w3.org/XML/1998/namespace"/>
+    <ds:schemaRef ds:uri="4d0c820a-888c-467f-9883-f2eb09285986"/>
+    <ds:schemaRef ds:uri="http://purl.org/dc/terms/"/>
+    <ds:schemaRef ds:uri="http://purl.org/dc/dcmitype/"/>
+    <ds:schemaRef ds:uri="http://purl.org/dc/elements/1.1/"/>
+    <ds:schemaRef ds:uri="http://schemas.openxmlformats.org/package/2006/metadata/core-properties"/>
+    <ds:schemaRef ds:uri="http://schemas.microsoft.com/office/2006/metadata/properties"/>
+  </ds:schemaRefs>
+</ds:datastoreItem>
 </file>
--- a/Documentação/HLD.LLD.DIAGRAMA.pptx
+++ b/Documentação/HLD.LLD.DIAGRAMA.pptx
@@ -7,6 +7,7 @@
   <p:sldIdLst>
     <p:sldId id="263" r:id="rId5"/>
     <p:sldId id="266" r:id="rId6"/>
+    <p:sldId id="267" r:id="rId7"/>
   </p:sldIdLst>
   <p:sldSz cx="12192000" cy="6858000"/>
   <p:notesSz cx="6858000" cy="9144000"/>
@@ -135,7 +136,7 @@
           <p:cNvPr id="2" name="Título 1">
             <a:extLst>
               <a:ext uri="{FF2B5EF4-FFF2-40B4-BE49-F238E27FC236}">
-                <a16:creationId xmlns:a16="http://schemas.microsoft.com/office/drawing/2014/main" xmlns="" id="{9C9D081C-0F97-4DB2-B545-D20F5456DA1F}"/>
+                <a16:creationId xmlns:a16="http://schemas.microsoft.com/office/drawing/2014/main" id="{9C9D081C-0F97-4DB2-B545-D20F5456DA1F}"/>
               </a:ext>
             </a:extLst>
           </p:cNvPr>
@@ -172,7 +173,7 @@
           <p:cNvPr id="3" name="Subtítulo 2">
             <a:extLst>
               <a:ext uri="{FF2B5EF4-FFF2-40B4-BE49-F238E27FC236}">
-                <a16:creationId xmlns:a16="http://schemas.microsoft.com/office/drawing/2014/main" xmlns="" id="{974DF855-DB25-4F33-BF88-68991EBB3108}"/>
+                <a16:creationId xmlns:a16="http://schemas.microsoft.com/office/drawing/2014/main" id="{974DF855-DB25-4F33-BF88-68991EBB3108}"/>
               </a:ext>
             </a:extLst>
           </p:cNvPr>
@@ -242,7 +243,7 @@
           <p:cNvPr id="4" name="Espaço Reservado para Data 3">
             <a:extLst>
               <a:ext uri="{FF2B5EF4-FFF2-40B4-BE49-F238E27FC236}">
-                <a16:creationId xmlns:a16="http://schemas.microsoft.com/office/drawing/2014/main" xmlns="" id="{035A9201-BCC9-43E0-88C6-004C731F0501}"/>
+                <a16:creationId xmlns:a16="http://schemas.microsoft.com/office/drawing/2014/main" id="{035A9201-BCC9-43E0-88C6-004C731F0501}"/>
               </a:ext>
             </a:extLst>
           </p:cNvPr>
@@ -260,7 +261,7 @@
           <a:p>
             <a:fld id="{7668FBEF-3CD8-4E97-B80F-AF0D925322BB}" type="datetimeFigureOut">
               <a:rPr lang="pt-BR" smtClean="0"/>
-              <a:t>05/12/2020</a:t>
+              <a:t>06/12/2020</a:t>
             </a:fld>
             <a:endParaRPr lang="pt-BR"/>
           </a:p>
@@ -271,7 +272,7 @@
           <p:cNvPr id="5" name="Espaço Reservado para Rodapé 4">
             <a:extLst>
               <a:ext uri="{FF2B5EF4-FFF2-40B4-BE49-F238E27FC236}">
-                <a16:creationId xmlns:a16="http://schemas.microsoft.com/office/drawing/2014/main" xmlns="" id="{EE96D7DF-1FB0-4D05-AF2C-DE6460380CCA}"/>
+                <a16:creationId xmlns:a16="http://schemas.microsoft.com/office/drawing/2014/main" id="{EE96D7DF-1FB0-4D05-AF2C-DE6460380CCA}"/>
               </a:ext>
             </a:extLst>
           </p:cNvPr>
@@ -296,7 +297,7 @@
           <p:cNvPr id="6" name="Espaço Reservado para Número de Slide 5">
             <a:extLst>
               <a:ext uri="{FF2B5EF4-FFF2-40B4-BE49-F238E27FC236}">
-                <a16:creationId xmlns:a16="http://schemas.microsoft.com/office/drawing/2014/main" xmlns="" id="{6B180718-A06F-41B8-BBDE-D69E94F87DB3}"/>
+                <a16:creationId xmlns:a16="http://schemas.microsoft.com/office/drawing/2014/main" id="{6B180718-A06F-41B8-BBDE-D69E94F87DB3}"/>
               </a:ext>
             </a:extLst>
           </p:cNvPr>
@@ -355,7 +356,7 @@
           <p:cNvPr id="2" name="Título 1">
             <a:extLst>
               <a:ext uri="{FF2B5EF4-FFF2-40B4-BE49-F238E27FC236}">
-                <a16:creationId xmlns:a16="http://schemas.microsoft.com/office/drawing/2014/main" xmlns="" id="{06BC62C5-62A3-4C34-B96D-E9772382BB1F}"/>
+                <a16:creationId xmlns:a16="http://schemas.microsoft.com/office/drawing/2014/main" id="{06BC62C5-62A3-4C34-B96D-E9772382BB1F}"/>
               </a:ext>
             </a:extLst>
           </p:cNvPr>
@@ -383,7 +384,7 @@
           <p:cNvPr id="3" name="Espaço Reservado para Texto Vertical 2">
             <a:extLst>
               <a:ext uri="{FF2B5EF4-FFF2-40B4-BE49-F238E27FC236}">
-                <a16:creationId xmlns:a16="http://schemas.microsoft.com/office/drawing/2014/main" xmlns="" id="{5987ABD5-17FB-4334-8D1E-1B9FA7510FEF}"/>
+                <a16:creationId xmlns:a16="http://schemas.microsoft.com/office/drawing/2014/main" id="{5987ABD5-17FB-4334-8D1E-1B9FA7510FEF}"/>
               </a:ext>
             </a:extLst>
           </p:cNvPr>
@@ -440,7 +441,7 @@
           <p:cNvPr id="4" name="Espaço Reservado para Data 3">
             <a:extLst>
               <a:ext uri="{FF2B5EF4-FFF2-40B4-BE49-F238E27FC236}">
-                <a16:creationId xmlns:a16="http://schemas.microsoft.com/office/drawing/2014/main" xmlns="" id="{63B767CF-7B82-479D-B09D-C5ACFB4BF497}"/>
+                <a16:creationId xmlns:a16="http://schemas.microsoft.com/office/drawing/2014/main" id="{63B767CF-7B82-479D-B09D-C5ACFB4BF497}"/>
               </a:ext>
             </a:extLst>
           </p:cNvPr>
@@ -458,7 +459,7 @@
           <a:p>
             <a:fld id="{7668FBEF-3CD8-4E97-B80F-AF0D925322BB}" type="datetimeFigureOut">
               <a:rPr lang="pt-BR" smtClean="0"/>
-              <a:t>05/12/2020</a:t>
+              <a:t>06/12/2020</a:t>
             </a:fld>
             <a:endParaRPr lang="pt-BR"/>
           </a:p>
@@ -469,7 +470,7 @@
           <p:cNvPr id="5" name="Espaço Reservado para Rodapé 4">
             <a:extLst>
               <a:ext uri="{FF2B5EF4-FFF2-40B4-BE49-F238E27FC236}">
-                <a16:creationId xmlns:a16="http://schemas.microsoft.com/office/drawing/2014/main" xmlns="" id="{5813DBE3-B5D1-47C3-9D46-3B12A356FD91}"/>
+                <a16:creationId xmlns:a16="http://schemas.microsoft.com/office/drawing/2014/main" id="{5813DBE3-B5D1-47C3-9D46-3B12A356FD91}"/>
               </a:ext>
             </a:extLst>
           </p:cNvPr>
@@ -494,7 +495,7 @@
           <p:cNvPr id="6" name="Espaço Reservado para Número de Slide 5">
             <a:extLst>
               <a:ext uri="{FF2B5EF4-FFF2-40B4-BE49-F238E27FC236}">
-                <a16:creationId xmlns:a16="http://schemas.microsoft.com/office/drawing/2014/main" xmlns="" id="{FE4F2FBA-5C20-4470-AB3B-CA59CCC90F4E}"/>
+                <a16:creationId xmlns:a16="http://schemas.microsoft.com/office/drawing/2014/main" id="{FE4F2FBA-5C20-4470-AB3B-CA59CCC90F4E}"/>
               </a:ext>
             </a:extLst>
           </p:cNvPr>
@@ -553,7 +554,7 @@
           <p:cNvPr id="2" name="Título Vertical 1">
             <a:extLst>
               <a:ext uri="{FF2B5EF4-FFF2-40B4-BE49-F238E27FC236}">
-                <a16:creationId xmlns:a16="http://schemas.microsoft.com/office/drawing/2014/main" xmlns="" id="{2D0FF3FD-4633-4116-B308-3DC9016524BF}"/>
+                <a16:creationId xmlns:a16="http://schemas.microsoft.com/office/drawing/2014/main" id="{2D0FF3FD-4633-4116-B308-3DC9016524BF}"/>
               </a:ext>
             </a:extLst>
           </p:cNvPr>
@@ -586,7 +587,7 @@
           <p:cNvPr id="3" name="Espaço Reservado para Texto Vertical 2">
             <a:extLst>
               <a:ext uri="{FF2B5EF4-FFF2-40B4-BE49-F238E27FC236}">
-                <a16:creationId xmlns:a16="http://schemas.microsoft.com/office/drawing/2014/main" xmlns="" id="{1CE652A6-6F2A-46CD-9D5C-CED0D3A9FB8F}"/>
+                <a16:creationId xmlns:a16="http://schemas.microsoft.com/office/drawing/2014/main" id="{1CE652A6-6F2A-46CD-9D5C-CED0D3A9FB8F}"/>
               </a:ext>
             </a:extLst>
           </p:cNvPr>
@@ -648,7 +649,7 @@
           <p:cNvPr id="4" name="Espaço Reservado para Data 3">
             <a:extLst>
               <a:ext uri="{FF2B5EF4-FFF2-40B4-BE49-F238E27FC236}">
-                <a16:creationId xmlns:a16="http://schemas.microsoft.com/office/drawing/2014/main" xmlns="" id="{06B13398-15E8-4EBF-B29F-80855CDF7F26}"/>
+                <a16:creationId xmlns:a16="http://schemas.microsoft.com/office/drawing/2014/main" id="{06B13398-15E8-4EBF-B29F-80855CDF7F26}"/>
               </a:ext>
             </a:extLst>
           </p:cNvPr>
@@ -666,7 +667,7 @@
           <a:p>
             <a:fld id="{7668FBEF-3CD8-4E97-B80F-AF0D925322BB}" type="datetimeFigureOut">
               <a:rPr lang="pt-BR" smtClean="0"/>
-              <a:t>05/12/2020</a:t>
+              <a:t>06/12/2020</a:t>
             </a:fld>
             <a:endParaRPr lang="pt-BR"/>
           </a:p>
@@ -677,7 +678,7 @@
           <p:cNvPr id="5" name="Espaço Reservado para Rodapé 4">
             <a:extLst>
               <a:ext uri="{FF2B5EF4-FFF2-40B4-BE49-F238E27FC236}">
-                <a16:creationId xmlns:a16="http://schemas.microsoft.com/office/drawing/2014/main" xmlns="" id="{152F3931-4EA3-4DFF-AB39-EBDC4DD76D8D}"/>
+                <a16:creationId xmlns:a16="http://schemas.microsoft.com/office/drawing/2014/main" id="{152F3931-4EA3-4DFF-AB39-EBDC4DD76D8D}"/>
               </a:ext>
             </a:extLst>
           </p:cNvPr>
@@ -702,7 +703,7 @@
           <p:cNvPr id="6" name="Espaço Reservado para Número de Slide 5">
             <a:extLst>
               <a:ext uri="{FF2B5EF4-FFF2-40B4-BE49-F238E27FC236}">
-                <a16:creationId xmlns:a16="http://schemas.microsoft.com/office/drawing/2014/main" xmlns="" id="{4A6AC45E-BF7F-4F65-9509-B6CF7A6F3748}"/>
+                <a16:creationId xmlns:a16="http://schemas.microsoft.com/office/drawing/2014/main" id="{4A6AC45E-BF7F-4F65-9509-B6CF7A6F3748}"/>
               </a:ext>
             </a:extLst>
           </p:cNvPr>
@@ -761,7 +762,7 @@
           <p:cNvPr id="2" name="Título 1">
             <a:extLst>
               <a:ext uri="{FF2B5EF4-FFF2-40B4-BE49-F238E27FC236}">
-                <a16:creationId xmlns:a16="http://schemas.microsoft.com/office/drawing/2014/main" xmlns="" id="{47080BF8-F94D-4C7B-8946-1F7A9406C1FE}"/>
+                <a16:creationId xmlns:a16="http://schemas.microsoft.com/office/drawing/2014/main" id="{47080BF8-F94D-4C7B-8946-1F7A9406C1FE}"/>
               </a:ext>
             </a:extLst>
           </p:cNvPr>
@@ -789,7 +790,7 @@
           <p:cNvPr id="3" name="Espaço Reservado para Conteúdo 2">
             <a:extLst>
               <a:ext uri="{FF2B5EF4-FFF2-40B4-BE49-F238E27FC236}">
-                <a16:creationId xmlns:a16="http://schemas.microsoft.com/office/drawing/2014/main" xmlns="" id="{87C712CB-843F-4DFE-A432-2CC6CF4A63C7}"/>
+                <a16:creationId xmlns:a16="http://schemas.microsoft.com/office/drawing/2014/main" id="{87C712CB-843F-4DFE-A432-2CC6CF4A63C7}"/>
               </a:ext>
             </a:extLst>
           </p:cNvPr>
@@ -846,7 +847,7 @@
           <p:cNvPr id="4" name="Espaço Reservado para Data 3">
             <a:extLst>
               <a:ext uri="{FF2B5EF4-FFF2-40B4-BE49-F238E27FC236}">
-                <a16:creationId xmlns:a16="http://schemas.microsoft.com/office/drawing/2014/main" xmlns="" id="{C4A7E271-096C-48D0-A96E-AC1F80043C54}"/>
+                <a16:creationId xmlns:a16="http://schemas.microsoft.com/office/drawing/2014/main" id="{C4A7E271-096C-48D0-A96E-AC1F80043C54}"/>
               </a:ext>
             </a:extLst>
           </p:cNvPr>
@@ -864,7 +865,7 @@
           <a:p>
             <a:fld id="{7668FBEF-3CD8-4E97-B80F-AF0D925322BB}" type="datetimeFigureOut">
               <a:rPr lang="pt-BR" smtClean="0"/>
-              <a:t>05/12/2020</a:t>
+              <a:t>06/12/2020</a:t>
             </a:fld>
             <a:endParaRPr lang="pt-BR"/>
           </a:p>
@@ -875,7 +876,7 @@
           <p:cNvPr id="5" name="Espaço Reservado para Rodapé 4">
             <a:extLst>
               <a:ext uri="{FF2B5EF4-FFF2-40B4-BE49-F238E27FC236}">
-                <a16:creationId xmlns:a16="http://schemas.microsoft.com/office/drawing/2014/main" xmlns="" id="{1C722D53-0BCF-4AA5-ABD6-F5F92BE3953B}"/>
+                <a16:creationId xmlns:a16="http://schemas.microsoft.com/office/drawing/2014/main" id="{1C722D53-0BCF-4AA5-ABD6-F5F92BE3953B}"/>
               </a:ext>
             </a:extLst>
           </p:cNvPr>
@@ -900,7 +901,7 @@
           <p:cNvPr id="6" name="Espaço Reservado para Número de Slide 5">
             <a:extLst>
               <a:ext uri="{FF2B5EF4-FFF2-40B4-BE49-F238E27FC236}">
-                <a16:creationId xmlns:a16="http://schemas.microsoft.com/office/drawing/2014/main" xmlns="" id="{23647B80-A0C6-4C68-B4A3-C58B2FB759D3}"/>
+                <a16:creationId xmlns:a16="http://schemas.microsoft.com/office/drawing/2014/main" id="{23647B80-A0C6-4C68-B4A3-C58B2FB759D3}"/>
               </a:ext>
             </a:extLst>
           </p:cNvPr>
@@ -959,7 +960,7 @@
           <p:cNvPr id="2" name="Título 1">
             <a:extLst>
               <a:ext uri="{FF2B5EF4-FFF2-40B4-BE49-F238E27FC236}">
-                <a16:creationId xmlns:a16="http://schemas.microsoft.com/office/drawing/2014/main" xmlns="" id="{0A830081-40B9-4693-9AE9-FB6C802278E0}"/>
+                <a16:creationId xmlns:a16="http://schemas.microsoft.com/office/drawing/2014/main" id="{0A830081-40B9-4693-9AE9-FB6C802278E0}"/>
               </a:ext>
             </a:extLst>
           </p:cNvPr>
@@ -996,7 +997,7 @@
           <p:cNvPr id="3" name="Espaço Reservado para Texto 2">
             <a:extLst>
               <a:ext uri="{FF2B5EF4-FFF2-40B4-BE49-F238E27FC236}">
-                <a16:creationId xmlns:a16="http://schemas.microsoft.com/office/drawing/2014/main" xmlns="" id="{BF5D38DE-E84F-4AD6-B626-13BAC655DDF6}"/>
+                <a16:creationId xmlns:a16="http://schemas.microsoft.com/office/drawing/2014/main" id="{BF5D38DE-E84F-4AD6-B626-13BAC655DDF6}"/>
               </a:ext>
             </a:extLst>
           </p:cNvPr>
@@ -1121,7 +1122,7 @@
           <p:cNvPr id="4" name="Espaço Reservado para Data 3">
             <a:extLst>
               <a:ext uri="{FF2B5EF4-FFF2-40B4-BE49-F238E27FC236}">
-                <a16:creationId xmlns:a16="http://schemas.microsoft.com/office/drawing/2014/main" xmlns="" id="{8BBBB9CE-FE64-4440-89E0-58692A7ED8E5}"/>
+                <a16:creationId xmlns:a16="http://schemas.microsoft.com/office/drawing/2014/main" id="{8BBBB9CE-FE64-4440-89E0-58692A7ED8E5}"/>
               </a:ext>
             </a:extLst>
           </p:cNvPr>
@@ -1139,7 +1140,7 @@
           <a:p>
             <a:fld id="{7668FBEF-3CD8-4E97-B80F-AF0D925322BB}" type="datetimeFigureOut">
               <a:rPr lang="pt-BR" smtClean="0"/>
-              <a:t>05/12/2020</a:t>
+              <a:t>06/12/2020</a:t>
             </a:fld>
             <a:endParaRPr lang="pt-BR"/>
           </a:p>
@@ -1150,7 +1151,7 @@
           <p:cNvPr id="5" name="Espaço Reservado para Rodapé 4">
             <a:extLst>
               <a:ext uri="{FF2B5EF4-FFF2-40B4-BE49-F238E27FC236}">
-                <a16:creationId xmlns:a16="http://schemas.microsoft.com/office/drawing/2014/main" xmlns="" id="{EBABC5BE-E0D5-4A2A-97A7-02EA28F3FD40}"/>
+                <a16:creationId xmlns:a16="http://schemas.microsoft.com/office/drawing/2014/main" id="{EBABC5BE-E0D5-4A2A-97A7-02EA28F3FD40}"/>
               </a:ext>
             </a:extLst>
           </p:cNvPr>
@@ -1175,7 +1176,7 @@
           <p:cNvPr id="6" name="Espaço Reservado para Número de Slide 5">
             <a:extLst>
               <a:ext uri="{FF2B5EF4-FFF2-40B4-BE49-F238E27FC236}">
-                <a16:creationId xmlns:a16="http://schemas.microsoft.com/office/drawing/2014/main" xmlns="" id="{264D844E-38E3-4AEB-95EE-A141D561415B}"/>
+                <a16:creationId xmlns:a16="http://schemas.microsoft.com/office/drawing/2014/main" id="{264D844E-38E3-4AEB-95EE-A141D561415B}"/>
               </a:ext>
             </a:extLst>
           </p:cNvPr>
@@ -1234,7 +1235,7 @@
           <p:cNvPr id="2" name="Título 1">
             <a:extLst>
               <a:ext uri="{FF2B5EF4-FFF2-40B4-BE49-F238E27FC236}">
-                <a16:creationId xmlns:a16="http://schemas.microsoft.com/office/drawing/2014/main" xmlns="" id="{EBD2F67F-68BF-4EC1-8D4E-01B8259ACD92}"/>
+                <a16:creationId xmlns:a16="http://schemas.microsoft.com/office/drawing/2014/main" id="{EBD2F67F-68BF-4EC1-8D4E-01B8259ACD92}"/>
               </a:ext>
             </a:extLst>
           </p:cNvPr>
@@ -1262,7 +1263,7 @@
           <p:cNvPr id="3" name="Espaço Reservado para Conteúdo 2">
             <a:extLst>
               <a:ext uri="{FF2B5EF4-FFF2-40B4-BE49-F238E27FC236}">
-                <a16:creationId xmlns:a16="http://schemas.microsoft.com/office/drawing/2014/main" xmlns="" id="{01974D6A-BCE5-4E24-B4D1-2B2BCA416358}"/>
+                <a16:creationId xmlns:a16="http://schemas.microsoft.com/office/drawing/2014/main" id="{01974D6A-BCE5-4E24-B4D1-2B2BCA416358}"/>
               </a:ext>
             </a:extLst>
           </p:cNvPr>
@@ -1324,7 +1325,7 @@
           <p:cNvPr id="4" name="Espaço Reservado para Conteúdo 3">
             <a:extLst>
               <a:ext uri="{FF2B5EF4-FFF2-40B4-BE49-F238E27FC236}">
-                <a16:creationId xmlns:a16="http://schemas.microsoft.com/office/drawing/2014/main" xmlns="" id="{9D00E5A3-BC4C-4370-B691-96CE002325C1}"/>
+                <a16:creationId xmlns:a16="http://schemas.microsoft.com/office/drawing/2014/main" id="{9D00E5A3-BC4C-4370-B691-96CE002325C1}"/>
               </a:ext>
             </a:extLst>
           </p:cNvPr>
@@ -1386,7 +1387,7 @@
           <p:cNvPr id="5" name="Espaço Reservado para Data 4">
             <a:extLst>
               <a:ext uri="{FF2B5EF4-FFF2-40B4-BE49-F238E27FC236}">
-                <a16:creationId xmlns:a16="http://schemas.microsoft.com/office/drawing/2014/main" xmlns="" id="{301DACF2-7B9C-4039-B450-907946D43F2F}"/>
+                <a16:creationId xmlns:a16="http://schemas.microsoft.com/office/drawing/2014/main" id="{301DACF2-7B9C-4039-B450-907946D43F2F}"/>
               </a:ext>
             </a:extLst>
           </p:cNvPr>
@@ -1404,7 +1405,7 @@
           <a:p>
             <a:fld id="{7668FBEF-3CD8-4E97-B80F-AF0D925322BB}" type="datetimeFigureOut">
               <a:rPr lang="pt-BR" smtClean="0"/>
-              <a:t>05/12/2020</a:t>
+              <a:t>06/12/2020</a:t>
             </a:fld>
             <a:endParaRPr lang="pt-BR"/>
           </a:p>
@@ -1415,7 +1416,7 @@
           <p:cNvPr id="6" name="Espaço Reservado para Rodapé 5">
             <a:extLst>
               <a:ext uri="{FF2B5EF4-FFF2-40B4-BE49-F238E27FC236}">
-                <a16:creationId xmlns:a16="http://schemas.microsoft.com/office/drawing/2014/main" xmlns="" id="{930B2BF7-E597-4DBF-AC42-44D9AC074CA7}"/>
+                <a16:creationId xmlns:a16="http://schemas.microsoft.com/office/drawing/2014/main" id="{930B2BF7-E597-4DBF-AC42-44D9AC074CA7}"/>
               </a:ext>
             </a:extLst>
           </p:cNvPr>
@@ -1440,7 +1441,7 @@
           <p:cNvPr id="7" name="Espaço Reservado para Número de Slide 6">
             <a:extLst>
               <a:ext uri="{FF2B5EF4-FFF2-40B4-BE49-F238E27FC236}">
-                <a16:creationId xmlns:a16="http://schemas.microsoft.com/office/drawing/2014/main" xmlns="" id="{7BD0FD2C-FA19-486B-8614-D5B565DD9F06}"/>
+                <a16:creationId xmlns:a16="http://schemas.microsoft.com/office/drawing/2014/main" id="{7BD0FD2C-FA19-486B-8614-D5B565DD9F06}"/>
               </a:ext>
             </a:extLst>
           </p:cNvPr>
@@ -1499,7 +1500,7 @@
           <p:cNvPr id="2" name="Título 1">
             <a:extLst>
               <a:ext uri="{FF2B5EF4-FFF2-40B4-BE49-F238E27FC236}">
-                <a16:creationId xmlns:a16="http://schemas.microsoft.com/office/drawing/2014/main" xmlns="" id="{D440D9DA-AE47-4C63-817F-6FABBFEAA115}"/>
+                <a16:creationId xmlns:a16="http://schemas.microsoft.com/office/drawing/2014/main" id="{D440D9DA-AE47-4C63-817F-6FABBFEAA115}"/>
               </a:ext>
             </a:extLst>
           </p:cNvPr>
@@ -1532,7 +1533,7 @@
           <p:cNvPr id="3" name="Espaço Reservado para Texto 2">
             <a:extLst>
               <a:ext uri="{FF2B5EF4-FFF2-40B4-BE49-F238E27FC236}">
-                <a16:creationId xmlns:a16="http://schemas.microsoft.com/office/drawing/2014/main" xmlns="" id="{5A79B8A0-431C-46B7-9585-6ED7F0D39EF2}"/>
+                <a16:creationId xmlns:a16="http://schemas.microsoft.com/office/drawing/2014/main" id="{5A79B8A0-431C-46B7-9585-6ED7F0D39EF2}"/>
               </a:ext>
             </a:extLst>
           </p:cNvPr>
@@ -1603,7 +1604,7 @@
           <p:cNvPr id="4" name="Espaço Reservado para Conteúdo 3">
             <a:extLst>
               <a:ext uri="{FF2B5EF4-FFF2-40B4-BE49-F238E27FC236}">
-                <a16:creationId xmlns:a16="http://schemas.microsoft.com/office/drawing/2014/main" xmlns="" id="{D962E492-AB16-4CE4-860D-ADB327B364FA}"/>
+                <a16:creationId xmlns:a16="http://schemas.microsoft.com/office/drawing/2014/main" id="{D962E492-AB16-4CE4-860D-ADB327B364FA}"/>
               </a:ext>
             </a:extLst>
           </p:cNvPr>
@@ -1665,7 +1666,7 @@
           <p:cNvPr id="5" name="Espaço Reservado para Texto 4">
             <a:extLst>
               <a:ext uri="{FF2B5EF4-FFF2-40B4-BE49-F238E27FC236}">
-                <a16:creationId xmlns:a16="http://schemas.microsoft.com/office/drawing/2014/main" xmlns="" id="{205D6EB2-A451-4CFB-A4CE-B757CEC3C34A}"/>
+                <a16:creationId xmlns:a16="http://schemas.microsoft.com/office/drawing/2014/main" id="{205D6EB2-A451-4CFB-A4CE-B757CEC3C34A}"/>
               </a:ext>
             </a:extLst>
           </p:cNvPr>
@@ -1736,7 +1737,7 @@
           <p:cNvPr id="6" name="Espaço Reservado para Conteúdo 5">
             <a:extLst>
               <a:ext uri="{FF2B5EF4-FFF2-40B4-BE49-F238E27FC236}">
-                <a16:creationId xmlns:a16="http://schemas.microsoft.com/office/drawing/2014/main" xmlns="" id="{F5E11F8F-EB23-4782-92C0-5A46225A3CF6}"/>
+                <a16:creationId xmlns:a16="http://schemas.microsoft.com/office/drawing/2014/main" id="{F5E11F8F-EB23-4782-92C0-5A46225A3CF6}"/>
               </a:ext>
             </a:extLst>
           </p:cNvPr>
@@ -1798,7 +1799,7 @@
           <p:cNvPr id="7" name="Espaço Reservado para Data 6">
             <a:extLst>
               <a:ext uri="{FF2B5EF4-FFF2-40B4-BE49-F238E27FC236}">
-                <a16:creationId xmlns:a16="http://schemas.microsoft.com/office/drawing/2014/main" xmlns="" id="{11E705B9-1AE6-4B3F-B142-A57289326F92}"/>
+                <a16:creationId xmlns:a16="http://schemas.microsoft.com/office/drawing/2014/main" id="{11E705B9-1AE6-4B3F-B142-A57289326F92}"/>
               </a:ext>
             </a:extLst>
           </p:cNvPr>
@@ -1816,7 +1817,7 @@
           <a:p>
             <a:fld id="{7668FBEF-3CD8-4E97-B80F-AF0D925322BB}" type="datetimeFigureOut">
               <a:rPr lang="pt-BR" smtClean="0"/>
-              <a:t>05/12/2020</a:t>
+              <a:t>06/12/2020</a:t>
             </a:fld>
             <a:endParaRPr lang="pt-BR"/>
           </a:p>
@@ -1827,7 +1828,7 @@
           <p:cNvPr id="8" name="Espaço Reservado para Rodapé 7">
             <a:extLst>
               <a:ext uri="{FF2B5EF4-FFF2-40B4-BE49-F238E27FC236}">
-                <a16:creationId xmlns:a16="http://schemas.microsoft.com/office/drawing/2014/main" xmlns="" id="{48EF0B24-3FF3-4C27-BEC2-8AC3B23E9DEB}"/>
+                <a16:creationId xmlns:a16="http://schemas.microsoft.com/office/drawing/2014/main" id="{48EF0B24-3FF3-4C27-BEC2-8AC3B23E9DEB}"/>
               </a:ext>
             </a:extLst>
           </p:cNvPr>
@@ -1852,7 +1853,7 @@
           <p:cNvPr id="9" name="Espaço Reservado para Número de Slide 8">
             <a:extLst>
               <a:ext uri="{FF2B5EF4-FFF2-40B4-BE49-F238E27FC236}">
-                <a16:creationId xmlns:a16="http://schemas.microsoft.com/office/drawing/2014/main" xmlns="" id="{E736BDCF-EC0D-4A52-8503-19E7822C8C0C}"/>
+                <a16:creationId xmlns:a16="http://schemas.microsoft.com/office/drawing/2014/main" id="{E736BDCF-EC0D-4A52-8503-19E7822C8C0C}"/>
               </a:ext>
             </a:extLst>
           </p:cNvPr>
@@ -1911,7 +1912,7 @@
           <p:cNvPr id="2" name="Título 1">
             <a:extLst>
               <a:ext uri="{FF2B5EF4-FFF2-40B4-BE49-F238E27FC236}">
-                <a16:creationId xmlns:a16="http://schemas.microsoft.com/office/drawing/2014/main" xmlns="" id="{C8D1AFA6-6735-442E-B80B-24DB69886AF1}"/>
+                <a16:creationId xmlns:a16="http://schemas.microsoft.com/office/drawing/2014/main" id="{C8D1AFA6-6735-442E-B80B-24DB69886AF1}"/>
               </a:ext>
             </a:extLst>
           </p:cNvPr>
@@ -1939,7 +1940,7 @@
           <p:cNvPr id="3" name="Espaço Reservado para Data 2">
             <a:extLst>
               <a:ext uri="{FF2B5EF4-FFF2-40B4-BE49-F238E27FC236}">
-                <a16:creationId xmlns:a16="http://schemas.microsoft.com/office/drawing/2014/main" xmlns="" id="{D7458DFD-4CB5-4F1E-8D2E-970B34448A07}"/>
+                <a16:creationId xmlns:a16="http://schemas.microsoft.com/office/drawing/2014/main" id="{D7458DFD-4CB5-4F1E-8D2E-970B34448A07}"/>
               </a:ext>
             </a:extLst>
           </p:cNvPr>
@@ -1957,7 +1958,7 @@
           <a:p>
             <a:fld id="{7668FBEF-3CD8-4E97-B80F-AF0D925322BB}" type="datetimeFigureOut">
               <a:rPr lang="pt-BR" smtClean="0"/>
-              <a:t>05/12/2020</a:t>
+              <a:t>06/12/2020</a:t>
             </a:fld>
             <a:endParaRPr lang="pt-BR"/>
           </a:p>
@@ -1968,7 +1969,7 @@
           <p:cNvPr id="4" name="Espaço Reservado para Rodapé 3">
             <a:extLst>
               <a:ext uri="{FF2B5EF4-FFF2-40B4-BE49-F238E27FC236}">
-                <a16:creationId xmlns:a16="http://schemas.microsoft.com/office/drawing/2014/main" xmlns="" id="{ED562646-CBF8-4D67-BFF2-FDA6A743285E}"/>
+                <a16:creationId xmlns:a16="http://schemas.microsoft.com/office/drawing/2014/main" id="{ED562646-CBF8-4D67-BFF2-FDA6A743285E}"/>
               </a:ext>
             </a:extLst>
           </p:cNvPr>
@@ -1993,7 +1994,7 @@
           <p:cNvPr id="5" name="Espaço Reservado para Número de Slide 4">
             <a:extLst>
               <a:ext uri="{FF2B5EF4-FFF2-40B4-BE49-F238E27FC236}">
-                <a16:creationId xmlns:a16="http://schemas.microsoft.com/office/drawing/2014/main" xmlns="" id="{7B0FA740-0E87-42AA-8994-E46D3B329A94}"/>
+                <a16:creationId xmlns:a16="http://schemas.microsoft.com/office/drawing/2014/main" id="{7B0FA740-0E87-42AA-8994-E46D3B329A94}"/>
               </a:ext>
             </a:extLst>
           </p:cNvPr>
@@ -2052,7 +2053,7 @@
           <p:cNvPr id="2" name="Espaço Reservado para Data 1">
             <a:extLst>
               <a:ext uri="{FF2B5EF4-FFF2-40B4-BE49-F238E27FC236}">
-                <a16:creationId xmlns:a16="http://schemas.microsoft.com/office/drawing/2014/main" xmlns="" id="{6BA3CBF6-643C-4ACD-AD84-EE4CC969A087}"/>
+                <a16:creationId xmlns:a16="http://schemas.microsoft.com/office/drawing/2014/main" id="{6BA3CBF6-643C-4ACD-AD84-EE4CC969A087}"/>
               </a:ext>
             </a:extLst>
           </p:cNvPr>
@@ -2070,7 +2071,7 @@
           <a:p>
             <a:fld id="{7668FBEF-3CD8-4E97-B80F-AF0D925322BB}" type="datetimeFigureOut">
               <a:rPr lang="pt-BR" smtClean="0"/>
-              <a:t>05/12/2020</a:t>
+              <a:t>06/12/2020</a:t>
             </a:fld>
             <a:endParaRPr lang="pt-BR"/>
           </a:p>
@@ -2081,7 +2082,7 @@
           <p:cNvPr id="3" name="Espaço Reservado para Rodapé 2">
             <a:extLst>
               <a:ext uri="{FF2B5EF4-FFF2-40B4-BE49-F238E27FC236}">
-                <a16:creationId xmlns:a16="http://schemas.microsoft.com/office/drawing/2014/main" xmlns="" id="{DA9E3177-C1C8-47C4-ACAB-13BA6A17B47D}"/>
+                <a16:creationId xmlns:a16="http://schemas.microsoft.com/office/drawing/2014/main" id="{DA9E3177-C1C8-47C4-ACAB-13BA6A17B47D}"/>
               </a:ext>
             </a:extLst>
           </p:cNvPr>
@@ -2106,7 +2107,7 @@
           <p:cNvPr id="4" name="Espaço Reservado para Número de Slide 3">
             <a:extLst>
               <a:ext uri="{FF2B5EF4-FFF2-40B4-BE49-F238E27FC236}">
-                <a16:creationId xmlns:a16="http://schemas.microsoft.com/office/drawing/2014/main" xmlns="" id="{18A5E5DD-60AE-4B3D-BA68-EFB55A852DB6}"/>
+                <a16:creationId xmlns:a16="http://schemas.microsoft.com/office/drawing/2014/main" id="{18A5E5DD-60AE-4B3D-BA68-EFB55A852DB6}"/>
               </a:ext>
             </a:extLst>
           </p:cNvPr>
@@ -2165,7 +2166,7 @@
           <p:cNvPr id="2" name="Título 1">
             <a:extLst>
               <a:ext uri="{FF2B5EF4-FFF2-40B4-BE49-F238E27FC236}">
-                <a16:creationId xmlns:a16="http://schemas.microsoft.com/office/drawing/2014/main" xmlns="" id="{F1DB3F72-ACB8-4452-879C-3475B9D5229B}"/>
+                <a16:creationId xmlns:a16="http://schemas.microsoft.com/office/drawing/2014/main" id="{F1DB3F72-ACB8-4452-879C-3475B9D5229B}"/>
               </a:ext>
             </a:extLst>
           </p:cNvPr>
@@ -2202,7 +2203,7 @@
           <p:cNvPr id="3" name="Espaço Reservado para Conteúdo 2">
             <a:extLst>
               <a:ext uri="{FF2B5EF4-FFF2-40B4-BE49-F238E27FC236}">
-                <a16:creationId xmlns:a16="http://schemas.microsoft.com/office/drawing/2014/main" xmlns="" id="{08B02274-FF04-4E27-8FCE-2872DC8FB29F}"/>
+                <a16:creationId xmlns:a16="http://schemas.microsoft.com/office/drawing/2014/main" id="{08B02274-FF04-4E27-8FCE-2872DC8FB29F}"/>
               </a:ext>
             </a:extLst>
           </p:cNvPr>
@@ -2292,7 +2293,7 @@
           <p:cNvPr id="4" name="Espaço Reservado para Texto 3">
             <a:extLst>
               <a:ext uri="{FF2B5EF4-FFF2-40B4-BE49-F238E27FC236}">
-                <a16:creationId xmlns:a16="http://schemas.microsoft.com/office/drawing/2014/main" xmlns="" id="{05BAC6B0-7C36-443D-BFAF-0DC7FDDB6CE6}"/>
+                <a16:creationId xmlns:a16="http://schemas.microsoft.com/office/drawing/2014/main" id="{05BAC6B0-7C36-443D-BFAF-0DC7FDDB6CE6}"/>
               </a:ext>
             </a:extLst>
           </p:cNvPr>
@@ -2363,7 +2364,7 @@
           <p:cNvPr id="5" name="Espaço Reservado para Data 4">
             <a:extLst>
               <a:ext uri="{FF2B5EF4-FFF2-40B4-BE49-F238E27FC236}">
-                <a16:creationId xmlns:a16="http://schemas.microsoft.com/office/drawing/2014/main" xmlns="" id="{C97A49D8-2ABA-4FAD-A219-DFB616012DE0}"/>
+                <a16:creationId xmlns:a16="http://schemas.microsoft.com/office/drawing/2014/main" id="{C97A49D8-2ABA-4FAD-A219-DFB616012DE0}"/>
               </a:ext>
             </a:extLst>
           </p:cNvPr>
@@ -2381,7 +2382,7 @@
           <a:p>
             <a:fld id="{7668FBEF-3CD8-4E97-B80F-AF0D925322BB}" type="datetimeFigureOut">
               <a:rPr lang="pt-BR" smtClean="0"/>
-              <a:t>05/12/2020</a:t>
+              <a:t>06/12/2020</a:t>
             </a:fld>
             <a:endParaRPr lang="pt-BR"/>
           </a:p>
@@ -2392,7 +2393,7 @@
           <p:cNvPr id="6" name="Espaço Reservado para Rodapé 5">
             <a:extLst>
               <a:ext uri="{FF2B5EF4-FFF2-40B4-BE49-F238E27FC236}">
-                <a16:creationId xmlns:a16="http://schemas.microsoft.com/office/drawing/2014/main" xmlns="" id="{39D0A1B8-190A-4E3C-93DD-D1A92DBB7D1C}"/>
+                <a16:creationId xmlns:a16="http://schemas.microsoft.com/office/drawing/2014/main" id="{39D0A1B8-190A-4E3C-93DD-D1A92DBB7D1C}"/>
               </a:ext>
             </a:extLst>
           </p:cNvPr>
@@ -2417,7 +2418,7 @@
           <p:cNvPr id="7" name="Espaço Reservado para Número de Slide 6">
             <a:extLst>
               <a:ext uri="{FF2B5EF4-FFF2-40B4-BE49-F238E27FC236}">
-                <a16:creationId xmlns:a16="http://schemas.microsoft.com/office/drawing/2014/main" xmlns="" id="{22E076B9-BF23-488D-AAA7-F93C4DEB82F9}"/>
+                <a16:creationId xmlns:a16="http://schemas.microsoft.com/office/drawing/2014/main" id="{22E076B9-BF23-488D-AAA7-F93C4DEB82F9}"/>
               </a:ext>
             </a:extLst>
           </p:cNvPr>
@@ -2476,7 +2477,7 @@
           <p:cNvPr id="2" name="Título 1">
             <a:extLst>
               <a:ext uri="{FF2B5EF4-FFF2-40B4-BE49-F238E27FC236}">
-                <a16:creationId xmlns:a16="http://schemas.microsoft.com/office/drawing/2014/main" xmlns="" id="{1C6E4039-84DB-4D88-ADBC-60DB1A1DA8A2}"/>
+                <a16:creationId xmlns:a16="http://schemas.microsoft.com/office/drawing/2014/main" id="{1C6E4039-84DB-4D88-ADBC-60DB1A1DA8A2}"/>
               </a:ext>
             </a:extLst>
           </p:cNvPr>
@@ -2513,7 +2514,7 @@
           <p:cNvPr id="3" name="Espaço Reservado para Imagem 2">
             <a:extLst>
               <a:ext uri="{FF2B5EF4-FFF2-40B4-BE49-F238E27FC236}">
-                <a16:creationId xmlns:a16="http://schemas.microsoft.com/office/drawing/2014/main" xmlns="" id="{FE66FC34-356A-4619-B939-098A01CD14A4}"/>
+                <a16:creationId xmlns:a16="http://schemas.microsoft.com/office/drawing/2014/main" id="{FE66FC34-356A-4619-B939-098A01CD14A4}"/>
               </a:ext>
             </a:extLst>
           </p:cNvPr>
@@ -2580,7 +2581,7 @@
           <p:cNvPr id="4" name="Espaço Reservado para Texto 3">
             <a:extLst>
               <a:ext uri="{FF2B5EF4-FFF2-40B4-BE49-F238E27FC236}">
-                <a16:creationId xmlns:a16="http://schemas.microsoft.com/office/drawing/2014/main" xmlns="" id="{2D1C9864-964D-4D8C-B33B-711212ACB318}"/>
+                <a16:creationId xmlns:a16="http://schemas.microsoft.com/office/drawing/2014/main" id="{2D1C9864-964D-4D8C-B33B-711212ACB318}"/>
               </a:ext>
             </a:extLst>
           </p:cNvPr>
@@ -2651,7 +2652,7 @@
           <p:cNvPr id="5" name="Espaço Reservado para Data 4">
             <a:extLst>
               <a:ext uri="{FF2B5EF4-FFF2-40B4-BE49-F238E27FC236}">
-                <a16:creationId xmlns:a16="http://schemas.microsoft.com/office/drawing/2014/main" xmlns="" id="{F9CE9AEF-2284-498A-B9EE-89DBE7B003CE}"/>
+                <a16:creationId xmlns:a16="http://schemas.microsoft.com/office/drawing/2014/main" id="{F9CE9AEF-2284-498A-B9EE-89DBE7B003CE}"/>
               </a:ext>
             </a:extLst>
           </p:cNvPr>
@@ -2669,7 +2670,7 @@
           <a:p>
             <a:fld id="{7668FBEF-3CD8-4E97-B80F-AF0D925322BB}" type="datetimeFigureOut">
               <a:rPr lang="pt-BR" smtClean="0"/>
-              <a:t>05/12/2020</a:t>
+              <a:t>06/12/2020</a:t>
             </a:fld>
             <a:endParaRPr lang="pt-BR"/>
           </a:p>
@@ -2680,7 +2681,7 @@
           <p:cNvPr id="6" name="Espaço Reservado para Rodapé 5">
             <a:extLst>
               <a:ext uri="{FF2B5EF4-FFF2-40B4-BE49-F238E27FC236}">
-                <a16:creationId xmlns:a16="http://schemas.microsoft.com/office/drawing/2014/main" xmlns="" id="{E8DD3157-6B63-4D9B-B816-0DE04861777F}"/>
+                <a16:creationId xmlns:a16="http://schemas.microsoft.com/office/drawing/2014/main" id="{E8DD3157-6B63-4D9B-B816-0DE04861777F}"/>
               </a:ext>
             </a:extLst>
           </p:cNvPr>
@@ -2705,7 +2706,7 @@
           <p:cNvPr id="7" name="Espaço Reservado para Número de Slide 6">
             <a:extLst>
               <a:ext uri="{FF2B5EF4-FFF2-40B4-BE49-F238E27FC236}">
-                <a16:creationId xmlns:a16="http://schemas.microsoft.com/office/drawing/2014/main" xmlns="" id="{757F54A0-57B1-44CC-8CDD-CA3EAA4B0189}"/>
+                <a16:creationId xmlns:a16="http://schemas.microsoft.com/office/drawing/2014/main" id="{757F54A0-57B1-44CC-8CDD-CA3EAA4B0189}"/>
               </a:ext>
             </a:extLst>
           </p:cNvPr>
@@ -2769,7 +2770,7 @@
           <p:cNvPr id="2" name="Espaço Reservado para Título 1">
             <a:extLst>
               <a:ext uri="{FF2B5EF4-FFF2-40B4-BE49-F238E27FC236}">
-                <a16:creationId xmlns:a16="http://schemas.microsoft.com/office/drawing/2014/main" xmlns="" id="{DF3B372A-336D-49A1-8E4C-C2772470E717}"/>
+                <a16:creationId xmlns:a16="http://schemas.microsoft.com/office/drawing/2014/main" id="{DF3B372A-336D-49A1-8E4C-C2772470E717}"/>
               </a:ext>
             </a:extLst>
           </p:cNvPr>
@@ -2807,7 +2808,7 @@
           <p:cNvPr id="3" name="Espaço Reservado para Texto 2">
             <a:extLst>
               <a:ext uri="{FF2B5EF4-FFF2-40B4-BE49-F238E27FC236}">
-                <a16:creationId xmlns:a16="http://schemas.microsoft.com/office/drawing/2014/main" xmlns="" id="{FF8D6751-AF01-43BA-BC96-8236D09E671A}"/>
+                <a16:creationId xmlns:a16="http://schemas.microsoft.com/office/drawing/2014/main" id="{FF8D6751-AF01-43BA-BC96-8236D09E671A}"/>
               </a:ext>
             </a:extLst>
           </p:cNvPr>
@@ -2874,7 +2875,7 @@
           <p:cNvPr id="4" name="Espaço Reservado para Data 3">
             <a:extLst>
               <a:ext uri="{FF2B5EF4-FFF2-40B4-BE49-F238E27FC236}">
-                <a16:creationId xmlns:a16="http://schemas.microsoft.com/office/drawing/2014/main" xmlns="" id="{717400A4-F695-495F-8D3A-44F247634C38}"/>
+                <a16:creationId xmlns:a16="http://schemas.microsoft.com/office/drawing/2014/main" id="{717400A4-F695-495F-8D3A-44F247634C38}"/>
               </a:ext>
             </a:extLst>
           </p:cNvPr>
@@ -2910,7 +2911,7 @@
           <a:p>
             <a:fld id="{7668FBEF-3CD8-4E97-B80F-AF0D925322BB}" type="datetimeFigureOut">
               <a:rPr lang="pt-BR" smtClean="0"/>
-              <a:t>05/12/2020</a:t>
+              <a:t>06/12/2020</a:t>
             </a:fld>
             <a:endParaRPr lang="pt-BR"/>
           </a:p>
@@ -2921,7 +2922,7 @@
           <p:cNvPr id="5" name="Espaço Reservado para Rodapé 4">
             <a:extLst>
               <a:ext uri="{FF2B5EF4-FFF2-40B4-BE49-F238E27FC236}">
-                <a16:creationId xmlns:a16="http://schemas.microsoft.com/office/drawing/2014/main" xmlns="" id="{AE9E5EC4-6EE9-4001-83FB-7B2CEDC8F6C1}"/>
+                <a16:creationId xmlns:a16="http://schemas.microsoft.com/office/drawing/2014/main" id="{AE9E5EC4-6EE9-4001-83FB-7B2CEDC8F6C1}"/>
               </a:ext>
             </a:extLst>
           </p:cNvPr>
@@ -2964,7 +2965,7 @@
           <p:cNvPr id="6" name="Espaço Reservado para Número de Slide 5">
             <a:extLst>
               <a:ext uri="{FF2B5EF4-FFF2-40B4-BE49-F238E27FC236}">
-                <a16:creationId xmlns:a16="http://schemas.microsoft.com/office/drawing/2014/main" xmlns="" id="{23F1441C-AB1F-4113-A9EA-CFBBA3E5D38B}"/>
+                <a16:creationId xmlns:a16="http://schemas.microsoft.com/office/drawing/2014/main" id="{23F1441C-AB1F-4113-A9EA-CFBBA3E5D38B}"/>
               </a:ext>
             </a:extLst>
           </p:cNvPr>
@@ -3332,7 +3333,7 @@
           <p:cNvPr id="5" name="CaixaDeTexto 4">
             <a:extLst>
               <a:ext uri="{FF2B5EF4-FFF2-40B4-BE49-F238E27FC236}">
-                <a16:creationId xmlns:a16="http://schemas.microsoft.com/office/drawing/2014/main" xmlns="" id="{3A0E2E5A-1CDB-49BC-9C37-FC86C36DA909}"/>
+                <a16:creationId xmlns:a16="http://schemas.microsoft.com/office/drawing/2014/main" id="{3A0E2E5A-1CDB-49BC-9C37-FC86C36DA909}"/>
               </a:ext>
             </a:extLst>
           </p:cNvPr>
@@ -3368,7 +3369,7 @@
           <p:cNvPr id="6" name="CaixaDeTexto 5">
             <a:extLst>
               <a:ext uri="{FF2B5EF4-FFF2-40B4-BE49-F238E27FC236}">
-                <a16:creationId xmlns:a16="http://schemas.microsoft.com/office/drawing/2014/main" xmlns="" id="{412904C5-8378-4A99-AC6C-897C51F80497}"/>
+                <a16:creationId xmlns:a16="http://schemas.microsoft.com/office/drawing/2014/main" id="{412904C5-8378-4A99-AC6C-897C51F80497}"/>
               </a:ext>
             </a:extLst>
           </p:cNvPr>
@@ -3404,7 +3405,7 @@
           <p:cNvPr id="10" name="Imagem 9">
             <a:extLst>
               <a:ext uri="{FF2B5EF4-FFF2-40B4-BE49-F238E27FC236}">
-                <a16:creationId xmlns:a16="http://schemas.microsoft.com/office/drawing/2014/main" xmlns="" id="{AD925734-A883-4E00-A8F5-5539F9E089B0}"/>
+                <a16:creationId xmlns:a16="http://schemas.microsoft.com/office/drawing/2014/main" id="{AD925734-A883-4E00-A8F5-5539F9E089B0}"/>
               </a:ext>
             </a:extLst>
           </p:cNvPr>
@@ -3449,7 +3450,7 @@
           <p:cNvPr id="12" name="Imagem 11">
             <a:extLst>
               <a:ext uri="{FF2B5EF4-FFF2-40B4-BE49-F238E27FC236}">
-                <a16:creationId xmlns:a16="http://schemas.microsoft.com/office/drawing/2014/main" xmlns="" id="{B36E72DB-7364-407A-ADAA-356DC5102CC1}"/>
+                <a16:creationId xmlns:a16="http://schemas.microsoft.com/office/drawing/2014/main" id="{B36E72DB-7364-407A-ADAA-356DC5102CC1}"/>
               </a:ext>
             </a:extLst>
           </p:cNvPr>
@@ -3494,7 +3495,7 @@
           <p:cNvPr id="14" name="Imagem 13">
             <a:extLst>
               <a:ext uri="{FF2B5EF4-FFF2-40B4-BE49-F238E27FC236}">
-                <a16:creationId xmlns:a16="http://schemas.microsoft.com/office/drawing/2014/main" xmlns="" id="{7C95BA3E-B087-497F-A2F7-17D2ACAB588D}"/>
+                <a16:creationId xmlns:a16="http://schemas.microsoft.com/office/drawing/2014/main" id="{7C95BA3E-B087-497F-A2F7-17D2ACAB588D}"/>
               </a:ext>
             </a:extLst>
           </p:cNvPr>
@@ -3538,7 +3539,7 @@
           <p:cNvPr id="16" name="Imagem 15">
             <a:extLst>
               <a:ext uri="{FF2B5EF4-FFF2-40B4-BE49-F238E27FC236}">
-                <a16:creationId xmlns:a16="http://schemas.microsoft.com/office/drawing/2014/main" xmlns="" id="{6E1ED496-9576-424C-A6D8-1A33B907F447}"/>
+                <a16:creationId xmlns:a16="http://schemas.microsoft.com/office/drawing/2014/main" id="{6E1ED496-9576-424C-A6D8-1A33B907F447}"/>
               </a:ext>
             </a:extLst>
           </p:cNvPr>
@@ -3574,7 +3575,7 @@
           <p:cNvPr id="20" name="Imagem 19">
             <a:extLst>
               <a:ext uri="{FF2B5EF4-FFF2-40B4-BE49-F238E27FC236}">
-                <a16:creationId xmlns:a16="http://schemas.microsoft.com/office/drawing/2014/main" xmlns="" id="{6711525F-D16D-41C7-AB3E-9799DB511FA0}"/>
+                <a16:creationId xmlns:a16="http://schemas.microsoft.com/office/drawing/2014/main" id="{6711525F-D16D-41C7-AB3E-9799DB511FA0}"/>
               </a:ext>
             </a:extLst>
           </p:cNvPr>
@@ -3618,7 +3619,7 @@
           <p:cNvPr id="29" name="Imagem 28" descr="Ícone&#10;&#10;Descrição gerada automaticamente">
             <a:extLst>
               <a:ext uri="{FF2B5EF4-FFF2-40B4-BE49-F238E27FC236}">
-                <a16:creationId xmlns:a16="http://schemas.microsoft.com/office/drawing/2014/main" xmlns="" id="{43FB11AC-C448-4F44-B61E-41B39317BF92}"/>
+                <a16:creationId xmlns:a16="http://schemas.microsoft.com/office/drawing/2014/main" id="{43FB11AC-C448-4F44-B61E-41B39317BF92}"/>
               </a:ext>
             </a:extLst>
           </p:cNvPr>
@@ -3654,7 +3655,7 @@
           <p:cNvPr id="31" name="Imagem 30" descr="Ícone&#10;&#10;Descrição gerada automaticamente">
             <a:extLst>
               <a:ext uri="{FF2B5EF4-FFF2-40B4-BE49-F238E27FC236}">
-                <a16:creationId xmlns:a16="http://schemas.microsoft.com/office/drawing/2014/main" xmlns="" id="{E015E4BB-65D7-4162-A599-1A3DABA35918}"/>
+                <a16:creationId xmlns:a16="http://schemas.microsoft.com/office/drawing/2014/main" id="{E015E4BB-65D7-4162-A599-1A3DABA35918}"/>
               </a:ext>
             </a:extLst>
           </p:cNvPr>
@@ -3690,7 +3691,7 @@
           <p:cNvPr id="37" name="Imagem 36" descr="Uma imagem contendo relógio&#10;&#10;Descrição gerada automaticamente">
             <a:extLst>
               <a:ext uri="{FF2B5EF4-FFF2-40B4-BE49-F238E27FC236}">
-                <a16:creationId xmlns:a16="http://schemas.microsoft.com/office/drawing/2014/main" xmlns="" id="{CAF8B920-9A4F-406A-AB75-211B681E233E}"/>
+                <a16:creationId xmlns:a16="http://schemas.microsoft.com/office/drawing/2014/main" id="{CAF8B920-9A4F-406A-AB75-211B681E233E}"/>
               </a:ext>
             </a:extLst>
           </p:cNvPr>
@@ -3726,7 +3727,7 @@
           <p:cNvPr id="39" name="Imagem 38" descr="Ícone&#10;&#10;Descrição gerada automaticamente">
             <a:extLst>
               <a:ext uri="{FF2B5EF4-FFF2-40B4-BE49-F238E27FC236}">
-                <a16:creationId xmlns:a16="http://schemas.microsoft.com/office/drawing/2014/main" xmlns="" id="{F75E5FE2-0419-4BCC-A15C-8DE54005C9B2}"/>
+                <a16:creationId xmlns:a16="http://schemas.microsoft.com/office/drawing/2014/main" id="{F75E5FE2-0419-4BCC-A15C-8DE54005C9B2}"/>
               </a:ext>
             </a:extLst>
           </p:cNvPr>
@@ -3762,7 +3763,7 @@
           <p:cNvPr id="2" name="CaixaDeTexto 1">
             <a:extLst>
               <a:ext uri="{FF2B5EF4-FFF2-40B4-BE49-F238E27FC236}">
-                <a16:creationId xmlns:a16="http://schemas.microsoft.com/office/drawing/2014/main" xmlns="" id="{9785855B-0C06-475A-8CEB-38B9B93C5421}"/>
+                <a16:creationId xmlns:a16="http://schemas.microsoft.com/office/drawing/2014/main" id="{9785855B-0C06-475A-8CEB-38B9B93C5421}"/>
               </a:ext>
             </a:extLst>
           </p:cNvPr>
@@ -3797,7 +3798,7 @@
           <p:cNvPr id="18" name="CaixaDeTexto 17">
             <a:extLst>
               <a:ext uri="{FF2B5EF4-FFF2-40B4-BE49-F238E27FC236}">
-                <a16:creationId xmlns:a16="http://schemas.microsoft.com/office/drawing/2014/main" xmlns="" id="{5E16D9AB-B401-4B00-98D4-EFE0768B70EC}"/>
+                <a16:creationId xmlns:a16="http://schemas.microsoft.com/office/drawing/2014/main" id="{5E16D9AB-B401-4B00-98D4-EFE0768B70EC}"/>
               </a:ext>
             </a:extLst>
           </p:cNvPr>
@@ -3833,7 +3834,7 @@
           <p:cNvPr id="21" name="CaixaDeTexto 20">
             <a:extLst>
               <a:ext uri="{FF2B5EF4-FFF2-40B4-BE49-F238E27FC236}">
-                <a16:creationId xmlns:a16="http://schemas.microsoft.com/office/drawing/2014/main" xmlns="" id="{8FAB4AC2-1CFF-4CA5-BD50-F2D84F81A361}"/>
+                <a16:creationId xmlns:a16="http://schemas.microsoft.com/office/drawing/2014/main" id="{8FAB4AC2-1CFF-4CA5-BD50-F2D84F81A361}"/>
               </a:ext>
             </a:extLst>
           </p:cNvPr>
@@ -3869,7 +3870,7 @@
           <p:cNvPr id="23" name="CaixaDeTexto 22">
             <a:extLst>
               <a:ext uri="{FF2B5EF4-FFF2-40B4-BE49-F238E27FC236}">
-                <a16:creationId xmlns:a16="http://schemas.microsoft.com/office/drawing/2014/main" xmlns="" id="{752684E8-841F-414C-92C0-6E2CF31C3DA7}"/>
+                <a16:creationId xmlns:a16="http://schemas.microsoft.com/office/drawing/2014/main" id="{752684E8-841F-414C-92C0-6E2CF31C3DA7}"/>
               </a:ext>
             </a:extLst>
           </p:cNvPr>
@@ -3935,7 +3936,7 @@
           <p:cNvPr id="24" name="Imagem 23" descr="Forma&#10;&#10;Descrição gerada automaticamente">
             <a:extLst>
               <a:ext uri="{FF2B5EF4-FFF2-40B4-BE49-F238E27FC236}">
-                <a16:creationId xmlns:a16="http://schemas.microsoft.com/office/drawing/2014/main" xmlns="" id="{5C7DD506-50B1-460C-BA22-4C94A74330EA}"/>
+                <a16:creationId xmlns:a16="http://schemas.microsoft.com/office/drawing/2014/main" id="{5C7DD506-50B1-460C-BA22-4C94A74330EA}"/>
               </a:ext>
             </a:extLst>
           </p:cNvPr>
@@ -3970,7 +3971,7 @@
           <p:cNvPr id="16" name="Imagem 15">
             <a:extLst>
               <a:ext uri="{FF2B5EF4-FFF2-40B4-BE49-F238E27FC236}">
-                <a16:creationId xmlns:a16="http://schemas.microsoft.com/office/drawing/2014/main" xmlns="" id="{F080E30E-48F9-44E0-BB36-75BC3D0889E5}"/>
+                <a16:creationId xmlns:a16="http://schemas.microsoft.com/office/drawing/2014/main" id="{F080E30E-48F9-44E0-BB36-75BC3D0889E5}"/>
               </a:ext>
             </a:extLst>
           </p:cNvPr>
@@ -4006,7 +4007,7 @@
           <p:cNvPr id="68" name="Conector de Seta Reta 67">
             <a:extLst>
               <a:ext uri="{FF2B5EF4-FFF2-40B4-BE49-F238E27FC236}">
-                <a16:creationId xmlns:a16="http://schemas.microsoft.com/office/drawing/2014/main" xmlns="" id="{8C10B952-8765-4D4B-A28B-A6F214A05649}"/>
+                <a16:creationId xmlns:a16="http://schemas.microsoft.com/office/drawing/2014/main" id="{8C10B952-8765-4D4B-A28B-A6F214A05649}"/>
               </a:ext>
             </a:extLst>
           </p:cNvPr>
@@ -4053,7 +4054,7 @@
           <p:cNvPr id="72" name="Conector de Seta Reta 71">
             <a:extLst>
               <a:ext uri="{FF2B5EF4-FFF2-40B4-BE49-F238E27FC236}">
-                <a16:creationId xmlns:a16="http://schemas.microsoft.com/office/drawing/2014/main" xmlns="" id="{E39A84D5-791D-428F-8A43-562265A600C5}"/>
+                <a16:creationId xmlns:a16="http://schemas.microsoft.com/office/drawing/2014/main" id="{E39A84D5-791D-428F-8A43-562265A600C5}"/>
               </a:ext>
             </a:extLst>
           </p:cNvPr>
@@ -4100,7 +4101,7 @@
           <p:cNvPr id="91" name="Imagem 90">
             <a:extLst>
               <a:ext uri="{FF2B5EF4-FFF2-40B4-BE49-F238E27FC236}">
-                <a16:creationId xmlns:a16="http://schemas.microsoft.com/office/drawing/2014/main" xmlns="" id="{413FCE52-9E42-42C4-8D09-B45934FDA216}"/>
+                <a16:creationId xmlns:a16="http://schemas.microsoft.com/office/drawing/2014/main" id="{413FCE52-9E42-42C4-8D09-B45934FDA216}"/>
               </a:ext>
             </a:extLst>
           </p:cNvPr>
@@ -4136,7 +4137,7 @@
           <p:cNvPr id="93" name="Imagem 92">
             <a:extLst>
               <a:ext uri="{FF2B5EF4-FFF2-40B4-BE49-F238E27FC236}">
-                <a16:creationId xmlns:a16="http://schemas.microsoft.com/office/drawing/2014/main" xmlns="" id="{63E9CCF7-0455-42A7-B3B4-AEC2412E858C}"/>
+                <a16:creationId xmlns:a16="http://schemas.microsoft.com/office/drawing/2014/main" id="{63E9CCF7-0455-42A7-B3B4-AEC2412E858C}"/>
               </a:ext>
             </a:extLst>
           </p:cNvPr>
@@ -4172,7 +4173,7 @@
           <p:cNvPr id="94" name="Imagem 93">
             <a:extLst>
               <a:ext uri="{FF2B5EF4-FFF2-40B4-BE49-F238E27FC236}">
-                <a16:creationId xmlns:a16="http://schemas.microsoft.com/office/drawing/2014/main" xmlns="" id="{B79F862E-D809-4A78-AAE4-6CF63FB26508}"/>
+                <a16:creationId xmlns:a16="http://schemas.microsoft.com/office/drawing/2014/main" id="{B79F862E-D809-4A78-AAE4-6CF63FB26508}"/>
               </a:ext>
             </a:extLst>
           </p:cNvPr>
@@ -4208,7 +4209,7 @@
           <p:cNvPr id="97" name="Imagem 96">
             <a:extLst>
               <a:ext uri="{FF2B5EF4-FFF2-40B4-BE49-F238E27FC236}">
-                <a16:creationId xmlns:a16="http://schemas.microsoft.com/office/drawing/2014/main" xmlns="" id="{1E1D9264-4478-4D21-90D1-CC0A88EEBE02}"/>
+                <a16:creationId xmlns:a16="http://schemas.microsoft.com/office/drawing/2014/main" id="{1E1D9264-4478-4D21-90D1-CC0A88EEBE02}"/>
               </a:ext>
             </a:extLst>
           </p:cNvPr>
@@ -4244,7 +4245,7 @@
           <p:cNvPr id="110" name="Imagem 109">
             <a:extLst>
               <a:ext uri="{FF2B5EF4-FFF2-40B4-BE49-F238E27FC236}">
-                <a16:creationId xmlns:a16="http://schemas.microsoft.com/office/drawing/2014/main" xmlns="" id="{48EAE7C9-853C-4C62-BE4F-77E1FF7A2142}"/>
+                <a16:creationId xmlns:a16="http://schemas.microsoft.com/office/drawing/2014/main" id="{48EAE7C9-853C-4C62-BE4F-77E1FF7A2142}"/>
               </a:ext>
             </a:extLst>
           </p:cNvPr>
@@ -4280,7 +4281,7 @@
           <p:cNvPr id="113" name="Imagem 112">
             <a:extLst>
               <a:ext uri="{FF2B5EF4-FFF2-40B4-BE49-F238E27FC236}">
-                <a16:creationId xmlns:a16="http://schemas.microsoft.com/office/drawing/2014/main" xmlns="" id="{3A0A7C0D-5AAE-4386-8F96-FE545AB5180F}"/>
+                <a16:creationId xmlns:a16="http://schemas.microsoft.com/office/drawing/2014/main" id="{3A0A7C0D-5AAE-4386-8F96-FE545AB5180F}"/>
               </a:ext>
             </a:extLst>
           </p:cNvPr>
@@ -4316,7 +4317,7 @@
           <p:cNvPr id="115" name="Imagem 114">
             <a:extLst>
               <a:ext uri="{FF2B5EF4-FFF2-40B4-BE49-F238E27FC236}">
-                <a16:creationId xmlns:a16="http://schemas.microsoft.com/office/drawing/2014/main" xmlns="" id="{3C1B681C-ED12-41C5-AD26-8B6853414F1D}"/>
+                <a16:creationId xmlns:a16="http://schemas.microsoft.com/office/drawing/2014/main" id="{3C1B681C-ED12-41C5-AD26-8B6853414F1D}"/>
               </a:ext>
             </a:extLst>
           </p:cNvPr>
@@ -4352,7 +4353,7 @@
           <p:cNvPr id="2" name="Retângulo 1">
             <a:extLst>
               <a:ext uri="{FF2B5EF4-FFF2-40B4-BE49-F238E27FC236}">
-                <a16:creationId xmlns:a16="http://schemas.microsoft.com/office/drawing/2014/main" xmlns="" id="{969E54A0-B7B5-4147-AB27-DA0CC75F47BD}"/>
+                <a16:creationId xmlns:a16="http://schemas.microsoft.com/office/drawing/2014/main" id="{969E54A0-B7B5-4147-AB27-DA0CC75F47BD}"/>
               </a:ext>
             </a:extLst>
           </p:cNvPr>
@@ -4404,7 +4405,7 @@
           <p:cNvPr id="3" name="CaixaDeTexto 2">
             <a:extLst>
               <a:ext uri="{FF2B5EF4-FFF2-40B4-BE49-F238E27FC236}">
-                <a16:creationId xmlns:a16="http://schemas.microsoft.com/office/drawing/2014/main" xmlns="" id="{F3DB1EB6-7EDD-4F76-AC41-93A77350D0DB}"/>
+                <a16:creationId xmlns:a16="http://schemas.microsoft.com/office/drawing/2014/main" id="{F3DB1EB6-7EDD-4F76-AC41-93A77350D0DB}"/>
               </a:ext>
             </a:extLst>
           </p:cNvPr>
@@ -4439,7 +4440,7 @@
           <p:cNvPr id="5" name="CaixaDeTexto 4">
             <a:extLst>
               <a:ext uri="{FF2B5EF4-FFF2-40B4-BE49-F238E27FC236}">
-                <a16:creationId xmlns:a16="http://schemas.microsoft.com/office/drawing/2014/main" xmlns="" id="{00324186-5835-453F-9CA7-D8BA2FE4FDB1}"/>
+                <a16:creationId xmlns:a16="http://schemas.microsoft.com/office/drawing/2014/main" id="{00324186-5835-453F-9CA7-D8BA2FE4FDB1}"/>
               </a:ext>
             </a:extLst>
           </p:cNvPr>
@@ -4478,7 +4479,7 @@
           <p:cNvPr id="8" name="CaixaDeTexto 7">
             <a:extLst>
               <a:ext uri="{FF2B5EF4-FFF2-40B4-BE49-F238E27FC236}">
-                <a16:creationId xmlns:a16="http://schemas.microsoft.com/office/drawing/2014/main" xmlns="" id="{C6B4F186-1182-4828-8066-2E561878460C}"/>
+                <a16:creationId xmlns:a16="http://schemas.microsoft.com/office/drawing/2014/main" id="{C6B4F186-1182-4828-8066-2E561878460C}"/>
               </a:ext>
             </a:extLst>
           </p:cNvPr>
@@ -4513,7 +4514,7 @@
           <p:cNvPr id="14" name="Imagem 13" descr="Logotipo, nome da empresa&#10;&#10;Descrição gerada automaticamente">
             <a:extLst>
               <a:ext uri="{FF2B5EF4-FFF2-40B4-BE49-F238E27FC236}">
-                <a16:creationId xmlns:a16="http://schemas.microsoft.com/office/drawing/2014/main" xmlns="" id="{C131E45E-AAA8-4092-97F7-314E8411F05B}"/>
+                <a16:creationId xmlns:a16="http://schemas.microsoft.com/office/drawing/2014/main" id="{C131E45E-AAA8-4092-97F7-314E8411F05B}"/>
               </a:ext>
             </a:extLst>
           </p:cNvPr>
@@ -4549,7 +4550,7 @@
           <p:cNvPr id="6" name="Picture 4">
             <a:extLst>
               <a:ext uri="{FF2B5EF4-FFF2-40B4-BE49-F238E27FC236}">
-                <a16:creationId xmlns:a16="http://schemas.microsoft.com/office/drawing/2014/main" xmlns="" id="{459310AC-F268-4178-A4E9-B2C3E8E97734}"/>
+                <a16:creationId xmlns:a16="http://schemas.microsoft.com/office/drawing/2014/main" id="{459310AC-F268-4178-A4E9-B2C3E8E97734}"/>
               </a:ext>
             </a:extLst>
           </p:cNvPr>
@@ -4596,7 +4597,7 @@
           <p:cNvPr id="36" name="CaixaDeTexto 35">
             <a:extLst>
               <a:ext uri="{FF2B5EF4-FFF2-40B4-BE49-F238E27FC236}">
-                <a16:creationId xmlns:a16="http://schemas.microsoft.com/office/drawing/2014/main" xmlns="" id="{2AD70534-8DF3-47A4-8849-845029A2F70F}"/>
+                <a16:creationId xmlns:a16="http://schemas.microsoft.com/office/drawing/2014/main" id="{2AD70534-8DF3-47A4-8849-845029A2F70F}"/>
               </a:ext>
             </a:extLst>
           </p:cNvPr>
@@ -4636,7 +4637,7 @@
           <p:cNvPr id="41" name="CaixaDeTexto 40">
             <a:extLst>
               <a:ext uri="{FF2B5EF4-FFF2-40B4-BE49-F238E27FC236}">
-                <a16:creationId xmlns:a16="http://schemas.microsoft.com/office/drawing/2014/main" xmlns="" id="{52D7509F-0E02-4527-A270-E5C288172F37}"/>
+                <a16:creationId xmlns:a16="http://schemas.microsoft.com/office/drawing/2014/main" id="{52D7509F-0E02-4527-A270-E5C288172F37}"/>
               </a:ext>
             </a:extLst>
           </p:cNvPr>
@@ -4676,7 +4677,7 @@
           <p:cNvPr id="57" name="Conector de Seta Reta 56">
             <a:extLst>
               <a:ext uri="{FF2B5EF4-FFF2-40B4-BE49-F238E27FC236}">
-                <a16:creationId xmlns:a16="http://schemas.microsoft.com/office/drawing/2014/main" xmlns="" id="{688067FF-CBEE-4F28-88D7-F6AEC67ED517}"/>
+                <a16:creationId xmlns:a16="http://schemas.microsoft.com/office/drawing/2014/main" id="{688067FF-CBEE-4F28-88D7-F6AEC67ED517}"/>
               </a:ext>
             </a:extLst>
           </p:cNvPr>
@@ -4717,7 +4718,7 @@
           <p:cNvPr id="9" name="Retângulo 8">
             <a:extLst>
               <a:ext uri="{FF2B5EF4-FFF2-40B4-BE49-F238E27FC236}">
-                <a16:creationId xmlns:a16="http://schemas.microsoft.com/office/drawing/2014/main" xmlns="" id="{A2895AD6-3034-4EE2-8F53-A1BC76FBF2D0}"/>
+                <a16:creationId xmlns:a16="http://schemas.microsoft.com/office/drawing/2014/main" id="{A2895AD6-3034-4EE2-8F53-A1BC76FBF2D0}"/>
               </a:ext>
             </a:extLst>
           </p:cNvPr>
@@ -4769,7 +4770,7 @@
           <p:cNvPr id="7" name="Picture 10" descr="Amazon Web Services - Wikipedia">
             <a:extLst>
               <a:ext uri="{FF2B5EF4-FFF2-40B4-BE49-F238E27FC236}">
-                <a16:creationId xmlns:a16="http://schemas.microsoft.com/office/drawing/2014/main" xmlns="" id="{4484FA0D-09D2-41AD-9A5C-AA5C5431D5FE}"/>
+                <a16:creationId xmlns:a16="http://schemas.microsoft.com/office/drawing/2014/main" id="{4484FA0D-09D2-41AD-9A5C-AA5C5431D5FE}"/>
               </a:ext>
             </a:extLst>
           </p:cNvPr>
@@ -4816,7 +4817,7 @@
           <p:cNvPr id="17" name="CaixaDeTexto 16">
             <a:extLst>
               <a:ext uri="{FF2B5EF4-FFF2-40B4-BE49-F238E27FC236}">
-                <a16:creationId xmlns:a16="http://schemas.microsoft.com/office/drawing/2014/main" xmlns="" id="{26EAF8F4-3BDF-487E-A712-9B376B133FBC}"/>
+                <a16:creationId xmlns:a16="http://schemas.microsoft.com/office/drawing/2014/main" id="{26EAF8F4-3BDF-487E-A712-9B376B133FBC}"/>
               </a:ext>
             </a:extLst>
           </p:cNvPr>
@@ -5025,7 +5026,7 @@
           <p:cNvPr id="21" name="Agrupar 20">
             <a:extLst>
               <a:ext uri="{FF2B5EF4-FFF2-40B4-BE49-F238E27FC236}">
-                <a16:creationId xmlns:a16="http://schemas.microsoft.com/office/drawing/2014/main" xmlns="" id="{1550788F-EA80-4E29-BE8A-2E903471849F}"/>
+                <a16:creationId xmlns:a16="http://schemas.microsoft.com/office/drawing/2014/main" id="{1550788F-EA80-4E29-BE8A-2E903471849F}"/>
               </a:ext>
             </a:extLst>
           </p:cNvPr>
@@ -5045,7 +5046,7 @@
             <p:cNvPr id="1026" name="Picture 2" descr="Boas-vindas ao seu novo QG | Slack">
               <a:extLst>
                 <a:ext uri="{FF2B5EF4-FFF2-40B4-BE49-F238E27FC236}">
-                  <a16:creationId xmlns:a16="http://schemas.microsoft.com/office/drawing/2014/main" xmlns="" id="{D2B9D5B0-D199-4A89-A00B-86E4BE07F467}"/>
+                  <a16:creationId xmlns:a16="http://schemas.microsoft.com/office/drawing/2014/main" id="{D2B9D5B0-D199-4A89-A00B-86E4BE07F467}"/>
                 </a:ext>
               </a:extLst>
             </p:cNvPr>
@@ -5092,7 +5093,7 @@
             <p:cNvPr id="4" name="CaixaDeTexto 3">
               <a:extLst>
                 <a:ext uri="{FF2B5EF4-FFF2-40B4-BE49-F238E27FC236}">
-                  <a16:creationId xmlns:a16="http://schemas.microsoft.com/office/drawing/2014/main" xmlns="" id="{D03018DC-DEBD-439B-B33A-3FD65D7934A5}"/>
+                  <a16:creationId xmlns:a16="http://schemas.microsoft.com/office/drawing/2014/main" id="{D03018DC-DEBD-439B-B33A-3FD65D7934A5}"/>
                 </a:ext>
               </a:extLst>
             </p:cNvPr>
@@ -5128,7 +5129,7 @@
           <p:cNvPr id="23" name="Imagem 22" descr="Logotipo, nome da empresa&#10;&#10;Descrição gerada automaticamente">
             <a:extLst>
               <a:ext uri="{FF2B5EF4-FFF2-40B4-BE49-F238E27FC236}">
-                <a16:creationId xmlns:a16="http://schemas.microsoft.com/office/drawing/2014/main" xmlns="" id="{430375AE-F10C-4E7F-AC5E-E4A9143A7746}"/>
+                <a16:creationId xmlns:a16="http://schemas.microsoft.com/office/drawing/2014/main" id="{430375AE-F10C-4E7F-AC5E-E4A9143A7746}"/>
               </a:ext>
             </a:extLst>
           </p:cNvPr>
@@ -5164,7 +5165,7 @@
           <p:cNvPr id="50" name="Imagem 49">
             <a:extLst>
               <a:ext uri="{FF2B5EF4-FFF2-40B4-BE49-F238E27FC236}">
-                <a16:creationId xmlns:a16="http://schemas.microsoft.com/office/drawing/2014/main" xmlns="" id="{B7B64E3D-9B7A-45F3-806A-B186144DA1C4}"/>
+                <a16:creationId xmlns:a16="http://schemas.microsoft.com/office/drawing/2014/main" id="{B7B64E3D-9B7A-45F3-806A-B186144DA1C4}"/>
               </a:ext>
             </a:extLst>
           </p:cNvPr>
@@ -5194,7 +5195,7 @@
           <p:cNvPr id="52" name="Picture 2" descr="Boas-vindas ao seu novo QG | Slack">
             <a:extLst>
               <a:ext uri="{FF2B5EF4-FFF2-40B4-BE49-F238E27FC236}">
-                <a16:creationId xmlns:a16="http://schemas.microsoft.com/office/drawing/2014/main" xmlns="" id="{84353701-537A-485B-9AFC-F27D88E69C0E}"/>
+                <a16:creationId xmlns:a16="http://schemas.microsoft.com/office/drawing/2014/main" id="{84353701-537A-485B-9AFC-F27D88E69C0E}"/>
               </a:ext>
             </a:extLst>
           </p:cNvPr>
@@ -5241,7 +5242,7 @@
           <p:cNvPr id="54" name="Retângulo 53">
             <a:extLst>
               <a:ext uri="{FF2B5EF4-FFF2-40B4-BE49-F238E27FC236}">
-                <a16:creationId xmlns:a16="http://schemas.microsoft.com/office/drawing/2014/main" xmlns="" id="{F6769D6D-4C92-4616-B7A1-9AA9E96B528E}"/>
+                <a16:creationId xmlns:a16="http://schemas.microsoft.com/office/drawing/2014/main" id="{F6769D6D-4C92-4616-B7A1-9AA9E96B528E}"/>
               </a:ext>
             </a:extLst>
           </p:cNvPr>
@@ -5293,7 +5294,7 @@
           <p:cNvPr id="28" name="Imagem 27" descr="Imagem em preto e branco&#10;&#10;Descrição gerada automaticamente">
             <a:extLst>
               <a:ext uri="{FF2B5EF4-FFF2-40B4-BE49-F238E27FC236}">
-                <a16:creationId xmlns:a16="http://schemas.microsoft.com/office/drawing/2014/main" xmlns="" id="{2CC60A5A-32BC-4872-BEF8-F867013BB652}"/>
+                <a16:creationId xmlns:a16="http://schemas.microsoft.com/office/drawing/2014/main" id="{2CC60A5A-32BC-4872-BEF8-F867013BB652}"/>
               </a:ext>
             </a:extLst>
           </p:cNvPr>
@@ -5353,7 +5354,7 @@
           <p:cNvPr id="42" name="Imagem 41" descr="Forma&#10;&#10;Descrição gerada automaticamente">
             <a:extLst>
               <a:ext uri="{FF2B5EF4-FFF2-40B4-BE49-F238E27FC236}">
-                <a16:creationId xmlns:a16="http://schemas.microsoft.com/office/drawing/2014/main" xmlns="" id="{5C7DD506-50B1-460C-BA22-4C94A74330EA}"/>
+                <a16:creationId xmlns:a16="http://schemas.microsoft.com/office/drawing/2014/main" id="{5C7DD506-50B1-460C-BA22-4C94A74330EA}"/>
               </a:ext>
             </a:extLst>
           </p:cNvPr>
@@ -5417,6 +5418,1838 @@
   <p:clrMapOvr>
     <a:masterClrMapping/>
   </p:clrMapOvr>
+</p:sld>
+</file>
+
+<file path=ppt/slides/slide3.xml><?xml version="1.0" encoding="utf-8"?>
+<p:sld xmlns:a="http://schemas.openxmlformats.org/drawingml/2006/main" xmlns:r="http://schemas.openxmlformats.org/officeDocument/2006/relationships" xmlns:p="http://schemas.openxmlformats.org/presentationml/2006/main">
+  <p:cSld>
+    <p:spTree>
+      <p:nvGrpSpPr>
+        <p:cNvPr id="1" name=""/>
+        <p:cNvGrpSpPr/>
+        <p:nvPr/>
+      </p:nvGrpSpPr>
+      <p:grpSpPr>
+        <a:xfrm>
+          <a:off x="0" y="0"/>
+          <a:ext cx="0" cy="0"/>
+          <a:chOff x="0" y="0"/>
+          <a:chExt cx="0" cy="0"/>
+        </a:xfrm>
+      </p:grpSpPr>
+      <p:pic>
+        <p:nvPicPr>
+          <p:cNvPr id="32" name="Imagem 31" descr="Ícone&#10;&#10;Descrição gerada automaticamente">
+            <a:extLst>
+              <a:ext uri="{FF2B5EF4-FFF2-40B4-BE49-F238E27FC236}">
+                <a16:creationId xmlns:a16="http://schemas.microsoft.com/office/drawing/2014/main" id="{63AD9E9B-E7CD-43FB-B6D0-A4BA25762E77}"/>
+              </a:ext>
+            </a:extLst>
+          </p:cNvPr>
+          <p:cNvPicPr>
+            <a:picLocks noChangeAspect="1"/>
+          </p:cNvPicPr>
+          <p:nvPr/>
+        </p:nvPicPr>
+        <p:blipFill>
+          <a:blip r:embed="rId2">
+            <a:extLst>
+              <a:ext uri="{28A0092B-C50C-407E-A947-70E740481C1C}">
+                <a14:useLocalDpi xmlns:a14="http://schemas.microsoft.com/office/drawing/2010/main" val="0"/>
+              </a:ext>
+            </a:extLst>
+          </a:blip>
+          <a:stretch>
+            <a:fillRect/>
+          </a:stretch>
+        </p:blipFill>
+        <p:spPr>
+          <a:xfrm>
+            <a:off x="2291561" y="1551058"/>
+            <a:ext cx="760751" cy="737395"/>
+          </a:xfrm>
+          <a:prstGeom prst="rect">
+            <a:avLst/>
+          </a:prstGeom>
+        </p:spPr>
+      </p:pic>
+      <p:pic>
+        <p:nvPicPr>
+          <p:cNvPr id="43" name="Imagem 42" descr="Forma&#10;&#10;Descrição gerada automaticamente">
+            <a:extLst>
+              <a:ext uri="{FF2B5EF4-FFF2-40B4-BE49-F238E27FC236}">
+                <a16:creationId xmlns:a16="http://schemas.microsoft.com/office/drawing/2014/main" id="{02EFC7BC-B3DC-409C-BAC5-710BDBE5CCB2}"/>
+              </a:ext>
+            </a:extLst>
+          </p:cNvPr>
+          <p:cNvPicPr>
+            <a:picLocks noChangeAspect="1"/>
+          </p:cNvPicPr>
+          <p:nvPr/>
+        </p:nvPicPr>
+        <p:blipFill rotWithShape="1">
+          <a:blip r:embed="rId3">
+            <a:extLst>
+              <a:ext uri="{28A0092B-C50C-407E-A947-70E740481C1C}">
+                <a14:useLocalDpi xmlns:a14="http://schemas.microsoft.com/office/drawing/2010/main" val="0"/>
+              </a:ext>
+            </a:extLst>
+          </a:blip>
+          <a:srcRect l="1522" t="2780" r="-356" b="3946"/>
+          <a:stretch/>
+        </p:blipFill>
+        <p:spPr>
+          <a:xfrm>
+            <a:off x="323100" y="780380"/>
+            <a:ext cx="3756136" cy="1965281"/>
+          </a:xfrm>
+          <a:prstGeom prst="rect">
+            <a:avLst/>
+          </a:prstGeom>
+        </p:spPr>
+      </p:pic>
+      <p:pic>
+        <p:nvPicPr>
+          <p:cNvPr id="24" name="Imagem 23" descr="Forma&#10;&#10;Descrição gerada automaticamente">
+            <a:extLst>
+              <a:ext uri="{FF2B5EF4-FFF2-40B4-BE49-F238E27FC236}">
+                <a16:creationId xmlns:a16="http://schemas.microsoft.com/office/drawing/2014/main" id="{5C7DD506-50B1-460C-BA22-4C94A74330EA}"/>
+              </a:ext>
+            </a:extLst>
+          </p:cNvPr>
+          <p:cNvPicPr>
+            <a:picLocks noChangeAspect="1"/>
+          </p:cNvPicPr>
+          <p:nvPr/>
+        </p:nvPicPr>
+        <p:blipFill rotWithShape="1">
+          <a:blip r:embed="rId3">
+            <a:extLst>
+              <a:ext uri="{28A0092B-C50C-407E-A947-70E740481C1C}">
+                <a14:useLocalDpi xmlns:a14="http://schemas.microsoft.com/office/drawing/2010/main" val="0"/>
+              </a:ext>
+            </a:extLst>
+          </a:blip>
+          <a:srcRect l="1522" t="2780" r="-356" b="3946"/>
+          <a:stretch/>
+        </p:blipFill>
+        <p:spPr>
+          <a:xfrm>
+            <a:off x="6451701" y="206514"/>
+            <a:ext cx="5115284" cy="2676413"/>
+          </a:xfrm>
+          <a:prstGeom prst="rect">
+            <a:avLst/>
+          </a:prstGeom>
+        </p:spPr>
+      </p:pic>
+      <p:pic>
+        <p:nvPicPr>
+          <p:cNvPr id="16" name="Imagem 15">
+            <a:extLst>
+              <a:ext uri="{FF2B5EF4-FFF2-40B4-BE49-F238E27FC236}">
+                <a16:creationId xmlns:a16="http://schemas.microsoft.com/office/drawing/2014/main" id="{F080E30E-48F9-44E0-BB36-75BC3D0889E5}"/>
+              </a:ext>
+            </a:extLst>
+          </p:cNvPr>
+          <p:cNvPicPr>
+            <a:picLocks noChangeAspect="1"/>
+          </p:cNvPicPr>
+          <p:nvPr/>
+        </p:nvPicPr>
+        <p:blipFill>
+          <a:blip r:embed="rId4" cstate="print">
+            <a:extLst>
+              <a:ext uri="{28A0092B-C50C-407E-A947-70E740481C1C}">
+                <a14:useLocalDpi xmlns:a14="http://schemas.microsoft.com/office/drawing/2010/main" val="0"/>
+              </a:ext>
+            </a:extLst>
+          </a:blip>
+          <a:stretch>
+            <a:fillRect/>
+          </a:stretch>
+        </p:blipFill>
+        <p:spPr>
+          <a:xfrm>
+            <a:off x="470498" y="4330934"/>
+            <a:ext cx="2944867" cy="2325843"/>
+          </a:xfrm>
+          <a:prstGeom prst="rect">
+            <a:avLst/>
+          </a:prstGeom>
+        </p:spPr>
+      </p:pic>
+      <p:pic>
+        <p:nvPicPr>
+          <p:cNvPr id="91" name="Imagem 90">
+            <a:extLst>
+              <a:ext uri="{FF2B5EF4-FFF2-40B4-BE49-F238E27FC236}">
+                <a16:creationId xmlns:a16="http://schemas.microsoft.com/office/drawing/2014/main" id="{413FCE52-9E42-42C4-8D09-B45934FDA216}"/>
+              </a:ext>
+            </a:extLst>
+          </p:cNvPr>
+          <p:cNvPicPr>
+            <a:picLocks noChangeAspect="1"/>
+          </p:cNvPicPr>
+          <p:nvPr/>
+        </p:nvPicPr>
+        <p:blipFill>
+          <a:blip r:embed="rId5" cstate="print">
+            <a:extLst>
+              <a:ext uri="{28A0092B-C50C-407E-A947-70E740481C1C}">
+                <a14:useLocalDpi xmlns:a14="http://schemas.microsoft.com/office/drawing/2010/main" val="0"/>
+              </a:ext>
+            </a:extLst>
+          </a:blip>
+          <a:stretch>
+            <a:fillRect/>
+          </a:stretch>
+        </p:blipFill>
+        <p:spPr>
+          <a:xfrm>
+            <a:off x="8533752" y="4466536"/>
+            <a:ext cx="2509404" cy="1981917"/>
+          </a:xfrm>
+          <a:prstGeom prst="rect">
+            <a:avLst/>
+          </a:prstGeom>
+        </p:spPr>
+      </p:pic>
+      <p:pic>
+        <p:nvPicPr>
+          <p:cNvPr id="93" name="Imagem 92">
+            <a:extLst>
+              <a:ext uri="{FF2B5EF4-FFF2-40B4-BE49-F238E27FC236}">
+                <a16:creationId xmlns:a16="http://schemas.microsoft.com/office/drawing/2014/main" id="{63E9CCF7-0455-42A7-B3B4-AEC2412E858C}"/>
+              </a:ext>
+            </a:extLst>
+          </p:cNvPr>
+          <p:cNvPicPr>
+            <a:picLocks noChangeAspect="1"/>
+          </p:cNvPicPr>
+          <p:nvPr/>
+        </p:nvPicPr>
+        <p:blipFill>
+          <a:blip r:embed="rId6" cstate="print">
+            <a:extLst>
+              <a:ext uri="{28A0092B-C50C-407E-A947-70E740481C1C}">
+                <a14:useLocalDpi xmlns:a14="http://schemas.microsoft.com/office/drawing/2010/main" val="0"/>
+              </a:ext>
+            </a:extLst>
+          </a:blip>
+          <a:stretch>
+            <a:fillRect/>
+          </a:stretch>
+        </p:blipFill>
+        <p:spPr>
+          <a:xfrm>
+            <a:off x="8276657" y="4401210"/>
+            <a:ext cx="519499" cy="519499"/>
+          </a:xfrm>
+          <a:prstGeom prst="rect">
+            <a:avLst/>
+          </a:prstGeom>
+        </p:spPr>
+      </p:pic>
+      <p:pic>
+        <p:nvPicPr>
+          <p:cNvPr id="94" name="Imagem 93">
+            <a:extLst>
+              <a:ext uri="{FF2B5EF4-FFF2-40B4-BE49-F238E27FC236}">
+                <a16:creationId xmlns:a16="http://schemas.microsoft.com/office/drawing/2014/main" id="{B79F862E-D809-4A78-AAE4-6CF63FB26508}"/>
+              </a:ext>
+            </a:extLst>
+          </p:cNvPr>
+          <p:cNvPicPr>
+            <a:picLocks noChangeAspect="1"/>
+          </p:cNvPicPr>
+          <p:nvPr/>
+        </p:nvPicPr>
+        <p:blipFill>
+          <a:blip r:embed="rId6" cstate="print">
+            <a:extLst>
+              <a:ext uri="{28A0092B-C50C-407E-A947-70E740481C1C}">
+                <a14:useLocalDpi xmlns:a14="http://schemas.microsoft.com/office/drawing/2010/main" val="0"/>
+              </a:ext>
+            </a:extLst>
+          </a:blip>
+          <a:stretch>
+            <a:fillRect/>
+          </a:stretch>
+        </p:blipFill>
+        <p:spPr>
+          <a:xfrm>
+            <a:off x="3158761" y="4244315"/>
+            <a:ext cx="510968" cy="510968"/>
+          </a:xfrm>
+          <a:prstGeom prst="rect">
+            <a:avLst/>
+          </a:prstGeom>
+        </p:spPr>
+      </p:pic>
+      <p:pic>
+        <p:nvPicPr>
+          <p:cNvPr id="97" name="Imagem 96">
+            <a:extLst>
+              <a:ext uri="{FF2B5EF4-FFF2-40B4-BE49-F238E27FC236}">
+                <a16:creationId xmlns:a16="http://schemas.microsoft.com/office/drawing/2014/main" id="{1E1D9264-4478-4D21-90D1-CC0A88EEBE02}"/>
+              </a:ext>
+            </a:extLst>
+          </p:cNvPr>
+          <p:cNvPicPr>
+            <a:picLocks noChangeAspect="1"/>
+          </p:cNvPicPr>
+          <p:nvPr/>
+        </p:nvPicPr>
+        <p:blipFill>
+          <a:blip r:embed="rId6" cstate="print">
+            <a:extLst>
+              <a:ext uri="{28A0092B-C50C-407E-A947-70E740481C1C}">
+                <a14:useLocalDpi xmlns:a14="http://schemas.microsoft.com/office/drawing/2010/main" val="0"/>
+              </a:ext>
+            </a:extLst>
+          </a:blip>
+          <a:stretch>
+            <a:fillRect/>
+          </a:stretch>
+        </p:blipFill>
+        <p:spPr>
+          <a:xfrm>
+            <a:off x="11321896" y="4788111"/>
+            <a:ext cx="381592" cy="381592"/>
+          </a:xfrm>
+          <a:prstGeom prst="rect">
+            <a:avLst/>
+          </a:prstGeom>
+        </p:spPr>
+      </p:pic>
+      <p:pic>
+        <p:nvPicPr>
+          <p:cNvPr id="110" name="Imagem 109">
+            <a:extLst>
+              <a:ext uri="{FF2B5EF4-FFF2-40B4-BE49-F238E27FC236}">
+                <a16:creationId xmlns:a16="http://schemas.microsoft.com/office/drawing/2014/main" id="{48EAE7C9-853C-4C62-BE4F-77E1FF7A2142}"/>
+              </a:ext>
+            </a:extLst>
+          </p:cNvPr>
+          <p:cNvPicPr>
+            <a:picLocks noChangeAspect="1"/>
+          </p:cNvPicPr>
+          <p:nvPr/>
+        </p:nvPicPr>
+        <p:blipFill>
+          <a:blip r:embed="rId7" cstate="print">
+            <a:extLst>
+              <a:ext uri="{28A0092B-C50C-407E-A947-70E740481C1C}">
+                <a14:useLocalDpi xmlns:a14="http://schemas.microsoft.com/office/drawing/2010/main" val="0"/>
+              </a:ext>
+            </a:extLst>
+          </a:blip>
+          <a:stretch>
+            <a:fillRect/>
+          </a:stretch>
+        </p:blipFill>
+        <p:spPr>
+          <a:xfrm>
+            <a:off x="9130676" y="4820510"/>
+            <a:ext cx="374514" cy="374514"/>
+          </a:xfrm>
+          <a:prstGeom prst="rect">
+            <a:avLst/>
+          </a:prstGeom>
+        </p:spPr>
+      </p:pic>
+      <p:pic>
+        <p:nvPicPr>
+          <p:cNvPr id="113" name="Imagem 112">
+            <a:extLst>
+              <a:ext uri="{FF2B5EF4-FFF2-40B4-BE49-F238E27FC236}">
+                <a16:creationId xmlns:a16="http://schemas.microsoft.com/office/drawing/2014/main" id="{3A0A7C0D-5AAE-4386-8F96-FE545AB5180F}"/>
+              </a:ext>
+            </a:extLst>
+          </p:cNvPr>
+          <p:cNvPicPr>
+            <a:picLocks noChangeAspect="1"/>
+          </p:cNvPicPr>
+          <p:nvPr/>
+        </p:nvPicPr>
+        <p:blipFill>
+          <a:blip r:embed="rId8" cstate="print">
+            <a:extLst>
+              <a:ext uri="{28A0092B-C50C-407E-A947-70E740481C1C}">
+                <a14:useLocalDpi xmlns:a14="http://schemas.microsoft.com/office/drawing/2010/main" val="0"/>
+              </a:ext>
+            </a:extLst>
+          </a:blip>
+          <a:stretch>
+            <a:fillRect/>
+          </a:stretch>
+        </p:blipFill>
+        <p:spPr>
+          <a:xfrm>
+            <a:off x="9484224" y="4691264"/>
+            <a:ext cx="615235" cy="615235"/>
+          </a:xfrm>
+          <a:prstGeom prst="rect">
+            <a:avLst/>
+          </a:prstGeom>
+        </p:spPr>
+      </p:pic>
+      <p:pic>
+        <p:nvPicPr>
+          <p:cNvPr id="115" name="Imagem 114">
+            <a:extLst>
+              <a:ext uri="{FF2B5EF4-FFF2-40B4-BE49-F238E27FC236}">
+                <a16:creationId xmlns:a16="http://schemas.microsoft.com/office/drawing/2014/main" id="{3C1B681C-ED12-41C5-AD26-8B6853414F1D}"/>
+              </a:ext>
+            </a:extLst>
+          </p:cNvPr>
+          <p:cNvPicPr>
+            <a:picLocks noChangeAspect="1"/>
+          </p:cNvPicPr>
+          <p:nvPr/>
+        </p:nvPicPr>
+        <p:blipFill>
+          <a:blip r:embed="rId9" cstate="print">
+            <a:extLst>
+              <a:ext uri="{28A0092B-C50C-407E-A947-70E740481C1C}">
+                <a14:useLocalDpi xmlns:a14="http://schemas.microsoft.com/office/drawing/2010/main" val="0"/>
+              </a:ext>
+            </a:extLst>
+          </a:blip>
+          <a:stretch>
+            <a:fillRect/>
+          </a:stretch>
+        </p:blipFill>
+        <p:spPr>
+          <a:xfrm>
+            <a:off x="10048596" y="4778771"/>
+            <a:ext cx="408113" cy="408113"/>
+          </a:xfrm>
+          <a:prstGeom prst="rect">
+            <a:avLst/>
+          </a:prstGeom>
+        </p:spPr>
+      </p:pic>
+      <p:sp>
+        <p:nvSpPr>
+          <p:cNvPr id="2" name="Retângulo 1">
+            <a:extLst>
+              <a:ext uri="{FF2B5EF4-FFF2-40B4-BE49-F238E27FC236}">
+                <a16:creationId xmlns:a16="http://schemas.microsoft.com/office/drawing/2014/main" id="{969E54A0-B7B5-4147-AB27-DA0CC75F47BD}"/>
+              </a:ext>
+            </a:extLst>
+          </p:cNvPr>
+          <p:cNvSpPr/>
+          <p:nvPr/>
+        </p:nvSpPr>
+        <p:spPr>
+          <a:xfrm>
+            <a:off x="120981" y="3939522"/>
+            <a:ext cx="3958255" cy="2822003"/>
+          </a:xfrm>
+          <a:prstGeom prst="rect">
+            <a:avLst/>
+          </a:prstGeom>
+          <a:noFill/>
+          <a:ln>
+            <a:solidFill>
+              <a:schemeClr val="tx1"/>
+            </a:solidFill>
+          </a:ln>
+        </p:spPr>
+        <p:style>
+          <a:lnRef idx="2">
+            <a:schemeClr val="accent1">
+              <a:shade val="50000"/>
+            </a:schemeClr>
+          </a:lnRef>
+          <a:fillRef idx="1">
+            <a:schemeClr val="accent1"/>
+          </a:fillRef>
+          <a:effectRef idx="0">
+            <a:schemeClr val="accent1"/>
+          </a:effectRef>
+          <a:fontRef idx="minor">
+            <a:schemeClr val="lt1"/>
+          </a:fontRef>
+        </p:style>
+        <p:txBody>
+          <a:bodyPr rtlCol="0" anchor="ctr"/>
+          <a:lstStyle/>
+          <a:p>
+            <a:pPr algn="ctr"/>
+            <a:endParaRPr lang="pt-BR"/>
+          </a:p>
+        </p:txBody>
+      </p:sp>
+      <p:sp>
+        <p:nvSpPr>
+          <p:cNvPr id="5" name="CaixaDeTexto 4">
+            <a:extLst>
+              <a:ext uri="{FF2B5EF4-FFF2-40B4-BE49-F238E27FC236}">
+                <a16:creationId xmlns:a16="http://schemas.microsoft.com/office/drawing/2014/main" id="{00324186-5835-453F-9CA7-D8BA2FE4FDB1}"/>
+              </a:ext>
+            </a:extLst>
+          </p:cNvPr>
+          <p:cNvSpPr txBox="1"/>
+          <p:nvPr/>
+        </p:nvSpPr>
+        <p:spPr>
+          <a:xfrm>
+            <a:off x="11332156" y="3595568"/>
+            <a:ext cx="1168252" cy="646331"/>
+          </a:xfrm>
+          <a:prstGeom prst="rect">
+            <a:avLst/>
+          </a:prstGeom>
+          <a:noFill/>
+        </p:spPr>
+        <p:txBody>
+          <a:bodyPr wrap="square" rtlCol="0">
+            <a:spAutoFit/>
+          </a:bodyPr>
+          <a:lstStyle/>
+          <a:p>
+            <a:r>
+              <a:rPr lang="pt-BR" dirty="0"/>
+              <a:t>Gestor</a:t>
+            </a:r>
+            <a:endParaRPr lang="pt-BR" sz="1600" dirty="0"/>
+          </a:p>
+          <a:p>
+            <a:endParaRPr lang="pt-BR" dirty="0"/>
+          </a:p>
+        </p:txBody>
+      </p:sp>
+      <p:sp>
+        <p:nvSpPr>
+          <p:cNvPr id="8" name="CaixaDeTexto 7">
+            <a:extLst>
+              <a:ext uri="{FF2B5EF4-FFF2-40B4-BE49-F238E27FC236}">
+                <a16:creationId xmlns:a16="http://schemas.microsoft.com/office/drawing/2014/main" id="{C6B4F186-1182-4828-8066-2E561878460C}"/>
+              </a:ext>
+            </a:extLst>
+          </p:cNvPr>
+          <p:cNvSpPr txBox="1"/>
+          <p:nvPr/>
+        </p:nvSpPr>
+        <p:spPr>
+          <a:xfrm>
+            <a:off x="70363" y="3550825"/>
+            <a:ext cx="1454885" cy="369332"/>
+          </a:xfrm>
+          <a:prstGeom prst="rect">
+            <a:avLst/>
+          </a:prstGeom>
+          <a:noFill/>
+        </p:spPr>
+        <p:txBody>
+          <a:bodyPr wrap="square" rtlCol="0">
+            <a:spAutoFit/>
+          </a:bodyPr>
+          <a:lstStyle/>
+          <a:p>
+            <a:r>
+              <a:rPr lang="pt-BR" dirty="0"/>
+              <a:t>Funcionário</a:t>
+            </a:r>
+          </a:p>
+        </p:txBody>
+      </p:sp>
+      <p:pic>
+        <p:nvPicPr>
+          <p:cNvPr id="14" name="Imagem 13" descr="Logotipo, nome da empresa&#10;&#10;Descrição gerada automaticamente">
+            <a:extLst>
+              <a:ext uri="{FF2B5EF4-FFF2-40B4-BE49-F238E27FC236}">
+                <a16:creationId xmlns:a16="http://schemas.microsoft.com/office/drawing/2014/main" id="{C131E45E-AAA8-4092-97F7-314E8411F05B}"/>
+              </a:ext>
+            </a:extLst>
+          </p:cNvPr>
+          <p:cNvPicPr>
+            <a:picLocks noChangeAspect="1"/>
+          </p:cNvPicPr>
+          <p:nvPr/>
+        </p:nvPicPr>
+        <p:blipFill>
+          <a:blip r:embed="rId10" cstate="print">
+            <a:extLst>
+              <a:ext uri="{28A0092B-C50C-407E-A947-70E740481C1C}">
+                <a14:useLocalDpi xmlns:a14="http://schemas.microsoft.com/office/drawing/2010/main" val="0"/>
+              </a:ext>
+            </a:extLst>
+          </a:blip>
+          <a:stretch>
+            <a:fillRect/>
+          </a:stretch>
+        </p:blipFill>
+        <p:spPr>
+          <a:xfrm>
+            <a:off x="1063232" y="5096589"/>
+            <a:ext cx="447427" cy="447427"/>
+          </a:xfrm>
+          <a:prstGeom prst="rect">
+            <a:avLst/>
+          </a:prstGeom>
+        </p:spPr>
+      </p:pic>
+      <p:pic>
+        <p:nvPicPr>
+          <p:cNvPr id="6" name="Picture 4">
+            <a:extLst>
+              <a:ext uri="{FF2B5EF4-FFF2-40B4-BE49-F238E27FC236}">
+                <a16:creationId xmlns:a16="http://schemas.microsoft.com/office/drawing/2014/main" id="{459310AC-F268-4178-A4E9-B2C3E8E97734}"/>
+              </a:ext>
+            </a:extLst>
+          </p:cNvPr>
+          <p:cNvPicPr>
+            <a:picLocks noChangeAspect="1" noChangeArrowheads="1"/>
+          </p:cNvPicPr>
+          <p:nvPr/>
+        </p:nvPicPr>
+        <p:blipFill>
+          <a:blip r:embed="rId11" cstate="print">
+            <a:extLst>
+              <a:ext uri="{28A0092B-C50C-407E-A947-70E740481C1C}">
+                <a14:useLocalDpi xmlns:a14="http://schemas.microsoft.com/office/drawing/2010/main" val="0"/>
+              </a:ext>
+            </a:extLst>
+          </a:blip>
+          <a:srcRect/>
+          <a:stretch>
+            <a:fillRect/>
+          </a:stretch>
+        </p:blipFill>
+        <p:spPr bwMode="auto">
+          <a:xfrm>
+            <a:off x="10407256" y="376802"/>
+            <a:ext cx="1328647" cy="384063"/>
+          </a:xfrm>
+          <a:prstGeom prst="rect">
+            <a:avLst/>
+          </a:prstGeom>
+          <a:noFill/>
+          <a:extLst>
+            <a:ext uri="{909E8E84-426E-40DD-AFC4-6F175D3DCCD1}">
+              <a14:hiddenFill xmlns:a14="http://schemas.microsoft.com/office/drawing/2010/main">
+                <a:solidFill>
+                  <a:srgbClr val="FFFFFF"/>
+                </a:solidFill>
+              </a14:hiddenFill>
+            </a:ext>
+          </a:extLst>
+        </p:spPr>
+      </p:pic>
+      <p:sp>
+        <p:nvSpPr>
+          <p:cNvPr id="9" name="Retângulo 8">
+            <a:extLst>
+              <a:ext uri="{FF2B5EF4-FFF2-40B4-BE49-F238E27FC236}">
+                <a16:creationId xmlns:a16="http://schemas.microsoft.com/office/drawing/2014/main" id="{A2895AD6-3034-4EE2-8F53-A1BC76FBF2D0}"/>
+              </a:ext>
+            </a:extLst>
+          </p:cNvPr>
+          <p:cNvSpPr/>
+          <p:nvPr/>
+        </p:nvSpPr>
+        <p:spPr>
+          <a:xfrm>
+            <a:off x="2415582" y="3545209"/>
+            <a:ext cx="595753" cy="445305"/>
+          </a:xfrm>
+          <a:prstGeom prst="rect">
+            <a:avLst/>
+          </a:prstGeom>
+          <a:solidFill>
+            <a:schemeClr val="bg1"/>
+          </a:solidFill>
+          <a:ln>
+            <a:noFill/>
+          </a:ln>
+        </p:spPr>
+        <p:style>
+          <a:lnRef idx="2">
+            <a:schemeClr val="accent1">
+              <a:shade val="50000"/>
+            </a:schemeClr>
+          </a:lnRef>
+          <a:fillRef idx="1">
+            <a:schemeClr val="accent1"/>
+          </a:fillRef>
+          <a:effectRef idx="0">
+            <a:schemeClr val="accent1"/>
+          </a:effectRef>
+          <a:fontRef idx="minor">
+            <a:schemeClr val="lt1"/>
+          </a:fontRef>
+        </p:style>
+        <p:txBody>
+          <a:bodyPr rtlCol="0" anchor="ctr"/>
+          <a:lstStyle/>
+          <a:p>
+            <a:pPr algn="ctr"/>
+            <a:endParaRPr lang="pt-BR"/>
+          </a:p>
+        </p:txBody>
+      </p:sp>
+      <p:pic>
+        <p:nvPicPr>
+          <p:cNvPr id="7" name="Picture 10" descr="Amazon Web Services - Wikipedia">
+            <a:extLst>
+              <a:ext uri="{FF2B5EF4-FFF2-40B4-BE49-F238E27FC236}">
+                <a16:creationId xmlns:a16="http://schemas.microsoft.com/office/drawing/2014/main" id="{4484FA0D-09D2-41AD-9A5C-AA5C5431D5FE}"/>
+              </a:ext>
+            </a:extLst>
+          </p:cNvPr>
+          <p:cNvPicPr>
+            <a:picLocks noChangeAspect="1" noChangeArrowheads="1"/>
+          </p:cNvPicPr>
+          <p:nvPr/>
+        </p:nvPicPr>
+        <p:blipFill>
+          <a:blip r:embed="rId12" cstate="print">
+            <a:extLst>
+              <a:ext uri="{28A0092B-C50C-407E-A947-70E740481C1C}">
+                <a14:useLocalDpi xmlns:a14="http://schemas.microsoft.com/office/drawing/2010/main" val="0"/>
+              </a:ext>
+            </a:extLst>
+          </a:blip>
+          <a:srcRect/>
+          <a:stretch>
+            <a:fillRect/>
+          </a:stretch>
+        </p:blipFill>
+        <p:spPr bwMode="auto">
+          <a:xfrm>
+            <a:off x="2361909" y="3774525"/>
+            <a:ext cx="703098" cy="361931"/>
+          </a:xfrm>
+          <a:prstGeom prst="rect">
+            <a:avLst/>
+          </a:prstGeom>
+          <a:noFill/>
+          <a:extLst>
+            <a:ext uri="{909E8E84-426E-40DD-AFC4-6F175D3DCCD1}">
+              <a14:hiddenFill xmlns:a14="http://schemas.microsoft.com/office/drawing/2010/main">
+                <a:solidFill>
+                  <a:srgbClr val="FFFFFF"/>
+                </a:solidFill>
+              </a14:hiddenFill>
+            </a:ext>
+          </a:extLst>
+        </p:spPr>
+      </p:pic>
+      <p:pic>
+        <p:nvPicPr>
+          <p:cNvPr id="10" name="Imagem 9"/>
+          <p:cNvPicPr>
+            <a:picLocks noChangeAspect="1"/>
+          </p:cNvPicPr>
+          <p:nvPr/>
+        </p:nvPicPr>
+        <p:blipFill rotWithShape="1">
+          <a:blip r:embed="rId13"/>
+          <a:srcRect l="9121" t="320" r="8400" b="-320"/>
+          <a:stretch/>
+        </p:blipFill>
+        <p:spPr>
+          <a:xfrm>
+            <a:off x="10551142" y="1798095"/>
+            <a:ext cx="702832" cy="360454"/>
+          </a:xfrm>
+          <a:prstGeom prst="rect">
+            <a:avLst/>
+          </a:prstGeom>
+        </p:spPr>
+      </p:pic>
+      <p:sp>
+        <p:nvSpPr>
+          <p:cNvPr id="13" name="AutoShape 4" descr="HTML5 – Wikipédia, a enciclopédia livre"/>
+          <p:cNvSpPr>
+            <a:spLocks noChangeAspect="1" noChangeArrowheads="1"/>
+          </p:cNvSpPr>
+          <p:nvPr/>
+        </p:nvSpPr>
+        <p:spPr bwMode="auto">
+          <a:xfrm>
+            <a:off x="155575" y="-144463"/>
+            <a:ext cx="304800" cy="304801"/>
+          </a:xfrm>
+          <a:prstGeom prst="rect">
+            <a:avLst/>
+          </a:prstGeom>
+          <a:noFill/>
+          <a:extLst>
+            <a:ext uri="{909E8E84-426E-40DD-AFC4-6F175D3DCCD1}">
+              <a14:hiddenFill xmlns:a14="http://schemas.microsoft.com/office/drawing/2010/main">
+                <a:solidFill>
+                  <a:srgbClr val="FFFFFF"/>
+                </a:solidFill>
+              </a14:hiddenFill>
+            </a:ext>
+          </a:extLst>
+        </p:spPr>
+        <p:txBody>
+          <a:bodyPr vert="horz" wrap="square" lIns="91440" tIns="45720" rIns="91440" bIns="45720" numCol="1" anchor="t" anchorCtr="0" compatLnSpc="1">
+            <a:prstTxWarp prst="textNoShape">
+              <a:avLst/>
+            </a:prstTxWarp>
+          </a:bodyPr>
+          <a:lstStyle/>
+          <a:p>
+            <a:endParaRPr lang="pt-BR"/>
+          </a:p>
+        </p:txBody>
+      </p:sp>
+      <p:pic>
+        <p:nvPicPr>
+          <p:cNvPr id="19" name="Imagem 18"/>
+          <p:cNvPicPr>
+            <a:picLocks noChangeAspect="1"/>
+          </p:cNvPicPr>
+          <p:nvPr/>
+        </p:nvPicPr>
+        <p:blipFill>
+          <a:blip r:embed="rId14"/>
+          <a:stretch>
+            <a:fillRect/>
+          </a:stretch>
+        </p:blipFill>
+        <p:spPr>
+          <a:xfrm>
+            <a:off x="8490063" y="1643048"/>
+            <a:ext cx="683157" cy="683157"/>
+          </a:xfrm>
+          <a:prstGeom prst="rect">
+            <a:avLst/>
+          </a:prstGeom>
+        </p:spPr>
+      </p:pic>
+      <p:pic>
+        <p:nvPicPr>
+          <p:cNvPr id="25" name="Imagem 24"/>
+          <p:cNvPicPr>
+            <a:picLocks noChangeAspect="1"/>
+          </p:cNvPicPr>
+          <p:nvPr/>
+        </p:nvPicPr>
+        <p:blipFill rotWithShape="1">
+          <a:blip r:embed="rId15"/>
+          <a:srcRect l="35681" t="14554" r="34566" b="10328"/>
+          <a:stretch/>
+        </p:blipFill>
+        <p:spPr>
+          <a:xfrm>
+            <a:off x="9817063" y="1564060"/>
+            <a:ext cx="491390" cy="697832"/>
+          </a:xfrm>
+          <a:prstGeom prst="rect">
+            <a:avLst/>
+          </a:prstGeom>
+        </p:spPr>
+      </p:pic>
+      <p:pic>
+        <p:nvPicPr>
+          <p:cNvPr id="1030" name="Picture 6" descr="O que é JavaScript - Portal GSTI"/>
+          <p:cNvPicPr>
+            <a:picLocks noChangeAspect="1" noChangeArrowheads="1"/>
+          </p:cNvPicPr>
+          <p:nvPr/>
+        </p:nvPicPr>
+        <p:blipFill>
+          <a:blip r:embed="rId16" cstate="print">
+            <a:extLst>
+              <a:ext uri="{28A0092B-C50C-407E-A947-70E740481C1C}">
+                <a14:useLocalDpi xmlns:a14="http://schemas.microsoft.com/office/drawing/2010/main" val="0"/>
+              </a:ext>
+            </a:extLst>
+          </a:blip>
+          <a:srcRect/>
+          <a:stretch>
+            <a:fillRect/>
+          </a:stretch>
+        </p:blipFill>
+        <p:spPr bwMode="auto">
+          <a:xfrm>
+            <a:off x="9105297" y="1643048"/>
+            <a:ext cx="683157" cy="683157"/>
+          </a:xfrm>
+          <a:prstGeom prst="rect">
+            <a:avLst/>
+          </a:prstGeom>
+          <a:noFill/>
+          <a:extLst>
+            <a:ext uri="{909E8E84-426E-40DD-AFC4-6F175D3DCCD1}">
+              <a14:hiddenFill xmlns:a14="http://schemas.microsoft.com/office/drawing/2010/main">
+                <a:solidFill>
+                  <a:srgbClr val="FFFFFF"/>
+                </a:solidFill>
+              </a14:hiddenFill>
+            </a:ext>
+          </a:extLst>
+        </p:spPr>
+      </p:pic>
+      <p:grpSp>
+        <p:nvGrpSpPr>
+          <p:cNvPr id="21" name="Agrupar 20">
+            <a:extLst>
+              <a:ext uri="{FF2B5EF4-FFF2-40B4-BE49-F238E27FC236}">
+                <a16:creationId xmlns:a16="http://schemas.microsoft.com/office/drawing/2014/main" id="{1550788F-EA80-4E29-BE8A-2E903471849F}"/>
+              </a:ext>
+            </a:extLst>
+          </p:cNvPr>
+          <p:cNvGrpSpPr/>
+          <p:nvPr/>
+        </p:nvGrpSpPr>
+        <p:grpSpPr>
+          <a:xfrm>
+            <a:off x="5642223" y="4686095"/>
+            <a:ext cx="907553" cy="1156876"/>
+            <a:chOff x="742233" y="1428136"/>
+            <a:chExt cx="976966" cy="1379358"/>
+          </a:xfrm>
+        </p:grpSpPr>
+        <p:pic>
+          <p:nvPicPr>
+            <p:cNvPr id="1026" name="Picture 2" descr="Boas-vindas ao seu novo QG | Slack">
+              <a:extLst>
+                <a:ext uri="{FF2B5EF4-FFF2-40B4-BE49-F238E27FC236}">
+                  <a16:creationId xmlns:a16="http://schemas.microsoft.com/office/drawing/2014/main" id="{D2B9D5B0-D199-4A89-A00B-86E4BE07F467}"/>
+                </a:ext>
+              </a:extLst>
+            </p:cNvPr>
+            <p:cNvPicPr>
+              <a:picLocks noChangeAspect="1" noChangeArrowheads="1"/>
+            </p:cNvPicPr>
+            <p:nvPr/>
+          </p:nvPicPr>
+          <p:blipFill>
+            <a:blip r:embed="rId17" cstate="print">
+              <a:extLst>
+                <a:ext uri="{28A0092B-C50C-407E-A947-70E740481C1C}">
+                  <a14:useLocalDpi xmlns:a14="http://schemas.microsoft.com/office/drawing/2010/main" val="0"/>
+                </a:ext>
+              </a:extLst>
+            </a:blip>
+            <a:srcRect/>
+            <a:stretch>
+              <a:fillRect/>
+            </a:stretch>
+          </p:blipFill>
+          <p:spPr bwMode="auto">
+            <a:xfrm>
+              <a:off x="742233" y="1428136"/>
+              <a:ext cx="976966" cy="976966"/>
+            </a:xfrm>
+            <a:prstGeom prst="rect">
+              <a:avLst/>
+            </a:prstGeom>
+            <a:noFill/>
+            <a:extLst>
+              <a:ext uri="{909E8E84-426E-40DD-AFC4-6F175D3DCCD1}">
+                <a14:hiddenFill xmlns:a14="http://schemas.microsoft.com/office/drawing/2010/main">
+                  <a:solidFill>
+                    <a:srgbClr val="FFFFFF"/>
+                  </a:solidFill>
+                </a14:hiddenFill>
+              </a:ext>
+            </a:extLst>
+          </p:spPr>
+        </p:pic>
+        <p:sp>
+          <p:nvSpPr>
+            <p:cNvPr id="4" name="CaixaDeTexto 3">
+              <a:extLst>
+                <a:ext uri="{FF2B5EF4-FFF2-40B4-BE49-F238E27FC236}">
+                  <a16:creationId xmlns:a16="http://schemas.microsoft.com/office/drawing/2014/main" id="{D03018DC-DEBD-439B-B33A-3FD65D7934A5}"/>
+                </a:ext>
+              </a:extLst>
+            </p:cNvPr>
+            <p:cNvSpPr txBox="1"/>
+            <p:nvPr/>
+          </p:nvSpPr>
+          <p:spPr>
+            <a:xfrm>
+              <a:off x="841193" y="2438162"/>
+              <a:ext cx="863138" cy="369332"/>
+            </a:xfrm>
+            <a:prstGeom prst="rect">
+              <a:avLst/>
+            </a:prstGeom>
+            <a:noFill/>
+          </p:spPr>
+          <p:txBody>
+            <a:bodyPr wrap="square" rtlCol="0">
+              <a:spAutoFit/>
+            </a:bodyPr>
+            <a:lstStyle/>
+            <a:p>
+              <a:r>
+                <a:rPr lang="pt-BR" dirty="0"/>
+                <a:t>SLACK</a:t>
+              </a:r>
+            </a:p>
+          </p:txBody>
+        </p:sp>
+      </p:grpSp>
+      <p:pic>
+        <p:nvPicPr>
+          <p:cNvPr id="23" name="Imagem 22" descr="Logotipo, nome da empresa&#10;&#10;Descrição gerada automaticamente">
+            <a:extLst>
+              <a:ext uri="{FF2B5EF4-FFF2-40B4-BE49-F238E27FC236}">
+                <a16:creationId xmlns:a16="http://schemas.microsoft.com/office/drawing/2014/main" id="{430375AE-F10C-4E7F-AC5E-E4A9143A7746}"/>
+              </a:ext>
+            </a:extLst>
+          </p:cNvPr>
+          <p:cNvPicPr>
+            <a:picLocks noChangeAspect="1"/>
+          </p:cNvPicPr>
+          <p:nvPr/>
+        </p:nvPicPr>
+        <p:blipFill>
+          <a:blip r:embed="rId18" cstate="print">
+            <a:extLst>
+              <a:ext uri="{28A0092B-C50C-407E-A947-70E740481C1C}">
+                <a14:useLocalDpi xmlns:a14="http://schemas.microsoft.com/office/drawing/2010/main" val="0"/>
+              </a:ext>
+            </a:extLst>
+          </a:blip>
+          <a:stretch>
+            <a:fillRect/>
+          </a:stretch>
+        </p:blipFill>
+        <p:spPr>
+          <a:xfrm>
+            <a:off x="6598467" y="1601117"/>
+            <a:ext cx="1089399" cy="754409"/>
+          </a:xfrm>
+          <a:prstGeom prst="rect">
+            <a:avLst/>
+          </a:prstGeom>
+        </p:spPr>
+      </p:pic>
+      <p:pic>
+        <p:nvPicPr>
+          <p:cNvPr id="50" name="Imagem 49">
+            <a:extLst>
+              <a:ext uri="{FF2B5EF4-FFF2-40B4-BE49-F238E27FC236}">
+                <a16:creationId xmlns:a16="http://schemas.microsoft.com/office/drawing/2014/main" id="{B7B64E3D-9B7A-45F3-806A-B186144DA1C4}"/>
+              </a:ext>
+            </a:extLst>
+          </p:cNvPr>
+          <p:cNvPicPr>
+            <a:picLocks noChangeAspect="1"/>
+          </p:cNvPicPr>
+          <p:nvPr/>
+        </p:nvPicPr>
+        <p:blipFill>
+          <a:blip r:embed="rId19"/>
+          <a:stretch>
+            <a:fillRect/>
+          </a:stretch>
+        </p:blipFill>
+        <p:spPr>
+          <a:xfrm>
+            <a:off x="7792055" y="1669082"/>
+            <a:ext cx="736425" cy="618481"/>
+          </a:xfrm>
+          <a:prstGeom prst="rect">
+            <a:avLst/>
+          </a:prstGeom>
+        </p:spPr>
+      </p:pic>
+      <p:sp>
+        <p:nvSpPr>
+          <p:cNvPr id="54" name="Retângulo 53">
+            <a:extLst>
+              <a:ext uri="{FF2B5EF4-FFF2-40B4-BE49-F238E27FC236}">
+                <a16:creationId xmlns:a16="http://schemas.microsoft.com/office/drawing/2014/main" id="{F6769D6D-4C92-4616-B7A1-9AA9E96B528E}"/>
+              </a:ext>
+            </a:extLst>
+          </p:cNvPr>
+          <p:cNvSpPr/>
+          <p:nvPr/>
+        </p:nvSpPr>
+        <p:spPr>
+          <a:xfrm>
+            <a:off x="8121207" y="3975098"/>
+            <a:ext cx="3958255" cy="2799923"/>
+          </a:xfrm>
+          <a:prstGeom prst="rect">
+            <a:avLst/>
+          </a:prstGeom>
+          <a:noFill/>
+          <a:ln>
+            <a:solidFill>
+              <a:schemeClr val="tx1"/>
+            </a:solidFill>
+          </a:ln>
+        </p:spPr>
+        <p:style>
+          <a:lnRef idx="2">
+            <a:schemeClr val="accent1">
+              <a:shade val="50000"/>
+            </a:schemeClr>
+          </a:lnRef>
+          <a:fillRef idx="1">
+            <a:schemeClr val="accent1"/>
+          </a:fillRef>
+          <a:effectRef idx="0">
+            <a:schemeClr val="accent1"/>
+          </a:effectRef>
+          <a:fontRef idx="minor">
+            <a:schemeClr val="lt1"/>
+          </a:fontRef>
+        </p:style>
+        <p:txBody>
+          <a:bodyPr rtlCol="0" anchor="ctr"/>
+          <a:lstStyle/>
+          <a:p>
+            <a:pPr algn="ctr"/>
+            <a:endParaRPr lang="pt-BR"/>
+          </a:p>
+        </p:txBody>
+      </p:sp>
+      <p:pic>
+        <p:nvPicPr>
+          <p:cNvPr id="28" name="Imagem 27" descr="Imagem em preto e branco&#10;&#10;Descrição gerada automaticamente">
+            <a:extLst>
+              <a:ext uri="{FF2B5EF4-FFF2-40B4-BE49-F238E27FC236}">
+                <a16:creationId xmlns:a16="http://schemas.microsoft.com/office/drawing/2014/main" id="{2CC60A5A-32BC-4872-BEF8-F867013BB652}"/>
+              </a:ext>
+            </a:extLst>
+          </p:cNvPr>
+          <p:cNvPicPr>
+            <a:picLocks noChangeAspect="1"/>
+          </p:cNvPicPr>
+          <p:nvPr/>
+        </p:nvPicPr>
+        <p:blipFill>
+          <a:blip r:embed="rId20">
+            <a:extLst>
+              <a:ext uri="{28A0092B-C50C-407E-A947-70E740481C1C}">
+                <a14:useLocalDpi xmlns:a14="http://schemas.microsoft.com/office/drawing/2010/main" val="0"/>
+              </a:ext>
+            </a:extLst>
+          </a:blip>
+          <a:stretch>
+            <a:fillRect/>
+          </a:stretch>
+        </p:blipFill>
+        <p:spPr>
+          <a:xfrm>
+            <a:off x="11071580" y="5328598"/>
+            <a:ext cx="933450" cy="981075"/>
+          </a:xfrm>
+          <a:prstGeom prst="rect">
+            <a:avLst/>
+          </a:prstGeom>
+        </p:spPr>
+      </p:pic>
+      <p:pic>
+        <p:nvPicPr>
+          <p:cNvPr id="12" name="Imagem 11"/>
+          <p:cNvPicPr>
+            <a:picLocks noChangeAspect="1"/>
+          </p:cNvPicPr>
+          <p:nvPr/>
+        </p:nvPicPr>
+        <p:blipFill>
+          <a:blip r:embed="rId21"/>
+          <a:stretch>
+            <a:fillRect/>
+          </a:stretch>
+        </p:blipFill>
+        <p:spPr>
+          <a:xfrm>
+            <a:off x="70363" y="179703"/>
+            <a:ext cx="1689404" cy="950290"/>
+          </a:xfrm>
+          <a:prstGeom prst="rect">
+            <a:avLst/>
+          </a:prstGeom>
+        </p:spPr>
+      </p:pic>
+      <p:pic>
+        <p:nvPicPr>
+          <p:cNvPr id="18" name="Imagem 17"/>
+          <p:cNvPicPr>
+            <a:picLocks noChangeAspect="1"/>
+          </p:cNvPicPr>
+          <p:nvPr/>
+        </p:nvPicPr>
+        <p:blipFill>
+          <a:blip r:embed="rId22"/>
+          <a:stretch>
+            <a:fillRect/>
+          </a:stretch>
+        </p:blipFill>
+        <p:spPr>
+          <a:xfrm>
+            <a:off x="1907679" y="4935704"/>
+            <a:ext cx="824918" cy="431086"/>
+          </a:xfrm>
+          <a:prstGeom prst="rect">
+            <a:avLst/>
+          </a:prstGeom>
+        </p:spPr>
+      </p:pic>
+      <p:pic>
+        <p:nvPicPr>
+          <p:cNvPr id="20" name="Imagem 19" descr="Texto&#10;&#10;Descrição gerada automaticamente">
+            <a:extLst>
+              <a:ext uri="{FF2B5EF4-FFF2-40B4-BE49-F238E27FC236}">
+                <a16:creationId xmlns:a16="http://schemas.microsoft.com/office/drawing/2014/main" id="{ED87CAAA-DE80-46A0-86B2-609AB5201EA4}"/>
+              </a:ext>
+            </a:extLst>
+          </p:cNvPr>
+          <p:cNvPicPr>
+            <a:picLocks noChangeAspect="1"/>
+          </p:cNvPicPr>
+          <p:nvPr/>
+        </p:nvPicPr>
+        <p:blipFill>
+          <a:blip r:embed="rId23">
+            <a:extLst>
+              <a:ext uri="{28A0092B-C50C-407E-A947-70E740481C1C}">
+                <a14:useLocalDpi xmlns:a14="http://schemas.microsoft.com/office/drawing/2010/main" val="0"/>
+              </a:ext>
+            </a:extLst>
+          </a:blip>
+          <a:stretch>
+            <a:fillRect/>
+          </a:stretch>
+        </p:blipFill>
+        <p:spPr>
+          <a:xfrm>
+            <a:off x="1022259" y="4511074"/>
+            <a:ext cx="529375" cy="409635"/>
+          </a:xfrm>
+          <a:prstGeom prst="rect">
+            <a:avLst/>
+          </a:prstGeom>
+        </p:spPr>
+      </p:pic>
+      <p:pic>
+        <p:nvPicPr>
+          <p:cNvPr id="26" name="Imagem 25" descr="Logotipo&#10;&#10;Descrição gerada automaticamente">
+            <a:extLst>
+              <a:ext uri="{FF2B5EF4-FFF2-40B4-BE49-F238E27FC236}">
+                <a16:creationId xmlns:a16="http://schemas.microsoft.com/office/drawing/2014/main" id="{6B8134E3-650D-478E-A821-EF0EB50EF35E}"/>
+              </a:ext>
+            </a:extLst>
+          </p:cNvPr>
+          <p:cNvPicPr>
+            <a:picLocks noChangeAspect="1"/>
+          </p:cNvPicPr>
+          <p:nvPr/>
+        </p:nvPicPr>
+        <p:blipFill>
+          <a:blip r:embed="rId24">
+            <a:extLst>
+              <a:ext uri="{28A0092B-C50C-407E-A947-70E740481C1C}">
+                <a14:useLocalDpi xmlns:a14="http://schemas.microsoft.com/office/drawing/2010/main" val="0"/>
+              </a:ext>
+            </a:extLst>
+          </a:blip>
+          <a:stretch>
+            <a:fillRect/>
+          </a:stretch>
+        </p:blipFill>
+        <p:spPr>
+          <a:xfrm>
+            <a:off x="1617662" y="4470979"/>
+            <a:ext cx="690370" cy="589691"/>
+          </a:xfrm>
+          <a:prstGeom prst="rect">
+            <a:avLst/>
+          </a:prstGeom>
+        </p:spPr>
+      </p:pic>
+      <p:sp>
+        <p:nvSpPr>
+          <p:cNvPr id="27" name="Retângulo: Cantos Arredondados 26">
+            <a:extLst>
+              <a:ext uri="{FF2B5EF4-FFF2-40B4-BE49-F238E27FC236}">
+                <a16:creationId xmlns:a16="http://schemas.microsoft.com/office/drawing/2014/main" id="{8FA7A66A-5AF3-44D5-82C5-F518ED665F57}"/>
+              </a:ext>
+            </a:extLst>
+          </p:cNvPr>
+          <p:cNvSpPr/>
+          <p:nvPr/>
+        </p:nvSpPr>
+        <p:spPr>
+          <a:xfrm>
+            <a:off x="1629768" y="4506075"/>
+            <a:ext cx="1254245" cy="999407"/>
+          </a:xfrm>
+          <a:prstGeom prst="roundRect">
+            <a:avLst/>
+          </a:prstGeom>
+          <a:noFill/>
+        </p:spPr>
+        <p:style>
+          <a:lnRef idx="2">
+            <a:schemeClr val="accent1">
+              <a:shade val="50000"/>
+            </a:schemeClr>
+          </a:lnRef>
+          <a:fillRef idx="1">
+            <a:schemeClr val="accent1"/>
+          </a:fillRef>
+          <a:effectRef idx="0">
+            <a:schemeClr val="accent1"/>
+          </a:effectRef>
+          <a:fontRef idx="minor">
+            <a:schemeClr val="lt1"/>
+          </a:fontRef>
+        </p:style>
+        <p:txBody>
+          <a:bodyPr rtlCol="0" anchor="ctr"/>
+          <a:lstStyle/>
+          <a:p>
+            <a:pPr algn="ctr"/>
+            <a:endParaRPr lang="pt-BR"/>
+          </a:p>
+        </p:txBody>
+      </p:sp>
+      <p:pic>
+        <p:nvPicPr>
+          <p:cNvPr id="30" name="Imagem 29" descr="Ícone&#10;&#10;Descrição gerada automaticamente">
+            <a:extLst>
+              <a:ext uri="{FF2B5EF4-FFF2-40B4-BE49-F238E27FC236}">
+                <a16:creationId xmlns:a16="http://schemas.microsoft.com/office/drawing/2014/main" id="{37F30B95-69BD-4863-8AD5-82CA6DED1DD7}"/>
+              </a:ext>
+            </a:extLst>
+          </p:cNvPr>
+          <p:cNvPicPr>
+            <a:picLocks noChangeAspect="1"/>
+          </p:cNvPicPr>
+          <p:nvPr/>
+        </p:nvPicPr>
+        <p:blipFill>
+          <a:blip r:embed="rId25">
+            <a:extLst>
+              <a:ext uri="{28A0092B-C50C-407E-A947-70E740481C1C}">
+                <a14:useLocalDpi xmlns:a14="http://schemas.microsoft.com/office/drawing/2010/main" val="0"/>
+              </a:ext>
+            </a:extLst>
+          </a:blip>
+          <a:stretch>
+            <a:fillRect/>
+          </a:stretch>
+        </p:blipFill>
+        <p:spPr>
+          <a:xfrm>
+            <a:off x="1234537" y="1451292"/>
+            <a:ext cx="810600" cy="810600"/>
+          </a:xfrm>
+          <a:prstGeom prst="rect">
+            <a:avLst/>
+          </a:prstGeom>
+        </p:spPr>
+      </p:pic>
+      <p:cxnSp>
+        <p:nvCxnSpPr>
+          <p:cNvPr id="35" name="Conector de Seta Reta 34">
+            <a:extLst>
+              <a:ext uri="{FF2B5EF4-FFF2-40B4-BE49-F238E27FC236}">
+                <a16:creationId xmlns:a16="http://schemas.microsoft.com/office/drawing/2014/main" id="{8103FEFB-336C-414E-BD99-F6AF7DF67DF7}"/>
+              </a:ext>
+            </a:extLst>
+          </p:cNvPr>
+          <p:cNvCxnSpPr>
+            <a:cxnSpLocks/>
+          </p:cNvCxnSpPr>
+          <p:nvPr/>
+        </p:nvCxnSpPr>
+        <p:spPr>
+          <a:xfrm>
+            <a:off x="3981796" y="2003367"/>
+            <a:ext cx="2469905" cy="0"/>
+          </a:xfrm>
+          <a:prstGeom prst="straightConnector1">
+            <a:avLst/>
+          </a:prstGeom>
+          <a:ln>
+            <a:tailEnd type="triangle"/>
+          </a:ln>
+        </p:spPr>
+        <p:style>
+          <a:lnRef idx="1">
+            <a:schemeClr val="accent1"/>
+          </a:lnRef>
+          <a:fillRef idx="0">
+            <a:schemeClr val="accent1"/>
+          </a:fillRef>
+          <a:effectRef idx="0">
+            <a:schemeClr val="accent1"/>
+          </a:effectRef>
+          <a:fontRef idx="minor">
+            <a:schemeClr val="tx1"/>
+          </a:fontRef>
+        </p:style>
+      </p:cxnSp>
+      <p:cxnSp>
+        <p:nvCxnSpPr>
+          <p:cNvPr id="61" name="Conector de Seta Reta 60">
+            <a:extLst>
+              <a:ext uri="{FF2B5EF4-FFF2-40B4-BE49-F238E27FC236}">
+                <a16:creationId xmlns:a16="http://schemas.microsoft.com/office/drawing/2014/main" id="{C2916943-22EE-4CFB-99FA-9AD58A30BF83}"/>
+              </a:ext>
+            </a:extLst>
+          </p:cNvPr>
+          <p:cNvCxnSpPr>
+            <a:cxnSpLocks/>
+          </p:cNvCxnSpPr>
+          <p:nvPr/>
+        </p:nvCxnSpPr>
+        <p:spPr>
+          <a:xfrm flipV="1">
+            <a:off x="4079236" y="2261892"/>
+            <a:ext cx="2469905" cy="1658265"/>
+          </a:xfrm>
+          <a:prstGeom prst="straightConnector1">
+            <a:avLst/>
+          </a:prstGeom>
+          <a:ln>
+            <a:tailEnd type="triangle"/>
+          </a:ln>
+        </p:spPr>
+        <p:style>
+          <a:lnRef idx="1">
+            <a:schemeClr val="accent1"/>
+          </a:lnRef>
+          <a:fillRef idx="0">
+            <a:schemeClr val="accent1"/>
+          </a:fillRef>
+          <a:effectRef idx="0">
+            <a:schemeClr val="accent1"/>
+          </a:effectRef>
+          <a:fontRef idx="minor">
+            <a:schemeClr val="tx1"/>
+          </a:fontRef>
+        </p:style>
+      </p:cxnSp>
+      <p:cxnSp>
+        <p:nvCxnSpPr>
+          <p:cNvPr id="64" name="Conector de Seta Reta 63">
+            <a:extLst>
+              <a:ext uri="{FF2B5EF4-FFF2-40B4-BE49-F238E27FC236}">
+                <a16:creationId xmlns:a16="http://schemas.microsoft.com/office/drawing/2014/main" id="{7657379C-900C-4742-A460-A8AE9389EEF8}"/>
+              </a:ext>
+            </a:extLst>
+          </p:cNvPr>
+          <p:cNvCxnSpPr>
+            <a:cxnSpLocks/>
+          </p:cNvCxnSpPr>
+          <p:nvPr/>
+        </p:nvCxnSpPr>
+        <p:spPr>
+          <a:xfrm>
+            <a:off x="9346920" y="2753330"/>
+            <a:ext cx="0" cy="1166827"/>
+          </a:xfrm>
+          <a:prstGeom prst="straightConnector1">
+            <a:avLst/>
+          </a:prstGeom>
+          <a:ln>
+            <a:tailEnd type="triangle"/>
+          </a:ln>
+        </p:spPr>
+        <p:style>
+          <a:lnRef idx="1">
+            <a:schemeClr val="accent1"/>
+          </a:lnRef>
+          <a:fillRef idx="0">
+            <a:schemeClr val="accent1"/>
+          </a:fillRef>
+          <a:effectRef idx="0">
+            <a:schemeClr val="accent1"/>
+          </a:effectRef>
+          <a:fontRef idx="minor">
+            <a:schemeClr val="tx1"/>
+          </a:fontRef>
+        </p:style>
+      </p:cxnSp>
+      <p:cxnSp>
+        <p:nvCxnSpPr>
+          <p:cNvPr id="69" name="Conector de Seta Reta 68">
+            <a:extLst>
+              <a:ext uri="{FF2B5EF4-FFF2-40B4-BE49-F238E27FC236}">
+                <a16:creationId xmlns:a16="http://schemas.microsoft.com/office/drawing/2014/main" id="{B81E2079-84D7-430E-A793-D3C73FD6A4F9}"/>
+              </a:ext>
+            </a:extLst>
+          </p:cNvPr>
+          <p:cNvCxnSpPr>
+            <a:cxnSpLocks/>
+          </p:cNvCxnSpPr>
+          <p:nvPr/>
+        </p:nvCxnSpPr>
+        <p:spPr>
+          <a:xfrm>
+            <a:off x="4103433" y="5109788"/>
+            <a:ext cx="1365481" cy="0"/>
+          </a:xfrm>
+          <a:prstGeom prst="straightConnector1">
+            <a:avLst/>
+          </a:prstGeom>
+          <a:ln>
+            <a:tailEnd type="triangle"/>
+          </a:ln>
+        </p:spPr>
+        <p:style>
+          <a:lnRef idx="1">
+            <a:schemeClr val="accent1"/>
+          </a:lnRef>
+          <a:fillRef idx="0">
+            <a:schemeClr val="accent1"/>
+          </a:fillRef>
+          <a:effectRef idx="0">
+            <a:schemeClr val="accent1"/>
+          </a:effectRef>
+          <a:fontRef idx="minor">
+            <a:schemeClr val="tx1"/>
+          </a:fontRef>
+        </p:style>
+      </p:cxnSp>
+      <p:cxnSp>
+        <p:nvCxnSpPr>
+          <p:cNvPr id="73" name="Conector de Seta Reta 72">
+            <a:extLst>
+              <a:ext uri="{FF2B5EF4-FFF2-40B4-BE49-F238E27FC236}">
+                <a16:creationId xmlns:a16="http://schemas.microsoft.com/office/drawing/2014/main" id="{C47F1F93-925A-41E3-B4F1-42F7A6F2840A}"/>
+              </a:ext>
+            </a:extLst>
+          </p:cNvPr>
+          <p:cNvCxnSpPr>
+            <a:cxnSpLocks/>
+          </p:cNvCxnSpPr>
+          <p:nvPr/>
+        </p:nvCxnSpPr>
+        <p:spPr>
+          <a:xfrm flipV="1">
+            <a:off x="6598467" y="5095789"/>
+            <a:ext cx="1448308" cy="13999"/>
+          </a:xfrm>
+          <a:prstGeom prst="straightConnector1">
+            <a:avLst/>
+          </a:prstGeom>
+          <a:ln>
+            <a:tailEnd type="triangle"/>
+          </a:ln>
+        </p:spPr>
+        <p:style>
+          <a:lnRef idx="1">
+            <a:schemeClr val="accent1"/>
+          </a:lnRef>
+          <a:fillRef idx="0">
+            <a:schemeClr val="accent1"/>
+          </a:fillRef>
+          <a:effectRef idx="0">
+            <a:schemeClr val="accent1"/>
+          </a:effectRef>
+          <a:fontRef idx="minor">
+            <a:schemeClr val="tx1"/>
+          </a:fontRef>
+        </p:style>
+      </p:cxnSp>
+      <p:sp>
+        <p:nvSpPr>
+          <p:cNvPr id="81" name="CaixaDeTexto 80">
+            <a:extLst>
+              <a:ext uri="{FF2B5EF4-FFF2-40B4-BE49-F238E27FC236}">
+                <a16:creationId xmlns:a16="http://schemas.microsoft.com/office/drawing/2014/main" id="{ECE493CE-D17B-4BFE-BD91-4E56E5D69857}"/>
+              </a:ext>
+            </a:extLst>
+          </p:cNvPr>
+          <p:cNvSpPr txBox="1"/>
+          <p:nvPr/>
+        </p:nvSpPr>
+        <p:spPr>
+          <a:xfrm>
+            <a:off x="5834549" y="21848"/>
+            <a:ext cx="522900" cy="369332"/>
+          </a:xfrm>
+          <a:prstGeom prst="rect">
+            <a:avLst/>
+          </a:prstGeom>
+          <a:noFill/>
+        </p:spPr>
+        <p:txBody>
+          <a:bodyPr wrap="none" rtlCol="0">
+            <a:spAutoFit/>
+          </a:bodyPr>
+          <a:lstStyle/>
+          <a:p>
+            <a:r>
+              <a:rPr lang="pt-BR" b="1" dirty="0"/>
+              <a:t>LLD</a:t>
+            </a:r>
+          </a:p>
+        </p:txBody>
+      </p:sp>
+    </p:spTree>
+    <p:extLst>
+      <p:ext uri="{BB962C8B-B14F-4D97-AF65-F5344CB8AC3E}">
+        <p14:creationId xmlns:p14="http://schemas.microsoft.com/office/powerpoint/2010/main" val="2571974641"/>
+      </p:ext>
+    </p:extLst>
+  </p:cSld>
+  <p:clrMapOvr>
+    <a:masterClrMapping/>
+  </p:clrMapOvr>
+  <p:timing>
+    <p:tnLst>
+      <p:par>
+        <p:cTn id="1" dur="indefinite" restart="never" nodeType="tmRoot">
+          <p:childTnLst>
+            <p:seq concurrent="1" nextAc="seek">
+              <p:cTn id="2" dur="indefinite" nodeType="mainSeq">
+                <p:childTnLst>
+                  <p:par>
+                    <p:cTn id="3" fill="hold">
+                      <p:stCondLst>
+                        <p:cond delay="indefinite"/>
+                      </p:stCondLst>
+                      <p:childTnLst>
+                        <p:par>
+                          <p:cTn id="4" fill="hold">
+                            <p:stCondLst>
+                              <p:cond delay="0"/>
+                            </p:stCondLst>
+                            <p:childTnLst>
+                              <p:par>
+                                <p:cTn id="5" presetID="50" presetClass="path" presetSubtype="0" accel="50000" decel="50000" fill="hold" nodeType="clickEffect">
+                                  <p:stCondLst>
+                                    <p:cond delay="0"/>
+                                  </p:stCondLst>
+                                  <p:childTnLst>
+                                    <p:animMotion origin="layout" path="M 4.79167E-6 -1.85185E-6 L 0.30494 -1.85185E-6 C 0.44153 -1.85185E-6 0.61002 -0.03819 0.61002 -0.06898 L 0.61002 -0.13773 " pathEditMode="relative" rAng="0" ptsTypes="AAAA">
+                                      <p:cBhvr>
+                                        <p:cTn id="6" dur="2000" fill="hold"/>
+                                        <p:tgtEl>
+                                          <p:spTgt spid="30"/>
+                                        </p:tgtEl>
+                                        <p:attrNameLst>
+                                          <p:attrName>ppt_x</p:attrName>
+                                          <p:attrName>ppt_y</p:attrName>
+                                        </p:attrNameLst>
+                                      </p:cBhvr>
+                                      <p:rCtr x="30495" y="-6898"/>
+                                    </p:animMotion>
+                                  </p:childTnLst>
+                                </p:cTn>
+                              </p:par>
+                            </p:childTnLst>
+                          </p:cTn>
+                        </p:par>
+                      </p:childTnLst>
+                    </p:cTn>
+                  </p:par>
+                  <p:par>
+                    <p:cTn id="7" fill="hold">
+                      <p:stCondLst>
+                        <p:cond delay="indefinite"/>
+                      </p:stCondLst>
+                      <p:childTnLst>
+                        <p:par>
+                          <p:cTn id="8" fill="hold">
+                            <p:stCondLst>
+                              <p:cond delay="0"/>
+                            </p:stCondLst>
+                            <p:childTnLst>
+                              <p:par>
+                                <p:cTn id="9" presetID="1" presetClass="entr" presetSubtype="0" fill="hold" nodeType="clickEffect">
+                                  <p:stCondLst>
+                                    <p:cond delay="0"/>
+                                  </p:stCondLst>
+                                  <p:childTnLst>
+                                    <p:set>
+                                      <p:cBhvr>
+                                        <p:cTn id="10" dur="1" fill="hold">
+                                          <p:stCondLst>
+                                            <p:cond delay="0"/>
+                                          </p:stCondLst>
+                                        </p:cTn>
+                                        <p:tgtEl>
+                                          <p:spTgt spid="23"/>
+                                        </p:tgtEl>
+                                        <p:attrNameLst>
+                                          <p:attrName>style.visibility</p:attrName>
+                                        </p:attrNameLst>
+                                      </p:cBhvr>
+                                      <p:to>
+                                        <p:strVal val="visible"/>
+                                      </p:to>
+                                    </p:set>
+                                  </p:childTnLst>
+                                </p:cTn>
+                              </p:par>
+                              <p:par>
+                                <p:cTn id="11" presetID="1" presetClass="entr" presetSubtype="0" fill="hold" nodeType="withEffect">
+                                  <p:stCondLst>
+                                    <p:cond delay="0"/>
+                                  </p:stCondLst>
+                                  <p:childTnLst>
+                                    <p:set>
+                                      <p:cBhvr>
+                                        <p:cTn id="12" dur="1" fill="hold">
+                                          <p:stCondLst>
+                                            <p:cond delay="0"/>
+                                          </p:stCondLst>
+                                        </p:cTn>
+                                        <p:tgtEl>
+                                          <p:spTgt spid="50"/>
+                                        </p:tgtEl>
+                                        <p:attrNameLst>
+                                          <p:attrName>style.visibility</p:attrName>
+                                        </p:attrNameLst>
+                                      </p:cBhvr>
+                                      <p:to>
+                                        <p:strVal val="visible"/>
+                                      </p:to>
+                                    </p:set>
+                                  </p:childTnLst>
+                                </p:cTn>
+                              </p:par>
+                              <p:par>
+                                <p:cTn id="13" presetID="1" presetClass="entr" presetSubtype="0" fill="hold" nodeType="withEffect">
+                                  <p:stCondLst>
+                                    <p:cond delay="0"/>
+                                  </p:stCondLst>
+                                  <p:childTnLst>
+                                    <p:set>
+                                      <p:cBhvr>
+                                        <p:cTn id="14" dur="1" fill="hold">
+                                          <p:stCondLst>
+                                            <p:cond delay="0"/>
+                                          </p:stCondLst>
+                                        </p:cTn>
+                                        <p:tgtEl>
+                                          <p:spTgt spid="19"/>
+                                        </p:tgtEl>
+                                        <p:attrNameLst>
+                                          <p:attrName>style.visibility</p:attrName>
+                                        </p:attrNameLst>
+                                      </p:cBhvr>
+                                      <p:to>
+                                        <p:strVal val="visible"/>
+                                      </p:to>
+                                    </p:set>
+                                  </p:childTnLst>
+                                </p:cTn>
+                              </p:par>
+                              <p:par>
+                                <p:cTn id="15" presetID="1" presetClass="entr" presetSubtype="0" fill="hold" nodeType="withEffect">
+                                  <p:stCondLst>
+                                    <p:cond delay="0"/>
+                                  </p:stCondLst>
+                                  <p:childTnLst>
+                                    <p:set>
+                                      <p:cBhvr>
+                                        <p:cTn id="16" dur="1" fill="hold">
+                                          <p:stCondLst>
+                                            <p:cond delay="0"/>
+                                          </p:stCondLst>
+                                        </p:cTn>
+                                        <p:tgtEl>
+                                          <p:spTgt spid="1030"/>
+                                        </p:tgtEl>
+                                        <p:attrNameLst>
+                                          <p:attrName>style.visibility</p:attrName>
+                                        </p:attrNameLst>
+                                      </p:cBhvr>
+                                      <p:to>
+                                        <p:strVal val="visible"/>
+                                      </p:to>
+                                    </p:set>
+                                  </p:childTnLst>
+                                </p:cTn>
+                              </p:par>
+                              <p:par>
+                                <p:cTn id="17" presetID="1" presetClass="entr" presetSubtype="0" fill="hold" nodeType="withEffect">
+                                  <p:stCondLst>
+                                    <p:cond delay="0"/>
+                                  </p:stCondLst>
+                                  <p:childTnLst>
+                                    <p:set>
+                                      <p:cBhvr>
+                                        <p:cTn id="18" dur="1" fill="hold">
+                                          <p:stCondLst>
+                                            <p:cond delay="0"/>
+                                          </p:stCondLst>
+                                        </p:cTn>
+                                        <p:tgtEl>
+                                          <p:spTgt spid="25"/>
+                                        </p:tgtEl>
+                                        <p:attrNameLst>
+                                          <p:attrName>style.visibility</p:attrName>
+                                        </p:attrNameLst>
+                                      </p:cBhvr>
+                                      <p:to>
+                                        <p:strVal val="visible"/>
+                                      </p:to>
+                                    </p:set>
+                                  </p:childTnLst>
+                                </p:cTn>
+                              </p:par>
+                              <p:par>
+                                <p:cTn id="19" presetID="1" presetClass="entr" presetSubtype="0" fill="hold" nodeType="withEffect">
+                                  <p:stCondLst>
+                                    <p:cond delay="0"/>
+                                  </p:stCondLst>
+                                  <p:childTnLst>
+                                    <p:set>
+                                      <p:cBhvr>
+                                        <p:cTn id="20" dur="1" fill="hold">
+                                          <p:stCondLst>
+                                            <p:cond delay="0"/>
+                                          </p:stCondLst>
+                                        </p:cTn>
+                                        <p:tgtEl>
+                                          <p:spTgt spid="10"/>
+                                        </p:tgtEl>
+                                        <p:attrNameLst>
+                                          <p:attrName>style.visibility</p:attrName>
+                                        </p:attrNameLst>
+                                      </p:cBhvr>
+                                      <p:to>
+                                        <p:strVal val="visible"/>
+                                      </p:to>
+                                    </p:set>
+                                  </p:childTnLst>
+                                </p:cTn>
+                              </p:par>
+                            </p:childTnLst>
+                          </p:cTn>
+                        </p:par>
+                      </p:childTnLst>
+                    </p:cTn>
+                  </p:par>
+                </p:childTnLst>
+              </p:cTn>
+              <p:prevCondLst>
+                <p:cond evt="onPrev" delay="0">
+                  <p:tgtEl>
+                    <p:sldTgt/>
+                  </p:tgtEl>
+                </p:cond>
+              </p:prevCondLst>
+              <p:nextCondLst>
+                <p:cond evt="onNext" delay="0">
+                  <p:tgtEl>
+                    <p:sldTgt/>
+                  </p:tgtEl>
+                </p:cond>
+              </p:nextCondLst>
+            </p:seq>
+          </p:childTnLst>
+        </p:cTn>
+      </p:par>
+    </p:tnLst>
+  </p:timing>
 </p:sld>
 </file>
 
@@ -5716,6 +7549,21 @@
 </file>
 
 <file path=customXml/item1.xml><?xml version="1.0" encoding="utf-8"?>
+<p:properties xmlns:p="http://schemas.microsoft.com/office/2006/metadata/properties" xmlns:xsi="http://www.w3.org/2001/XMLSchema-instance" xmlns:pc="http://schemas.microsoft.com/office/infopath/2007/PartnerControls">
+  <documentManagement/>
+</p:properties>
+</file>
+
+<file path=customXml/item2.xml><?xml version="1.0" encoding="utf-8"?>
+<?mso-contentType ?>
+<FormTemplates xmlns="http://schemas.microsoft.com/sharepoint/v3/contenttype/forms">
+  <Display>DocumentLibraryForm</Display>
+  <Edit>DocumentLibraryForm</Edit>
+  <New>DocumentLibraryForm</New>
+</FormTemplates>
+</file>
+
+<file path=customXml/item3.xml><?xml version="1.0" encoding="utf-8"?>
 <ct:contentTypeSchema xmlns:ct="http://schemas.microsoft.com/office/2006/metadata/contentType" xmlns:ma="http://schemas.microsoft.com/office/2006/metadata/properties/metaAttributes" ct:_="" ma:_="" ma:contentTypeName="Document" ma:contentTypeID="0x010100B98A8EE2A9F7A14F94CEDBF06729C915" ma:contentTypeVersion="2" ma:contentTypeDescription="Create a new document." ma:contentTypeScope="" ma:versionID="54211dd7b80d0a5e350bd2ce1fda18e0">
   <xsd:schema xmlns:xsd="http://www.w3.org/2001/XMLSchema" xmlns:xs="http://www.w3.org/2001/XMLSchema" xmlns:p="http://schemas.microsoft.com/office/2006/metadata/properties" xmlns:ns3="4d0c820a-888c-467f-9883-f2eb09285986" targetNamespace="http://schemas.microsoft.com/office/2006/metadata/properties" ma:root="true" ma:fieldsID="215748a485b3af4a87eff8123adb26da" ns3:_="">
     <xsd:import namespace="4d0c820a-888c-467f-9883-f2eb09285986"/>
@@ -5847,22 +7695,31 @@
 </ct:contentTypeSchema>
 </file>
 
-<file path=customXml/item2.xml><?xml version="1.0" encoding="utf-8"?>
-<?mso-contentType ?>
-<FormTemplates xmlns="http://schemas.microsoft.com/sharepoint/v3/contenttype/forms">
-  <Display>DocumentLibraryForm</Display>
-  <Edit>DocumentLibraryForm</Edit>
-  <New>DocumentLibraryForm</New>
-</FormTemplates>
+<file path=customXml/itemProps1.xml><?xml version="1.0" encoding="utf-8"?>
+<ds:datastoreItem xmlns:ds="http://schemas.openxmlformats.org/officeDocument/2006/customXml" ds:itemID="{B1403ECD-64BE-4472-A72B-8AE2B2D302D4}">
+  <ds:schemaRefs>
+    <ds:schemaRef ds:uri="http://schemas.microsoft.com/office/2006/documentManagement/types"/>
+    <ds:schemaRef ds:uri="http://schemas.microsoft.com/office/infopath/2007/PartnerControls"/>
+    <ds:schemaRef ds:uri="http://www.w3.org/XML/1998/namespace"/>
+    <ds:schemaRef ds:uri="4d0c820a-888c-467f-9883-f2eb09285986"/>
+    <ds:schemaRef ds:uri="http://purl.org/dc/terms/"/>
+    <ds:schemaRef ds:uri="http://purl.org/dc/dcmitype/"/>
+    <ds:schemaRef ds:uri="http://purl.org/dc/elements/1.1/"/>
+    <ds:schemaRef ds:uri="http://schemas.openxmlformats.org/package/2006/metadata/core-properties"/>
+    <ds:schemaRef ds:uri="http://schemas.microsoft.com/office/2006/metadata/properties"/>
+  </ds:schemaRefs>
+</ds:datastoreItem>
 </file>
 
-<file path=customXml/item3.xml><?xml version="1.0" encoding="utf-8"?>
-<p:properties xmlns:p="http://schemas.microsoft.com/office/2006/metadata/properties" xmlns:xsi="http://www.w3.org/2001/XMLSchema-instance" xmlns:pc="http://schemas.microsoft.com/office/infopath/2007/PartnerControls">
-  <documentManagement/>
-</p:properties>
+<file path=customXml/itemProps2.xml><?xml version="1.0" encoding="utf-8"?>
+<ds:datastoreItem xmlns:ds="http://schemas.openxmlformats.org/officeDocument/2006/customXml" ds:itemID="{C361E357-1858-46EE-ADFA-698EE4D9C360}">
+  <ds:schemaRefs>
+    <ds:schemaRef ds:uri="http://schemas.microsoft.com/sharepoint/v3/contenttype/forms"/>
+  </ds:schemaRefs>
+</ds:datastoreItem>
 </file>
 
-<file path=customXml/itemProps1.xml><?xml version="1.0" encoding="utf-8"?>
+<file path=customXml/itemProps3.xml><?xml version="1.0" encoding="utf-8"?>
 <ds:datastoreItem xmlns:ds="http://schemas.openxmlformats.org/officeDocument/2006/customXml" ds:itemID="{94021B74-C88A-417E-AEFD-9E5858425111}">
   <ds:schemaRefs>
     <ds:schemaRef ds:uri="http://schemas.microsoft.com/office/2006/metadata/contentType"/>
@@ -5878,28 +7735,4 @@
     <ds:schemaRef ds:uri="http://schemas.microsoft.com/internal/obd"/>
   </ds:schemaRefs>
 </ds:datastoreItem>
-</file>
-
-<file path=customXml/itemProps2.xml><?xml version="1.0" encoding="utf-8"?>
-<ds:datastoreItem xmlns:ds="http://schemas.openxmlformats.org/officeDocument/2006/customXml" ds:itemID="{C361E357-1858-46EE-ADFA-698EE4D9C360}">
-  <ds:schemaRefs>
-    <ds:schemaRef ds:uri="http://schemas.microsoft.com/sharepoint/v3/contenttype/forms"/>
-  </ds:schemaRefs>
-</ds:datastoreItem>
-</file>
-
-<file path=customXml/itemProps3.xml><?xml version="1.0" encoding="utf-8"?>
-<ds:datastoreItem xmlns:ds="http://schemas.openxmlformats.org/officeDocument/2006/customXml" ds:itemID="{B1403ECD-64BE-4472-A72B-8AE2B2D302D4}">
-  <ds:schemaRefs>
-    <ds:schemaRef ds:uri="http://schemas.microsoft.com/office/2006/documentManagement/types"/>
-    <ds:schemaRef ds:uri="http://schemas.microsoft.com/office/infopath/2007/PartnerControls"/>
-    <ds:schemaRef ds:uri="http://www.w3.org/XML/1998/namespace"/>
-    <ds:schemaRef ds:uri="4d0c820a-888c-467f-9883-f2eb09285986"/>
-    <ds:schemaRef ds:uri="http://purl.org/dc/terms/"/>
-    <ds:schemaRef ds:uri="http://purl.org/dc/dcmitype/"/>
-    <ds:schemaRef ds:uri="http://purl.org/dc/elements/1.1/"/>
-    <ds:schemaRef ds:uri="http://schemas.openxmlformats.org/package/2006/metadata/core-properties"/>
-    <ds:schemaRef ds:uri="http://schemas.microsoft.com/office/2006/metadata/properties"/>
-  </ds:schemaRefs>
-</ds:datastoreItem>
 </file>